--- a/docs/Autoformation_Git.pptx
+++ b/docs/Autoformation_Git.pptx
@@ -8,8 +8,13 @@
     <p:sldId id="256" r:id="rId2"/>
     <p:sldId id="257" r:id="rId3"/>
     <p:sldId id="258" r:id="rId4"/>
-    <p:sldId id="259" r:id="rId5"/>
-    <p:sldId id="260" r:id="rId6"/>
+    <p:sldId id="263" r:id="rId5"/>
+    <p:sldId id="264" r:id="rId6"/>
+    <p:sldId id="259" r:id="rId7"/>
+    <p:sldId id="261" r:id="rId8"/>
+    <p:sldId id="262" r:id="rId9"/>
+    <p:sldId id="265" r:id="rId10"/>
+    <p:sldId id="260" r:id="rId11"/>
   </p:sldIdLst>
   <p:sldSz cx="12192000" cy="6858000"/>
   <p:notesSz cx="6858000" cy="9144000"/>
@@ -247,7 +252,7 @@
           <a:p>
             <a:fld id="{488F90A8-69E9-4263-AE3A-CD53E7F82CD2}" type="datetimeFigureOut">
               <a:rPr lang="fr-FR" smtClean="0"/>
-              <a:t>02/11/2020</a:t>
+              <a:t>03/11/2020</a:t>
             </a:fld>
             <a:endParaRPr lang="fr-FR"/>
           </a:p>
@@ -417,7 +422,7 @@
           <a:p>
             <a:fld id="{488F90A8-69E9-4263-AE3A-CD53E7F82CD2}" type="datetimeFigureOut">
               <a:rPr lang="fr-FR" smtClean="0"/>
-              <a:t>02/11/2020</a:t>
+              <a:t>03/11/2020</a:t>
             </a:fld>
             <a:endParaRPr lang="fr-FR"/>
           </a:p>
@@ -597,7 +602,7 @@
           <a:p>
             <a:fld id="{488F90A8-69E9-4263-AE3A-CD53E7F82CD2}" type="datetimeFigureOut">
               <a:rPr lang="fr-FR" smtClean="0"/>
-              <a:t>02/11/2020</a:t>
+              <a:t>03/11/2020</a:t>
             </a:fld>
             <a:endParaRPr lang="fr-FR"/>
           </a:p>
@@ -767,7 +772,7 @@
           <a:p>
             <a:fld id="{488F90A8-69E9-4263-AE3A-CD53E7F82CD2}" type="datetimeFigureOut">
               <a:rPr lang="fr-FR" smtClean="0"/>
-              <a:t>02/11/2020</a:t>
+              <a:t>03/11/2020</a:t>
             </a:fld>
             <a:endParaRPr lang="fr-FR"/>
           </a:p>
@@ -1013,7 +1018,7 @@
           <a:p>
             <a:fld id="{488F90A8-69E9-4263-AE3A-CD53E7F82CD2}" type="datetimeFigureOut">
               <a:rPr lang="fr-FR" smtClean="0"/>
-              <a:t>02/11/2020</a:t>
+              <a:t>03/11/2020</a:t>
             </a:fld>
             <a:endParaRPr lang="fr-FR"/>
           </a:p>
@@ -1245,7 +1250,7 @@
           <a:p>
             <a:fld id="{488F90A8-69E9-4263-AE3A-CD53E7F82CD2}" type="datetimeFigureOut">
               <a:rPr lang="fr-FR" smtClean="0"/>
-              <a:t>02/11/2020</a:t>
+              <a:t>03/11/2020</a:t>
             </a:fld>
             <a:endParaRPr lang="fr-FR"/>
           </a:p>
@@ -1612,7 +1617,7 @@
           <a:p>
             <a:fld id="{488F90A8-69E9-4263-AE3A-CD53E7F82CD2}" type="datetimeFigureOut">
               <a:rPr lang="fr-FR" smtClean="0"/>
-              <a:t>02/11/2020</a:t>
+              <a:t>03/11/2020</a:t>
             </a:fld>
             <a:endParaRPr lang="fr-FR"/>
           </a:p>
@@ -1730,7 +1735,7 @@
           <a:p>
             <a:fld id="{488F90A8-69E9-4263-AE3A-CD53E7F82CD2}" type="datetimeFigureOut">
               <a:rPr lang="fr-FR" smtClean="0"/>
-              <a:t>02/11/2020</a:t>
+              <a:t>03/11/2020</a:t>
             </a:fld>
             <a:endParaRPr lang="fr-FR"/>
           </a:p>
@@ -1825,7 +1830,7 @@
           <a:p>
             <a:fld id="{488F90A8-69E9-4263-AE3A-CD53E7F82CD2}" type="datetimeFigureOut">
               <a:rPr lang="fr-FR" smtClean="0"/>
-              <a:t>02/11/2020</a:t>
+              <a:t>03/11/2020</a:t>
             </a:fld>
             <a:endParaRPr lang="fr-FR"/>
           </a:p>
@@ -2102,7 +2107,7 @@
           <a:p>
             <a:fld id="{488F90A8-69E9-4263-AE3A-CD53E7F82CD2}" type="datetimeFigureOut">
               <a:rPr lang="fr-FR" smtClean="0"/>
-              <a:t>02/11/2020</a:t>
+              <a:t>03/11/2020</a:t>
             </a:fld>
             <a:endParaRPr lang="fr-FR"/>
           </a:p>
@@ -2355,7 +2360,7 @@
           <a:p>
             <a:fld id="{488F90A8-69E9-4263-AE3A-CD53E7F82CD2}" type="datetimeFigureOut">
               <a:rPr lang="fr-FR" smtClean="0"/>
-              <a:t>02/11/2020</a:t>
+              <a:t>03/11/2020</a:t>
             </a:fld>
             <a:endParaRPr lang="fr-FR"/>
           </a:p>
@@ -2568,7 +2573,7 @@
           <a:p>
             <a:fld id="{488F90A8-69E9-4263-AE3A-CD53E7F82CD2}" type="datetimeFigureOut">
               <a:rPr lang="fr-FR" smtClean="0"/>
-              <a:t>02/11/2020</a:t>
+              <a:t>03/11/2020</a:t>
             </a:fld>
             <a:endParaRPr lang="fr-FR"/>
           </a:p>
@@ -3042,6 +3047,465 @@
 </p:sld>
 </file>
 
+<file path=ppt/slides/slide10.xml><?xml version="1.0" encoding="utf-8"?>
+<p:sld xmlns:a="http://schemas.openxmlformats.org/drawingml/2006/main" xmlns:r="http://schemas.openxmlformats.org/officeDocument/2006/relationships" xmlns:p="http://schemas.openxmlformats.org/presentationml/2006/main">
+  <p:cSld>
+    <p:spTree>
+      <p:nvGrpSpPr>
+        <p:cNvPr id="1" name=""/>
+        <p:cNvGrpSpPr/>
+        <p:nvPr/>
+      </p:nvGrpSpPr>
+      <p:grpSpPr>
+        <a:xfrm>
+          <a:off x="0" y="0"/>
+          <a:ext cx="0" cy="0"/>
+          <a:chOff x="0" y="0"/>
+          <a:chExt cx="0" cy="0"/>
+        </a:xfrm>
+      </p:grpSpPr>
+      <p:sp>
+        <p:nvSpPr>
+          <p:cNvPr id="2" name="Titre 1"/>
+          <p:cNvSpPr>
+            <a:spLocks noGrp="1"/>
+          </p:cNvSpPr>
+          <p:nvPr>
+            <p:ph type="title"/>
+          </p:nvPr>
+        </p:nvSpPr>
+        <p:spPr>
+          <a:xfrm>
+            <a:off x="839788" y="457200"/>
+            <a:ext cx="3932237" cy="909145"/>
+          </a:xfrm>
+        </p:spPr>
+        <p:txBody>
+          <a:bodyPr/>
+          <a:lstStyle/>
+          <a:p>
+            <a:r>
+              <a:rPr lang="fr-FR" dirty="0" smtClean="0"/>
+              <a:t>ECDSA</a:t>
+            </a:r>
+            <a:endParaRPr lang="fr-FR" dirty="0"/>
+          </a:p>
+        </p:txBody>
+      </p:sp>
+      <p:pic>
+        <p:nvPicPr>
+          <p:cNvPr id="5" name="Espace réservé du contenu 4"/>
+          <p:cNvPicPr>
+            <a:picLocks noGrp="1" noChangeAspect="1"/>
+          </p:cNvPicPr>
+          <p:nvPr>
+            <p:ph idx="1"/>
+          </p:nvPr>
+        </p:nvPicPr>
+        <p:blipFill>
+          <a:blip r:embed="rId2">
+            <a:extLst>
+              <a:ext uri="{28A0092B-C50C-407E-A947-70E740481C1C}">
+                <a14:useLocalDpi xmlns:a14="http://schemas.microsoft.com/office/drawing/2010/main" val="0"/>
+              </a:ext>
+            </a:extLst>
+          </a:blip>
+          <a:stretch>
+            <a:fillRect/>
+          </a:stretch>
+        </p:blipFill>
+        <p:spPr>
+          <a:xfrm>
+            <a:off x="7112000" y="2438400"/>
+            <a:ext cx="2314575" cy="1971675"/>
+          </a:xfrm>
+        </p:spPr>
+      </p:pic>
+      <p:sp>
+        <p:nvSpPr>
+          <p:cNvPr id="4" name="Espace réservé du texte 3"/>
+          <p:cNvSpPr>
+            <a:spLocks noGrp="1"/>
+          </p:cNvSpPr>
+          <p:nvPr>
+            <p:ph type="body" sz="half" idx="2"/>
+          </p:nvPr>
+        </p:nvSpPr>
+        <p:spPr>
+          <a:xfrm>
+            <a:off x="1078350" y="1629104"/>
+            <a:ext cx="5715739" cy="4635062"/>
+          </a:xfrm>
+        </p:spPr>
+        <p:txBody>
+          <a:bodyPr>
+            <a:normAutofit fontScale="70000" lnSpcReduction="20000"/>
+          </a:bodyPr>
+          <a:lstStyle/>
+          <a:p>
+            <a:pPr marL="285750" indent="-285750">
+              <a:buFont typeface="Wingdings" panose="05000000000000000000" pitchFamily="2" charset="2"/>
+              <a:buChar char="Ø"/>
+            </a:pPr>
+            <a:r>
+              <a:rPr lang="fr-FR" u="sng" dirty="0" smtClean="0"/>
+              <a:t>Grandes lignes</a:t>
+            </a:r>
+          </a:p>
+          <a:p>
+            <a:pPr marL="285750" indent="-285750">
+              <a:buFont typeface="Arial" panose="020B0604020202020204" pitchFamily="34" charset="0"/>
+              <a:buChar char="•"/>
+            </a:pPr>
+            <a:r>
+              <a:rPr lang="fr-FR" b="1" dirty="0" err="1" smtClean="0"/>
+              <a:t>E</a:t>
+            </a:r>
+            <a:r>
+              <a:rPr lang="fr-FR" dirty="0" err="1" smtClean="0"/>
+              <a:t>lliptic</a:t>
+            </a:r>
+            <a:r>
+              <a:rPr lang="fr-FR" dirty="0" smtClean="0"/>
+              <a:t> </a:t>
+            </a:r>
+            <a:r>
+              <a:rPr lang="fr-FR" b="1" dirty="0" err="1"/>
+              <a:t>C</a:t>
+            </a:r>
+            <a:r>
+              <a:rPr lang="fr-FR" dirty="0" err="1" smtClean="0"/>
+              <a:t>urve</a:t>
+            </a:r>
+            <a:r>
+              <a:rPr lang="fr-FR" dirty="0" smtClean="0"/>
+              <a:t> </a:t>
+            </a:r>
+            <a:r>
+              <a:rPr lang="fr-FR" b="1" dirty="0" smtClean="0"/>
+              <a:t>D</a:t>
+            </a:r>
+            <a:r>
+              <a:rPr lang="fr-FR" dirty="0" smtClean="0"/>
+              <a:t>igital </a:t>
+            </a:r>
+            <a:r>
+              <a:rPr lang="fr-FR" b="1" dirty="0" smtClean="0"/>
+              <a:t>S</a:t>
+            </a:r>
+            <a:r>
+              <a:rPr lang="fr-FR" dirty="0" smtClean="0"/>
+              <a:t>ignature </a:t>
+            </a:r>
+            <a:r>
+              <a:rPr lang="fr-FR" b="1" dirty="0" err="1" smtClean="0"/>
+              <a:t>A</a:t>
+            </a:r>
+            <a:r>
+              <a:rPr lang="fr-FR" dirty="0" err="1" smtClean="0"/>
+              <a:t>lgorithm</a:t>
+            </a:r>
+            <a:r>
+              <a:rPr lang="fr-FR" dirty="0" smtClean="0"/>
+              <a:t>  (norme ANSI X9.62)</a:t>
+            </a:r>
+          </a:p>
+          <a:p>
+            <a:pPr marL="285750" indent="-285750">
+              <a:buFont typeface="Arial" panose="020B0604020202020204" pitchFamily="34" charset="0"/>
+              <a:buChar char="•"/>
+            </a:pPr>
+            <a:r>
+              <a:rPr lang="fr-FR" dirty="0" smtClean="0"/>
+              <a:t>Un des systèmes de chiffrements à clé publique</a:t>
+            </a:r>
+          </a:p>
+          <a:p>
+            <a:pPr marL="285750" indent="-285750">
+              <a:buFont typeface="Arial" panose="020B0604020202020204" pitchFamily="34" charset="0"/>
+              <a:buChar char="•"/>
+            </a:pPr>
+            <a:r>
+              <a:rPr lang="fr-FR" dirty="0" smtClean="0"/>
+              <a:t>Avantages vs DSA et RSA : clés plus courtes et opérations plus rapides</a:t>
+            </a:r>
+          </a:p>
+          <a:p>
+            <a:pPr marL="285750" indent="-285750">
+              <a:buFont typeface="Wingdings" panose="05000000000000000000" pitchFamily="2" charset="2"/>
+              <a:buChar char="Ø"/>
+            </a:pPr>
+            <a:r>
+              <a:rPr lang="fr-FR" sz="1500" u="sng" dirty="0"/>
+              <a:t>Courbe elliptique (  </a:t>
+            </a:r>
+            <a:r>
+              <a:rPr lang="fr-FR" sz="1500" u="sng" dirty="0" err="1"/>
+              <a:t>Elliptic</a:t>
+            </a:r>
+            <a:r>
+              <a:rPr lang="fr-FR" sz="1500" u="sng" dirty="0"/>
+              <a:t> </a:t>
+            </a:r>
+            <a:r>
+              <a:rPr lang="fr-FR" sz="1500" u="sng" dirty="0" err="1"/>
+              <a:t>curve</a:t>
+            </a:r>
+            <a:r>
+              <a:rPr lang="fr-FR" sz="1500" u="sng" dirty="0"/>
+              <a:t> )</a:t>
+            </a:r>
+          </a:p>
+          <a:p>
+            <a:pPr marL="285750" indent="-285750">
+              <a:buFont typeface="Arial" panose="020B0604020202020204" pitchFamily="34" charset="0"/>
+              <a:buChar char="•"/>
+            </a:pPr>
+            <a:r>
+              <a:rPr lang="fr-FR" dirty="0"/>
+              <a:t>Courbe du </a:t>
+            </a:r>
+            <a:r>
+              <a:rPr lang="fr-FR" dirty="0" smtClean="0"/>
+              <a:t>plan cartésien d’équation : y^2 </a:t>
+            </a:r>
+            <a:r>
+              <a:rPr lang="fr-FR" dirty="0"/>
+              <a:t>= x^3 + </a:t>
+            </a:r>
+            <a:r>
+              <a:rPr lang="fr-FR" dirty="0" smtClean="0"/>
+              <a:t>a x </a:t>
+            </a:r>
+            <a:r>
+              <a:rPr lang="fr-FR" dirty="0"/>
+              <a:t>+ </a:t>
+            </a:r>
+            <a:r>
+              <a:rPr lang="fr-FR" dirty="0" smtClean="0"/>
+              <a:t>b</a:t>
+            </a:r>
+          </a:p>
+          <a:p>
+            <a:pPr marL="285750" indent="-285750">
+              <a:buFont typeface="Arial" panose="020B0604020202020204" pitchFamily="34" charset="0"/>
+              <a:buChar char="•"/>
+            </a:pPr>
+            <a:r>
+              <a:rPr lang="fr-FR" dirty="0" smtClean="0"/>
+              <a:t>ECDSA courbe elliptique  :  a =  n – 3 avec n premier  ; b aléatoire</a:t>
+            </a:r>
+          </a:p>
+          <a:p>
+            <a:pPr marL="285750" indent="-285750">
+              <a:buFont typeface="Arial" panose="020B0604020202020204" pitchFamily="34" charset="0"/>
+              <a:buChar char="•"/>
+            </a:pPr>
+            <a:r>
+              <a:rPr lang="fr-FR" dirty="0" smtClean="0"/>
+              <a:t>Points de coordonnées entières (</a:t>
+            </a:r>
+            <a:r>
+              <a:rPr lang="fr-FR" dirty="0" err="1" smtClean="0"/>
+              <a:t>x,y</a:t>
+            </a:r>
+            <a:r>
+              <a:rPr lang="fr-FR" dirty="0" smtClean="0"/>
+              <a:t>) sur cette courbe</a:t>
+            </a:r>
+          </a:p>
+          <a:p>
+            <a:pPr marL="285750" indent="-285750">
+              <a:buFont typeface="Arial" panose="020B0604020202020204" pitchFamily="34" charset="0"/>
+              <a:buChar char="•"/>
+            </a:pPr>
+            <a:r>
+              <a:rPr lang="fr-FR" dirty="0" smtClean="0"/>
+              <a:t>Loi de groupe fini GF(n)d’ordre n, additif sur ces points : P + Q  = -R</a:t>
+            </a:r>
+          </a:p>
+          <a:p>
+            <a:pPr marL="285750" indent="-285750">
+              <a:buFont typeface="Arial" panose="020B0604020202020204" pitchFamily="34" charset="0"/>
+              <a:buChar char="•"/>
+            </a:pPr>
+            <a:r>
+              <a:rPr lang="fr-FR" dirty="0" smtClean="0"/>
+              <a:t>P(</a:t>
+            </a:r>
+            <a:r>
+              <a:rPr lang="fr-FR" dirty="0" err="1" smtClean="0"/>
+              <a:t>x,y</a:t>
+            </a:r>
+            <a:r>
+              <a:rPr lang="fr-FR" dirty="0" smtClean="0"/>
+              <a:t>) and –P(x,-y) sont symétriques par rapport à l’axe  des abscisses</a:t>
+            </a:r>
+          </a:p>
+          <a:p>
+            <a:pPr marL="285750" indent="-285750">
+              <a:buFont typeface="Wingdings" panose="05000000000000000000" pitchFamily="2" charset="2"/>
+              <a:buChar char="Ø"/>
+            </a:pPr>
+            <a:r>
+              <a:rPr lang="fr-FR" u="sng" dirty="0" smtClean="0"/>
+              <a:t>Chiffrement ECDSA </a:t>
+            </a:r>
+            <a:endParaRPr lang="fr-FR" dirty="0"/>
+          </a:p>
+          <a:p>
+            <a:pPr marL="285750" indent="-285750">
+              <a:buFont typeface="Arial" panose="020B0604020202020204" pitchFamily="34" charset="0"/>
+              <a:buChar char="•"/>
+            </a:pPr>
+            <a:r>
+              <a:rPr lang="fr-FR" dirty="0" smtClean="0"/>
+              <a:t>Clé publique  : la courbe elliptique, un point G « point de base »  de cette courbe tel </a:t>
+            </a:r>
+            <a:r>
+              <a:rPr lang="fr-FR" dirty="0"/>
+              <a:t> </a:t>
+            </a:r>
+            <a:r>
+              <a:rPr lang="fr-FR" dirty="0" smtClean="0"/>
+              <a:t>que </a:t>
+            </a:r>
+            <a:r>
+              <a:rPr lang="fr-FR" dirty="0" err="1" smtClean="0"/>
+              <a:t>nG</a:t>
+            </a:r>
+            <a:r>
+              <a:rPr lang="fr-FR" dirty="0" smtClean="0"/>
+              <a:t> = O point à l’</a:t>
+            </a:r>
+            <a:r>
+              <a:rPr lang="fr-FR" smtClean="0"/>
+              <a:t>infin)</a:t>
+            </a:r>
+            <a:endParaRPr lang="fr-FR" dirty="0" smtClean="0"/>
+          </a:p>
+          <a:p>
+            <a:pPr marL="285750" indent="-285750">
+              <a:buFont typeface="Arial" panose="020B0604020202020204" pitchFamily="34" charset="0"/>
+              <a:buChar char="•"/>
+            </a:pPr>
+            <a:r>
+              <a:rPr lang="fr-FR" dirty="0" smtClean="0"/>
+              <a:t>Clé privée :  un entier s quelconque entre 1 et n-1</a:t>
+            </a:r>
+          </a:p>
+          <a:p>
+            <a:pPr marL="285750" indent="-285750">
+              <a:buFont typeface="Arial" panose="020B0604020202020204" pitchFamily="34" charset="0"/>
+              <a:buChar char="•"/>
+            </a:pPr>
+            <a:r>
+              <a:rPr lang="fr-FR" dirty="0" smtClean="0"/>
+              <a:t>Hash : un entier k entre 1 et n - 1</a:t>
+            </a:r>
+          </a:p>
+          <a:p>
+            <a:pPr marL="285750" indent="-285750">
+              <a:buFont typeface="Arial" panose="020B0604020202020204" pitchFamily="34" charset="0"/>
+              <a:buChar char="•"/>
+            </a:pPr>
+            <a:r>
+              <a:rPr lang="fr-FR" dirty="0" smtClean="0"/>
+              <a:t>Empreinte est constitué des coordonnées cartésiennes (</a:t>
+            </a:r>
+            <a:r>
+              <a:rPr lang="fr-FR" dirty="0" err="1" smtClean="0"/>
+              <a:t>x,y</a:t>
+            </a:r>
+            <a:r>
+              <a:rPr lang="fr-FR" dirty="0" smtClean="0"/>
+              <a:t>) de </a:t>
+            </a:r>
+            <a:r>
+              <a:rPr lang="fr-FR" dirty="0" err="1" smtClean="0"/>
+              <a:t>kG</a:t>
+            </a:r>
+            <a:r>
+              <a:rPr lang="fr-FR" dirty="0" smtClean="0"/>
+              <a:t> modulo n et à un « salage » près fonction de s</a:t>
+            </a:r>
+          </a:p>
+          <a:p>
+            <a:pPr marL="285750" indent="-285750">
+              <a:buFont typeface="Wingdings" panose="05000000000000000000" pitchFamily="2" charset="2"/>
+              <a:buChar char="Ø"/>
+            </a:pPr>
+            <a:r>
+              <a:rPr lang="fr-FR" u="sng" dirty="0" smtClean="0"/>
+              <a:t>Déchiffrement </a:t>
+            </a:r>
+            <a:r>
+              <a:rPr lang="fr-FR" u="sng" dirty="0"/>
+              <a:t>ECDSA </a:t>
+            </a:r>
+            <a:endParaRPr lang="fr-FR" dirty="0"/>
+          </a:p>
+          <a:p>
+            <a:pPr marL="285750" indent="-285750">
+              <a:buFont typeface="Arial" panose="020B0604020202020204" pitchFamily="34" charset="0"/>
+              <a:buChar char="•"/>
+            </a:pPr>
+            <a:r>
+              <a:rPr lang="fr-FR" dirty="0" smtClean="0"/>
+              <a:t>Vérification que n(</a:t>
+            </a:r>
+            <a:r>
+              <a:rPr lang="fr-FR" dirty="0" err="1" smtClean="0"/>
+              <a:t>kG</a:t>
+            </a:r>
+            <a:r>
+              <a:rPr lang="fr-FR" dirty="0" smtClean="0"/>
+              <a:t>) = O (addition commutative et </a:t>
+            </a:r>
+            <a:r>
+              <a:rPr lang="fr-FR" dirty="0" err="1" smtClean="0"/>
+              <a:t>nG</a:t>
+            </a:r>
+            <a:r>
+              <a:rPr lang="fr-FR" dirty="0" smtClean="0"/>
+              <a:t> = O) et que le déchiffrement basé sur la clé publique et (</a:t>
+            </a:r>
+            <a:r>
+              <a:rPr lang="fr-FR" dirty="0" err="1" smtClean="0"/>
+              <a:t>x,y</a:t>
+            </a:r>
+            <a:r>
+              <a:rPr lang="fr-FR" dirty="0" smtClean="0"/>
+              <a:t>) donne </a:t>
+            </a:r>
+            <a:r>
+              <a:rPr lang="fr-FR" dirty="0" err="1" smtClean="0"/>
+              <a:t>kG</a:t>
+            </a:r>
+            <a:endParaRPr lang="fr-FR" dirty="0" smtClean="0"/>
+          </a:p>
+        </p:txBody>
+      </p:sp>
+    </p:spTree>
+    <p:extLst>
+      <p:ext uri="{BB962C8B-B14F-4D97-AF65-F5344CB8AC3E}">
+        <p14:creationId xmlns:p14="http://schemas.microsoft.com/office/powerpoint/2010/main" val="2108602199"/>
+      </p:ext>
+    </p:extLst>
+  </p:cSld>
+  <p:clrMapOvr>
+    <a:masterClrMapping/>
+  </p:clrMapOvr>
+  <p:timing>
+    <p:tnLst>
+      <p:par>
+        <p:cTn id="1" dur="indefinite" restart="never" nodeType="tmRoot"/>
+      </p:par>
+    </p:tnLst>
+  </p:timing>
+</p:sld>
+</file>
+
 <file path=ppt/slides/slide2.xml><?xml version="1.0" encoding="utf-8"?>
 <p:sld xmlns:a="http://schemas.openxmlformats.org/drawingml/2006/main" xmlns:r="http://schemas.openxmlformats.org/officeDocument/2006/relationships" xmlns:p="http://schemas.openxmlformats.org/presentationml/2006/main">
   <p:cSld>
@@ -3321,7 +3785,7 @@
           <a:p>
             <a:r>
               <a:rPr lang="fr-FR" dirty="0" smtClean="0"/>
-              <a:t>Signature numérique</a:t>
+              <a:t>Mise en œuvre GIT</a:t>
             </a:r>
             <a:endParaRPr lang="fr-FR" dirty="0"/>
           </a:p>
@@ -3374,7 +3838,7 @@
         </p:spPr>
         <p:txBody>
           <a:bodyPr>
-            <a:normAutofit fontScale="77500" lnSpcReduction="20000"/>
+            <a:normAutofit fontScale="92500" lnSpcReduction="20000"/>
           </a:bodyPr>
           <a:lstStyle/>
           <a:p>
@@ -3384,35 +3848,131 @@
             </a:pPr>
             <a:r>
               <a:rPr lang="fr-FR" u="sng" dirty="0" smtClean="0"/>
-              <a:t>Deux services fondamentaux </a:t>
-            </a:r>
-          </a:p>
-          <a:p>
-            <a:pPr marL="285750" indent="-285750">
-              <a:buFont typeface="Arial" panose="020B0604020202020204" pitchFamily="34" charset="0"/>
-              <a:buChar char="•"/>
-            </a:pPr>
+              <a:t>Serveur GIT en machine virtuelle </a:t>
+            </a:r>
+          </a:p>
+          <a:p>
+            <a:pPr marL="285750" indent="-285750">
+              <a:buFont typeface="Arial" panose="020B0604020202020204" pitchFamily="34" charset="0"/>
+              <a:buChar char="•"/>
+            </a:pPr>
+            <a:r>
+              <a:rPr lang="fr-FR" dirty="0" smtClean="0"/>
+              <a:t>Installation</a:t>
+            </a:r>
             <a:r>
               <a:rPr lang="fr-FR" b="1" dirty="0" smtClean="0"/>
-              <a:t>authentification</a:t>
-            </a:r>
-            <a:r>
-              <a:rPr lang="fr-FR" dirty="0" smtClean="0"/>
-              <a:t> de l’émetteur</a:t>
-            </a:r>
-          </a:p>
-          <a:p>
-            <a:pPr marL="285750" indent="-285750">
-              <a:buFont typeface="Arial" panose="020B0604020202020204" pitchFamily="34" charset="0"/>
-              <a:buChar char="•"/>
-            </a:pPr>
+              <a:t> </a:t>
+            </a:r>
+            <a:r>
+              <a:rPr lang="fr-FR" dirty="0"/>
+              <a:t>d</a:t>
+            </a:r>
+            <a:r>
+              <a:rPr lang="fr-FR" dirty="0" smtClean="0"/>
+              <a:t>’une</a:t>
+            </a:r>
             <a:r>
               <a:rPr lang="fr-FR" b="1" dirty="0" smtClean="0"/>
-              <a:t>non altération </a:t>
-            </a:r>
-            <a:r>
-              <a:rPr lang="fr-FR" dirty="0" smtClean="0"/>
-              <a:t>des données jointes</a:t>
+              <a:t> </a:t>
+            </a:r>
+            <a:r>
+              <a:rPr lang="fr-FR" dirty="0" smtClean="0"/>
+              <a:t>machine virtuelle </a:t>
+            </a:r>
+            <a:r>
+              <a:rPr lang="fr-FR" dirty="0" err="1" smtClean="0"/>
+              <a:t>CentOS</a:t>
+            </a:r>
+            <a:r>
+              <a:rPr lang="fr-FR" dirty="0" smtClean="0"/>
+              <a:t> 7 sur PC ATHENA (ORACLE Virtual Box)</a:t>
+            </a:r>
+          </a:p>
+          <a:p>
+            <a:pPr marL="285750" indent="-285750">
+              <a:buFont typeface="Arial" panose="020B0604020202020204" pitchFamily="34" charset="0"/>
+              <a:buChar char="•"/>
+            </a:pPr>
+            <a:r>
+              <a:rPr lang="fr-FR" dirty="0" smtClean="0"/>
+              <a:t>Alternative :  installation sur hyperviseur KVM</a:t>
+            </a:r>
+          </a:p>
+          <a:p>
+            <a:pPr marL="285750" indent="-285750">
+              <a:buFont typeface="Arial" panose="020B0604020202020204" pitchFamily="34" charset="0"/>
+              <a:buChar char="•"/>
+            </a:pPr>
+            <a:r>
+              <a:rPr lang="fr-FR" dirty="0" smtClean="0"/>
+              <a:t>Motifs choix </a:t>
+            </a:r>
+            <a:r>
+              <a:rPr lang="fr-FR" dirty="0" err="1" smtClean="0"/>
+              <a:t>CentOS</a:t>
+            </a:r>
+            <a:r>
+              <a:rPr lang="fr-FR" dirty="0" smtClean="0"/>
+              <a:t> 7 : disponibilités </a:t>
+            </a:r>
+            <a:r>
+              <a:rPr lang="fr-FR" dirty="0" err="1" smtClean="0"/>
+              <a:t>rpm</a:t>
+            </a:r>
+            <a:r>
+              <a:rPr lang="fr-FR" dirty="0" smtClean="0"/>
+              <a:t> GIT, dépendances produit SIKULIX, python2</a:t>
+            </a:r>
+          </a:p>
+          <a:p>
+            <a:pPr marL="285750" indent="-285750">
+              <a:buFont typeface="Arial" panose="020B0604020202020204" pitchFamily="34" charset="0"/>
+              <a:buChar char="•"/>
+            </a:pPr>
+            <a:r>
+              <a:rPr lang="fr-FR" dirty="0" smtClean="0"/>
+              <a:t>Pourquoi pas Ubuntu ?  … plus lourd à l’installation, python3</a:t>
+            </a:r>
+          </a:p>
+          <a:p>
+            <a:pPr marL="285750" indent="-285750">
+              <a:buFont typeface="Arial" panose="020B0604020202020204" pitchFamily="34" charset="0"/>
+              <a:buChar char="•"/>
+            </a:pPr>
+            <a:r>
+              <a:rPr lang="fr-FR" dirty="0" smtClean="0"/>
+              <a:t>Hors-réseau, échanges  fichiers via média montés dans machine virtuelle</a:t>
+            </a:r>
+          </a:p>
+          <a:p>
+            <a:pPr marL="285750" indent="-285750">
+              <a:buFont typeface="Arial" panose="020B0604020202020204" pitchFamily="34" charset="0"/>
+              <a:buChar char="•"/>
+            </a:pPr>
+            <a:r>
+              <a:rPr lang="fr-FR" dirty="0" smtClean="0"/>
+              <a:t>Pourquoi faire ? …. Environnement de développement GIT « </a:t>
+            </a:r>
+            <a:r>
+              <a:rPr lang="fr-FR" dirty="0" err="1" smtClean="0"/>
+              <a:t>standalone</a:t>
+            </a:r>
+            <a:r>
+              <a:rPr lang="fr-FR" dirty="0" smtClean="0"/>
+              <a:t> », formation création de </a:t>
+            </a:r>
+            <a:r>
+              <a:rPr lang="fr-FR" dirty="0" err="1" smtClean="0"/>
+              <a:t>repository</a:t>
+            </a:r>
+            <a:r>
+              <a:rPr lang="fr-FR" dirty="0"/>
+              <a:t> </a:t>
+            </a:r>
+            <a:r>
+              <a:rPr lang="fr-FR" dirty="0" smtClean="0"/>
+              <a:t>et commandes GIT</a:t>
             </a:r>
           </a:p>
           <a:p>
@@ -3429,250 +3989,78 @@
             </a:pPr>
             <a:r>
               <a:rPr lang="fr-FR" u="sng" dirty="0" smtClean="0"/>
-              <a:t>Chiffrement </a:t>
-            </a:r>
-            <a:r>
-              <a:rPr lang="fr-FR" sz="1500" u="sng" dirty="0" smtClean="0"/>
-              <a:t>asymétrique</a:t>
+              <a:t>Serveur GITHUB </a:t>
             </a:r>
             <a:r>
               <a:rPr lang="fr-FR" sz="1500" dirty="0" smtClean="0"/>
-              <a:t>   (clé p</a:t>
-            </a:r>
-            <a:r>
-              <a:rPr lang="fr-FR" dirty="0" smtClean="0"/>
-              <a:t>rivées difficilement calculables) :</a:t>
-            </a:r>
-          </a:p>
-          <a:p>
-            <a:pPr marL="285750" indent="-285750">
-              <a:buFont typeface="Arial" panose="020B0604020202020204" pitchFamily="34" charset="0"/>
-              <a:buChar char="•"/>
-            </a:pPr>
-            <a:r>
-              <a:rPr lang="fr-FR" dirty="0" smtClean="0"/>
-              <a:t>- </a:t>
+              <a:t>  </a:t>
+            </a:r>
+            <a:endParaRPr lang="fr-FR" dirty="0" smtClean="0"/>
+          </a:p>
+          <a:p>
+            <a:pPr marL="285750" indent="-285750">
+              <a:buFont typeface="Arial" panose="020B0604020202020204" pitchFamily="34" charset="0"/>
+              <a:buChar char="•"/>
+            </a:pPr>
+            <a:r>
+              <a:rPr lang="fr-FR" dirty="0" smtClean="0"/>
+              <a:t>Outils GIT basiques déjà installés</a:t>
+            </a:r>
+          </a:p>
+          <a:p>
+            <a:pPr marL="285750" indent="-285750">
+              <a:buFont typeface="Arial" panose="020B0604020202020204" pitchFamily="34" charset="0"/>
+              <a:buChar char="•"/>
+            </a:pPr>
+            <a:r>
+              <a:rPr lang="fr-FR" dirty="0" smtClean="0"/>
+              <a:t>Accès réseau Internet</a:t>
+            </a:r>
+          </a:p>
+          <a:p>
+            <a:pPr marL="285750" indent="-285750">
+              <a:buFont typeface="Arial" panose="020B0604020202020204" pitchFamily="34" charset="0"/>
+              <a:buChar char="•"/>
+            </a:pPr>
+            <a:r>
+              <a:rPr lang="fr-FR" dirty="0" smtClean="0"/>
+              <a:t>Pourquoi faire ? … Développement collaboratif, formation GITHUB</a:t>
+            </a:r>
+          </a:p>
+          <a:p>
+            <a:pPr marL="285750" indent="-285750">
+              <a:buFont typeface="Arial" panose="020B0604020202020204" pitchFamily="34" charset="0"/>
+              <a:buChar char="•"/>
+            </a:pPr>
+            <a:r>
+              <a:rPr lang="fr-FR" dirty="0" smtClean="0"/>
+              <a:t>Clonage d’un </a:t>
+            </a:r>
+            <a:r>
+              <a:rPr lang="fr-FR" dirty="0" err="1" smtClean="0"/>
+              <a:t>repository</a:t>
+            </a:r>
+            <a:r>
+              <a:rPr lang="fr-FR" dirty="0" smtClean="0"/>
+              <a:t> existant</a:t>
+            </a:r>
+          </a:p>
+          <a:p>
+            <a:pPr marL="285750" indent="-285750">
+              <a:buFont typeface="Arial" panose="020B0604020202020204" pitchFamily="34" charset="0"/>
+              <a:buChar char="•"/>
+            </a:pPr>
+            <a:r>
+              <a:rPr lang="fr-FR" dirty="0" smtClean="0"/>
+              <a:t>Compte </a:t>
             </a:r>
             <a:r>
               <a:rPr lang="fr-FR" dirty="0"/>
-              <a:t>Clés : clé de chiffrement (</a:t>
-            </a:r>
-            <a:r>
-              <a:rPr lang="fr-FR" dirty="0" err="1" smtClean="0"/>
-              <a:t>Kc</a:t>
-            </a:r>
-            <a:r>
-              <a:rPr lang="fr-FR" dirty="0" smtClean="0"/>
-              <a:t>), </a:t>
-            </a:r>
-            <a:r>
-              <a:rPr lang="fr-FR" dirty="0"/>
-              <a:t>clé publique (</a:t>
-            </a:r>
-            <a:r>
-              <a:rPr lang="fr-FR" dirty="0" err="1"/>
-              <a:t>Kpub</a:t>
-            </a:r>
-            <a:r>
-              <a:rPr lang="fr-FR" dirty="0"/>
-              <a:t>), clé de déchiffrement (</a:t>
-            </a:r>
-            <a:r>
-              <a:rPr lang="fr-FR" dirty="0" err="1" smtClean="0"/>
-              <a:t>Kd</a:t>
-            </a:r>
-            <a:r>
-              <a:rPr lang="fr-FR" dirty="0" smtClean="0"/>
-              <a:t>)</a:t>
-            </a:r>
-          </a:p>
-          <a:p>
-            <a:pPr marL="285750" indent="-285750">
-              <a:buFont typeface="Arial" panose="020B0604020202020204" pitchFamily="34" charset="0"/>
-              <a:buChar char="•"/>
-            </a:pPr>
-            <a:endParaRPr lang="fr-FR" dirty="0"/>
-          </a:p>
-          <a:p>
-            <a:pPr marL="285750" indent="-285750">
-              <a:buFont typeface="Wingdings" panose="05000000000000000000" pitchFamily="2" charset="2"/>
-              <a:buChar char="Ø"/>
-            </a:pPr>
-            <a:r>
-              <a:rPr lang="fr-FR" u="sng" dirty="0"/>
-              <a:t>Principe </a:t>
-            </a:r>
-            <a:r>
-              <a:rPr lang="fr-FR" u="sng" dirty="0" smtClean="0"/>
-              <a:t>d’envoi  de données signées</a:t>
-            </a:r>
-            <a:endParaRPr lang="fr-FR" dirty="0"/>
-          </a:p>
-          <a:p>
-            <a:pPr marL="285750" indent="-285750">
-              <a:buFont typeface="Arial" panose="020B0604020202020204" pitchFamily="34" charset="0"/>
-              <a:buChar char="•"/>
-            </a:pPr>
-            <a:r>
-              <a:rPr lang="fr-FR" dirty="0" smtClean="0"/>
-              <a:t>application </a:t>
-            </a:r>
-            <a:r>
-              <a:rPr lang="fr-FR" dirty="0"/>
-              <a:t>d’une fonction de « hachage » sur les données</a:t>
-            </a:r>
-          </a:p>
-          <a:p>
-            <a:pPr marL="285750" indent="-285750">
-              <a:buFont typeface="Arial" panose="020B0604020202020204" pitchFamily="34" charset="0"/>
-              <a:buChar char="•"/>
-            </a:pPr>
-            <a:r>
-              <a:rPr lang="fr-FR" dirty="0" smtClean="0"/>
-              <a:t>chiffrement </a:t>
-            </a:r>
-            <a:r>
-              <a:rPr lang="fr-FR" dirty="0"/>
-              <a:t>du </a:t>
-            </a:r>
-            <a:r>
-              <a:rPr lang="fr-FR" dirty="0" smtClean="0"/>
-              <a:t>résultat « empreinte » ( =hash) avec </a:t>
-            </a:r>
-            <a:r>
-              <a:rPr lang="fr-FR" dirty="0" err="1" smtClean="0"/>
-              <a:t>Kc</a:t>
-            </a:r>
-            <a:r>
-              <a:rPr lang="fr-FR" dirty="0" smtClean="0"/>
-              <a:t> + </a:t>
-            </a:r>
-            <a:r>
-              <a:rPr lang="fr-FR" dirty="0" err="1" smtClean="0"/>
-              <a:t>Kpub</a:t>
-            </a:r>
-            <a:endParaRPr lang="fr-FR" dirty="0" smtClean="0"/>
-          </a:p>
-          <a:p>
-            <a:pPr marL="285750" indent="-285750">
-              <a:buFont typeface="Arial" panose="020B0604020202020204" pitchFamily="34" charset="0"/>
-              <a:buChar char="•"/>
-            </a:pPr>
-            <a:r>
-              <a:rPr lang="fr-FR" dirty="0"/>
-              <a:t>e</a:t>
-            </a:r>
-            <a:r>
-              <a:rPr lang="fr-FR" dirty="0" smtClean="0"/>
-              <a:t>nvoi  groupé des données et empreinte</a:t>
-            </a:r>
-          </a:p>
-          <a:p>
-            <a:endParaRPr lang="fr-FR" dirty="0" smtClean="0"/>
-          </a:p>
-          <a:p>
-            <a:pPr marL="285750" indent="-285750">
-              <a:buFont typeface="Wingdings" panose="05000000000000000000" pitchFamily="2" charset="2"/>
-              <a:buChar char="Ø"/>
-            </a:pPr>
-            <a:r>
-              <a:rPr lang="fr-FR" sz="1500" u="sng" dirty="0"/>
-              <a:t>Principe </a:t>
-            </a:r>
-            <a:r>
-              <a:rPr lang="fr-FR" sz="1500" u="sng" dirty="0" smtClean="0"/>
-              <a:t>de réception  </a:t>
-            </a:r>
-            <a:r>
-              <a:rPr lang="fr-FR" sz="1500" u="sng" dirty="0"/>
-              <a:t>de données </a:t>
-            </a:r>
-            <a:r>
-              <a:rPr lang="fr-FR" sz="1500" u="sng" dirty="0" smtClean="0"/>
-              <a:t>signées</a:t>
-            </a:r>
-            <a:endParaRPr lang="fr-FR" sz="1500" dirty="0"/>
-          </a:p>
-          <a:p>
-            <a:pPr marL="285750" indent="-285750">
-              <a:buFont typeface="Arial" panose="020B0604020202020204" pitchFamily="34" charset="0"/>
-              <a:buChar char="•"/>
-            </a:pPr>
-            <a:r>
-              <a:rPr lang="fr-FR" dirty="0"/>
-              <a:t>r</a:t>
-            </a:r>
-            <a:r>
-              <a:rPr lang="fr-FR" dirty="0" smtClean="0"/>
-              <a:t>éception des données et empreinte</a:t>
-            </a:r>
-          </a:p>
-          <a:p>
-            <a:pPr marL="285750" indent="-285750">
-              <a:buFont typeface="Arial" panose="020B0604020202020204" pitchFamily="34" charset="0"/>
-              <a:buChar char="•"/>
-            </a:pPr>
-            <a:r>
-              <a:rPr lang="fr-FR" dirty="0"/>
-              <a:t>h</a:t>
-            </a:r>
-            <a:r>
-              <a:rPr lang="fr-FR" dirty="0" smtClean="0"/>
-              <a:t>achage sur </a:t>
-            </a:r>
-            <a:r>
-              <a:rPr lang="fr-FR" dirty="0"/>
-              <a:t>les </a:t>
-            </a:r>
-            <a:r>
-              <a:rPr lang="fr-FR" dirty="0" smtClean="0"/>
-              <a:t>données pour produite « empreinte » calculée</a:t>
-            </a:r>
-            <a:endParaRPr lang="fr-FR" dirty="0"/>
-          </a:p>
-          <a:p>
-            <a:pPr marL="285750" indent="-285750">
-              <a:buFont typeface="Arial" panose="020B0604020202020204" pitchFamily="34" charset="0"/>
-              <a:buChar char="•"/>
-            </a:pPr>
-            <a:r>
-              <a:rPr lang="fr-FR" dirty="0" smtClean="0"/>
-              <a:t>déchiffrement de l’ «</a:t>
-            </a:r>
-            <a:r>
-              <a:rPr lang="fr-FR" dirty="0"/>
-              <a:t> empreinte » </a:t>
-            </a:r>
-            <a:r>
-              <a:rPr lang="fr-FR" dirty="0" smtClean="0"/>
-              <a:t>reçue avec </a:t>
-            </a:r>
-            <a:r>
-              <a:rPr lang="fr-FR" dirty="0" err="1" smtClean="0"/>
-              <a:t>Kd</a:t>
-            </a:r>
-            <a:r>
-              <a:rPr lang="fr-FR" dirty="0" smtClean="0"/>
-              <a:t> + </a:t>
-            </a:r>
-            <a:r>
-              <a:rPr lang="fr-FR" dirty="0" err="1" smtClean="0"/>
-              <a:t>Kpub</a:t>
-            </a:r>
-            <a:endParaRPr lang="fr-FR" dirty="0" smtClean="0"/>
-          </a:p>
-          <a:p>
-            <a:pPr marL="285750" indent="-285750">
-              <a:buFont typeface="Arial" panose="020B0604020202020204" pitchFamily="34" charset="0"/>
-              <a:buChar char="•"/>
-            </a:pPr>
-            <a:r>
-              <a:rPr lang="fr-FR" dirty="0"/>
-              <a:t>s</a:t>
-            </a:r>
-            <a:r>
-              <a:rPr lang="fr-FR" dirty="0" smtClean="0"/>
-              <a:t>i les deux empreintes sont identiques, les données sont « authentiques »</a:t>
+              <a:t>sur Internet : https://github.com/login</a:t>
+            </a:r>
+            <a:r>
+              <a:rPr lang="fr-FR" dirty="0" smtClean="0"/>
+              <a:t> </a:t>
             </a:r>
             <a:endParaRPr lang="fr-FR" dirty="0"/>
           </a:p>
@@ -3681,7 +4069,7 @@
     </p:spTree>
     <p:extLst>
       <p:ext uri="{BB962C8B-B14F-4D97-AF65-F5344CB8AC3E}">
-        <p14:creationId xmlns:p14="http://schemas.microsoft.com/office/powerpoint/2010/main" val="3408312722"/>
+        <p14:creationId xmlns:p14="http://schemas.microsoft.com/office/powerpoint/2010/main" val="947543099"/>
       </p:ext>
     </p:extLst>
   </p:cSld>
@@ -3732,12 +4120,14 @@
           </a:xfrm>
         </p:spPr>
         <p:txBody>
-          <a:bodyPr/>
-          <a:lstStyle/>
-          <a:p>
-            <a:r>
-              <a:rPr lang="fr-FR" dirty="0" smtClean="0"/>
-              <a:t>ECDSA</a:t>
+          <a:bodyPr>
+            <a:normAutofit fontScale="90000"/>
+          </a:bodyPr>
+          <a:lstStyle/>
+          <a:p>
+            <a:r>
+              <a:rPr lang="fr-FR" dirty="0" smtClean="0"/>
+              <a:t>Mode d’emploi GITHUB</a:t>
             </a:r>
             <a:endParaRPr lang="fr-FR" dirty="0"/>
           </a:p>
@@ -3785,7 +4175,286 @@
         <p:spPr>
           <a:xfrm>
             <a:off x="1078350" y="1629104"/>
-            <a:ext cx="5715739" cy="4635062"/>
+            <a:ext cx="6247359" cy="4635062"/>
+          </a:xfrm>
+        </p:spPr>
+        <p:txBody>
+          <a:bodyPr>
+            <a:normAutofit fontScale="92500" lnSpcReduction="10000"/>
+          </a:bodyPr>
+          <a:lstStyle/>
+          <a:p>
+            <a:pPr marL="285750" indent="-285750">
+              <a:buFont typeface="Wingdings" panose="05000000000000000000" pitchFamily="2" charset="2"/>
+              <a:buChar char="Ø"/>
+            </a:pPr>
+            <a:r>
+              <a:rPr lang="fr-FR" u="sng" dirty="0" smtClean="0"/>
+              <a:t>Clonage de </a:t>
+            </a:r>
+            <a:r>
+              <a:rPr lang="fr-FR" u="sng" dirty="0" err="1" smtClean="0"/>
+              <a:t>repository</a:t>
+            </a:r>
+            <a:r>
+              <a:rPr lang="fr-FR" u="sng" dirty="0" smtClean="0"/>
+              <a:t> existant</a:t>
+            </a:r>
+            <a:r>
+              <a:rPr lang="fr-FR" u="sng" dirty="0" smtClean="0"/>
+              <a:t> </a:t>
+            </a:r>
+            <a:endParaRPr lang="fr-FR" u="sng" dirty="0" smtClean="0"/>
+          </a:p>
+          <a:p>
+            <a:pPr marL="285750" indent="-285750">
+              <a:buFont typeface="Arial" panose="020B0604020202020204" pitchFamily="34" charset="0"/>
+              <a:buChar char="•"/>
+            </a:pPr>
+            <a:r>
+              <a:rPr lang="fr-FR" dirty="0" smtClean="0"/>
+              <a:t>Se connecter le site web : </a:t>
+            </a:r>
+            <a:r>
+              <a:rPr lang="fr-FR" dirty="0"/>
+              <a:t>https://github.com/login </a:t>
+            </a:r>
+            <a:endParaRPr lang="fr-FR" dirty="0" smtClean="0"/>
+          </a:p>
+          <a:p>
+            <a:pPr marL="285750" indent="-285750">
+              <a:buFont typeface="Arial" panose="020B0604020202020204" pitchFamily="34" charset="0"/>
+              <a:buChar char="•"/>
+            </a:pPr>
+            <a:r>
+              <a:rPr lang="fr-FR" dirty="0" smtClean="0"/>
+              <a:t>Rechercher le projet puis le cloner dans son environnement personnel sous </a:t>
+            </a:r>
+            <a:r>
+              <a:rPr lang="fr-FR" dirty="0" err="1" smtClean="0"/>
+              <a:t>github</a:t>
+            </a:r>
+            <a:r>
+              <a:rPr lang="fr-FR" dirty="0" smtClean="0"/>
+              <a:t>. Télécharger éventuellement une archive ZIP des fichiers.</a:t>
+            </a:r>
+          </a:p>
+          <a:p>
+            <a:pPr marL="285750" indent="-285750">
+              <a:buFont typeface="Arial" panose="020B0604020202020204" pitchFamily="34" charset="0"/>
+              <a:buChar char="•"/>
+            </a:pPr>
+            <a:r>
+              <a:rPr lang="fr-FR" dirty="0" smtClean="0"/>
+              <a:t>Le clonage restitue la branche principale du </a:t>
+            </a:r>
+            <a:r>
+              <a:rPr lang="fr-FR" dirty="0" err="1" smtClean="0"/>
+              <a:t>repository</a:t>
+            </a:r>
+            <a:endParaRPr lang="fr-FR" dirty="0" smtClean="0"/>
+          </a:p>
+          <a:p>
+            <a:pPr marL="285750" indent="-285750">
+              <a:buFont typeface="Arial" panose="020B0604020202020204" pitchFamily="34" charset="0"/>
+              <a:buChar char="•"/>
+            </a:pPr>
+            <a:r>
+              <a:rPr lang="fr-FR" dirty="0" smtClean="0"/>
+              <a:t>Remarque : le login est protégé par une demande de code d’identification sur 6 chiffres reçu par email</a:t>
+            </a:r>
+            <a:endParaRPr lang="fr-FR" dirty="0" smtClean="0"/>
+          </a:p>
+          <a:p>
+            <a:pPr marL="285750" indent="-285750">
+              <a:buFont typeface="Wingdings" panose="05000000000000000000" pitchFamily="2" charset="2"/>
+              <a:buChar char="Ø"/>
+            </a:pPr>
+            <a:r>
+              <a:rPr lang="fr-FR" u="sng" dirty="0" smtClean="0"/>
+              <a:t>Création d’une branche</a:t>
+            </a:r>
+            <a:endParaRPr lang="fr-FR" dirty="0" smtClean="0"/>
+          </a:p>
+          <a:p>
+            <a:pPr marL="285750" indent="-285750">
+              <a:buFont typeface="Arial" panose="020B0604020202020204" pitchFamily="34" charset="0"/>
+              <a:buChar char="•"/>
+            </a:pPr>
+            <a:r>
+              <a:rPr lang="fr-FR" dirty="0" smtClean="0"/>
+              <a:t>Il est préférable de se placer en mode de développement multi-utilisateurs en créant une première branche : en haut à gauche (sous la barre (Code?=,.) flèche de bas sur l’icone avec le nom de la branche principale.</a:t>
+            </a:r>
+            <a:endParaRPr lang="fr-FR" dirty="0" smtClean="0"/>
+          </a:p>
+          <a:p>
+            <a:pPr marL="285750" indent="-285750">
+              <a:buFont typeface="Arial" panose="020B0604020202020204" pitchFamily="34" charset="0"/>
+              <a:buChar char="•"/>
+            </a:pPr>
+            <a:r>
+              <a:rPr lang="fr-FR" dirty="0" smtClean="0"/>
+              <a:t>Remarque : toujours de placer dans cette branche de développement</a:t>
+            </a:r>
+          </a:p>
+          <a:p>
+            <a:pPr marL="285750" indent="-285750">
+              <a:buFont typeface="Wingdings" panose="05000000000000000000" pitchFamily="2" charset="2"/>
+              <a:buChar char="Ø"/>
+            </a:pPr>
+            <a:r>
+              <a:rPr lang="fr-FR" u="sng" dirty="0" smtClean="0"/>
+              <a:t>Ajout de fichier</a:t>
+            </a:r>
+            <a:endParaRPr lang="fr-FR" dirty="0"/>
+          </a:p>
+          <a:p>
+            <a:pPr marL="285750" indent="-285750">
+              <a:buFont typeface="Arial" panose="020B0604020202020204" pitchFamily="34" charset="0"/>
+              <a:buChar char="•"/>
+            </a:pPr>
+            <a:r>
+              <a:rPr lang="fr-FR" dirty="0" smtClean="0"/>
+              <a:t>Se placer dans le bon répertoire puis  menu déroulant de </a:t>
+            </a:r>
+            <a:r>
+              <a:rPr lang="fr-FR" dirty="0" err="1" smtClean="0"/>
+              <a:t>Add</a:t>
+            </a:r>
+            <a:r>
+              <a:rPr lang="fr-FR" dirty="0" smtClean="0"/>
+              <a:t> file pour « </a:t>
+            </a:r>
+            <a:r>
+              <a:rPr lang="fr-FR" dirty="0" err="1" smtClean="0"/>
+              <a:t>Upload</a:t>
+            </a:r>
+            <a:r>
+              <a:rPr lang="fr-FR" dirty="0" smtClean="0"/>
+              <a:t> files »</a:t>
+            </a:r>
+          </a:p>
+          <a:p>
+            <a:pPr marL="285750" indent="-285750">
+              <a:buFont typeface="Arial" panose="020B0604020202020204" pitchFamily="34" charset="0"/>
+              <a:buChar char="•"/>
+            </a:pPr>
+            <a:r>
+              <a:rPr lang="fr-FR" dirty="0" smtClean="0"/>
+              <a:t>Ne pas oublier de cliquer sur « Commit Files » après avoir chargé le fichier</a:t>
+            </a:r>
+            <a:endParaRPr lang="fr-FR" dirty="0" smtClean="0"/>
+          </a:p>
+        </p:txBody>
+      </p:sp>
+    </p:spTree>
+    <p:extLst>
+      <p:ext uri="{BB962C8B-B14F-4D97-AF65-F5344CB8AC3E}">
+        <p14:creationId xmlns:p14="http://schemas.microsoft.com/office/powerpoint/2010/main" val="3837051972"/>
+      </p:ext>
+    </p:extLst>
+  </p:cSld>
+  <p:clrMapOvr>
+    <a:masterClrMapping/>
+  </p:clrMapOvr>
+  <p:timing>
+    <p:tnLst>
+      <p:par>
+        <p:cTn id="1" dur="indefinite" restart="never" nodeType="tmRoot"/>
+      </p:par>
+    </p:tnLst>
+  </p:timing>
+</p:sld>
+</file>
+
+<file path=ppt/slides/slide6.xml><?xml version="1.0" encoding="utf-8"?>
+<p:sld xmlns:a="http://schemas.openxmlformats.org/drawingml/2006/main" xmlns:r="http://schemas.openxmlformats.org/officeDocument/2006/relationships" xmlns:p="http://schemas.openxmlformats.org/presentationml/2006/main">
+  <p:cSld>
+    <p:spTree>
+      <p:nvGrpSpPr>
+        <p:cNvPr id="1" name=""/>
+        <p:cNvGrpSpPr/>
+        <p:nvPr/>
+      </p:nvGrpSpPr>
+      <p:grpSpPr>
+        <a:xfrm>
+          <a:off x="0" y="0"/>
+          <a:ext cx="0" cy="0"/>
+          <a:chOff x="0" y="0"/>
+          <a:chExt cx="0" cy="0"/>
+        </a:xfrm>
+      </p:grpSpPr>
+      <p:sp>
+        <p:nvSpPr>
+          <p:cNvPr id="2" name="Titre 1"/>
+          <p:cNvSpPr>
+            <a:spLocks noGrp="1"/>
+          </p:cNvSpPr>
+          <p:nvPr>
+            <p:ph type="title"/>
+          </p:nvPr>
+        </p:nvSpPr>
+        <p:spPr>
+          <a:xfrm>
+            <a:off x="839788" y="457200"/>
+            <a:ext cx="3932237" cy="909145"/>
+          </a:xfrm>
+        </p:spPr>
+        <p:txBody>
+          <a:bodyPr/>
+          <a:lstStyle/>
+          <a:p>
+            <a:r>
+              <a:rPr lang="fr-FR" dirty="0" smtClean="0"/>
+              <a:t>Signature numérique</a:t>
+            </a:r>
+            <a:endParaRPr lang="fr-FR" dirty="0"/>
+          </a:p>
+        </p:txBody>
+      </p:sp>
+      <p:pic>
+        <p:nvPicPr>
+          <p:cNvPr id="5" name="Espace réservé du contenu 4"/>
+          <p:cNvPicPr>
+            <a:picLocks noGrp="1" noChangeAspect="1"/>
+          </p:cNvPicPr>
+          <p:nvPr>
+            <p:ph idx="1"/>
+          </p:nvPr>
+        </p:nvPicPr>
+        <p:blipFill>
+          <a:blip r:embed="rId2">
+            <a:extLst>
+              <a:ext uri="{28A0092B-C50C-407E-A947-70E740481C1C}">
+                <a14:useLocalDpi xmlns:a14="http://schemas.microsoft.com/office/drawing/2010/main" val="0"/>
+              </a:ext>
+            </a:extLst>
+          </a:blip>
+          <a:stretch>
+            <a:fillRect/>
+          </a:stretch>
+        </p:blipFill>
+        <p:spPr>
+          <a:xfrm>
+            <a:off x="7112000" y="2438400"/>
+            <a:ext cx="2314575" cy="1971675"/>
+          </a:xfrm>
+        </p:spPr>
+      </p:pic>
+      <p:sp>
+        <p:nvSpPr>
+          <p:cNvPr id="4" name="Espace réservé du texte 3"/>
+          <p:cNvSpPr>
+            <a:spLocks noGrp="1"/>
+          </p:cNvSpPr>
+          <p:nvPr>
+            <p:ph type="body" sz="half" idx="2"/>
+          </p:nvPr>
+        </p:nvSpPr>
+        <p:spPr>
+          <a:xfrm>
+            <a:off x="1078350" y="1629104"/>
+            <a:ext cx="6247359" cy="4635062"/>
           </a:xfrm>
         </p:spPr>
         <p:txBody>
@@ -3800,83 +4469,43 @@
             </a:pPr>
             <a:r>
               <a:rPr lang="fr-FR" u="sng" dirty="0" smtClean="0"/>
-              <a:t>Grandes lignes</a:t>
-            </a:r>
-          </a:p>
-          <a:p>
-            <a:pPr marL="285750" indent="-285750">
-              <a:buFont typeface="Arial" panose="020B0604020202020204" pitchFamily="34" charset="0"/>
-              <a:buChar char="•"/>
-            </a:pPr>
-            <a:r>
-              <a:rPr lang="fr-FR" b="1" dirty="0" err="1" smtClean="0"/>
-              <a:t>E</a:t>
-            </a:r>
-            <a:r>
-              <a:rPr lang="fr-FR" dirty="0" err="1" smtClean="0"/>
-              <a:t>lliptic</a:t>
-            </a:r>
-            <a:r>
-              <a:rPr lang="fr-FR" dirty="0" smtClean="0"/>
-              <a:t> </a:t>
-            </a:r>
-            <a:r>
-              <a:rPr lang="fr-FR" b="1" dirty="0" err="1"/>
-              <a:t>C</a:t>
-            </a:r>
-            <a:r>
-              <a:rPr lang="fr-FR" dirty="0" err="1" smtClean="0"/>
-              <a:t>urve</a:t>
-            </a:r>
-            <a:r>
-              <a:rPr lang="fr-FR" dirty="0" smtClean="0"/>
-              <a:t> </a:t>
-            </a:r>
+              <a:t>Deux services fondamentaux </a:t>
+            </a:r>
+          </a:p>
+          <a:p>
+            <a:pPr marL="285750" indent="-285750">
+              <a:buFont typeface="Arial" panose="020B0604020202020204" pitchFamily="34" charset="0"/>
+              <a:buChar char="•"/>
+            </a:pPr>
             <a:r>
               <a:rPr lang="fr-FR" b="1" dirty="0" smtClean="0"/>
-              <a:t>D</a:t>
-            </a:r>
-            <a:r>
-              <a:rPr lang="fr-FR" dirty="0" smtClean="0"/>
-              <a:t>igital </a:t>
-            </a:r>
+              <a:t>authentification</a:t>
+            </a:r>
+            <a:r>
+              <a:rPr lang="fr-FR" dirty="0" smtClean="0"/>
+              <a:t> de l’émetteur</a:t>
+            </a:r>
+          </a:p>
+          <a:p>
+            <a:pPr marL="285750" indent="-285750">
+              <a:buFont typeface="Arial" panose="020B0604020202020204" pitchFamily="34" charset="0"/>
+              <a:buChar char="•"/>
+            </a:pPr>
             <a:r>
               <a:rPr lang="fr-FR" b="1" dirty="0" smtClean="0"/>
-              <a:t>S</a:t>
-            </a:r>
-            <a:r>
-              <a:rPr lang="fr-FR" dirty="0" smtClean="0"/>
-              <a:t>ignature </a:t>
-            </a:r>
-            <a:r>
-              <a:rPr lang="fr-FR" b="1" dirty="0" err="1" smtClean="0"/>
-              <a:t>A</a:t>
-            </a:r>
-            <a:r>
-              <a:rPr lang="fr-FR" dirty="0" err="1" smtClean="0"/>
-              <a:t>lgorithm</a:t>
-            </a:r>
+              <a:t>non altération </a:t>
+            </a:r>
+            <a:r>
+              <a:rPr lang="fr-FR" dirty="0" smtClean="0"/>
+              <a:t>des données jointes</a:t>
+            </a:r>
+          </a:p>
+          <a:p>
+            <a:pPr marL="285750" indent="-285750">
+              <a:buFont typeface="Arial" panose="020B0604020202020204" pitchFamily="34" charset="0"/>
+              <a:buChar char="•"/>
+            </a:pPr>
             <a:endParaRPr lang="fr-FR" dirty="0" smtClean="0"/>
-          </a:p>
-          <a:p>
-            <a:pPr marL="285750" indent="-285750">
-              <a:buFont typeface="Arial" panose="020B0604020202020204" pitchFamily="34" charset="0"/>
-              <a:buChar char="•"/>
-            </a:pPr>
-            <a:r>
-              <a:rPr lang="fr-FR" dirty="0" smtClean="0"/>
-              <a:t>Un des systèmes de chiffrements à clé publique</a:t>
-            </a:r>
-          </a:p>
-          <a:p>
-            <a:pPr marL="285750" indent="-285750">
-              <a:buFont typeface="Arial" panose="020B0604020202020204" pitchFamily="34" charset="0"/>
-              <a:buChar char="•"/>
-            </a:pPr>
-            <a:r>
-              <a:rPr lang="fr-FR" dirty="0" smtClean="0"/>
-              <a:t>Avantages vs DSA et RSA : clés plus courtes et opérations de chiffrement</a:t>
-            </a:r>
           </a:p>
           <a:p>
             <a:pPr marL="285750" indent="-285750">
@@ -3885,104 +4514,69 @@
             </a:pPr>
             <a:r>
               <a:rPr lang="fr-FR" u="sng" dirty="0" smtClean="0"/>
-              <a:t>Courbe elliptique </a:t>
-            </a:r>
-            <a:r>
-              <a:rPr lang="fr-FR" dirty="0" smtClean="0"/>
-              <a:t>(  </a:t>
+              <a:t>Chiffrement </a:t>
+            </a:r>
+            <a:r>
+              <a:rPr lang="fr-FR" sz="1500" u="sng" dirty="0" smtClean="0"/>
+              <a:t>asymétrique</a:t>
+            </a:r>
+            <a:r>
+              <a:rPr lang="fr-FR" sz="1500" dirty="0" smtClean="0"/>
+              <a:t>   (clé p</a:t>
+            </a:r>
+            <a:r>
+              <a:rPr lang="fr-FR" dirty="0" smtClean="0"/>
+              <a:t>rivées difficilement calculables) :</a:t>
+            </a:r>
+          </a:p>
+          <a:p>
+            <a:pPr marL="285750" indent="-285750">
+              <a:buFont typeface="Arial" panose="020B0604020202020204" pitchFamily="34" charset="0"/>
+              <a:buChar char="•"/>
+            </a:pPr>
+            <a:r>
+              <a:rPr lang="fr-FR" dirty="0" smtClean="0"/>
+              <a:t>- </a:t>
+            </a:r>
+            <a:r>
+              <a:rPr lang="fr-FR" dirty="0"/>
+              <a:t>Clés : clé de chiffrement (</a:t>
             </a:r>
             <a:r>
               <a:rPr lang="fr-FR" dirty="0" err="1" smtClean="0"/>
-              <a:t>Elliptic</a:t>
-            </a:r>
-            <a:r>
-              <a:rPr lang="fr-FR" dirty="0" smtClean="0"/>
-              <a:t> </a:t>
+              <a:t>Kc</a:t>
+            </a:r>
+            <a:r>
+              <a:rPr lang="fr-FR" dirty="0" smtClean="0"/>
+              <a:t>), </a:t>
+            </a:r>
+            <a:r>
+              <a:rPr lang="fr-FR" dirty="0"/>
+              <a:t>clé publique (</a:t>
+            </a:r>
+            <a:r>
+              <a:rPr lang="fr-FR" dirty="0" err="1"/>
+              <a:t>Kpub</a:t>
+            </a:r>
+            <a:r>
+              <a:rPr lang="fr-FR" dirty="0"/>
+              <a:t>), clé de déchiffrement (</a:t>
             </a:r>
             <a:r>
               <a:rPr lang="fr-FR" dirty="0" err="1" smtClean="0"/>
-              <a:t>curve</a:t>
-            </a:r>
-            <a:r>
-              <a:rPr lang="fr-FR" dirty="0" smtClean="0"/>
-              <a:t> )</a:t>
-            </a:r>
-          </a:p>
-          <a:p>
-            <a:pPr marL="285750" indent="-285750">
-              <a:buFont typeface="Arial" panose="020B0604020202020204" pitchFamily="34" charset="0"/>
-              <a:buChar char="•"/>
-            </a:pPr>
-            <a:r>
-              <a:rPr lang="fr-FR" dirty="0"/>
-              <a:t>Courbe du </a:t>
-            </a:r>
-            <a:r>
-              <a:rPr lang="fr-FR" dirty="0" smtClean="0"/>
-              <a:t>plan cartésien d’équation : y^2 </a:t>
-            </a:r>
-            <a:r>
-              <a:rPr lang="fr-FR" dirty="0"/>
-              <a:t>= x^3 + </a:t>
-            </a:r>
-            <a:r>
-              <a:rPr lang="fr-FR" dirty="0" smtClean="0"/>
-              <a:t>a x </a:t>
-            </a:r>
-            <a:r>
-              <a:rPr lang="fr-FR" dirty="0"/>
-              <a:t>+ </a:t>
-            </a:r>
-            <a:r>
-              <a:rPr lang="fr-FR" dirty="0" smtClean="0"/>
-              <a:t>b</a:t>
-            </a:r>
-          </a:p>
-          <a:p>
-            <a:pPr marL="285750" indent="-285750">
-              <a:buFont typeface="Arial" panose="020B0604020202020204" pitchFamily="34" charset="0"/>
-              <a:buChar char="•"/>
-            </a:pPr>
-            <a:r>
-              <a:rPr lang="fr-FR" dirty="0" smtClean="0"/>
-              <a:t>Points de coordonnées entières (</a:t>
-            </a:r>
-            <a:r>
-              <a:rPr lang="fr-FR" dirty="0" err="1" smtClean="0"/>
-              <a:t>x,y</a:t>
-            </a:r>
-            <a:r>
-              <a:rPr lang="fr-FR" dirty="0" smtClean="0"/>
-              <a:t>) sur cette courbe</a:t>
-            </a:r>
-          </a:p>
-          <a:p>
-            <a:pPr marL="285750" indent="-285750">
-              <a:buFont typeface="Arial" panose="020B0604020202020204" pitchFamily="34" charset="0"/>
-              <a:buChar char="•"/>
-            </a:pPr>
-            <a:r>
-              <a:rPr lang="fr-FR" dirty="0" smtClean="0"/>
-              <a:t>Loi de groupe additif sur ces points : P + Q  = -R</a:t>
-            </a:r>
-          </a:p>
-          <a:p>
-            <a:pPr marL="285750" indent="-285750">
-              <a:buFont typeface="Arial" panose="020B0604020202020204" pitchFamily="34" charset="0"/>
-              <a:buChar char="•"/>
-            </a:pPr>
-            <a:r>
-              <a:rPr lang="fr-FR" dirty="0" smtClean="0"/>
-              <a:t>P(</a:t>
-            </a:r>
-            <a:r>
-              <a:rPr lang="fr-FR" dirty="0" err="1" smtClean="0"/>
-              <a:t>x,y</a:t>
-            </a:r>
-            <a:r>
-              <a:rPr lang="fr-FR" dirty="0" smtClean="0"/>
-              <a:t>) and –P(x,-y) sont symétriques par rapport à l’axe  des abscisses</a:t>
-            </a:r>
+              <a:t>Kd</a:t>
+            </a:r>
+            <a:r>
+              <a:rPr lang="fr-FR" dirty="0" smtClean="0"/>
+              <a:t>)</a:t>
+            </a:r>
+          </a:p>
+          <a:p>
+            <a:pPr marL="285750" indent="-285750">
+              <a:buFont typeface="Arial" panose="020B0604020202020204" pitchFamily="34" charset="0"/>
+              <a:buChar char="•"/>
+            </a:pPr>
+            <a:endParaRPr lang="fr-FR" dirty="0"/>
           </a:p>
           <a:p>
             <a:pPr marL="285750" indent="-285750">
@@ -3990,8 +4584,12 @@
               <a:buChar char="Ø"/>
             </a:pPr>
             <a:r>
+              <a:rPr lang="fr-FR" u="sng" dirty="0"/>
+              <a:t>Principe </a:t>
+            </a:r>
+            <a:r>
               <a:rPr lang="fr-FR" u="sng" dirty="0" smtClean="0"/>
-              <a:t>Chiffrement ECDSA </a:t>
+              <a:t>d’envoi  de données signées</a:t>
             </a:r>
             <a:endParaRPr lang="fr-FR" dirty="0"/>
           </a:p>
@@ -4002,62 +4600,60 @@
             </a:pPr>
             <a:r>
               <a:rPr lang="fr-FR" dirty="0" smtClean="0"/>
-              <a:t>Clé publique  : la courbe elliptique, un point G « point de base »  de cette courbe tel que (n  - 1) G = G  (ou </a:t>
+              <a:t>application </a:t>
+            </a:r>
+            <a:r>
+              <a:rPr lang="fr-FR" dirty="0"/>
+              <a:t>d’une fonction de « hachage » sur les données</a:t>
+            </a:r>
+          </a:p>
+          <a:p>
+            <a:pPr marL="285750" indent="-285750">
+              <a:buFont typeface="Arial" panose="020B0604020202020204" pitchFamily="34" charset="0"/>
+              <a:buChar char="•"/>
+            </a:pPr>
+            <a:r>
+              <a:rPr lang="fr-FR" dirty="0" smtClean="0"/>
+              <a:t>chiffrement </a:t>
+            </a:r>
+            <a:r>
+              <a:rPr lang="fr-FR" dirty="0"/>
+              <a:t>du </a:t>
+            </a:r>
+            <a:r>
+              <a:rPr lang="fr-FR" dirty="0" smtClean="0"/>
+              <a:t>résultat « empreinte » ( =hash) avec </a:t>
             </a:r>
             <a:r>
               <a:rPr lang="fr-FR" dirty="0" err="1" smtClean="0"/>
-              <a:t>nG</a:t>
-            </a:r>
-            <a:r>
-              <a:rPr lang="fr-FR" dirty="0" smtClean="0"/>
-              <a:t> = O point à l’infini), plus petit entier n</a:t>
-            </a:r>
-          </a:p>
-          <a:p>
-            <a:pPr marL="285750" indent="-285750">
-              <a:buFont typeface="Arial" panose="020B0604020202020204" pitchFamily="34" charset="0"/>
-              <a:buChar char="•"/>
-            </a:pPr>
-            <a:r>
-              <a:rPr lang="fr-FR" dirty="0" smtClean="0"/>
-              <a:t>Clé privée :  un entier s quelconque entre 1 et n-1</a:t>
-            </a:r>
-          </a:p>
-          <a:p>
-            <a:pPr marL="285750" indent="-285750">
-              <a:buFont typeface="Arial" panose="020B0604020202020204" pitchFamily="34" charset="0"/>
-              <a:buChar char="•"/>
-            </a:pPr>
-            <a:r>
-              <a:rPr lang="fr-FR" dirty="0" smtClean="0"/>
-              <a:t>Hash : un entier k entre 1 et n - 1</a:t>
-            </a:r>
-          </a:p>
-          <a:p>
-            <a:pPr marL="285750" indent="-285750">
-              <a:buFont typeface="Arial" panose="020B0604020202020204" pitchFamily="34" charset="0"/>
-              <a:buChar char="•"/>
-            </a:pPr>
-            <a:r>
-              <a:rPr lang="fr-FR" dirty="0" smtClean="0"/>
-              <a:t>Empreinte est constitué des coordonnées cartésiennes (</a:t>
+              <a:t>Kc</a:t>
+            </a:r>
+            <a:r>
+              <a:rPr lang="fr-FR" dirty="0" smtClean="0"/>
+              <a:t> + </a:t>
             </a:r>
             <a:r>
               <a:rPr lang="fr-FR" dirty="0" err="1" smtClean="0"/>
-              <a:t>x,y</a:t>
-            </a:r>
-            <a:r>
-              <a:rPr lang="fr-FR" dirty="0" smtClean="0"/>
-              <a:t>) de </a:t>
-            </a:r>
-            <a:r>
-              <a:rPr lang="fr-FR" dirty="0" err="1" smtClean="0"/>
-              <a:t>kG</a:t>
-            </a:r>
-            <a:r>
-              <a:rPr lang="fr-FR" dirty="0" smtClean="0"/>
-              <a:t> modulo n et à un « salage » près fonction de s</a:t>
-            </a:r>
+              <a:t>Kpub</a:t>
+            </a:r>
+            <a:endParaRPr lang="fr-FR" dirty="0" smtClean="0"/>
+          </a:p>
+          <a:p>
+            <a:pPr marL="285750" indent="-285750">
+              <a:buFont typeface="Arial" panose="020B0604020202020204" pitchFamily="34" charset="0"/>
+              <a:buChar char="•"/>
+            </a:pPr>
+            <a:r>
+              <a:rPr lang="fr-FR" dirty="0"/>
+              <a:t>e</a:t>
+            </a:r>
+            <a:r>
+              <a:rPr lang="fr-FR" dirty="0" smtClean="0"/>
+              <a:t>nvoi  groupé des données et empreinte</a:t>
+            </a:r>
+          </a:p>
+          <a:p>
+            <a:endParaRPr lang="fr-FR" dirty="0" smtClean="0"/>
           </a:p>
           <a:p>
             <a:pPr marL="285750" indent="-285750">
@@ -4065,12 +4661,57 @@
               <a:buChar char="Ø"/>
             </a:pPr>
             <a:r>
-              <a:rPr lang="fr-FR" u="sng" dirty="0" smtClean="0"/>
-              <a:t>Déchiffrement </a:t>
-            </a:r>
-            <a:r>
-              <a:rPr lang="fr-FR" u="sng" dirty="0"/>
-              <a:t>ECDSA </a:t>
+              <a:rPr lang="fr-FR" sz="1500" u="sng" dirty="0"/>
+              <a:t>Principe </a:t>
+            </a:r>
+            <a:r>
+              <a:rPr lang="fr-FR" sz="1500" u="sng" dirty="0" smtClean="0"/>
+              <a:t>de réception  </a:t>
+            </a:r>
+            <a:r>
+              <a:rPr lang="fr-FR" sz="1500" u="sng" dirty="0"/>
+              <a:t>de données </a:t>
+            </a:r>
+            <a:r>
+              <a:rPr lang="fr-FR" sz="1500" u="sng" dirty="0" smtClean="0"/>
+              <a:t>signées</a:t>
+            </a:r>
+            <a:endParaRPr lang="fr-FR" sz="1500" dirty="0"/>
+          </a:p>
+          <a:p>
+            <a:pPr marL="285750" indent="-285750">
+              <a:buFont typeface="Arial" panose="020B0604020202020204" pitchFamily="34" charset="0"/>
+              <a:buChar char="•"/>
+            </a:pPr>
+            <a:r>
+              <a:rPr lang="fr-FR" dirty="0"/>
+              <a:t>r</a:t>
+            </a:r>
+            <a:r>
+              <a:rPr lang="fr-FR" dirty="0" smtClean="0"/>
+              <a:t>éception des données et empreinte</a:t>
+            </a:r>
+          </a:p>
+          <a:p>
+            <a:pPr marL="285750" indent="-285750">
+              <a:buFont typeface="Arial" panose="020B0604020202020204" pitchFamily="34" charset="0"/>
+              <a:buChar char="•"/>
+            </a:pPr>
+            <a:r>
+              <a:rPr lang="fr-FR" dirty="0"/>
+              <a:t>h</a:t>
+            </a:r>
+            <a:r>
+              <a:rPr lang="fr-FR" dirty="0" smtClean="0"/>
+              <a:t>achage sur </a:t>
+            </a:r>
+            <a:r>
+              <a:rPr lang="fr-FR" dirty="0"/>
+              <a:t>les </a:t>
+            </a:r>
+            <a:r>
+              <a:rPr lang="fr-FR" dirty="0" smtClean="0"/>
+              <a:t>données pour produite « empreinte » calculée</a:t>
             </a:r>
             <a:endParaRPr lang="fr-FR" dirty="0"/>
           </a:p>
@@ -4081,44 +4722,711 @@
             </a:pPr>
             <a:r>
               <a:rPr lang="fr-FR" dirty="0" smtClean="0"/>
-              <a:t>Vérification que n(</a:t>
+              <a:t>déchiffrement de l’ «</a:t>
+            </a:r>
+            <a:r>
+              <a:rPr lang="fr-FR" dirty="0"/>
+              <a:t> empreinte » </a:t>
+            </a:r>
+            <a:r>
+              <a:rPr lang="fr-FR" dirty="0" smtClean="0"/>
+              <a:t>reçue avec </a:t>
             </a:r>
             <a:r>
               <a:rPr lang="fr-FR" dirty="0" err="1" smtClean="0"/>
-              <a:t>kG</a:t>
-            </a:r>
-            <a:r>
-              <a:rPr lang="fr-FR" dirty="0" smtClean="0"/>
-              <a:t>) = O (addition commutative et </a:t>
+              <a:t>Kd</a:t>
+            </a:r>
+            <a:r>
+              <a:rPr lang="fr-FR" dirty="0" smtClean="0"/>
+              <a:t> + </a:t>
             </a:r>
             <a:r>
               <a:rPr lang="fr-FR" dirty="0" err="1" smtClean="0"/>
-              <a:t>nG</a:t>
-            </a:r>
-            <a:r>
-              <a:rPr lang="fr-FR" dirty="0" smtClean="0"/>
-              <a:t> = O) et que le déchiffrement basé sur la clé publique et (</a:t>
-            </a:r>
-            <a:r>
-              <a:rPr lang="fr-FR" dirty="0" err="1" smtClean="0"/>
-              <a:t>x,y</a:t>
-            </a:r>
-            <a:r>
-              <a:rPr lang="fr-FR" dirty="0" smtClean="0"/>
-              <a:t>) donne </a:t>
-            </a:r>
-            <a:r>
-              <a:rPr lang="fr-FR" dirty="0" err="1" smtClean="0"/>
-              <a:t>kG</a:t>
+              <a:t>Kpub</a:t>
             </a:r>
             <a:endParaRPr lang="fr-FR" dirty="0" smtClean="0"/>
+          </a:p>
+          <a:p>
+            <a:pPr marL="285750" indent="-285750">
+              <a:buFont typeface="Arial" panose="020B0604020202020204" pitchFamily="34" charset="0"/>
+              <a:buChar char="•"/>
+            </a:pPr>
+            <a:r>
+              <a:rPr lang="fr-FR" dirty="0"/>
+              <a:t>s</a:t>
+            </a:r>
+            <a:r>
+              <a:rPr lang="fr-FR" dirty="0" smtClean="0"/>
+              <a:t>i les deux empreintes sont identiques, les données sont « authentiques »</a:t>
+            </a:r>
+            <a:endParaRPr lang="fr-FR" dirty="0"/>
           </a:p>
         </p:txBody>
       </p:sp>
     </p:spTree>
     <p:extLst>
       <p:ext uri="{BB962C8B-B14F-4D97-AF65-F5344CB8AC3E}">
-        <p14:creationId xmlns:p14="http://schemas.microsoft.com/office/powerpoint/2010/main" val="2108602199"/>
+        <p14:creationId xmlns:p14="http://schemas.microsoft.com/office/powerpoint/2010/main" val="3408312722"/>
+      </p:ext>
+    </p:extLst>
+  </p:cSld>
+  <p:clrMapOvr>
+    <a:masterClrMapping/>
+  </p:clrMapOvr>
+  <p:timing>
+    <p:tnLst>
+      <p:par>
+        <p:cTn id="1" dur="indefinite" restart="never" nodeType="tmRoot"/>
+      </p:par>
+    </p:tnLst>
+  </p:timing>
+</p:sld>
+</file>
+
+<file path=ppt/slides/slide7.xml><?xml version="1.0" encoding="utf-8"?>
+<p:sld xmlns:a="http://schemas.openxmlformats.org/drawingml/2006/main" xmlns:r="http://schemas.openxmlformats.org/officeDocument/2006/relationships" xmlns:p="http://schemas.openxmlformats.org/presentationml/2006/main">
+  <p:cSld>
+    <p:spTree>
+      <p:nvGrpSpPr>
+        <p:cNvPr id="1" name=""/>
+        <p:cNvGrpSpPr/>
+        <p:nvPr/>
+      </p:nvGrpSpPr>
+      <p:grpSpPr>
+        <a:xfrm>
+          <a:off x="0" y="0"/>
+          <a:ext cx="0" cy="0"/>
+          <a:chOff x="0" y="0"/>
+          <a:chExt cx="0" cy="0"/>
+        </a:xfrm>
+      </p:grpSpPr>
+      <p:sp>
+        <p:nvSpPr>
+          <p:cNvPr id="2" name="Titre 1"/>
+          <p:cNvSpPr>
+            <a:spLocks noGrp="1"/>
+          </p:cNvSpPr>
+          <p:nvPr>
+            <p:ph type="title"/>
+          </p:nvPr>
+        </p:nvSpPr>
+        <p:spPr>
+          <a:xfrm>
+            <a:off x="839788" y="457200"/>
+            <a:ext cx="3932237" cy="909145"/>
+          </a:xfrm>
+        </p:spPr>
+        <p:txBody>
+          <a:bodyPr/>
+          <a:lstStyle/>
+          <a:p>
+            <a:r>
+              <a:rPr lang="fr-FR" dirty="0" smtClean="0"/>
+              <a:t>Hachage</a:t>
+            </a:r>
+            <a:endParaRPr lang="fr-FR" dirty="0"/>
+          </a:p>
+        </p:txBody>
+      </p:sp>
+      <p:pic>
+        <p:nvPicPr>
+          <p:cNvPr id="5" name="Espace réservé du contenu 4"/>
+          <p:cNvPicPr>
+            <a:picLocks noGrp="1" noChangeAspect="1"/>
+          </p:cNvPicPr>
+          <p:nvPr>
+            <p:ph idx="1"/>
+          </p:nvPr>
+        </p:nvPicPr>
+        <p:blipFill>
+          <a:blip r:embed="rId2">
+            <a:extLst>
+              <a:ext uri="{28A0092B-C50C-407E-A947-70E740481C1C}">
+                <a14:useLocalDpi xmlns:a14="http://schemas.microsoft.com/office/drawing/2010/main" val="0"/>
+              </a:ext>
+            </a:extLst>
+          </a:blip>
+          <a:stretch>
+            <a:fillRect/>
+          </a:stretch>
+        </p:blipFill>
+        <p:spPr>
+          <a:xfrm>
+            <a:off x="7112000" y="2438400"/>
+            <a:ext cx="2314575" cy="1971675"/>
+          </a:xfrm>
+        </p:spPr>
+      </p:pic>
+      <p:sp>
+        <p:nvSpPr>
+          <p:cNvPr id="4" name="Espace réservé du texte 3"/>
+          <p:cNvSpPr>
+            <a:spLocks noGrp="1"/>
+          </p:cNvSpPr>
+          <p:nvPr>
+            <p:ph type="body" sz="half" idx="2"/>
+          </p:nvPr>
+        </p:nvSpPr>
+        <p:spPr>
+          <a:xfrm>
+            <a:off x="1078350" y="1629103"/>
+            <a:ext cx="6247359" cy="5079057"/>
+          </a:xfrm>
+        </p:spPr>
+        <p:txBody>
+          <a:bodyPr>
+            <a:normAutofit fontScale="85000" lnSpcReduction="20000"/>
+          </a:bodyPr>
+          <a:lstStyle/>
+          <a:p>
+            <a:pPr marL="285750" indent="-285750">
+              <a:buFont typeface="Arial" panose="020B0604020202020204" pitchFamily="34" charset="0"/>
+              <a:buChar char="•"/>
+            </a:pPr>
+            <a:r>
+              <a:rPr lang="fr-FR" dirty="0"/>
+              <a:t>Une fonction de hachage (« hash »)  est une fonction </a:t>
+            </a:r>
+            <a:r>
+              <a:rPr lang="fr-FR" dirty="0" smtClean="0"/>
+              <a:t>H appliquée </a:t>
+            </a:r>
+            <a:r>
+              <a:rPr lang="fr-FR" dirty="0"/>
+              <a:t>sur une donnée (usuellement un bloc binaire m de l octets) retournant un identifiant (usuellement une valeur numérique entière H(m) comprise entre 0 et n-1).</a:t>
+            </a:r>
+          </a:p>
+          <a:p>
+            <a:pPr marL="285750" indent="-285750">
+              <a:buFont typeface="Arial" panose="020B0604020202020204" pitchFamily="34" charset="0"/>
+              <a:buChar char="•"/>
+            </a:pPr>
+            <a:r>
+              <a:rPr lang="fr-FR" dirty="0" smtClean="0"/>
+              <a:t>L’entier H(m) sert d’ordinaire d’indice dans un tableau : clair( H(m) ) = (m, informations(m))</a:t>
+            </a:r>
+          </a:p>
+          <a:p>
+            <a:pPr marL="285750" indent="-285750">
+              <a:buFont typeface="Arial" panose="020B0604020202020204" pitchFamily="34" charset="0"/>
+              <a:buChar char="•"/>
+            </a:pPr>
+            <a:r>
+              <a:rPr lang="fr-FR" dirty="0" smtClean="0"/>
+              <a:t>La fonction peut produire des doublons (H(m1) = H(m2) avec m1 différent de m2). Dans ce cas les données m1,m2,.. sont rangés séquentiellement dans le tableau. Alternative : H(m) contient une valeur d’une autre fonction de hachage.</a:t>
+            </a:r>
+          </a:p>
+          <a:p>
+            <a:pPr marL="285750" indent="-285750">
+              <a:buFont typeface="Arial" panose="020B0604020202020204" pitchFamily="34" charset="0"/>
+              <a:buChar char="•"/>
+            </a:pPr>
+            <a:r>
+              <a:rPr lang="fr-FR" dirty="0" smtClean="0"/>
+              <a:t>L’existence de doublons interdit de deviner à coup sûr la donnée m à partir de la valeur de hachage H(m). La qualité de la fonction H est une probabilité faible de doublon pour deux données m1,m2 choisies aléatoirement dans  un ensemble de données.</a:t>
+            </a:r>
+          </a:p>
+          <a:p>
+            <a:pPr marL="285750" indent="-285750">
+              <a:buFont typeface="Arial" panose="020B0604020202020204" pitchFamily="34" charset="0"/>
+              <a:buChar char="•"/>
+            </a:pPr>
+            <a:r>
+              <a:rPr lang="fr-FR" dirty="0" smtClean="0"/>
+              <a:t>Le hachage est une méthode pour accélérer la recherche des informations sur une donnée m mais c’est aussi une caractéristique calculée de m, une </a:t>
+            </a:r>
+            <a:r>
+              <a:rPr lang="fr-FR" b="1" dirty="0" smtClean="0"/>
+              <a:t>signature numérique </a:t>
+            </a:r>
+            <a:r>
+              <a:rPr lang="fr-FR" dirty="0" smtClean="0"/>
+              <a:t>de celle-ci. Elle peut être vue comme un condensat, un résumé de m.</a:t>
+            </a:r>
+          </a:p>
+          <a:p>
+            <a:pPr marL="285750" indent="-285750">
+              <a:buFont typeface="Arial" panose="020B0604020202020204" pitchFamily="34" charset="0"/>
+              <a:buChar char="•"/>
+            </a:pPr>
+            <a:r>
+              <a:rPr lang="fr-FR" dirty="0" smtClean="0"/>
+              <a:t>La fonction principale de la signature numérique H est de prouver la non-intégrité d’une donnée corrompue m…..comme un test ADN qui permet d’exclure des suspects innocents.</a:t>
+            </a:r>
+          </a:p>
+          <a:p>
+            <a:pPr marL="285750" indent="-285750">
+              <a:buFont typeface="Arial" panose="020B0604020202020204" pitchFamily="34" charset="0"/>
+              <a:buChar char="•"/>
+            </a:pPr>
+            <a:r>
+              <a:rPr lang="fr-FR" dirty="0" smtClean="0"/>
+              <a:t>Exemple de hachage avec une </a:t>
+            </a:r>
+            <a:r>
+              <a:rPr lang="fr-FR" b="1" dirty="0" smtClean="0"/>
+              <a:t>somme de contrôle </a:t>
+            </a:r>
+            <a:r>
+              <a:rPr lang="fr-FR" dirty="0" smtClean="0"/>
+              <a:t>:  calculer la somme modulo 2 d’un entier m, H(m) = 0 si l’entier est pair et H(m) = 1 si l’entier est impair.</a:t>
+            </a:r>
+          </a:p>
+          <a:p>
+            <a:pPr marL="285750" indent="-285750">
+              <a:buFont typeface="Arial" panose="020B0604020202020204" pitchFamily="34" charset="0"/>
+              <a:buChar char="•"/>
+            </a:pPr>
+            <a:r>
+              <a:rPr lang="fr-FR" dirty="0" smtClean="0"/>
+              <a:t>Des sommes de contrôles ont été définies pour permettre une détection des erreurs dans la données. Exemple : CRC basé sur le reste de division de polynômes à coefficient entiers.</a:t>
+            </a:r>
+          </a:p>
+        </p:txBody>
+      </p:sp>
+    </p:spTree>
+    <p:extLst>
+      <p:ext uri="{BB962C8B-B14F-4D97-AF65-F5344CB8AC3E}">
+        <p14:creationId xmlns:p14="http://schemas.microsoft.com/office/powerpoint/2010/main" val="2283665988"/>
+      </p:ext>
+    </p:extLst>
+  </p:cSld>
+  <p:clrMapOvr>
+    <a:masterClrMapping/>
+  </p:clrMapOvr>
+  <p:timing>
+    <p:tnLst>
+      <p:par>
+        <p:cTn id="1" dur="indefinite" restart="never" nodeType="tmRoot"/>
+      </p:par>
+    </p:tnLst>
+  </p:timing>
+</p:sld>
+</file>
+
+<file path=ppt/slides/slide8.xml><?xml version="1.0" encoding="utf-8"?>
+<p:sld xmlns:a="http://schemas.openxmlformats.org/drawingml/2006/main" xmlns:r="http://schemas.openxmlformats.org/officeDocument/2006/relationships" xmlns:p="http://schemas.openxmlformats.org/presentationml/2006/main">
+  <p:cSld>
+    <p:spTree>
+      <p:nvGrpSpPr>
+        <p:cNvPr id="1" name=""/>
+        <p:cNvGrpSpPr/>
+        <p:nvPr/>
+      </p:nvGrpSpPr>
+      <p:grpSpPr>
+        <a:xfrm>
+          <a:off x="0" y="0"/>
+          <a:ext cx="0" cy="0"/>
+          <a:chOff x="0" y="0"/>
+          <a:chExt cx="0" cy="0"/>
+        </a:xfrm>
+      </p:grpSpPr>
+      <p:sp>
+        <p:nvSpPr>
+          <p:cNvPr id="2" name="Titre 1"/>
+          <p:cNvSpPr>
+            <a:spLocks noGrp="1"/>
+          </p:cNvSpPr>
+          <p:nvPr>
+            <p:ph type="title"/>
+          </p:nvPr>
+        </p:nvSpPr>
+        <p:spPr>
+          <a:xfrm>
+            <a:off x="839788" y="457200"/>
+            <a:ext cx="5039804" cy="909145"/>
+          </a:xfrm>
+        </p:spPr>
+        <p:txBody>
+          <a:bodyPr>
+            <a:normAutofit/>
+          </a:bodyPr>
+          <a:lstStyle/>
+          <a:p>
+            <a:r>
+              <a:rPr lang="fr-FR" dirty="0" smtClean="0"/>
+              <a:t>Hachage cryptographique</a:t>
+            </a:r>
+            <a:endParaRPr lang="fr-FR" dirty="0"/>
+          </a:p>
+        </p:txBody>
+      </p:sp>
+      <p:pic>
+        <p:nvPicPr>
+          <p:cNvPr id="5" name="Espace réservé du contenu 4"/>
+          <p:cNvPicPr>
+            <a:picLocks noGrp="1" noChangeAspect="1"/>
+          </p:cNvPicPr>
+          <p:nvPr>
+            <p:ph idx="1"/>
+          </p:nvPr>
+        </p:nvPicPr>
+        <p:blipFill>
+          <a:blip r:embed="rId2">
+            <a:extLst>
+              <a:ext uri="{28A0092B-C50C-407E-A947-70E740481C1C}">
+                <a14:useLocalDpi xmlns:a14="http://schemas.microsoft.com/office/drawing/2010/main" val="0"/>
+              </a:ext>
+            </a:extLst>
+          </a:blip>
+          <a:stretch>
+            <a:fillRect/>
+          </a:stretch>
+        </p:blipFill>
+        <p:spPr>
+          <a:xfrm>
+            <a:off x="7112000" y="2438400"/>
+            <a:ext cx="2314575" cy="1971675"/>
+          </a:xfrm>
+        </p:spPr>
+      </p:pic>
+      <p:sp>
+        <p:nvSpPr>
+          <p:cNvPr id="4" name="Espace réservé du texte 3"/>
+          <p:cNvSpPr>
+            <a:spLocks noGrp="1"/>
+          </p:cNvSpPr>
+          <p:nvPr>
+            <p:ph type="body" sz="half" idx="2"/>
+          </p:nvPr>
+        </p:nvSpPr>
+        <p:spPr>
+          <a:xfrm>
+            <a:off x="1078350" y="1629103"/>
+            <a:ext cx="6247359" cy="5079057"/>
+          </a:xfrm>
+        </p:spPr>
+        <p:txBody>
+          <a:bodyPr>
+            <a:normAutofit/>
+          </a:bodyPr>
+          <a:lstStyle/>
+          <a:p>
+            <a:pPr marL="285750" indent="-285750">
+              <a:buFont typeface="Arial" panose="020B0604020202020204" pitchFamily="34" charset="0"/>
+              <a:buChar char="•"/>
+            </a:pPr>
+            <a:r>
+              <a:rPr lang="fr-FR" dirty="0" smtClean="0"/>
+              <a:t>Les fonctions de hachages pour la cryptographie numérique « </a:t>
+            </a:r>
+            <a:r>
+              <a:rPr lang="fr-FR" b="1" dirty="0" err="1" smtClean="0"/>
+              <a:t>C</a:t>
+            </a:r>
+            <a:r>
+              <a:rPr lang="fr-FR" dirty="0" err="1" smtClean="0"/>
+              <a:t>ryptographic</a:t>
+            </a:r>
+            <a:r>
+              <a:rPr lang="fr-FR" dirty="0" smtClean="0"/>
+              <a:t> </a:t>
+            </a:r>
+            <a:r>
+              <a:rPr lang="fr-FR" b="1" dirty="0" smtClean="0"/>
+              <a:t>H</a:t>
+            </a:r>
+            <a:r>
+              <a:rPr lang="fr-FR" dirty="0" smtClean="0"/>
+              <a:t>ash </a:t>
+            </a:r>
+            <a:r>
+              <a:rPr lang="fr-FR" b="1" dirty="0" err="1" smtClean="0"/>
+              <a:t>F</a:t>
+            </a:r>
+            <a:r>
+              <a:rPr lang="fr-FR" dirty="0" err="1" smtClean="0"/>
+              <a:t>unction</a:t>
+            </a:r>
+            <a:r>
+              <a:rPr lang="fr-FR" dirty="0" smtClean="0"/>
+              <a:t> » sont celles garantissant une sécurité et des performances de calcul optimales : très peu de doublons, calcul H(m) rapide.</a:t>
+            </a:r>
+          </a:p>
+          <a:p>
+            <a:pPr marL="285750" indent="-285750">
+              <a:buFont typeface="Arial" panose="020B0604020202020204" pitchFamily="34" charset="0"/>
+              <a:buChar char="•"/>
+            </a:pPr>
+            <a:r>
+              <a:rPr lang="fr-FR" dirty="0" smtClean="0"/>
+              <a:t>Une fonction de hachage cryptographique est souvent paramétrable et s’appuie sur un « salage » de la donnée m : la donnée m est modifiée par un paramètre aléatoire défini au dernier moment (avant envoi pour un message). Le hachage H(m) est donc différent à chaque envoi.</a:t>
+            </a:r>
+          </a:p>
+          <a:p>
+            <a:pPr marL="285750" indent="-285750">
+              <a:buFont typeface="Arial" panose="020B0604020202020204" pitchFamily="34" charset="0"/>
+              <a:buChar char="•"/>
+            </a:pPr>
+            <a:r>
+              <a:rPr lang="fr-FR" dirty="0" smtClean="0"/>
+              <a:t>Chaque état définit les normes cryptographiques en vigueur pour les systèmes informatiques sous sa juridiction. Aux US, c’est le NIST (dépendant du ministre du commerce) qui est chargé de la définition et l’application de ces normes. Pour la signature numérique,  c’est le Digital Standard Signature (DSA) qui est la norme.</a:t>
+            </a:r>
+          </a:p>
+          <a:p>
+            <a:pPr marL="285750" indent="-285750">
+              <a:buFont typeface="Arial" panose="020B0604020202020204" pitchFamily="34" charset="0"/>
+              <a:buChar char="•"/>
+            </a:pPr>
+            <a:r>
+              <a:rPr lang="fr-FR" dirty="0" smtClean="0"/>
+              <a:t>Le DSA se décline en pratique sous forme de différents hachages cryptographique, DSA et RSA, et plus récemment ECDSA, un hachage basé sur le concept mathématique des courbes elliptiques.</a:t>
+            </a:r>
+            <a:endParaRPr lang="fr-FR" dirty="0"/>
+          </a:p>
+        </p:txBody>
+      </p:sp>
+    </p:spTree>
+    <p:extLst>
+      <p:ext uri="{BB962C8B-B14F-4D97-AF65-F5344CB8AC3E}">
+        <p14:creationId xmlns:p14="http://schemas.microsoft.com/office/powerpoint/2010/main" val="3407918255"/>
+      </p:ext>
+    </p:extLst>
+  </p:cSld>
+  <p:clrMapOvr>
+    <a:masterClrMapping/>
+  </p:clrMapOvr>
+  <p:timing>
+    <p:tnLst>
+      <p:par>
+        <p:cTn id="1" dur="indefinite" restart="never" nodeType="tmRoot"/>
+      </p:par>
+    </p:tnLst>
+  </p:timing>
+</p:sld>
+</file>
+
+<file path=ppt/slides/slide9.xml><?xml version="1.0" encoding="utf-8"?>
+<p:sld xmlns:a="http://schemas.openxmlformats.org/drawingml/2006/main" xmlns:r="http://schemas.openxmlformats.org/officeDocument/2006/relationships" xmlns:p="http://schemas.openxmlformats.org/presentationml/2006/main">
+  <p:cSld>
+    <p:spTree>
+      <p:nvGrpSpPr>
+        <p:cNvPr id="1" name=""/>
+        <p:cNvGrpSpPr/>
+        <p:nvPr/>
+      </p:nvGrpSpPr>
+      <p:grpSpPr>
+        <a:xfrm>
+          <a:off x="0" y="0"/>
+          <a:ext cx="0" cy="0"/>
+          <a:chOff x="0" y="0"/>
+          <a:chExt cx="0" cy="0"/>
+        </a:xfrm>
+      </p:grpSpPr>
+      <p:sp>
+        <p:nvSpPr>
+          <p:cNvPr id="2" name="Titre 1"/>
+          <p:cNvSpPr>
+            <a:spLocks noGrp="1"/>
+          </p:cNvSpPr>
+          <p:nvPr>
+            <p:ph type="title"/>
+          </p:nvPr>
+        </p:nvSpPr>
+        <p:spPr>
+          <a:xfrm>
+            <a:off x="839788" y="457200"/>
+            <a:ext cx="3932237" cy="909145"/>
+          </a:xfrm>
+        </p:spPr>
+        <p:txBody>
+          <a:bodyPr/>
+          <a:lstStyle/>
+          <a:p>
+            <a:r>
+              <a:rPr lang="fr-FR" dirty="0" smtClean="0"/>
+              <a:t>Courbe elliptique</a:t>
+            </a:r>
+            <a:endParaRPr lang="fr-FR" dirty="0"/>
+          </a:p>
+        </p:txBody>
+      </p:sp>
+      <p:pic>
+        <p:nvPicPr>
+          <p:cNvPr id="5" name="Espace réservé du contenu 4"/>
+          <p:cNvPicPr>
+            <a:picLocks noGrp="1" noChangeAspect="1"/>
+          </p:cNvPicPr>
+          <p:nvPr>
+            <p:ph idx="1"/>
+          </p:nvPr>
+        </p:nvPicPr>
+        <p:blipFill>
+          <a:blip r:embed="rId2">
+            <a:extLst>
+              <a:ext uri="{28A0092B-C50C-407E-A947-70E740481C1C}">
+                <a14:useLocalDpi xmlns:a14="http://schemas.microsoft.com/office/drawing/2010/main" val="0"/>
+              </a:ext>
+            </a:extLst>
+          </a:blip>
+          <a:stretch>
+            <a:fillRect/>
+          </a:stretch>
+        </p:blipFill>
+        <p:spPr>
+          <a:xfrm>
+            <a:off x="4360364" y="1710489"/>
+            <a:ext cx="7346704" cy="4602176"/>
+          </a:xfrm>
+        </p:spPr>
+      </p:pic>
+      <p:sp>
+        <p:nvSpPr>
+          <p:cNvPr id="4" name="Espace réservé du texte 3"/>
+          <p:cNvSpPr>
+            <a:spLocks noGrp="1"/>
+          </p:cNvSpPr>
+          <p:nvPr>
+            <p:ph type="body" sz="half" idx="2"/>
+          </p:nvPr>
+        </p:nvSpPr>
+        <p:spPr>
+          <a:xfrm>
+            <a:off x="503997" y="1677603"/>
+            <a:ext cx="4574780" cy="4635062"/>
+          </a:xfrm>
+        </p:spPr>
+        <p:txBody>
+          <a:bodyPr>
+            <a:normAutofit lnSpcReduction="10000"/>
+          </a:bodyPr>
+          <a:lstStyle/>
+          <a:p>
+            <a:pPr marL="285750" indent="-285750">
+              <a:buFont typeface="Wingdings" panose="05000000000000000000" pitchFamily="2" charset="2"/>
+              <a:buChar char="Ø"/>
+            </a:pPr>
+            <a:r>
+              <a:rPr lang="fr-FR" sz="1500" u="sng" dirty="0" smtClean="0"/>
+              <a:t>Courbe </a:t>
+            </a:r>
+            <a:r>
+              <a:rPr lang="fr-FR" sz="1500" u="sng" dirty="0"/>
+              <a:t>elliptique (  </a:t>
+            </a:r>
+            <a:r>
+              <a:rPr lang="fr-FR" sz="1500" u="sng" dirty="0" err="1"/>
+              <a:t>Elliptic</a:t>
+            </a:r>
+            <a:r>
+              <a:rPr lang="fr-FR" sz="1500" u="sng" dirty="0"/>
+              <a:t> </a:t>
+            </a:r>
+            <a:r>
+              <a:rPr lang="fr-FR" sz="1500" u="sng" dirty="0" err="1"/>
+              <a:t>curve</a:t>
+            </a:r>
+            <a:r>
+              <a:rPr lang="fr-FR" sz="1500" u="sng" dirty="0"/>
+              <a:t> )</a:t>
+            </a:r>
+          </a:p>
+          <a:p>
+            <a:pPr marL="285750" indent="-285750">
+              <a:buFont typeface="Arial" panose="020B0604020202020204" pitchFamily="34" charset="0"/>
+              <a:buChar char="•"/>
+            </a:pPr>
+            <a:r>
+              <a:rPr lang="fr-FR" dirty="0" smtClean="0"/>
+              <a:t>C’est la base mathématique du hachage cryptographique de la norme ECDSA </a:t>
+            </a:r>
+          </a:p>
+          <a:p>
+            <a:pPr marL="285750" indent="-285750">
+              <a:buFont typeface="Arial" panose="020B0604020202020204" pitchFamily="34" charset="0"/>
+              <a:buChar char="•"/>
+            </a:pPr>
+            <a:r>
+              <a:rPr lang="fr-FR" dirty="0" smtClean="0"/>
+              <a:t>La sécurité de ce mode de cryptage est la difficulté de calculer en temps raisonnable la clé privé d’encryptage d’une signature numérique.</a:t>
+            </a:r>
+            <a:endParaRPr lang="fr-FR" dirty="0" smtClean="0"/>
+          </a:p>
+          <a:p>
+            <a:pPr marL="285750" indent="-285750">
+              <a:buFont typeface="Arial" panose="020B0604020202020204" pitchFamily="34" charset="0"/>
+              <a:buChar char="•"/>
+            </a:pPr>
+            <a:r>
+              <a:rPr lang="fr-FR" dirty="0" smtClean="0"/>
+              <a:t>Pour le RSA, c’est la difficulté de factoriser un nombre entier m donné en deux nombres </a:t>
+            </a:r>
+            <a:r>
+              <a:rPr lang="fr-FR" dirty="0" err="1" smtClean="0"/>
+              <a:t>p,q</a:t>
+            </a:r>
+            <a:r>
+              <a:rPr lang="fr-FR" dirty="0" smtClean="0"/>
+              <a:t> modulo un entier n : la durée de calcul est une fonction exponentielle du nombre de bits de m.</a:t>
+            </a:r>
+          </a:p>
+          <a:p>
+            <a:pPr marL="285750" indent="-285750">
+              <a:buFont typeface="Arial" panose="020B0604020202020204" pitchFamily="34" charset="0"/>
+              <a:buChar char="•"/>
+            </a:pPr>
+            <a:r>
+              <a:rPr lang="fr-FR" dirty="0" smtClean="0"/>
+              <a:t>La faiblesse du RSA est que cette factorisation est devenue plus aisée avec les techniques mathématiques et moyens informatiques les plus modernes (factorisation quantique dans quelques années ;-) )</a:t>
+            </a:r>
+          </a:p>
+          <a:p>
+            <a:pPr marL="285750" indent="-285750">
+              <a:buFont typeface="Arial" panose="020B0604020202020204" pitchFamily="34" charset="0"/>
+              <a:buChar char="•"/>
+            </a:pPr>
+            <a:r>
+              <a:rPr lang="fr-FR" dirty="0" smtClean="0"/>
+              <a:t>D’où l’idée d’utiliser un cryptage par courbe elliptique où la </a:t>
+            </a:r>
+            <a:r>
+              <a:rPr lang="fr-FR" smtClean="0"/>
+              <a:t>difficulté d’attaque </a:t>
+            </a:r>
+            <a:r>
+              <a:rPr lang="fr-FR" dirty="0" smtClean="0"/>
+              <a:t>est de trouver le nombre entier k tel que </a:t>
+            </a:r>
+            <a:r>
+              <a:rPr lang="fr-FR" dirty="0" err="1" smtClean="0"/>
+              <a:t>kG</a:t>
+            </a:r>
+            <a:r>
+              <a:rPr lang="fr-FR" dirty="0" smtClean="0"/>
+              <a:t> = (</a:t>
+            </a:r>
+            <a:r>
+              <a:rPr lang="fr-FR" dirty="0" err="1" smtClean="0"/>
+              <a:t>x,y</a:t>
+            </a:r>
+            <a:r>
+              <a:rPr lang="fr-FR" dirty="0" smtClean="0"/>
+              <a:t>) </a:t>
+            </a:r>
+            <a:r>
+              <a:rPr lang="fr-FR" dirty="0" err="1" smtClean="0"/>
+              <a:t>mod</a:t>
+            </a:r>
+            <a:r>
+              <a:rPr lang="fr-FR" dirty="0" smtClean="0"/>
+              <a:t> n à partir de la clé publique (E,G) et de la signature (</a:t>
+            </a:r>
+            <a:r>
+              <a:rPr lang="fr-FR" dirty="0" err="1" smtClean="0"/>
+              <a:t>x,y</a:t>
+            </a:r>
+            <a:r>
+              <a:rPr lang="fr-FR" dirty="0" smtClean="0"/>
+              <a:t>).</a:t>
+            </a:r>
+            <a:endParaRPr lang="fr-FR" dirty="0" smtClean="0"/>
+          </a:p>
+        </p:txBody>
+      </p:sp>
+    </p:spTree>
+    <p:extLst>
+      <p:ext uri="{BB962C8B-B14F-4D97-AF65-F5344CB8AC3E}">
+        <p14:creationId xmlns:p14="http://schemas.microsoft.com/office/powerpoint/2010/main" val="3659643191"/>
       </p:ext>
     </p:extLst>
   </p:cSld>

--- a/docs/Autoformation_Git.pptx
+++ b/docs/Autoformation_Git.pptx
@@ -9,12 +9,20 @@
     <p:sldId id="257" r:id="rId3"/>
     <p:sldId id="258" r:id="rId4"/>
     <p:sldId id="263" r:id="rId5"/>
-    <p:sldId id="264" r:id="rId6"/>
-    <p:sldId id="259" r:id="rId7"/>
-    <p:sldId id="261" r:id="rId8"/>
-    <p:sldId id="262" r:id="rId9"/>
-    <p:sldId id="265" r:id="rId10"/>
-    <p:sldId id="260" r:id="rId11"/>
+    <p:sldId id="267" r:id="rId6"/>
+    <p:sldId id="264" r:id="rId7"/>
+    <p:sldId id="268" r:id="rId8"/>
+    <p:sldId id="269" r:id="rId9"/>
+    <p:sldId id="266" r:id="rId10"/>
+    <p:sldId id="270" r:id="rId11"/>
+    <p:sldId id="271" r:id="rId12"/>
+    <p:sldId id="272" r:id="rId13"/>
+    <p:sldId id="273" r:id="rId14"/>
+    <p:sldId id="259" r:id="rId15"/>
+    <p:sldId id="261" r:id="rId16"/>
+    <p:sldId id="262" r:id="rId17"/>
+    <p:sldId id="265" r:id="rId18"/>
+    <p:sldId id="260" r:id="rId19"/>
   </p:sldIdLst>
   <p:sldSz cx="12192000" cy="6858000"/>
   <p:notesSz cx="6858000" cy="9144000"/>
@@ -252,7 +260,7 @@
           <a:p>
             <a:fld id="{488F90A8-69E9-4263-AE3A-CD53E7F82CD2}" type="datetimeFigureOut">
               <a:rPr lang="fr-FR" smtClean="0"/>
-              <a:t>03/11/2020</a:t>
+              <a:t>05/11/2020</a:t>
             </a:fld>
             <a:endParaRPr lang="fr-FR"/>
           </a:p>
@@ -422,7 +430,7 @@
           <a:p>
             <a:fld id="{488F90A8-69E9-4263-AE3A-CD53E7F82CD2}" type="datetimeFigureOut">
               <a:rPr lang="fr-FR" smtClean="0"/>
-              <a:t>03/11/2020</a:t>
+              <a:t>05/11/2020</a:t>
             </a:fld>
             <a:endParaRPr lang="fr-FR"/>
           </a:p>
@@ -602,7 +610,7 @@
           <a:p>
             <a:fld id="{488F90A8-69E9-4263-AE3A-CD53E7F82CD2}" type="datetimeFigureOut">
               <a:rPr lang="fr-FR" smtClean="0"/>
-              <a:t>03/11/2020</a:t>
+              <a:t>05/11/2020</a:t>
             </a:fld>
             <a:endParaRPr lang="fr-FR"/>
           </a:p>
@@ -772,7 +780,7 @@
           <a:p>
             <a:fld id="{488F90A8-69E9-4263-AE3A-CD53E7F82CD2}" type="datetimeFigureOut">
               <a:rPr lang="fr-FR" smtClean="0"/>
-              <a:t>03/11/2020</a:t>
+              <a:t>05/11/2020</a:t>
             </a:fld>
             <a:endParaRPr lang="fr-FR"/>
           </a:p>
@@ -1018,7 +1026,7 @@
           <a:p>
             <a:fld id="{488F90A8-69E9-4263-AE3A-CD53E7F82CD2}" type="datetimeFigureOut">
               <a:rPr lang="fr-FR" smtClean="0"/>
-              <a:t>03/11/2020</a:t>
+              <a:t>05/11/2020</a:t>
             </a:fld>
             <a:endParaRPr lang="fr-FR"/>
           </a:p>
@@ -1250,7 +1258,7 @@
           <a:p>
             <a:fld id="{488F90A8-69E9-4263-AE3A-CD53E7F82CD2}" type="datetimeFigureOut">
               <a:rPr lang="fr-FR" smtClean="0"/>
-              <a:t>03/11/2020</a:t>
+              <a:t>05/11/2020</a:t>
             </a:fld>
             <a:endParaRPr lang="fr-FR"/>
           </a:p>
@@ -1617,7 +1625,7 @@
           <a:p>
             <a:fld id="{488F90A8-69E9-4263-AE3A-CD53E7F82CD2}" type="datetimeFigureOut">
               <a:rPr lang="fr-FR" smtClean="0"/>
-              <a:t>03/11/2020</a:t>
+              <a:t>05/11/2020</a:t>
             </a:fld>
             <a:endParaRPr lang="fr-FR"/>
           </a:p>
@@ -1735,7 +1743,7 @@
           <a:p>
             <a:fld id="{488F90A8-69E9-4263-AE3A-CD53E7F82CD2}" type="datetimeFigureOut">
               <a:rPr lang="fr-FR" smtClean="0"/>
-              <a:t>03/11/2020</a:t>
+              <a:t>05/11/2020</a:t>
             </a:fld>
             <a:endParaRPr lang="fr-FR"/>
           </a:p>
@@ -1830,7 +1838,7 @@
           <a:p>
             <a:fld id="{488F90A8-69E9-4263-AE3A-CD53E7F82CD2}" type="datetimeFigureOut">
               <a:rPr lang="fr-FR" smtClean="0"/>
-              <a:t>03/11/2020</a:t>
+              <a:t>05/11/2020</a:t>
             </a:fld>
             <a:endParaRPr lang="fr-FR"/>
           </a:p>
@@ -2107,7 +2115,7 @@
           <a:p>
             <a:fld id="{488F90A8-69E9-4263-AE3A-CD53E7F82CD2}" type="datetimeFigureOut">
               <a:rPr lang="fr-FR" smtClean="0"/>
-              <a:t>03/11/2020</a:t>
+              <a:t>05/11/2020</a:t>
             </a:fld>
             <a:endParaRPr lang="fr-FR"/>
           </a:p>
@@ -2360,7 +2368,7 @@
           <a:p>
             <a:fld id="{488F90A8-69E9-4263-AE3A-CD53E7F82CD2}" type="datetimeFigureOut">
               <a:rPr lang="fr-FR" smtClean="0"/>
-              <a:t>03/11/2020</a:t>
+              <a:t>05/11/2020</a:t>
             </a:fld>
             <a:endParaRPr lang="fr-FR"/>
           </a:p>
@@ -2573,7 +2581,7 @@
           <a:p>
             <a:fld id="{488F90A8-69E9-4263-AE3A-CD53E7F82CD2}" type="datetimeFigureOut">
               <a:rPr lang="fr-FR" smtClean="0"/>
-              <a:t>03/11/2020</a:t>
+              <a:t>05/11/2020</a:t>
             </a:fld>
             <a:endParaRPr lang="fr-FR"/>
           </a:p>
@@ -3077,6 +3085,2599 @@
         <p:spPr>
           <a:xfrm>
             <a:off x="839788" y="457200"/>
+            <a:ext cx="6144906" cy="909145"/>
+          </a:xfrm>
+        </p:spPr>
+        <p:txBody>
+          <a:bodyPr>
+            <a:normAutofit/>
+          </a:bodyPr>
+          <a:lstStyle/>
+          <a:p>
+            <a:r>
+              <a:rPr lang="fr-FR" dirty="0" smtClean="0"/>
+              <a:t>Mode d’emploi </a:t>
+            </a:r>
+            <a:r>
+              <a:rPr lang="fr-FR" dirty="0" smtClean="0"/>
+              <a:t>GIT</a:t>
+            </a:r>
+            <a:endParaRPr lang="fr-FR" dirty="0"/>
+          </a:p>
+        </p:txBody>
+      </p:sp>
+      <p:pic>
+        <p:nvPicPr>
+          <p:cNvPr id="5" name="Espace réservé du contenu 4"/>
+          <p:cNvPicPr>
+            <a:picLocks noGrp="1" noChangeAspect="1"/>
+          </p:cNvPicPr>
+          <p:nvPr>
+            <p:ph idx="1"/>
+          </p:nvPr>
+        </p:nvPicPr>
+        <p:blipFill>
+          <a:blip r:embed="rId2">
+            <a:extLst>
+              <a:ext uri="{28A0092B-C50C-407E-A947-70E740481C1C}">
+                <a14:useLocalDpi xmlns:a14="http://schemas.microsoft.com/office/drawing/2010/main" val="0"/>
+              </a:ext>
+            </a:extLst>
+          </a:blip>
+          <a:stretch>
+            <a:fillRect/>
+          </a:stretch>
+        </p:blipFill>
+        <p:spPr>
+          <a:xfrm>
+            <a:off x="7112000" y="2438400"/>
+            <a:ext cx="2314575" cy="1971675"/>
+          </a:xfrm>
+        </p:spPr>
+      </p:pic>
+      <p:sp>
+        <p:nvSpPr>
+          <p:cNvPr id="4" name="Espace réservé du texte 3"/>
+          <p:cNvSpPr>
+            <a:spLocks noGrp="1"/>
+          </p:cNvSpPr>
+          <p:nvPr>
+            <p:ph type="body" sz="half" idx="2"/>
+          </p:nvPr>
+        </p:nvSpPr>
+        <p:spPr>
+          <a:xfrm>
+            <a:off x="1078350" y="1629104"/>
+            <a:ext cx="6247359" cy="4635062"/>
+          </a:xfrm>
+        </p:spPr>
+        <p:txBody>
+          <a:bodyPr>
+            <a:normAutofit fontScale="77500" lnSpcReduction="20000"/>
+          </a:bodyPr>
+          <a:lstStyle/>
+          <a:p>
+            <a:pPr marL="285750" indent="-285750">
+              <a:buFont typeface="Wingdings" panose="05000000000000000000" pitchFamily="2" charset="2"/>
+              <a:buChar char="Ø"/>
+            </a:pPr>
+            <a:r>
+              <a:rPr lang="fr-FR" u="sng" dirty="0" smtClean="0"/>
+              <a:t>Initialisation </a:t>
+            </a:r>
+            <a:r>
+              <a:rPr lang="fr-FR" u="sng" dirty="0"/>
+              <a:t>du compte de développement </a:t>
+            </a:r>
+          </a:p>
+          <a:p>
+            <a:r>
+              <a:rPr lang="fr-FR" dirty="0"/>
+              <a:t>Le logiciel GIT est paramétré par des variables de configuration, certaines globales mémorisées dans le fichier </a:t>
+            </a:r>
+            <a:r>
+              <a:rPr lang="fr-FR" dirty="0" smtClean="0"/>
+              <a:t>$</a:t>
+            </a:r>
+            <a:r>
+              <a:rPr lang="fr-FR" b="1" dirty="0" smtClean="0"/>
+              <a:t>HOME/.</a:t>
+            </a:r>
+            <a:r>
+              <a:rPr lang="fr-FR" b="1" dirty="0" err="1" smtClean="0"/>
+              <a:t>gitconfig</a:t>
+            </a:r>
+            <a:endParaRPr lang="fr-FR" b="1" dirty="0" smtClean="0"/>
+          </a:p>
+          <a:p>
+            <a:r>
+              <a:rPr lang="fr-FR" dirty="0"/>
+              <a:t>Il est fortement recommandé </a:t>
+            </a:r>
+            <a:r>
+              <a:rPr lang="fr-FR" dirty="0" smtClean="0"/>
+              <a:t>(sous peine d’avoir des messages d’avertissements aux </a:t>
+            </a:r>
+            <a:r>
+              <a:rPr lang="fr-FR" dirty="0" err="1" smtClean="0"/>
+              <a:t>commits</a:t>
+            </a:r>
+            <a:r>
+              <a:rPr lang="fr-FR" dirty="0" smtClean="0"/>
+              <a:t>) d’initialiser </a:t>
+            </a:r>
+            <a:r>
+              <a:rPr lang="fr-FR" dirty="0"/>
+              <a:t>certaines d’entre elles par </a:t>
+            </a:r>
+            <a:r>
+              <a:rPr lang="fr-FR" dirty="0" smtClean="0"/>
+              <a:t>:</a:t>
+            </a:r>
+          </a:p>
+          <a:p>
+            <a:endParaRPr lang="fr-FR" dirty="0"/>
+          </a:p>
+          <a:p>
+            <a:pPr marL="742950" lvl="1" indent="-285750">
+              <a:buFont typeface="Wingdings" panose="05000000000000000000" pitchFamily="2" charset="2"/>
+              <a:buChar char="§"/>
+            </a:pPr>
+            <a:r>
+              <a:rPr lang="fr-FR" dirty="0"/>
+              <a:t>g</a:t>
+            </a:r>
+            <a:r>
+              <a:rPr lang="fr-FR" dirty="0"/>
+              <a:t>it config – global  user.name = « </a:t>
+            </a:r>
+            <a:r>
+              <a:rPr lang="fr-FR" dirty="0" smtClean="0"/>
+              <a:t>Votre nom</a:t>
+            </a:r>
+            <a:r>
+              <a:rPr lang="fr-FR" dirty="0"/>
+              <a:t> </a:t>
+            </a:r>
+            <a:r>
+              <a:rPr lang="fr-FR" dirty="0" smtClean="0"/>
+              <a:t>»</a:t>
+            </a:r>
+          </a:p>
+          <a:p>
+            <a:pPr marL="742950" lvl="1" indent="-285750">
+              <a:buFont typeface="Wingdings" panose="05000000000000000000" pitchFamily="2" charset="2"/>
+              <a:buChar char="§"/>
+            </a:pPr>
+            <a:r>
+              <a:rPr lang="fr-FR" dirty="0"/>
+              <a:t>git config – global  </a:t>
+            </a:r>
+            <a:r>
+              <a:rPr lang="fr-FR" dirty="0" err="1" smtClean="0"/>
+              <a:t>user.email</a:t>
+            </a:r>
+            <a:r>
+              <a:rPr lang="fr-FR" dirty="0" smtClean="0"/>
+              <a:t> </a:t>
+            </a:r>
+            <a:r>
+              <a:rPr lang="fr-FR" dirty="0"/>
+              <a:t>= </a:t>
+            </a:r>
+            <a:r>
+              <a:rPr lang="fr-FR" dirty="0" smtClean="0"/>
+              <a:t>vous@exemple.com</a:t>
+            </a:r>
+            <a:endParaRPr lang="fr-FR" dirty="0"/>
+          </a:p>
+          <a:p>
+            <a:pPr marL="742950" lvl="1" indent="-285750">
+              <a:buFont typeface="Wingdings" panose="05000000000000000000" pitchFamily="2" charset="2"/>
+              <a:buChar char="§"/>
+            </a:pPr>
+            <a:r>
+              <a:rPr lang="fr-FR" dirty="0"/>
+              <a:t>g</a:t>
+            </a:r>
+            <a:r>
+              <a:rPr lang="fr-FR" dirty="0" smtClean="0"/>
+              <a:t>it config  -l</a:t>
+            </a:r>
+          </a:p>
+          <a:p>
+            <a:pPr marL="742950" lvl="1" indent="-285750">
+              <a:buFont typeface="Wingdings" panose="05000000000000000000" pitchFamily="2" charset="2"/>
+              <a:buChar char="§"/>
+            </a:pPr>
+            <a:endParaRPr lang="fr-FR" u="sng" dirty="0" smtClean="0"/>
+          </a:p>
+          <a:p>
+            <a:pPr marL="285750" indent="-285750">
+              <a:buFont typeface="Wingdings" panose="05000000000000000000" pitchFamily="2" charset="2"/>
+              <a:buChar char="Ø"/>
+            </a:pPr>
+            <a:r>
+              <a:rPr lang="fr-FR" u="sng" dirty="0" smtClean="0"/>
+              <a:t>Création de dépôt (= </a:t>
+            </a:r>
+            <a:r>
+              <a:rPr lang="fr-FR" u="sng" dirty="0" err="1" smtClean="0"/>
+              <a:t>repository</a:t>
+            </a:r>
+            <a:r>
+              <a:rPr lang="fr-FR" u="sng" dirty="0" smtClean="0"/>
+              <a:t>) pour un projet nouveau</a:t>
+            </a:r>
+            <a:endParaRPr lang="fr-FR" u="sng" dirty="0" smtClean="0"/>
+          </a:p>
+          <a:p>
+            <a:r>
+              <a:rPr lang="fr-FR" dirty="0" smtClean="0"/>
+              <a:t>Un dépôt est simplement une arborescence fichiers d’un compte utilisateur </a:t>
+            </a:r>
+            <a:r>
+              <a:rPr lang="fr-FR" dirty="0" smtClean="0"/>
+              <a:t>comportant des fichiers et répertoires particuliers de gestion GIT.</a:t>
+            </a:r>
+          </a:p>
+          <a:p>
+            <a:r>
+              <a:rPr lang="fr-FR" dirty="0" smtClean="0"/>
+              <a:t>C’est celui géré par le gestionnaire de configuration logiciel car il faut désigner un dépôt « origine » , de référence, parmi tous ceux des développeurs du projet.</a:t>
+            </a:r>
+          </a:p>
+          <a:p>
+            <a:r>
+              <a:rPr lang="fr-FR" dirty="0" smtClean="0"/>
+              <a:t>Pour le créer :</a:t>
+            </a:r>
+          </a:p>
+          <a:p>
+            <a:endParaRPr lang="fr-FR" dirty="0" smtClean="0"/>
+          </a:p>
+          <a:p>
+            <a:pPr marL="742950" lvl="1" indent="-285750">
+              <a:buFont typeface="Wingdings" panose="05000000000000000000" pitchFamily="2" charset="2"/>
+              <a:buChar char="§"/>
+            </a:pPr>
+            <a:r>
+              <a:rPr lang="fr-FR" dirty="0" err="1" smtClean="0"/>
+              <a:t>mkdir</a:t>
+            </a:r>
+            <a:r>
+              <a:rPr lang="fr-FR" dirty="0" smtClean="0"/>
+              <a:t> projet </a:t>
+            </a:r>
+          </a:p>
+          <a:p>
+            <a:pPr marL="742950" lvl="1" indent="-285750">
+              <a:buFont typeface="Wingdings" panose="05000000000000000000" pitchFamily="2" charset="2"/>
+              <a:buChar char="§"/>
+            </a:pPr>
+            <a:r>
+              <a:rPr lang="fr-FR" dirty="0" smtClean="0"/>
+              <a:t>cd projet </a:t>
+            </a:r>
+          </a:p>
+          <a:p>
+            <a:pPr marL="742950" lvl="1" indent="-285750">
+              <a:buFont typeface="Wingdings" panose="05000000000000000000" pitchFamily="2" charset="2"/>
+              <a:buChar char="§"/>
+            </a:pPr>
+            <a:r>
+              <a:rPr lang="fr-FR" dirty="0" smtClean="0"/>
+              <a:t>git </a:t>
+            </a:r>
+            <a:r>
+              <a:rPr lang="fr-FR" dirty="0" err="1" smtClean="0"/>
+              <a:t>init</a:t>
+            </a:r>
+            <a:endParaRPr lang="fr-FR" dirty="0"/>
+          </a:p>
+          <a:p>
+            <a:pPr marL="742950" lvl="1" indent="-285750">
+              <a:buFont typeface="Wingdings" panose="05000000000000000000" pitchFamily="2" charset="2"/>
+              <a:buChar char="§"/>
+            </a:pPr>
+            <a:r>
+              <a:rPr lang="fr-FR" dirty="0"/>
+              <a:t>git </a:t>
+            </a:r>
+            <a:r>
+              <a:rPr lang="fr-FR" dirty="0" err="1"/>
+              <a:t>add</a:t>
+            </a:r>
+            <a:r>
+              <a:rPr lang="fr-FR" dirty="0"/>
+              <a:t> .</a:t>
+            </a:r>
+          </a:p>
+          <a:p>
+            <a:pPr marL="742950" lvl="1" indent="-285750">
+              <a:buFont typeface="Wingdings" panose="05000000000000000000" pitchFamily="2" charset="2"/>
+              <a:buChar char="§"/>
+            </a:pPr>
+            <a:r>
+              <a:rPr lang="fr-FR" dirty="0"/>
+              <a:t>git </a:t>
+            </a:r>
+            <a:r>
+              <a:rPr lang="fr-FR" dirty="0" smtClean="0"/>
+              <a:t>commit</a:t>
+            </a:r>
+            <a:endParaRPr lang="fr-FR" dirty="0"/>
+          </a:p>
+        </p:txBody>
+      </p:sp>
+    </p:spTree>
+    <p:extLst>
+      <p:ext uri="{BB962C8B-B14F-4D97-AF65-F5344CB8AC3E}">
+        <p14:creationId xmlns:p14="http://schemas.microsoft.com/office/powerpoint/2010/main" val="460774585"/>
+      </p:ext>
+    </p:extLst>
+  </p:cSld>
+  <p:clrMapOvr>
+    <a:masterClrMapping/>
+  </p:clrMapOvr>
+  <p:timing>
+    <p:tnLst>
+      <p:par>
+        <p:cTn id="1" dur="indefinite" restart="never" nodeType="tmRoot"/>
+      </p:par>
+    </p:tnLst>
+  </p:timing>
+</p:sld>
+</file>
+
+<file path=ppt/slides/slide11.xml><?xml version="1.0" encoding="utf-8"?>
+<p:sld xmlns:a="http://schemas.openxmlformats.org/drawingml/2006/main" xmlns:r="http://schemas.openxmlformats.org/officeDocument/2006/relationships" xmlns:p="http://schemas.openxmlformats.org/presentationml/2006/main">
+  <p:cSld>
+    <p:spTree>
+      <p:nvGrpSpPr>
+        <p:cNvPr id="1" name=""/>
+        <p:cNvGrpSpPr/>
+        <p:nvPr/>
+      </p:nvGrpSpPr>
+      <p:grpSpPr>
+        <a:xfrm>
+          <a:off x="0" y="0"/>
+          <a:ext cx="0" cy="0"/>
+          <a:chOff x="0" y="0"/>
+          <a:chExt cx="0" cy="0"/>
+        </a:xfrm>
+      </p:grpSpPr>
+      <p:sp>
+        <p:nvSpPr>
+          <p:cNvPr id="2" name="Titre 1"/>
+          <p:cNvSpPr>
+            <a:spLocks noGrp="1"/>
+          </p:cNvSpPr>
+          <p:nvPr>
+            <p:ph type="title"/>
+          </p:nvPr>
+        </p:nvSpPr>
+        <p:spPr>
+          <a:xfrm>
+            <a:off x="839788" y="457200"/>
+            <a:ext cx="6144906" cy="909145"/>
+          </a:xfrm>
+        </p:spPr>
+        <p:txBody>
+          <a:bodyPr>
+            <a:normAutofit/>
+          </a:bodyPr>
+          <a:lstStyle/>
+          <a:p>
+            <a:r>
+              <a:rPr lang="fr-FR" dirty="0" smtClean="0"/>
+              <a:t>Mode d’emploi </a:t>
+            </a:r>
+            <a:r>
+              <a:rPr lang="fr-FR" dirty="0" smtClean="0"/>
+              <a:t>GIT</a:t>
+            </a:r>
+            <a:endParaRPr lang="fr-FR" dirty="0"/>
+          </a:p>
+        </p:txBody>
+      </p:sp>
+      <p:pic>
+        <p:nvPicPr>
+          <p:cNvPr id="5" name="Espace réservé du contenu 4"/>
+          <p:cNvPicPr>
+            <a:picLocks noGrp="1" noChangeAspect="1"/>
+          </p:cNvPicPr>
+          <p:nvPr>
+            <p:ph idx="1"/>
+          </p:nvPr>
+        </p:nvPicPr>
+        <p:blipFill>
+          <a:blip r:embed="rId2">
+            <a:extLst>
+              <a:ext uri="{28A0092B-C50C-407E-A947-70E740481C1C}">
+                <a14:useLocalDpi xmlns:a14="http://schemas.microsoft.com/office/drawing/2010/main" val="0"/>
+              </a:ext>
+            </a:extLst>
+          </a:blip>
+          <a:stretch>
+            <a:fillRect/>
+          </a:stretch>
+        </p:blipFill>
+        <p:spPr>
+          <a:xfrm>
+            <a:off x="7112000" y="2438400"/>
+            <a:ext cx="2314575" cy="1971675"/>
+          </a:xfrm>
+        </p:spPr>
+      </p:pic>
+      <p:sp>
+        <p:nvSpPr>
+          <p:cNvPr id="4" name="Espace réservé du texte 3"/>
+          <p:cNvSpPr>
+            <a:spLocks noGrp="1"/>
+          </p:cNvSpPr>
+          <p:nvPr>
+            <p:ph type="body" sz="half" idx="2"/>
+          </p:nvPr>
+        </p:nvSpPr>
+        <p:spPr>
+          <a:xfrm>
+            <a:off x="1078350" y="1629104"/>
+            <a:ext cx="6247359" cy="4635062"/>
+          </a:xfrm>
+        </p:spPr>
+        <p:txBody>
+          <a:bodyPr>
+            <a:normAutofit fontScale="70000" lnSpcReduction="20000"/>
+          </a:bodyPr>
+          <a:lstStyle/>
+          <a:p>
+            <a:pPr marL="285750" indent="-285750">
+              <a:buFont typeface="Wingdings" panose="05000000000000000000" pitchFamily="2" charset="2"/>
+              <a:buChar char="Ø"/>
+            </a:pPr>
+            <a:r>
+              <a:rPr lang="fr-FR" u="sng" dirty="0" smtClean="0"/>
+              <a:t>Ajout et modifications de fichier(s) en configuration</a:t>
+            </a:r>
+          </a:p>
+          <a:p>
+            <a:r>
+              <a:rPr lang="fr-FR" dirty="0" smtClean="0"/>
+              <a:t>Un fichier ou un répertoire de l’arborescence fichiers du dépôt n’est pas géré en configuration GIT tant qu’il n’a pas été ajouté.</a:t>
+            </a:r>
+          </a:p>
+          <a:p>
+            <a:r>
+              <a:rPr lang="fr-FR" dirty="0" smtClean="0"/>
+              <a:t>Pour ajouter les fichiers README.md et INSTALL:</a:t>
+            </a:r>
+          </a:p>
+          <a:p>
+            <a:endParaRPr lang="fr-FR" dirty="0"/>
+          </a:p>
+          <a:p>
+            <a:pPr marL="742950" lvl="1" indent="-285750">
+              <a:buFont typeface="Wingdings" panose="05000000000000000000" pitchFamily="2" charset="2"/>
+              <a:buChar char="§"/>
+            </a:pPr>
+            <a:r>
+              <a:rPr lang="fr-FR" dirty="0"/>
+              <a:t>g</a:t>
+            </a:r>
+            <a:r>
+              <a:rPr lang="fr-FR" dirty="0"/>
+              <a:t>it  </a:t>
+            </a:r>
+            <a:r>
+              <a:rPr lang="fr-FR" dirty="0" err="1" smtClean="0"/>
+              <a:t>add</a:t>
+            </a:r>
+            <a:r>
+              <a:rPr lang="fr-FR" dirty="0" smtClean="0"/>
+              <a:t>   README.md INSTALL</a:t>
+            </a:r>
+          </a:p>
+          <a:p>
+            <a:pPr marL="742950" lvl="1" indent="-285750">
+              <a:buFont typeface="Wingdings" panose="05000000000000000000" pitchFamily="2" charset="2"/>
+              <a:buChar char="§"/>
+            </a:pPr>
+            <a:r>
+              <a:rPr lang="fr-FR" dirty="0"/>
+              <a:t>g</a:t>
+            </a:r>
+            <a:r>
+              <a:rPr lang="fr-FR" dirty="0" smtClean="0"/>
+              <a:t>it </a:t>
+            </a:r>
+            <a:r>
+              <a:rPr lang="fr-FR" dirty="0" err="1" smtClean="0"/>
+              <a:t>status</a:t>
+            </a:r>
+            <a:endParaRPr lang="fr-FR" dirty="0" smtClean="0"/>
+          </a:p>
+          <a:p>
+            <a:pPr marL="0" lvl="1">
+              <a:spcBef>
+                <a:spcPts val="1000"/>
+              </a:spcBef>
+            </a:pPr>
+            <a:r>
+              <a:rPr lang="fr-FR" sz="1600" dirty="0" smtClean="0"/>
+              <a:t>La commande « </a:t>
+            </a:r>
+            <a:r>
+              <a:rPr lang="fr-FR" sz="1600" dirty="0" err="1" smtClean="0"/>
+              <a:t>status</a:t>
+            </a:r>
+            <a:r>
+              <a:rPr lang="fr-FR" sz="1600" dirty="0" smtClean="0"/>
+              <a:t> » rend l’état courant du dépôt.</a:t>
+            </a:r>
+          </a:p>
+          <a:p>
+            <a:pPr marL="0" lvl="1">
+              <a:spcBef>
+                <a:spcPts val="1000"/>
+              </a:spcBef>
+            </a:pPr>
+            <a:r>
+              <a:rPr lang="fr-FR" sz="1600" dirty="0" smtClean="0"/>
+              <a:t>Une fois </a:t>
+            </a:r>
+            <a:r>
+              <a:rPr lang="fr-FR" sz="1600" dirty="0"/>
+              <a:t>ajoutés, ces fichiers existent en configuration et peuvent être validés par commande « commit » pour les </a:t>
+            </a:r>
+            <a:r>
+              <a:rPr lang="fr-FR" sz="1600" dirty="0" smtClean="0"/>
+              <a:t>officialiser :</a:t>
+            </a:r>
+          </a:p>
+          <a:p>
+            <a:pPr marL="0" lvl="1">
+              <a:spcBef>
+                <a:spcPts val="1000"/>
+              </a:spcBef>
+            </a:pPr>
+            <a:endParaRPr lang="fr-FR" sz="1600" dirty="0"/>
+          </a:p>
+          <a:p>
+            <a:pPr marL="742950" lvl="1" indent="-285750">
+              <a:buFont typeface="Wingdings" panose="05000000000000000000" pitchFamily="2" charset="2"/>
+              <a:buChar char="§"/>
+            </a:pPr>
+            <a:r>
+              <a:rPr lang="fr-FR" dirty="0"/>
+              <a:t>g</a:t>
+            </a:r>
+            <a:r>
+              <a:rPr lang="fr-FR" dirty="0" smtClean="0"/>
+              <a:t>it commit –a</a:t>
+            </a:r>
+            <a:endParaRPr lang="fr-FR" dirty="0"/>
+          </a:p>
+          <a:p>
+            <a:pPr marL="742950" lvl="1" indent="-285750">
+              <a:buFont typeface="Wingdings" panose="05000000000000000000" pitchFamily="2" charset="2"/>
+              <a:buChar char="§"/>
+            </a:pPr>
+            <a:r>
+              <a:rPr lang="fr-FR" dirty="0" smtClean="0"/>
+              <a:t>git commit –a</a:t>
+            </a:r>
+          </a:p>
+          <a:p>
+            <a:pPr marL="742950" lvl="1" indent="-285750">
+              <a:buFont typeface="Wingdings" panose="05000000000000000000" pitchFamily="2" charset="2"/>
+              <a:buChar char="§"/>
+            </a:pPr>
+            <a:r>
+              <a:rPr lang="fr-FR" dirty="0"/>
+              <a:t>g</a:t>
+            </a:r>
+            <a:r>
+              <a:rPr lang="fr-FR" dirty="0" smtClean="0"/>
+              <a:t>it  </a:t>
+            </a:r>
+            <a:r>
+              <a:rPr lang="fr-FR" dirty="0" err="1" smtClean="0"/>
+              <a:t>status</a:t>
+            </a:r>
+            <a:endParaRPr lang="fr-FR" dirty="0" smtClean="0"/>
+          </a:p>
+          <a:p>
+            <a:pPr marL="742950" lvl="1" indent="-285750">
+              <a:buFont typeface="Wingdings" panose="05000000000000000000" pitchFamily="2" charset="2"/>
+              <a:buChar char="§"/>
+            </a:pPr>
+            <a:endParaRPr lang="fr-FR" dirty="0"/>
+          </a:p>
+          <a:p>
+            <a:r>
+              <a:rPr lang="fr-FR" dirty="0" smtClean="0"/>
+              <a:t>L’option –a (all) peut être remplacé par l’énumération des noms de fichiers (README.md INSTALL). Le commit est récursif  : il est réalisé pour tous les fichiers dans le répertoire courant les sous-répertoires.</a:t>
+            </a:r>
+          </a:p>
+          <a:p>
+            <a:endParaRPr lang="fr-FR" u="sng" dirty="0" smtClean="0"/>
+          </a:p>
+          <a:p>
+            <a:pPr marL="285750" indent="-285750">
+              <a:buFont typeface="Wingdings" panose="05000000000000000000" pitchFamily="2" charset="2"/>
+              <a:buChar char="Ø"/>
+            </a:pPr>
+            <a:r>
+              <a:rPr lang="fr-FR" u="sng" dirty="0" smtClean="0"/>
+              <a:t>Suppression de fichier(s) de la configuration et du répertoire courant</a:t>
+            </a:r>
+            <a:endParaRPr lang="fr-FR" u="sng" dirty="0" smtClean="0"/>
+          </a:p>
+          <a:p>
+            <a:r>
+              <a:rPr lang="fr-FR" dirty="0" smtClean="0"/>
+              <a:t>Pour supprimer le fichier INSTALL :</a:t>
+            </a:r>
+          </a:p>
+          <a:p>
+            <a:endParaRPr lang="fr-FR" dirty="0"/>
+          </a:p>
+          <a:p>
+            <a:pPr marL="742950" lvl="1" indent="-285750">
+              <a:buFont typeface="Wingdings" panose="05000000000000000000" pitchFamily="2" charset="2"/>
+              <a:buChar char="§"/>
+            </a:pPr>
+            <a:r>
+              <a:rPr lang="fr-FR" dirty="0"/>
+              <a:t>g</a:t>
+            </a:r>
+            <a:r>
+              <a:rPr lang="fr-FR" dirty="0" smtClean="0"/>
+              <a:t>it  </a:t>
+            </a:r>
+            <a:r>
+              <a:rPr lang="fr-FR" dirty="0" err="1" smtClean="0"/>
+              <a:t>rm</a:t>
+            </a:r>
+            <a:r>
+              <a:rPr lang="fr-FR" dirty="0" smtClean="0"/>
+              <a:t>  INSTALL</a:t>
+            </a:r>
+          </a:p>
+          <a:p>
+            <a:pPr marL="742950" lvl="1" indent="-285750">
+              <a:buFont typeface="Wingdings" panose="05000000000000000000" pitchFamily="2" charset="2"/>
+              <a:buChar char="§"/>
+            </a:pPr>
+            <a:r>
+              <a:rPr lang="fr-FR" dirty="0"/>
+              <a:t>g</a:t>
+            </a:r>
+            <a:r>
+              <a:rPr lang="fr-FR" dirty="0" smtClean="0"/>
+              <a:t>it commit INSTALL</a:t>
+            </a:r>
+          </a:p>
+        </p:txBody>
+      </p:sp>
+    </p:spTree>
+    <p:extLst>
+      <p:ext uri="{BB962C8B-B14F-4D97-AF65-F5344CB8AC3E}">
+        <p14:creationId xmlns:p14="http://schemas.microsoft.com/office/powerpoint/2010/main" val="4177256786"/>
+      </p:ext>
+    </p:extLst>
+  </p:cSld>
+  <p:clrMapOvr>
+    <a:masterClrMapping/>
+  </p:clrMapOvr>
+  <p:timing>
+    <p:tnLst>
+      <p:par>
+        <p:cTn id="1" dur="indefinite" restart="never" nodeType="tmRoot"/>
+      </p:par>
+    </p:tnLst>
+  </p:timing>
+</p:sld>
+</file>
+
+<file path=ppt/slides/slide12.xml><?xml version="1.0" encoding="utf-8"?>
+<p:sld xmlns:a="http://schemas.openxmlformats.org/drawingml/2006/main" xmlns:r="http://schemas.openxmlformats.org/officeDocument/2006/relationships" xmlns:p="http://schemas.openxmlformats.org/presentationml/2006/main">
+  <p:cSld>
+    <p:spTree>
+      <p:nvGrpSpPr>
+        <p:cNvPr id="1" name=""/>
+        <p:cNvGrpSpPr/>
+        <p:nvPr/>
+      </p:nvGrpSpPr>
+      <p:grpSpPr>
+        <a:xfrm>
+          <a:off x="0" y="0"/>
+          <a:ext cx="0" cy="0"/>
+          <a:chOff x="0" y="0"/>
+          <a:chExt cx="0" cy="0"/>
+        </a:xfrm>
+      </p:grpSpPr>
+      <p:sp>
+        <p:nvSpPr>
+          <p:cNvPr id="2" name="Titre 1"/>
+          <p:cNvSpPr>
+            <a:spLocks noGrp="1"/>
+          </p:cNvSpPr>
+          <p:nvPr>
+            <p:ph type="title"/>
+          </p:nvPr>
+        </p:nvSpPr>
+        <p:spPr>
+          <a:xfrm>
+            <a:off x="839788" y="457200"/>
+            <a:ext cx="6144906" cy="909145"/>
+          </a:xfrm>
+        </p:spPr>
+        <p:txBody>
+          <a:bodyPr>
+            <a:normAutofit/>
+          </a:bodyPr>
+          <a:lstStyle/>
+          <a:p>
+            <a:r>
+              <a:rPr lang="fr-FR" dirty="0" smtClean="0"/>
+              <a:t>Mode d’emploi </a:t>
+            </a:r>
+            <a:r>
+              <a:rPr lang="fr-FR" dirty="0" smtClean="0"/>
+              <a:t>GIT</a:t>
+            </a:r>
+            <a:endParaRPr lang="fr-FR" dirty="0"/>
+          </a:p>
+        </p:txBody>
+      </p:sp>
+      <p:pic>
+        <p:nvPicPr>
+          <p:cNvPr id="5" name="Espace réservé du contenu 4"/>
+          <p:cNvPicPr>
+            <a:picLocks noGrp="1" noChangeAspect="1"/>
+          </p:cNvPicPr>
+          <p:nvPr>
+            <p:ph idx="1"/>
+          </p:nvPr>
+        </p:nvPicPr>
+        <p:blipFill>
+          <a:blip r:embed="rId2">
+            <a:extLst>
+              <a:ext uri="{28A0092B-C50C-407E-A947-70E740481C1C}">
+                <a14:useLocalDpi xmlns:a14="http://schemas.microsoft.com/office/drawing/2010/main" val="0"/>
+              </a:ext>
+            </a:extLst>
+          </a:blip>
+          <a:stretch>
+            <a:fillRect/>
+          </a:stretch>
+        </p:blipFill>
+        <p:spPr>
+          <a:xfrm>
+            <a:off x="7112000" y="2438400"/>
+            <a:ext cx="2314575" cy="1971675"/>
+          </a:xfrm>
+        </p:spPr>
+      </p:pic>
+      <p:sp>
+        <p:nvSpPr>
+          <p:cNvPr id="4" name="Espace réservé du texte 3"/>
+          <p:cNvSpPr>
+            <a:spLocks noGrp="1"/>
+          </p:cNvSpPr>
+          <p:nvPr>
+            <p:ph type="body" sz="half" idx="2"/>
+          </p:nvPr>
+        </p:nvSpPr>
+        <p:spPr>
+          <a:xfrm>
+            <a:off x="1078350" y="1629104"/>
+            <a:ext cx="6247359" cy="4635062"/>
+          </a:xfrm>
+        </p:spPr>
+        <p:txBody>
+          <a:bodyPr>
+            <a:normAutofit fontScale="70000" lnSpcReduction="20000"/>
+          </a:bodyPr>
+          <a:lstStyle/>
+          <a:p>
+            <a:pPr marL="285750" indent="-285750">
+              <a:buFont typeface="Wingdings" panose="05000000000000000000" pitchFamily="2" charset="2"/>
+              <a:buChar char="Ø"/>
+            </a:pPr>
+            <a:r>
+              <a:rPr lang="fr-FR" u="sng" dirty="0" smtClean="0"/>
+              <a:t>Création de branche</a:t>
+            </a:r>
+          </a:p>
+          <a:p>
+            <a:r>
+              <a:rPr lang="fr-FR" dirty="0" smtClean="0"/>
+              <a:t>Une branche est une vue logique de l’arborescence fichiers du dépôt.</a:t>
+            </a:r>
+          </a:p>
+          <a:p>
+            <a:r>
+              <a:rPr lang="fr-FR" dirty="0" smtClean="0"/>
+              <a:t>Il existe toujours une branche principale  (« master ») : elle sert à capitaliser les fichiers, de les officialiser en quelque sorte.</a:t>
+            </a:r>
+          </a:p>
+          <a:p>
+            <a:r>
+              <a:rPr lang="fr-FR" dirty="0" smtClean="0"/>
+              <a:t>Pour visualiser les branches (* en face de la branche courante) :</a:t>
+            </a:r>
+            <a:endParaRPr lang="fr-FR" dirty="0"/>
+          </a:p>
+          <a:p>
+            <a:pPr marL="742950" lvl="1" indent="-285750">
+              <a:buFont typeface="Wingdings" panose="05000000000000000000" pitchFamily="2" charset="2"/>
+              <a:buChar char="§"/>
+            </a:pPr>
+            <a:r>
+              <a:rPr lang="fr-FR" dirty="0"/>
+              <a:t>g</a:t>
+            </a:r>
+            <a:r>
+              <a:rPr lang="fr-FR" dirty="0"/>
+              <a:t>it  </a:t>
+            </a:r>
+            <a:r>
+              <a:rPr lang="fr-FR" dirty="0" err="1" smtClean="0"/>
+              <a:t>branch</a:t>
+            </a:r>
+            <a:endParaRPr lang="fr-FR" dirty="0" smtClean="0"/>
+          </a:p>
+          <a:p>
+            <a:pPr marL="742950" lvl="1" indent="-285750">
+              <a:buFont typeface="Wingdings" panose="05000000000000000000" pitchFamily="2" charset="2"/>
+              <a:buChar char="§"/>
+            </a:pPr>
+            <a:endParaRPr lang="fr-FR" dirty="0" smtClean="0"/>
+          </a:p>
+          <a:p>
+            <a:pPr marL="0" lvl="1">
+              <a:spcBef>
+                <a:spcPts val="1000"/>
+              </a:spcBef>
+            </a:pPr>
+            <a:r>
+              <a:rPr lang="fr-FR" sz="1600" dirty="0" smtClean="0"/>
+              <a:t>Pour </a:t>
+            </a:r>
+            <a:r>
+              <a:rPr lang="fr-FR" sz="1600" dirty="0" err="1" smtClean="0"/>
+              <a:t>créér</a:t>
+            </a:r>
+            <a:r>
+              <a:rPr lang="fr-FR" sz="1600" dirty="0" smtClean="0"/>
+              <a:t> une branche de nom « </a:t>
+            </a:r>
+            <a:r>
+              <a:rPr lang="fr-FR" sz="1600" dirty="0" err="1" smtClean="0"/>
+              <a:t>experimental</a:t>
+            </a:r>
+            <a:r>
+              <a:rPr lang="fr-FR" sz="1600" dirty="0" smtClean="0"/>
+              <a:t> » :</a:t>
+            </a:r>
+          </a:p>
+          <a:p>
+            <a:pPr marL="0" lvl="1">
+              <a:spcBef>
+                <a:spcPts val="1000"/>
+              </a:spcBef>
+            </a:pPr>
+            <a:endParaRPr lang="fr-FR" sz="1600" dirty="0"/>
+          </a:p>
+          <a:p>
+            <a:pPr marL="742950" lvl="1" indent="-285750">
+              <a:buFont typeface="Wingdings" panose="05000000000000000000" pitchFamily="2" charset="2"/>
+              <a:buChar char="§"/>
+            </a:pPr>
+            <a:r>
+              <a:rPr lang="fr-FR" dirty="0"/>
+              <a:t>g</a:t>
+            </a:r>
+            <a:r>
+              <a:rPr lang="fr-FR" dirty="0" smtClean="0"/>
+              <a:t>it   </a:t>
+            </a:r>
+            <a:r>
+              <a:rPr lang="fr-FR" dirty="0" err="1" smtClean="0"/>
+              <a:t>branch</a:t>
+            </a:r>
+            <a:r>
+              <a:rPr lang="fr-FR" dirty="0" smtClean="0"/>
+              <a:t>   </a:t>
+            </a:r>
+            <a:r>
+              <a:rPr lang="fr-FR" dirty="0" err="1" smtClean="0"/>
+              <a:t>experimental</a:t>
+            </a:r>
+            <a:endParaRPr lang="fr-FR" dirty="0"/>
+          </a:p>
+          <a:p>
+            <a:pPr marL="742950" lvl="1" indent="-285750">
+              <a:buFont typeface="Wingdings" panose="05000000000000000000" pitchFamily="2" charset="2"/>
+              <a:buChar char="§"/>
+            </a:pPr>
+            <a:r>
+              <a:rPr lang="fr-FR" dirty="0"/>
+              <a:t>g</a:t>
+            </a:r>
+            <a:r>
+              <a:rPr lang="fr-FR" dirty="0" smtClean="0"/>
+              <a:t>it   </a:t>
+            </a:r>
+            <a:r>
+              <a:rPr lang="fr-FR" dirty="0" err="1" smtClean="0"/>
+              <a:t>checkout</a:t>
+            </a:r>
+            <a:r>
+              <a:rPr lang="fr-FR" dirty="0" smtClean="0"/>
+              <a:t>   </a:t>
+            </a:r>
+            <a:r>
+              <a:rPr lang="fr-FR" dirty="0" err="1" smtClean="0"/>
+              <a:t>experimental</a:t>
+            </a:r>
+            <a:endParaRPr lang="fr-FR" dirty="0" smtClean="0"/>
+          </a:p>
+          <a:p>
+            <a:pPr marL="742950" lvl="1" indent="-285750">
+              <a:buFont typeface="Wingdings" panose="05000000000000000000" pitchFamily="2" charset="2"/>
+              <a:buChar char="§"/>
+            </a:pPr>
+            <a:r>
+              <a:rPr lang="fr-FR" dirty="0"/>
+              <a:t>g</a:t>
+            </a:r>
+            <a:r>
+              <a:rPr lang="fr-FR" dirty="0" smtClean="0"/>
+              <a:t>it   </a:t>
+            </a:r>
+            <a:r>
+              <a:rPr lang="fr-FR" dirty="0" err="1" smtClean="0"/>
+              <a:t>branch</a:t>
+            </a:r>
+            <a:endParaRPr lang="fr-FR" dirty="0" smtClean="0"/>
+          </a:p>
+          <a:p>
+            <a:pPr marL="742950" lvl="1" indent="-285750">
+              <a:buFont typeface="Wingdings" panose="05000000000000000000" pitchFamily="2" charset="2"/>
+              <a:buChar char="§"/>
+            </a:pPr>
+            <a:endParaRPr lang="fr-FR" dirty="0"/>
+          </a:p>
+          <a:p>
+            <a:r>
+              <a:rPr lang="fr-FR" dirty="0" smtClean="0"/>
+              <a:t>La commande « git </a:t>
+            </a:r>
+            <a:r>
+              <a:rPr lang="fr-FR" dirty="0" err="1" smtClean="0"/>
+              <a:t>checkout</a:t>
+            </a:r>
+            <a:r>
+              <a:rPr lang="fr-FR" dirty="0" smtClean="0"/>
+              <a:t> » est </a:t>
+            </a:r>
+            <a:r>
+              <a:rPr lang="fr-FR" b="1" dirty="0" smtClean="0"/>
+              <a:t>capitale</a:t>
+            </a:r>
+            <a:r>
+              <a:rPr lang="fr-FR" dirty="0" smtClean="0"/>
+              <a:t>  pour se positionner dans la branche avant de débuter les modifications de celle-ci.</a:t>
+            </a:r>
+          </a:p>
+          <a:p>
+            <a:r>
+              <a:rPr lang="fr-FR" dirty="0" smtClean="0"/>
+              <a:t>Le contenu d’un fichier dépend en effet de la branche courante. Il peut aussi ne pas exister dans cette dernière.</a:t>
+            </a:r>
+          </a:p>
+          <a:p>
+            <a:endParaRPr lang="fr-FR" u="sng" dirty="0" smtClean="0"/>
+          </a:p>
+          <a:p>
+            <a:pPr marL="285750" indent="-285750">
+              <a:buFont typeface="Wingdings" panose="05000000000000000000" pitchFamily="2" charset="2"/>
+              <a:buChar char="Ø"/>
+            </a:pPr>
+            <a:r>
+              <a:rPr lang="fr-FR" u="sng" dirty="0" smtClean="0"/>
+              <a:t>Suppression de branche</a:t>
+            </a:r>
+            <a:endParaRPr lang="fr-FR" u="sng" dirty="0" smtClean="0"/>
+          </a:p>
+          <a:p>
+            <a:r>
+              <a:rPr lang="fr-FR" dirty="0" smtClean="0"/>
+              <a:t>Pour supprimer une branche et tous les fichiers de celle-ci :</a:t>
+            </a:r>
+          </a:p>
+          <a:p>
+            <a:endParaRPr lang="fr-FR" dirty="0"/>
+          </a:p>
+          <a:p>
+            <a:pPr marL="742950" lvl="1" indent="-285750">
+              <a:buFont typeface="Wingdings" panose="05000000000000000000" pitchFamily="2" charset="2"/>
+              <a:buChar char="§"/>
+            </a:pPr>
+            <a:r>
+              <a:rPr lang="fr-FR" dirty="0"/>
+              <a:t>g</a:t>
+            </a:r>
+            <a:r>
+              <a:rPr lang="fr-FR" dirty="0" smtClean="0"/>
+              <a:t>it  </a:t>
+            </a:r>
+            <a:r>
+              <a:rPr lang="fr-FR" dirty="0" err="1" smtClean="0"/>
+              <a:t>branch</a:t>
+            </a:r>
+            <a:r>
+              <a:rPr lang="fr-FR" dirty="0" smtClean="0"/>
+              <a:t>  -d  </a:t>
+            </a:r>
+            <a:r>
+              <a:rPr lang="fr-FR" dirty="0" err="1" smtClean="0"/>
+              <a:t>experimental</a:t>
+            </a:r>
+            <a:endParaRPr lang="fr-FR" dirty="0" smtClean="0"/>
+          </a:p>
+          <a:p>
+            <a:pPr marL="742950" lvl="1" indent="-285750">
+              <a:buFont typeface="Wingdings" panose="05000000000000000000" pitchFamily="2" charset="2"/>
+              <a:buChar char="§"/>
+            </a:pPr>
+            <a:r>
+              <a:rPr lang="fr-FR" dirty="0"/>
+              <a:t>g</a:t>
+            </a:r>
+            <a:r>
+              <a:rPr lang="fr-FR" dirty="0" smtClean="0"/>
+              <a:t>it </a:t>
+            </a:r>
+            <a:r>
+              <a:rPr lang="fr-FR" dirty="0" err="1" smtClean="0"/>
+              <a:t>branch</a:t>
+            </a:r>
+            <a:endParaRPr lang="fr-FR" dirty="0" smtClean="0"/>
+          </a:p>
+        </p:txBody>
+      </p:sp>
+    </p:spTree>
+    <p:extLst>
+      <p:ext uri="{BB962C8B-B14F-4D97-AF65-F5344CB8AC3E}">
+        <p14:creationId xmlns:p14="http://schemas.microsoft.com/office/powerpoint/2010/main" val="2376142606"/>
+      </p:ext>
+    </p:extLst>
+  </p:cSld>
+  <p:clrMapOvr>
+    <a:masterClrMapping/>
+  </p:clrMapOvr>
+  <p:timing>
+    <p:tnLst>
+      <p:par>
+        <p:cTn id="1" dur="indefinite" restart="never" nodeType="tmRoot"/>
+      </p:par>
+    </p:tnLst>
+  </p:timing>
+</p:sld>
+</file>
+
+<file path=ppt/slides/slide13.xml><?xml version="1.0" encoding="utf-8"?>
+<p:sld xmlns:a="http://schemas.openxmlformats.org/drawingml/2006/main" xmlns:r="http://schemas.openxmlformats.org/officeDocument/2006/relationships" xmlns:p="http://schemas.openxmlformats.org/presentationml/2006/main">
+  <p:cSld>
+    <p:spTree>
+      <p:nvGrpSpPr>
+        <p:cNvPr id="1" name=""/>
+        <p:cNvGrpSpPr/>
+        <p:nvPr/>
+      </p:nvGrpSpPr>
+      <p:grpSpPr>
+        <a:xfrm>
+          <a:off x="0" y="0"/>
+          <a:ext cx="0" cy="0"/>
+          <a:chOff x="0" y="0"/>
+          <a:chExt cx="0" cy="0"/>
+        </a:xfrm>
+      </p:grpSpPr>
+      <p:sp>
+        <p:nvSpPr>
+          <p:cNvPr id="2" name="Titre 1"/>
+          <p:cNvSpPr>
+            <a:spLocks noGrp="1"/>
+          </p:cNvSpPr>
+          <p:nvPr>
+            <p:ph type="title"/>
+          </p:nvPr>
+        </p:nvSpPr>
+        <p:spPr>
+          <a:xfrm>
+            <a:off x="839788" y="457200"/>
+            <a:ext cx="6144906" cy="909145"/>
+          </a:xfrm>
+        </p:spPr>
+        <p:txBody>
+          <a:bodyPr>
+            <a:normAutofit/>
+          </a:bodyPr>
+          <a:lstStyle/>
+          <a:p>
+            <a:r>
+              <a:rPr lang="fr-FR" dirty="0" smtClean="0"/>
+              <a:t>Mode d’emploi </a:t>
+            </a:r>
+            <a:r>
+              <a:rPr lang="fr-FR" dirty="0" smtClean="0"/>
+              <a:t>GIT</a:t>
+            </a:r>
+            <a:endParaRPr lang="fr-FR" dirty="0"/>
+          </a:p>
+        </p:txBody>
+      </p:sp>
+      <p:pic>
+        <p:nvPicPr>
+          <p:cNvPr id="5" name="Espace réservé du contenu 4"/>
+          <p:cNvPicPr>
+            <a:picLocks noGrp="1" noChangeAspect="1"/>
+          </p:cNvPicPr>
+          <p:nvPr>
+            <p:ph idx="1"/>
+          </p:nvPr>
+        </p:nvPicPr>
+        <p:blipFill>
+          <a:blip r:embed="rId2">
+            <a:extLst>
+              <a:ext uri="{28A0092B-C50C-407E-A947-70E740481C1C}">
+                <a14:useLocalDpi xmlns:a14="http://schemas.microsoft.com/office/drawing/2010/main" val="0"/>
+              </a:ext>
+            </a:extLst>
+          </a:blip>
+          <a:stretch>
+            <a:fillRect/>
+          </a:stretch>
+        </p:blipFill>
+        <p:spPr>
+          <a:xfrm>
+            <a:off x="7112000" y="2438400"/>
+            <a:ext cx="2314575" cy="1971675"/>
+          </a:xfrm>
+        </p:spPr>
+      </p:pic>
+      <p:sp>
+        <p:nvSpPr>
+          <p:cNvPr id="4" name="Espace réservé du texte 3"/>
+          <p:cNvSpPr>
+            <a:spLocks noGrp="1"/>
+          </p:cNvSpPr>
+          <p:nvPr>
+            <p:ph type="body" sz="half" idx="2"/>
+          </p:nvPr>
+        </p:nvSpPr>
+        <p:spPr>
+          <a:xfrm>
+            <a:off x="1078350" y="1629104"/>
+            <a:ext cx="6247359" cy="4635062"/>
+          </a:xfrm>
+        </p:spPr>
+        <p:txBody>
+          <a:bodyPr>
+            <a:normAutofit fontScale="70000" lnSpcReduction="20000"/>
+          </a:bodyPr>
+          <a:lstStyle/>
+          <a:p>
+            <a:pPr marL="285750" indent="-285750">
+              <a:buFont typeface="Wingdings" panose="05000000000000000000" pitchFamily="2" charset="2"/>
+              <a:buChar char="Ø"/>
+            </a:pPr>
+            <a:r>
+              <a:rPr lang="fr-FR" u="sng" dirty="0" smtClean="0"/>
+              <a:t>Création par héritage (« fork »)</a:t>
+            </a:r>
+          </a:p>
+          <a:p>
+            <a:r>
+              <a:rPr lang="fr-FR" dirty="0" smtClean="0"/>
+              <a:t>Un dépôt entier et sa branche principale peuvent être créés par héritage d’un autre dépôt (généralement d’un autre utilisateur comme le gestionnaire de configuration logiciel).</a:t>
+            </a:r>
+          </a:p>
+          <a:p>
+            <a:r>
+              <a:rPr lang="fr-FR" dirty="0" smtClean="0"/>
+              <a:t>Pour récupérer sous son compte le dépôt de </a:t>
+            </a:r>
+            <a:r>
+              <a:rPr lang="fr-FR" dirty="0" err="1" smtClean="0"/>
+              <a:t>user_origin</a:t>
+            </a:r>
+            <a:r>
+              <a:rPr lang="fr-FR" dirty="0" smtClean="0"/>
+              <a:t> :</a:t>
+            </a:r>
+          </a:p>
+          <a:p>
+            <a:endParaRPr lang="fr-FR" dirty="0"/>
+          </a:p>
+          <a:p>
+            <a:pPr marL="742950" lvl="1" indent="-285750">
+              <a:buFont typeface="Wingdings" panose="05000000000000000000" pitchFamily="2" charset="2"/>
+              <a:buChar char="§"/>
+            </a:pPr>
+            <a:r>
+              <a:rPr lang="fr-FR" dirty="0"/>
+              <a:t>g</a:t>
+            </a:r>
+            <a:r>
+              <a:rPr lang="fr-FR" dirty="0"/>
+              <a:t>it </a:t>
+            </a:r>
+            <a:r>
+              <a:rPr lang="fr-FR" dirty="0" smtClean="0"/>
+              <a:t>  clone /home/</a:t>
+            </a:r>
+            <a:r>
+              <a:rPr lang="fr-FR" dirty="0" err="1" smtClean="0"/>
+              <a:t>user_origin</a:t>
+            </a:r>
+            <a:r>
+              <a:rPr lang="fr-FR" dirty="0" smtClean="0"/>
+              <a:t>/projet  $HOME/</a:t>
+            </a:r>
+            <a:r>
+              <a:rPr lang="fr-FR" dirty="0" err="1" smtClean="0"/>
+              <a:t>projet_nouveau</a:t>
+            </a:r>
+            <a:endParaRPr lang="fr-FR" dirty="0" smtClean="0"/>
+          </a:p>
+          <a:p>
+            <a:pPr marL="742950" lvl="1" indent="-285750">
+              <a:buFont typeface="Wingdings" panose="05000000000000000000" pitchFamily="2" charset="2"/>
+              <a:buChar char="§"/>
+            </a:pPr>
+            <a:r>
+              <a:rPr lang="fr-FR" dirty="0"/>
+              <a:t>c</a:t>
+            </a:r>
+            <a:r>
+              <a:rPr lang="fr-FR" dirty="0" smtClean="0"/>
+              <a:t>d  $HOME/</a:t>
+            </a:r>
+            <a:r>
+              <a:rPr lang="fr-FR" dirty="0" err="1" smtClean="0"/>
+              <a:t>projet_nouveau</a:t>
+            </a:r>
+            <a:endParaRPr lang="fr-FR" dirty="0" smtClean="0"/>
+          </a:p>
+          <a:p>
+            <a:pPr marL="742950" lvl="1" indent="-285750">
+              <a:buFont typeface="Wingdings" panose="05000000000000000000" pitchFamily="2" charset="2"/>
+              <a:buChar char="§"/>
+            </a:pPr>
+            <a:r>
+              <a:rPr lang="fr-FR" dirty="0" smtClean="0"/>
+              <a:t>git </a:t>
+            </a:r>
+            <a:r>
+              <a:rPr lang="fr-FR" dirty="0" err="1" smtClean="0"/>
+              <a:t>status</a:t>
+            </a:r>
+            <a:endParaRPr lang="fr-FR" dirty="0" smtClean="0"/>
+          </a:p>
+          <a:p>
+            <a:pPr marL="0" lvl="1">
+              <a:spcBef>
+                <a:spcPts val="1000"/>
+              </a:spcBef>
+            </a:pPr>
+            <a:r>
+              <a:rPr lang="fr-FR" sz="1600" dirty="0" smtClean="0"/>
+              <a:t>Il est préférable d’avoir un état stable avec tous les fichiers validés :</a:t>
+            </a:r>
+          </a:p>
+          <a:p>
+            <a:pPr marL="0" lvl="1">
+              <a:spcBef>
+                <a:spcPts val="1000"/>
+              </a:spcBef>
+            </a:pPr>
+            <a:endParaRPr lang="fr-FR" sz="1600" dirty="0"/>
+          </a:p>
+          <a:p>
+            <a:pPr marL="742950" lvl="1" indent="-285750">
+              <a:buFont typeface="Wingdings" panose="05000000000000000000" pitchFamily="2" charset="2"/>
+              <a:buChar char="§"/>
+            </a:pPr>
+            <a:r>
+              <a:rPr lang="fr-FR" dirty="0"/>
+              <a:t>cd  $HOME/</a:t>
+            </a:r>
+            <a:r>
+              <a:rPr lang="fr-FR" dirty="0" err="1"/>
+              <a:t>projet_nouveau</a:t>
+            </a:r>
+            <a:endParaRPr lang="fr-FR" dirty="0"/>
+          </a:p>
+          <a:p>
+            <a:pPr marL="742950" lvl="1" indent="-285750">
+              <a:buFont typeface="Wingdings" panose="05000000000000000000" pitchFamily="2" charset="2"/>
+              <a:buChar char="§"/>
+            </a:pPr>
+            <a:r>
+              <a:rPr lang="fr-FR" dirty="0" smtClean="0"/>
+              <a:t>git   commit - git   </a:t>
+            </a:r>
+            <a:r>
+              <a:rPr lang="fr-FR" dirty="0" err="1" smtClean="0"/>
+              <a:t>branch</a:t>
+            </a:r>
+            <a:endParaRPr lang="fr-FR" dirty="0" smtClean="0"/>
+          </a:p>
+          <a:p>
+            <a:pPr marL="742950" lvl="1" indent="-285750">
+              <a:buFont typeface="Wingdings" panose="05000000000000000000" pitchFamily="2" charset="2"/>
+              <a:buChar char="§"/>
+            </a:pPr>
+            <a:r>
+              <a:rPr lang="fr-FR" dirty="0"/>
+              <a:t>g</a:t>
+            </a:r>
+            <a:r>
+              <a:rPr lang="fr-FR" dirty="0" smtClean="0"/>
+              <a:t>it </a:t>
+            </a:r>
+            <a:r>
+              <a:rPr lang="fr-FR" dirty="0" err="1" smtClean="0"/>
+              <a:t>status</a:t>
+            </a:r>
+            <a:endParaRPr lang="fr-FR" dirty="0" smtClean="0"/>
+          </a:p>
+          <a:p>
+            <a:endParaRPr lang="fr-FR" u="sng" dirty="0" smtClean="0"/>
+          </a:p>
+          <a:p>
+            <a:pPr marL="285750" indent="-285750">
+              <a:buFont typeface="Wingdings" panose="05000000000000000000" pitchFamily="2" charset="2"/>
+              <a:buChar char="Ø"/>
+            </a:pPr>
+            <a:r>
+              <a:rPr lang="fr-FR" u="sng" dirty="0" smtClean="0"/>
+              <a:t>Partage de modifications</a:t>
+            </a:r>
+            <a:endParaRPr lang="fr-FR" u="sng" dirty="0" smtClean="0"/>
+          </a:p>
+          <a:p>
+            <a:r>
+              <a:rPr lang="fr-FR" dirty="0" smtClean="0"/>
+              <a:t>Lors d’une phase d’intégration logiciel, il est nécessaire de proposer au gestionnaire de configuration logiciel d’intégrer les modifications d’un développeur (</a:t>
+            </a:r>
+            <a:r>
+              <a:rPr lang="fr-FR" dirty="0" err="1" smtClean="0"/>
+              <a:t>user_dev</a:t>
+            </a:r>
+            <a:r>
+              <a:rPr lang="fr-FR" dirty="0" smtClean="0"/>
+              <a:t>) dans le dépôt de référence. </a:t>
+            </a:r>
+          </a:p>
+          <a:p>
+            <a:r>
+              <a:rPr lang="fr-FR" dirty="0" smtClean="0"/>
+              <a:t>Le gestionnaire de configuration (</a:t>
+            </a:r>
+            <a:r>
+              <a:rPr lang="fr-FR" dirty="0" err="1" smtClean="0"/>
+              <a:t>user_gcl</a:t>
+            </a:r>
+            <a:r>
+              <a:rPr lang="fr-FR" dirty="0" smtClean="0"/>
+              <a:t>) réalise cette opération par :</a:t>
+            </a:r>
+          </a:p>
+          <a:p>
+            <a:endParaRPr lang="fr-FR" dirty="0"/>
+          </a:p>
+          <a:p>
+            <a:pPr marL="742950" lvl="1" indent="-285750">
+              <a:buFont typeface="Wingdings" panose="05000000000000000000" pitchFamily="2" charset="2"/>
+              <a:buChar char="§"/>
+            </a:pPr>
+            <a:r>
+              <a:rPr lang="fr-FR" dirty="0" smtClean="0"/>
+              <a:t>cd  /home/</a:t>
+            </a:r>
+            <a:r>
+              <a:rPr lang="fr-FR" dirty="0" err="1" smtClean="0"/>
+              <a:t>user_gcl</a:t>
+            </a:r>
+            <a:r>
+              <a:rPr lang="fr-FR" dirty="0" smtClean="0"/>
+              <a:t>/</a:t>
+            </a:r>
+            <a:r>
+              <a:rPr lang="fr-FR" dirty="0" err="1" smtClean="0"/>
+              <a:t>projet_reference</a:t>
+            </a:r>
+            <a:endParaRPr lang="fr-FR" dirty="0" smtClean="0"/>
+          </a:p>
+          <a:p>
+            <a:pPr marL="742950" lvl="1" indent="-285750">
+              <a:buFont typeface="Wingdings" panose="05000000000000000000" pitchFamily="2" charset="2"/>
+              <a:buChar char="§"/>
+            </a:pPr>
+            <a:r>
+              <a:rPr lang="fr-FR" dirty="0"/>
+              <a:t>g</a:t>
+            </a:r>
+            <a:r>
+              <a:rPr lang="fr-FR" dirty="0" smtClean="0"/>
+              <a:t>it   pull    /home/</a:t>
+            </a:r>
+            <a:r>
+              <a:rPr lang="fr-FR" dirty="0" err="1" smtClean="0"/>
+              <a:t>user_dev</a:t>
+            </a:r>
+            <a:r>
+              <a:rPr lang="fr-FR" dirty="0" smtClean="0"/>
+              <a:t>/</a:t>
+            </a:r>
+            <a:r>
+              <a:rPr lang="fr-FR" dirty="0" err="1" smtClean="0"/>
+              <a:t>projet_dev</a:t>
+            </a:r>
+            <a:endParaRPr lang="fr-FR" dirty="0" smtClean="0"/>
+          </a:p>
+          <a:p>
+            <a:pPr marL="742950" lvl="1" indent="-285750">
+              <a:buFont typeface="Wingdings" panose="05000000000000000000" pitchFamily="2" charset="2"/>
+              <a:buChar char="§"/>
+            </a:pPr>
+            <a:r>
+              <a:rPr lang="fr-FR" dirty="0"/>
+              <a:t>g</a:t>
+            </a:r>
+            <a:r>
+              <a:rPr lang="fr-FR" dirty="0" smtClean="0"/>
+              <a:t>it </a:t>
+            </a:r>
+            <a:r>
+              <a:rPr lang="fr-FR" dirty="0" err="1" smtClean="0"/>
+              <a:t>status</a:t>
+            </a:r>
+            <a:endParaRPr lang="fr-FR" dirty="0" smtClean="0"/>
+          </a:p>
+        </p:txBody>
+      </p:sp>
+    </p:spTree>
+    <p:extLst>
+      <p:ext uri="{BB962C8B-B14F-4D97-AF65-F5344CB8AC3E}">
+        <p14:creationId xmlns:p14="http://schemas.microsoft.com/office/powerpoint/2010/main" val="3249677023"/>
+      </p:ext>
+    </p:extLst>
+  </p:cSld>
+  <p:clrMapOvr>
+    <a:masterClrMapping/>
+  </p:clrMapOvr>
+  <p:timing>
+    <p:tnLst>
+      <p:par>
+        <p:cTn id="1" dur="indefinite" restart="never" nodeType="tmRoot"/>
+      </p:par>
+    </p:tnLst>
+  </p:timing>
+</p:sld>
+</file>
+
+<file path=ppt/slides/slide14.xml><?xml version="1.0" encoding="utf-8"?>
+<p:sld xmlns:a="http://schemas.openxmlformats.org/drawingml/2006/main" xmlns:r="http://schemas.openxmlformats.org/officeDocument/2006/relationships" xmlns:p="http://schemas.openxmlformats.org/presentationml/2006/main">
+  <p:cSld>
+    <p:spTree>
+      <p:nvGrpSpPr>
+        <p:cNvPr id="1" name=""/>
+        <p:cNvGrpSpPr/>
+        <p:nvPr/>
+      </p:nvGrpSpPr>
+      <p:grpSpPr>
+        <a:xfrm>
+          <a:off x="0" y="0"/>
+          <a:ext cx="0" cy="0"/>
+          <a:chOff x="0" y="0"/>
+          <a:chExt cx="0" cy="0"/>
+        </a:xfrm>
+      </p:grpSpPr>
+      <p:sp>
+        <p:nvSpPr>
+          <p:cNvPr id="2" name="Titre 1"/>
+          <p:cNvSpPr>
+            <a:spLocks noGrp="1"/>
+          </p:cNvSpPr>
+          <p:nvPr>
+            <p:ph type="title"/>
+          </p:nvPr>
+        </p:nvSpPr>
+        <p:spPr>
+          <a:xfrm>
+            <a:off x="839788" y="457200"/>
+            <a:ext cx="3932237" cy="909145"/>
+          </a:xfrm>
+        </p:spPr>
+        <p:txBody>
+          <a:bodyPr/>
+          <a:lstStyle/>
+          <a:p>
+            <a:r>
+              <a:rPr lang="fr-FR" dirty="0" smtClean="0"/>
+              <a:t>Signature numérique</a:t>
+            </a:r>
+            <a:endParaRPr lang="fr-FR" dirty="0"/>
+          </a:p>
+        </p:txBody>
+      </p:sp>
+      <p:pic>
+        <p:nvPicPr>
+          <p:cNvPr id="5" name="Espace réservé du contenu 4"/>
+          <p:cNvPicPr>
+            <a:picLocks noGrp="1" noChangeAspect="1"/>
+          </p:cNvPicPr>
+          <p:nvPr>
+            <p:ph idx="1"/>
+          </p:nvPr>
+        </p:nvPicPr>
+        <p:blipFill>
+          <a:blip r:embed="rId2">
+            <a:extLst>
+              <a:ext uri="{28A0092B-C50C-407E-A947-70E740481C1C}">
+                <a14:useLocalDpi xmlns:a14="http://schemas.microsoft.com/office/drawing/2010/main" val="0"/>
+              </a:ext>
+            </a:extLst>
+          </a:blip>
+          <a:stretch>
+            <a:fillRect/>
+          </a:stretch>
+        </p:blipFill>
+        <p:spPr>
+          <a:xfrm>
+            <a:off x="7112000" y="2438400"/>
+            <a:ext cx="2314575" cy="1971675"/>
+          </a:xfrm>
+        </p:spPr>
+      </p:pic>
+      <p:sp>
+        <p:nvSpPr>
+          <p:cNvPr id="4" name="Espace réservé du texte 3"/>
+          <p:cNvSpPr>
+            <a:spLocks noGrp="1"/>
+          </p:cNvSpPr>
+          <p:nvPr>
+            <p:ph type="body" sz="half" idx="2"/>
+          </p:nvPr>
+        </p:nvSpPr>
+        <p:spPr>
+          <a:xfrm>
+            <a:off x="1078350" y="1629104"/>
+            <a:ext cx="6247359" cy="4635062"/>
+          </a:xfrm>
+        </p:spPr>
+        <p:txBody>
+          <a:bodyPr>
+            <a:normAutofit fontScale="77500" lnSpcReduction="20000"/>
+          </a:bodyPr>
+          <a:lstStyle/>
+          <a:p>
+            <a:pPr marL="285750" indent="-285750">
+              <a:buFont typeface="Wingdings" panose="05000000000000000000" pitchFamily="2" charset="2"/>
+              <a:buChar char="Ø"/>
+            </a:pPr>
+            <a:r>
+              <a:rPr lang="fr-FR" u="sng" dirty="0" smtClean="0"/>
+              <a:t>Deux services fondamentaux </a:t>
+            </a:r>
+          </a:p>
+          <a:p>
+            <a:pPr marL="285750" indent="-285750">
+              <a:buFont typeface="Arial" panose="020B0604020202020204" pitchFamily="34" charset="0"/>
+              <a:buChar char="•"/>
+            </a:pPr>
+            <a:r>
+              <a:rPr lang="fr-FR" b="1" dirty="0" smtClean="0"/>
+              <a:t>authentification</a:t>
+            </a:r>
+            <a:r>
+              <a:rPr lang="fr-FR" dirty="0" smtClean="0"/>
+              <a:t> de l’émetteur</a:t>
+            </a:r>
+          </a:p>
+          <a:p>
+            <a:pPr marL="285750" indent="-285750">
+              <a:buFont typeface="Arial" panose="020B0604020202020204" pitchFamily="34" charset="0"/>
+              <a:buChar char="•"/>
+            </a:pPr>
+            <a:r>
+              <a:rPr lang="fr-FR" b="1" dirty="0" smtClean="0"/>
+              <a:t>non altération </a:t>
+            </a:r>
+            <a:r>
+              <a:rPr lang="fr-FR" dirty="0" smtClean="0"/>
+              <a:t>des données jointes</a:t>
+            </a:r>
+          </a:p>
+          <a:p>
+            <a:pPr marL="285750" indent="-285750">
+              <a:buFont typeface="Arial" panose="020B0604020202020204" pitchFamily="34" charset="0"/>
+              <a:buChar char="•"/>
+            </a:pPr>
+            <a:endParaRPr lang="fr-FR" dirty="0" smtClean="0"/>
+          </a:p>
+          <a:p>
+            <a:pPr marL="285750" indent="-285750">
+              <a:buFont typeface="Wingdings" panose="05000000000000000000" pitchFamily="2" charset="2"/>
+              <a:buChar char="Ø"/>
+            </a:pPr>
+            <a:r>
+              <a:rPr lang="fr-FR" u="sng" dirty="0" smtClean="0"/>
+              <a:t>Chiffrement </a:t>
+            </a:r>
+            <a:r>
+              <a:rPr lang="fr-FR" sz="1500" u="sng" dirty="0" smtClean="0"/>
+              <a:t>asymétrique</a:t>
+            </a:r>
+            <a:r>
+              <a:rPr lang="fr-FR" sz="1500" dirty="0" smtClean="0"/>
+              <a:t>   (clé p</a:t>
+            </a:r>
+            <a:r>
+              <a:rPr lang="fr-FR" dirty="0" smtClean="0"/>
+              <a:t>rivées difficilement calculables) :</a:t>
+            </a:r>
+          </a:p>
+          <a:p>
+            <a:pPr marL="285750" indent="-285750">
+              <a:buFont typeface="Arial" panose="020B0604020202020204" pitchFamily="34" charset="0"/>
+              <a:buChar char="•"/>
+            </a:pPr>
+            <a:r>
+              <a:rPr lang="fr-FR" dirty="0" smtClean="0"/>
+              <a:t>- </a:t>
+            </a:r>
+            <a:r>
+              <a:rPr lang="fr-FR" dirty="0"/>
+              <a:t>Clés : clé de chiffrement (</a:t>
+            </a:r>
+            <a:r>
+              <a:rPr lang="fr-FR" dirty="0" err="1" smtClean="0"/>
+              <a:t>Kc</a:t>
+            </a:r>
+            <a:r>
+              <a:rPr lang="fr-FR" dirty="0" smtClean="0"/>
+              <a:t>), </a:t>
+            </a:r>
+            <a:r>
+              <a:rPr lang="fr-FR" dirty="0"/>
+              <a:t>clé publique (</a:t>
+            </a:r>
+            <a:r>
+              <a:rPr lang="fr-FR" dirty="0" err="1"/>
+              <a:t>Kpub</a:t>
+            </a:r>
+            <a:r>
+              <a:rPr lang="fr-FR" dirty="0"/>
+              <a:t>), clé de déchiffrement (</a:t>
+            </a:r>
+            <a:r>
+              <a:rPr lang="fr-FR" dirty="0" err="1" smtClean="0"/>
+              <a:t>Kd</a:t>
+            </a:r>
+            <a:r>
+              <a:rPr lang="fr-FR" dirty="0" smtClean="0"/>
+              <a:t>)</a:t>
+            </a:r>
+          </a:p>
+          <a:p>
+            <a:pPr marL="285750" indent="-285750">
+              <a:buFont typeface="Arial" panose="020B0604020202020204" pitchFamily="34" charset="0"/>
+              <a:buChar char="•"/>
+            </a:pPr>
+            <a:endParaRPr lang="fr-FR" dirty="0"/>
+          </a:p>
+          <a:p>
+            <a:pPr marL="285750" indent="-285750">
+              <a:buFont typeface="Wingdings" panose="05000000000000000000" pitchFamily="2" charset="2"/>
+              <a:buChar char="Ø"/>
+            </a:pPr>
+            <a:r>
+              <a:rPr lang="fr-FR" u="sng" dirty="0"/>
+              <a:t>Principe </a:t>
+            </a:r>
+            <a:r>
+              <a:rPr lang="fr-FR" u="sng" dirty="0" smtClean="0"/>
+              <a:t>d’envoi  de données signées</a:t>
+            </a:r>
+            <a:endParaRPr lang="fr-FR" dirty="0"/>
+          </a:p>
+          <a:p>
+            <a:pPr marL="285750" indent="-285750">
+              <a:buFont typeface="Arial" panose="020B0604020202020204" pitchFamily="34" charset="0"/>
+              <a:buChar char="•"/>
+            </a:pPr>
+            <a:r>
+              <a:rPr lang="fr-FR" dirty="0" smtClean="0"/>
+              <a:t>application </a:t>
+            </a:r>
+            <a:r>
+              <a:rPr lang="fr-FR" dirty="0"/>
+              <a:t>d’une fonction de « hachage » sur les données</a:t>
+            </a:r>
+          </a:p>
+          <a:p>
+            <a:pPr marL="285750" indent="-285750">
+              <a:buFont typeface="Arial" panose="020B0604020202020204" pitchFamily="34" charset="0"/>
+              <a:buChar char="•"/>
+            </a:pPr>
+            <a:r>
+              <a:rPr lang="fr-FR" dirty="0" smtClean="0"/>
+              <a:t>chiffrement </a:t>
+            </a:r>
+            <a:r>
+              <a:rPr lang="fr-FR" dirty="0"/>
+              <a:t>du </a:t>
+            </a:r>
+            <a:r>
+              <a:rPr lang="fr-FR" dirty="0" smtClean="0"/>
+              <a:t>résultat « empreinte » ( =hash) avec </a:t>
+            </a:r>
+            <a:r>
+              <a:rPr lang="fr-FR" dirty="0" err="1" smtClean="0"/>
+              <a:t>Kc</a:t>
+            </a:r>
+            <a:r>
+              <a:rPr lang="fr-FR" dirty="0" smtClean="0"/>
+              <a:t> + </a:t>
+            </a:r>
+            <a:r>
+              <a:rPr lang="fr-FR" dirty="0" err="1" smtClean="0"/>
+              <a:t>Kpub</a:t>
+            </a:r>
+            <a:endParaRPr lang="fr-FR" dirty="0" smtClean="0"/>
+          </a:p>
+          <a:p>
+            <a:pPr marL="285750" indent="-285750">
+              <a:buFont typeface="Arial" panose="020B0604020202020204" pitchFamily="34" charset="0"/>
+              <a:buChar char="•"/>
+            </a:pPr>
+            <a:r>
+              <a:rPr lang="fr-FR" dirty="0"/>
+              <a:t>e</a:t>
+            </a:r>
+            <a:r>
+              <a:rPr lang="fr-FR" dirty="0" smtClean="0"/>
+              <a:t>nvoi  groupé des données et empreinte</a:t>
+            </a:r>
+          </a:p>
+          <a:p>
+            <a:endParaRPr lang="fr-FR" dirty="0" smtClean="0"/>
+          </a:p>
+          <a:p>
+            <a:pPr marL="285750" indent="-285750">
+              <a:buFont typeface="Wingdings" panose="05000000000000000000" pitchFamily="2" charset="2"/>
+              <a:buChar char="Ø"/>
+            </a:pPr>
+            <a:r>
+              <a:rPr lang="fr-FR" sz="1500" u="sng" dirty="0"/>
+              <a:t>Principe </a:t>
+            </a:r>
+            <a:r>
+              <a:rPr lang="fr-FR" sz="1500" u="sng" dirty="0" smtClean="0"/>
+              <a:t>de réception  </a:t>
+            </a:r>
+            <a:r>
+              <a:rPr lang="fr-FR" sz="1500" u="sng" dirty="0"/>
+              <a:t>de données </a:t>
+            </a:r>
+            <a:r>
+              <a:rPr lang="fr-FR" sz="1500" u="sng" dirty="0" smtClean="0"/>
+              <a:t>signées</a:t>
+            </a:r>
+            <a:endParaRPr lang="fr-FR" sz="1500" dirty="0"/>
+          </a:p>
+          <a:p>
+            <a:pPr marL="285750" indent="-285750">
+              <a:buFont typeface="Arial" panose="020B0604020202020204" pitchFamily="34" charset="0"/>
+              <a:buChar char="•"/>
+            </a:pPr>
+            <a:r>
+              <a:rPr lang="fr-FR" dirty="0"/>
+              <a:t>r</a:t>
+            </a:r>
+            <a:r>
+              <a:rPr lang="fr-FR" dirty="0" smtClean="0"/>
+              <a:t>éception des données et empreinte</a:t>
+            </a:r>
+          </a:p>
+          <a:p>
+            <a:pPr marL="285750" indent="-285750">
+              <a:buFont typeface="Arial" panose="020B0604020202020204" pitchFamily="34" charset="0"/>
+              <a:buChar char="•"/>
+            </a:pPr>
+            <a:r>
+              <a:rPr lang="fr-FR" dirty="0"/>
+              <a:t>h</a:t>
+            </a:r>
+            <a:r>
+              <a:rPr lang="fr-FR" dirty="0" smtClean="0"/>
+              <a:t>achage sur </a:t>
+            </a:r>
+            <a:r>
+              <a:rPr lang="fr-FR" dirty="0"/>
+              <a:t>les </a:t>
+            </a:r>
+            <a:r>
+              <a:rPr lang="fr-FR" dirty="0" smtClean="0"/>
+              <a:t>données pour produite « empreinte » calculée</a:t>
+            </a:r>
+            <a:endParaRPr lang="fr-FR" dirty="0"/>
+          </a:p>
+          <a:p>
+            <a:pPr marL="285750" indent="-285750">
+              <a:buFont typeface="Arial" panose="020B0604020202020204" pitchFamily="34" charset="0"/>
+              <a:buChar char="•"/>
+            </a:pPr>
+            <a:r>
+              <a:rPr lang="fr-FR" dirty="0" smtClean="0"/>
+              <a:t>déchiffrement de l’ «</a:t>
+            </a:r>
+            <a:r>
+              <a:rPr lang="fr-FR" dirty="0"/>
+              <a:t> empreinte » </a:t>
+            </a:r>
+            <a:r>
+              <a:rPr lang="fr-FR" dirty="0" smtClean="0"/>
+              <a:t>reçue avec </a:t>
+            </a:r>
+            <a:r>
+              <a:rPr lang="fr-FR" dirty="0" err="1" smtClean="0"/>
+              <a:t>Kd</a:t>
+            </a:r>
+            <a:r>
+              <a:rPr lang="fr-FR" dirty="0" smtClean="0"/>
+              <a:t> + </a:t>
+            </a:r>
+            <a:r>
+              <a:rPr lang="fr-FR" dirty="0" err="1" smtClean="0"/>
+              <a:t>Kpub</a:t>
+            </a:r>
+            <a:endParaRPr lang="fr-FR" dirty="0" smtClean="0"/>
+          </a:p>
+          <a:p>
+            <a:pPr marL="285750" indent="-285750">
+              <a:buFont typeface="Arial" panose="020B0604020202020204" pitchFamily="34" charset="0"/>
+              <a:buChar char="•"/>
+            </a:pPr>
+            <a:r>
+              <a:rPr lang="fr-FR" dirty="0"/>
+              <a:t>s</a:t>
+            </a:r>
+            <a:r>
+              <a:rPr lang="fr-FR" dirty="0" smtClean="0"/>
+              <a:t>i les deux empreintes sont identiques, les données sont « authentiques »</a:t>
+            </a:r>
+            <a:endParaRPr lang="fr-FR" dirty="0"/>
+          </a:p>
+        </p:txBody>
+      </p:sp>
+    </p:spTree>
+    <p:extLst>
+      <p:ext uri="{BB962C8B-B14F-4D97-AF65-F5344CB8AC3E}">
+        <p14:creationId xmlns:p14="http://schemas.microsoft.com/office/powerpoint/2010/main" val="3408312722"/>
+      </p:ext>
+    </p:extLst>
+  </p:cSld>
+  <p:clrMapOvr>
+    <a:masterClrMapping/>
+  </p:clrMapOvr>
+  <p:timing>
+    <p:tnLst>
+      <p:par>
+        <p:cTn id="1" dur="indefinite" restart="never" nodeType="tmRoot"/>
+      </p:par>
+    </p:tnLst>
+  </p:timing>
+</p:sld>
+</file>
+
+<file path=ppt/slides/slide15.xml><?xml version="1.0" encoding="utf-8"?>
+<p:sld xmlns:a="http://schemas.openxmlformats.org/drawingml/2006/main" xmlns:r="http://schemas.openxmlformats.org/officeDocument/2006/relationships" xmlns:p="http://schemas.openxmlformats.org/presentationml/2006/main">
+  <p:cSld>
+    <p:spTree>
+      <p:nvGrpSpPr>
+        <p:cNvPr id="1" name=""/>
+        <p:cNvGrpSpPr/>
+        <p:nvPr/>
+      </p:nvGrpSpPr>
+      <p:grpSpPr>
+        <a:xfrm>
+          <a:off x="0" y="0"/>
+          <a:ext cx="0" cy="0"/>
+          <a:chOff x="0" y="0"/>
+          <a:chExt cx="0" cy="0"/>
+        </a:xfrm>
+      </p:grpSpPr>
+      <p:sp>
+        <p:nvSpPr>
+          <p:cNvPr id="2" name="Titre 1"/>
+          <p:cNvSpPr>
+            <a:spLocks noGrp="1"/>
+          </p:cNvSpPr>
+          <p:nvPr>
+            <p:ph type="title"/>
+          </p:nvPr>
+        </p:nvSpPr>
+        <p:spPr>
+          <a:xfrm>
+            <a:off x="839788" y="457200"/>
+            <a:ext cx="3932237" cy="909145"/>
+          </a:xfrm>
+        </p:spPr>
+        <p:txBody>
+          <a:bodyPr/>
+          <a:lstStyle/>
+          <a:p>
+            <a:r>
+              <a:rPr lang="fr-FR" dirty="0" smtClean="0"/>
+              <a:t>Hachage</a:t>
+            </a:r>
+            <a:endParaRPr lang="fr-FR" dirty="0"/>
+          </a:p>
+        </p:txBody>
+      </p:sp>
+      <p:pic>
+        <p:nvPicPr>
+          <p:cNvPr id="5" name="Espace réservé du contenu 4"/>
+          <p:cNvPicPr>
+            <a:picLocks noGrp="1" noChangeAspect="1"/>
+          </p:cNvPicPr>
+          <p:nvPr>
+            <p:ph idx="1"/>
+          </p:nvPr>
+        </p:nvPicPr>
+        <p:blipFill>
+          <a:blip r:embed="rId2">
+            <a:extLst>
+              <a:ext uri="{28A0092B-C50C-407E-A947-70E740481C1C}">
+                <a14:useLocalDpi xmlns:a14="http://schemas.microsoft.com/office/drawing/2010/main" val="0"/>
+              </a:ext>
+            </a:extLst>
+          </a:blip>
+          <a:stretch>
+            <a:fillRect/>
+          </a:stretch>
+        </p:blipFill>
+        <p:spPr>
+          <a:xfrm>
+            <a:off x="7112000" y="2438400"/>
+            <a:ext cx="2314575" cy="1971675"/>
+          </a:xfrm>
+        </p:spPr>
+      </p:pic>
+      <p:sp>
+        <p:nvSpPr>
+          <p:cNvPr id="4" name="Espace réservé du texte 3"/>
+          <p:cNvSpPr>
+            <a:spLocks noGrp="1"/>
+          </p:cNvSpPr>
+          <p:nvPr>
+            <p:ph type="body" sz="half" idx="2"/>
+          </p:nvPr>
+        </p:nvSpPr>
+        <p:spPr>
+          <a:xfrm>
+            <a:off x="1078350" y="1629103"/>
+            <a:ext cx="6247359" cy="5079057"/>
+          </a:xfrm>
+        </p:spPr>
+        <p:txBody>
+          <a:bodyPr>
+            <a:normAutofit fontScale="85000" lnSpcReduction="20000"/>
+          </a:bodyPr>
+          <a:lstStyle/>
+          <a:p>
+            <a:pPr marL="285750" indent="-285750">
+              <a:buFont typeface="Arial" panose="020B0604020202020204" pitchFamily="34" charset="0"/>
+              <a:buChar char="•"/>
+            </a:pPr>
+            <a:r>
+              <a:rPr lang="fr-FR" dirty="0"/>
+              <a:t>Une fonction de hachage (« hash »)  est une fonction </a:t>
+            </a:r>
+            <a:r>
+              <a:rPr lang="fr-FR" dirty="0" smtClean="0"/>
+              <a:t>H appliquée </a:t>
+            </a:r>
+            <a:r>
+              <a:rPr lang="fr-FR" dirty="0"/>
+              <a:t>sur une donnée (usuellement un bloc binaire m de l octets) retournant un identifiant (usuellement une valeur numérique entière H(m) comprise entre 0 et n-1).</a:t>
+            </a:r>
+          </a:p>
+          <a:p>
+            <a:pPr marL="285750" indent="-285750">
+              <a:buFont typeface="Arial" panose="020B0604020202020204" pitchFamily="34" charset="0"/>
+              <a:buChar char="•"/>
+            </a:pPr>
+            <a:r>
+              <a:rPr lang="fr-FR" dirty="0" smtClean="0"/>
+              <a:t>L’entier H(m) sert d’ordinaire d’indice dans un tableau : clair( H(m) ) = (m, informations(m))</a:t>
+            </a:r>
+          </a:p>
+          <a:p>
+            <a:pPr marL="285750" indent="-285750">
+              <a:buFont typeface="Arial" panose="020B0604020202020204" pitchFamily="34" charset="0"/>
+              <a:buChar char="•"/>
+            </a:pPr>
+            <a:r>
+              <a:rPr lang="fr-FR" dirty="0" smtClean="0"/>
+              <a:t>La fonction peut produire des doublons (H(m1) = H(m2) avec m1 différent de m2). Dans ce cas les données m1,m2,.. sont rangés séquentiellement dans le tableau. Alternative : H(m) contient une valeur d’une autre fonction de hachage.</a:t>
+            </a:r>
+          </a:p>
+          <a:p>
+            <a:pPr marL="285750" indent="-285750">
+              <a:buFont typeface="Arial" panose="020B0604020202020204" pitchFamily="34" charset="0"/>
+              <a:buChar char="•"/>
+            </a:pPr>
+            <a:r>
+              <a:rPr lang="fr-FR" dirty="0" smtClean="0"/>
+              <a:t>L’existence de doublons interdit de deviner à coup sûr la donnée m à partir de la valeur de hachage H(m). La qualité de la fonction H est une probabilité faible de doublon pour deux données m1,m2 choisies aléatoirement dans  un ensemble de données.</a:t>
+            </a:r>
+          </a:p>
+          <a:p>
+            <a:pPr marL="285750" indent="-285750">
+              <a:buFont typeface="Arial" panose="020B0604020202020204" pitchFamily="34" charset="0"/>
+              <a:buChar char="•"/>
+            </a:pPr>
+            <a:r>
+              <a:rPr lang="fr-FR" dirty="0" smtClean="0"/>
+              <a:t>Le hachage est une méthode pour accélérer la recherche des informations sur une donnée m mais c’est aussi une caractéristique calculée de m, une </a:t>
+            </a:r>
+            <a:r>
+              <a:rPr lang="fr-FR" b="1" dirty="0" smtClean="0"/>
+              <a:t>signature numérique </a:t>
+            </a:r>
+            <a:r>
+              <a:rPr lang="fr-FR" dirty="0" smtClean="0"/>
+              <a:t>de celle-ci. Elle peut être vue comme un condensat, un résumé de m.</a:t>
+            </a:r>
+          </a:p>
+          <a:p>
+            <a:pPr marL="285750" indent="-285750">
+              <a:buFont typeface="Arial" panose="020B0604020202020204" pitchFamily="34" charset="0"/>
+              <a:buChar char="•"/>
+            </a:pPr>
+            <a:r>
+              <a:rPr lang="fr-FR" dirty="0" smtClean="0"/>
+              <a:t>La fonction principale de la signature numérique H est de prouver la non-intégrité d’une donnée corrompue m…..comme un test ADN qui permet d’exclure des suspects innocents.</a:t>
+            </a:r>
+          </a:p>
+          <a:p>
+            <a:pPr marL="285750" indent="-285750">
+              <a:buFont typeface="Arial" panose="020B0604020202020204" pitchFamily="34" charset="0"/>
+              <a:buChar char="•"/>
+            </a:pPr>
+            <a:r>
+              <a:rPr lang="fr-FR" dirty="0" smtClean="0"/>
+              <a:t>Exemple de hachage avec une </a:t>
+            </a:r>
+            <a:r>
+              <a:rPr lang="fr-FR" b="1" dirty="0" smtClean="0"/>
+              <a:t>somme de contrôle </a:t>
+            </a:r>
+            <a:r>
+              <a:rPr lang="fr-FR" dirty="0" smtClean="0"/>
+              <a:t>:  calculer la somme modulo 2 d’un entier m, H(m) = 0 si l’entier est pair et H(m) = 1 si l’entier est impair.</a:t>
+            </a:r>
+          </a:p>
+          <a:p>
+            <a:pPr marL="285750" indent="-285750">
+              <a:buFont typeface="Arial" panose="020B0604020202020204" pitchFamily="34" charset="0"/>
+              <a:buChar char="•"/>
+            </a:pPr>
+            <a:r>
+              <a:rPr lang="fr-FR" dirty="0" smtClean="0"/>
+              <a:t>Des sommes de contrôles ont été définies pour permettre une détection des erreurs dans la données. Exemple : CRC basé sur le reste de division de polynômes à coefficient entiers.</a:t>
+            </a:r>
+          </a:p>
+        </p:txBody>
+      </p:sp>
+    </p:spTree>
+    <p:extLst>
+      <p:ext uri="{BB962C8B-B14F-4D97-AF65-F5344CB8AC3E}">
+        <p14:creationId xmlns:p14="http://schemas.microsoft.com/office/powerpoint/2010/main" val="2283665988"/>
+      </p:ext>
+    </p:extLst>
+  </p:cSld>
+  <p:clrMapOvr>
+    <a:masterClrMapping/>
+  </p:clrMapOvr>
+  <p:timing>
+    <p:tnLst>
+      <p:par>
+        <p:cTn id="1" dur="indefinite" restart="never" nodeType="tmRoot"/>
+      </p:par>
+    </p:tnLst>
+  </p:timing>
+</p:sld>
+</file>
+
+<file path=ppt/slides/slide16.xml><?xml version="1.0" encoding="utf-8"?>
+<p:sld xmlns:a="http://schemas.openxmlformats.org/drawingml/2006/main" xmlns:r="http://schemas.openxmlformats.org/officeDocument/2006/relationships" xmlns:p="http://schemas.openxmlformats.org/presentationml/2006/main">
+  <p:cSld>
+    <p:spTree>
+      <p:nvGrpSpPr>
+        <p:cNvPr id="1" name=""/>
+        <p:cNvGrpSpPr/>
+        <p:nvPr/>
+      </p:nvGrpSpPr>
+      <p:grpSpPr>
+        <a:xfrm>
+          <a:off x="0" y="0"/>
+          <a:ext cx="0" cy="0"/>
+          <a:chOff x="0" y="0"/>
+          <a:chExt cx="0" cy="0"/>
+        </a:xfrm>
+      </p:grpSpPr>
+      <p:sp>
+        <p:nvSpPr>
+          <p:cNvPr id="2" name="Titre 1"/>
+          <p:cNvSpPr>
+            <a:spLocks noGrp="1"/>
+          </p:cNvSpPr>
+          <p:nvPr>
+            <p:ph type="title"/>
+          </p:nvPr>
+        </p:nvSpPr>
+        <p:spPr>
+          <a:xfrm>
+            <a:off x="839788" y="457200"/>
+            <a:ext cx="5039804" cy="909145"/>
+          </a:xfrm>
+        </p:spPr>
+        <p:txBody>
+          <a:bodyPr>
+            <a:normAutofit/>
+          </a:bodyPr>
+          <a:lstStyle/>
+          <a:p>
+            <a:r>
+              <a:rPr lang="fr-FR" dirty="0" smtClean="0"/>
+              <a:t>Hachage cryptographique</a:t>
+            </a:r>
+            <a:endParaRPr lang="fr-FR" dirty="0"/>
+          </a:p>
+        </p:txBody>
+      </p:sp>
+      <p:pic>
+        <p:nvPicPr>
+          <p:cNvPr id="5" name="Espace réservé du contenu 4"/>
+          <p:cNvPicPr>
+            <a:picLocks noGrp="1" noChangeAspect="1"/>
+          </p:cNvPicPr>
+          <p:nvPr>
+            <p:ph idx="1"/>
+          </p:nvPr>
+        </p:nvPicPr>
+        <p:blipFill>
+          <a:blip r:embed="rId2">
+            <a:extLst>
+              <a:ext uri="{28A0092B-C50C-407E-A947-70E740481C1C}">
+                <a14:useLocalDpi xmlns:a14="http://schemas.microsoft.com/office/drawing/2010/main" val="0"/>
+              </a:ext>
+            </a:extLst>
+          </a:blip>
+          <a:stretch>
+            <a:fillRect/>
+          </a:stretch>
+        </p:blipFill>
+        <p:spPr>
+          <a:xfrm>
+            <a:off x="7112000" y="2438400"/>
+            <a:ext cx="2314575" cy="1971675"/>
+          </a:xfrm>
+        </p:spPr>
+      </p:pic>
+      <p:sp>
+        <p:nvSpPr>
+          <p:cNvPr id="4" name="Espace réservé du texte 3"/>
+          <p:cNvSpPr>
+            <a:spLocks noGrp="1"/>
+          </p:cNvSpPr>
+          <p:nvPr>
+            <p:ph type="body" sz="half" idx="2"/>
+          </p:nvPr>
+        </p:nvSpPr>
+        <p:spPr>
+          <a:xfrm>
+            <a:off x="1078350" y="1629103"/>
+            <a:ext cx="6247359" cy="5079057"/>
+          </a:xfrm>
+        </p:spPr>
+        <p:txBody>
+          <a:bodyPr>
+            <a:normAutofit/>
+          </a:bodyPr>
+          <a:lstStyle/>
+          <a:p>
+            <a:pPr marL="285750" indent="-285750">
+              <a:buFont typeface="Arial" panose="020B0604020202020204" pitchFamily="34" charset="0"/>
+              <a:buChar char="•"/>
+            </a:pPr>
+            <a:r>
+              <a:rPr lang="fr-FR" dirty="0" smtClean="0"/>
+              <a:t>Les fonctions de hachages pour la cryptographie numérique « </a:t>
+            </a:r>
+            <a:r>
+              <a:rPr lang="fr-FR" b="1" dirty="0" err="1" smtClean="0"/>
+              <a:t>C</a:t>
+            </a:r>
+            <a:r>
+              <a:rPr lang="fr-FR" dirty="0" err="1" smtClean="0"/>
+              <a:t>ryptographic</a:t>
+            </a:r>
+            <a:r>
+              <a:rPr lang="fr-FR" dirty="0" smtClean="0"/>
+              <a:t> </a:t>
+            </a:r>
+            <a:r>
+              <a:rPr lang="fr-FR" b="1" dirty="0" smtClean="0"/>
+              <a:t>H</a:t>
+            </a:r>
+            <a:r>
+              <a:rPr lang="fr-FR" dirty="0" smtClean="0"/>
+              <a:t>ash </a:t>
+            </a:r>
+            <a:r>
+              <a:rPr lang="fr-FR" b="1" dirty="0" err="1" smtClean="0"/>
+              <a:t>F</a:t>
+            </a:r>
+            <a:r>
+              <a:rPr lang="fr-FR" dirty="0" err="1" smtClean="0"/>
+              <a:t>unction</a:t>
+            </a:r>
+            <a:r>
+              <a:rPr lang="fr-FR" dirty="0" smtClean="0"/>
+              <a:t> » sont celles garantissant une sécurité et des performances de calcul optimales : très peu de doublons, calcul H(m) rapide.</a:t>
+            </a:r>
+          </a:p>
+          <a:p>
+            <a:pPr marL="285750" indent="-285750">
+              <a:buFont typeface="Arial" panose="020B0604020202020204" pitchFamily="34" charset="0"/>
+              <a:buChar char="•"/>
+            </a:pPr>
+            <a:r>
+              <a:rPr lang="fr-FR" dirty="0" smtClean="0"/>
+              <a:t>Une fonction de hachage cryptographique est souvent paramétrable et s’appuie sur un « salage » de la donnée m : la donnée m est modifiée par un paramètre aléatoire défini au dernier moment (avant envoi pour un message). Le hachage H(m) est donc différent à chaque envoi.</a:t>
+            </a:r>
+          </a:p>
+          <a:p>
+            <a:pPr marL="285750" indent="-285750">
+              <a:buFont typeface="Arial" panose="020B0604020202020204" pitchFamily="34" charset="0"/>
+              <a:buChar char="•"/>
+            </a:pPr>
+            <a:r>
+              <a:rPr lang="fr-FR" dirty="0" smtClean="0"/>
+              <a:t>Chaque état définit les normes cryptographiques en vigueur pour les systèmes informatiques sous sa juridiction. Aux US, c’est le NIST (dépendant du ministre du commerce) qui est chargé de la définition et l’application de ces normes. Pour la signature numérique,  c’est le Digital Standard Signature (DSA) qui est la norme.</a:t>
+            </a:r>
+          </a:p>
+          <a:p>
+            <a:pPr marL="285750" indent="-285750">
+              <a:buFont typeface="Arial" panose="020B0604020202020204" pitchFamily="34" charset="0"/>
+              <a:buChar char="•"/>
+            </a:pPr>
+            <a:r>
+              <a:rPr lang="fr-FR" dirty="0" smtClean="0"/>
+              <a:t>Le DSA se décline en pratique sous forme de différents hachages cryptographique, DSA et RSA, et plus récemment ECDSA, un hachage basé sur le concept mathématique des courbes elliptiques.</a:t>
+            </a:r>
+            <a:endParaRPr lang="fr-FR" dirty="0"/>
+          </a:p>
+        </p:txBody>
+      </p:sp>
+    </p:spTree>
+    <p:extLst>
+      <p:ext uri="{BB962C8B-B14F-4D97-AF65-F5344CB8AC3E}">
+        <p14:creationId xmlns:p14="http://schemas.microsoft.com/office/powerpoint/2010/main" val="3407918255"/>
+      </p:ext>
+    </p:extLst>
+  </p:cSld>
+  <p:clrMapOvr>
+    <a:masterClrMapping/>
+  </p:clrMapOvr>
+  <p:timing>
+    <p:tnLst>
+      <p:par>
+        <p:cTn id="1" dur="indefinite" restart="never" nodeType="tmRoot"/>
+      </p:par>
+    </p:tnLst>
+  </p:timing>
+</p:sld>
+</file>
+
+<file path=ppt/slides/slide17.xml><?xml version="1.0" encoding="utf-8"?>
+<p:sld xmlns:a="http://schemas.openxmlformats.org/drawingml/2006/main" xmlns:r="http://schemas.openxmlformats.org/officeDocument/2006/relationships" xmlns:p="http://schemas.openxmlformats.org/presentationml/2006/main">
+  <p:cSld>
+    <p:spTree>
+      <p:nvGrpSpPr>
+        <p:cNvPr id="1" name=""/>
+        <p:cNvGrpSpPr/>
+        <p:nvPr/>
+      </p:nvGrpSpPr>
+      <p:grpSpPr>
+        <a:xfrm>
+          <a:off x="0" y="0"/>
+          <a:ext cx="0" cy="0"/>
+          <a:chOff x="0" y="0"/>
+          <a:chExt cx="0" cy="0"/>
+        </a:xfrm>
+      </p:grpSpPr>
+      <p:sp>
+        <p:nvSpPr>
+          <p:cNvPr id="2" name="Titre 1"/>
+          <p:cNvSpPr>
+            <a:spLocks noGrp="1"/>
+          </p:cNvSpPr>
+          <p:nvPr>
+            <p:ph type="title"/>
+          </p:nvPr>
+        </p:nvSpPr>
+        <p:spPr>
+          <a:xfrm>
+            <a:off x="839788" y="457200"/>
+            <a:ext cx="3932237" cy="909145"/>
+          </a:xfrm>
+        </p:spPr>
+        <p:txBody>
+          <a:bodyPr/>
+          <a:lstStyle/>
+          <a:p>
+            <a:r>
+              <a:rPr lang="fr-FR" dirty="0" smtClean="0"/>
+              <a:t>Courbe elliptique</a:t>
+            </a:r>
+            <a:endParaRPr lang="fr-FR" dirty="0"/>
+          </a:p>
+        </p:txBody>
+      </p:sp>
+      <p:pic>
+        <p:nvPicPr>
+          <p:cNvPr id="5" name="Espace réservé du contenu 4"/>
+          <p:cNvPicPr>
+            <a:picLocks noGrp="1" noChangeAspect="1"/>
+          </p:cNvPicPr>
+          <p:nvPr>
+            <p:ph idx="1"/>
+          </p:nvPr>
+        </p:nvPicPr>
+        <p:blipFill>
+          <a:blip r:embed="rId2">
+            <a:extLst>
+              <a:ext uri="{28A0092B-C50C-407E-A947-70E740481C1C}">
+                <a14:useLocalDpi xmlns:a14="http://schemas.microsoft.com/office/drawing/2010/main" val="0"/>
+              </a:ext>
+            </a:extLst>
+          </a:blip>
+          <a:stretch>
+            <a:fillRect/>
+          </a:stretch>
+        </p:blipFill>
+        <p:spPr>
+          <a:xfrm>
+            <a:off x="4360364" y="1710489"/>
+            <a:ext cx="7346704" cy="4602176"/>
+          </a:xfrm>
+        </p:spPr>
+      </p:pic>
+      <p:sp>
+        <p:nvSpPr>
+          <p:cNvPr id="4" name="Espace réservé du texte 3"/>
+          <p:cNvSpPr>
+            <a:spLocks noGrp="1"/>
+          </p:cNvSpPr>
+          <p:nvPr>
+            <p:ph type="body" sz="half" idx="2"/>
+          </p:nvPr>
+        </p:nvSpPr>
+        <p:spPr>
+          <a:xfrm>
+            <a:off x="503997" y="1677603"/>
+            <a:ext cx="4574780" cy="4635062"/>
+          </a:xfrm>
+        </p:spPr>
+        <p:txBody>
+          <a:bodyPr>
+            <a:normAutofit lnSpcReduction="10000"/>
+          </a:bodyPr>
+          <a:lstStyle/>
+          <a:p>
+            <a:pPr marL="285750" indent="-285750">
+              <a:buFont typeface="Wingdings" panose="05000000000000000000" pitchFamily="2" charset="2"/>
+              <a:buChar char="Ø"/>
+            </a:pPr>
+            <a:r>
+              <a:rPr lang="fr-FR" sz="1500" u="sng" dirty="0" smtClean="0"/>
+              <a:t>Courbe </a:t>
+            </a:r>
+            <a:r>
+              <a:rPr lang="fr-FR" sz="1500" u="sng" dirty="0"/>
+              <a:t>elliptique (  </a:t>
+            </a:r>
+            <a:r>
+              <a:rPr lang="fr-FR" sz="1500" u="sng" dirty="0" err="1"/>
+              <a:t>Elliptic</a:t>
+            </a:r>
+            <a:r>
+              <a:rPr lang="fr-FR" sz="1500" u="sng" dirty="0"/>
+              <a:t> </a:t>
+            </a:r>
+            <a:r>
+              <a:rPr lang="fr-FR" sz="1500" u="sng" dirty="0" err="1"/>
+              <a:t>curve</a:t>
+            </a:r>
+            <a:r>
+              <a:rPr lang="fr-FR" sz="1500" u="sng" dirty="0"/>
+              <a:t> )</a:t>
+            </a:r>
+          </a:p>
+          <a:p>
+            <a:pPr marL="285750" indent="-285750">
+              <a:buFont typeface="Arial" panose="020B0604020202020204" pitchFamily="34" charset="0"/>
+              <a:buChar char="•"/>
+            </a:pPr>
+            <a:r>
+              <a:rPr lang="fr-FR" dirty="0" smtClean="0"/>
+              <a:t>C’est la base mathématique du hachage cryptographique de la norme ECDSA </a:t>
+            </a:r>
+          </a:p>
+          <a:p>
+            <a:pPr marL="285750" indent="-285750">
+              <a:buFont typeface="Arial" panose="020B0604020202020204" pitchFamily="34" charset="0"/>
+              <a:buChar char="•"/>
+            </a:pPr>
+            <a:r>
+              <a:rPr lang="fr-FR" dirty="0" smtClean="0"/>
+              <a:t>La sécurité de ce mode de cryptage est la difficulté de calculer en temps raisonnable la clé privé d’encryptage d’une signature numérique.</a:t>
+            </a:r>
+          </a:p>
+          <a:p>
+            <a:pPr marL="285750" indent="-285750">
+              <a:buFont typeface="Arial" panose="020B0604020202020204" pitchFamily="34" charset="0"/>
+              <a:buChar char="•"/>
+            </a:pPr>
+            <a:r>
+              <a:rPr lang="fr-FR" dirty="0" smtClean="0"/>
+              <a:t>Pour le RSA, c’est la difficulté de factoriser un nombre entier m donné en deux nombres </a:t>
+            </a:r>
+            <a:r>
+              <a:rPr lang="fr-FR" dirty="0" err="1" smtClean="0"/>
+              <a:t>p,q</a:t>
+            </a:r>
+            <a:r>
+              <a:rPr lang="fr-FR" dirty="0" smtClean="0"/>
+              <a:t> modulo un entier n : la durée de calcul est une fonction exponentielle du nombre de bits de m.</a:t>
+            </a:r>
+          </a:p>
+          <a:p>
+            <a:pPr marL="285750" indent="-285750">
+              <a:buFont typeface="Arial" panose="020B0604020202020204" pitchFamily="34" charset="0"/>
+              <a:buChar char="•"/>
+            </a:pPr>
+            <a:r>
+              <a:rPr lang="fr-FR" dirty="0" smtClean="0"/>
+              <a:t>La faiblesse du RSA est que cette factorisation est devenue plus aisée avec les techniques mathématiques et moyens informatiques les plus modernes (factorisation quantique dans quelques années ;-) )</a:t>
+            </a:r>
+          </a:p>
+          <a:p>
+            <a:pPr marL="285750" indent="-285750">
+              <a:buFont typeface="Arial" panose="020B0604020202020204" pitchFamily="34" charset="0"/>
+              <a:buChar char="•"/>
+            </a:pPr>
+            <a:r>
+              <a:rPr lang="fr-FR" dirty="0" smtClean="0"/>
+              <a:t>D’où l’idée d’utiliser un cryptage par courbe elliptique où la </a:t>
+            </a:r>
+            <a:r>
+              <a:rPr lang="fr-FR" smtClean="0"/>
+              <a:t>difficulté d’attaque </a:t>
+            </a:r>
+            <a:r>
+              <a:rPr lang="fr-FR" dirty="0" smtClean="0"/>
+              <a:t>est de trouver le nombre entier k tel que </a:t>
+            </a:r>
+            <a:r>
+              <a:rPr lang="fr-FR" dirty="0" err="1" smtClean="0"/>
+              <a:t>kG</a:t>
+            </a:r>
+            <a:r>
+              <a:rPr lang="fr-FR" dirty="0" smtClean="0"/>
+              <a:t> = (</a:t>
+            </a:r>
+            <a:r>
+              <a:rPr lang="fr-FR" dirty="0" err="1" smtClean="0"/>
+              <a:t>x,y</a:t>
+            </a:r>
+            <a:r>
+              <a:rPr lang="fr-FR" dirty="0" smtClean="0"/>
+              <a:t>) </a:t>
+            </a:r>
+            <a:r>
+              <a:rPr lang="fr-FR" dirty="0" err="1" smtClean="0"/>
+              <a:t>mod</a:t>
+            </a:r>
+            <a:r>
+              <a:rPr lang="fr-FR" dirty="0" smtClean="0"/>
+              <a:t> n à partir de la clé publique (E,G) et de la signature (</a:t>
+            </a:r>
+            <a:r>
+              <a:rPr lang="fr-FR" dirty="0" err="1" smtClean="0"/>
+              <a:t>x,y</a:t>
+            </a:r>
+            <a:r>
+              <a:rPr lang="fr-FR" dirty="0" smtClean="0"/>
+              <a:t>).</a:t>
+            </a:r>
+          </a:p>
+        </p:txBody>
+      </p:sp>
+    </p:spTree>
+    <p:extLst>
+      <p:ext uri="{BB962C8B-B14F-4D97-AF65-F5344CB8AC3E}">
+        <p14:creationId xmlns:p14="http://schemas.microsoft.com/office/powerpoint/2010/main" val="3659643191"/>
+      </p:ext>
+    </p:extLst>
+  </p:cSld>
+  <p:clrMapOvr>
+    <a:masterClrMapping/>
+  </p:clrMapOvr>
+  <p:timing>
+    <p:tnLst>
+      <p:par>
+        <p:cTn id="1" dur="indefinite" restart="never" nodeType="tmRoot"/>
+      </p:par>
+    </p:tnLst>
+  </p:timing>
+</p:sld>
+</file>
+
+<file path=ppt/slides/slide18.xml><?xml version="1.0" encoding="utf-8"?>
+<p:sld xmlns:a="http://schemas.openxmlformats.org/drawingml/2006/main" xmlns:r="http://schemas.openxmlformats.org/officeDocument/2006/relationships" xmlns:p="http://schemas.openxmlformats.org/presentationml/2006/main">
+  <p:cSld>
+    <p:spTree>
+      <p:nvGrpSpPr>
+        <p:cNvPr id="1" name=""/>
+        <p:cNvGrpSpPr/>
+        <p:nvPr/>
+      </p:nvGrpSpPr>
+      <p:grpSpPr>
+        <a:xfrm>
+          <a:off x="0" y="0"/>
+          <a:ext cx="0" cy="0"/>
+          <a:chOff x="0" y="0"/>
+          <a:chExt cx="0" cy="0"/>
+        </a:xfrm>
+      </p:grpSpPr>
+      <p:sp>
+        <p:nvSpPr>
+          <p:cNvPr id="2" name="Titre 1"/>
+          <p:cNvSpPr>
+            <a:spLocks noGrp="1"/>
+          </p:cNvSpPr>
+          <p:nvPr>
+            <p:ph type="title"/>
+          </p:nvPr>
+        </p:nvSpPr>
+        <p:spPr>
+          <a:xfrm>
+            <a:off x="839788" y="457200"/>
             <a:ext cx="3932237" cy="909145"/>
           </a:xfrm>
         </p:spPr>
@@ -3558,7 +6159,9 @@
         </p:nvSpPr>
         <p:spPr/>
         <p:txBody>
-          <a:bodyPr/>
+          <a:bodyPr>
+            <a:normAutofit fontScale="92500" lnSpcReduction="20000"/>
+          </a:bodyPr>
           <a:lstStyle/>
           <a:p>
             <a:pPr marL="342900" indent="-342900">
@@ -3577,7 +6180,7 @@
             </a:pPr>
             <a:r>
               <a:rPr lang="fr-FR" dirty="0" smtClean="0"/>
-              <a:t>Utilisation de site web GITHUB</a:t>
+              <a:t>Utilisation de site web GITHUB et des commandes GIT</a:t>
             </a:r>
           </a:p>
           <a:p>
@@ -3588,6 +6191,16 @@
             <a:r>
               <a:rPr lang="fr-FR" dirty="0" smtClean="0"/>
               <a:t>Processus de développement GIT</a:t>
+            </a:r>
+          </a:p>
+          <a:p>
+            <a:pPr marL="342900" indent="-342900">
+              <a:buFontTx/>
+              <a:buChar char="-"/>
+            </a:pPr>
+            <a:r>
+              <a:rPr lang="fr-FR" dirty="0" smtClean="0"/>
+              <a:t>Application pratique avec un projet ECDSA</a:t>
             </a:r>
           </a:p>
         </p:txBody>
@@ -3704,7 +6317,51 @@
           <a:p>
             <a:r>
               <a:rPr lang="fr-FR" dirty="0" smtClean="0"/>
-              <a:t>Les développeurs (ou « collaborateurs » suivant la dénomination </a:t>
+              <a:t>Une utilisation « </a:t>
+            </a:r>
+            <a:r>
+              <a:rPr lang="fr-FR" dirty="0" err="1" smtClean="0"/>
+              <a:t>en_ligne</a:t>
+            </a:r>
+            <a:r>
+              <a:rPr lang="fr-FR" dirty="0" smtClean="0"/>
+              <a:t> » est possible à travers un outil « GITHUB ». Le site web Internet github.com propose des comptes gratuits avec une aide « </a:t>
+            </a:r>
+            <a:r>
+              <a:rPr lang="fr-FR" dirty="0" err="1" smtClean="0"/>
+              <a:t>Github</a:t>
+            </a:r>
+            <a:r>
+              <a:rPr lang="fr-FR" dirty="0" smtClean="0"/>
+              <a:t> docs ».</a:t>
+            </a:r>
+          </a:p>
+          <a:p>
+            <a:endParaRPr lang="fr-FR" dirty="0"/>
+          </a:p>
+          <a:p>
+            <a:r>
+              <a:rPr lang="fr-FR" dirty="0" smtClean="0"/>
+              <a:t>Aide en anglais à l’URL : </a:t>
+            </a:r>
+            <a:r>
+              <a:rPr lang="fr-FR" dirty="0">
+                <a:hlinkClick r:id="rId3"/>
+              </a:rPr>
+              <a:t>https://</a:t>
+            </a:r>
+            <a:r>
+              <a:rPr lang="fr-FR" dirty="0" smtClean="0">
+                <a:hlinkClick r:id="rId3"/>
+              </a:rPr>
+              <a:t>docs.github.com/en</a:t>
+            </a:r>
+            <a:endParaRPr lang="fr-FR" dirty="0" smtClean="0"/>
+          </a:p>
+          <a:p>
+            <a:r>
+              <a:rPr lang="fr-FR" dirty="0" smtClean="0"/>
+              <a:t>La page principale sur « </a:t>
             </a:r>
             <a:r>
               <a:rPr lang="fr-FR" dirty="0" err="1" smtClean="0"/>
@@ -3712,15 +6369,23 @@
             </a:r>
             <a:r>
               <a:rPr lang="fr-FR" dirty="0" smtClean="0"/>
-              <a:t>) accèdent généralement via réseau à ce serveur de </a:t>
-            </a:r>
-            <a:r>
-              <a:rPr lang="fr-FR" dirty="0" err="1" smtClean="0"/>
-              <a:t>dévloppement</a:t>
-            </a:r>
-            <a:r>
-              <a:rPr lang="fr-FR" dirty="0" smtClean="0"/>
-              <a:t>.</a:t>
+              <a:t> » est : </a:t>
+            </a:r>
+            <a:r>
+              <a:rPr lang="fr-FR" dirty="0">
+                <a:hlinkClick r:id="rId4"/>
+              </a:rPr>
+              <a:t>https://</a:t>
+            </a:r>
+            <a:r>
+              <a:rPr lang="fr-FR" dirty="0" smtClean="0">
+                <a:hlinkClick r:id="rId4"/>
+              </a:rPr>
+              <a:t>docs.github.com/en/free-pro-team@latest/github</a:t>
+            </a:r>
+            <a:r>
+              <a:rPr lang="fr-FR" dirty="0" smtClean="0"/>
+              <a:t> . Nous recopierons l’essentiel ici dans le présent document.</a:t>
             </a:r>
             <a:endParaRPr lang="fr-FR" dirty="0"/>
           </a:p>
@@ -3838,7 +6503,7 @@
         </p:spPr>
         <p:txBody>
           <a:bodyPr>
-            <a:normAutofit fontScale="92500" lnSpcReduction="20000"/>
+            <a:normAutofit fontScale="77500" lnSpcReduction="20000"/>
           </a:bodyPr>
           <a:lstStyle/>
           <a:p>
@@ -3857,6 +6522,70 @@
               <a:buChar char="•"/>
             </a:pPr>
             <a:r>
+              <a:rPr lang="fr-FR" dirty="0"/>
+              <a:t>Pourquoi faire ? …. </a:t>
+            </a:r>
+            <a:r>
+              <a:rPr lang="fr-FR" dirty="0" smtClean="0"/>
+              <a:t>Utilisation de GIT en </a:t>
+            </a:r>
+            <a:r>
+              <a:rPr lang="fr-FR" b="1" dirty="0" smtClean="0"/>
+              <a:t>« ligne de commande » </a:t>
+            </a:r>
+            <a:r>
+              <a:rPr lang="fr-FR" dirty="0" smtClean="0"/>
+              <a:t>à but de formation sur les commandes élémentaires de gestion de configuration</a:t>
+            </a:r>
+          </a:p>
+          <a:p>
+            <a:pPr marL="285750" indent="-285750">
+              <a:buFont typeface="Arial" panose="020B0604020202020204" pitchFamily="34" charset="0"/>
+              <a:buChar char="•"/>
+            </a:pPr>
+            <a:r>
+              <a:rPr lang="fr-FR" dirty="0" smtClean="0"/>
+              <a:t>Hors réseau « stand-</a:t>
+            </a:r>
+            <a:r>
+              <a:rPr lang="fr-FR" dirty="0" err="1" smtClean="0"/>
+              <a:t>alone</a:t>
+            </a:r>
+            <a:r>
+              <a:rPr lang="fr-FR" dirty="0" smtClean="0"/>
+              <a:t> », formation </a:t>
+            </a:r>
+            <a:r>
+              <a:rPr lang="fr-FR" dirty="0"/>
+              <a:t>création de </a:t>
+            </a:r>
+            <a:r>
+              <a:rPr lang="fr-FR" dirty="0" smtClean="0"/>
+              <a:t>« </a:t>
+            </a:r>
+            <a:r>
+              <a:rPr lang="fr-FR" dirty="0" err="1" smtClean="0"/>
+              <a:t>repository</a:t>
+            </a:r>
+            <a:r>
+              <a:rPr lang="fr-FR" dirty="0" smtClean="0"/>
+              <a:t> » </a:t>
+            </a:r>
+            <a:r>
+              <a:rPr lang="fr-FR" dirty="0"/>
+              <a:t>et </a:t>
+            </a:r>
+            <a:r>
+              <a:rPr lang="fr-FR" dirty="0" smtClean="0"/>
+              <a:t>autres commandes GIT</a:t>
+            </a:r>
+          </a:p>
+          <a:p>
+            <a:pPr marL="285750" indent="-285750">
+              <a:buFont typeface="Arial" panose="020B0604020202020204" pitchFamily="34" charset="0"/>
+              <a:buChar char="•"/>
+            </a:pPr>
+            <a:r>
               <a:rPr lang="fr-FR" dirty="0" smtClean="0"/>
               <a:t>Installation</a:t>
             </a:r>
@@ -3906,7 +6635,7 @@
             </a:pPr>
             <a:r>
               <a:rPr lang="fr-FR" dirty="0" smtClean="0"/>
-              <a:t>Motifs choix </a:t>
+              <a:t>Motifs de choix </a:t>
             </a:r>
             <a:r>
               <a:rPr lang="fr-FR" dirty="0" err="1" smtClean="0"/>
@@ -3932,7 +6661,7 @@
             </a:pPr>
             <a:r>
               <a:rPr lang="fr-FR" dirty="0" smtClean="0"/>
-              <a:t>Pourquoi pas Ubuntu ?  … plus lourd à l’installation, python3</a:t>
+              <a:t>Pourquoi pas un système d’exploitation Ubuntu récent ?  … plus lourd à l’installation, python3</a:t>
             </a:r>
           </a:p>
           <a:p>
@@ -3942,7 +6671,7 @@
             </a:pPr>
             <a:r>
               <a:rPr lang="fr-FR" dirty="0" smtClean="0"/>
-              <a:t>Hors-réseau, échanges  fichiers via média montés dans machine virtuelle</a:t>
+              <a:t>Ne nécessite pas le réseau, les échanges de fichiers se font via média montés dans machine virtuelle</a:t>
             </a:r>
           </a:p>
           <a:p>
@@ -3950,52 +6679,36 @@
               <a:buFont typeface="Arial" panose="020B0604020202020204" pitchFamily="34" charset="0"/>
               <a:buChar char="•"/>
             </a:pPr>
-            <a:r>
-              <a:rPr lang="fr-FR" dirty="0" smtClean="0"/>
-              <a:t>Pourquoi faire ? …. Environnement de développement GIT « </a:t>
-            </a:r>
-            <a:r>
-              <a:rPr lang="fr-FR" dirty="0" err="1" smtClean="0"/>
-              <a:t>standalone</a:t>
-            </a:r>
-            <a:r>
-              <a:rPr lang="fr-FR" dirty="0" smtClean="0"/>
-              <a:t> », formation création de </a:t>
-            </a:r>
-            <a:r>
-              <a:rPr lang="fr-FR" dirty="0" err="1" smtClean="0"/>
-              <a:t>repository</a:t>
-            </a:r>
-            <a:r>
-              <a:rPr lang="fr-FR" dirty="0"/>
-              <a:t> </a:t>
-            </a:r>
-            <a:r>
-              <a:rPr lang="fr-FR" dirty="0" smtClean="0"/>
-              <a:t>et commandes GIT</a:t>
-            </a:r>
+            <a:endParaRPr lang="fr-FR" dirty="0" smtClean="0"/>
+          </a:p>
+          <a:p>
+            <a:pPr marL="285750" indent="-285750">
+              <a:buFont typeface="Wingdings" panose="05000000000000000000" pitchFamily="2" charset="2"/>
+              <a:buChar char="Ø"/>
+            </a:pPr>
+            <a:r>
+              <a:rPr lang="fr-FR" u="sng" dirty="0" smtClean="0"/>
+              <a:t>Serveur GITHUB </a:t>
+            </a:r>
+            <a:r>
+              <a:rPr lang="fr-FR" sz="1500" dirty="0" smtClean="0"/>
+              <a:t>  </a:t>
+            </a:r>
+            <a:endParaRPr lang="fr-FR" dirty="0" smtClean="0"/>
           </a:p>
           <a:p>
             <a:pPr marL="285750" indent="-285750">
               <a:buFont typeface="Arial" panose="020B0604020202020204" pitchFamily="34" charset="0"/>
               <a:buChar char="•"/>
             </a:pPr>
-            <a:endParaRPr lang="fr-FR" dirty="0" smtClean="0"/>
-          </a:p>
-          <a:p>
-            <a:pPr marL="285750" indent="-285750">
-              <a:buFont typeface="Wingdings" panose="05000000000000000000" pitchFamily="2" charset="2"/>
-              <a:buChar char="Ø"/>
-            </a:pPr>
-            <a:r>
-              <a:rPr lang="fr-FR" u="sng" dirty="0" smtClean="0"/>
-              <a:t>Serveur GITHUB </a:t>
-            </a:r>
-            <a:r>
-              <a:rPr lang="fr-FR" sz="1500" dirty="0" smtClean="0"/>
-              <a:t>  </a:t>
-            </a:r>
-            <a:endParaRPr lang="fr-FR" dirty="0" smtClean="0"/>
+            <a:r>
+              <a:rPr lang="fr-FR" dirty="0"/>
+              <a:t>Pourquoi faire ? … Développement collaboratif, formation </a:t>
+            </a:r>
+            <a:r>
+              <a:rPr lang="fr-FR" dirty="0" smtClean="0"/>
+              <a:t>GITHUB</a:t>
+            </a:r>
           </a:p>
           <a:p>
             <a:pPr marL="285750" indent="-285750">
@@ -4004,7 +6717,7 @@
             </a:pPr>
             <a:r>
               <a:rPr lang="fr-FR" dirty="0" smtClean="0"/>
-              <a:t>Outils GIT basiques déjà installés</a:t>
+              <a:t>Outils GIT basiques déjà installés utilisables via un interface graphique</a:t>
             </a:r>
           </a:p>
           <a:p>
@@ -4024,7 +6737,35 @@
             </a:pPr>
             <a:r>
               <a:rPr lang="fr-FR" dirty="0" smtClean="0"/>
-              <a:t>Pourquoi faire ? … Développement collaboratif, formation GITHUB</a:t>
+              <a:t>Compte gratuit </a:t>
+            </a:r>
+            <a:r>
+              <a:rPr lang="fr-FR" dirty="0"/>
+              <a:t>sur Internet : </a:t>
+            </a:r>
+            <a:r>
+              <a:rPr lang="fr-FR" dirty="0">
+                <a:hlinkClick r:id="rId3"/>
+              </a:rPr>
+              <a:t>https://</a:t>
+            </a:r>
+            <a:r>
+              <a:rPr lang="fr-FR" dirty="0" smtClean="0">
+                <a:hlinkClick r:id="rId3"/>
+              </a:rPr>
+              <a:t>github.com/login</a:t>
+            </a:r>
+            <a:r>
+              <a:rPr lang="fr-FR" dirty="0" smtClean="0"/>
+              <a:t>, menu </a:t>
+            </a:r>
+            <a:r>
+              <a:rPr lang="fr-FR" dirty="0" err="1" smtClean="0"/>
+              <a:t>SignUp</a:t>
+            </a:r>
+            <a:r>
+              <a:rPr lang="fr-FR" dirty="0" smtClean="0"/>
+              <a:t> pour le créer</a:t>
             </a:r>
           </a:p>
           <a:p>
@@ -4033,35 +6774,28 @@
               <a:buChar char="•"/>
             </a:pPr>
             <a:r>
-              <a:rPr lang="fr-FR" dirty="0" smtClean="0"/>
-              <a:t>Clonage d’un </a:t>
-            </a:r>
-            <a:r>
-              <a:rPr lang="fr-FR" dirty="0" err="1" smtClean="0"/>
-              <a:t>repository</a:t>
-            </a:r>
-            <a:r>
-              <a:rPr lang="fr-FR" dirty="0" smtClean="0"/>
-              <a:t> existant</a:t>
-            </a:r>
+              <a:rPr lang="fr-FR" dirty="0"/>
+              <a:t>Remarque : le login est protégé par une demande de code d’identification sur 6 chiffres reçu par </a:t>
+            </a:r>
+            <a:r>
+              <a:rPr lang="fr-FR" dirty="0" smtClean="0"/>
+              <a:t>email (fourni à la création du compte) si une connexion à partir d’un PC inconnu (ce qui est le cas pour les PC </a:t>
+            </a:r>
+            <a:r>
+              <a:rPr lang="fr-FR" dirty="0" err="1" smtClean="0"/>
+              <a:t>Mobility</a:t>
+            </a:r>
+            <a:r>
+              <a:rPr lang="fr-FR" dirty="0" smtClean="0"/>
+              <a:t>)</a:t>
+            </a:r>
+            <a:endParaRPr lang="fr-FR" dirty="0"/>
           </a:p>
           <a:p>
             <a:pPr marL="285750" indent="-285750">
               <a:buFont typeface="Arial" panose="020B0604020202020204" pitchFamily="34" charset="0"/>
               <a:buChar char="•"/>
             </a:pPr>
-            <a:r>
-              <a:rPr lang="fr-FR" dirty="0" smtClean="0"/>
-              <a:t>Compte </a:t>
-            </a:r>
-            <a:r>
-              <a:rPr lang="fr-FR" dirty="0"/>
-              <a:t>sur Internet : https://github.com/login</a:t>
-            </a:r>
-            <a:r>
-              <a:rPr lang="fr-FR" dirty="0" smtClean="0"/>
-              <a:t> </a:t>
-            </a:r>
             <a:endParaRPr lang="fr-FR" dirty="0"/>
           </a:p>
         </p:txBody>
@@ -4116,7 +6850,7 @@
         <p:spPr>
           <a:xfrm>
             <a:off x="839788" y="457200"/>
-            <a:ext cx="3932237" cy="909145"/>
+            <a:ext cx="4957697" cy="909145"/>
           </a:xfrm>
         </p:spPr>
         <p:txBody>
@@ -4127,7 +6861,7 @@
           <a:p>
             <a:r>
               <a:rPr lang="fr-FR" dirty="0" smtClean="0"/>
-              <a:t>Mode d’emploi GITHUB</a:t>
+              <a:t>Restrictions utilisation GITHUB</a:t>
             </a:r>
             <a:endParaRPr lang="fr-FR" dirty="0"/>
           </a:p>
@@ -4180,177 +6914,227 @@
         </p:spPr>
         <p:txBody>
           <a:bodyPr>
-            <a:normAutofit fontScale="92500" lnSpcReduction="10000"/>
+            <a:normAutofit fontScale="62500" lnSpcReduction="20000"/>
           </a:bodyPr>
           <a:lstStyle/>
           <a:p>
-            <a:pPr marL="285750" indent="-285750">
-              <a:buFont typeface="Wingdings" panose="05000000000000000000" pitchFamily="2" charset="2"/>
-              <a:buChar char="Ø"/>
-            </a:pPr>
-            <a:r>
-              <a:rPr lang="fr-FR" u="sng" dirty="0" smtClean="0"/>
-              <a:t>Clonage de </a:t>
-            </a:r>
-            <a:r>
-              <a:rPr lang="fr-FR" u="sng" dirty="0" err="1" smtClean="0"/>
+            <a:r>
+              <a:rPr lang="fr-FR" dirty="0"/>
+              <a:t>Le </a:t>
+            </a:r>
+            <a:r>
+              <a:rPr lang="fr-FR" dirty="0" smtClean="0"/>
+              <a:t>site web github.com propose un IDE (environnement de développement et intégration = ensemble d’outils) « </a:t>
+            </a:r>
+            <a:r>
+              <a:rPr lang="fr-FR" b="1" dirty="0" err="1" smtClean="0"/>
+              <a:t>codespace</a:t>
+            </a:r>
+            <a:r>
+              <a:rPr lang="fr-FR" b="1" dirty="0" smtClean="0"/>
+              <a:t> </a:t>
+            </a:r>
+            <a:r>
+              <a:rPr lang="fr-FR" dirty="0" smtClean="0"/>
+              <a:t>» dont je me dispenserai car :</a:t>
+            </a:r>
+          </a:p>
+          <a:p>
+            <a:pPr marL="285750" indent="-285750">
+              <a:buFontTx/>
+              <a:buChar char="-"/>
+            </a:pPr>
+            <a:r>
+              <a:rPr lang="fr-FR" dirty="0" smtClean="0"/>
+              <a:t>il masque les commandes de  GIT </a:t>
+            </a:r>
+            <a:endParaRPr lang="fr-FR" dirty="0"/>
+          </a:p>
+          <a:p>
+            <a:pPr marL="285750" indent="-285750">
+              <a:buFontTx/>
+              <a:buChar char="-"/>
+            </a:pPr>
+            <a:r>
+              <a:rPr lang="fr-FR" dirty="0"/>
+              <a:t>u</a:t>
+            </a:r>
+            <a:r>
+              <a:rPr lang="fr-FR" dirty="0" smtClean="0"/>
+              <a:t>ne partie des outils de l’IDE sont à installer sur PC local</a:t>
+            </a:r>
+          </a:p>
+          <a:p>
+            <a:r>
+              <a:rPr lang="fr-FR" dirty="0" smtClean="0"/>
+              <a:t>En ligne, la création du « </a:t>
+            </a:r>
+            <a:r>
+              <a:rPr lang="fr-FR" dirty="0" err="1" smtClean="0"/>
+              <a:t>codespace</a:t>
+            </a:r>
+            <a:r>
+              <a:rPr lang="fr-FR" dirty="0" smtClean="0"/>
+              <a:t> » se fait en créant la branche de développement puis « Open </a:t>
+            </a:r>
+            <a:r>
+              <a:rPr lang="fr-FR" dirty="0" err="1" smtClean="0"/>
+              <a:t>with</a:t>
+            </a:r>
+            <a:r>
+              <a:rPr lang="fr-FR" dirty="0" smtClean="0"/>
+              <a:t> </a:t>
+            </a:r>
+            <a:r>
+              <a:rPr lang="fr-FR" dirty="0" err="1" smtClean="0"/>
+              <a:t>CodeSpace</a:t>
+            </a:r>
+            <a:r>
+              <a:rPr lang="fr-FR" dirty="0" smtClean="0"/>
+              <a:t> ».</a:t>
+            </a:r>
+          </a:p>
+          <a:p>
+            <a:endParaRPr lang="fr-FR" dirty="0"/>
+          </a:p>
+          <a:p>
+            <a:r>
+              <a:rPr lang="fr-FR" dirty="0" smtClean="0"/>
+              <a:t>Le principe de GITHUB est de proposer un environnement de développement  distribué  sur un système informatique où chaque personne du projet (développeur, « </a:t>
+            </a:r>
+            <a:r>
+              <a:rPr lang="fr-FR" dirty="0" err="1" smtClean="0"/>
+              <a:t>collaborator</a:t>
+            </a:r>
+            <a:r>
+              <a:rPr lang="fr-FR" dirty="0" smtClean="0"/>
+              <a:t> ») peut modifier le contenu (les fichiers).</a:t>
+            </a:r>
+          </a:p>
+          <a:p>
+            <a:r>
+              <a:rPr lang="fr-FR" dirty="0" smtClean="0"/>
+              <a:t>Il permet aussi un système d’échanges (messages sur le site GITHUB ou par email) entre les personnes, mais qui sera inutilisé dans le cadre de cette auto-formation : mode « mono-utilisateur » du projet.</a:t>
+            </a:r>
+          </a:p>
+          <a:p>
+            <a:r>
+              <a:rPr lang="fr-FR" dirty="0" smtClean="0"/>
+              <a:t>La recommandation « Be social » ne sera pas appliquée, même si en développement projet multi-utilisateurs il convient d’activer « Watch </a:t>
+            </a:r>
+            <a:r>
+              <a:rPr lang="fr-FR" dirty="0" err="1" smtClean="0"/>
               <a:t>repository</a:t>
             </a:r>
             <a:r>
-              <a:rPr lang="fr-FR" u="sng" dirty="0" smtClean="0"/>
-              <a:t> existant</a:t>
-            </a:r>
-            <a:r>
-              <a:rPr lang="fr-FR" u="sng" dirty="0" smtClean="0"/>
-              <a:t> </a:t>
-            </a:r>
-            <a:endParaRPr lang="fr-FR" u="sng" dirty="0" smtClean="0"/>
-          </a:p>
-          <a:p>
-            <a:pPr marL="285750" indent="-285750">
-              <a:buFont typeface="Arial" panose="020B0604020202020204" pitchFamily="34" charset="0"/>
-              <a:buChar char="•"/>
-            </a:pPr>
-            <a:r>
-              <a:rPr lang="fr-FR" dirty="0" smtClean="0"/>
-              <a:t>Se connecter le site web : </a:t>
-            </a:r>
-            <a:r>
-              <a:rPr lang="fr-FR" dirty="0"/>
-              <a:t>https://github.com/login </a:t>
-            </a:r>
-            <a:endParaRPr lang="fr-FR" dirty="0" smtClean="0"/>
-          </a:p>
-          <a:p>
-            <a:pPr marL="285750" indent="-285750">
-              <a:buFont typeface="Arial" panose="020B0604020202020204" pitchFamily="34" charset="0"/>
-              <a:buChar char="•"/>
-            </a:pPr>
-            <a:r>
-              <a:rPr lang="fr-FR" dirty="0" smtClean="0"/>
-              <a:t>Rechercher le projet puis le cloner dans son environnement personnel sous </a:t>
-            </a:r>
-            <a:r>
-              <a:rPr lang="fr-FR" dirty="0" err="1" smtClean="0"/>
-              <a:t>github</a:t>
-            </a:r>
-            <a:r>
-              <a:rPr lang="fr-FR" dirty="0" smtClean="0"/>
-              <a:t>. Télécharger éventuellement une archive ZIP des fichiers.</a:t>
-            </a:r>
-          </a:p>
-          <a:p>
-            <a:pPr marL="285750" indent="-285750">
-              <a:buFont typeface="Arial" panose="020B0604020202020204" pitchFamily="34" charset="0"/>
-              <a:buChar char="•"/>
-            </a:pPr>
-            <a:r>
-              <a:rPr lang="fr-FR" dirty="0" smtClean="0"/>
-              <a:t>Le clonage restitue la branche principale du </a:t>
+              <a:rPr lang="fr-FR" dirty="0" smtClean="0"/>
+              <a:t> » (pour être informé des modifications de fichiers) et d’utiliser « Pull </a:t>
+            </a:r>
+            <a:r>
+              <a:rPr lang="fr-FR" dirty="0" err="1" smtClean="0"/>
+              <a:t>requests</a:t>
+            </a:r>
+            <a:r>
+              <a:rPr lang="fr-FR" dirty="0" smtClean="0"/>
+              <a:t> » (pour proposer des modifications de fichiers) et « Pull issue » (pour lever une question sujet à débat).</a:t>
+            </a:r>
+          </a:p>
+          <a:p>
+            <a:endParaRPr lang="fr-FR" dirty="0"/>
+          </a:p>
+          <a:p>
+            <a:r>
+              <a:rPr lang="fr-FR" dirty="0" smtClean="0"/>
+              <a:t>La pratique des commandes GITHUB sous le site web se fait en mode de développement non partagé : la synchronisation « </a:t>
+            </a:r>
+            <a:r>
+              <a:rPr lang="fr-FR" dirty="0" err="1" smtClean="0"/>
+              <a:t>upstream</a:t>
+            </a:r>
+            <a:r>
+              <a:rPr lang="fr-FR" dirty="0" smtClean="0"/>
+              <a:t> » n’est pas mise en place pour la branche principale, même si une protection supplémentaire réside dans l’utilisation d’une branche « </a:t>
+            </a:r>
+            <a:r>
+              <a:rPr lang="fr-FR" dirty="0" err="1" smtClean="0"/>
+              <a:t>dla</a:t>
+            </a:r>
+            <a:r>
+              <a:rPr lang="fr-FR" dirty="0" smtClean="0"/>
+              <a:t>-formation ».</a:t>
+            </a:r>
+          </a:p>
+          <a:p>
+            <a:r>
+              <a:rPr lang="fr-FR" dirty="0" smtClean="0"/>
+              <a:t>Les fichiers « binaires » ne sont pas à mettre sous GITHUB (sauf exception pour les fichiers invariants à prendre tels quels) pour les raisons suivantes :</a:t>
+            </a:r>
+          </a:p>
+          <a:p>
+            <a:pPr marL="285750" indent="-285750">
+              <a:buFontTx/>
+              <a:buChar char="-"/>
+            </a:pPr>
+            <a:r>
+              <a:rPr lang="fr-FR" dirty="0" smtClean="0"/>
+              <a:t>Il doit être possible de les générer au moyen de fichiers source (texte), laissant ainsi la possibilité de les faire évoluer en gestion de configuration</a:t>
+            </a:r>
+          </a:p>
+          <a:p>
+            <a:pPr marL="285750" indent="-285750">
+              <a:buFontTx/>
+              <a:buChar char="-"/>
+            </a:pPr>
+            <a:r>
+              <a:rPr lang="fr-FR" dirty="0" smtClean="0"/>
+              <a:t>GITHUB limite par défaut les </a:t>
             </a:r>
             <a:r>
               <a:rPr lang="fr-FR" dirty="0" err="1" smtClean="0"/>
               <a:t>repository</a:t>
             </a:r>
-            <a:endParaRPr lang="fr-FR" dirty="0" smtClean="0"/>
-          </a:p>
-          <a:p>
-            <a:pPr marL="285750" indent="-285750">
-              <a:buFont typeface="Arial" panose="020B0604020202020204" pitchFamily="34" charset="0"/>
-              <a:buChar char="•"/>
-            </a:pPr>
-            <a:r>
-              <a:rPr lang="fr-FR" dirty="0" smtClean="0"/>
-              <a:t>Remarque : le login est protégé par une demande de code d’identification sur 6 chiffres reçu par email</a:t>
-            </a:r>
-            <a:endParaRPr lang="fr-FR" dirty="0" smtClean="0"/>
-          </a:p>
-          <a:p>
-            <a:pPr marL="285750" indent="-285750">
-              <a:buFont typeface="Wingdings" panose="05000000000000000000" pitchFamily="2" charset="2"/>
-              <a:buChar char="Ø"/>
-            </a:pPr>
-            <a:r>
-              <a:rPr lang="fr-FR" u="sng" dirty="0" smtClean="0"/>
-              <a:t>Création d’une branche</a:t>
-            </a:r>
-            <a:endParaRPr lang="fr-FR" dirty="0" smtClean="0"/>
-          </a:p>
-          <a:p>
-            <a:pPr marL="285750" indent="-285750">
-              <a:buFont typeface="Arial" panose="020B0604020202020204" pitchFamily="34" charset="0"/>
-              <a:buChar char="•"/>
-            </a:pPr>
-            <a:r>
-              <a:rPr lang="fr-FR" dirty="0" smtClean="0"/>
-              <a:t>Il est préférable de se placer en mode de développement multi-utilisateurs en créant une première branche : en haut à gauche (sous la barre (Code?=,.) flèche de bas sur l’icone avec le nom de la branche principale.</a:t>
-            </a:r>
-            <a:endParaRPr lang="fr-FR" dirty="0" smtClean="0"/>
-          </a:p>
-          <a:p>
-            <a:pPr marL="285750" indent="-285750">
-              <a:buFont typeface="Arial" panose="020B0604020202020204" pitchFamily="34" charset="0"/>
-              <a:buChar char="•"/>
-            </a:pPr>
-            <a:r>
-              <a:rPr lang="fr-FR" dirty="0" smtClean="0"/>
-              <a:t>Remarque : toujours de placer dans cette branche de développement</a:t>
-            </a:r>
-          </a:p>
-          <a:p>
-            <a:pPr marL="285750" indent="-285750">
-              <a:buFont typeface="Wingdings" panose="05000000000000000000" pitchFamily="2" charset="2"/>
-              <a:buChar char="Ø"/>
-            </a:pPr>
-            <a:r>
-              <a:rPr lang="fr-FR" u="sng" dirty="0" smtClean="0"/>
-              <a:t>Ajout de fichier</a:t>
+            <a:r>
+              <a:rPr lang="fr-FR" dirty="0" smtClean="0"/>
+              <a:t> à 1 Go et les fichiers à 100 Mo (25 Mo pour un drag/drop via navigateur) pour des raisons de performance de clonage et limitation de taille des archives</a:t>
+            </a:r>
+          </a:p>
+          <a:p>
+            <a:r>
+              <a:rPr lang="fr-FR" dirty="0" smtClean="0"/>
+              <a:t>Il est possible de ne pas gérer en configuration des fichiers, pour cela utiliser des fichiers « .</a:t>
+            </a:r>
+            <a:r>
+              <a:rPr lang="fr-FR" dirty="0" err="1" smtClean="0"/>
+              <a:t>gitignore</a:t>
+            </a:r>
+            <a:r>
+              <a:rPr lang="fr-FR" dirty="0" smtClean="0"/>
+              <a:t> » comme expliqué ici </a:t>
+            </a:r>
+            <a:r>
+              <a:rPr lang="fr-FR" dirty="0">
+                <a:hlinkClick r:id="rId3"/>
+              </a:rPr>
+              <a:t>https://</a:t>
+            </a:r>
+            <a:r>
+              <a:rPr lang="fr-FR" dirty="0" smtClean="0">
+                <a:hlinkClick r:id="rId3"/>
+              </a:rPr>
+              <a:t>docs.github.com/en/free-pro-team@latest/github/using-git/ignoring-files</a:t>
+            </a:r>
+            <a:r>
+              <a:rPr lang="fr-FR" dirty="0" smtClean="0"/>
+              <a:t> . Pour la branche, cela ne sera pas nécessaire (aucun fichier à ignorer).</a:t>
             </a:r>
             <a:endParaRPr lang="fr-FR" dirty="0"/>
-          </a:p>
-          <a:p>
-            <a:pPr marL="285750" indent="-285750">
-              <a:buFont typeface="Arial" panose="020B0604020202020204" pitchFamily="34" charset="0"/>
-              <a:buChar char="•"/>
-            </a:pPr>
-            <a:r>
-              <a:rPr lang="fr-FR" dirty="0" smtClean="0"/>
-              <a:t>Se placer dans le bon répertoire puis  menu déroulant de </a:t>
-            </a:r>
-            <a:r>
-              <a:rPr lang="fr-FR" dirty="0" err="1" smtClean="0"/>
-              <a:t>Add</a:t>
-            </a:r>
-            <a:r>
-              <a:rPr lang="fr-FR" dirty="0" smtClean="0"/>
-              <a:t> file pour « </a:t>
-            </a:r>
-            <a:r>
-              <a:rPr lang="fr-FR" dirty="0" err="1" smtClean="0"/>
-              <a:t>Upload</a:t>
-            </a:r>
-            <a:r>
-              <a:rPr lang="fr-FR" dirty="0" smtClean="0"/>
-              <a:t> files »</a:t>
-            </a:r>
-          </a:p>
-          <a:p>
-            <a:pPr marL="285750" indent="-285750">
-              <a:buFont typeface="Arial" panose="020B0604020202020204" pitchFamily="34" charset="0"/>
-              <a:buChar char="•"/>
-            </a:pPr>
-            <a:r>
-              <a:rPr lang="fr-FR" dirty="0" smtClean="0"/>
-              <a:t>Ne pas oublier de cliquer sur « Commit Files » après avoir chargé le fichier</a:t>
-            </a:r>
-            <a:endParaRPr lang="fr-FR" dirty="0" smtClean="0"/>
           </a:p>
         </p:txBody>
       </p:sp>
     </p:spTree>
     <p:extLst>
       <p:ext uri="{BB962C8B-B14F-4D97-AF65-F5344CB8AC3E}">
-        <p14:creationId xmlns:p14="http://schemas.microsoft.com/office/powerpoint/2010/main" val="3837051972"/>
+        <p14:creationId xmlns:p14="http://schemas.microsoft.com/office/powerpoint/2010/main" val="1734813465"/>
       </p:ext>
     </p:extLst>
   </p:cSld>
@@ -4397,16 +7181,22 @@
         <p:spPr>
           <a:xfrm>
             <a:off x="839788" y="457200"/>
-            <a:ext cx="3932237" cy="909145"/>
+            <a:ext cx="7191849" cy="909145"/>
           </a:xfrm>
         </p:spPr>
         <p:txBody>
-          <a:bodyPr/>
+          <a:bodyPr>
+            <a:normAutofit/>
+          </a:bodyPr>
           <a:lstStyle/>
           <a:p>
             <a:r>
               <a:rPr lang="fr-FR" dirty="0" smtClean="0"/>
-              <a:t>Signature numérique</a:t>
+              <a:t>Mode d’emploi GITHUB / GIT - </a:t>
+            </a:r>
+            <a:r>
+              <a:rPr lang="fr-FR" dirty="0" err="1" smtClean="0"/>
+              <a:t>Repository</a:t>
             </a:r>
             <a:endParaRPr lang="fr-FR" dirty="0"/>
           </a:p>
@@ -4459,18 +7249,37 @@
         </p:spPr>
         <p:txBody>
           <a:bodyPr>
-            <a:normAutofit fontScale="77500" lnSpcReduction="20000"/>
+            <a:normAutofit fontScale="62500" lnSpcReduction="20000"/>
           </a:bodyPr>
           <a:lstStyle/>
           <a:p>
+            <a:r>
+              <a:rPr lang="fr-FR" dirty="0"/>
+              <a:t>Un </a:t>
+            </a:r>
+            <a:r>
+              <a:rPr lang="fr-FR" dirty="0" smtClean="0"/>
+              <a:t>« </a:t>
+            </a:r>
+            <a:r>
+              <a:rPr lang="fr-FR" b="1" dirty="0" err="1" smtClean="0"/>
+              <a:t>repository</a:t>
+            </a:r>
+            <a:r>
+              <a:rPr lang="fr-FR" dirty="0" smtClean="0"/>
+              <a:t> » est un espace fichiers de gestion de configuration pour un projet. Il contient des fichiers de tout type, principalement de documentation, de code source et de fichiers binaires librairies ou exécutables.</a:t>
+            </a:r>
+          </a:p>
+          <a:p>
             <a:pPr marL="285750" indent="-285750">
               <a:buFont typeface="Wingdings" panose="05000000000000000000" pitchFamily="2" charset="2"/>
               <a:buChar char="Ø"/>
             </a:pPr>
             <a:r>
               <a:rPr lang="fr-FR" u="sng" dirty="0" smtClean="0"/>
-              <a:t>Deux services fondamentaux </a:t>
-            </a:r>
+              <a:t>Création initiale</a:t>
+            </a:r>
+            <a:endParaRPr lang="fr-FR" u="sng" dirty="0"/>
           </a:p>
           <a:p>
             <a:pPr marL="285750" indent="-285750">
@@ -4478,12 +7287,24 @@
               <a:buChar char="•"/>
             </a:pPr>
             <a:r>
-              <a:rPr lang="fr-FR" b="1" dirty="0" smtClean="0"/>
-              <a:t>authentification</a:t>
-            </a:r>
-            <a:r>
-              <a:rPr lang="fr-FR" dirty="0" smtClean="0"/>
-              <a:t> de l’émetteur</a:t>
+              <a:rPr lang="fr-FR" dirty="0" smtClean="0"/>
+              <a:t>Utiliser le menu « </a:t>
+            </a:r>
+            <a:r>
+              <a:rPr lang="fr-FR" dirty="0" err="1" smtClean="0"/>
+              <a:t>Create</a:t>
+            </a:r>
+            <a:r>
+              <a:rPr lang="fr-FR" dirty="0" smtClean="0"/>
+              <a:t> a </a:t>
+            </a:r>
+            <a:r>
+              <a:rPr lang="fr-FR" dirty="0" err="1" smtClean="0"/>
+              <a:t>Repository</a:t>
+            </a:r>
+            <a:r>
+              <a:rPr lang="fr-FR" dirty="0" smtClean="0"/>
+              <a:t> » et donner un nom</a:t>
             </a:r>
           </a:p>
           <a:p>
@@ -4492,12 +7313,16 @@
               <a:buChar char="•"/>
             </a:pPr>
             <a:r>
-              <a:rPr lang="fr-FR" b="1" dirty="0" smtClean="0"/>
-              <a:t>non altération </a:t>
-            </a:r>
-            <a:r>
-              <a:rPr lang="fr-FR" dirty="0" smtClean="0"/>
-              <a:t>des données jointes</a:t>
+              <a:rPr lang="fr-FR" dirty="0" smtClean="0"/>
+              <a:t>Renseigner la description et le rendre « Public » (il y a d’autres modes de partages « </a:t>
+            </a:r>
+            <a:r>
+              <a:rPr lang="fr-FR" dirty="0" err="1" smtClean="0"/>
+              <a:t>visibility</a:t>
+            </a:r>
+            <a:r>
+              <a:rPr lang="fr-FR" dirty="0" smtClean="0"/>
+              <a:t> », mais Public est plus formateur pour le développement collaboratif)</a:t>
             </a:r>
           </a:p>
           <a:p>
@@ -4505,7 +7330,103 @@
               <a:buFont typeface="Arial" panose="020B0604020202020204" pitchFamily="34" charset="0"/>
               <a:buChar char="•"/>
             </a:pPr>
+            <a:r>
+              <a:rPr lang="fr-FR" dirty="0" smtClean="0"/>
+              <a:t>Cliquer sur le bouton </a:t>
+            </a:r>
+            <a:r>
+              <a:rPr lang="fr-FR" dirty="0" err="1" smtClean="0"/>
+              <a:t>CreateRepository</a:t>
+            </a:r>
             <a:endParaRPr lang="fr-FR" dirty="0" smtClean="0"/>
+          </a:p>
+          <a:p>
+            <a:pPr marL="285750" indent="-285750">
+              <a:buFont typeface="Arial" panose="020B0604020202020204" pitchFamily="34" charset="0"/>
+              <a:buChar char="•"/>
+            </a:pPr>
+            <a:r>
+              <a:rPr lang="fr-FR" dirty="0" smtClean="0"/>
+              <a:t>Une </a:t>
+            </a:r>
+            <a:r>
+              <a:rPr lang="fr-FR" b="1" dirty="0" smtClean="0"/>
+              <a:t>branche principale</a:t>
+            </a:r>
+            <a:r>
+              <a:rPr lang="fr-FR" dirty="0" smtClean="0"/>
+              <a:t> « main » et un fichier README.md (fichier texte, format </a:t>
+            </a:r>
+            <a:r>
+              <a:rPr lang="fr-FR" dirty="0" err="1" smtClean="0"/>
+              <a:t>MarkDown</a:t>
+            </a:r>
+            <a:r>
+              <a:rPr lang="fr-FR" dirty="0" smtClean="0"/>
+              <a:t>) dans cette branche ont été créés automatiquement.</a:t>
+            </a:r>
+          </a:p>
+          <a:p>
+            <a:pPr marL="285750" indent="-285750">
+              <a:buFont typeface="Arial" panose="020B0604020202020204" pitchFamily="34" charset="0"/>
+              <a:buChar char="•"/>
+            </a:pPr>
+            <a:r>
+              <a:rPr lang="fr-FR" dirty="0" smtClean="0"/>
+              <a:t>Le fichier README.md contient la description saisie.</a:t>
+            </a:r>
+          </a:p>
+          <a:p>
+            <a:pPr marL="285750" indent="-285750">
+              <a:buFont typeface="Arial" panose="020B0604020202020204" pitchFamily="34" charset="0"/>
+              <a:buChar char="•"/>
+            </a:pPr>
+            <a:r>
+              <a:rPr lang="fr-FR" dirty="0" smtClean="0"/>
+              <a:t>Se reporter à </a:t>
+            </a:r>
+            <a:r>
+              <a:rPr lang="fr-FR" dirty="0" smtClean="0">
+                <a:hlinkClick r:id="rId3"/>
+              </a:rPr>
+              <a:t>https</a:t>
+            </a:r>
+            <a:r>
+              <a:rPr lang="fr-FR" dirty="0">
+                <a:hlinkClick r:id="rId3"/>
+              </a:rPr>
+              <a:t>://github.github.com/gfm</a:t>
+            </a:r>
+            <a:r>
+              <a:rPr lang="fr-FR" dirty="0" smtClean="0">
+                <a:hlinkClick r:id="rId3"/>
+              </a:rPr>
+              <a:t>/</a:t>
+            </a:r>
+            <a:r>
+              <a:rPr lang="fr-FR" dirty="0" smtClean="0"/>
+              <a:t>  pour la syntaxe </a:t>
+            </a:r>
+            <a:r>
+              <a:rPr lang="fr-FR" dirty="0" err="1" smtClean="0"/>
+              <a:t>Markdown</a:t>
+            </a:r>
+            <a:r>
+              <a:rPr lang="fr-FR" dirty="0" smtClean="0"/>
+              <a:t> à la sauce (« </a:t>
+            </a:r>
+            <a:r>
+              <a:rPr lang="fr-FR" dirty="0" err="1" smtClean="0"/>
+              <a:t>fkavor</a:t>
+            </a:r>
+            <a:r>
+              <a:rPr lang="fr-FR" dirty="0" smtClean="0"/>
+              <a:t> ») GITHUB.</a:t>
+            </a:r>
+            <a:endParaRPr lang="fr-FR" dirty="0"/>
+          </a:p>
+          <a:p>
+            <a:endParaRPr lang="fr-FR" dirty="0"/>
           </a:p>
           <a:p>
             <a:pPr marL="285750" indent="-285750">
@@ -4513,21 +7434,14 @@
               <a:buChar char="Ø"/>
             </a:pPr>
             <a:r>
+              <a:rPr lang="fr-FR" u="sng" dirty="0"/>
+              <a:t>Création </a:t>
+            </a:r>
+            <a:r>
               <a:rPr lang="fr-FR" u="sng" dirty="0" smtClean="0"/>
-              <a:t>Chiffrement </a:t>
-            </a:r>
-            <a:r>
-              <a:rPr lang="fr-FR" sz="1500" u="sng" dirty="0" smtClean="0"/>
-              <a:t>asymétrique</a:t>
-            </a:r>
-            <a:r>
-              <a:rPr lang="fr-FR" sz="1500" dirty="0" smtClean="0"/>
-              <a:t>   (clé p</a:t>
-            </a:r>
-            <a:r>
-              <a:rPr lang="fr-FR" dirty="0" smtClean="0"/>
-              <a:t>rivées difficilement calculables) :</a:t>
-            </a:r>
+              <a:t>de nouvelle branche</a:t>
+            </a:r>
+            <a:endParaRPr lang="fr-FR" u="sng" dirty="0"/>
           </a:p>
           <a:p>
             <a:pPr marL="285750" indent="-285750">
@@ -4536,39 +7450,7 @@
             </a:pPr>
             <a:r>
               <a:rPr lang="fr-FR" dirty="0" smtClean="0"/>
-              <a:t>- </a:t>
-            </a:r>
-            <a:r>
-              <a:rPr lang="fr-FR" dirty="0"/>
-              <a:t>Clés : clé de chiffrement (</a:t>
-            </a:r>
-            <a:r>
-              <a:rPr lang="fr-FR" dirty="0" err="1" smtClean="0"/>
-              <a:t>Kc</a:t>
-            </a:r>
-            <a:r>
-              <a:rPr lang="fr-FR" dirty="0" smtClean="0"/>
-              <a:t>), </a:t>
-            </a:r>
-            <a:r>
-              <a:rPr lang="fr-FR" dirty="0"/>
-              <a:t>clé publique (</a:t>
-            </a:r>
-            <a:r>
-              <a:rPr lang="fr-FR" dirty="0" err="1"/>
-              <a:t>Kpub</a:t>
-            </a:r>
-            <a:r>
-              <a:rPr lang="fr-FR" dirty="0"/>
-              <a:t>), clé de déchiffrement (</a:t>
-            </a:r>
-            <a:r>
-              <a:rPr lang="fr-FR" dirty="0" err="1" smtClean="0"/>
-              <a:t>Kd</a:t>
-            </a:r>
-            <a:r>
-              <a:rPr lang="fr-FR" dirty="0" smtClean="0"/>
-              <a:t>)</a:t>
+              <a:t>Elle se fait par la commande « Fork » mais celle-ci crée la branche vide sans fichiers. Pour remplir il faut utiliser la commande « Clone » qui duplique les fichiers.</a:t>
             </a:r>
           </a:p>
           <a:p>
@@ -4576,6 +7458,20 @@
               <a:buFont typeface="Arial" panose="020B0604020202020204" pitchFamily="34" charset="0"/>
               <a:buChar char="•"/>
             </a:pPr>
+            <a:r>
+              <a:rPr lang="fr-FR" dirty="0" smtClean="0"/>
+              <a:t>Il est possible par ligne de commandes GIT de synchroniser les modifications d’autres collaborateurs dans sa branche (« </a:t>
+            </a:r>
+            <a:r>
+              <a:rPr lang="fr-FR" dirty="0" err="1" smtClean="0"/>
+              <a:t>upstream</a:t>
+            </a:r>
+            <a:r>
+              <a:rPr lang="fr-FR" dirty="0" smtClean="0"/>
+              <a:t> »). Non utilisé, surtout en mode auto-formation.</a:t>
+            </a:r>
+          </a:p>
+          <a:p>
             <a:endParaRPr lang="fr-FR" dirty="0"/>
           </a:p>
           <a:p>
@@ -4584,14 +7480,17 @@
               <a:buChar char="Ø"/>
             </a:pPr>
             <a:r>
-              <a:rPr lang="fr-FR" u="sng" dirty="0"/>
-              <a:t>Principe </a:t>
-            </a:r>
-            <a:r>
               <a:rPr lang="fr-FR" u="sng" dirty="0" smtClean="0"/>
-              <a:t>d’envoi  de données signées</a:t>
-            </a:r>
-            <a:endParaRPr lang="fr-FR" dirty="0"/>
+              <a:t>Clonage de </a:t>
+            </a:r>
+            <a:r>
+              <a:rPr lang="fr-FR" u="sng" dirty="0" err="1" smtClean="0"/>
+              <a:t>repository</a:t>
+            </a:r>
+            <a:r>
+              <a:rPr lang="fr-FR" u="sng" dirty="0" smtClean="0"/>
+              <a:t> existant </a:t>
+            </a:r>
           </a:p>
           <a:p>
             <a:pPr marL="285750" indent="-285750">
@@ -4600,11 +7499,15 @@
             </a:pPr>
             <a:r>
               <a:rPr lang="fr-FR" dirty="0" smtClean="0"/>
-              <a:t>application </a:t>
-            </a:r>
-            <a:r>
-              <a:rPr lang="fr-FR" dirty="0"/>
-              <a:t>d’une fonction de « hachage » sur les données</a:t>
+              <a:t>Rechercher le projet puis le cloner dans son environnement personnel sous </a:t>
+            </a:r>
+            <a:r>
+              <a:rPr lang="fr-FR" dirty="0" err="1" smtClean="0"/>
+              <a:t>github</a:t>
+            </a:r>
+            <a:r>
+              <a:rPr lang="fr-FR" dirty="0" smtClean="0"/>
+              <a:t>. Télécharger éventuellement une archive ZIP des fichiers.</a:t>
             </a:r>
           </a:p>
           <a:p>
@@ -4614,159 +7517,20 @@
             </a:pPr>
             <a:r>
               <a:rPr lang="fr-FR" dirty="0" smtClean="0"/>
-              <a:t>chiffrement </a:t>
-            </a:r>
-            <a:r>
-              <a:rPr lang="fr-FR" dirty="0"/>
-              <a:t>du </a:t>
-            </a:r>
-            <a:r>
-              <a:rPr lang="fr-FR" dirty="0" smtClean="0"/>
-              <a:t>résultat « empreinte » ( =hash) avec </a:t>
-            </a:r>
-            <a:r>
-              <a:rPr lang="fr-FR" dirty="0" err="1" smtClean="0"/>
-              <a:t>Kc</a:t>
-            </a:r>
-            <a:r>
-              <a:rPr lang="fr-FR" dirty="0" smtClean="0"/>
-              <a:t> + </a:t>
-            </a:r>
-            <a:r>
-              <a:rPr lang="fr-FR" dirty="0" err="1" smtClean="0"/>
-              <a:t>Kpub</a:t>
+              <a:t>Le clonage restitue la branche principale du </a:t>
+            </a:r>
+            <a:r>
+              <a:rPr lang="fr-FR" dirty="0" err="1" smtClean="0"/>
+              <a:t>repository</a:t>
             </a:r>
             <a:endParaRPr lang="fr-FR" dirty="0" smtClean="0"/>
-          </a:p>
-          <a:p>
-            <a:pPr marL="285750" indent="-285750">
-              <a:buFont typeface="Arial" panose="020B0604020202020204" pitchFamily="34" charset="0"/>
-              <a:buChar char="•"/>
-            </a:pPr>
-            <a:r>
-              <a:rPr lang="fr-FR" dirty="0"/>
-              <a:t>e</a:t>
-            </a:r>
-            <a:r>
-              <a:rPr lang="fr-FR" dirty="0" smtClean="0"/>
-              <a:t>nvoi  groupé des données et empreinte</a:t>
-            </a:r>
-          </a:p>
-          <a:p>
-            <a:endParaRPr lang="fr-FR" dirty="0" smtClean="0"/>
-          </a:p>
-          <a:p>
-            <a:pPr marL="285750" indent="-285750">
-              <a:buFont typeface="Wingdings" panose="05000000000000000000" pitchFamily="2" charset="2"/>
-              <a:buChar char="Ø"/>
-            </a:pPr>
-            <a:r>
-              <a:rPr lang="fr-FR" sz="1500" u="sng" dirty="0"/>
-              <a:t>Principe </a:t>
-            </a:r>
-            <a:r>
-              <a:rPr lang="fr-FR" sz="1500" u="sng" dirty="0" smtClean="0"/>
-              <a:t>de réception  </a:t>
-            </a:r>
-            <a:r>
-              <a:rPr lang="fr-FR" sz="1500" u="sng" dirty="0"/>
-              <a:t>de données </a:t>
-            </a:r>
-            <a:r>
-              <a:rPr lang="fr-FR" sz="1500" u="sng" dirty="0" smtClean="0"/>
-              <a:t>signées</a:t>
-            </a:r>
-            <a:endParaRPr lang="fr-FR" sz="1500" dirty="0"/>
-          </a:p>
-          <a:p>
-            <a:pPr marL="285750" indent="-285750">
-              <a:buFont typeface="Arial" panose="020B0604020202020204" pitchFamily="34" charset="0"/>
-              <a:buChar char="•"/>
-            </a:pPr>
-            <a:r>
-              <a:rPr lang="fr-FR" dirty="0"/>
-              <a:t>r</a:t>
-            </a:r>
-            <a:r>
-              <a:rPr lang="fr-FR" dirty="0" smtClean="0"/>
-              <a:t>éception des données et empreinte</a:t>
-            </a:r>
-          </a:p>
-          <a:p>
-            <a:pPr marL="285750" indent="-285750">
-              <a:buFont typeface="Arial" panose="020B0604020202020204" pitchFamily="34" charset="0"/>
-              <a:buChar char="•"/>
-            </a:pPr>
-            <a:r>
-              <a:rPr lang="fr-FR" dirty="0"/>
-              <a:t>h</a:t>
-            </a:r>
-            <a:r>
-              <a:rPr lang="fr-FR" dirty="0" smtClean="0"/>
-              <a:t>achage sur </a:t>
-            </a:r>
-            <a:r>
-              <a:rPr lang="fr-FR" dirty="0"/>
-              <a:t>les </a:t>
-            </a:r>
-            <a:r>
-              <a:rPr lang="fr-FR" dirty="0" smtClean="0"/>
-              <a:t>données pour produite « empreinte » calculée</a:t>
-            </a:r>
-            <a:endParaRPr lang="fr-FR" dirty="0"/>
-          </a:p>
-          <a:p>
-            <a:pPr marL="285750" indent="-285750">
-              <a:buFont typeface="Arial" panose="020B0604020202020204" pitchFamily="34" charset="0"/>
-              <a:buChar char="•"/>
-            </a:pPr>
-            <a:r>
-              <a:rPr lang="fr-FR" dirty="0" smtClean="0"/>
-              <a:t>déchiffrement de l’ «</a:t>
-            </a:r>
-            <a:r>
-              <a:rPr lang="fr-FR" dirty="0"/>
-              <a:t> empreinte » </a:t>
-            </a:r>
-            <a:r>
-              <a:rPr lang="fr-FR" dirty="0" smtClean="0"/>
-              <a:t>reçue avec </a:t>
-            </a:r>
-            <a:r>
-              <a:rPr lang="fr-FR" dirty="0" err="1" smtClean="0"/>
-              <a:t>Kd</a:t>
-            </a:r>
-            <a:r>
-              <a:rPr lang="fr-FR" dirty="0" smtClean="0"/>
-              <a:t> + </a:t>
-            </a:r>
-            <a:r>
-              <a:rPr lang="fr-FR" dirty="0" err="1" smtClean="0"/>
-              <a:t>Kpub</a:t>
-            </a:r>
-            <a:endParaRPr lang="fr-FR" dirty="0" smtClean="0"/>
-          </a:p>
-          <a:p>
-            <a:pPr marL="285750" indent="-285750">
-              <a:buFont typeface="Arial" panose="020B0604020202020204" pitchFamily="34" charset="0"/>
-              <a:buChar char="•"/>
-            </a:pPr>
-            <a:r>
-              <a:rPr lang="fr-FR" dirty="0"/>
-              <a:t>s</a:t>
-            </a:r>
-            <a:r>
-              <a:rPr lang="fr-FR" dirty="0" smtClean="0"/>
-              <a:t>i les deux empreintes sont identiques, les données sont « authentiques »</a:t>
-            </a:r>
-            <a:endParaRPr lang="fr-FR" dirty="0"/>
           </a:p>
         </p:txBody>
       </p:sp>
     </p:spTree>
     <p:extLst>
       <p:ext uri="{BB962C8B-B14F-4D97-AF65-F5344CB8AC3E}">
-        <p14:creationId xmlns:p14="http://schemas.microsoft.com/office/powerpoint/2010/main" val="3408312722"/>
+        <p14:creationId xmlns:p14="http://schemas.microsoft.com/office/powerpoint/2010/main" val="3837051972"/>
       </p:ext>
     </p:extLst>
   </p:cSld>
@@ -4813,16 +7577,18 @@
         <p:spPr>
           <a:xfrm>
             <a:off x="839788" y="457200"/>
-            <a:ext cx="3932237" cy="909145"/>
+            <a:ext cx="6183181" cy="909145"/>
           </a:xfrm>
         </p:spPr>
         <p:txBody>
-          <a:bodyPr/>
+          <a:bodyPr>
+            <a:normAutofit fontScale="90000"/>
+          </a:bodyPr>
           <a:lstStyle/>
           <a:p>
             <a:r>
               <a:rPr lang="fr-FR" dirty="0" smtClean="0"/>
-              <a:t>Hachage</a:t>
+              <a:t>Mode d’emploi GITHUB / GIT – Branche</a:t>
             </a:r>
             <a:endParaRPr lang="fr-FR" dirty="0"/>
           </a:p>
@@ -4869,31 +7635,73 @@
         </p:nvSpPr>
         <p:spPr>
           <a:xfrm>
-            <a:off x="1078350" y="1629103"/>
-            <a:ext cx="6247359" cy="5079057"/>
+            <a:off x="1078350" y="1629104"/>
+            <a:ext cx="6247359" cy="4635062"/>
           </a:xfrm>
         </p:spPr>
         <p:txBody>
           <a:bodyPr>
-            <a:normAutofit fontScale="85000" lnSpcReduction="20000"/>
+            <a:normAutofit fontScale="92500"/>
           </a:bodyPr>
           <a:lstStyle/>
           <a:p>
+            <a:r>
+              <a:rPr lang="fr-FR" dirty="0" smtClean="0"/>
+              <a:t>Une </a:t>
+            </a:r>
+            <a:r>
+              <a:rPr lang="fr-FR" dirty="0"/>
+              <a:t>« </a:t>
+            </a:r>
+            <a:r>
+              <a:rPr lang="fr-FR" dirty="0" smtClean="0"/>
+              <a:t>branche</a:t>
+            </a:r>
+            <a:r>
+              <a:rPr lang="fr-FR" dirty="0"/>
+              <a:t> » </a:t>
+            </a:r>
+            <a:r>
+              <a:rPr lang="fr-FR" dirty="0" smtClean="0"/>
+              <a:t>(de développement) est un groupe de fichiers en cours avec un contenu spécifique à cette branche.</a:t>
+            </a:r>
+          </a:p>
+          <a:p>
+            <a:r>
+              <a:rPr lang="fr-FR" dirty="0"/>
+              <a:t>Une « branche </a:t>
+            </a:r>
+            <a:r>
+              <a:rPr lang="fr-FR" dirty="0" smtClean="0"/>
+              <a:t>principale » existe toujours et regroupe l’ensemble des fichiers du projet avec un contenu stabilisé (étiqueté, daté, vérifié conforme).;</a:t>
+            </a:r>
+          </a:p>
+          <a:p>
+            <a:r>
+              <a:rPr lang="fr-FR" dirty="0" smtClean="0"/>
+              <a:t>La première étape pour un développeur est de créer une branche secondaire copie de la branche principale, où il pourra modifier tout ou partie des fichiers.</a:t>
+            </a:r>
+            <a:endParaRPr lang="fr-FR" u="sng" dirty="0" smtClean="0"/>
+          </a:p>
+          <a:p>
+            <a:pPr marL="285750" indent="-285750">
+              <a:buFont typeface="Wingdings" panose="05000000000000000000" pitchFamily="2" charset="2"/>
+              <a:buChar char="Ø"/>
+            </a:pPr>
+            <a:r>
+              <a:rPr lang="fr-FR" u="sng" dirty="0" smtClean="0"/>
+              <a:t>Création d’une branche</a:t>
+            </a:r>
+            <a:endParaRPr lang="fr-FR" dirty="0" smtClean="0"/>
+          </a:p>
+          <a:p>
             <a:pPr marL="285750" indent="-285750">
               <a:buFont typeface="Arial" panose="020B0604020202020204" pitchFamily="34" charset="0"/>
               <a:buChar char="•"/>
             </a:pPr>
             <a:r>
-              <a:rPr lang="fr-FR" dirty="0"/>
-              <a:t>Une fonction de hachage (« hash »)  est une fonction </a:t>
-            </a:r>
-            <a:r>
-              <a:rPr lang="fr-FR" dirty="0" smtClean="0"/>
-              <a:t>H appliquée </a:t>
-            </a:r>
-            <a:r>
-              <a:rPr lang="fr-FR" dirty="0"/>
-              <a:t>sur une donnée (usuellement un bloc binaire m de l octets) retournant un identifiant (usuellement une valeur numérique entière H(m) comprise entre 0 et n-1).</a:t>
+              <a:rPr lang="fr-FR" dirty="0" smtClean="0"/>
+              <a:t>Il est préférable de se placer en mode de développement multi-utilisateurs en créant une première branche : en haut à gauche (sous la barre (Code?=,.) flèche de bas sur l’icone avec le nom de la branche principale.</a:t>
             </a:r>
           </a:p>
           <a:p>
@@ -4903,8 +7711,23 @@
             </a:pPr>
             <a:r>
               <a:rPr lang="fr-FR" dirty="0" smtClean="0"/>
-              <a:t>L’entier H(m) sert d’ordinaire d’indice dans un tableau : clair( H(m) ) = (m, informations(m))</a:t>
-            </a:r>
+              <a:t>Remarque importante : </a:t>
+            </a:r>
+            <a:r>
+              <a:rPr lang="fr-FR" b="1" dirty="0" smtClean="0"/>
+              <a:t>toujours de placer dans cette branche de développement</a:t>
+            </a:r>
+          </a:p>
+          <a:p>
+            <a:pPr marL="285750" indent="-285750">
+              <a:buFont typeface="Wingdings" panose="05000000000000000000" pitchFamily="2" charset="2"/>
+              <a:buChar char="Ø"/>
+            </a:pPr>
+            <a:r>
+              <a:rPr lang="fr-FR" u="sng" dirty="0" smtClean="0"/>
+              <a:t>Ajout de fichier</a:t>
+            </a:r>
+            <a:endParaRPr lang="fr-FR" dirty="0"/>
           </a:p>
           <a:p>
             <a:pPr marL="285750" indent="-285750">
@@ -4913,7 +7736,23 @@
             </a:pPr>
             <a:r>
               <a:rPr lang="fr-FR" dirty="0" smtClean="0"/>
-              <a:t>La fonction peut produire des doublons (H(m1) = H(m2) avec m1 différent de m2). Dans ce cas les données m1,m2,.. sont rangés séquentiellement dans le tableau. Alternative : H(m) contient une valeur d’une autre fonction de hachage.</a:t>
+              <a:t>Se placer dans le bon répertoire puis  menu déroulant de </a:t>
+            </a:r>
+            <a:r>
+              <a:rPr lang="fr-FR" dirty="0" err="1" smtClean="0"/>
+              <a:t>Add</a:t>
+            </a:r>
+            <a:r>
+              <a:rPr lang="fr-FR" dirty="0" smtClean="0"/>
+              <a:t> file pour « </a:t>
+            </a:r>
+            <a:r>
+              <a:rPr lang="fr-FR" dirty="0" err="1" smtClean="0"/>
+              <a:t>Upload</a:t>
+            </a:r>
+            <a:r>
+              <a:rPr lang="fr-FR" dirty="0" smtClean="0"/>
+              <a:t> files »</a:t>
             </a:r>
           </a:p>
           <a:p>
@@ -4923,63 +7762,7 @@
             </a:pPr>
             <a:r>
               <a:rPr lang="fr-FR" dirty="0" smtClean="0"/>
-              <a:t>L’existence de doublons interdit de deviner à coup sûr la donnée m à partir de la valeur de hachage H(m). La qualité de la fonction H est une probabilité faible de doublon pour deux données m1,m2 choisies aléatoirement dans  un ensemble de données.</a:t>
-            </a:r>
-          </a:p>
-          <a:p>
-            <a:pPr marL="285750" indent="-285750">
-              <a:buFont typeface="Arial" panose="020B0604020202020204" pitchFamily="34" charset="0"/>
-              <a:buChar char="•"/>
-            </a:pPr>
-            <a:r>
-              <a:rPr lang="fr-FR" dirty="0" smtClean="0"/>
-              <a:t>Le hachage est une méthode pour accélérer la recherche des informations sur une donnée m mais c’est aussi une caractéristique calculée de m, une </a:t>
-            </a:r>
-            <a:r>
-              <a:rPr lang="fr-FR" b="1" dirty="0" smtClean="0"/>
-              <a:t>signature numérique </a:t>
-            </a:r>
-            <a:r>
-              <a:rPr lang="fr-FR" dirty="0" smtClean="0"/>
-              <a:t>de celle-ci. Elle peut être vue comme un condensat, un résumé de m.</a:t>
-            </a:r>
-          </a:p>
-          <a:p>
-            <a:pPr marL="285750" indent="-285750">
-              <a:buFont typeface="Arial" panose="020B0604020202020204" pitchFamily="34" charset="0"/>
-              <a:buChar char="•"/>
-            </a:pPr>
-            <a:r>
-              <a:rPr lang="fr-FR" dirty="0" smtClean="0"/>
-              <a:t>La fonction principale de la signature numérique H est de prouver la non-intégrité d’une donnée corrompue m…..comme un test ADN qui permet d’exclure des suspects innocents.</a:t>
-            </a:r>
-          </a:p>
-          <a:p>
-            <a:pPr marL="285750" indent="-285750">
-              <a:buFont typeface="Arial" panose="020B0604020202020204" pitchFamily="34" charset="0"/>
-              <a:buChar char="•"/>
-            </a:pPr>
-            <a:r>
-              <a:rPr lang="fr-FR" dirty="0" smtClean="0"/>
-              <a:t>Exemple de hachage avec une </a:t>
-            </a:r>
-            <a:r>
-              <a:rPr lang="fr-FR" b="1" dirty="0" smtClean="0"/>
-              <a:t>somme de contrôle </a:t>
-            </a:r>
-            <a:r>
-              <a:rPr lang="fr-FR" dirty="0" smtClean="0"/>
-              <a:t>:  calculer la somme modulo 2 d’un entier m, H(m) = 0 si l’entier est pair et H(m) = 1 si l’entier est impair.</a:t>
-            </a:r>
-          </a:p>
-          <a:p>
-            <a:pPr marL="285750" indent="-285750">
-              <a:buFont typeface="Arial" panose="020B0604020202020204" pitchFamily="34" charset="0"/>
-              <a:buChar char="•"/>
-            </a:pPr>
-            <a:r>
-              <a:rPr lang="fr-FR" dirty="0" smtClean="0"/>
-              <a:t>Des sommes de contrôles ont été définies pour permettre une détection des erreurs dans la données. Exemple : CRC basé sur le reste de division de polynômes à coefficient entiers.</a:t>
+              <a:t>Ne pas oublier de cliquer sur « Commit Files » après avoir chargé le fichier</a:t>
             </a:r>
           </a:p>
         </p:txBody>
@@ -4987,7 +7770,7 @@
     </p:spTree>
     <p:extLst>
       <p:ext uri="{BB962C8B-B14F-4D97-AF65-F5344CB8AC3E}">
-        <p14:creationId xmlns:p14="http://schemas.microsoft.com/office/powerpoint/2010/main" val="2283665988"/>
+        <p14:creationId xmlns:p14="http://schemas.microsoft.com/office/powerpoint/2010/main" val="4052264761"/>
       </p:ext>
     </p:extLst>
   </p:cSld>
@@ -5033,8 +7816,8 @@
         </p:nvSpPr>
         <p:spPr>
           <a:xfrm>
-            <a:off x="839788" y="457200"/>
-            <a:ext cx="5039804" cy="909145"/>
+            <a:off x="839787" y="457200"/>
+            <a:ext cx="8360773" cy="909145"/>
           </a:xfrm>
         </p:spPr>
         <p:txBody>
@@ -5045,7 +7828,7 @@
           <a:p>
             <a:r>
               <a:rPr lang="fr-FR" dirty="0" smtClean="0"/>
-              <a:t>Hachage cryptographique</a:t>
+              <a:t>Mode d’emploi GITHUB / GIT – Mise à jour fichier</a:t>
             </a:r>
             <a:endParaRPr lang="fr-FR" dirty="0"/>
           </a:p>
@@ -5092,55 +7875,93 @@
         </p:nvSpPr>
         <p:spPr>
           <a:xfrm>
-            <a:off x="1078350" y="1629103"/>
-            <a:ext cx="6247359" cy="5079057"/>
+            <a:off x="1078350" y="1629104"/>
+            <a:ext cx="6247359" cy="4635062"/>
           </a:xfrm>
         </p:spPr>
         <p:txBody>
           <a:bodyPr>
-            <a:normAutofit/>
+            <a:normAutofit fontScale="92500" lnSpcReduction="10000"/>
           </a:bodyPr>
           <a:lstStyle/>
           <a:p>
+            <a:r>
+              <a:rPr lang="fr-FR" dirty="0" smtClean="0"/>
+              <a:t>Un fichier est créé ou modifié localement (PC </a:t>
+            </a:r>
+            <a:r>
+              <a:rPr lang="fr-FR" dirty="0" err="1" smtClean="0"/>
+              <a:t>Mobility</a:t>
+            </a:r>
+            <a:r>
+              <a:rPr lang="fr-FR" dirty="0" smtClean="0"/>
+              <a:t>).</a:t>
+            </a:r>
+          </a:p>
+          <a:p>
+            <a:r>
+              <a:rPr lang="fr-FR" dirty="0" smtClean="0"/>
+              <a:t>La mise à jour sous GITHUB se fait en deux temps :</a:t>
+            </a:r>
+          </a:p>
+          <a:p>
+            <a:pPr marL="285750" indent="-285750">
+              <a:buFontTx/>
+              <a:buChar char="-"/>
+            </a:pPr>
+            <a:r>
+              <a:rPr lang="fr-FR" dirty="0" smtClean="0"/>
+              <a:t>Ajout sous GITHUB dans la branche de développement </a:t>
+            </a:r>
+          </a:p>
+          <a:p>
+            <a:pPr marL="285750" indent="-285750">
+              <a:buFontTx/>
+              <a:buChar char="-"/>
+            </a:pPr>
+            <a:r>
+              <a:rPr lang="fr-FR" dirty="0" smtClean="0"/>
+              <a:t>Réalisation d’un commit</a:t>
+            </a:r>
+          </a:p>
+          <a:p>
+            <a:endParaRPr lang="fr-FR" u="sng" dirty="0" smtClean="0"/>
+          </a:p>
+          <a:p>
+            <a:pPr marL="285750" indent="-285750">
+              <a:buFont typeface="Wingdings" panose="05000000000000000000" pitchFamily="2" charset="2"/>
+              <a:buChar char="Ø"/>
+            </a:pPr>
+            <a:r>
+              <a:rPr lang="fr-FR" u="sng" dirty="0" smtClean="0"/>
+              <a:t>Ajout de fichier</a:t>
+            </a:r>
+            <a:endParaRPr lang="fr-FR" dirty="0"/>
+          </a:p>
+          <a:p>
             <a:pPr marL="285750" indent="-285750">
               <a:buFont typeface="Arial" panose="020B0604020202020204" pitchFamily="34" charset="0"/>
               <a:buChar char="•"/>
             </a:pPr>
             <a:r>
               <a:rPr lang="fr-FR" dirty="0" smtClean="0"/>
-              <a:t>Les fonctions de hachages pour la cryptographie numérique « </a:t>
-            </a:r>
-            <a:r>
-              <a:rPr lang="fr-FR" b="1" dirty="0" err="1" smtClean="0"/>
-              <a:t>C</a:t>
-            </a:r>
-            <a:r>
-              <a:rPr lang="fr-FR" dirty="0" err="1" smtClean="0"/>
-              <a:t>ryptographic</a:t>
-            </a:r>
-            <a:r>
-              <a:rPr lang="fr-FR" dirty="0" smtClean="0"/>
-              <a:t> </a:t>
-            </a:r>
-            <a:r>
-              <a:rPr lang="fr-FR" b="1" dirty="0" smtClean="0"/>
-              <a:t>H</a:t>
-            </a:r>
-            <a:r>
-              <a:rPr lang="fr-FR" dirty="0" smtClean="0"/>
-              <a:t>ash </a:t>
-            </a:r>
-            <a:r>
-              <a:rPr lang="fr-FR" b="1" dirty="0" err="1" smtClean="0"/>
-              <a:t>F</a:t>
-            </a:r>
-            <a:r>
-              <a:rPr lang="fr-FR" dirty="0" err="1" smtClean="0"/>
-              <a:t>unction</a:t>
-            </a:r>
-            <a:r>
-              <a:rPr lang="fr-FR" dirty="0" smtClean="0"/>
-              <a:t> » sont celles garantissant une sécurité et des performances de calcul optimales : très peu de doublons, calcul H(m) rapide.</a:t>
+              <a:t>Se placer dans le bon répertoire puis  menu déroulant de </a:t>
+            </a:r>
+            <a:r>
+              <a:rPr lang="fr-FR" dirty="0" err="1" smtClean="0"/>
+              <a:t>Add</a:t>
+            </a:r>
+            <a:r>
+              <a:rPr lang="fr-FR" dirty="0" smtClean="0"/>
+              <a:t> file pour « </a:t>
+            </a:r>
+            <a:r>
+              <a:rPr lang="fr-FR" dirty="0" err="1" smtClean="0"/>
+              <a:t>Upload</a:t>
+            </a:r>
+            <a:r>
+              <a:rPr lang="fr-FR" dirty="0" smtClean="0"/>
+              <a:t> files »</a:t>
             </a:r>
           </a:p>
           <a:p>
@@ -5150,7 +7971,20 @@
             </a:pPr>
             <a:r>
               <a:rPr lang="fr-FR" dirty="0" smtClean="0"/>
-              <a:t>Une fonction de hachage cryptographique est souvent paramétrable et s’appuie sur un « salage » de la donnée m : la donnée m est modifiée par un paramètre aléatoire défini au dernier moment (avant envoi pour un message). Le hachage H(m) est donc différent à chaque envoi.</a:t>
+              <a:t>Ne pas oublier de cliquer sur « Commit Files » après avoir chargé le fichier</a:t>
+            </a:r>
+          </a:p>
+          <a:p>
+            <a:endParaRPr lang="fr-FR" dirty="0" smtClean="0"/>
+          </a:p>
+          <a:p>
+            <a:pPr marL="285750" indent="-285750">
+              <a:buFont typeface="Wingdings" panose="05000000000000000000" pitchFamily="2" charset="2"/>
+              <a:buChar char="Ø"/>
+            </a:pPr>
+            <a:r>
+              <a:rPr lang="fr-FR" u="sng" dirty="0"/>
+              <a:t>Mise à jour de fichier</a:t>
             </a:r>
           </a:p>
           <a:p>
@@ -5159,8 +7993,24 @@
               <a:buChar char="•"/>
             </a:pPr>
             <a:r>
-              <a:rPr lang="fr-FR" dirty="0" smtClean="0"/>
-              <a:t>Chaque état définit les normes cryptographiques en vigueur pour les systèmes informatiques sous sa juridiction. Aux US, c’est le NIST (dépendant du ministre du commerce) qui est chargé de la définition et l’application de ces normes. Pour la signature numérique,  c’est le Digital Standard Signature (DSA) qui est la norme.</a:t>
+              <a:rPr lang="fr-FR" dirty="0"/>
+              <a:t>Si le menu </a:t>
+            </a:r>
+            <a:r>
+              <a:rPr lang="fr-FR" dirty="0" err="1"/>
+              <a:t>AddFile</a:t>
+            </a:r>
+            <a:r>
+              <a:rPr lang="fr-FR" dirty="0"/>
+              <a:t> est utilisé pour un fichier déjà existant dans le </a:t>
+            </a:r>
+            <a:r>
+              <a:rPr lang="fr-FR" dirty="0" err="1"/>
+              <a:t>repository</a:t>
+            </a:r>
+            <a:r>
+              <a:rPr lang="fr-FR" dirty="0"/>
+              <a:t>, il s’agit d’une mise à jour.</a:t>
             </a:r>
           </a:p>
           <a:p>
@@ -5169,17 +8019,43 @@
               <a:buChar char="•"/>
             </a:pPr>
             <a:r>
-              <a:rPr lang="fr-FR" dirty="0" smtClean="0"/>
-              <a:t>Le DSA se décline en pratique sous forme de différents hachages cryptographique, DSA et RSA, et plus récemment ECDSA, un hachage basé sur le concept mathématique des courbes elliptiques.</a:t>
-            </a:r>
-            <a:endParaRPr lang="fr-FR" dirty="0"/>
+              <a:rPr lang="fr-FR" dirty="0" err="1"/>
+              <a:t>Github</a:t>
+            </a:r>
+            <a:r>
+              <a:rPr lang="fr-FR" dirty="0"/>
+              <a:t> propose alors de comparer le contenu du fichier avec la contenu précédent (fichier texte) et propose une « pull </a:t>
+            </a:r>
+            <a:r>
+              <a:rPr lang="fr-FR" dirty="0" err="1"/>
+              <a:t>request</a:t>
+            </a:r>
+            <a:r>
+              <a:rPr lang="fr-FR" dirty="0"/>
+              <a:t> », une requête de mise à jour dans la branche courante du </a:t>
+            </a:r>
+            <a:r>
+              <a:rPr lang="fr-FR" dirty="0" err="1"/>
+              <a:t>repository</a:t>
+            </a:r>
+            <a:r>
+              <a:rPr lang="fr-FR" dirty="0"/>
+              <a:t>.</a:t>
+            </a:r>
+          </a:p>
+          <a:p>
+            <a:pPr marL="285750" indent="-285750">
+              <a:buFont typeface="Arial" panose="020B0604020202020204" pitchFamily="34" charset="0"/>
+              <a:buChar char="•"/>
+            </a:pPr>
+            <a:endParaRPr lang="fr-FR" dirty="0" smtClean="0"/>
           </a:p>
         </p:txBody>
       </p:sp>
     </p:spTree>
     <p:extLst>
       <p:ext uri="{BB962C8B-B14F-4D97-AF65-F5344CB8AC3E}">
-        <p14:creationId xmlns:p14="http://schemas.microsoft.com/office/powerpoint/2010/main" val="3407918255"/>
+        <p14:creationId xmlns:p14="http://schemas.microsoft.com/office/powerpoint/2010/main" val="2402823447"/>
       </p:ext>
     </p:extLst>
   </p:cSld>
@@ -5226,16 +8102,22 @@
         <p:spPr>
           <a:xfrm>
             <a:off x="839788" y="457200"/>
-            <a:ext cx="3932237" cy="909145"/>
+            <a:ext cx="6144906" cy="909145"/>
           </a:xfrm>
         </p:spPr>
         <p:txBody>
-          <a:bodyPr/>
+          <a:bodyPr>
+            <a:normAutofit/>
+          </a:bodyPr>
           <a:lstStyle/>
           <a:p>
             <a:r>
               <a:rPr lang="fr-FR" dirty="0" smtClean="0"/>
-              <a:t>Courbe elliptique</a:t>
+              <a:t>Mode d’emploi </a:t>
+            </a:r>
+            <a:r>
+              <a:rPr lang="fr-FR" dirty="0" smtClean="0"/>
+              <a:t>GIT</a:t>
             </a:r>
             <a:endParaRPr lang="fr-FR" dirty="0"/>
           </a:p>
@@ -5265,8 +8147,8 @@
         </p:blipFill>
         <p:spPr>
           <a:xfrm>
-            <a:off x="4360364" y="1710489"/>
-            <a:ext cx="7346704" cy="4602176"/>
+            <a:off x="7112000" y="2438400"/>
+            <a:ext cx="2314575" cy="1971675"/>
           </a:xfrm>
         </p:spPr>
       </p:pic>
@@ -5282,43 +8164,113 @@
         </p:nvSpPr>
         <p:spPr>
           <a:xfrm>
-            <a:off x="503997" y="1677603"/>
-            <a:ext cx="4574780" cy="4635062"/>
+            <a:off x="1078350" y="1629104"/>
+            <a:ext cx="6247359" cy="4635062"/>
           </a:xfrm>
         </p:spPr>
         <p:txBody>
           <a:bodyPr>
-            <a:normAutofit lnSpcReduction="10000"/>
+            <a:normAutofit fontScale="92500" lnSpcReduction="10000"/>
           </a:bodyPr>
           <a:lstStyle/>
           <a:p>
+            <a:r>
+              <a:rPr lang="fr-FR" dirty="0" smtClean="0"/>
+              <a:t>L’auto-formation se fait sur une VM Oracle </a:t>
+            </a:r>
+            <a:r>
+              <a:rPr lang="fr-FR" dirty="0" err="1" smtClean="0"/>
+              <a:t>Virtualbox</a:t>
+            </a:r>
+            <a:r>
+              <a:rPr lang="fr-FR" dirty="0" smtClean="0"/>
+              <a:t> </a:t>
+            </a:r>
+            <a:r>
+              <a:rPr lang="fr-FR" dirty="0" err="1" smtClean="0"/>
+              <a:t>CentOS</a:t>
+            </a:r>
+            <a:r>
+              <a:rPr lang="fr-FR" dirty="0" smtClean="0"/>
+              <a:t> 7 x86_64 avec git installé (archive git-2.16.0-rc2.tar.gz avec les paquetages </a:t>
+            </a:r>
+            <a:r>
+              <a:rPr lang="fr-FR" dirty="0" err="1" smtClean="0"/>
+              <a:t>rpm</a:t>
+            </a:r>
+            <a:r>
+              <a:rPr lang="fr-FR" dirty="0" smtClean="0"/>
+              <a:t> de dépendances installés).</a:t>
+            </a:r>
+          </a:p>
+          <a:p>
+            <a:r>
+              <a:rPr lang="fr-FR" dirty="0" smtClean="0"/>
+              <a:t>Cette installation système comprend celle de l’installation du man avec une aide git principale en mode texte (</a:t>
+            </a:r>
+            <a:r>
+              <a:rPr lang="fr-FR" b="1" dirty="0" smtClean="0"/>
+              <a:t>man 7 </a:t>
+            </a:r>
+            <a:r>
+              <a:rPr lang="fr-FR" b="1" dirty="0" err="1" smtClean="0"/>
+              <a:t>gittutorial</a:t>
+            </a:r>
+            <a:r>
+              <a:rPr lang="fr-FR" dirty="0" smtClean="0"/>
+              <a:t>)  sur les commandes base et une aide secondaire (man 7 </a:t>
+            </a:r>
+            <a:r>
+              <a:rPr lang="fr-FR" dirty="0" err="1" smtClean="0"/>
+              <a:t>gitworkflows</a:t>
+            </a:r>
+            <a:r>
+              <a:rPr lang="fr-FR" dirty="0" smtClean="0"/>
+              <a:t>) pour les conseils au développement.</a:t>
+            </a:r>
+          </a:p>
+          <a:p>
+            <a:r>
+              <a:rPr lang="fr-FR" dirty="0" smtClean="0"/>
+              <a:t>Le présent document se limite à une énumération aide-mémoire des commandes de base car le processus de développement est complètement différent dans un cadre projet société (utilisation d’IDE, processus de définition des branches, du </a:t>
+            </a:r>
+            <a:r>
+              <a:rPr lang="fr-FR" dirty="0" err="1" smtClean="0"/>
+              <a:t>merge</a:t>
+            </a:r>
+            <a:r>
+              <a:rPr lang="fr-FR" dirty="0" smtClean="0"/>
+              <a:t> </a:t>
+            </a:r>
+            <a:r>
+              <a:rPr lang="fr-FR" dirty="0" err="1" smtClean="0"/>
+              <a:t>etc</a:t>
+            </a:r>
+            <a:r>
+              <a:rPr lang="fr-FR" dirty="0" smtClean="0"/>
+              <a:t>).</a:t>
+            </a:r>
+          </a:p>
+          <a:p>
+            <a:r>
+              <a:rPr lang="fr-FR" dirty="0" smtClean="0"/>
+              <a:t>Une arborescence fichiers d’un compte utilisateur est nécessaire. </a:t>
+            </a:r>
+          </a:p>
+          <a:p>
+            <a:r>
+              <a:rPr lang="fr-FR" dirty="0" smtClean="0"/>
+              <a:t>Les informations suivantes sont des copier-coller de commandes terminal (GIT utilisé en mode « ligne de commande ») sous forme d’exemples commentés. Remarque : il est plus simple de suivre les explications du man détaillées (en anglais).</a:t>
+            </a:r>
+          </a:p>
+          <a:p>
             <a:pPr marL="285750" indent="-285750">
               <a:buFont typeface="Wingdings" panose="05000000000000000000" pitchFamily="2" charset="2"/>
               <a:buChar char="Ø"/>
             </a:pPr>
             <a:r>
-              <a:rPr lang="fr-FR" sz="1500" u="sng" dirty="0" smtClean="0"/>
-              <a:t>Courbe </a:t>
-            </a:r>
-            <a:r>
-              <a:rPr lang="fr-FR" sz="1500" u="sng" dirty="0"/>
-              <a:t>elliptique (  </a:t>
-            </a:r>
-            <a:r>
-              <a:rPr lang="fr-FR" sz="1500" u="sng" dirty="0" err="1"/>
-              <a:t>Elliptic</a:t>
-            </a:r>
-            <a:r>
-              <a:rPr lang="fr-FR" sz="1500" u="sng" dirty="0"/>
-              <a:t> </a:t>
-            </a:r>
-            <a:r>
-              <a:rPr lang="fr-FR" sz="1500" u="sng" dirty="0" err="1"/>
-              <a:t>curve</a:t>
-            </a:r>
-            <a:r>
-              <a:rPr lang="fr-FR" sz="1500" u="sng" dirty="0"/>
-              <a:t> )</a:t>
+              <a:rPr lang="fr-FR" u="sng" dirty="0" smtClean="0"/>
+              <a:t>Aide GIT </a:t>
             </a:r>
           </a:p>
           <a:p>
@@ -5328,96 +8280,21 @@
             </a:pPr>
             <a:r>
               <a:rPr lang="fr-FR" dirty="0" smtClean="0"/>
-              <a:t>C’est la base mathématique du hachage cryptographique de la norme ECDSA </a:t>
-            </a:r>
-          </a:p>
-          <a:p>
-            <a:pPr marL="285750" indent="-285750">
-              <a:buFont typeface="Arial" panose="020B0604020202020204" pitchFamily="34" charset="0"/>
-              <a:buChar char="•"/>
-            </a:pPr>
-            <a:r>
-              <a:rPr lang="fr-FR" dirty="0" smtClean="0"/>
-              <a:t>La sécurité de ce mode de cryptage est la difficulté de calculer en temps raisonnable la clé privé d’encryptage d’une signature numérique.</a:t>
-            </a:r>
-            <a:endParaRPr lang="fr-FR" dirty="0" smtClean="0"/>
-          </a:p>
-          <a:p>
-            <a:pPr marL="285750" indent="-285750">
-              <a:buFont typeface="Arial" panose="020B0604020202020204" pitchFamily="34" charset="0"/>
-              <a:buChar char="•"/>
-            </a:pPr>
-            <a:r>
-              <a:rPr lang="fr-FR" dirty="0" smtClean="0"/>
-              <a:t>Pour le RSA, c’est la difficulté de factoriser un nombre entier m donné en deux nombres </a:t>
-            </a:r>
-            <a:r>
-              <a:rPr lang="fr-FR" dirty="0" err="1" smtClean="0"/>
-              <a:t>p,q</a:t>
-            </a:r>
-            <a:r>
-              <a:rPr lang="fr-FR" dirty="0" smtClean="0"/>
-              <a:t> modulo un entier n : la durée de calcul est une fonction exponentielle du nombre de bits de m.</a:t>
-            </a:r>
-          </a:p>
-          <a:p>
-            <a:pPr marL="285750" indent="-285750">
-              <a:buFont typeface="Arial" panose="020B0604020202020204" pitchFamily="34" charset="0"/>
-              <a:buChar char="•"/>
-            </a:pPr>
-            <a:r>
-              <a:rPr lang="fr-FR" dirty="0" smtClean="0"/>
-              <a:t>La faiblesse du RSA est que cette factorisation est devenue plus aisée avec les techniques mathématiques et moyens informatiques les plus modernes (factorisation quantique dans quelques années ;-) )</a:t>
-            </a:r>
-          </a:p>
-          <a:p>
-            <a:pPr marL="285750" indent="-285750">
-              <a:buFont typeface="Arial" panose="020B0604020202020204" pitchFamily="34" charset="0"/>
-              <a:buChar char="•"/>
-            </a:pPr>
-            <a:r>
-              <a:rPr lang="fr-FR" dirty="0" smtClean="0"/>
-              <a:t>D’où l’idée d’utiliser un cryptage par courbe elliptique où la </a:t>
-            </a:r>
-            <a:r>
-              <a:rPr lang="fr-FR" smtClean="0"/>
-              <a:t>difficulté d’attaque </a:t>
-            </a:r>
-            <a:r>
-              <a:rPr lang="fr-FR" dirty="0" smtClean="0"/>
-              <a:t>est de trouver le nombre entier k tel que </a:t>
-            </a:r>
-            <a:r>
-              <a:rPr lang="fr-FR" dirty="0" err="1" smtClean="0"/>
-              <a:t>kG</a:t>
-            </a:r>
-            <a:r>
-              <a:rPr lang="fr-FR" dirty="0" smtClean="0"/>
-              <a:t> = (</a:t>
-            </a:r>
-            <a:r>
-              <a:rPr lang="fr-FR" dirty="0" err="1" smtClean="0"/>
-              <a:t>x,y</a:t>
-            </a:r>
-            <a:r>
-              <a:rPr lang="fr-FR" dirty="0" smtClean="0"/>
-              <a:t>) </a:t>
-            </a:r>
-            <a:r>
-              <a:rPr lang="fr-FR" dirty="0" err="1" smtClean="0"/>
-              <a:t>mod</a:t>
-            </a:r>
-            <a:r>
-              <a:rPr lang="fr-FR" dirty="0" smtClean="0"/>
-              <a:t> n à partir de la clé publique (E,G) et de la signature (</a:t>
-            </a:r>
-            <a:r>
-              <a:rPr lang="fr-FR" dirty="0" err="1" smtClean="0"/>
-              <a:t>x,y</a:t>
-            </a:r>
-            <a:r>
-              <a:rPr lang="fr-FR" dirty="0" smtClean="0"/>
-              <a:t>).</a:t>
+              <a:t>L’appel à l’aide texte se fait par :    </a:t>
+            </a:r>
+          </a:p>
+          <a:p>
+            <a:pPr marL="742950" lvl="1" indent="-285750">
+              <a:buFont typeface="Wingdings" panose="05000000000000000000" pitchFamily="2" charset="2"/>
+              <a:buChar char="§"/>
+            </a:pPr>
+            <a:r>
+              <a:rPr lang="fr-FR" dirty="0"/>
+              <a:t>g</a:t>
+            </a:r>
+            <a:r>
+              <a:rPr lang="fr-FR" dirty="0" smtClean="0"/>
+              <a:t>it help </a:t>
             </a:r>
             <a:endParaRPr lang="fr-FR" dirty="0" smtClean="0"/>
           </a:p>
@@ -5426,7 +8303,7 @@
     </p:spTree>
     <p:extLst>
       <p:ext uri="{BB962C8B-B14F-4D97-AF65-F5344CB8AC3E}">
-        <p14:creationId xmlns:p14="http://schemas.microsoft.com/office/powerpoint/2010/main" val="3659643191"/>
+        <p14:creationId xmlns:p14="http://schemas.microsoft.com/office/powerpoint/2010/main" val="2919058002"/>
       </p:ext>
     </p:extLst>
   </p:cSld>

--- a/docs/Autoformation_Git.pptx
+++ b/docs/Autoformation_Git.pptx
@@ -18,11 +18,18 @@
     <p:sldId id="271" r:id="rId12"/>
     <p:sldId id="272" r:id="rId13"/>
     <p:sldId id="273" r:id="rId14"/>
-    <p:sldId id="259" r:id="rId15"/>
-    <p:sldId id="261" r:id="rId16"/>
-    <p:sldId id="262" r:id="rId17"/>
-    <p:sldId id="265" r:id="rId18"/>
-    <p:sldId id="260" r:id="rId19"/>
+    <p:sldId id="276" r:id="rId15"/>
+    <p:sldId id="277" r:id="rId16"/>
+    <p:sldId id="275" r:id="rId17"/>
+    <p:sldId id="280" r:id="rId18"/>
+    <p:sldId id="259" r:id="rId19"/>
+    <p:sldId id="261" r:id="rId20"/>
+    <p:sldId id="262" r:id="rId21"/>
+    <p:sldId id="265" r:id="rId22"/>
+    <p:sldId id="260" r:id="rId23"/>
+    <p:sldId id="279" r:id="rId24"/>
+    <p:sldId id="274" r:id="rId25"/>
+    <p:sldId id="278" r:id="rId26"/>
   </p:sldIdLst>
   <p:sldSz cx="12192000" cy="6858000"/>
   <p:notesSz cx="6858000" cy="9144000"/>
@@ -260,7 +267,7 @@
           <a:p>
             <a:fld id="{488F90A8-69E9-4263-AE3A-CD53E7F82CD2}" type="datetimeFigureOut">
               <a:rPr lang="fr-FR" smtClean="0"/>
-              <a:t>05/11/2020</a:t>
+              <a:t>10/11/2020</a:t>
             </a:fld>
             <a:endParaRPr lang="fr-FR"/>
           </a:p>
@@ -430,7 +437,7 @@
           <a:p>
             <a:fld id="{488F90A8-69E9-4263-AE3A-CD53E7F82CD2}" type="datetimeFigureOut">
               <a:rPr lang="fr-FR" smtClean="0"/>
-              <a:t>05/11/2020</a:t>
+              <a:t>10/11/2020</a:t>
             </a:fld>
             <a:endParaRPr lang="fr-FR"/>
           </a:p>
@@ -610,7 +617,7 @@
           <a:p>
             <a:fld id="{488F90A8-69E9-4263-AE3A-CD53E7F82CD2}" type="datetimeFigureOut">
               <a:rPr lang="fr-FR" smtClean="0"/>
-              <a:t>05/11/2020</a:t>
+              <a:t>10/11/2020</a:t>
             </a:fld>
             <a:endParaRPr lang="fr-FR"/>
           </a:p>
@@ -780,7 +787,7 @@
           <a:p>
             <a:fld id="{488F90A8-69E9-4263-AE3A-CD53E7F82CD2}" type="datetimeFigureOut">
               <a:rPr lang="fr-FR" smtClean="0"/>
-              <a:t>05/11/2020</a:t>
+              <a:t>10/11/2020</a:t>
             </a:fld>
             <a:endParaRPr lang="fr-FR"/>
           </a:p>
@@ -1026,7 +1033,7 @@
           <a:p>
             <a:fld id="{488F90A8-69E9-4263-AE3A-CD53E7F82CD2}" type="datetimeFigureOut">
               <a:rPr lang="fr-FR" smtClean="0"/>
-              <a:t>05/11/2020</a:t>
+              <a:t>10/11/2020</a:t>
             </a:fld>
             <a:endParaRPr lang="fr-FR"/>
           </a:p>
@@ -1258,7 +1265,7 @@
           <a:p>
             <a:fld id="{488F90A8-69E9-4263-AE3A-CD53E7F82CD2}" type="datetimeFigureOut">
               <a:rPr lang="fr-FR" smtClean="0"/>
-              <a:t>05/11/2020</a:t>
+              <a:t>10/11/2020</a:t>
             </a:fld>
             <a:endParaRPr lang="fr-FR"/>
           </a:p>
@@ -1625,7 +1632,7 @@
           <a:p>
             <a:fld id="{488F90A8-69E9-4263-AE3A-CD53E7F82CD2}" type="datetimeFigureOut">
               <a:rPr lang="fr-FR" smtClean="0"/>
-              <a:t>05/11/2020</a:t>
+              <a:t>10/11/2020</a:t>
             </a:fld>
             <a:endParaRPr lang="fr-FR"/>
           </a:p>
@@ -1743,7 +1750,7 @@
           <a:p>
             <a:fld id="{488F90A8-69E9-4263-AE3A-CD53E7F82CD2}" type="datetimeFigureOut">
               <a:rPr lang="fr-FR" smtClean="0"/>
-              <a:t>05/11/2020</a:t>
+              <a:t>10/11/2020</a:t>
             </a:fld>
             <a:endParaRPr lang="fr-FR"/>
           </a:p>
@@ -1838,7 +1845,7 @@
           <a:p>
             <a:fld id="{488F90A8-69E9-4263-AE3A-CD53E7F82CD2}" type="datetimeFigureOut">
               <a:rPr lang="fr-FR" smtClean="0"/>
-              <a:t>05/11/2020</a:t>
+              <a:t>10/11/2020</a:t>
             </a:fld>
             <a:endParaRPr lang="fr-FR"/>
           </a:p>
@@ -2115,7 +2122,7 @@
           <a:p>
             <a:fld id="{488F90A8-69E9-4263-AE3A-CD53E7F82CD2}" type="datetimeFigureOut">
               <a:rPr lang="fr-FR" smtClean="0"/>
-              <a:t>05/11/2020</a:t>
+              <a:t>10/11/2020</a:t>
             </a:fld>
             <a:endParaRPr lang="fr-FR"/>
           </a:p>
@@ -2368,7 +2375,7 @@
           <a:p>
             <a:fld id="{488F90A8-69E9-4263-AE3A-CD53E7F82CD2}" type="datetimeFigureOut">
               <a:rPr lang="fr-FR" smtClean="0"/>
-              <a:t>05/11/2020</a:t>
+              <a:t>10/11/2020</a:t>
             </a:fld>
             <a:endParaRPr lang="fr-FR"/>
           </a:p>
@@ -2581,7 +2588,7 @@
           <a:p>
             <a:fld id="{488F90A8-69E9-4263-AE3A-CD53E7F82CD2}" type="datetimeFigureOut">
               <a:rPr lang="fr-FR" smtClean="0"/>
-              <a:t>05/11/2020</a:t>
+              <a:t>10/11/2020</a:t>
             </a:fld>
             <a:endParaRPr lang="fr-FR"/>
           </a:p>
@@ -3096,11 +3103,7 @@
           <a:p>
             <a:r>
               <a:rPr lang="fr-FR" dirty="0" smtClean="0"/>
-              <a:t>Mode d’emploi </a:t>
-            </a:r>
-            <a:r>
-              <a:rPr lang="fr-FR" dirty="0" smtClean="0"/>
-              <a:t>GIT</a:t>
+              <a:t>Mode d’emploi GIT</a:t>
             </a:r>
             <a:endParaRPr lang="fr-FR" dirty="0"/>
           </a:p>
@@ -3225,11 +3228,7 @@
             </a:pPr>
             <a:r>
               <a:rPr lang="fr-FR" dirty="0"/>
-              <a:t>g</a:t>
-            </a:r>
-            <a:r>
-              <a:rPr lang="fr-FR" dirty="0"/>
-              <a:t>it config – global  user.name = « </a:t>
+              <a:t>git config – global  user.name = « </a:t>
             </a:r>
             <a:r>
               <a:rPr lang="fr-FR" dirty="0" smtClean="0"/>
@@ -3309,16 +3308,11 @@
               <a:rPr lang="fr-FR" u="sng" dirty="0" smtClean="0"/>
               <a:t>) pour un projet nouveau</a:t>
             </a:r>
-            <a:endParaRPr lang="fr-FR" u="sng" dirty="0" smtClean="0"/>
-          </a:p>
-          <a:p>
-            <a:r>
-              <a:rPr lang="fr-FR" dirty="0" smtClean="0"/>
-              <a:t>Un dépôt est simplement une arborescence fichiers d’un compte utilisateur </a:t>
-            </a:r>
-            <a:r>
-              <a:rPr lang="fr-FR" dirty="0" smtClean="0"/>
-              <a:t>comportant des fichiers et répertoires particuliers de gestion GIT.</a:t>
+          </a:p>
+          <a:p>
+            <a:r>
+              <a:rPr lang="fr-FR" dirty="0" smtClean="0"/>
+              <a:t>Un dépôt est simplement une arborescence fichiers d’un compte utilisateur comportant des fichiers et répertoires particuliers de gestion GIT.</a:t>
             </a:r>
           </a:p>
           <a:p>
@@ -3471,11 +3465,7 @@
           <a:p>
             <a:r>
               <a:rPr lang="fr-FR" dirty="0" smtClean="0"/>
-              <a:t>Mode d’emploi </a:t>
-            </a:r>
-            <a:r>
-              <a:rPr lang="fr-FR" dirty="0" smtClean="0"/>
-              <a:t>GIT</a:t>
+              <a:t>Mode d’emploi GIT</a:t>
             </a:r>
             <a:endParaRPr lang="fr-FR" dirty="0"/>
           </a:p>
@@ -3563,11 +3553,7 @@
             </a:pPr>
             <a:r>
               <a:rPr lang="fr-FR" dirty="0"/>
-              <a:t>g</a:t>
-            </a:r>
-            <a:r>
-              <a:rPr lang="fr-FR" dirty="0"/>
-              <a:t>it  </a:t>
+              <a:t>git  </a:t>
             </a:r>
             <a:r>
               <a:rPr lang="fr-FR" dirty="0" err="1" smtClean="0"/>
@@ -3712,7 +3698,6 @@
               <a:rPr lang="fr-FR" u="sng" dirty="0" smtClean="0"/>
               <a:t>Suppression de fichier(s) de la configuration et du répertoire courant</a:t>
             </a:r>
-            <a:endParaRPr lang="fr-FR" u="sng" dirty="0" smtClean="0"/>
           </a:p>
           <a:p>
             <a:r>
@@ -3822,11 +3807,7 @@
           <a:p>
             <a:r>
               <a:rPr lang="fr-FR" dirty="0" smtClean="0"/>
-              <a:t>Mode d’emploi </a:t>
-            </a:r>
-            <a:r>
-              <a:rPr lang="fr-FR" dirty="0" smtClean="0"/>
-              <a:t>GIT</a:t>
+              <a:t>Mode d’emploi GIT</a:t>
             </a:r>
             <a:endParaRPr lang="fr-FR" dirty="0"/>
           </a:p>
@@ -3918,11 +3899,7 @@
             </a:pPr>
             <a:r>
               <a:rPr lang="fr-FR" dirty="0"/>
-              <a:t>g</a:t>
-            </a:r>
-            <a:r>
-              <a:rPr lang="fr-FR" dirty="0"/>
-              <a:t>it  </a:t>
+              <a:t>git  </a:t>
             </a:r>
             <a:r>
               <a:rPr lang="fr-FR" dirty="0" err="1" smtClean="0"/>
@@ -4005,26 +3982,26 @@
               <a:buChar char="§"/>
             </a:pPr>
             <a:r>
-              <a:rPr lang="fr-FR" dirty="0"/>
+              <a:rPr lang="fr-FR" b="1" dirty="0"/>
               <a:t>g</a:t>
             </a:r>
             <a:r>
-              <a:rPr lang="fr-FR" dirty="0" smtClean="0"/>
+              <a:rPr lang="fr-FR" b="1" dirty="0" smtClean="0"/>
               <a:t>it   </a:t>
             </a:r>
             <a:r>
-              <a:rPr lang="fr-FR" dirty="0" err="1" smtClean="0"/>
+              <a:rPr lang="fr-FR" b="1" dirty="0" err="1" smtClean="0"/>
               <a:t>checkout</a:t>
             </a:r>
             <a:r>
-              <a:rPr lang="fr-FR" dirty="0" smtClean="0"/>
+              <a:rPr lang="fr-FR" b="1" dirty="0" smtClean="0"/>
               <a:t>   </a:t>
             </a:r>
             <a:r>
-              <a:rPr lang="fr-FR" dirty="0" err="1" smtClean="0"/>
+              <a:rPr lang="fr-FR" b="1" dirty="0" err="1" smtClean="0"/>
               <a:t>experimental</a:t>
             </a:r>
-            <a:endParaRPr lang="fr-FR" dirty="0" smtClean="0"/>
+            <a:endParaRPr lang="fr-FR" b="1" dirty="0" smtClean="0"/>
           </a:p>
           <a:p>
             <a:pPr marL="742950" lvl="1" indent="-285750">
@@ -4092,7 +4069,6 @@
               <a:rPr lang="fr-FR" u="sng" dirty="0" smtClean="0"/>
               <a:t>Suppression de branche</a:t>
             </a:r>
-            <a:endParaRPr lang="fr-FR" u="sng" dirty="0" smtClean="0"/>
           </a:p>
           <a:p>
             <a:r>
@@ -4212,11 +4188,7 @@
           <a:p>
             <a:r>
               <a:rPr lang="fr-FR" dirty="0" smtClean="0"/>
-              <a:t>Mode d’emploi </a:t>
-            </a:r>
-            <a:r>
-              <a:rPr lang="fr-FR" dirty="0" smtClean="0"/>
-              <a:t>GIT</a:t>
+              <a:t>Mode d’emploi GIT</a:t>
             </a:r>
             <a:endParaRPr lang="fr-FR" dirty="0"/>
           </a:p>
@@ -4312,11 +4284,7 @@
             </a:pPr>
             <a:r>
               <a:rPr lang="fr-FR" dirty="0"/>
-              <a:t>g</a:t>
-            </a:r>
-            <a:r>
-              <a:rPr lang="fr-FR" dirty="0"/>
-              <a:t>it </a:t>
+              <a:t>git </a:t>
             </a:r>
             <a:r>
               <a:rPr lang="fr-FR" dirty="0" smtClean="0"/>
@@ -4450,7 +4418,6 @@
               <a:rPr lang="fr-FR" u="sng" dirty="0" smtClean="0"/>
               <a:t>Partage de modifications</a:t>
             </a:r>
-            <a:endParaRPr lang="fr-FR" u="sng" dirty="0" smtClean="0"/>
           </a:p>
           <a:p>
             <a:r>
@@ -4604,16 +4571,18 @@
         <p:spPr>
           <a:xfrm>
             <a:off x="839788" y="457200"/>
-            <a:ext cx="3932237" cy="909145"/>
+            <a:ext cx="6144906" cy="909145"/>
           </a:xfrm>
         </p:spPr>
         <p:txBody>
-          <a:bodyPr/>
+          <a:bodyPr>
+            <a:normAutofit/>
+          </a:bodyPr>
           <a:lstStyle/>
           <a:p>
             <a:r>
               <a:rPr lang="fr-FR" dirty="0" smtClean="0"/>
-              <a:t>Signature numérique</a:t>
+              <a:t>Mode d’emploi GIT</a:t>
             </a:r>
             <a:endParaRPr lang="fr-FR" dirty="0"/>
           </a:p>
@@ -4661,12 +4630,12 @@
         <p:spPr>
           <a:xfrm>
             <a:off x="1078350" y="1629104"/>
-            <a:ext cx="6247359" cy="4635062"/>
+            <a:ext cx="6152009" cy="4635062"/>
           </a:xfrm>
         </p:spPr>
         <p:txBody>
           <a:bodyPr>
-            <a:normAutofit fontScale="77500" lnSpcReduction="20000"/>
+            <a:normAutofit fontScale="85000" lnSpcReduction="20000"/>
           </a:bodyPr>
           <a:lstStyle/>
           <a:p>
@@ -4676,42 +4645,123 @@
             </a:pPr>
             <a:r>
               <a:rPr lang="fr-FR" u="sng" dirty="0" smtClean="0"/>
-              <a:t>Deux services fondamentaux </a:t>
-            </a:r>
-          </a:p>
-          <a:p>
-            <a:pPr marL="285750" indent="-285750">
-              <a:buFont typeface="Arial" panose="020B0604020202020204" pitchFamily="34" charset="0"/>
-              <a:buChar char="•"/>
-            </a:pPr>
-            <a:r>
-              <a:rPr lang="fr-FR" b="1" dirty="0" smtClean="0"/>
-              <a:t>authentification</a:t>
-            </a:r>
-            <a:r>
-              <a:rPr lang="fr-FR" dirty="0" smtClean="0"/>
-              <a:t> de l’émetteur</a:t>
-            </a:r>
-          </a:p>
-          <a:p>
-            <a:pPr marL="285750" indent="-285750">
-              <a:buFont typeface="Arial" panose="020B0604020202020204" pitchFamily="34" charset="0"/>
-              <a:buChar char="•"/>
-            </a:pPr>
-            <a:r>
-              <a:rPr lang="fr-FR" b="1" dirty="0" smtClean="0"/>
-              <a:t>non altération </a:t>
-            </a:r>
-            <a:r>
-              <a:rPr lang="fr-FR" dirty="0" smtClean="0"/>
-              <a:t>des données jointes</a:t>
-            </a:r>
-          </a:p>
-          <a:p>
-            <a:pPr marL="285750" indent="-285750">
-              <a:buFont typeface="Arial" panose="020B0604020202020204" pitchFamily="34" charset="0"/>
-              <a:buChar char="•"/>
-            </a:pPr>
+              <a:t>Fusion  (« </a:t>
+            </a:r>
+            <a:r>
+              <a:rPr lang="fr-FR" u="sng" dirty="0" err="1" smtClean="0"/>
+              <a:t>merge</a:t>
+            </a:r>
+            <a:r>
+              <a:rPr lang="fr-FR" u="sng" dirty="0" smtClean="0"/>
+              <a:t> »)</a:t>
+            </a:r>
+          </a:p>
+          <a:p>
+            <a:r>
+              <a:rPr lang="fr-FR" dirty="0" smtClean="0"/>
+              <a:t>Pour fusionner les modifications (=</a:t>
+            </a:r>
+            <a:r>
+              <a:rPr lang="fr-FR" dirty="0" err="1" smtClean="0"/>
+              <a:t>checkout</a:t>
+            </a:r>
+            <a:r>
+              <a:rPr lang="fr-FR" dirty="0" smtClean="0"/>
+              <a:t>) d’une branche avec les modifications d’une autre branche(exemple ici : </a:t>
+            </a:r>
+            <a:r>
+              <a:rPr lang="fr-FR" dirty="0" err="1" smtClean="0"/>
+              <a:t>experimental</a:t>
+            </a:r>
+            <a:r>
+              <a:rPr lang="fr-FR" dirty="0" smtClean="0"/>
+              <a:t>), il faut se positionner sur la branche destination (exemple ici : master) et déclencher la fusion:</a:t>
+            </a:r>
+          </a:p>
+          <a:p>
+            <a:endParaRPr lang="fr-FR" dirty="0"/>
+          </a:p>
+          <a:p>
+            <a:pPr marL="742950" lvl="1" indent="-285750">
+              <a:buFont typeface="Wingdings" panose="05000000000000000000" pitchFamily="2" charset="2"/>
+              <a:buChar char="§"/>
+            </a:pPr>
+            <a:r>
+              <a:rPr lang="fr-FR" dirty="0"/>
+              <a:t>git </a:t>
+            </a:r>
+            <a:r>
+              <a:rPr lang="fr-FR" dirty="0" smtClean="0"/>
+              <a:t>  </a:t>
+            </a:r>
+            <a:r>
+              <a:rPr lang="fr-FR" dirty="0" err="1" smtClean="0"/>
+              <a:t>checkout</a:t>
+            </a:r>
+            <a:r>
+              <a:rPr lang="fr-FR" dirty="0" smtClean="0"/>
+              <a:t> master</a:t>
+            </a:r>
+          </a:p>
+          <a:p>
+            <a:pPr marL="742950" lvl="1" indent="-285750">
+              <a:buFont typeface="Wingdings" panose="05000000000000000000" pitchFamily="2" charset="2"/>
+              <a:buChar char="§"/>
+            </a:pPr>
+            <a:r>
+              <a:rPr lang="fr-FR" dirty="0" smtClean="0"/>
+              <a:t>git </a:t>
+            </a:r>
+            <a:r>
+              <a:rPr lang="fr-FR" dirty="0" err="1" smtClean="0"/>
+              <a:t>status</a:t>
+            </a:r>
+            <a:endParaRPr lang="fr-FR" dirty="0" smtClean="0"/>
+          </a:p>
+          <a:p>
+            <a:pPr marL="742950" lvl="1" indent="-285750">
+              <a:buFont typeface="Wingdings" panose="05000000000000000000" pitchFamily="2" charset="2"/>
+              <a:buChar char="§"/>
+            </a:pPr>
+            <a:r>
+              <a:rPr lang="fr-FR" dirty="0" smtClean="0"/>
+              <a:t>git </a:t>
+            </a:r>
+            <a:r>
+              <a:rPr lang="fr-FR" dirty="0" err="1" smtClean="0"/>
+              <a:t>merge</a:t>
+            </a:r>
+            <a:r>
+              <a:rPr lang="fr-FR" dirty="0" smtClean="0"/>
+              <a:t> </a:t>
+            </a:r>
+            <a:r>
+              <a:rPr lang="fr-FR" dirty="0" err="1" smtClean="0"/>
+              <a:t>experimental</a:t>
+            </a:r>
+            <a:endParaRPr lang="fr-FR" dirty="0" smtClean="0"/>
+          </a:p>
+          <a:p>
+            <a:pPr marL="742950" lvl="1" indent="-285750">
+              <a:buFont typeface="Wingdings" panose="05000000000000000000" pitchFamily="2" charset="2"/>
+              <a:buChar char="§"/>
+            </a:pPr>
+            <a:r>
+              <a:rPr lang="fr-FR" dirty="0"/>
+              <a:t>g</a:t>
+            </a:r>
+            <a:r>
+              <a:rPr lang="fr-FR" dirty="0" smtClean="0"/>
+              <a:t>it </a:t>
+            </a:r>
+            <a:r>
+              <a:rPr lang="fr-FR" dirty="0" err="1" smtClean="0"/>
+              <a:t>status</a:t>
+            </a:r>
+            <a:endParaRPr lang="fr-FR" dirty="0"/>
+          </a:p>
+          <a:p>
+            <a:pPr lvl="1"/>
             <a:endParaRPr lang="fr-FR" dirty="0" smtClean="0"/>
           </a:p>
           <a:p>
@@ -4721,259 +4771,123 @@
             </a:pPr>
             <a:r>
               <a:rPr lang="fr-FR" u="sng" dirty="0" smtClean="0"/>
-              <a:t>Chiffrement </a:t>
-            </a:r>
-            <a:r>
-              <a:rPr lang="fr-FR" sz="1500" u="sng" dirty="0" smtClean="0"/>
-              <a:t>asymétrique</a:t>
-            </a:r>
-            <a:r>
-              <a:rPr lang="fr-FR" sz="1500" dirty="0" smtClean="0"/>
-              <a:t>   (clé p</a:t>
-            </a:r>
-            <a:r>
-              <a:rPr lang="fr-FR" dirty="0" smtClean="0"/>
-              <a:t>rivées difficilement calculables) :</a:t>
-            </a:r>
-          </a:p>
-          <a:p>
-            <a:pPr marL="285750" indent="-285750">
-              <a:buFont typeface="Arial" panose="020B0604020202020204" pitchFamily="34" charset="0"/>
-              <a:buChar char="•"/>
-            </a:pPr>
-            <a:r>
-              <a:rPr lang="fr-FR" dirty="0" smtClean="0"/>
-              <a:t>- </a:t>
-            </a:r>
+              <a:t>Intégration  </a:t>
+            </a:r>
+            <a:r>
+              <a:rPr lang="fr-FR" u="sng" dirty="0"/>
+              <a:t>(« </a:t>
+            </a:r>
+            <a:r>
+              <a:rPr lang="fr-FR" u="sng" dirty="0" err="1" smtClean="0"/>
+              <a:t>rebase</a:t>
+            </a:r>
+            <a:r>
+              <a:rPr lang="fr-FR" u="sng" dirty="0"/>
+              <a:t> »)</a:t>
+            </a:r>
+          </a:p>
+          <a:p>
+            <a:r>
+              <a:rPr lang="fr-FR" dirty="0" smtClean="0"/>
+              <a:t>Il peut arriver qu’un développeur dans un branche (exemple : </a:t>
+            </a:r>
+            <a:r>
+              <a:rPr lang="fr-FR" dirty="0" err="1" smtClean="0"/>
+              <a:t>experimental</a:t>
+            </a:r>
+            <a:r>
+              <a:rPr lang="fr-FR" dirty="0" smtClean="0"/>
+              <a:t>) termine une activité alors que des modifications ont eu lieu dans la branche principale (exemple : master) depuis le </a:t>
+            </a:r>
+            <a:r>
+              <a:rPr lang="fr-FR" dirty="0" err="1" smtClean="0"/>
+              <a:t>checkout</a:t>
+            </a:r>
+            <a:r>
+              <a:rPr lang="fr-FR" dirty="0" smtClean="0"/>
+              <a:t> (de master vers </a:t>
+            </a:r>
+            <a:r>
+              <a:rPr lang="fr-FR" dirty="0" err="1" smtClean="0"/>
+              <a:t>experimental</a:t>
+            </a:r>
+            <a:r>
+              <a:rPr lang="fr-FR" dirty="0" smtClean="0"/>
+              <a:t>).</a:t>
+            </a:r>
+          </a:p>
+          <a:p>
+            <a:r>
+              <a:rPr lang="fr-FR" dirty="0" smtClean="0"/>
+              <a:t>Le développeur peut capitaliser les modifications de la branche principale, comme si ses propres modifications avaient été faites après.</a:t>
+            </a:r>
+            <a:endParaRPr lang="fr-FR" sz="1600" dirty="0" smtClean="0"/>
+          </a:p>
+          <a:p>
+            <a:pPr marL="0" lvl="1">
+              <a:spcBef>
+                <a:spcPts val="1000"/>
+              </a:spcBef>
+            </a:pPr>
+            <a:r>
+              <a:rPr lang="fr-FR" sz="1600" dirty="0" smtClean="0"/>
+              <a:t>Il le fait par la commande suivante (changement de « base » du travail développeur) :</a:t>
+            </a:r>
+          </a:p>
+          <a:p>
+            <a:pPr marL="0" lvl="1">
+              <a:spcBef>
+                <a:spcPts val="1000"/>
+              </a:spcBef>
+            </a:pPr>
+            <a:endParaRPr lang="fr-FR" sz="1600" dirty="0"/>
+          </a:p>
+          <a:p>
+            <a:pPr marL="742950" lvl="1" indent="-285750">
+              <a:buFont typeface="Wingdings" panose="05000000000000000000" pitchFamily="2" charset="2"/>
+              <a:buChar char="§"/>
+            </a:pPr>
+            <a:r>
+              <a:rPr lang="fr-FR" dirty="0" smtClean="0"/>
+              <a:t>git  </a:t>
+            </a:r>
+            <a:r>
+              <a:rPr lang="fr-FR" dirty="0" err="1" smtClean="0"/>
+              <a:t>rebase</a:t>
+            </a:r>
+            <a:r>
+              <a:rPr lang="fr-FR" dirty="0" smtClean="0"/>
+              <a:t> master</a:t>
+            </a:r>
+          </a:p>
+          <a:p>
+            <a:pPr marL="742950" lvl="1" indent="-285750">
+              <a:buFont typeface="Wingdings" panose="05000000000000000000" pitchFamily="2" charset="2"/>
+              <a:buChar char="§"/>
+            </a:pPr>
             <a:r>
               <a:rPr lang="fr-FR" dirty="0"/>
-              <a:t>Clés : clé de chiffrement (</a:t>
-            </a:r>
-            <a:r>
-              <a:rPr lang="fr-FR" dirty="0" err="1" smtClean="0"/>
-              <a:t>Kc</a:t>
-            </a:r>
-            <a:r>
-              <a:rPr lang="fr-FR" dirty="0" smtClean="0"/>
-              <a:t>), </a:t>
-            </a:r>
-            <a:r>
-              <a:rPr lang="fr-FR" dirty="0"/>
-              <a:t>clé publique (</a:t>
-            </a:r>
-            <a:r>
-              <a:rPr lang="fr-FR" dirty="0" err="1"/>
-              <a:t>Kpub</a:t>
-            </a:r>
-            <a:r>
-              <a:rPr lang="fr-FR" dirty="0"/>
-              <a:t>), clé de déchiffrement (</a:t>
-            </a:r>
-            <a:r>
-              <a:rPr lang="fr-FR" dirty="0" err="1" smtClean="0"/>
-              <a:t>Kd</a:t>
-            </a:r>
-            <a:r>
-              <a:rPr lang="fr-FR" dirty="0" smtClean="0"/>
-              <a:t>)</a:t>
-            </a:r>
-          </a:p>
-          <a:p>
-            <a:pPr marL="285750" indent="-285750">
-              <a:buFont typeface="Arial" panose="020B0604020202020204" pitchFamily="34" charset="0"/>
-              <a:buChar char="•"/>
-            </a:pPr>
-            <a:endParaRPr lang="fr-FR" dirty="0"/>
-          </a:p>
-          <a:p>
-            <a:pPr marL="285750" indent="-285750">
-              <a:buFont typeface="Wingdings" panose="05000000000000000000" pitchFamily="2" charset="2"/>
-              <a:buChar char="Ø"/>
-            </a:pPr>
-            <a:r>
-              <a:rPr lang="fr-FR" u="sng" dirty="0"/>
-              <a:t>Principe </a:t>
-            </a:r>
-            <a:r>
-              <a:rPr lang="fr-FR" u="sng" dirty="0" smtClean="0"/>
-              <a:t>d’envoi  de données signées</a:t>
-            </a:r>
-            <a:endParaRPr lang="fr-FR" dirty="0"/>
-          </a:p>
-          <a:p>
-            <a:pPr marL="285750" indent="-285750">
-              <a:buFont typeface="Arial" panose="020B0604020202020204" pitchFamily="34" charset="0"/>
-              <a:buChar char="•"/>
-            </a:pPr>
-            <a:r>
-              <a:rPr lang="fr-FR" dirty="0" smtClean="0"/>
-              <a:t>application </a:t>
-            </a:r>
-            <a:r>
-              <a:rPr lang="fr-FR" dirty="0"/>
-              <a:t>d’une fonction de « hachage » sur les données</a:t>
-            </a:r>
-          </a:p>
-          <a:p>
-            <a:pPr marL="285750" indent="-285750">
-              <a:buFont typeface="Arial" panose="020B0604020202020204" pitchFamily="34" charset="0"/>
-              <a:buChar char="•"/>
-            </a:pPr>
-            <a:r>
-              <a:rPr lang="fr-FR" dirty="0" smtClean="0"/>
-              <a:t>chiffrement </a:t>
-            </a:r>
-            <a:r>
-              <a:rPr lang="fr-FR" dirty="0"/>
-              <a:t>du </a:t>
-            </a:r>
-            <a:r>
-              <a:rPr lang="fr-FR" dirty="0" smtClean="0"/>
-              <a:t>résultat « empreinte » ( =hash) avec </a:t>
-            </a:r>
-            <a:r>
-              <a:rPr lang="fr-FR" dirty="0" err="1" smtClean="0"/>
-              <a:t>Kc</a:t>
-            </a:r>
-            <a:r>
-              <a:rPr lang="fr-FR" dirty="0" smtClean="0"/>
-              <a:t> + </a:t>
-            </a:r>
-            <a:r>
-              <a:rPr lang="fr-FR" dirty="0" err="1" smtClean="0"/>
-              <a:t>Kpub</a:t>
+              <a:t>g</a:t>
+            </a:r>
+            <a:r>
+              <a:rPr lang="fr-FR" dirty="0" smtClean="0"/>
+              <a:t>it </a:t>
+            </a:r>
+            <a:r>
+              <a:rPr lang="fr-FR" dirty="0" err="1" smtClean="0"/>
+              <a:t>status</a:t>
             </a:r>
             <a:endParaRPr lang="fr-FR" dirty="0" smtClean="0"/>
           </a:p>
           <a:p>
-            <a:pPr marL="285750" indent="-285750">
-              <a:buFont typeface="Arial" panose="020B0604020202020204" pitchFamily="34" charset="0"/>
-              <a:buChar char="•"/>
-            </a:pPr>
-            <a:r>
-              <a:rPr lang="fr-FR" dirty="0"/>
-              <a:t>e</a:t>
-            </a:r>
-            <a:r>
-              <a:rPr lang="fr-FR" dirty="0" smtClean="0"/>
-              <a:t>nvoi  groupé des données et empreinte</a:t>
-            </a:r>
-          </a:p>
-          <a:p>
-            <a:endParaRPr lang="fr-FR" dirty="0" smtClean="0"/>
-          </a:p>
-          <a:p>
-            <a:pPr marL="285750" indent="-285750">
-              <a:buFont typeface="Wingdings" panose="05000000000000000000" pitchFamily="2" charset="2"/>
-              <a:buChar char="Ø"/>
-            </a:pPr>
-            <a:r>
-              <a:rPr lang="fr-FR" sz="1500" u="sng" dirty="0"/>
-              <a:t>Principe </a:t>
-            </a:r>
-            <a:r>
-              <a:rPr lang="fr-FR" sz="1500" u="sng" dirty="0" smtClean="0"/>
-              <a:t>de réception  </a:t>
-            </a:r>
-            <a:r>
-              <a:rPr lang="fr-FR" sz="1500" u="sng" dirty="0"/>
-              <a:t>de données </a:t>
-            </a:r>
-            <a:r>
-              <a:rPr lang="fr-FR" sz="1500" u="sng" dirty="0" smtClean="0"/>
-              <a:t>signées</a:t>
-            </a:r>
-            <a:endParaRPr lang="fr-FR" sz="1500" dirty="0"/>
-          </a:p>
-          <a:p>
-            <a:pPr marL="285750" indent="-285750">
-              <a:buFont typeface="Arial" panose="020B0604020202020204" pitchFamily="34" charset="0"/>
-              <a:buChar char="•"/>
-            </a:pPr>
-            <a:r>
-              <a:rPr lang="fr-FR" dirty="0"/>
-              <a:t>r</a:t>
-            </a:r>
-            <a:r>
-              <a:rPr lang="fr-FR" dirty="0" smtClean="0"/>
-              <a:t>éception des données et empreinte</a:t>
-            </a:r>
-          </a:p>
-          <a:p>
-            <a:pPr marL="285750" indent="-285750">
-              <a:buFont typeface="Arial" panose="020B0604020202020204" pitchFamily="34" charset="0"/>
-              <a:buChar char="•"/>
-            </a:pPr>
-            <a:r>
-              <a:rPr lang="fr-FR" dirty="0"/>
-              <a:t>h</a:t>
-            </a:r>
-            <a:r>
-              <a:rPr lang="fr-FR" dirty="0" smtClean="0"/>
-              <a:t>achage sur </a:t>
-            </a:r>
-            <a:r>
-              <a:rPr lang="fr-FR" dirty="0"/>
-              <a:t>les </a:t>
-            </a:r>
-            <a:r>
-              <a:rPr lang="fr-FR" dirty="0" smtClean="0"/>
-              <a:t>données pour produite « empreinte » calculée</a:t>
-            </a:r>
-            <a:endParaRPr lang="fr-FR" dirty="0"/>
-          </a:p>
-          <a:p>
-            <a:pPr marL="285750" indent="-285750">
-              <a:buFont typeface="Arial" panose="020B0604020202020204" pitchFamily="34" charset="0"/>
-              <a:buChar char="•"/>
-            </a:pPr>
-            <a:r>
-              <a:rPr lang="fr-FR" dirty="0" smtClean="0"/>
-              <a:t>déchiffrement de l’ «</a:t>
-            </a:r>
-            <a:r>
-              <a:rPr lang="fr-FR" dirty="0"/>
-              <a:t> empreinte » </a:t>
-            </a:r>
-            <a:r>
-              <a:rPr lang="fr-FR" dirty="0" smtClean="0"/>
-              <a:t>reçue avec </a:t>
-            </a:r>
-            <a:r>
-              <a:rPr lang="fr-FR" dirty="0" err="1" smtClean="0"/>
-              <a:t>Kd</a:t>
-            </a:r>
-            <a:r>
-              <a:rPr lang="fr-FR" dirty="0" smtClean="0"/>
-              <a:t> + </a:t>
-            </a:r>
-            <a:r>
-              <a:rPr lang="fr-FR" dirty="0" err="1" smtClean="0"/>
-              <a:t>Kpub</a:t>
-            </a:r>
-            <a:endParaRPr lang="fr-FR" dirty="0" smtClean="0"/>
-          </a:p>
-          <a:p>
-            <a:pPr marL="285750" indent="-285750">
-              <a:buFont typeface="Arial" panose="020B0604020202020204" pitchFamily="34" charset="0"/>
-              <a:buChar char="•"/>
-            </a:pPr>
-            <a:r>
-              <a:rPr lang="fr-FR" dirty="0"/>
-              <a:t>s</a:t>
-            </a:r>
-            <a:r>
-              <a:rPr lang="fr-FR" dirty="0" smtClean="0"/>
-              <a:t>i les deux empreintes sont identiques, les données sont « authentiques »</a:t>
-            </a:r>
-            <a:endParaRPr lang="fr-FR" dirty="0"/>
+            <a:endParaRPr lang="fr-FR" u="sng" dirty="0" smtClean="0"/>
           </a:p>
         </p:txBody>
       </p:sp>
     </p:spTree>
     <p:extLst>
       <p:ext uri="{BB962C8B-B14F-4D97-AF65-F5344CB8AC3E}">
-        <p14:creationId xmlns:p14="http://schemas.microsoft.com/office/powerpoint/2010/main" val="3408312722"/>
+        <p14:creationId xmlns:p14="http://schemas.microsoft.com/office/powerpoint/2010/main" val="2632884862"/>
       </p:ext>
     </p:extLst>
   </p:cSld>
@@ -5020,16 +4934,18 @@
         <p:spPr>
           <a:xfrm>
             <a:off x="839788" y="457200"/>
-            <a:ext cx="3932237" cy="909145"/>
+            <a:ext cx="6144906" cy="909145"/>
           </a:xfrm>
         </p:spPr>
         <p:txBody>
-          <a:bodyPr/>
+          <a:bodyPr>
+            <a:normAutofit/>
+          </a:bodyPr>
           <a:lstStyle/>
           <a:p>
             <a:r>
               <a:rPr lang="fr-FR" dirty="0" smtClean="0"/>
-              <a:t>Hachage</a:t>
+              <a:t>Déplacement GIT</a:t>
             </a:r>
             <a:endParaRPr lang="fr-FR" dirty="0"/>
           </a:p>
@@ -5076,125 +4992,277 @@
         </p:nvSpPr>
         <p:spPr>
           <a:xfrm>
-            <a:off x="1078350" y="1629103"/>
-            <a:ext cx="6247359" cy="5079057"/>
+            <a:off x="1078350" y="1629104"/>
+            <a:ext cx="6152009" cy="4635062"/>
           </a:xfrm>
         </p:spPr>
         <p:txBody>
           <a:bodyPr>
-            <a:normAutofit fontScale="85000" lnSpcReduction="20000"/>
+            <a:normAutofit fontScale="92500" lnSpcReduction="20000"/>
           </a:bodyPr>
           <a:lstStyle/>
           <a:p>
             <a:pPr marL="285750" indent="-285750">
-              <a:buFont typeface="Arial" panose="020B0604020202020204" pitchFamily="34" charset="0"/>
-              <a:buChar char="•"/>
+              <a:buFont typeface="Wingdings" panose="05000000000000000000" pitchFamily="2" charset="2"/>
+              <a:buChar char="Ø"/>
+            </a:pPr>
+            <a:r>
+              <a:rPr lang="fr-FR" u="sng" dirty="0" smtClean="0"/>
+              <a:t>Sélection branche ou </a:t>
+            </a:r>
+            <a:r>
+              <a:rPr lang="fr-FR" u="sng" dirty="0" err="1" smtClean="0"/>
+              <a:t>checkout</a:t>
+            </a:r>
+            <a:r>
+              <a:rPr lang="fr-FR" u="sng" dirty="0" smtClean="0"/>
+              <a:t>  </a:t>
+            </a:r>
+          </a:p>
+          <a:p>
+            <a:r>
+              <a:rPr lang="fr-FR" sz="1500" dirty="0"/>
+              <a:t>GIT se sert d’une variable HEAD donnant la branche ou le commit courant de </a:t>
+            </a:r>
+            <a:r>
+              <a:rPr lang="fr-FR" sz="1500" dirty="0" err="1"/>
+              <a:t>tavail</a:t>
+            </a:r>
+            <a:r>
+              <a:rPr lang="fr-FR" sz="1500" dirty="0"/>
+              <a:t>. Pour attacher HEAD à une branche (ici master) :</a:t>
+            </a:r>
+          </a:p>
+          <a:p>
+            <a:endParaRPr lang="fr-FR" dirty="0"/>
+          </a:p>
+          <a:p>
+            <a:pPr marL="742950" lvl="1" indent="-285750">
+              <a:buFont typeface="Wingdings" panose="05000000000000000000" pitchFamily="2" charset="2"/>
+              <a:buChar char="§"/>
             </a:pPr>
             <a:r>
               <a:rPr lang="fr-FR" dirty="0"/>
-              <a:t>Une fonction de hachage (« hash »)  est une fonction </a:t>
-            </a:r>
-            <a:r>
-              <a:rPr lang="fr-FR" dirty="0" smtClean="0"/>
-              <a:t>H appliquée </a:t>
-            </a:r>
+              <a:t>git </a:t>
+            </a:r>
+            <a:r>
+              <a:rPr lang="fr-FR" dirty="0" smtClean="0"/>
+              <a:t>  </a:t>
+            </a:r>
+            <a:r>
+              <a:rPr lang="fr-FR" dirty="0" err="1" smtClean="0"/>
+              <a:t>checkout</a:t>
+            </a:r>
+            <a:r>
+              <a:rPr lang="fr-FR" dirty="0" smtClean="0"/>
+              <a:t> master</a:t>
+            </a:r>
+          </a:p>
+          <a:p>
+            <a:pPr lvl="1"/>
+            <a:endParaRPr lang="fr-FR" sz="1600" dirty="0"/>
+          </a:p>
+          <a:p>
+            <a:r>
+              <a:rPr lang="fr-FR" sz="1500" dirty="0" smtClean="0"/>
+              <a:t>Et pour l’attacher à un commit (ici C1 de la branche master) </a:t>
+            </a:r>
+            <a:r>
+              <a:rPr lang="fr-FR" sz="1600" dirty="0" smtClean="0"/>
+              <a:t>:</a:t>
+            </a:r>
+            <a:endParaRPr lang="fr-FR" sz="1600" dirty="0"/>
+          </a:p>
+          <a:p>
+            <a:pPr marL="742950" lvl="1" indent="-285750">
+              <a:buFont typeface="Wingdings" panose="05000000000000000000" pitchFamily="2" charset="2"/>
+              <a:buChar char="§"/>
+            </a:pPr>
+            <a:endParaRPr lang="fr-FR" dirty="0" smtClean="0"/>
+          </a:p>
+          <a:p>
+            <a:pPr marL="742950" lvl="1" indent="-285750">
+              <a:buFont typeface="Wingdings" panose="05000000000000000000" pitchFamily="2" charset="2"/>
+              <a:buChar char="§"/>
+            </a:pPr>
+            <a:r>
+              <a:rPr lang="fr-FR" dirty="0" smtClean="0"/>
+              <a:t>git </a:t>
+            </a:r>
+            <a:r>
+              <a:rPr lang="fr-FR" dirty="0" err="1" smtClean="0"/>
+              <a:t>checkout</a:t>
+            </a:r>
+            <a:r>
+              <a:rPr lang="fr-FR" dirty="0" smtClean="0"/>
+              <a:t>  master</a:t>
+            </a:r>
+          </a:p>
+          <a:p>
+            <a:pPr marL="742950" lvl="1" indent="-285750">
+              <a:buFont typeface="Wingdings" panose="05000000000000000000" pitchFamily="2" charset="2"/>
+              <a:buChar char="§"/>
+            </a:pPr>
             <a:r>
               <a:rPr lang="fr-FR" dirty="0"/>
-              <a:t>sur une donnée (usuellement un bloc binaire m de l octets) retournant un identifiant (usuellement une valeur numérique entière H(m) comprise entre 0 et n-1).</a:t>
-            </a:r>
-          </a:p>
-          <a:p>
-            <a:pPr marL="285750" indent="-285750">
-              <a:buFont typeface="Arial" panose="020B0604020202020204" pitchFamily="34" charset="0"/>
-              <a:buChar char="•"/>
-            </a:pPr>
-            <a:r>
-              <a:rPr lang="fr-FR" dirty="0" smtClean="0"/>
-              <a:t>L’entier H(m) sert d’ordinaire d’indice dans un tableau : clair( H(m) ) = (m, informations(m))</a:t>
-            </a:r>
-          </a:p>
-          <a:p>
-            <a:pPr marL="285750" indent="-285750">
-              <a:buFont typeface="Arial" panose="020B0604020202020204" pitchFamily="34" charset="0"/>
-              <a:buChar char="•"/>
-            </a:pPr>
-            <a:r>
-              <a:rPr lang="fr-FR" dirty="0" smtClean="0"/>
-              <a:t>La fonction peut produire des doublons (H(m1) = H(m2) avec m1 différent de m2). Dans ce cas les données m1,m2,.. sont rangés séquentiellement dans le tableau. Alternative : H(m) contient une valeur d’une autre fonction de hachage.</a:t>
-            </a:r>
-          </a:p>
-          <a:p>
-            <a:pPr marL="285750" indent="-285750">
-              <a:buFont typeface="Arial" panose="020B0604020202020204" pitchFamily="34" charset="0"/>
-              <a:buChar char="•"/>
-            </a:pPr>
-            <a:r>
-              <a:rPr lang="fr-FR" dirty="0" smtClean="0"/>
-              <a:t>L’existence de doublons interdit de deviner à coup sûr la donnée m à partir de la valeur de hachage H(m). La qualité de la fonction H est une probabilité faible de doublon pour deux données m1,m2 choisies aléatoirement dans  un ensemble de données.</a:t>
-            </a:r>
-          </a:p>
-          <a:p>
-            <a:pPr marL="285750" indent="-285750">
-              <a:buFont typeface="Arial" panose="020B0604020202020204" pitchFamily="34" charset="0"/>
-              <a:buChar char="•"/>
-            </a:pPr>
-            <a:r>
-              <a:rPr lang="fr-FR" dirty="0" smtClean="0"/>
-              <a:t>Le hachage est une méthode pour accélérer la recherche des informations sur une donnée m mais c’est aussi une caractéristique calculée de m, une </a:t>
-            </a:r>
-            <a:r>
-              <a:rPr lang="fr-FR" b="1" dirty="0" smtClean="0"/>
-              <a:t>signature numérique </a:t>
-            </a:r>
-            <a:r>
-              <a:rPr lang="fr-FR" dirty="0" smtClean="0"/>
-              <a:t>de celle-ci. Elle peut être vue comme un condensat, un résumé de m.</a:t>
-            </a:r>
-          </a:p>
-          <a:p>
-            <a:pPr marL="285750" indent="-285750">
-              <a:buFont typeface="Arial" panose="020B0604020202020204" pitchFamily="34" charset="0"/>
-              <a:buChar char="•"/>
-            </a:pPr>
-            <a:r>
-              <a:rPr lang="fr-FR" dirty="0" smtClean="0"/>
-              <a:t>La fonction principale de la signature numérique H est de prouver la non-intégrité d’une donnée corrompue m…..comme un test ADN qui permet d’exclure des suspects innocents.</a:t>
-            </a:r>
-          </a:p>
-          <a:p>
-            <a:pPr marL="285750" indent="-285750">
-              <a:buFont typeface="Arial" panose="020B0604020202020204" pitchFamily="34" charset="0"/>
-              <a:buChar char="•"/>
-            </a:pPr>
-            <a:r>
-              <a:rPr lang="fr-FR" dirty="0" smtClean="0"/>
-              <a:t>Exemple de hachage avec une </a:t>
-            </a:r>
-            <a:r>
-              <a:rPr lang="fr-FR" b="1" dirty="0" smtClean="0"/>
-              <a:t>somme de contrôle </a:t>
-            </a:r>
-            <a:r>
-              <a:rPr lang="fr-FR" dirty="0" smtClean="0"/>
-              <a:t>:  calculer la somme modulo 2 d’un entier m, H(m) = 0 si l’entier est pair et H(m) = 1 si l’entier est impair.</a:t>
-            </a:r>
-          </a:p>
-          <a:p>
-            <a:pPr marL="285750" indent="-285750">
-              <a:buFont typeface="Arial" panose="020B0604020202020204" pitchFamily="34" charset="0"/>
-              <a:buChar char="•"/>
-            </a:pPr>
-            <a:r>
-              <a:rPr lang="fr-FR" dirty="0" smtClean="0"/>
-              <a:t>Des sommes de contrôles ont été définies pour permettre une détection des erreurs dans la données. Exemple : CRC basé sur le reste de division de polynômes à coefficient entiers.</a:t>
-            </a:r>
+              <a:t>g</a:t>
+            </a:r>
+            <a:r>
+              <a:rPr lang="fr-FR" dirty="0" smtClean="0"/>
+              <a:t>it </a:t>
+            </a:r>
+            <a:r>
+              <a:rPr lang="fr-FR" dirty="0" err="1" smtClean="0"/>
+              <a:t>checkout</a:t>
+            </a:r>
+            <a:r>
+              <a:rPr lang="fr-FR" dirty="0" smtClean="0"/>
+              <a:t> C1</a:t>
+            </a:r>
+          </a:p>
+          <a:p>
+            <a:pPr marL="742950" lvl="1" indent="-285750">
+              <a:buFont typeface="Wingdings" panose="05000000000000000000" pitchFamily="2" charset="2"/>
+              <a:buChar char="§"/>
+            </a:pPr>
+            <a:r>
+              <a:rPr lang="fr-FR" dirty="0"/>
+              <a:t>g</a:t>
+            </a:r>
+            <a:r>
+              <a:rPr lang="fr-FR" dirty="0" smtClean="0"/>
+              <a:t>it </a:t>
+            </a:r>
+            <a:r>
+              <a:rPr lang="fr-FR" dirty="0" err="1" smtClean="0"/>
+              <a:t>status</a:t>
+            </a:r>
+            <a:endParaRPr lang="fr-FR" dirty="0"/>
+          </a:p>
+          <a:p>
+            <a:endParaRPr lang="fr-FR" sz="1500" dirty="0" smtClean="0"/>
+          </a:p>
+          <a:p>
+            <a:r>
+              <a:rPr lang="fr-FR" sz="1500" dirty="0" smtClean="0"/>
+              <a:t>pour remonter au commit précédent, utiliser ^  comme ici</a:t>
+            </a:r>
+            <a:r>
+              <a:rPr lang="fr-FR" dirty="0" smtClean="0"/>
+              <a:t>:</a:t>
+            </a:r>
+            <a:endParaRPr lang="fr-FR" dirty="0"/>
+          </a:p>
+          <a:p>
+            <a:pPr marL="742950" lvl="1" indent="-285750">
+              <a:buFont typeface="Wingdings" panose="05000000000000000000" pitchFamily="2" charset="2"/>
+              <a:buChar char="§"/>
+            </a:pPr>
+            <a:endParaRPr lang="fr-FR" dirty="0"/>
+          </a:p>
+          <a:p>
+            <a:pPr marL="742950" lvl="1" indent="-285750">
+              <a:buFont typeface="Wingdings" panose="05000000000000000000" pitchFamily="2" charset="2"/>
+              <a:buChar char="§"/>
+            </a:pPr>
+            <a:r>
+              <a:rPr lang="fr-FR" dirty="0"/>
+              <a:t>git </a:t>
+            </a:r>
+            <a:r>
+              <a:rPr lang="fr-FR" dirty="0" err="1"/>
+              <a:t>checkout</a:t>
+            </a:r>
+            <a:r>
+              <a:rPr lang="fr-FR" dirty="0"/>
+              <a:t>  </a:t>
+            </a:r>
+            <a:r>
+              <a:rPr lang="fr-FR" dirty="0" smtClean="0"/>
+              <a:t>master^</a:t>
+            </a:r>
+          </a:p>
+          <a:p>
+            <a:endParaRPr lang="fr-FR" sz="1500" dirty="0"/>
+          </a:p>
+          <a:p>
+            <a:r>
+              <a:rPr lang="fr-FR" sz="1500" dirty="0"/>
+              <a:t>o</a:t>
+            </a:r>
+            <a:r>
+              <a:rPr lang="fr-FR" sz="1500" dirty="0" smtClean="0"/>
+              <a:t>u en se servant de HEAD, après l’avoir détaché de la branche et attaché à un commit :</a:t>
+            </a:r>
+            <a:endParaRPr lang="fr-FR" dirty="0"/>
+          </a:p>
+          <a:p>
+            <a:pPr marL="742950" lvl="1" indent="-285750">
+              <a:buFont typeface="Wingdings" panose="05000000000000000000" pitchFamily="2" charset="2"/>
+              <a:buChar char="§"/>
+            </a:pPr>
+            <a:r>
+              <a:rPr lang="fr-FR" dirty="0"/>
+              <a:t>git </a:t>
+            </a:r>
+            <a:r>
+              <a:rPr lang="fr-FR" dirty="0" err="1"/>
+              <a:t>checkout</a:t>
+            </a:r>
+            <a:r>
+              <a:rPr lang="fr-FR" dirty="0"/>
+              <a:t>  </a:t>
+            </a:r>
+            <a:r>
+              <a:rPr lang="fr-FR" dirty="0" smtClean="0"/>
+              <a:t>C1</a:t>
+            </a:r>
+          </a:p>
+          <a:p>
+            <a:pPr marL="742950" lvl="1" indent="-285750">
+              <a:buFont typeface="Wingdings" panose="05000000000000000000" pitchFamily="2" charset="2"/>
+              <a:buChar char="§"/>
+            </a:pPr>
+            <a:r>
+              <a:rPr lang="fr-FR" dirty="0"/>
+              <a:t>g</a:t>
+            </a:r>
+            <a:r>
+              <a:rPr lang="fr-FR" dirty="0" smtClean="0"/>
+              <a:t>it </a:t>
+            </a:r>
+            <a:r>
+              <a:rPr lang="fr-FR" dirty="0" err="1" smtClean="0"/>
+              <a:t>checkout</a:t>
+            </a:r>
+            <a:r>
+              <a:rPr lang="fr-FR" dirty="0" smtClean="0"/>
+              <a:t> HEAD^</a:t>
+            </a:r>
+          </a:p>
+          <a:p>
+            <a:pPr marL="742950" lvl="1" indent="-285750">
+              <a:buFont typeface="Wingdings" panose="05000000000000000000" pitchFamily="2" charset="2"/>
+              <a:buChar char="§"/>
+            </a:pPr>
+            <a:endParaRPr lang="fr-FR" dirty="0"/>
+          </a:p>
+          <a:p>
+            <a:pPr marL="742950" lvl="1" indent="-285750">
+              <a:buFont typeface="Wingdings" panose="05000000000000000000" pitchFamily="2" charset="2"/>
+              <a:buChar char="§"/>
+            </a:pPr>
+            <a:endParaRPr lang="fr-FR" dirty="0" smtClean="0"/>
+          </a:p>
+          <a:p>
+            <a:endParaRPr lang="fr-FR" u="sng" dirty="0" smtClean="0"/>
           </a:p>
         </p:txBody>
       </p:sp>
     </p:spTree>
     <p:extLst>
       <p:ext uri="{BB962C8B-B14F-4D97-AF65-F5344CB8AC3E}">
-        <p14:creationId xmlns:p14="http://schemas.microsoft.com/office/powerpoint/2010/main" val="2283665988"/>
+        <p14:creationId xmlns:p14="http://schemas.microsoft.com/office/powerpoint/2010/main" val="2942330961"/>
       </p:ext>
     </p:extLst>
   </p:cSld>
@@ -5241,7 +5309,7 @@
         <p:spPr>
           <a:xfrm>
             <a:off x="839788" y="457200"/>
-            <a:ext cx="5039804" cy="909145"/>
+            <a:ext cx="6144906" cy="909145"/>
           </a:xfrm>
         </p:spPr>
         <p:txBody>
@@ -5252,7 +5320,7 @@
           <a:p>
             <a:r>
               <a:rPr lang="fr-FR" dirty="0" smtClean="0"/>
-              <a:t>Hachage cryptographique</a:t>
+              <a:t>Processus de développement GIT</a:t>
             </a:r>
             <a:endParaRPr lang="fr-FR" dirty="0"/>
           </a:p>
@@ -5299,85 +5367,127 @@
         </p:nvSpPr>
         <p:spPr>
           <a:xfrm>
-            <a:off x="1078350" y="1629103"/>
-            <a:ext cx="6247359" cy="5079057"/>
+            <a:off x="1078350" y="1629104"/>
+            <a:ext cx="6247359" cy="4635062"/>
           </a:xfrm>
         </p:spPr>
         <p:txBody>
           <a:bodyPr>
-            <a:normAutofit/>
+            <a:normAutofit fontScale="92500" lnSpcReduction="10000"/>
           </a:bodyPr>
           <a:lstStyle/>
           <a:p>
-            <a:pPr marL="285750" indent="-285750">
-              <a:buFont typeface="Arial" panose="020B0604020202020204" pitchFamily="34" charset="0"/>
-              <a:buChar char="•"/>
-            </a:pPr>
-            <a:r>
-              <a:rPr lang="fr-FR" dirty="0" smtClean="0"/>
-              <a:t>Les fonctions de hachages pour la cryptographie numérique « </a:t>
-            </a:r>
-            <a:r>
-              <a:rPr lang="fr-FR" b="1" dirty="0" err="1" smtClean="0"/>
-              <a:t>C</a:t>
-            </a:r>
-            <a:r>
-              <a:rPr lang="fr-FR" dirty="0" err="1" smtClean="0"/>
-              <a:t>ryptographic</a:t>
+            <a:r>
+              <a:rPr lang="fr-FR" dirty="0" smtClean="0"/>
+              <a:t>Une formation </a:t>
+            </a:r>
+            <a:r>
+              <a:rPr lang="fr-FR" dirty="0" err="1" smtClean="0"/>
+              <a:t>en-ligne</a:t>
+            </a:r>
+            <a:r>
+              <a:rPr lang="fr-FR" dirty="0" smtClean="0"/>
+              <a:t> au processus de développement (« workflow ») GIT est accessible ici :  </a:t>
+            </a:r>
+            <a:r>
+              <a:rPr lang="fr-FR" dirty="0" smtClean="0">
+                <a:hlinkClick r:id="rId3"/>
+              </a:rPr>
+              <a:t>https://learngitbranching.org</a:t>
+            </a:r>
+            <a:endParaRPr lang="fr-FR" dirty="0" smtClean="0"/>
+          </a:p>
+          <a:p>
+            <a:r>
+              <a:rPr lang="fr-FR" dirty="0" smtClean="0"/>
+              <a:t>La formation est interactive et graphique avec des ronds (« C0 »,.. = en fait, c’est une valeur numérique de hachage du commit) représentant l’état </a:t>
+            </a:r>
+            <a:r>
+              <a:rPr lang="fr-FR" dirty="0" err="1" smtClean="0"/>
+              <a:t>checkout</a:t>
+            </a:r>
+            <a:r>
+              <a:rPr lang="fr-FR" dirty="0" smtClean="0"/>
+              <a:t> des fichiers d’un projet. Les flèches entre les ronds représentent un héritage, une chronologie. </a:t>
+            </a:r>
+          </a:p>
+          <a:p>
+            <a:r>
+              <a:rPr lang="fr-FR" dirty="0" smtClean="0"/>
+              <a:t>Il n’est pas exhaustif car il se focalise sur l’activité d’un utilisateur projet GIT profil « développeur », qui est essentiellement </a:t>
+            </a:r>
+            <a:r>
+              <a:rPr lang="fr-FR" b="1" dirty="0" smtClean="0"/>
+              <a:t>au sein d’une branche de développement individuelle</a:t>
+            </a:r>
+            <a:r>
+              <a:rPr lang="fr-FR" dirty="0" smtClean="0"/>
+              <a:t>.</a:t>
+            </a:r>
+          </a:p>
+          <a:p>
+            <a:r>
+              <a:rPr lang="fr-FR" dirty="0" smtClean="0"/>
+              <a:t>Le « commit » dans un </a:t>
+            </a:r>
+            <a:r>
+              <a:rPr lang="fr-FR" dirty="0" err="1" smtClean="0"/>
+              <a:t>repository</a:t>
+            </a:r>
+            <a:r>
+              <a:rPr lang="fr-FR" dirty="0" smtClean="0"/>
+              <a:t> est une opération à réaliser par un développeur, lorsqu’il souhaite une mise à jour de son environnement local par rapport à l’espace de référence.</a:t>
+            </a:r>
+          </a:p>
+          <a:p>
+            <a:r>
+              <a:rPr lang="fr-FR" dirty="0" smtClean="0"/>
+              <a:t>Chaque opération « commit » provoque le calcul d’un « delta » pour chacun des fichiers. Dans la branche, un développeur voit les fichiers comme dans la branche principale, par le biais de ces deltas</a:t>
+            </a:r>
+            <a:r>
+              <a:rPr lang="fr-FR" dirty="0" smtClean="0"/>
+              <a:t>.</a:t>
+            </a:r>
+          </a:p>
+          <a:p>
+            <a:endParaRPr lang="fr-FR" dirty="0"/>
+          </a:p>
+          <a:p>
+            <a:r>
+              <a:rPr lang="fr-FR" dirty="0" smtClean="0"/>
+              <a:t>Fichiers PDF d’aide à la mémorisation GIT :</a:t>
+            </a:r>
+          </a:p>
+          <a:p>
+            <a:pPr marL="285750" indent="-285750">
+              <a:buFontTx/>
+              <a:buChar char="-"/>
+            </a:pPr>
+            <a:r>
+              <a:rPr lang="fr-FR" dirty="0" smtClean="0"/>
+              <a:t>Aide mémoire GIT</a:t>
+            </a:r>
+          </a:p>
+          <a:p>
+            <a:pPr marL="285750" indent="-285750">
+              <a:buFontTx/>
+              <a:buChar char="-"/>
+            </a:pPr>
+            <a:r>
+              <a:rPr lang="fr-FR" dirty="0" smtClean="0"/>
+              <a:t>GIT </a:t>
+            </a:r>
+            <a:r>
+              <a:rPr lang="fr-FR" dirty="0" err="1" smtClean="0"/>
+              <a:t>Cheat</a:t>
             </a:r>
             <a:r>
               <a:rPr lang="fr-FR" dirty="0" smtClean="0"/>
               <a:t> </a:t>
             </a:r>
             <a:r>
-              <a:rPr lang="fr-FR" b="1" dirty="0" smtClean="0"/>
-              <a:t>H</a:t>
-            </a:r>
-            <a:r>
-              <a:rPr lang="fr-FR" dirty="0" smtClean="0"/>
-              <a:t>ash </a:t>
-            </a:r>
-            <a:r>
-              <a:rPr lang="fr-FR" b="1" dirty="0" err="1" smtClean="0"/>
-              <a:t>F</a:t>
-            </a:r>
-            <a:r>
-              <a:rPr lang="fr-FR" dirty="0" err="1" smtClean="0"/>
-              <a:t>unction</a:t>
-            </a:r>
-            <a:r>
-              <a:rPr lang="fr-FR" dirty="0" smtClean="0"/>
-              <a:t> » sont celles garantissant une sécurité et des performances de calcul optimales : très peu de doublons, calcul H(m) rapide.</a:t>
-            </a:r>
-          </a:p>
-          <a:p>
-            <a:pPr marL="285750" indent="-285750">
-              <a:buFont typeface="Arial" panose="020B0604020202020204" pitchFamily="34" charset="0"/>
-              <a:buChar char="•"/>
-            </a:pPr>
-            <a:r>
-              <a:rPr lang="fr-FR" dirty="0" smtClean="0"/>
-              <a:t>Une fonction de hachage cryptographique est souvent paramétrable et s’appuie sur un « salage » de la donnée m : la donnée m est modifiée par un paramètre aléatoire défini au dernier moment (avant envoi pour un message). Le hachage H(m) est donc différent à chaque envoi.</a:t>
-            </a:r>
-          </a:p>
-          <a:p>
-            <a:pPr marL="285750" indent="-285750">
-              <a:buFont typeface="Arial" panose="020B0604020202020204" pitchFamily="34" charset="0"/>
-              <a:buChar char="•"/>
-            </a:pPr>
-            <a:r>
-              <a:rPr lang="fr-FR" dirty="0" smtClean="0"/>
-              <a:t>Chaque état définit les normes cryptographiques en vigueur pour les systèmes informatiques sous sa juridiction. Aux US, c’est le NIST (dépendant du ministre du commerce) qui est chargé de la définition et l’application de ces normes. Pour la signature numérique,  c’est le Digital Standard Signature (DSA) qui est la norme.</a:t>
-            </a:r>
-          </a:p>
-          <a:p>
-            <a:pPr marL="285750" indent="-285750">
-              <a:buFont typeface="Arial" panose="020B0604020202020204" pitchFamily="34" charset="0"/>
-              <a:buChar char="•"/>
-            </a:pPr>
-            <a:r>
-              <a:rPr lang="fr-FR" dirty="0" smtClean="0"/>
-              <a:t>Le DSA se décline en pratique sous forme de différents hachages cryptographique, DSA et RSA, et plus récemment ECDSA, un hachage basé sur le concept mathématique des courbes elliptiques.</a:t>
+              <a:rPr lang="fr-FR" dirty="0" err="1" smtClean="0"/>
+              <a:t>Sheets</a:t>
             </a:r>
             <a:endParaRPr lang="fr-FR" dirty="0"/>
           </a:p>
@@ -5386,7 +5496,7 @@
     </p:spTree>
     <p:extLst>
       <p:ext uri="{BB962C8B-B14F-4D97-AF65-F5344CB8AC3E}">
-        <p14:creationId xmlns:p14="http://schemas.microsoft.com/office/powerpoint/2010/main" val="3407918255"/>
+        <p14:creationId xmlns:p14="http://schemas.microsoft.com/office/powerpoint/2010/main" val="3716165302"/>
       </p:ext>
     </p:extLst>
   </p:cSld>
@@ -5433,16 +5543,18 @@
         <p:spPr>
           <a:xfrm>
             <a:off x="839788" y="457200"/>
-            <a:ext cx="3932237" cy="909145"/>
+            <a:ext cx="6144906" cy="909145"/>
           </a:xfrm>
         </p:spPr>
         <p:txBody>
-          <a:bodyPr/>
+          <a:bodyPr>
+            <a:normAutofit/>
+          </a:bodyPr>
           <a:lstStyle/>
           <a:p>
             <a:r>
               <a:rPr lang="fr-FR" dirty="0" smtClean="0"/>
-              <a:t>Courbe elliptique</a:t>
+              <a:t>PAF et mode d’emploi GITLAB</a:t>
             </a:r>
             <a:endParaRPr lang="fr-FR" dirty="0"/>
           </a:p>
@@ -5472,8 +5584,8 @@
         </p:blipFill>
         <p:spPr>
           <a:xfrm>
-            <a:off x="4360364" y="1710489"/>
-            <a:ext cx="7346704" cy="4602176"/>
+            <a:off x="7112000" y="2438400"/>
+            <a:ext cx="2314575" cy="1971675"/>
           </a:xfrm>
         </p:spPr>
       </p:pic>
@@ -5489,149 +5601,481 @@
         </p:nvSpPr>
         <p:spPr>
           <a:xfrm>
-            <a:off x="503997" y="1677603"/>
-            <a:ext cx="4574780" cy="4635062"/>
+            <a:off x="1078350" y="1629104"/>
+            <a:ext cx="6247359" cy="4635062"/>
           </a:xfrm>
         </p:spPr>
         <p:txBody>
           <a:bodyPr>
-            <a:normAutofit lnSpcReduction="10000"/>
+            <a:normAutofit fontScale="70000" lnSpcReduction="20000"/>
           </a:bodyPr>
           <a:lstStyle/>
           <a:p>
-            <a:pPr marL="285750" indent="-285750">
-              <a:buFont typeface="Wingdings" panose="05000000000000000000" pitchFamily="2" charset="2"/>
-              <a:buChar char="Ø"/>
-            </a:pPr>
-            <a:r>
-              <a:rPr lang="fr-FR" sz="1500" u="sng" dirty="0" smtClean="0"/>
-              <a:t>Courbe </a:t>
-            </a:r>
-            <a:r>
-              <a:rPr lang="fr-FR" sz="1500" u="sng" dirty="0"/>
-              <a:t>elliptique (  </a:t>
-            </a:r>
-            <a:r>
-              <a:rPr lang="fr-FR" sz="1500" u="sng" dirty="0" err="1"/>
-              <a:t>Elliptic</a:t>
-            </a:r>
-            <a:r>
-              <a:rPr lang="fr-FR" sz="1500" u="sng" dirty="0"/>
+            <a:r>
+              <a:rPr lang="fr-FR" dirty="0" smtClean="0"/>
+              <a:t>La PAF (Plate Forme d’Autoformation) de Thales Services (Cathy </a:t>
+            </a:r>
+            <a:r>
+              <a:rPr lang="fr-FR" dirty="0" err="1" smtClean="0"/>
+              <a:t>Cidiac</a:t>
+            </a:r>
+            <a:r>
+              <a:rPr lang="fr-FR" dirty="0" smtClean="0"/>
+              <a:t>,..) a mis en ligne trois documents explicatifs, dont un sur </a:t>
+            </a:r>
+            <a:r>
+              <a:rPr lang="fr-FR" dirty="0" err="1" smtClean="0"/>
+              <a:t>gitlab</a:t>
+            </a:r>
+            <a:r>
+              <a:rPr lang="fr-FR" dirty="0" smtClean="0"/>
+              <a:t>, que je vais résumer ici.</a:t>
+            </a:r>
+          </a:p>
+          <a:p>
+            <a:r>
+              <a:rPr lang="fr-FR" dirty="0" smtClean="0"/>
+              <a:t>Le </a:t>
+            </a:r>
+            <a:r>
+              <a:rPr lang="fr-FR" dirty="0" err="1" smtClean="0"/>
+              <a:t>Redmine</a:t>
+            </a:r>
+            <a:r>
+              <a:rPr lang="fr-FR" dirty="0" smtClean="0"/>
+              <a:t> PAF est accessible via l’Intranet à </a:t>
+            </a:r>
+            <a:r>
+              <a:rPr lang="fr-FR" dirty="0"/>
+              <a:t>l’URL : </a:t>
+            </a:r>
+            <a:r>
+              <a:rPr lang="fr-FR" dirty="0">
+                <a:hlinkClick r:id="rId3"/>
+              </a:rPr>
+              <a:t>https://</a:t>
+            </a:r>
+            <a:r>
+              <a:rPr lang="fr-FR" dirty="0" smtClean="0">
+                <a:hlinkClick r:id="rId3"/>
+              </a:rPr>
+              <a:t>collaborative-so.thales-services.fr/redmine/projects/paf-public</a:t>
+            </a:r>
+            <a:r>
+              <a:rPr lang="fr-FR" dirty="0" smtClean="0"/>
+              <a:t>. Elle est administrée (management + wiki) par Cathy </a:t>
+            </a:r>
+            <a:r>
+              <a:rPr lang="fr-FR" dirty="0" err="1" smtClean="0"/>
+              <a:t>Cidiac</a:t>
+            </a:r>
+            <a:r>
+              <a:rPr lang="fr-FR" dirty="0"/>
               <a:t> </a:t>
             </a:r>
             <a:r>
-              <a:rPr lang="fr-FR" sz="1500" u="sng" dirty="0" err="1"/>
-              <a:t>curve</a:t>
-            </a:r>
-            <a:r>
-              <a:rPr lang="fr-FR" sz="1500" u="sng" dirty="0"/>
-              <a:t> )</a:t>
-            </a:r>
-          </a:p>
-          <a:p>
-            <a:pPr marL="285750" indent="-285750">
-              <a:buFont typeface="Arial" panose="020B0604020202020204" pitchFamily="34" charset="0"/>
-              <a:buChar char="•"/>
-            </a:pPr>
-            <a:r>
-              <a:rPr lang="fr-FR" dirty="0" smtClean="0"/>
-              <a:t>C’est la base mathématique du hachage cryptographique de la norme ECDSA </a:t>
-            </a:r>
-          </a:p>
-          <a:p>
-            <a:pPr marL="285750" indent="-285750">
-              <a:buFont typeface="Arial" panose="020B0604020202020204" pitchFamily="34" charset="0"/>
-              <a:buChar char="•"/>
-            </a:pPr>
-            <a:r>
-              <a:rPr lang="fr-FR" dirty="0" smtClean="0"/>
-              <a:t>La sécurité de ce mode de cryptage est la difficulté de calculer en temps raisonnable la clé privé d’encryptage d’une signature numérique.</a:t>
-            </a:r>
-          </a:p>
-          <a:p>
-            <a:pPr marL="285750" indent="-285750">
-              <a:buFont typeface="Arial" panose="020B0604020202020204" pitchFamily="34" charset="0"/>
-              <a:buChar char="•"/>
-            </a:pPr>
-            <a:r>
-              <a:rPr lang="fr-FR" dirty="0" smtClean="0"/>
-              <a:t>Pour le RSA, c’est la difficulté de factoriser un nombre entier m donné en deux nombres </a:t>
-            </a:r>
-            <a:r>
-              <a:rPr lang="fr-FR" dirty="0" err="1" smtClean="0"/>
-              <a:t>p,q</a:t>
-            </a:r>
-            <a:r>
-              <a:rPr lang="fr-FR" dirty="0" smtClean="0"/>
-              <a:t> modulo un entier n : la durée de calcul est une fonction exponentielle du nombre de bits de m.</a:t>
-            </a:r>
-          </a:p>
-          <a:p>
-            <a:pPr marL="285750" indent="-285750">
-              <a:buFont typeface="Arial" panose="020B0604020202020204" pitchFamily="34" charset="0"/>
-              <a:buChar char="•"/>
-            </a:pPr>
-            <a:r>
-              <a:rPr lang="fr-FR" dirty="0" smtClean="0"/>
-              <a:t>La faiblesse du RSA est que cette factorisation est devenue plus aisée avec les techniques mathématiques et moyens informatiques les plus modernes (factorisation quantique dans quelques années ;-) )</a:t>
-            </a:r>
-          </a:p>
-          <a:p>
-            <a:pPr marL="285750" indent="-285750">
-              <a:buFont typeface="Arial" panose="020B0604020202020204" pitchFamily="34" charset="0"/>
-              <a:buChar char="•"/>
-            </a:pPr>
-            <a:r>
-              <a:rPr lang="fr-FR" dirty="0" smtClean="0"/>
-              <a:t>D’où l’idée d’utiliser un cryptage par courbe elliptique où la </a:t>
-            </a:r>
-            <a:r>
-              <a:rPr lang="fr-FR" smtClean="0"/>
-              <a:t>difficulté d’attaque </a:t>
-            </a:r>
-            <a:r>
-              <a:rPr lang="fr-FR" dirty="0" smtClean="0"/>
-              <a:t>est de trouver le nombre entier k tel que </a:t>
-            </a:r>
-            <a:r>
-              <a:rPr lang="fr-FR" dirty="0" err="1" smtClean="0"/>
-              <a:t>kG</a:t>
-            </a:r>
-            <a:r>
-              <a:rPr lang="fr-FR" dirty="0" smtClean="0"/>
-              <a:t> = (</a:t>
-            </a:r>
-            <a:r>
-              <a:rPr lang="fr-FR" dirty="0" err="1" smtClean="0"/>
-              <a:t>x,y</a:t>
-            </a:r>
-            <a:r>
-              <a:rPr lang="fr-FR" dirty="0" smtClean="0"/>
-              <a:t>) </a:t>
-            </a:r>
-            <a:r>
-              <a:rPr lang="fr-FR" dirty="0" err="1" smtClean="0"/>
-              <a:t>mod</a:t>
-            </a:r>
-            <a:r>
-              <a:rPr lang="fr-FR" dirty="0" smtClean="0"/>
-              <a:t> n à partir de la clé publique (E,G) et de la signature (</a:t>
-            </a:r>
-            <a:r>
-              <a:rPr lang="fr-FR" dirty="0" err="1" smtClean="0"/>
-              <a:t>x,y</a:t>
-            </a:r>
-            <a:r>
-              <a:rPr lang="fr-FR" dirty="0" smtClean="0"/>
-              <a:t>).</a:t>
-            </a:r>
+              <a:rPr lang="fr-FR" dirty="0" smtClean="0"/>
+              <a:t>et Pierre Pochon.</a:t>
+            </a:r>
+          </a:p>
+          <a:p>
+            <a:r>
+              <a:rPr lang="fr-FR" dirty="0" smtClean="0"/>
+              <a:t>Je ne suis pas « Contributeur » sur ce </a:t>
+            </a:r>
+            <a:r>
+              <a:rPr lang="fr-FR" dirty="0" err="1" smtClean="0"/>
+              <a:t>Redmine</a:t>
+            </a:r>
+            <a:r>
+              <a:rPr lang="fr-FR" dirty="0" smtClean="0"/>
+              <a:t>, je ne peux donc y faire des modifications.</a:t>
+            </a:r>
+          </a:p>
+          <a:p>
+            <a:r>
+              <a:rPr lang="fr-FR" dirty="0" smtClean="0"/>
+              <a:t>Sous </a:t>
+            </a:r>
+            <a:r>
+              <a:rPr lang="fr-FR" dirty="0" err="1" smtClean="0"/>
+              <a:t>dmsf</a:t>
+            </a:r>
+            <a:r>
+              <a:rPr lang="fr-FR" dirty="0" smtClean="0"/>
+              <a:t> (Documents / Support formation) il y a les trois documents « </a:t>
+            </a:r>
+            <a:r>
+              <a:rPr lang="fr-FR" dirty="0" err="1" smtClean="0"/>
+              <a:t>devops</a:t>
+            </a:r>
+            <a:r>
+              <a:rPr lang="fr-FR" dirty="0" smtClean="0"/>
+              <a:t> interne.pdf » (11/2019), « </a:t>
+            </a:r>
+            <a:r>
+              <a:rPr lang="fr-FR" dirty="0" err="1" smtClean="0"/>
+              <a:t>Kubernetes</a:t>
+            </a:r>
+            <a:r>
+              <a:rPr lang="fr-FR" dirty="0" smtClean="0"/>
+              <a:t> Essentials.pdf » (11/2020)  et « </a:t>
+            </a:r>
+            <a:r>
+              <a:rPr lang="fr-FR" dirty="0" err="1" smtClean="0"/>
+              <a:t>synthese</a:t>
+            </a:r>
+            <a:r>
+              <a:rPr lang="fr-FR" dirty="0" smtClean="0"/>
+              <a:t> </a:t>
+            </a:r>
+            <a:r>
+              <a:rPr lang="fr-FR" dirty="0" err="1" smtClean="0"/>
+              <a:t>big</a:t>
+            </a:r>
+            <a:r>
+              <a:rPr lang="fr-FR" dirty="0" smtClean="0"/>
+              <a:t> data.pdf » (11/2019).</a:t>
+            </a:r>
+            <a:endParaRPr lang="fr-FR" dirty="0"/>
+          </a:p>
+          <a:p>
+            <a:r>
+              <a:rPr lang="fr-FR" dirty="0" smtClean="0"/>
+              <a:t>Le dernier (</a:t>
+            </a:r>
+            <a:r>
+              <a:rPr lang="fr-FR" dirty="0" err="1" smtClean="0"/>
+              <a:t>synthese</a:t>
+            </a:r>
+            <a:r>
+              <a:rPr lang="fr-FR" dirty="0" smtClean="0"/>
+              <a:t> </a:t>
+            </a:r>
+            <a:r>
+              <a:rPr lang="fr-FR" dirty="0" err="1" smtClean="0"/>
+              <a:t>big</a:t>
+            </a:r>
+            <a:r>
+              <a:rPr lang="fr-FR" dirty="0" smtClean="0"/>
+              <a:t> data) est en fait un document ORSYS réalisé pour une formation de personnes de TGS (Thales Global Services)</a:t>
+            </a:r>
+            <a:r>
+              <a:rPr lang="fr-FR" dirty="0" smtClean="0"/>
+              <a:t>. Je diffère la lectur</a:t>
+            </a:r>
+            <a:r>
+              <a:rPr lang="fr-FR" dirty="0" smtClean="0"/>
+              <a:t>e pour l’instant, car je ne suis pas dans le « </a:t>
+            </a:r>
+            <a:r>
+              <a:rPr lang="fr-FR" dirty="0" err="1" smtClean="0"/>
+              <a:t>big</a:t>
+            </a:r>
+            <a:r>
+              <a:rPr lang="fr-FR" dirty="0" smtClean="0"/>
+              <a:t> data » pour l’instant pour cette autoformation.</a:t>
+            </a:r>
+          </a:p>
+          <a:p>
+            <a:r>
+              <a:rPr lang="fr-FR" dirty="0" smtClean="0"/>
+              <a:t>L’avant dernier document a trait à « </a:t>
+            </a:r>
+            <a:r>
+              <a:rPr lang="fr-FR" dirty="0" err="1" smtClean="0"/>
+              <a:t>Kubernes</a:t>
+            </a:r>
+            <a:r>
+              <a:rPr lang="fr-FR" dirty="0" smtClean="0"/>
+              <a:t> » un gestionnaire d’applications reposant sur des conteneurs</a:t>
+            </a:r>
+            <a:r>
+              <a:rPr lang="fr-FR" dirty="0" smtClean="0"/>
+              <a:t> « à la » docker, comme son nom en anglais l’indique « </a:t>
+            </a:r>
+            <a:r>
+              <a:rPr lang="fr-FR" b="1" dirty="0" smtClean="0"/>
+              <a:t>container orchestration </a:t>
+            </a:r>
+            <a:r>
+              <a:rPr lang="fr-FR" b="1" dirty="0" err="1" smtClean="0"/>
+              <a:t>tool</a:t>
+            </a:r>
+            <a:r>
+              <a:rPr lang="fr-FR" dirty="0" smtClean="0"/>
+              <a:t> ». Je passe aussi, car je me forme sur le développement logiciel plutôt que sur l’exploitation d’environnements d’exécution.</a:t>
+            </a:r>
+          </a:p>
+          <a:p>
+            <a:r>
+              <a:rPr lang="fr-FR" dirty="0" smtClean="0"/>
+              <a:t>Par contre j’exploite devops_interne.pdf pour une autoformation git.</a:t>
+            </a:r>
+          </a:p>
+          <a:p>
+            <a:r>
+              <a:rPr lang="fr-FR" dirty="0" smtClean="0"/>
+              <a:t>Accès à </a:t>
+            </a:r>
+            <a:r>
+              <a:rPr lang="fr-FR" dirty="0" err="1" smtClean="0"/>
+              <a:t>gitlab</a:t>
+            </a:r>
+            <a:r>
+              <a:rPr lang="fr-FR" dirty="0" smtClean="0"/>
+              <a:t> à l’URL :</a:t>
+            </a:r>
+            <a:r>
+              <a:rPr lang="fr-FR" dirty="0"/>
+              <a:t> </a:t>
+            </a:r>
+            <a:r>
+              <a:rPr lang="fr-FR" dirty="0" smtClean="0">
+                <a:hlinkClick r:id="rId4"/>
+              </a:rPr>
+              <a:t>https</a:t>
+            </a:r>
+            <a:r>
+              <a:rPr lang="fr-FR" dirty="0">
+                <a:hlinkClick r:id="rId4"/>
+              </a:rPr>
+              <a:t>://</a:t>
+            </a:r>
+            <a:r>
+              <a:rPr lang="fr-FR" dirty="0" smtClean="0">
+                <a:hlinkClick r:id="rId4"/>
+              </a:rPr>
+              <a:t>collab-so.thales-services.fr/gitlab/users/sign_in</a:t>
+            </a:r>
+            <a:r>
+              <a:rPr lang="fr-FR" dirty="0" smtClean="0"/>
+              <a:t> (l’URL </a:t>
+            </a:r>
+            <a:r>
+              <a:rPr lang="fr-FR" dirty="0" err="1" smtClean="0"/>
+              <a:t>gitlab</a:t>
+            </a:r>
+            <a:r>
+              <a:rPr lang="fr-FR" dirty="0" smtClean="0"/>
+              <a:t>/</a:t>
+            </a:r>
+            <a:r>
+              <a:rPr lang="fr-FR" dirty="0" err="1" smtClean="0"/>
+              <a:t>thales</a:t>
+            </a:r>
+            <a:r>
+              <a:rPr lang="fr-FR" dirty="0" smtClean="0"/>
+              <a:t>-services/paf </a:t>
+            </a:r>
+            <a:r>
+              <a:rPr lang="fr-FR" dirty="0" err="1" smtClean="0"/>
+              <a:t>renvoit</a:t>
+            </a:r>
+            <a:r>
+              <a:rPr lang="fr-FR" dirty="0" smtClean="0"/>
+              <a:t> vers </a:t>
+            </a:r>
+            <a:r>
+              <a:rPr lang="fr-FR" dirty="0" err="1" smtClean="0"/>
+              <a:t>cett</a:t>
+            </a:r>
+            <a:r>
+              <a:rPr lang="fr-FR" dirty="0" smtClean="0"/>
+              <a:t> page).</a:t>
+            </a:r>
+          </a:p>
+          <a:p>
+            <a:r>
+              <a:rPr lang="fr-FR" dirty="0" smtClean="0"/>
+              <a:t>C’est donc « GITLAB </a:t>
+            </a:r>
+            <a:r>
+              <a:rPr lang="fr-FR" dirty="0" err="1" smtClean="0"/>
+              <a:t>Community</a:t>
+            </a:r>
+            <a:r>
+              <a:rPr lang="fr-FR" dirty="0" smtClean="0"/>
+              <a:t> Edition » une version dite </a:t>
+            </a:r>
+            <a:r>
+              <a:rPr lang="fr-FR" dirty="0" err="1" smtClean="0"/>
+              <a:t>communtaire</a:t>
+            </a:r>
+            <a:r>
+              <a:rPr lang="fr-FR" dirty="0" smtClean="0"/>
+              <a:t> du logiciel GITLAB. J’essaie de me loger avec mon nom (</a:t>
+            </a:r>
+            <a:r>
+              <a:rPr lang="fr-FR" dirty="0" err="1" smtClean="0"/>
+              <a:t>Forgot</a:t>
+            </a:r>
+            <a:r>
+              <a:rPr lang="fr-FR" dirty="0" smtClean="0"/>
+              <a:t> </a:t>
+            </a:r>
+            <a:r>
+              <a:rPr lang="fr-FR" dirty="0" err="1" smtClean="0"/>
+              <a:t>password</a:t>
+            </a:r>
+            <a:r>
+              <a:rPr lang="fr-FR" dirty="0" smtClean="0"/>
+              <a:t>) et j’ai le message</a:t>
+            </a:r>
+          </a:p>
+          <a:p>
+            <a:r>
+              <a:rPr lang="en-US" dirty="0" smtClean="0"/>
+              <a:t>“If </a:t>
+            </a:r>
+            <a:r>
+              <a:rPr lang="en-US" dirty="0"/>
+              <a:t>your email address exists in our database, you will receive a password recovery link at your email address in a few minutes</a:t>
+            </a:r>
+            <a:r>
+              <a:rPr lang="en-US" dirty="0" smtClean="0"/>
+              <a:t>.”…</a:t>
+            </a:r>
+            <a:r>
+              <a:rPr lang="en-US" dirty="0" err="1" smtClean="0"/>
+              <a:t>mais</a:t>
+            </a:r>
+            <a:r>
+              <a:rPr lang="en-US" dirty="0" smtClean="0"/>
+              <a:t> pas </a:t>
+            </a:r>
+            <a:r>
+              <a:rPr lang="en-US" dirty="0" err="1" smtClean="0"/>
+              <a:t>d’email</a:t>
+            </a:r>
+            <a:r>
+              <a:rPr lang="en-US" dirty="0" smtClean="0"/>
+              <a:t> </a:t>
+            </a:r>
+            <a:r>
+              <a:rPr lang="en-US" dirty="0" err="1" smtClean="0"/>
+              <a:t>en</a:t>
+            </a:r>
+            <a:r>
+              <a:rPr lang="en-US" dirty="0" smtClean="0"/>
+              <a:t> retour et la </a:t>
+            </a:r>
+            <a:r>
+              <a:rPr lang="en-US" dirty="0" err="1" smtClean="0"/>
+              <a:t>plupart</a:t>
+            </a:r>
+            <a:r>
+              <a:rPr lang="en-US" dirty="0" smtClean="0"/>
+              <a:t> des URL obsoletes </a:t>
+            </a:r>
+            <a:r>
+              <a:rPr lang="en-US" dirty="0" err="1" smtClean="0"/>
+              <a:t>dans</a:t>
+            </a:r>
+            <a:r>
+              <a:rPr lang="en-US" dirty="0" smtClean="0"/>
+              <a:t> le PDF. Je laisse </a:t>
+            </a:r>
+            <a:r>
+              <a:rPr lang="en-US" dirty="0" err="1" smtClean="0"/>
+              <a:t>tomber</a:t>
+            </a:r>
+            <a:r>
+              <a:rPr lang="en-US" dirty="0" smtClean="0"/>
+              <a:t> pout </a:t>
+            </a:r>
+            <a:r>
+              <a:rPr lang="en-US" dirty="0" err="1" smtClean="0"/>
+              <a:t>l’instant</a:t>
+            </a:r>
+            <a:r>
+              <a:rPr lang="en-US" dirty="0" smtClean="0"/>
+              <a:t>.</a:t>
+            </a:r>
+          </a:p>
+          <a:p>
+            <a:endParaRPr lang="en-US" dirty="0"/>
+          </a:p>
+          <a:p>
+            <a:r>
+              <a:rPr lang="en-US" dirty="0" smtClean="0"/>
+              <a:t>… par </a:t>
+            </a:r>
+            <a:r>
+              <a:rPr lang="en-US" dirty="0" err="1" smtClean="0"/>
+              <a:t>contre</a:t>
+            </a:r>
+            <a:r>
+              <a:rPr lang="en-US" dirty="0" smtClean="0"/>
+              <a:t> </a:t>
+            </a:r>
+            <a:r>
+              <a:rPr lang="en-US" dirty="0" err="1" smtClean="0"/>
+              <a:t>il</a:t>
+            </a:r>
+            <a:r>
+              <a:rPr lang="en-US" dirty="0" smtClean="0"/>
+              <a:t> y a des PDF sur GIT </a:t>
+            </a:r>
+            <a:r>
+              <a:rPr lang="en-US" dirty="0" err="1" smtClean="0"/>
+              <a:t>intéressants</a:t>
+            </a:r>
+            <a:r>
+              <a:rPr lang="en-US" dirty="0" smtClean="0"/>
+              <a:t> </a:t>
+            </a:r>
+            <a:r>
+              <a:rPr lang="en-US" dirty="0" err="1" smtClean="0"/>
+              <a:t>dans</a:t>
+            </a:r>
+            <a:r>
+              <a:rPr lang="en-US" dirty="0" smtClean="0"/>
+              <a:t> </a:t>
+            </a:r>
+            <a:r>
+              <a:rPr lang="en-US" dirty="0" err="1" smtClean="0"/>
+              <a:t>CheatSheets</a:t>
+            </a:r>
+            <a:r>
+              <a:rPr lang="en-US" dirty="0" smtClean="0"/>
+              <a:t>…;que je </a:t>
+            </a:r>
+            <a:r>
+              <a:rPr lang="en-US" dirty="0" err="1" smtClean="0"/>
+              <a:t>vais</a:t>
+            </a:r>
+            <a:r>
+              <a:rPr lang="en-US" dirty="0" smtClean="0"/>
+              <a:t> citer </a:t>
+            </a:r>
+            <a:r>
+              <a:rPr lang="en-US" dirty="0" err="1" smtClean="0"/>
+              <a:t>dans</a:t>
+            </a:r>
+            <a:r>
+              <a:rPr lang="en-US" dirty="0" smtClean="0"/>
+              <a:t> les plans GIT.</a:t>
+            </a:r>
+          </a:p>
+          <a:p>
+            <a:endParaRPr lang="en-US" dirty="0" smtClean="0"/>
+          </a:p>
+          <a:p>
+            <a:endParaRPr lang="fr-FR" dirty="0" smtClean="0"/>
+          </a:p>
+          <a:p>
+            <a:endParaRPr lang="fr-FR" dirty="0" smtClean="0"/>
+          </a:p>
+          <a:p>
+            <a:endParaRPr lang="fr-FR" dirty="0" smtClean="0"/>
           </a:p>
         </p:txBody>
       </p:sp>
     </p:spTree>
     <p:extLst>
       <p:ext uri="{BB962C8B-B14F-4D97-AF65-F5344CB8AC3E}">
-        <p14:creationId xmlns:p14="http://schemas.microsoft.com/office/powerpoint/2010/main" val="3659643191"/>
+        <p14:creationId xmlns:p14="http://schemas.microsoft.com/office/powerpoint/2010/main" val="740678264"/>
       </p:ext>
     </p:extLst>
   </p:cSld>
@@ -5687,7 +6131,7 @@
           <a:p>
             <a:r>
               <a:rPr lang="fr-FR" dirty="0" smtClean="0"/>
-              <a:t>ECDSA</a:t>
+              <a:t>Signature numérique</a:t>
             </a:r>
             <a:endParaRPr lang="fr-FR" dirty="0"/>
           </a:p>
@@ -5735,12 +6179,12 @@
         <p:spPr>
           <a:xfrm>
             <a:off x="1078350" y="1629104"/>
-            <a:ext cx="5715739" cy="4635062"/>
+            <a:ext cx="6247359" cy="4635062"/>
           </a:xfrm>
         </p:spPr>
         <p:txBody>
           <a:bodyPr>
-            <a:normAutofit fontScale="70000" lnSpcReduction="20000"/>
+            <a:normAutofit fontScale="77500" lnSpcReduction="20000"/>
           </a:bodyPr>
           <a:lstStyle/>
           <a:p>
@@ -5750,7 +6194,7 @@
             </a:pPr>
             <a:r>
               <a:rPr lang="fr-FR" u="sng" dirty="0" smtClean="0"/>
-              <a:t>Grandes lignes</a:t>
+              <a:t>Deux services fondamentaux </a:t>
             </a:r>
           </a:p>
           <a:p>
@@ -5759,56 +6203,12 @@
               <a:buChar char="•"/>
             </a:pPr>
             <a:r>
-              <a:rPr lang="fr-FR" b="1" dirty="0" err="1" smtClean="0"/>
-              <a:t>E</a:t>
-            </a:r>
-            <a:r>
-              <a:rPr lang="fr-FR" dirty="0" err="1" smtClean="0"/>
-              <a:t>lliptic</a:t>
-            </a:r>
-            <a:r>
-              <a:rPr lang="fr-FR" dirty="0" smtClean="0"/>
-              <a:t> </a:t>
-            </a:r>
-            <a:r>
-              <a:rPr lang="fr-FR" b="1" dirty="0" err="1"/>
-              <a:t>C</a:t>
-            </a:r>
-            <a:r>
-              <a:rPr lang="fr-FR" dirty="0" err="1" smtClean="0"/>
-              <a:t>urve</a:t>
-            </a:r>
-            <a:r>
-              <a:rPr lang="fr-FR" dirty="0" smtClean="0"/>
-              <a:t> </a:t>
-            </a:r>
-            <a:r>
               <a:rPr lang="fr-FR" b="1" dirty="0" smtClean="0"/>
-              <a:t>D</a:t>
-            </a:r>
-            <a:r>
-              <a:rPr lang="fr-FR" dirty="0" smtClean="0"/>
-              <a:t>igital </a:t>
-            </a:r>
-            <a:r>
-              <a:rPr lang="fr-FR" b="1" dirty="0" smtClean="0"/>
-              <a:t>S</a:t>
-            </a:r>
-            <a:r>
-              <a:rPr lang="fr-FR" dirty="0" smtClean="0"/>
-              <a:t>ignature </a:t>
-            </a:r>
-            <a:r>
-              <a:rPr lang="fr-FR" b="1" dirty="0" err="1" smtClean="0"/>
-              <a:t>A</a:t>
-            </a:r>
-            <a:r>
-              <a:rPr lang="fr-FR" dirty="0" err="1" smtClean="0"/>
-              <a:t>lgorithm</a:t>
-            </a:r>
-            <a:r>
-              <a:rPr lang="fr-FR" dirty="0" smtClean="0"/>
-              <a:t>  (norme ANSI X9.62)</a:t>
+              <a:t>authentification</a:t>
+            </a:r>
+            <a:r>
+              <a:rPr lang="fr-FR" dirty="0" smtClean="0"/>
+              <a:t> de l’émetteur</a:t>
             </a:r>
           </a:p>
           <a:p>
@@ -5817,8 +6217,12 @@
               <a:buChar char="•"/>
             </a:pPr>
             <a:r>
-              <a:rPr lang="fr-FR" dirty="0" smtClean="0"/>
-              <a:t>Un des systèmes de chiffrements à clé publique</a:t>
+              <a:rPr lang="fr-FR" b="1" dirty="0" smtClean="0"/>
+              <a:t>non altération </a:t>
+            </a:r>
+            <a:r>
+              <a:rPr lang="fr-FR" dirty="0" smtClean="0"/>
+              <a:t>des données jointes</a:t>
             </a:r>
           </a:p>
           <a:p>
@@ -5826,10 +6230,7 @@
               <a:buFont typeface="Arial" panose="020B0604020202020204" pitchFamily="34" charset="0"/>
               <a:buChar char="•"/>
             </a:pPr>
-            <a:r>
-              <a:rPr lang="fr-FR" dirty="0" smtClean="0"/>
-              <a:t>Avantages vs DSA et RSA : clés plus courtes et opérations plus rapides</a:t>
-            </a:r>
+            <a:endParaRPr lang="fr-FR" dirty="0" smtClean="0"/>
           </a:p>
           <a:p>
             <a:pPr marL="285750" indent="-285750">
@@ -5837,24 +6238,20 @@
               <a:buChar char="Ø"/>
             </a:pPr>
             <a:r>
-              <a:rPr lang="fr-FR" sz="1500" u="sng" dirty="0"/>
-              <a:t>Courbe elliptique (  </a:t>
-            </a:r>
-            <a:r>
-              <a:rPr lang="fr-FR" sz="1500" u="sng" dirty="0" err="1"/>
-              <a:t>Elliptic</a:t>
-            </a:r>
-            <a:r>
-              <a:rPr lang="fr-FR" sz="1500" u="sng" dirty="0"/>
-              <a:t> </a:t>
-            </a:r>
-            <a:r>
-              <a:rPr lang="fr-FR" sz="1500" u="sng" dirty="0" err="1"/>
-              <a:t>curve</a:t>
-            </a:r>
-            <a:r>
-              <a:rPr lang="fr-FR" sz="1500" u="sng" dirty="0"/>
-              <a:t> )</a:t>
+              <a:rPr lang="fr-FR" u="sng" dirty="0" smtClean="0"/>
+              <a:t>Chiffrement </a:t>
+            </a:r>
+            <a:r>
+              <a:rPr lang="fr-FR" sz="1500" u="sng" dirty="0" smtClean="0"/>
+              <a:t>asymétrique</a:t>
+            </a:r>
+            <a:r>
+              <a:rPr lang="fr-FR" sz="1500" dirty="0" smtClean="0"/>
+              <a:t>   (clé p</a:t>
+            </a:r>
+            <a:r>
+              <a:rPr lang="fr-FR" dirty="0" smtClean="0"/>
+              <a:t>rivées difficilement calculables) :</a:t>
             </a:r>
           </a:p>
           <a:p>
@@ -5863,28 +6260,40 @@
               <a:buChar char="•"/>
             </a:pPr>
             <a:r>
+              <a:rPr lang="fr-FR" dirty="0" smtClean="0"/>
+              <a:t>- </a:t>
+            </a:r>
+            <a:r>
               <a:rPr lang="fr-FR" dirty="0"/>
-              <a:t>Courbe du </a:t>
-            </a:r>
-            <a:r>
-              <a:rPr lang="fr-FR" dirty="0" smtClean="0"/>
-              <a:t>plan cartésien d’équation : y^2 </a:t>
+              <a:t>Clés : clé de chiffrement (</a:t>
+            </a:r>
+            <a:r>
+              <a:rPr lang="fr-FR" dirty="0" err="1" smtClean="0"/>
+              <a:t>Kc</a:t>
+            </a:r>
+            <a:r>
+              <a:rPr lang="fr-FR" dirty="0" smtClean="0"/>
+              <a:t>), </a:t>
             </a:r>
             <a:r>
               <a:rPr lang="fr-FR" dirty="0"/>
-              <a:t>= x^3 + </a:t>
-            </a:r>
-            <a:r>
-              <a:rPr lang="fr-FR" dirty="0" smtClean="0"/>
-              <a:t>a x </a:t>
+              <a:t>clé publique (</a:t>
+            </a:r>
+            <a:r>
+              <a:rPr lang="fr-FR" dirty="0" err="1"/>
+              <a:t>Kpub</a:t>
             </a:r>
             <a:r>
               <a:rPr lang="fr-FR" dirty="0"/>
-              <a:t>+ </a:t>
-            </a:r>
-            <a:r>
-              <a:rPr lang="fr-FR" dirty="0" smtClean="0"/>
-              <a:t>b</a:t>
+              <a:t>), clé de déchiffrement (</a:t>
+            </a:r>
+            <a:r>
+              <a:rPr lang="fr-FR" dirty="0" err="1" smtClean="0"/>
+              <a:t>Kd</a:t>
+            </a:r>
+            <a:r>
+              <a:rPr lang="fr-FR" dirty="0" smtClean="0"/>
+              <a:t>)</a:t>
             </a:r>
           </a:p>
           <a:p>
@@ -5892,10 +6301,22 @@
               <a:buFont typeface="Arial" panose="020B0604020202020204" pitchFamily="34" charset="0"/>
               <a:buChar char="•"/>
             </a:pPr>
-            <a:r>
-              <a:rPr lang="fr-FR" dirty="0" smtClean="0"/>
-              <a:t>ECDSA courbe elliptique  :  a =  n – 3 avec n premier  ; b aléatoire</a:t>
-            </a:r>
+            <a:endParaRPr lang="fr-FR" dirty="0"/>
+          </a:p>
+          <a:p>
+            <a:pPr marL="285750" indent="-285750">
+              <a:buFont typeface="Wingdings" panose="05000000000000000000" pitchFamily="2" charset="2"/>
+              <a:buChar char="Ø"/>
+            </a:pPr>
+            <a:r>
+              <a:rPr lang="fr-FR" u="sng" dirty="0"/>
+              <a:t>Principe </a:t>
+            </a:r>
+            <a:r>
+              <a:rPr lang="fr-FR" u="sng" dirty="0" smtClean="0"/>
+              <a:t>d’envoi  de données signées</a:t>
+            </a:r>
+            <a:endParaRPr lang="fr-FR" dirty="0"/>
           </a:p>
           <a:p>
             <a:pPr marL="285750" indent="-285750">
@@ -5904,15 +6325,11 @@
             </a:pPr>
             <a:r>
               <a:rPr lang="fr-FR" dirty="0" smtClean="0"/>
-              <a:t>Points de coordonnées entières (</a:t>
-            </a:r>
-            <a:r>
-              <a:rPr lang="fr-FR" dirty="0" err="1" smtClean="0"/>
-              <a:t>x,y</a:t>
-            </a:r>
-            <a:r>
-              <a:rPr lang="fr-FR" dirty="0" smtClean="0"/>
-              <a:t>) sur cette courbe</a:t>
+              <a:t>application </a:t>
+            </a:r>
+            <a:r>
+              <a:rPr lang="fr-FR" dirty="0"/>
+              <a:t>d’une fonction de « hachage » sur les données</a:t>
             </a:r>
           </a:p>
           <a:p>
@@ -5922,8 +6339,29 @@
             </a:pPr>
             <a:r>
               <a:rPr lang="fr-FR" dirty="0" smtClean="0"/>
-              <a:t>Loi de groupe fini GF(n)d’ordre n, additif sur ces points : P + Q  = -R</a:t>
-            </a:r>
+              <a:t>chiffrement </a:t>
+            </a:r>
+            <a:r>
+              <a:rPr lang="fr-FR" dirty="0"/>
+              <a:t>du </a:t>
+            </a:r>
+            <a:r>
+              <a:rPr lang="fr-FR" dirty="0" smtClean="0"/>
+              <a:t>résultat « empreinte » ( =hash) avec </a:t>
+            </a:r>
+            <a:r>
+              <a:rPr lang="fr-FR" dirty="0" err="1" smtClean="0"/>
+              <a:t>Kc</a:t>
+            </a:r>
+            <a:r>
+              <a:rPr lang="fr-FR" dirty="0" smtClean="0"/>
+              <a:t> + </a:t>
+            </a:r>
+            <a:r>
+              <a:rPr lang="fr-FR" dirty="0" err="1" smtClean="0"/>
+              <a:t>Kpub</a:t>
+            </a:r>
+            <a:endParaRPr lang="fr-FR" dirty="0" smtClean="0"/>
           </a:p>
           <a:p>
             <a:pPr marL="285750" indent="-285750">
@@ -5931,17 +6369,16 @@
               <a:buChar char="•"/>
             </a:pPr>
             <a:r>
-              <a:rPr lang="fr-FR" dirty="0" smtClean="0"/>
-              <a:t>P(</a:t>
-            </a:r>
-            <a:r>
-              <a:rPr lang="fr-FR" dirty="0" err="1" smtClean="0"/>
-              <a:t>x,y</a:t>
-            </a:r>
-            <a:r>
-              <a:rPr lang="fr-FR" dirty="0" smtClean="0"/>
-              <a:t>) and –P(x,-y) sont symétriques par rapport à l’axe  des abscisses</a:t>
-            </a:r>
+              <a:rPr lang="fr-FR" dirty="0"/>
+              <a:t>e</a:t>
+            </a:r>
+            <a:r>
+              <a:rPr lang="fr-FR" dirty="0" smtClean="0"/>
+              <a:t>nvoi  groupé des données et empreinte</a:t>
+            </a:r>
+          </a:p>
+          <a:p>
+            <a:endParaRPr lang="fr-FR" dirty="0" smtClean="0"/>
           </a:p>
           <a:p>
             <a:pPr marL="285750" indent="-285750">
@@ -5949,10 +6386,22 @@
               <a:buChar char="Ø"/>
             </a:pPr>
             <a:r>
-              <a:rPr lang="fr-FR" u="sng" dirty="0" smtClean="0"/>
-              <a:t>Chiffrement ECDSA </a:t>
-            </a:r>
-            <a:endParaRPr lang="fr-FR" dirty="0"/>
+              <a:rPr lang="fr-FR" sz="1500" u="sng" dirty="0"/>
+              <a:t>Principe </a:t>
+            </a:r>
+            <a:r>
+              <a:rPr lang="fr-FR" sz="1500" u="sng" dirty="0" smtClean="0"/>
+              <a:t>de réception  </a:t>
+            </a:r>
+            <a:r>
+              <a:rPr lang="fr-FR" sz="1500" u="sng" dirty="0"/>
+              <a:t>de données </a:t>
+            </a:r>
+            <a:r>
+              <a:rPr lang="fr-FR" sz="1500" u="sng" dirty="0" smtClean="0"/>
+              <a:t>signées</a:t>
+            </a:r>
+            <a:endParaRPr lang="fr-FR" sz="1500" dirty="0"/>
           </a:p>
           <a:p>
             <a:pPr marL="285750" indent="-285750">
@@ -5960,30 +6409,13 @@
               <a:buChar char="•"/>
             </a:pPr>
             <a:r>
-              <a:rPr lang="fr-FR" dirty="0" smtClean="0"/>
-              <a:t>Clé publique  : la courbe elliptique, un point G « point de base »  de cette courbe tel </a:t>
-            </a:r>
-            <a:r>
               <a:rPr lang="fr-FR" dirty="0"/>
-              <a:t> </a:t>
-            </a:r>
-            <a:r>
-              <a:rPr lang="fr-FR" dirty="0" smtClean="0"/>
-              <a:t>que </a:t>
-            </a:r>
-            <a:r>
-              <a:rPr lang="fr-FR" dirty="0" err="1" smtClean="0"/>
-              <a:t>nG</a:t>
-            </a:r>
-            <a:r>
-              <a:rPr lang="fr-FR" dirty="0" smtClean="0"/>
-              <a:t> = O point à l’</a:t>
-            </a:r>
-            <a:r>
-              <a:rPr lang="fr-FR" smtClean="0"/>
-              <a:t>infin)</a:t>
-            </a:r>
-            <a:endParaRPr lang="fr-FR" dirty="0" smtClean="0"/>
+              <a:t>r</a:t>
+            </a:r>
+            <a:r>
+              <a:rPr lang="fr-FR" dirty="0" smtClean="0"/>
+              <a:t>éception des données et empreinte</a:t>
+            </a:r>
           </a:p>
           <a:p>
             <a:pPr marL="285750" indent="-285750">
@@ -5991,9 +6423,22 @@
               <a:buChar char="•"/>
             </a:pPr>
             <a:r>
-              <a:rPr lang="fr-FR" dirty="0" smtClean="0"/>
-              <a:t>Clé privée :  un entier s quelconque entre 1 et n-1</a:t>
-            </a:r>
+              <a:rPr lang="fr-FR" dirty="0"/>
+              <a:t>h</a:t>
+            </a:r>
+            <a:r>
+              <a:rPr lang="fr-FR" dirty="0" smtClean="0"/>
+              <a:t>achage sur </a:t>
+            </a:r>
+            <a:r>
+              <a:rPr lang="fr-FR" dirty="0"/>
+              <a:t>les </a:t>
+            </a:r>
+            <a:r>
+              <a:rPr lang="fr-FR" dirty="0" smtClean="0"/>
+              <a:t>données pour produite « empreinte » calculée</a:t>
+            </a:r>
+            <a:endParaRPr lang="fr-FR" dirty="0"/>
           </a:p>
           <a:p>
             <a:pPr marL="285750" indent="-285750">
@@ -6002,8 +6447,29 @@
             </a:pPr>
             <a:r>
               <a:rPr lang="fr-FR" dirty="0" smtClean="0"/>
-              <a:t>Hash : un entier k entre 1 et n - 1</a:t>
-            </a:r>
+              <a:t>déchiffrement de l’ «</a:t>
+            </a:r>
+            <a:r>
+              <a:rPr lang="fr-FR" dirty="0"/>
+              <a:t> empreinte » </a:t>
+            </a:r>
+            <a:r>
+              <a:rPr lang="fr-FR" dirty="0" smtClean="0"/>
+              <a:t>reçue avec </a:t>
+            </a:r>
+            <a:r>
+              <a:rPr lang="fr-FR" dirty="0" err="1" smtClean="0"/>
+              <a:t>Kd</a:t>
+            </a:r>
+            <a:r>
+              <a:rPr lang="fr-FR" dirty="0" smtClean="0"/>
+              <a:t> + </a:t>
+            </a:r>
+            <a:r>
+              <a:rPr lang="fr-FR" dirty="0" err="1" smtClean="0"/>
+              <a:t>Kpub</a:t>
+            </a:r>
+            <a:endParaRPr lang="fr-FR" dirty="0" smtClean="0"/>
           </a:p>
           <a:p>
             <a:pPr marL="285750" indent="-285750">
@@ -6011,86 +6477,242 @@
               <a:buChar char="•"/>
             </a:pPr>
             <a:r>
-              <a:rPr lang="fr-FR" dirty="0" smtClean="0"/>
-              <a:t>Empreinte est constitué des coordonnées cartésiennes (</a:t>
-            </a:r>
-            <a:r>
-              <a:rPr lang="fr-FR" dirty="0" err="1" smtClean="0"/>
-              <a:t>x,y</a:t>
-            </a:r>
-            <a:r>
-              <a:rPr lang="fr-FR" dirty="0" smtClean="0"/>
-              <a:t>) de </a:t>
-            </a:r>
-            <a:r>
-              <a:rPr lang="fr-FR" dirty="0" err="1" smtClean="0"/>
-              <a:t>kG</a:t>
-            </a:r>
-            <a:r>
-              <a:rPr lang="fr-FR" dirty="0" smtClean="0"/>
-              <a:t> modulo n et à un « salage » près fonction de s</a:t>
-            </a:r>
-          </a:p>
-          <a:p>
-            <a:pPr marL="285750" indent="-285750">
-              <a:buFont typeface="Wingdings" panose="05000000000000000000" pitchFamily="2" charset="2"/>
-              <a:buChar char="Ø"/>
-            </a:pPr>
-            <a:r>
-              <a:rPr lang="fr-FR" u="sng" dirty="0" smtClean="0"/>
-              <a:t>Déchiffrement </a:t>
-            </a:r>
-            <a:r>
-              <a:rPr lang="fr-FR" u="sng" dirty="0"/>
-              <a:t>ECDSA </a:t>
+              <a:rPr lang="fr-FR" dirty="0"/>
+              <a:t>s</a:t>
+            </a:r>
+            <a:r>
+              <a:rPr lang="fr-FR" dirty="0" smtClean="0"/>
+              <a:t>i les deux empreintes sont identiques, les données sont « authentiques »</a:t>
             </a:r>
             <a:endParaRPr lang="fr-FR" dirty="0"/>
-          </a:p>
-          <a:p>
-            <a:pPr marL="285750" indent="-285750">
-              <a:buFont typeface="Arial" panose="020B0604020202020204" pitchFamily="34" charset="0"/>
-              <a:buChar char="•"/>
-            </a:pPr>
-            <a:r>
-              <a:rPr lang="fr-FR" dirty="0" smtClean="0"/>
-              <a:t>Vérification que n(</a:t>
-            </a:r>
-            <a:r>
-              <a:rPr lang="fr-FR" dirty="0" err="1" smtClean="0"/>
-              <a:t>kG</a:t>
-            </a:r>
-            <a:r>
-              <a:rPr lang="fr-FR" dirty="0" smtClean="0"/>
-              <a:t>) = O (addition commutative et </a:t>
-            </a:r>
-            <a:r>
-              <a:rPr lang="fr-FR" dirty="0" err="1" smtClean="0"/>
-              <a:t>nG</a:t>
-            </a:r>
-            <a:r>
-              <a:rPr lang="fr-FR" dirty="0" smtClean="0"/>
-              <a:t> = O) et que le déchiffrement basé sur la clé publique et (</a:t>
-            </a:r>
-            <a:r>
-              <a:rPr lang="fr-FR" dirty="0" err="1" smtClean="0"/>
-              <a:t>x,y</a:t>
-            </a:r>
-            <a:r>
-              <a:rPr lang="fr-FR" dirty="0" smtClean="0"/>
-              <a:t>) donne </a:t>
-            </a:r>
-            <a:r>
-              <a:rPr lang="fr-FR" dirty="0" err="1" smtClean="0"/>
-              <a:t>kG</a:t>
-            </a:r>
-            <a:endParaRPr lang="fr-FR" dirty="0" smtClean="0"/>
           </a:p>
         </p:txBody>
       </p:sp>
     </p:spTree>
     <p:extLst>
       <p:ext uri="{BB962C8B-B14F-4D97-AF65-F5344CB8AC3E}">
-        <p14:creationId xmlns:p14="http://schemas.microsoft.com/office/powerpoint/2010/main" val="2108602199"/>
+        <p14:creationId xmlns:p14="http://schemas.microsoft.com/office/powerpoint/2010/main" val="3408312722"/>
+      </p:ext>
+    </p:extLst>
+  </p:cSld>
+  <p:clrMapOvr>
+    <a:masterClrMapping/>
+  </p:clrMapOvr>
+  <p:timing>
+    <p:tnLst>
+      <p:par>
+        <p:cTn id="1" dur="indefinite" restart="never" nodeType="tmRoot"/>
+      </p:par>
+    </p:tnLst>
+  </p:timing>
+</p:sld>
+</file>
+
+<file path=ppt/slides/slide19.xml><?xml version="1.0" encoding="utf-8"?>
+<p:sld xmlns:a="http://schemas.openxmlformats.org/drawingml/2006/main" xmlns:r="http://schemas.openxmlformats.org/officeDocument/2006/relationships" xmlns:p="http://schemas.openxmlformats.org/presentationml/2006/main">
+  <p:cSld>
+    <p:spTree>
+      <p:nvGrpSpPr>
+        <p:cNvPr id="1" name=""/>
+        <p:cNvGrpSpPr/>
+        <p:nvPr/>
+      </p:nvGrpSpPr>
+      <p:grpSpPr>
+        <a:xfrm>
+          <a:off x="0" y="0"/>
+          <a:ext cx="0" cy="0"/>
+          <a:chOff x="0" y="0"/>
+          <a:chExt cx="0" cy="0"/>
+        </a:xfrm>
+      </p:grpSpPr>
+      <p:sp>
+        <p:nvSpPr>
+          <p:cNvPr id="2" name="Titre 1"/>
+          <p:cNvSpPr>
+            <a:spLocks noGrp="1"/>
+          </p:cNvSpPr>
+          <p:nvPr>
+            <p:ph type="title"/>
+          </p:nvPr>
+        </p:nvSpPr>
+        <p:spPr>
+          <a:xfrm>
+            <a:off x="839788" y="457200"/>
+            <a:ext cx="3932237" cy="909145"/>
+          </a:xfrm>
+        </p:spPr>
+        <p:txBody>
+          <a:bodyPr/>
+          <a:lstStyle/>
+          <a:p>
+            <a:r>
+              <a:rPr lang="fr-FR" dirty="0" smtClean="0"/>
+              <a:t>Hachage</a:t>
+            </a:r>
+            <a:endParaRPr lang="fr-FR" dirty="0"/>
+          </a:p>
+        </p:txBody>
+      </p:sp>
+      <p:pic>
+        <p:nvPicPr>
+          <p:cNvPr id="5" name="Espace réservé du contenu 4"/>
+          <p:cNvPicPr>
+            <a:picLocks noGrp="1" noChangeAspect="1"/>
+          </p:cNvPicPr>
+          <p:nvPr>
+            <p:ph idx="1"/>
+          </p:nvPr>
+        </p:nvPicPr>
+        <p:blipFill>
+          <a:blip r:embed="rId2">
+            <a:extLst>
+              <a:ext uri="{28A0092B-C50C-407E-A947-70E740481C1C}">
+                <a14:useLocalDpi xmlns:a14="http://schemas.microsoft.com/office/drawing/2010/main" val="0"/>
+              </a:ext>
+            </a:extLst>
+          </a:blip>
+          <a:stretch>
+            <a:fillRect/>
+          </a:stretch>
+        </p:blipFill>
+        <p:spPr>
+          <a:xfrm>
+            <a:off x="7112000" y="2438400"/>
+            <a:ext cx="2314575" cy="1971675"/>
+          </a:xfrm>
+        </p:spPr>
+      </p:pic>
+      <p:sp>
+        <p:nvSpPr>
+          <p:cNvPr id="4" name="Espace réservé du texte 3"/>
+          <p:cNvSpPr>
+            <a:spLocks noGrp="1"/>
+          </p:cNvSpPr>
+          <p:nvPr>
+            <p:ph type="body" sz="half" idx="2"/>
+          </p:nvPr>
+        </p:nvSpPr>
+        <p:spPr>
+          <a:xfrm>
+            <a:off x="1078350" y="1629103"/>
+            <a:ext cx="6247359" cy="5079057"/>
+          </a:xfrm>
+        </p:spPr>
+        <p:txBody>
+          <a:bodyPr>
+            <a:normAutofit fontScale="85000" lnSpcReduction="20000"/>
+          </a:bodyPr>
+          <a:lstStyle/>
+          <a:p>
+            <a:pPr marL="285750" indent="-285750">
+              <a:buFont typeface="Arial" panose="020B0604020202020204" pitchFamily="34" charset="0"/>
+              <a:buChar char="•"/>
+            </a:pPr>
+            <a:r>
+              <a:rPr lang="fr-FR" dirty="0"/>
+              <a:t>Une fonction de hachage (« hash »)  est une fonction </a:t>
+            </a:r>
+            <a:r>
+              <a:rPr lang="fr-FR" dirty="0" smtClean="0"/>
+              <a:t>H appliquée </a:t>
+            </a:r>
+            <a:r>
+              <a:rPr lang="fr-FR" dirty="0"/>
+              <a:t>sur une donnée (usuellement un bloc binaire m de l octets) retournant un identifiant (usuellement une valeur numérique entière H(m) comprise entre 0 et n-1).</a:t>
+            </a:r>
+          </a:p>
+          <a:p>
+            <a:pPr marL="285750" indent="-285750">
+              <a:buFont typeface="Arial" panose="020B0604020202020204" pitchFamily="34" charset="0"/>
+              <a:buChar char="•"/>
+            </a:pPr>
+            <a:r>
+              <a:rPr lang="fr-FR" dirty="0" smtClean="0"/>
+              <a:t>L’entier H(m) sert d’ordinaire d’indice dans un tableau : clair( H(m) ) = (m, informations(m))</a:t>
+            </a:r>
+          </a:p>
+          <a:p>
+            <a:pPr marL="285750" indent="-285750">
+              <a:buFont typeface="Arial" panose="020B0604020202020204" pitchFamily="34" charset="0"/>
+              <a:buChar char="•"/>
+            </a:pPr>
+            <a:r>
+              <a:rPr lang="fr-FR" dirty="0" smtClean="0"/>
+              <a:t>La fonction peut produire des doublons (H(m1) = H(m2) avec m1 différent de m2). Dans ce cas les données m1,m2,.. sont rangés séquentiellement dans le tableau. Alternative : H(m) contient une valeur d’une autre fonction de hachage.</a:t>
+            </a:r>
+          </a:p>
+          <a:p>
+            <a:pPr marL="285750" indent="-285750">
+              <a:buFont typeface="Arial" panose="020B0604020202020204" pitchFamily="34" charset="0"/>
+              <a:buChar char="•"/>
+            </a:pPr>
+            <a:r>
+              <a:rPr lang="fr-FR" dirty="0" smtClean="0"/>
+              <a:t>L’existence de doublons interdit de deviner à coup sûr la donnée m à partir de la valeur de hachage H(m). La qualité de la fonction H est une probabilité faible de doublon pour deux données m1,m2 choisies aléatoirement dans  un ensemble de données.</a:t>
+            </a:r>
+          </a:p>
+          <a:p>
+            <a:pPr marL="285750" indent="-285750">
+              <a:buFont typeface="Arial" panose="020B0604020202020204" pitchFamily="34" charset="0"/>
+              <a:buChar char="•"/>
+            </a:pPr>
+            <a:r>
+              <a:rPr lang="fr-FR" dirty="0" smtClean="0"/>
+              <a:t>Le hachage est une méthode pour accélérer la recherche des informations sur une donnée m mais c’est aussi une caractéristique calculée de m, une </a:t>
+            </a:r>
+            <a:r>
+              <a:rPr lang="fr-FR" b="1" dirty="0" smtClean="0"/>
+              <a:t>signature numérique </a:t>
+            </a:r>
+            <a:r>
+              <a:rPr lang="fr-FR" dirty="0" smtClean="0"/>
+              <a:t>de celle-ci. Elle peut être vue comme un condensat, un résumé de m.</a:t>
+            </a:r>
+          </a:p>
+          <a:p>
+            <a:pPr marL="285750" indent="-285750">
+              <a:buFont typeface="Arial" panose="020B0604020202020204" pitchFamily="34" charset="0"/>
+              <a:buChar char="•"/>
+            </a:pPr>
+            <a:r>
+              <a:rPr lang="fr-FR" dirty="0" smtClean="0"/>
+              <a:t>La fonction principale de la signature numérique H est de prouver la non-intégrité d’une donnée corrompue m…..comme un test ADN qui permet d’exclure des suspects innocents.</a:t>
+            </a:r>
+          </a:p>
+          <a:p>
+            <a:pPr marL="285750" indent="-285750">
+              <a:buFont typeface="Arial" panose="020B0604020202020204" pitchFamily="34" charset="0"/>
+              <a:buChar char="•"/>
+            </a:pPr>
+            <a:r>
+              <a:rPr lang="fr-FR" dirty="0" smtClean="0"/>
+              <a:t>Exemple de hachage avec une </a:t>
+            </a:r>
+            <a:r>
+              <a:rPr lang="fr-FR" b="1" dirty="0" smtClean="0"/>
+              <a:t>somme de contrôle </a:t>
+            </a:r>
+            <a:r>
+              <a:rPr lang="fr-FR" dirty="0" smtClean="0"/>
+              <a:t>:  calculer la somme modulo 2 d’un entier m, H(m) = 0 si l’entier est pair et H(m) = 1 si l’entier est impair.</a:t>
+            </a:r>
+          </a:p>
+          <a:p>
+            <a:pPr marL="285750" indent="-285750">
+              <a:buFont typeface="Arial" panose="020B0604020202020204" pitchFamily="34" charset="0"/>
+              <a:buChar char="•"/>
+            </a:pPr>
+            <a:r>
+              <a:rPr lang="fr-FR" dirty="0" smtClean="0"/>
+              <a:t>Des sommes de contrôles ont été définies pour permettre une détection des erreurs dans la données. Exemple : CRC basé sur le reste de division de polynômes à coefficient entiers.</a:t>
+            </a:r>
+          </a:p>
+        </p:txBody>
+      </p:sp>
+    </p:spTree>
+    <p:extLst>
+      <p:ext uri="{BB962C8B-B14F-4D97-AF65-F5344CB8AC3E}">
+        <p14:creationId xmlns:p14="http://schemas.microsoft.com/office/powerpoint/2010/main" val="2283665988"/>
       </p:ext>
     </p:extLst>
   </p:cSld>
@@ -6209,6 +6831,1994 @@
     <p:extLst>
       <p:ext uri="{BB962C8B-B14F-4D97-AF65-F5344CB8AC3E}">
         <p14:creationId xmlns:p14="http://schemas.microsoft.com/office/powerpoint/2010/main" val="29057840"/>
+      </p:ext>
+    </p:extLst>
+  </p:cSld>
+  <p:clrMapOvr>
+    <a:masterClrMapping/>
+  </p:clrMapOvr>
+  <p:timing>
+    <p:tnLst>
+      <p:par>
+        <p:cTn id="1" dur="indefinite" restart="never" nodeType="tmRoot"/>
+      </p:par>
+    </p:tnLst>
+  </p:timing>
+</p:sld>
+</file>
+
+<file path=ppt/slides/slide20.xml><?xml version="1.0" encoding="utf-8"?>
+<p:sld xmlns:a="http://schemas.openxmlformats.org/drawingml/2006/main" xmlns:r="http://schemas.openxmlformats.org/officeDocument/2006/relationships" xmlns:p="http://schemas.openxmlformats.org/presentationml/2006/main">
+  <p:cSld>
+    <p:spTree>
+      <p:nvGrpSpPr>
+        <p:cNvPr id="1" name=""/>
+        <p:cNvGrpSpPr/>
+        <p:nvPr/>
+      </p:nvGrpSpPr>
+      <p:grpSpPr>
+        <a:xfrm>
+          <a:off x="0" y="0"/>
+          <a:ext cx="0" cy="0"/>
+          <a:chOff x="0" y="0"/>
+          <a:chExt cx="0" cy="0"/>
+        </a:xfrm>
+      </p:grpSpPr>
+      <p:sp>
+        <p:nvSpPr>
+          <p:cNvPr id="2" name="Titre 1"/>
+          <p:cNvSpPr>
+            <a:spLocks noGrp="1"/>
+          </p:cNvSpPr>
+          <p:nvPr>
+            <p:ph type="title"/>
+          </p:nvPr>
+        </p:nvSpPr>
+        <p:spPr>
+          <a:xfrm>
+            <a:off x="839788" y="457200"/>
+            <a:ext cx="5039804" cy="909145"/>
+          </a:xfrm>
+        </p:spPr>
+        <p:txBody>
+          <a:bodyPr>
+            <a:normAutofit/>
+          </a:bodyPr>
+          <a:lstStyle/>
+          <a:p>
+            <a:r>
+              <a:rPr lang="fr-FR" dirty="0" smtClean="0"/>
+              <a:t>Hachage cryptographique</a:t>
+            </a:r>
+            <a:endParaRPr lang="fr-FR" dirty="0"/>
+          </a:p>
+        </p:txBody>
+      </p:sp>
+      <p:pic>
+        <p:nvPicPr>
+          <p:cNvPr id="5" name="Espace réservé du contenu 4"/>
+          <p:cNvPicPr>
+            <a:picLocks noGrp="1" noChangeAspect="1"/>
+          </p:cNvPicPr>
+          <p:nvPr>
+            <p:ph idx="1"/>
+          </p:nvPr>
+        </p:nvPicPr>
+        <p:blipFill>
+          <a:blip r:embed="rId2">
+            <a:extLst>
+              <a:ext uri="{28A0092B-C50C-407E-A947-70E740481C1C}">
+                <a14:useLocalDpi xmlns:a14="http://schemas.microsoft.com/office/drawing/2010/main" val="0"/>
+              </a:ext>
+            </a:extLst>
+          </a:blip>
+          <a:stretch>
+            <a:fillRect/>
+          </a:stretch>
+        </p:blipFill>
+        <p:spPr>
+          <a:xfrm>
+            <a:off x="7112000" y="2438400"/>
+            <a:ext cx="2314575" cy="1971675"/>
+          </a:xfrm>
+        </p:spPr>
+      </p:pic>
+      <p:sp>
+        <p:nvSpPr>
+          <p:cNvPr id="4" name="Espace réservé du texte 3"/>
+          <p:cNvSpPr>
+            <a:spLocks noGrp="1"/>
+          </p:cNvSpPr>
+          <p:nvPr>
+            <p:ph type="body" sz="half" idx="2"/>
+          </p:nvPr>
+        </p:nvSpPr>
+        <p:spPr>
+          <a:xfrm>
+            <a:off x="1078350" y="1629103"/>
+            <a:ext cx="6247359" cy="5079057"/>
+          </a:xfrm>
+        </p:spPr>
+        <p:txBody>
+          <a:bodyPr>
+            <a:normAutofit/>
+          </a:bodyPr>
+          <a:lstStyle/>
+          <a:p>
+            <a:pPr marL="285750" indent="-285750">
+              <a:buFont typeface="Arial" panose="020B0604020202020204" pitchFamily="34" charset="0"/>
+              <a:buChar char="•"/>
+            </a:pPr>
+            <a:r>
+              <a:rPr lang="fr-FR" dirty="0" smtClean="0"/>
+              <a:t>Les fonctions de hachages pour la cryptographie numérique « </a:t>
+            </a:r>
+            <a:r>
+              <a:rPr lang="fr-FR" b="1" dirty="0" err="1" smtClean="0"/>
+              <a:t>C</a:t>
+            </a:r>
+            <a:r>
+              <a:rPr lang="fr-FR" dirty="0" err="1" smtClean="0"/>
+              <a:t>ryptographic</a:t>
+            </a:r>
+            <a:r>
+              <a:rPr lang="fr-FR" dirty="0" smtClean="0"/>
+              <a:t> </a:t>
+            </a:r>
+            <a:r>
+              <a:rPr lang="fr-FR" b="1" dirty="0" smtClean="0"/>
+              <a:t>H</a:t>
+            </a:r>
+            <a:r>
+              <a:rPr lang="fr-FR" dirty="0" smtClean="0"/>
+              <a:t>ash </a:t>
+            </a:r>
+            <a:r>
+              <a:rPr lang="fr-FR" b="1" dirty="0" err="1" smtClean="0"/>
+              <a:t>F</a:t>
+            </a:r>
+            <a:r>
+              <a:rPr lang="fr-FR" dirty="0" err="1" smtClean="0"/>
+              <a:t>unction</a:t>
+            </a:r>
+            <a:r>
+              <a:rPr lang="fr-FR" dirty="0" smtClean="0"/>
+              <a:t> » sont celles garantissant une sécurité et des performances de calcul optimales : très peu de doublons, calcul H(m) rapide.</a:t>
+            </a:r>
+          </a:p>
+          <a:p>
+            <a:pPr marL="285750" indent="-285750">
+              <a:buFont typeface="Arial" panose="020B0604020202020204" pitchFamily="34" charset="0"/>
+              <a:buChar char="•"/>
+            </a:pPr>
+            <a:r>
+              <a:rPr lang="fr-FR" dirty="0" smtClean="0"/>
+              <a:t>Une fonction de hachage cryptographique est souvent paramétrable et s’appuie sur un « salage » de la donnée m : la donnée m est modifiée par un paramètre aléatoire défini au dernier moment (avant envoi pour un message). Le hachage H(m) est donc différent à chaque envoi.</a:t>
+            </a:r>
+          </a:p>
+          <a:p>
+            <a:pPr marL="285750" indent="-285750">
+              <a:buFont typeface="Arial" panose="020B0604020202020204" pitchFamily="34" charset="0"/>
+              <a:buChar char="•"/>
+            </a:pPr>
+            <a:r>
+              <a:rPr lang="fr-FR" dirty="0" smtClean="0"/>
+              <a:t>Chaque état définit les normes cryptographiques en vigueur pour les systèmes informatiques sous sa juridiction. Aux US, c’est le NIST (dépendant du ministre du commerce) qui est chargé de la définition et l’application de ces normes. Pour la signature numérique,  c’est le Digital Standard Signature (DSA) qui est la norme.</a:t>
+            </a:r>
+          </a:p>
+          <a:p>
+            <a:pPr marL="285750" indent="-285750">
+              <a:buFont typeface="Arial" panose="020B0604020202020204" pitchFamily="34" charset="0"/>
+              <a:buChar char="•"/>
+            </a:pPr>
+            <a:r>
+              <a:rPr lang="fr-FR" dirty="0" smtClean="0"/>
+              <a:t>Le DSA se décline en pratique sous forme de différents hachages cryptographique, DSA et RSA, et plus récemment ECDSA, un hachage basé sur le concept mathématique des courbes elliptiques.</a:t>
+            </a:r>
+            <a:endParaRPr lang="fr-FR" dirty="0"/>
+          </a:p>
+        </p:txBody>
+      </p:sp>
+    </p:spTree>
+    <p:extLst>
+      <p:ext uri="{BB962C8B-B14F-4D97-AF65-F5344CB8AC3E}">
+        <p14:creationId xmlns:p14="http://schemas.microsoft.com/office/powerpoint/2010/main" val="3407918255"/>
+      </p:ext>
+    </p:extLst>
+  </p:cSld>
+  <p:clrMapOvr>
+    <a:masterClrMapping/>
+  </p:clrMapOvr>
+  <p:timing>
+    <p:tnLst>
+      <p:par>
+        <p:cTn id="1" dur="indefinite" restart="never" nodeType="tmRoot"/>
+      </p:par>
+    </p:tnLst>
+  </p:timing>
+</p:sld>
+</file>
+
+<file path=ppt/slides/slide21.xml><?xml version="1.0" encoding="utf-8"?>
+<p:sld xmlns:a="http://schemas.openxmlformats.org/drawingml/2006/main" xmlns:r="http://schemas.openxmlformats.org/officeDocument/2006/relationships" xmlns:p="http://schemas.openxmlformats.org/presentationml/2006/main">
+  <p:cSld>
+    <p:spTree>
+      <p:nvGrpSpPr>
+        <p:cNvPr id="1" name=""/>
+        <p:cNvGrpSpPr/>
+        <p:nvPr/>
+      </p:nvGrpSpPr>
+      <p:grpSpPr>
+        <a:xfrm>
+          <a:off x="0" y="0"/>
+          <a:ext cx="0" cy="0"/>
+          <a:chOff x="0" y="0"/>
+          <a:chExt cx="0" cy="0"/>
+        </a:xfrm>
+      </p:grpSpPr>
+      <p:sp>
+        <p:nvSpPr>
+          <p:cNvPr id="2" name="Titre 1"/>
+          <p:cNvSpPr>
+            <a:spLocks noGrp="1"/>
+          </p:cNvSpPr>
+          <p:nvPr>
+            <p:ph type="title"/>
+          </p:nvPr>
+        </p:nvSpPr>
+        <p:spPr>
+          <a:xfrm>
+            <a:off x="839788" y="457200"/>
+            <a:ext cx="3932237" cy="909145"/>
+          </a:xfrm>
+        </p:spPr>
+        <p:txBody>
+          <a:bodyPr/>
+          <a:lstStyle/>
+          <a:p>
+            <a:r>
+              <a:rPr lang="fr-FR" dirty="0" smtClean="0"/>
+              <a:t>Courbe elliptique</a:t>
+            </a:r>
+            <a:endParaRPr lang="fr-FR" dirty="0"/>
+          </a:p>
+        </p:txBody>
+      </p:sp>
+      <p:pic>
+        <p:nvPicPr>
+          <p:cNvPr id="5" name="Espace réservé du contenu 4"/>
+          <p:cNvPicPr>
+            <a:picLocks noGrp="1" noChangeAspect="1"/>
+          </p:cNvPicPr>
+          <p:nvPr>
+            <p:ph idx="1"/>
+          </p:nvPr>
+        </p:nvPicPr>
+        <p:blipFill>
+          <a:blip r:embed="rId2">
+            <a:extLst>
+              <a:ext uri="{28A0092B-C50C-407E-A947-70E740481C1C}">
+                <a14:useLocalDpi xmlns:a14="http://schemas.microsoft.com/office/drawing/2010/main" val="0"/>
+              </a:ext>
+            </a:extLst>
+          </a:blip>
+          <a:stretch>
+            <a:fillRect/>
+          </a:stretch>
+        </p:blipFill>
+        <p:spPr>
+          <a:xfrm>
+            <a:off x="4360364" y="1710489"/>
+            <a:ext cx="7346704" cy="4602176"/>
+          </a:xfrm>
+        </p:spPr>
+      </p:pic>
+      <p:sp>
+        <p:nvSpPr>
+          <p:cNvPr id="4" name="Espace réservé du texte 3"/>
+          <p:cNvSpPr>
+            <a:spLocks noGrp="1"/>
+          </p:cNvSpPr>
+          <p:nvPr>
+            <p:ph type="body" sz="half" idx="2"/>
+          </p:nvPr>
+        </p:nvSpPr>
+        <p:spPr>
+          <a:xfrm>
+            <a:off x="503997" y="1677603"/>
+            <a:ext cx="4574780" cy="4635062"/>
+          </a:xfrm>
+        </p:spPr>
+        <p:txBody>
+          <a:bodyPr>
+            <a:normAutofit lnSpcReduction="10000"/>
+          </a:bodyPr>
+          <a:lstStyle/>
+          <a:p>
+            <a:pPr marL="285750" indent="-285750">
+              <a:buFont typeface="Wingdings" panose="05000000000000000000" pitchFamily="2" charset="2"/>
+              <a:buChar char="Ø"/>
+            </a:pPr>
+            <a:r>
+              <a:rPr lang="fr-FR" sz="1500" u="sng" dirty="0" smtClean="0"/>
+              <a:t>Courbe </a:t>
+            </a:r>
+            <a:r>
+              <a:rPr lang="fr-FR" sz="1500" u="sng" dirty="0"/>
+              <a:t>elliptique (  </a:t>
+            </a:r>
+            <a:r>
+              <a:rPr lang="fr-FR" sz="1500" u="sng" dirty="0" err="1"/>
+              <a:t>Elliptic</a:t>
+            </a:r>
+            <a:r>
+              <a:rPr lang="fr-FR" sz="1500" u="sng" dirty="0"/>
+              <a:t> </a:t>
+            </a:r>
+            <a:r>
+              <a:rPr lang="fr-FR" sz="1500" u="sng" dirty="0" err="1"/>
+              <a:t>curve</a:t>
+            </a:r>
+            <a:r>
+              <a:rPr lang="fr-FR" sz="1500" u="sng" dirty="0"/>
+              <a:t> )</a:t>
+            </a:r>
+          </a:p>
+          <a:p>
+            <a:pPr marL="285750" indent="-285750">
+              <a:buFont typeface="Arial" panose="020B0604020202020204" pitchFamily="34" charset="0"/>
+              <a:buChar char="•"/>
+            </a:pPr>
+            <a:r>
+              <a:rPr lang="fr-FR" dirty="0" smtClean="0"/>
+              <a:t>C’est la base mathématique du hachage cryptographique de la norme ECDSA </a:t>
+            </a:r>
+          </a:p>
+          <a:p>
+            <a:pPr marL="285750" indent="-285750">
+              <a:buFont typeface="Arial" panose="020B0604020202020204" pitchFamily="34" charset="0"/>
+              <a:buChar char="•"/>
+            </a:pPr>
+            <a:r>
+              <a:rPr lang="fr-FR" dirty="0" smtClean="0"/>
+              <a:t>La sécurité de ce mode de cryptage est la difficulté de calculer en temps raisonnable la clé privé d’encryptage d’une signature numérique.</a:t>
+            </a:r>
+          </a:p>
+          <a:p>
+            <a:pPr marL="285750" indent="-285750">
+              <a:buFont typeface="Arial" panose="020B0604020202020204" pitchFamily="34" charset="0"/>
+              <a:buChar char="•"/>
+            </a:pPr>
+            <a:r>
+              <a:rPr lang="fr-FR" dirty="0" smtClean="0"/>
+              <a:t>Pour le RSA, c’est la difficulté de factoriser un nombre entier m donné en deux nombres </a:t>
+            </a:r>
+            <a:r>
+              <a:rPr lang="fr-FR" dirty="0" err="1" smtClean="0"/>
+              <a:t>p,q</a:t>
+            </a:r>
+            <a:r>
+              <a:rPr lang="fr-FR" dirty="0" smtClean="0"/>
+              <a:t> modulo un entier n : la durée de calcul est une fonction exponentielle du nombre de bits de m.</a:t>
+            </a:r>
+          </a:p>
+          <a:p>
+            <a:pPr marL="285750" indent="-285750">
+              <a:buFont typeface="Arial" panose="020B0604020202020204" pitchFamily="34" charset="0"/>
+              <a:buChar char="•"/>
+            </a:pPr>
+            <a:r>
+              <a:rPr lang="fr-FR" dirty="0" smtClean="0"/>
+              <a:t>La faiblesse du RSA est que cette factorisation est devenue plus aisée avec les techniques mathématiques et moyens informatiques les plus modernes (factorisation quantique dans quelques années ;-) )</a:t>
+            </a:r>
+          </a:p>
+          <a:p>
+            <a:pPr marL="285750" indent="-285750">
+              <a:buFont typeface="Arial" panose="020B0604020202020204" pitchFamily="34" charset="0"/>
+              <a:buChar char="•"/>
+            </a:pPr>
+            <a:r>
+              <a:rPr lang="fr-FR" dirty="0" smtClean="0"/>
+              <a:t>D’où l’idée d’utiliser un cryptage par courbe elliptique où la </a:t>
+            </a:r>
+            <a:r>
+              <a:rPr lang="fr-FR" smtClean="0"/>
+              <a:t>difficulté d’attaque </a:t>
+            </a:r>
+            <a:r>
+              <a:rPr lang="fr-FR" dirty="0" smtClean="0"/>
+              <a:t>est de trouver le nombre entier k tel que </a:t>
+            </a:r>
+            <a:r>
+              <a:rPr lang="fr-FR" dirty="0" err="1" smtClean="0"/>
+              <a:t>kG</a:t>
+            </a:r>
+            <a:r>
+              <a:rPr lang="fr-FR" dirty="0" smtClean="0"/>
+              <a:t> = (</a:t>
+            </a:r>
+            <a:r>
+              <a:rPr lang="fr-FR" dirty="0" err="1" smtClean="0"/>
+              <a:t>x,y</a:t>
+            </a:r>
+            <a:r>
+              <a:rPr lang="fr-FR" dirty="0" smtClean="0"/>
+              <a:t>) </a:t>
+            </a:r>
+            <a:r>
+              <a:rPr lang="fr-FR" dirty="0" err="1" smtClean="0"/>
+              <a:t>mod</a:t>
+            </a:r>
+            <a:r>
+              <a:rPr lang="fr-FR" dirty="0" smtClean="0"/>
+              <a:t> n à partir de la clé publique (E,G) et de la signature (</a:t>
+            </a:r>
+            <a:r>
+              <a:rPr lang="fr-FR" dirty="0" err="1" smtClean="0"/>
+              <a:t>x,y</a:t>
+            </a:r>
+            <a:r>
+              <a:rPr lang="fr-FR" dirty="0" smtClean="0"/>
+              <a:t>).</a:t>
+            </a:r>
+          </a:p>
+        </p:txBody>
+      </p:sp>
+    </p:spTree>
+    <p:extLst>
+      <p:ext uri="{BB962C8B-B14F-4D97-AF65-F5344CB8AC3E}">
+        <p14:creationId xmlns:p14="http://schemas.microsoft.com/office/powerpoint/2010/main" val="3659643191"/>
+      </p:ext>
+    </p:extLst>
+  </p:cSld>
+  <p:clrMapOvr>
+    <a:masterClrMapping/>
+  </p:clrMapOvr>
+  <p:timing>
+    <p:tnLst>
+      <p:par>
+        <p:cTn id="1" dur="indefinite" restart="never" nodeType="tmRoot"/>
+      </p:par>
+    </p:tnLst>
+  </p:timing>
+</p:sld>
+</file>
+
+<file path=ppt/slides/slide22.xml><?xml version="1.0" encoding="utf-8"?>
+<p:sld xmlns:a="http://schemas.openxmlformats.org/drawingml/2006/main" xmlns:r="http://schemas.openxmlformats.org/officeDocument/2006/relationships" xmlns:p="http://schemas.openxmlformats.org/presentationml/2006/main">
+  <p:cSld>
+    <p:spTree>
+      <p:nvGrpSpPr>
+        <p:cNvPr id="1" name=""/>
+        <p:cNvGrpSpPr/>
+        <p:nvPr/>
+      </p:nvGrpSpPr>
+      <p:grpSpPr>
+        <a:xfrm>
+          <a:off x="0" y="0"/>
+          <a:ext cx="0" cy="0"/>
+          <a:chOff x="0" y="0"/>
+          <a:chExt cx="0" cy="0"/>
+        </a:xfrm>
+      </p:grpSpPr>
+      <p:sp>
+        <p:nvSpPr>
+          <p:cNvPr id="2" name="Titre 1"/>
+          <p:cNvSpPr>
+            <a:spLocks noGrp="1"/>
+          </p:cNvSpPr>
+          <p:nvPr>
+            <p:ph type="title"/>
+          </p:nvPr>
+        </p:nvSpPr>
+        <p:spPr>
+          <a:xfrm>
+            <a:off x="839788" y="457200"/>
+            <a:ext cx="3932237" cy="909145"/>
+          </a:xfrm>
+        </p:spPr>
+        <p:txBody>
+          <a:bodyPr/>
+          <a:lstStyle/>
+          <a:p>
+            <a:r>
+              <a:rPr lang="fr-FR" dirty="0" smtClean="0"/>
+              <a:t>ECDSA</a:t>
+            </a:r>
+            <a:endParaRPr lang="fr-FR" dirty="0"/>
+          </a:p>
+        </p:txBody>
+      </p:sp>
+      <p:pic>
+        <p:nvPicPr>
+          <p:cNvPr id="5" name="Espace réservé du contenu 4"/>
+          <p:cNvPicPr>
+            <a:picLocks noGrp="1" noChangeAspect="1"/>
+          </p:cNvPicPr>
+          <p:nvPr>
+            <p:ph idx="1"/>
+          </p:nvPr>
+        </p:nvPicPr>
+        <p:blipFill>
+          <a:blip r:embed="rId2">
+            <a:extLst>
+              <a:ext uri="{28A0092B-C50C-407E-A947-70E740481C1C}">
+                <a14:useLocalDpi xmlns:a14="http://schemas.microsoft.com/office/drawing/2010/main" val="0"/>
+              </a:ext>
+            </a:extLst>
+          </a:blip>
+          <a:stretch>
+            <a:fillRect/>
+          </a:stretch>
+        </p:blipFill>
+        <p:spPr>
+          <a:xfrm>
+            <a:off x="7112000" y="2438400"/>
+            <a:ext cx="2314575" cy="1971675"/>
+          </a:xfrm>
+        </p:spPr>
+      </p:pic>
+      <p:sp>
+        <p:nvSpPr>
+          <p:cNvPr id="4" name="Espace réservé du texte 3"/>
+          <p:cNvSpPr>
+            <a:spLocks noGrp="1"/>
+          </p:cNvSpPr>
+          <p:nvPr>
+            <p:ph type="body" sz="half" idx="2"/>
+          </p:nvPr>
+        </p:nvSpPr>
+        <p:spPr>
+          <a:xfrm>
+            <a:off x="1078350" y="1629104"/>
+            <a:ext cx="5715739" cy="4635062"/>
+          </a:xfrm>
+        </p:spPr>
+        <p:txBody>
+          <a:bodyPr>
+            <a:normAutofit fontScale="70000" lnSpcReduction="20000"/>
+          </a:bodyPr>
+          <a:lstStyle/>
+          <a:p>
+            <a:pPr marL="285750" indent="-285750">
+              <a:buFont typeface="Wingdings" panose="05000000000000000000" pitchFamily="2" charset="2"/>
+              <a:buChar char="Ø"/>
+            </a:pPr>
+            <a:r>
+              <a:rPr lang="fr-FR" u="sng" dirty="0" smtClean="0"/>
+              <a:t>Grandes lignes</a:t>
+            </a:r>
+          </a:p>
+          <a:p>
+            <a:pPr marL="285750" indent="-285750">
+              <a:buFont typeface="Arial" panose="020B0604020202020204" pitchFamily="34" charset="0"/>
+              <a:buChar char="•"/>
+            </a:pPr>
+            <a:r>
+              <a:rPr lang="fr-FR" b="1" dirty="0" err="1" smtClean="0"/>
+              <a:t>E</a:t>
+            </a:r>
+            <a:r>
+              <a:rPr lang="fr-FR" dirty="0" err="1" smtClean="0"/>
+              <a:t>lliptic</a:t>
+            </a:r>
+            <a:r>
+              <a:rPr lang="fr-FR" dirty="0" smtClean="0"/>
+              <a:t> </a:t>
+            </a:r>
+            <a:r>
+              <a:rPr lang="fr-FR" b="1" dirty="0" err="1"/>
+              <a:t>C</a:t>
+            </a:r>
+            <a:r>
+              <a:rPr lang="fr-FR" dirty="0" err="1" smtClean="0"/>
+              <a:t>urve</a:t>
+            </a:r>
+            <a:r>
+              <a:rPr lang="fr-FR" dirty="0" smtClean="0"/>
+              <a:t> </a:t>
+            </a:r>
+            <a:r>
+              <a:rPr lang="fr-FR" b="1" dirty="0" smtClean="0"/>
+              <a:t>D</a:t>
+            </a:r>
+            <a:r>
+              <a:rPr lang="fr-FR" dirty="0" smtClean="0"/>
+              <a:t>igital </a:t>
+            </a:r>
+            <a:r>
+              <a:rPr lang="fr-FR" b="1" dirty="0" smtClean="0"/>
+              <a:t>S</a:t>
+            </a:r>
+            <a:r>
+              <a:rPr lang="fr-FR" dirty="0" smtClean="0"/>
+              <a:t>ignature </a:t>
+            </a:r>
+            <a:r>
+              <a:rPr lang="fr-FR" b="1" dirty="0" err="1" smtClean="0"/>
+              <a:t>A</a:t>
+            </a:r>
+            <a:r>
+              <a:rPr lang="fr-FR" dirty="0" err="1" smtClean="0"/>
+              <a:t>lgorithm</a:t>
+            </a:r>
+            <a:r>
+              <a:rPr lang="fr-FR" dirty="0" smtClean="0"/>
+              <a:t>  (norme ANSI X9.62)</a:t>
+            </a:r>
+          </a:p>
+          <a:p>
+            <a:pPr marL="285750" indent="-285750">
+              <a:buFont typeface="Arial" panose="020B0604020202020204" pitchFamily="34" charset="0"/>
+              <a:buChar char="•"/>
+            </a:pPr>
+            <a:r>
+              <a:rPr lang="fr-FR" dirty="0" smtClean="0"/>
+              <a:t>Un des systèmes de chiffrements à clé publique</a:t>
+            </a:r>
+          </a:p>
+          <a:p>
+            <a:pPr marL="285750" indent="-285750">
+              <a:buFont typeface="Arial" panose="020B0604020202020204" pitchFamily="34" charset="0"/>
+              <a:buChar char="•"/>
+            </a:pPr>
+            <a:r>
+              <a:rPr lang="fr-FR" dirty="0" smtClean="0"/>
+              <a:t>Avantages vs DSA et RSA : clés plus courtes et opérations plus rapides</a:t>
+            </a:r>
+          </a:p>
+          <a:p>
+            <a:pPr marL="285750" indent="-285750">
+              <a:buFont typeface="Wingdings" panose="05000000000000000000" pitchFamily="2" charset="2"/>
+              <a:buChar char="Ø"/>
+            </a:pPr>
+            <a:r>
+              <a:rPr lang="fr-FR" sz="1500" u="sng" dirty="0"/>
+              <a:t>Courbe elliptique (  </a:t>
+            </a:r>
+            <a:r>
+              <a:rPr lang="fr-FR" sz="1500" u="sng" dirty="0" err="1"/>
+              <a:t>Elliptic</a:t>
+            </a:r>
+            <a:r>
+              <a:rPr lang="fr-FR" sz="1500" u="sng" dirty="0"/>
+              <a:t> </a:t>
+            </a:r>
+            <a:r>
+              <a:rPr lang="fr-FR" sz="1500" u="sng" dirty="0" err="1"/>
+              <a:t>curve</a:t>
+            </a:r>
+            <a:r>
+              <a:rPr lang="fr-FR" sz="1500" u="sng" dirty="0"/>
+              <a:t> )</a:t>
+            </a:r>
+          </a:p>
+          <a:p>
+            <a:pPr marL="285750" indent="-285750">
+              <a:buFont typeface="Arial" panose="020B0604020202020204" pitchFamily="34" charset="0"/>
+              <a:buChar char="•"/>
+            </a:pPr>
+            <a:r>
+              <a:rPr lang="fr-FR" dirty="0"/>
+              <a:t>Courbe du </a:t>
+            </a:r>
+            <a:r>
+              <a:rPr lang="fr-FR" dirty="0" smtClean="0"/>
+              <a:t>plan cartésien d’équation : y^2 </a:t>
+            </a:r>
+            <a:r>
+              <a:rPr lang="fr-FR" dirty="0"/>
+              <a:t>= x^3 + </a:t>
+            </a:r>
+            <a:r>
+              <a:rPr lang="fr-FR" dirty="0" smtClean="0"/>
+              <a:t>a x </a:t>
+            </a:r>
+            <a:r>
+              <a:rPr lang="fr-FR" dirty="0"/>
+              <a:t>+ </a:t>
+            </a:r>
+            <a:r>
+              <a:rPr lang="fr-FR" dirty="0" smtClean="0"/>
+              <a:t>b</a:t>
+            </a:r>
+          </a:p>
+          <a:p>
+            <a:pPr marL="285750" indent="-285750">
+              <a:buFont typeface="Arial" panose="020B0604020202020204" pitchFamily="34" charset="0"/>
+              <a:buChar char="•"/>
+            </a:pPr>
+            <a:r>
+              <a:rPr lang="fr-FR" dirty="0" smtClean="0"/>
+              <a:t>ECDSA courbe elliptique  :  a =  n – 3 avec n premier  ; b aléatoire</a:t>
+            </a:r>
+          </a:p>
+          <a:p>
+            <a:pPr marL="285750" indent="-285750">
+              <a:buFont typeface="Arial" panose="020B0604020202020204" pitchFamily="34" charset="0"/>
+              <a:buChar char="•"/>
+            </a:pPr>
+            <a:r>
+              <a:rPr lang="fr-FR" dirty="0" smtClean="0"/>
+              <a:t>Points de coordonnées entières (</a:t>
+            </a:r>
+            <a:r>
+              <a:rPr lang="fr-FR" dirty="0" err="1" smtClean="0"/>
+              <a:t>x,y</a:t>
+            </a:r>
+            <a:r>
+              <a:rPr lang="fr-FR" dirty="0" smtClean="0"/>
+              <a:t>) sur cette courbe</a:t>
+            </a:r>
+          </a:p>
+          <a:p>
+            <a:pPr marL="285750" indent="-285750">
+              <a:buFont typeface="Arial" panose="020B0604020202020204" pitchFamily="34" charset="0"/>
+              <a:buChar char="•"/>
+            </a:pPr>
+            <a:r>
+              <a:rPr lang="fr-FR" dirty="0" smtClean="0"/>
+              <a:t>Loi de groupe fini GF(n)d’ordre n, additif sur ces points : P + Q  = -R</a:t>
+            </a:r>
+          </a:p>
+          <a:p>
+            <a:pPr marL="285750" indent="-285750">
+              <a:buFont typeface="Arial" panose="020B0604020202020204" pitchFamily="34" charset="0"/>
+              <a:buChar char="•"/>
+            </a:pPr>
+            <a:r>
+              <a:rPr lang="fr-FR" dirty="0" smtClean="0"/>
+              <a:t>P(</a:t>
+            </a:r>
+            <a:r>
+              <a:rPr lang="fr-FR" dirty="0" err="1" smtClean="0"/>
+              <a:t>x,y</a:t>
+            </a:r>
+            <a:r>
+              <a:rPr lang="fr-FR" dirty="0" smtClean="0"/>
+              <a:t>) and –P(x,-y) sont symétriques par rapport à l’axe  des abscisses</a:t>
+            </a:r>
+          </a:p>
+          <a:p>
+            <a:pPr marL="285750" indent="-285750">
+              <a:buFont typeface="Wingdings" panose="05000000000000000000" pitchFamily="2" charset="2"/>
+              <a:buChar char="Ø"/>
+            </a:pPr>
+            <a:r>
+              <a:rPr lang="fr-FR" u="sng" dirty="0" smtClean="0"/>
+              <a:t>Chiffrement ECDSA </a:t>
+            </a:r>
+            <a:endParaRPr lang="fr-FR" dirty="0"/>
+          </a:p>
+          <a:p>
+            <a:pPr marL="285750" indent="-285750">
+              <a:buFont typeface="Arial" panose="020B0604020202020204" pitchFamily="34" charset="0"/>
+              <a:buChar char="•"/>
+            </a:pPr>
+            <a:r>
+              <a:rPr lang="fr-FR" dirty="0" smtClean="0"/>
+              <a:t>Clé publique  : la courbe elliptique, un point G « point de base »  de cette courbe tel </a:t>
+            </a:r>
+            <a:r>
+              <a:rPr lang="fr-FR" dirty="0"/>
+              <a:t> </a:t>
+            </a:r>
+            <a:r>
+              <a:rPr lang="fr-FR" dirty="0" smtClean="0"/>
+              <a:t>que </a:t>
+            </a:r>
+            <a:r>
+              <a:rPr lang="fr-FR" dirty="0" err="1" smtClean="0"/>
+              <a:t>nG</a:t>
+            </a:r>
+            <a:r>
+              <a:rPr lang="fr-FR" dirty="0" smtClean="0"/>
+              <a:t> = O point à l’</a:t>
+            </a:r>
+            <a:r>
+              <a:rPr lang="fr-FR" smtClean="0"/>
+              <a:t>infin)</a:t>
+            </a:r>
+            <a:endParaRPr lang="fr-FR" dirty="0" smtClean="0"/>
+          </a:p>
+          <a:p>
+            <a:pPr marL="285750" indent="-285750">
+              <a:buFont typeface="Arial" panose="020B0604020202020204" pitchFamily="34" charset="0"/>
+              <a:buChar char="•"/>
+            </a:pPr>
+            <a:r>
+              <a:rPr lang="fr-FR" dirty="0" smtClean="0"/>
+              <a:t>Clé privée :  un entier s quelconque entre 1 et n-1</a:t>
+            </a:r>
+          </a:p>
+          <a:p>
+            <a:pPr marL="285750" indent="-285750">
+              <a:buFont typeface="Arial" panose="020B0604020202020204" pitchFamily="34" charset="0"/>
+              <a:buChar char="•"/>
+            </a:pPr>
+            <a:r>
+              <a:rPr lang="fr-FR" dirty="0" smtClean="0"/>
+              <a:t>Hash : un entier k entre 1 et n - 1</a:t>
+            </a:r>
+          </a:p>
+          <a:p>
+            <a:pPr marL="285750" indent="-285750">
+              <a:buFont typeface="Arial" panose="020B0604020202020204" pitchFamily="34" charset="0"/>
+              <a:buChar char="•"/>
+            </a:pPr>
+            <a:r>
+              <a:rPr lang="fr-FR" dirty="0" smtClean="0"/>
+              <a:t>Empreinte est constitué des coordonnées cartésiennes (</a:t>
+            </a:r>
+            <a:r>
+              <a:rPr lang="fr-FR" dirty="0" err="1" smtClean="0"/>
+              <a:t>x,y</a:t>
+            </a:r>
+            <a:r>
+              <a:rPr lang="fr-FR" dirty="0" smtClean="0"/>
+              <a:t>) de </a:t>
+            </a:r>
+            <a:r>
+              <a:rPr lang="fr-FR" dirty="0" err="1" smtClean="0"/>
+              <a:t>kG</a:t>
+            </a:r>
+            <a:r>
+              <a:rPr lang="fr-FR" dirty="0" smtClean="0"/>
+              <a:t> modulo n et à un « salage » près fonction de s</a:t>
+            </a:r>
+          </a:p>
+          <a:p>
+            <a:pPr marL="285750" indent="-285750">
+              <a:buFont typeface="Wingdings" panose="05000000000000000000" pitchFamily="2" charset="2"/>
+              <a:buChar char="Ø"/>
+            </a:pPr>
+            <a:r>
+              <a:rPr lang="fr-FR" u="sng" dirty="0" smtClean="0"/>
+              <a:t>Déchiffrement </a:t>
+            </a:r>
+            <a:r>
+              <a:rPr lang="fr-FR" u="sng" dirty="0"/>
+              <a:t>ECDSA </a:t>
+            </a:r>
+            <a:endParaRPr lang="fr-FR" dirty="0"/>
+          </a:p>
+          <a:p>
+            <a:pPr marL="285750" indent="-285750">
+              <a:buFont typeface="Arial" panose="020B0604020202020204" pitchFamily="34" charset="0"/>
+              <a:buChar char="•"/>
+            </a:pPr>
+            <a:r>
+              <a:rPr lang="fr-FR" dirty="0" smtClean="0"/>
+              <a:t>Vérification que n(</a:t>
+            </a:r>
+            <a:r>
+              <a:rPr lang="fr-FR" dirty="0" err="1" smtClean="0"/>
+              <a:t>kG</a:t>
+            </a:r>
+            <a:r>
+              <a:rPr lang="fr-FR" dirty="0" smtClean="0"/>
+              <a:t>) = O (addition commutative et </a:t>
+            </a:r>
+            <a:r>
+              <a:rPr lang="fr-FR" dirty="0" err="1" smtClean="0"/>
+              <a:t>nG</a:t>
+            </a:r>
+            <a:r>
+              <a:rPr lang="fr-FR" dirty="0" smtClean="0"/>
+              <a:t> = O) et que le déchiffrement basé sur la clé publique et (</a:t>
+            </a:r>
+            <a:r>
+              <a:rPr lang="fr-FR" dirty="0" err="1" smtClean="0"/>
+              <a:t>x,y</a:t>
+            </a:r>
+            <a:r>
+              <a:rPr lang="fr-FR" dirty="0" smtClean="0"/>
+              <a:t>) donne </a:t>
+            </a:r>
+            <a:r>
+              <a:rPr lang="fr-FR" dirty="0" err="1" smtClean="0"/>
+              <a:t>kG</a:t>
+            </a:r>
+            <a:endParaRPr lang="fr-FR" dirty="0" smtClean="0"/>
+          </a:p>
+        </p:txBody>
+      </p:sp>
+    </p:spTree>
+    <p:extLst>
+      <p:ext uri="{BB962C8B-B14F-4D97-AF65-F5344CB8AC3E}">
+        <p14:creationId xmlns:p14="http://schemas.microsoft.com/office/powerpoint/2010/main" val="2108602199"/>
+      </p:ext>
+    </p:extLst>
+  </p:cSld>
+  <p:clrMapOvr>
+    <a:masterClrMapping/>
+  </p:clrMapOvr>
+  <p:timing>
+    <p:tnLst>
+      <p:par>
+        <p:cTn id="1" dur="indefinite" restart="never" nodeType="tmRoot"/>
+      </p:par>
+    </p:tnLst>
+  </p:timing>
+</p:sld>
+</file>
+
+<file path=ppt/slides/slide23.xml><?xml version="1.0" encoding="utf-8"?>
+<p:sld xmlns:a="http://schemas.openxmlformats.org/drawingml/2006/main" xmlns:r="http://schemas.openxmlformats.org/officeDocument/2006/relationships" xmlns:p="http://schemas.openxmlformats.org/presentationml/2006/main">
+  <p:cSld>
+    <p:spTree>
+      <p:nvGrpSpPr>
+        <p:cNvPr id="1" name=""/>
+        <p:cNvGrpSpPr/>
+        <p:nvPr/>
+      </p:nvGrpSpPr>
+      <p:grpSpPr>
+        <a:xfrm>
+          <a:off x="0" y="0"/>
+          <a:ext cx="0" cy="0"/>
+          <a:chOff x="0" y="0"/>
+          <a:chExt cx="0" cy="0"/>
+        </a:xfrm>
+      </p:grpSpPr>
+      <p:sp>
+        <p:nvSpPr>
+          <p:cNvPr id="4" name="Titre 3"/>
+          <p:cNvSpPr>
+            <a:spLocks noGrp="1"/>
+          </p:cNvSpPr>
+          <p:nvPr>
+            <p:ph type="title"/>
+          </p:nvPr>
+        </p:nvSpPr>
+        <p:spPr>
+          <a:xfrm>
+            <a:off x="831850" y="889607"/>
+            <a:ext cx="10515600" cy="967474"/>
+          </a:xfrm>
+        </p:spPr>
+        <p:txBody>
+          <a:bodyPr/>
+          <a:lstStyle/>
+          <a:p>
+            <a:r>
+              <a:rPr lang="fr-FR" dirty="0" smtClean="0"/>
+              <a:t>Conception modulaire en python</a:t>
+            </a:r>
+            <a:endParaRPr lang="fr-FR" dirty="0"/>
+          </a:p>
+        </p:txBody>
+      </p:sp>
+      <p:sp>
+        <p:nvSpPr>
+          <p:cNvPr id="5" name="Espace réservé du texte 4"/>
+          <p:cNvSpPr>
+            <a:spLocks noGrp="1"/>
+          </p:cNvSpPr>
+          <p:nvPr>
+            <p:ph type="body" idx="1"/>
+          </p:nvPr>
+        </p:nvSpPr>
+        <p:spPr>
+          <a:xfrm>
+            <a:off x="831850" y="2138494"/>
+            <a:ext cx="10515600" cy="4384854"/>
+          </a:xfrm>
+        </p:spPr>
+        <p:txBody>
+          <a:bodyPr>
+            <a:normAutofit fontScale="47500" lnSpcReduction="20000"/>
+          </a:bodyPr>
+          <a:lstStyle/>
+          <a:p>
+            <a:r>
+              <a:rPr lang="fr-FR" dirty="0" smtClean="0"/>
+              <a:t>La formation basique python explique la « syntaxe » du langage en donnant des exemples de code source dans un fichier (suffixe .</a:t>
+            </a:r>
+            <a:r>
+              <a:rPr lang="fr-FR" dirty="0" err="1" smtClean="0"/>
+              <a:t>py</a:t>
+            </a:r>
+            <a:r>
+              <a:rPr lang="fr-FR" dirty="0" smtClean="0"/>
+              <a:t>, comme form.py) désigné à être exécuté (=interprété). Exemple : python form.py  ou en environnement </a:t>
+            </a:r>
+            <a:r>
+              <a:rPr lang="fr-FR" dirty="0" err="1" smtClean="0"/>
+              <a:t>shell</a:t>
+            </a:r>
+            <a:r>
+              <a:rPr lang="fr-FR" dirty="0" smtClean="0"/>
+              <a:t>  par ligne de commande  (&gt;&gt;&gt; désigne la sollicitation interpréteur) :</a:t>
+            </a:r>
+          </a:p>
+          <a:p>
+            <a:r>
+              <a:rPr lang="fr-FR" b="1" dirty="0"/>
+              <a:t>p</a:t>
+            </a:r>
+            <a:r>
+              <a:rPr lang="fr-FR" b="1" dirty="0" smtClean="0"/>
+              <a:t>ython</a:t>
+            </a:r>
+            <a:r>
+              <a:rPr lang="fr-FR" dirty="0" smtClean="0"/>
+              <a:t> </a:t>
+            </a:r>
+          </a:p>
+          <a:p>
+            <a:r>
+              <a:rPr lang="fr-FR" dirty="0" smtClean="0"/>
+              <a:t>&gt;&gt;&gt; </a:t>
+            </a:r>
+            <a:r>
+              <a:rPr lang="fr-FR" b="1" dirty="0" err="1" smtClean="0"/>
+              <a:t>exec</a:t>
+            </a:r>
+            <a:r>
+              <a:rPr lang="fr-FR" b="1" dirty="0" smtClean="0"/>
+              <a:t>(« form.py »)</a:t>
+            </a:r>
+          </a:p>
+          <a:p>
+            <a:r>
+              <a:rPr lang="fr-FR" dirty="0" smtClean="0"/>
+              <a:t>L’étape suivante de formation est de « compiler » le code source pour le rendre plus rapidement exécutée. La manière la plus simple est :    </a:t>
+            </a:r>
+          </a:p>
+          <a:p>
+            <a:r>
+              <a:rPr lang="fr-FR" dirty="0" smtClean="0"/>
+              <a:t> </a:t>
+            </a:r>
+            <a:r>
+              <a:rPr lang="fr-FR" b="1" dirty="0" smtClean="0"/>
+              <a:t>python </a:t>
+            </a:r>
+            <a:r>
+              <a:rPr lang="fr-FR" b="1" dirty="0"/>
+              <a:t>–m </a:t>
+            </a:r>
+            <a:r>
+              <a:rPr lang="fr-FR" b="1" dirty="0" err="1"/>
+              <a:t>compileall</a:t>
+            </a:r>
+            <a:r>
+              <a:rPr lang="fr-FR" b="1" dirty="0"/>
+              <a:t>  </a:t>
+            </a:r>
+            <a:r>
+              <a:rPr lang="fr-FR" dirty="0" smtClean="0"/>
+              <a:t>.    (noter le caractère « . «  à la fin pour désigner le répertoire courant)</a:t>
+            </a:r>
+            <a:endParaRPr lang="fr-FR" dirty="0"/>
+          </a:p>
+          <a:p>
+            <a:r>
+              <a:rPr lang="fr-FR" dirty="0" smtClean="0"/>
+              <a:t>L’option ‘-m’ de la commande python sert à spécifier un « module </a:t>
+            </a:r>
+            <a:r>
+              <a:rPr lang="fr-FR" dirty="0" err="1" smtClean="0"/>
+              <a:t>built</a:t>
+            </a:r>
+            <a:r>
+              <a:rPr lang="fr-FR" dirty="0" smtClean="0"/>
+              <a:t>-in python », un programme pour compiler un simple fichier (si le paramètre est un fichier) ou de manière récursive tout un répertoire (si le paramètre est un répertoire, ici le répertoire courant).</a:t>
+            </a:r>
+          </a:p>
+          <a:p>
+            <a:r>
+              <a:rPr lang="fr-FR" dirty="0" smtClean="0"/>
+              <a:t>Pour compiler un simple fichier de code source (exemple : form.py) :</a:t>
+            </a:r>
+          </a:p>
+          <a:p>
+            <a:r>
+              <a:rPr lang="fr-FR" b="1" dirty="0"/>
+              <a:t>p</a:t>
+            </a:r>
+            <a:r>
+              <a:rPr lang="fr-FR" b="1" dirty="0" smtClean="0"/>
+              <a:t>ython –m </a:t>
+            </a:r>
+            <a:r>
+              <a:rPr lang="fr-FR" b="1" dirty="0" err="1" smtClean="0"/>
+              <a:t>py_compile</a:t>
+            </a:r>
+            <a:r>
+              <a:rPr lang="fr-FR" b="1" dirty="0" smtClean="0"/>
+              <a:t>  form.py</a:t>
+            </a:r>
+          </a:p>
+          <a:p>
+            <a:r>
+              <a:rPr lang="fr-FR" dirty="0" smtClean="0"/>
+              <a:t>Un projet ne se limitant pas a un seul fichier source, il devient vide nécessaire d’organiser les fichiers source en « modules » dans une hiérarchie de fichier où chaque répertoire est un « paquetage » (=package). Ce répertoire doit nécessairement contenir un fichier (même vide) __init__.py qui sert à l’initialisation du paquetage et qui sert au module de compilation python, </a:t>
+            </a:r>
+            <a:r>
+              <a:rPr lang="fr-FR" smtClean="0"/>
+              <a:t>à identifier </a:t>
+            </a:r>
+            <a:r>
+              <a:rPr lang="fr-FR" dirty="0" smtClean="0"/>
+              <a:t>le répertoire comme un paquetage contenant des modules.</a:t>
+            </a:r>
+          </a:p>
+          <a:p>
+            <a:r>
+              <a:rPr lang="fr-FR" dirty="0" smtClean="0"/>
+              <a:t>La hiérarchie la plus simple projet est donc :</a:t>
+            </a:r>
+          </a:p>
+          <a:p>
+            <a:pPr marL="342900" indent="-342900">
+              <a:buFontTx/>
+              <a:buChar char="-"/>
+            </a:pPr>
+            <a:r>
+              <a:rPr lang="fr-FR" dirty="0" smtClean="0"/>
+              <a:t>un répertoire principal contenant la fonction principale  (NDR : j’éviterais d’utiliser « main » comme nom de fonction principale, pour ne pas créer la confusion avec C) dans un fichier (exemple : service.py). Ce fichier contient des définitions de fonction, mais également les instructions (au premier niveau d’indentation) du code source programme principal.</a:t>
+            </a:r>
+          </a:p>
+          <a:p>
+            <a:pPr marL="342900" indent="-342900">
+              <a:buFontTx/>
+              <a:buChar char="-"/>
+            </a:pPr>
+            <a:r>
+              <a:rPr lang="fr-FR" dirty="0"/>
+              <a:t>l</a:t>
+            </a:r>
+            <a:r>
+              <a:rPr lang="fr-FR" dirty="0" smtClean="0"/>
+              <a:t>e répertoire principal  peut contenir des modules simples (=autres fichiers .</a:t>
+            </a:r>
+            <a:r>
+              <a:rPr lang="fr-FR" dirty="0" err="1" smtClean="0"/>
+              <a:t>py</a:t>
+            </a:r>
+            <a:r>
+              <a:rPr lang="fr-FR" dirty="0" smtClean="0"/>
+              <a:t>) pour une simple raison de découpage du programme principal</a:t>
+            </a:r>
+          </a:p>
+          <a:p>
+            <a:pPr marL="342900" indent="-342900">
+              <a:buFontTx/>
+              <a:buChar char="-"/>
+            </a:pPr>
+            <a:r>
+              <a:rPr lang="fr-FR" dirty="0" smtClean="0"/>
+              <a:t>Un sous-répertoire (exemple : </a:t>
+            </a:r>
+            <a:r>
+              <a:rPr lang="fr-FR" dirty="0" err="1" smtClean="0"/>
+              <a:t>utils</a:t>
+            </a:r>
+            <a:r>
+              <a:rPr lang="fr-FR" dirty="0" smtClean="0"/>
+              <a:t>) contenant un fichier vide __init__.py et une fonction aide() dans le fichier source module operations.py. Cette fonction est importée dans le programme principal par</a:t>
+            </a:r>
+            <a:r>
+              <a:rPr lang="fr-FR" b="1" dirty="0" smtClean="0"/>
+              <a:t>   </a:t>
+            </a:r>
+            <a:r>
+              <a:rPr lang="fr-FR" b="1" dirty="0" err="1" smtClean="0"/>
+              <a:t>from</a:t>
+            </a:r>
+            <a:r>
+              <a:rPr lang="fr-FR" b="1" dirty="0" smtClean="0"/>
+              <a:t>  </a:t>
+            </a:r>
+            <a:r>
+              <a:rPr lang="fr-FR" b="1" dirty="0" err="1" smtClean="0"/>
+              <a:t>utils.operation</a:t>
+            </a:r>
+            <a:r>
+              <a:rPr lang="fr-FR" b="1" dirty="0" smtClean="0"/>
+              <a:t>  import aide  </a:t>
+            </a:r>
+            <a:r>
+              <a:rPr lang="fr-FR" dirty="0" smtClean="0"/>
+              <a:t>soit donc en énumérant la </a:t>
+            </a:r>
+            <a:r>
+              <a:rPr lang="fr-FR" dirty="0" err="1" smtClean="0"/>
+              <a:t>hiiérarchie</a:t>
+            </a:r>
+            <a:r>
+              <a:rPr lang="fr-FR" dirty="0" smtClean="0"/>
+              <a:t>  (le caractère « . » sert à désigner un sous-module, c’est-à-dire un sous –répertoire)</a:t>
+            </a:r>
+          </a:p>
+          <a:p>
+            <a:r>
+              <a:rPr lang="fr-FR" dirty="0" smtClean="0"/>
+              <a:t>Dans un package il est autorisé d’utiliser des chemins relatifs (avec « . » ou « .. ») dans l’instruction d’import, pour localiser le répertoire d’un module.</a:t>
+            </a:r>
+          </a:p>
+          <a:p>
+            <a:pPr marL="342900" indent="-342900">
+              <a:buFontTx/>
+              <a:buChar char="-"/>
+            </a:pPr>
+            <a:endParaRPr lang="fr-FR" dirty="0" smtClean="0"/>
+          </a:p>
+        </p:txBody>
+      </p:sp>
+    </p:spTree>
+    <p:extLst>
+      <p:ext uri="{BB962C8B-B14F-4D97-AF65-F5344CB8AC3E}">
+        <p14:creationId xmlns:p14="http://schemas.microsoft.com/office/powerpoint/2010/main" val="324121882"/>
+      </p:ext>
+    </p:extLst>
+  </p:cSld>
+  <p:clrMapOvr>
+    <a:masterClrMapping/>
+  </p:clrMapOvr>
+  <p:timing>
+    <p:tnLst>
+      <p:par>
+        <p:cTn id="1" dur="indefinite" restart="never" nodeType="tmRoot"/>
+      </p:par>
+    </p:tnLst>
+  </p:timing>
+</p:sld>
+</file>
+
+<file path=ppt/slides/slide24.xml><?xml version="1.0" encoding="utf-8"?>
+<p:sld xmlns:a="http://schemas.openxmlformats.org/drawingml/2006/main" xmlns:r="http://schemas.openxmlformats.org/officeDocument/2006/relationships" xmlns:p="http://schemas.openxmlformats.org/presentationml/2006/main">
+  <p:cSld>
+    <p:spTree>
+      <p:nvGrpSpPr>
+        <p:cNvPr id="1" name=""/>
+        <p:cNvGrpSpPr/>
+        <p:nvPr/>
+      </p:nvGrpSpPr>
+      <p:grpSpPr>
+        <a:xfrm>
+          <a:off x="0" y="0"/>
+          <a:ext cx="0" cy="0"/>
+          <a:chOff x="0" y="0"/>
+          <a:chExt cx="0" cy="0"/>
+        </a:xfrm>
+      </p:grpSpPr>
+      <p:sp>
+        <p:nvSpPr>
+          <p:cNvPr id="4" name="Titre 3"/>
+          <p:cNvSpPr>
+            <a:spLocks noGrp="1"/>
+          </p:cNvSpPr>
+          <p:nvPr>
+            <p:ph type="title"/>
+          </p:nvPr>
+        </p:nvSpPr>
+        <p:spPr>
+          <a:xfrm>
+            <a:off x="831850" y="889607"/>
+            <a:ext cx="10515600" cy="967474"/>
+          </a:xfrm>
+        </p:spPr>
+        <p:txBody>
+          <a:bodyPr/>
+          <a:lstStyle/>
+          <a:p>
+            <a:r>
+              <a:rPr lang="fr-FR" dirty="0" smtClean="0"/>
+              <a:t>Astuce fatale </a:t>
+            </a:r>
+            <a:r>
+              <a:rPr lang="fr-FR" dirty="0" err="1" smtClean="0"/>
+              <a:t>aka</a:t>
+            </a:r>
+            <a:r>
+              <a:rPr lang="fr-FR" dirty="0" smtClean="0"/>
+              <a:t> Python 2 EOL</a:t>
+            </a:r>
+            <a:endParaRPr lang="fr-FR" dirty="0"/>
+          </a:p>
+        </p:txBody>
+      </p:sp>
+      <p:sp>
+        <p:nvSpPr>
+          <p:cNvPr id="5" name="Espace réservé du texte 4"/>
+          <p:cNvSpPr>
+            <a:spLocks noGrp="1"/>
+          </p:cNvSpPr>
+          <p:nvPr>
+            <p:ph type="body" idx="1"/>
+          </p:nvPr>
+        </p:nvSpPr>
+        <p:spPr>
+          <a:xfrm>
+            <a:off x="831850" y="2138494"/>
+            <a:ext cx="10515600" cy="4384854"/>
+          </a:xfrm>
+        </p:spPr>
+        <p:txBody>
+          <a:bodyPr>
+            <a:normAutofit fontScale="77500" lnSpcReduction="20000"/>
+          </a:bodyPr>
+          <a:lstStyle/>
+          <a:p>
+            <a:pPr marL="342900" indent="-342900">
+              <a:buFontTx/>
+              <a:buChar char="-"/>
+            </a:pPr>
+            <a:r>
+              <a:rPr lang="fr-FR" dirty="0" smtClean="0"/>
+              <a:t>Le sujet est « Python 2 EOL » , en clair la fin de vie de Python 2 au 1</a:t>
+            </a:r>
+            <a:r>
+              <a:rPr lang="fr-FR" baseline="30000" dirty="0" smtClean="0"/>
+              <a:t>er</a:t>
+            </a:r>
+            <a:r>
+              <a:rPr lang="fr-FR" dirty="0" smtClean="0"/>
+              <a:t> janvier 2020. </a:t>
+            </a:r>
+          </a:p>
+          <a:p>
+            <a:pPr marL="342900" indent="-342900">
+              <a:buFontTx/>
+              <a:buChar char="-"/>
+            </a:pPr>
+            <a:r>
+              <a:rPr lang="fr-FR" dirty="0" smtClean="0"/>
+              <a:t>Lire le sujet de inforworld.com du 20 avril 2020</a:t>
+            </a:r>
+          </a:p>
+          <a:p>
+            <a:pPr marL="342900" indent="-342900">
+              <a:buFontTx/>
+              <a:buChar char="-"/>
+            </a:pPr>
+            <a:r>
+              <a:rPr lang="fr-FR" dirty="0" smtClean="0"/>
+              <a:t>La version « 2 » ou « 3 » de Python c’est ce que l’on appelle la « pile python » : cela désigne à la fois le numéro de version (exemple : le 2 dans 2.7.5) et l’ensemble des outils et librairies et sources associés.</a:t>
+            </a:r>
+          </a:p>
+          <a:p>
+            <a:pPr marL="342900" indent="-342900">
+              <a:buFontTx/>
+              <a:buChar char="-"/>
+            </a:pPr>
+            <a:r>
+              <a:rPr lang="fr-FR" dirty="0" smtClean="0"/>
+              <a:t>L’EOL, c’est l’argument fatal pour forcer au recodage et passage en Python 3.</a:t>
+            </a:r>
+          </a:p>
+          <a:p>
+            <a:pPr marL="342900" indent="-342900">
+              <a:buFontTx/>
+              <a:buChar char="-"/>
+            </a:pPr>
+            <a:r>
+              <a:rPr lang="fr-FR" dirty="0" smtClean="0"/>
+              <a:t>Pourquoi recodage ? … car syntaxiquement incompatible ou librairies inutilisables.</a:t>
+            </a:r>
+          </a:p>
+          <a:p>
+            <a:pPr marL="342900" indent="-342900">
+              <a:buFontTx/>
+              <a:buChar char="-"/>
+            </a:pPr>
+            <a:r>
+              <a:rPr lang="fr-FR" dirty="0" smtClean="0"/>
+              <a:t>Le passage en force vient de la « communauté » python, ceux qui font les outils.</a:t>
+            </a:r>
+          </a:p>
+          <a:p>
+            <a:pPr marL="342900" indent="-342900">
+              <a:buFontTx/>
+              <a:buChar char="-"/>
+            </a:pPr>
+            <a:r>
+              <a:rPr lang="fr-FR" dirty="0" smtClean="0"/>
+              <a:t>Au mépris des industriels ou des développeurs qui ne peuvent pas recoder (sources trop longs ou trop importants, binaires sans les sources etc..). D’un autre côté, cela nécessite un gros travail de maintenir une vieille version de langage.</a:t>
+            </a:r>
+          </a:p>
+          <a:p>
+            <a:pPr marL="342900" indent="-342900">
+              <a:buFontTx/>
+              <a:buChar char="-"/>
+            </a:pPr>
+            <a:r>
+              <a:rPr lang="fr-FR" dirty="0" smtClean="0"/>
+              <a:t>Un exemple perso : PEP256  ou PEP3107 « annotations type » des variables paramètres de fonction  (</a:t>
+            </a:r>
+            <a:r>
+              <a:rPr lang="fr-FR" dirty="0" err="1" smtClean="0"/>
+              <a:t>cf</a:t>
+            </a:r>
+            <a:r>
+              <a:rPr lang="fr-FR" dirty="0" smtClean="0"/>
+              <a:t> site python.org  </a:t>
+            </a:r>
+            <a:r>
+              <a:rPr lang="fr-FR" dirty="0" err="1" smtClean="0"/>
+              <a:t>dev</a:t>
+            </a:r>
+            <a:r>
+              <a:rPr lang="fr-FR" dirty="0" smtClean="0"/>
+              <a:t>/peps/peps-3107). Il paraît que c’est même une question d’entretien d’embauche de développeur python (?!?).</a:t>
+            </a:r>
+          </a:p>
+          <a:p>
+            <a:pPr marL="342900" indent="-342900">
+              <a:buFontTx/>
+              <a:buChar char="-"/>
+            </a:pPr>
+            <a:r>
+              <a:rPr lang="fr-FR" dirty="0" smtClean="0"/>
+              <a:t>Certains se sont déjà lancé dans le « </a:t>
+            </a:r>
+            <a:r>
+              <a:rPr lang="fr-FR" dirty="0" err="1" smtClean="0"/>
+              <a:t>backporting</a:t>
+            </a:r>
+            <a:r>
+              <a:rPr lang="fr-FR" dirty="0" smtClean="0"/>
+              <a:t> » : </a:t>
+            </a:r>
+            <a:r>
+              <a:rPr lang="fr-FR" dirty="0" err="1" smtClean="0"/>
+              <a:t>cf</a:t>
+            </a:r>
+            <a:r>
+              <a:rPr lang="fr-FR" dirty="0" smtClean="0"/>
+              <a:t> </a:t>
+            </a:r>
+            <a:r>
+              <a:rPr lang="fr-FR" dirty="0" err="1" smtClean="0"/>
+              <a:t>Thauton</a:t>
+            </a:r>
+            <a:r>
+              <a:rPr lang="fr-FR" dirty="0"/>
+              <a:t>  </a:t>
+            </a:r>
+            <a:r>
+              <a:rPr lang="fr-FR" dirty="0" smtClean="0">
+                <a:hlinkClick r:id="rId2"/>
+              </a:rPr>
+              <a:t>https</a:t>
+            </a:r>
+            <a:r>
+              <a:rPr lang="fr-FR" dirty="0">
+                <a:hlinkClick r:id="rId2"/>
+              </a:rPr>
+              <a:t>://</a:t>
+            </a:r>
+            <a:r>
+              <a:rPr lang="fr-FR" dirty="0" smtClean="0">
+                <a:hlinkClick r:id="rId2"/>
+              </a:rPr>
+              <a:t>github.com/naftaliharris/tauthon</a:t>
+            </a:r>
+            <a:r>
+              <a:rPr lang="fr-FR" dirty="0" smtClean="0"/>
+              <a:t> </a:t>
+            </a:r>
+            <a:r>
+              <a:rPr lang="fr-FR" dirty="0"/>
+              <a:t>et </a:t>
+            </a:r>
+            <a:r>
+              <a:rPr lang="fr-FR" dirty="0">
+                <a:hlinkClick r:id="rId3"/>
+              </a:rPr>
+              <a:t>https://www.python.org/dev/peps/pep-0404</a:t>
+            </a:r>
+            <a:r>
+              <a:rPr lang="fr-FR" dirty="0" smtClean="0">
+                <a:hlinkClick r:id="rId3"/>
+              </a:rPr>
+              <a:t>/</a:t>
+            </a:r>
+            <a:r>
+              <a:rPr lang="fr-FR" dirty="0" smtClean="0"/>
+              <a:t> et je vais d’ailleurs m’inspirer de ce travail pour une formation à Python 2 ET Python 3.</a:t>
+            </a:r>
+          </a:p>
+          <a:p>
+            <a:pPr marL="342900" indent="-342900">
+              <a:buFontTx/>
+              <a:buChar char="-"/>
+            </a:pPr>
+            <a:endParaRPr lang="fr-FR" dirty="0" smtClean="0"/>
+          </a:p>
+        </p:txBody>
+      </p:sp>
+    </p:spTree>
+    <p:extLst>
+      <p:ext uri="{BB962C8B-B14F-4D97-AF65-F5344CB8AC3E}">
+        <p14:creationId xmlns:p14="http://schemas.microsoft.com/office/powerpoint/2010/main" val="2110262252"/>
+      </p:ext>
+    </p:extLst>
+  </p:cSld>
+  <p:clrMapOvr>
+    <a:masterClrMapping/>
+  </p:clrMapOvr>
+  <p:timing>
+    <p:tnLst>
+      <p:par>
+        <p:cTn id="1" dur="indefinite" restart="never" nodeType="tmRoot"/>
+      </p:par>
+    </p:tnLst>
+  </p:timing>
+</p:sld>
+</file>
+
+<file path=ppt/slides/slide25.xml><?xml version="1.0" encoding="utf-8"?>
+<p:sld xmlns:a="http://schemas.openxmlformats.org/drawingml/2006/main" xmlns:r="http://schemas.openxmlformats.org/officeDocument/2006/relationships" xmlns:p="http://schemas.openxmlformats.org/presentationml/2006/main">
+  <p:cSld>
+    <p:spTree>
+      <p:nvGrpSpPr>
+        <p:cNvPr id="1" name=""/>
+        <p:cNvGrpSpPr/>
+        <p:nvPr/>
+      </p:nvGrpSpPr>
+      <p:grpSpPr>
+        <a:xfrm>
+          <a:off x="0" y="0"/>
+          <a:ext cx="0" cy="0"/>
+          <a:chOff x="0" y="0"/>
+          <a:chExt cx="0" cy="0"/>
+        </a:xfrm>
+      </p:grpSpPr>
+      <p:sp>
+        <p:nvSpPr>
+          <p:cNvPr id="4" name="Titre 3"/>
+          <p:cNvSpPr>
+            <a:spLocks noGrp="1"/>
+          </p:cNvSpPr>
+          <p:nvPr>
+            <p:ph type="title"/>
+          </p:nvPr>
+        </p:nvSpPr>
+        <p:spPr>
+          <a:xfrm>
+            <a:off x="831850" y="889607"/>
+            <a:ext cx="10515600" cy="967474"/>
+          </a:xfrm>
+        </p:spPr>
+        <p:txBody>
+          <a:bodyPr/>
+          <a:lstStyle/>
+          <a:p>
+            <a:r>
+              <a:rPr lang="fr-FR" dirty="0" err="1" smtClean="0"/>
+              <a:t>Pré-requis</a:t>
+            </a:r>
+            <a:r>
+              <a:rPr lang="fr-FR" dirty="0" smtClean="0"/>
+              <a:t> Python</a:t>
+            </a:r>
+            <a:endParaRPr lang="fr-FR" dirty="0"/>
+          </a:p>
+        </p:txBody>
+      </p:sp>
+      <p:sp>
+        <p:nvSpPr>
+          <p:cNvPr id="5" name="Espace réservé du texte 4"/>
+          <p:cNvSpPr>
+            <a:spLocks noGrp="1"/>
+          </p:cNvSpPr>
+          <p:nvPr>
+            <p:ph type="body" idx="1"/>
+          </p:nvPr>
+        </p:nvSpPr>
+        <p:spPr>
+          <a:xfrm>
+            <a:off x="831850" y="2138494"/>
+            <a:ext cx="10515600" cy="4384854"/>
+          </a:xfrm>
+        </p:spPr>
+        <p:txBody>
+          <a:bodyPr>
+            <a:normAutofit fontScale="40000" lnSpcReduction="20000"/>
+          </a:bodyPr>
+          <a:lstStyle/>
+          <a:p>
+            <a:r>
+              <a:rPr lang="fr-FR" dirty="0" smtClean="0"/>
+              <a:t>L’autoformation Python précède ces autoformations GIT,GITHUB. </a:t>
+            </a:r>
+          </a:p>
+          <a:p>
+            <a:r>
+              <a:rPr lang="fr-FR" dirty="0" smtClean="0"/>
+              <a:t>Un tutorial intéressant (pour Python 2.7.5) est </a:t>
+            </a:r>
+            <a:r>
+              <a:rPr lang="fr-FR" dirty="0"/>
+              <a:t>à l’URL : </a:t>
+            </a:r>
+            <a:r>
+              <a:rPr lang="fr-FR" dirty="0">
+                <a:hlinkClick r:id="rId2"/>
+              </a:rPr>
+              <a:t>https://</a:t>
+            </a:r>
+            <a:r>
+              <a:rPr lang="fr-FR" dirty="0" smtClean="0">
+                <a:hlinkClick r:id="rId2"/>
+              </a:rPr>
+              <a:t>docs.python.org/2.7/tutorial</a:t>
+            </a:r>
+            <a:endParaRPr lang="fr-FR" dirty="0" smtClean="0"/>
+          </a:p>
+          <a:p>
+            <a:r>
+              <a:rPr lang="fr-FR" dirty="0" smtClean="0"/>
+              <a:t>Il explique notamment (en plus de la syntaxe) que l’exécution se fait par l’interpréteur « python », un programme installé sur le calculateur.</a:t>
+            </a:r>
+          </a:p>
+          <a:p>
+            <a:r>
+              <a:rPr lang="fr-FR" dirty="0" smtClean="0"/>
+              <a:t>Les points intéressants à relever sont :</a:t>
+            </a:r>
+          </a:p>
+          <a:p>
+            <a:pPr marL="342900" indent="-342900">
+              <a:buFontTx/>
+              <a:buChar char="-"/>
+            </a:pPr>
+            <a:r>
+              <a:rPr lang="fr-FR" dirty="0" smtClean="0"/>
+              <a:t>Le « modules </a:t>
+            </a:r>
+            <a:r>
+              <a:rPr lang="fr-FR" dirty="0" err="1" smtClean="0"/>
+              <a:t>search</a:t>
+            </a:r>
+            <a:r>
+              <a:rPr lang="fr-FR" dirty="0" smtClean="0"/>
+              <a:t> </a:t>
+            </a:r>
+            <a:r>
+              <a:rPr lang="fr-FR" dirty="0" err="1" smtClean="0"/>
+              <a:t>path</a:t>
+            </a:r>
+            <a:r>
+              <a:rPr lang="fr-FR" dirty="0" smtClean="0"/>
+              <a:t> » expliqué sur la page : </a:t>
+            </a:r>
+            <a:r>
+              <a:rPr lang="fr-FR" dirty="0" smtClean="0">
+                <a:hlinkClick r:id="rId3"/>
+              </a:rPr>
+              <a:t>https</a:t>
+            </a:r>
+            <a:r>
+              <a:rPr lang="fr-FR" dirty="0">
+                <a:hlinkClick r:id="rId3"/>
+              </a:rPr>
+              <a:t>://</a:t>
+            </a:r>
+            <a:r>
+              <a:rPr lang="fr-FR" dirty="0" smtClean="0">
+                <a:hlinkClick r:id="rId3"/>
+              </a:rPr>
+              <a:t>docs.python.org/2.7/tutorial/modules.html</a:t>
+            </a:r>
+            <a:r>
+              <a:rPr lang="fr-FR" dirty="0" smtClean="0"/>
+              <a:t> avec le positionnement d’une variable PYTHONPATH (syntaxe similaire à celle de PATH) donnant les chemins d’accès aux fichiers Python.</a:t>
+            </a:r>
+          </a:p>
+          <a:p>
+            <a:pPr marL="342900" indent="-342900">
+              <a:buFontTx/>
+              <a:buChar char="-"/>
+            </a:pPr>
+            <a:r>
+              <a:rPr lang="fr-FR" dirty="0" smtClean="0"/>
+              <a:t>Les fichiers sources texte ont le suffixe .</a:t>
+            </a:r>
+            <a:r>
+              <a:rPr lang="fr-FR" dirty="0" err="1" smtClean="0"/>
+              <a:t>py</a:t>
+            </a:r>
+            <a:r>
+              <a:rPr lang="fr-FR" dirty="0" smtClean="0"/>
+              <a:t> et les fichiers sources binaires compilés ont le suffixe .</a:t>
+            </a:r>
+            <a:r>
+              <a:rPr lang="fr-FR" dirty="0" err="1" smtClean="0"/>
+              <a:t>pyc</a:t>
+            </a:r>
+            <a:r>
+              <a:rPr lang="fr-FR" dirty="0" smtClean="0"/>
+              <a:t>. Si dans un répertoire, il y a à la fois le fichier texte et le fichier binaire compilé, c’est ce dernier qui est utilisé par l’interpréteur.</a:t>
+            </a:r>
+          </a:p>
+          <a:p>
+            <a:r>
+              <a:rPr lang="fr-FR" dirty="0" smtClean="0"/>
+              <a:t>Des évolutions entre de Python 2 vers Python 3 rendent le code de « </a:t>
+            </a:r>
+            <a:r>
+              <a:rPr lang="fr-FR" dirty="0" err="1" smtClean="0"/>
+              <a:t>fastecdsa</a:t>
+            </a:r>
+            <a:r>
+              <a:rPr lang="fr-FR" dirty="0" smtClean="0"/>
+              <a:t> » non compilables en python 2, ce qui impose le « </a:t>
+            </a:r>
+            <a:r>
+              <a:rPr lang="fr-FR" dirty="0" err="1" smtClean="0"/>
+              <a:t>backporting</a:t>
+            </a:r>
+            <a:r>
+              <a:rPr lang="fr-FR" dirty="0" smtClean="0"/>
+              <a:t> » suivant :</a:t>
+            </a:r>
+          </a:p>
+          <a:p>
+            <a:pPr marL="342900" indent="-342900">
+              <a:buFontTx/>
+              <a:buChar char="-"/>
+            </a:pPr>
+            <a:r>
+              <a:rPr lang="fr-FR" dirty="0" smtClean="0"/>
+              <a:t>Suppression des « annotations » (notamment typage des paramètres et valeur de retour de fonction) et module </a:t>
+            </a:r>
+            <a:r>
+              <a:rPr lang="fr-FR" dirty="0" err="1"/>
+              <a:t>typing</a:t>
+            </a:r>
+            <a:r>
+              <a:rPr lang="fr-FR" dirty="0"/>
+              <a:t> introduit en Python3 : </a:t>
+            </a:r>
+            <a:r>
+              <a:rPr lang="fr-FR" dirty="0">
+                <a:hlinkClick r:id="rId4"/>
+              </a:rPr>
+              <a:t>https://</a:t>
+            </a:r>
+            <a:r>
+              <a:rPr lang="fr-FR" dirty="0" smtClean="0">
+                <a:hlinkClick r:id="rId4"/>
+              </a:rPr>
+              <a:t>www.python.org/dev/peps/pep-0484</a:t>
+            </a:r>
+            <a:endParaRPr lang="fr-FR" dirty="0" smtClean="0"/>
+          </a:p>
+          <a:p>
+            <a:pPr marL="342900" indent="-342900">
+              <a:buFontTx/>
+              <a:buChar char="-"/>
+            </a:pPr>
+            <a:r>
+              <a:rPr lang="fr-FR" dirty="0" smtClean="0"/>
+              <a:t>Ne pas utiliser une référence relative de fichier à l’import (exemple : ..keys) qui provoque des erreurs comme « </a:t>
+            </a:r>
+            <a:r>
+              <a:rPr lang="fr-FR" dirty="0" err="1" smtClean="0"/>
+              <a:t>ValueError</a:t>
+            </a:r>
+            <a:r>
+              <a:rPr lang="fr-FR" dirty="0" smtClean="0"/>
+              <a:t> : </a:t>
+            </a:r>
+            <a:r>
+              <a:rPr lang="fr-FR" dirty="0" err="1" smtClean="0"/>
+              <a:t>Attempted</a:t>
+            </a:r>
+            <a:r>
+              <a:rPr lang="fr-FR" dirty="0" smtClean="0"/>
+              <a:t> relative import in non-package ». Contrôle sans doute introduit pour de raisons de sécurité en Python3. Préférer le renseignement de la variable comme PYTHONPATH pour permettre à l’interpréteur de localiser les sources et modules compilés. Garder les références relatives pour une décomposition « descendante » des modules (autoriser « ./</a:t>
+            </a:r>
+            <a:r>
+              <a:rPr lang="fr-FR" dirty="0" err="1" smtClean="0"/>
+              <a:t>subdir</a:t>
+            </a:r>
+            <a:r>
+              <a:rPr lang="fr-FR" dirty="0" smtClean="0"/>
+              <a:t>/keys » mais pas « ../</a:t>
+            </a:r>
+            <a:r>
+              <a:rPr lang="fr-FR" dirty="0" err="1" smtClean="0"/>
+              <a:t>subdir</a:t>
+            </a:r>
+            <a:r>
+              <a:rPr lang="fr-FR" dirty="0" smtClean="0"/>
+              <a:t>/keys » ). Explication ici </a:t>
+            </a:r>
+            <a:r>
+              <a:rPr lang="fr-FR" dirty="0"/>
+              <a:t>: </a:t>
+            </a:r>
+            <a:r>
+              <a:rPr lang="fr-FR" dirty="0">
+                <a:hlinkClick r:id="rId5"/>
+              </a:rPr>
+              <a:t>https://</a:t>
+            </a:r>
+            <a:r>
+              <a:rPr lang="fr-FR" dirty="0" smtClean="0">
+                <a:hlinkClick r:id="rId5"/>
+              </a:rPr>
+              <a:t>www.python.org/dev/peps/pep-0366</a:t>
+            </a:r>
+            <a:r>
+              <a:rPr lang="fr-FR" dirty="0" smtClean="0"/>
+              <a:t> </a:t>
+            </a:r>
+          </a:p>
+          <a:p>
+            <a:r>
+              <a:rPr lang="fr-FR" dirty="0" smtClean="0"/>
+              <a:t>Autoformation supplémentaire nécessaire sur Python-</a:t>
+            </a:r>
+            <a:r>
+              <a:rPr lang="fr-FR" dirty="0" err="1" smtClean="0"/>
+              <a:t>eggs</a:t>
+            </a:r>
+            <a:r>
+              <a:rPr lang="fr-FR" dirty="0" smtClean="0"/>
+              <a:t> :</a:t>
+            </a:r>
+          </a:p>
+          <a:p>
+            <a:pPr marL="342900" indent="-342900">
+              <a:buFontTx/>
+              <a:buChar char="-"/>
+            </a:pPr>
+            <a:r>
+              <a:rPr lang="fr-FR" dirty="0" smtClean="0"/>
+              <a:t>Explication : </a:t>
+            </a:r>
+            <a:r>
+              <a:rPr lang="fr-FR" dirty="0" smtClean="0">
+                <a:hlinkClick r:id="rId6"/>
+              </a:rPr>
+              <a:t>https</a:t>
+            </a:r>
+            <a:r>
+              <a:rPr lang="fr-FR" dirty="0">
+                <a:hlinkClick r:id="rId6"/>
+              </a:rPr>
+              <a:t>://</a:t>
+            </a:r>
+            <a:r>
+              <a:rPr lang="fr-FR" dirty="0" smtClean="0">
+                <a:hlinkClick r:id="rId6"/>
+              </a:rPr>
+              <a:t>stackoverflow.com/questions/2051192/what-is-a-python-egg</a:t>
+            </a:r>
+            <a:endParaRPr lang="fr-FR" dirty="0" smtClean="0"/>
+          </a:p>
+          <a:p>
+            <a:pPr marL="342900" indent="-342900">
+              <a:buFontTx/>
+              <a:buChar char="-"/>
+            </a:pPr>
+            <a:endParaRPr lang="fr-FR" dirty="0" smtClean="0"/>
+          </a:p>
+          <a:p>
+            <a:r>
+              <a:rPr lang="fr-FR" dirty="0" smtClean="0"/>
+              <a:t>Paquetages : </a:t>
+            </a:r>
+          </a:p>
+          <a:p>
+            <a:pPr marL="342900" indent="-342900">
+              <a:buFontTx/>
+              <a:buChar char="-"/>
+            </a:pPr>
+            <a:r>
+              <a:rPr lang="fr-FR" dirty="0"/>
+              <a:t> </a:t>
+            </a:r>
+            <a:r>
+              <a:rPr lang="fr-FR" sz="2500" dirty="0"/>
+              <a:t>- voir </a:t>
+            </a:r>
+            <a:r>
+              <a:rPr lang="fr-FR" sz="2500" dirty="0">
+                <a:hlinkClick r:id="rId7"/>
+              </a:rPr>
+              <a:t>https://</a:t>
+            </a:r>
+            <a:r>
+              <a:rPr lang="fr-FR" sz="2500" dirty="0" smtClean="0">
+                <a:hlinkClick r:id="rId7"/>
+              </a:rPr>
+              <a:t>python.doctor/page-python-modules-package-module-cours-debutants-informatique-programmation</a:t>
+            </a:r>
+            <a:r>
+              <a:rPr lang="fr-FR" sz="2500" dirty="0"/>
+              <a:t>  et </a:t>
+            </a:r>
+            <a:r>
+              <a:rPr lang="fr-FR" sz="2500" dirty="0">
+                <a:hlinkClick r:id="rId8"/>
+              </a:rPr>
+              <a:t>https://</a:t>
+            </a:r>
+            <a:r>
+              <a:rPr lang="fr-FR" sz="2500" dirty="0" smtClean="0">
+                <a:hlinkClick r:id="rId8"/>
+              </a:rPr>
+              <a:t>realpython.com/python-import</a:t>
+            </a:r>
+            <a:r>
+              <a:rPr lang="fr-FR" sz="2500" dirty="0" smtClean="0"/>
+              <a:t> </a:t>
+            </a:r>
+            <a:endParaRPr lang="fr-FR" sz="2500" dirty="0"/>
+          </a:p>
+          <a:p>
+            <a:pPr marL="342900" indent="-342900">
+              <a:buFontTx/>
+              <a:buChar char="-"/>
+            </a:pPr>
+            <a:r>
+              <a:rPr lang="fr-FR" dirty="0" smtClean="0"/>
+              <a:t>Pour compiler toute une arborescence fichiers (paquetages compris) : </a:t>
+            </a:r>
+            <a:r>
+              <a:rPr lang="fr-FR" b="1" dirty="0" smtClean="0"/>
+              <a:t>python –m </a:t>
+            </a:r>
+            <a:r>
+              <a:rPr lang="fr-FR" b="1" dirty="0" err="1" smtClean="0"/>
+              <a:t>compilall</a:t>
+            </a:r>
+            <a:r>
+              <a:rPr lang="fr-FR" b="1" dirty="0" smtClean="0"/>
+              <a:t>  </a:t>
+            </a:r>
+            <a:r>
+              <a:rPr lang="fr-FR" b="1" dirty="0" err="1" smtClean="0"/>
+              <a:t>chemin_repertoire</a:t>
+            </a:r>
+            <a:endParaRPr lang="fr-FR" b="1" dirty="0" smtClean="0"/>
+          </a:p>
+          <a:p>
+            <a:pPr marL="342900" indent="-342900">
+              <a:buFontTx/>
+              <a:buChar char="-"/>
+            </a:pPr>
+            <a:r>
+              <a:rPr lang="fr-FR" dirty="0" smtClean="0"/>
+              <a:t>Exécution d’un module (exemple, </a:t>
+            </a:r>
+            <a:r>
+              <a:rPr lang="fr-FR" dirty="0" err="1" smtClean="0"/>
+              <a:t>test_keygen</a:t>
+            </a:r>
+            <a:r>
+              <a:rPr lang="fr-FR" dirty="0" smtClean="0"/>
+              <a:t>) dans un paquetage : python –m </a:t>
+            </a:r>
+            <a:r>
+              <a:rPr lang="fr-FR" dirty="0" err="1" smtClean="0"/>
+              <a:t>fastecdsa.tests.test_keygen</a:t>
+            </a:r>
+            <a:endParaRPr lang="fr-FR" dirty="0" smtClean="0"/>
+          </a:p>
+          <a:p>
+            <a:endParaRPr lang="fr-FR" dirty="0" smtClean="0"/>
+          </a:p>
+          <a:p>
+            <a:pPr marL="342900" indent="-342900">
+              <a:buFontTx/>
+              <a:buChar char="-"/>
+            </a:pPr>
+            <a:endParaRPr lang="fr-FR" dirty="0" smtClean="0"/>
+          </a:p>
+        </p:txBody>
+      </p:sp>
+    </p:spTree>
+    <p:extLst>
+      <p:ext uri="{BB962C8B-B14F-4D97-AF65-F5344CB8AC3E}">
+        <p14:creationId xmlns:p14="http://schemas.microsoft.com/office/powerpoint/2010/main" val="814595469"/>
       </p:ext>
     </p:extLst>
   </p:cSld>
@@ -8113,11 +10723,7 @@
           <a:p>
             <a:r>
               <a:rPr lang="fr-FR" dirty="0" smtClean="0"/>
-              <a:t>Mode d’emploi </a:t>
-            </a:r>
-            <a:r>
-              <a:rPr lang="fr-FR" dirty="0" smtClean="0"/>
-              <a:t>GIT</a:t>
+              <a:t>Mode d’emploi GIT</a:t>
             </a:r>
             <a:endParaRPr lang="fr-FR" dirty="0"/>
           </a:p>
@@ -8296,7 +10902,6 @@
               <a:rPr lang="fr-FR" dirty="0" smtClean="0"/>
               <a:t>it help </a:t>
             </a:r>
-            <a:endParaRPr lang="fr-FR" dirty="0" smtClean="0"/>
           </a:p>
         </p:txBody>
       </p:sp>

--- a/docs/Autoformation_Git.pptx
+++ b/docs/Autoformation_Git.pptx
@@ -63,7 +63,18 @@
     <p:sldId id="303" r:id="rId57"/>
     <p:sldId id="306" r:id="rId58"/>
     <p:sldId id="314" r:id="rId59"/>
-    <p:sldId id="311" r:id="rId60"/>
+    <p:sldId id="316" r:id="rId60"/>
+    <p:sldId id="315" r:id="rId61"/>
+    <p:sldId id="318" r:id="rId62"/>
+    <p:sldId id="317" r:id="rId63"/>
+    <p:sldId id="319" r:id="rId64"/>
+    <p:sldId id="320" r:id="rId65"/>
+    <p:sldId id="321" r:id="rId66"/>
+    <p:sldId id="322" r:id="rId67"/>
+    <p:sldId id="323" r:id="rId68"/>
+    <p:sldId id="324" r:id="rId69"/>
+    <p:sldId id="326" r:id="rId70"/>
+    <p:sldId id="325" r:id="rId71"/>
   </p:sldIdLst>
   <p:sldSz cx="12192000" cy="6858000"/>
   <p:notesSz cx="6858000" cy="9144000"/>
@@ -301,7 +312,7 @@
           <a:p>
             <a:fld id="{488F90A8-69E9-4263-AE3A-CD53E7F82CD2}" type="datetimeFigureOut">
               <a:rPr lang="fr-FR" smtClean="0"/>
-              <a:t>04/12/2020</a:t>
+              <a:t>11/12/2020</a:t>
             </a:fld>
             <a:endParaRPr lang="fr-FR"/>
           </a:p>
@@ -471,7 +482,7 @@
           <a:p>
             <a:fld id="{488F90A8-69E9-4263-AE3A-CD53E7F82CD2}" type="datetimeFigureOut">
               <a:rPr lang="fr-FR" smtClean="0"/>
-              <a:t>04/12/2020</a:t>
+              <a:t>11/12/2020</a:t>
             </a:fld>
             <a:endParaRPr lang="fr-FR"/>
           </a:p>
@@ -651,7 +662,7 @@
           <a:p>
             <a:fld id="{488F90A8-69E9-4263-AE3A-CD53E7F82CD2}" type="datetimeFigureOut">
               <a:rPr lang="fr-FR" smtClean="0"/>
-              <a:t>04/12/2020</a:t>
+              <a:t>11/12/2020</a:t>
             </a:fld>
             <a:endParaRPr lang="fr-FR"/>
           </a:p>
@@ -821,7 +832,7 @@
           <a:p>
             <a:fld id="{488F90A8-69E9-4263-AE3A-CD53E7F82CD2}" type="datetimeFigureOut">
               <a:rPr lang="fr-FR" smtClean="0"/>
-              <a:t>04/12/2020</a:t>
+              <a:t>11/12/2020</a:t>
             </a:fld>
             <a:endParaRPr lang="fr-FR"/>
           </a:p>
@@ -1067,7 +1078,7 @@
           <a:p>
             <a:fld id="{488F90A8-69E9-4263-AE3A-CD53E7F82CD2}" type="datetimeFigureOut">
               <a:rPr lang="fr-FR" smtClean="0"/>
-              <a:t>04/12/2020</a:t>
+              <a:t>11/12/2020</a:t>
             </a:fld>
             <a:endParaRPr lang="fr-FR"/>
           </a:p>
@@ -1299,7 +1310,7 @@
           <a:p>
             <a:fld id="{488F90A8-69E9-4263-AE3A-CD53E7F82CD2}" type="datetimeFigureOut">
               <a:rPr lang="fr-FR" smtClean="0"/>
-              <a:t>04/12/2020</a:t>
+              <a:t>11/12/2020</a:t>
             </a:fld>
             <a:endParaRPr lang="fr-FR"/>
           </a:p>
@@ -1666,7 +1677,7 @@
           <a:p>
             <a:fld id="{488F90A8-69E9-4263-AE3A-CD53E7F82CD2}" type="datetimeFigureOut">
               <a:rPr lang="fr-FR" smtClean="0"/>
-              <a:t>04/12/2020</a:t>
+              <a:t>11/12/2020</a:t>
             </a:fld>
             <a:endParaRPr lang="fr-FR"/>
           </a:p>
@@ -1784,7 +1795,7 @@
           <a:p>
             <a:fld id="{488F90A8-69E9-4263-AE3A-CD53E7F82CD2}" type="datetimeFigureOut">
               <a:rPr lang="fr-FR" smtClean="0"/>
-              <a:t>04/12/2020</a:t>
+              <a:t>11/12/2020</a:t>
             </a:fld>
             <a:endParaRPr lang="fr-FR"/>
           </a:p>
@@ -1879,7 +1890,7 @@
           <a:p>
             <a:fld id="{488F90A8-69E9-4263-AE3A-CD53E7F82CD2}" type="datetimeFigureOut">
               <a:rPr lang="fr-FR" smtClean="0"/>
-              <a:t>04/12/2020</a:t>
+              <a:t>11/12/2020</a:t>
             </a:fld>
             <a:endParaRPr lang="fr-FR"/>
           </a:p>
@@ -2156,7 +2167,7 @@
           <a:p>
             <a:fld id="{488F90A8-69E9-4263-AE3A-CD53E7F82CD2}" type="datetimeFigureOut">
               <a:rPr lang="fr-FR" smtClean="0"/>
-              <a:t>04/12/2020</a:t>
+              <a:t>11/12/2020</a:t>
             </a:fld>
             <a:endParaRPr lang="fr-FR"/>
           </a:p>
@@ -2409,7 +2420,7 @@
           <a:p>
             <a:fld id="{488F90A8-69E9-4263-AE3A-CD53E7F82CD2}" type="datetimeFigureOut">
               <a:rPr lang="fr-FR" smtClean="0"/>
-              <a:t>04/12/2020</a:t>
+              <a:t>11/12/2020</a:t>
             </a:fld>
             <a:endParaRPr lang="fr-FR"/>
           </a:p>
@@ -2622,7 +2633,7 @@
           <a:p>
             <a:fld id="{488F90A8-69E9-4263-AE3A-CD53E7F82CD2}" type="datetimeFigureOut">
               <a:rPr lang="fr-FR" smtClean="0"/>
-              <a:t>04/12/2020</a:t>
+              <a:t>11/12/2020</a:t>
             </a:fld>
             <a:endParaRPr lang="fr-FR"/>
           </a:p>
@@ -13564,19 +13575,19 @@
           <a:p>
             <a:r>
               <a:rPr lang="fr-FR" dirty="0" smtClean="0"/>
-              <a:t>Il y a un éditeur en ligne gratuit à l’URL :</a:t>
-            </a:r>
-          </a:p>
-          <a:p>
-            <a:pPr marL="342900" indent="-342900">
-              <a:buFontTx/>
-              <a:buChar char="-"/>
-            </a:pPr>
+              <a:t>Il y a un éditeur en ligne gratuit à l’URL </a:t>
+            </a:r>
+            <a:r>
+              <a:rPr lang="fr-FR" dirty="0" smtClean="0">
+                <a:hlinkClick r:id="rId2"/>
+              </a:rPr>
+              <a:t>https</a:t>
+            </a:r>
             <a:r>
               <a:rPr lang="fr-FR" dirty="0">
                 <a:hlinkClick r:id="rId2"/>
               </a:rPr>
-              <a:t>https://</a:t>
+              <a:t>://</a:t>
             </a:r>
             <a:r>
               <a:rPr lang="fr-FR" dirty="0" smtClean="0">
@@ -13584,7 +13595,18 @@
               </a:rPr>
               <a:t>mermaid-js.github.io/mermaid-live-editor</a:t>
             </a:r>
-            <a:endParaRPr lang="fr-FR" dirty="0" smtClean="0"/>
+            <a:r>
+              <a:rPr lang="fr-FR" dirty="0" smtClean="0"/>
+              <a:t>  cliquer sur le lien dans le chapitre « Live </a:t>
+            </a:r>
+            <a:r>
+              <a:rPr lang="fr-FR" dirty="0" err="1" smtClean="0"/>
+              <a:t>Demo</a:t>
+            </a:r>
+            <a:r>
+              <a:rPr lang="fr-FR" dirty="0" smtClean="0"/>
+              <a:t> » </a:t>
+            </a:r>
           </a:p>
           <a:p>
             <a:r>
@@ -13819,8 +13841,8 @@
         </p:blipFill>
         <p:spPr>
           <a:xfrm>
-            <a:off x="8155170" y="1857081"/>
-            <a:ext cx="3088585" cy="4542521"/>
+            <a:off x="8330397" y="1857081"/>
+            <a:ext cx="2738130" cy="4542521"/>
           </a:xfrm>
           <a:prstGeom prst="rect">
             <a:avLst/>
@@ -20412,7 +20434,7 @@
         </p:spPr>
         <p:txBody>
           <a:bodyPr>
-            <a:normAutofit fontScale="47500" lnSpcReduction="20000"/>
+            <a:normAutofit fontScale="40000" lnSpcReduction="20000"/>
           </a:bodyPr>
           <a:lstStyle/>
           <a:p>
@@ -20605,6 +20627,28 @@
             </a:pPr>
             <a:r>
               <a:rPr lang="fr-FR" dirty="0" smtClean="0"/>
+              <a:t>« </a:t>
+            </a:r>
+            <a:r>
+              <a:rPr lang="fr-FR" b="1" dirty="0" smtClean="0"/>
+              <a:t> docker container prune</a:t>
+            </a:r>
+            <a:r>
+              <a:rPr lang="fr-FR" dirty="0" smtClean="0"/>
+              <a:t> » : pour </a:t>
+            </a:r>
+            <a:r>
+              <a:rPr lang="fr-FR" dirty="0" err="1" smtClean="0"/>
+              <a:t>éliminier</a:t>
+            </a:r>
+            <a:r>
+              <a:rPr lang="fr-FR" dirty="0" smtClean="0"/>
+              <a:t> tous les containers arrêtés  (des options de filtre sont possibles)</a:t>
+            </a:r>
+          </a:p>
+          <a:p>
+            <a:r>
+              <a:rPr lang="fr-FR" dirty="0" smtClean="0"/>
               <a:t>ATTENTION : un port container ne peut être lié (= « binding ») qu’à un port inutilisé du hôte Le binding peut de faire en paramètre de la commande :</a:t>
             </a:r>
           </a:p>
@@ -20615,7 +20659,7 @@
             </a:pPr>
             <a:r>
               <a:rPr lang="fr-FR" b="1" dirty="0" smtClean="0"/>
-              <a:t>docker </a:t>
+              <a:t>«  docker </a:t>
             </a:r>
             <a:r>
               <a:rPr lang="fr-FR" b="1" dirty="0" err="1" smtClean="0"/>
@@ -20643,7 +20687,7 @@
             </a:r>
             <a:r>
               <a:rPr lang="fr-FR" dirty="0" smtClean="0"/>
-              <a:t>&gt;</a:t>
+              <a:t>&gt; « </a:t>
             </a:r>
           </a:p>
           <a:p>
@@ -20731,11 +20775,7 @@
             </a:r>
             <a:r>
               <a:rPr lang="fr-FR" dirty="0" smtClean="0"/>
-              <a:t> » pour lister les </a:t>
-            </a:r>
-            <a:r>
-              <a:rPr lang="fr-FR" dirty="0" smtClean="0"/>
-              <a:t>réseaux</a:t>
+              <a:t> » pour lister les réseaux</a:t>
             </a:r>
           </a:p>
           <a:p>
@@ -20779,7 +20819,6 @@
               <a:rPr lang="fr-FR" dirty="0" smtClean="0"/>
               <a:t>/ = docker hub</a:t>
             </a:r>
-            <a:endParaRPr lang="fr-FR" dirty="0" smtClean="0"/>
           </a:p>
           <a:p>
             <a:pPr marL="342900" indent="-342900">
@@ -20999,7 +21038,6 @@
               <a:rPr lang="fr-FR" dirty="0" smtClean="0"/>
               <a:t>&lt; archive.tar</a:t>
             </a:r>
-            <a:endParaRPr lang="fr-FR" dirty="0" smtClean="0"/>
           </a:p>
           <a:p>
             <a:pPr marL="342900" indent="-342900">
@@ -23348,11 +23386,15 @@
             </a:r>
             <a:r>
               <a:rPr lang="en-US" dirty="0"/>
-              <a:t> pour importer </a:t>
+              <a:t> pour </a:t>
+            </a:r>
+            <a:r>
+              <a:rPr lang="en-US" dirty="0" err="1" smtClean="0"/>
+              <a:t>restaurer</a:t>
             </a:r>
             <a:r>
               <a:rPr lang="en-US" dirty="0" smtClean="0"/>
-              <a:t>:</a:t>
+              <a:t> :</a:t>
             </a:r>
             <a:endParaRPr lang="fr-FR" dirty="0"/>
           </a:p>
@@ -23372,13 +23414,8 @@
             </a:r>
             <a:r>
               <a:rPr lang="en-US" dirty="0" smtClean="0"/>
-              <a:t>load &lt; </a:t>
-            </a:r>
-            <a:r>
-              <a:rPr lang="en-US" dirty="0" smtClean="0"/>
-              <a:t>webapp_v2.tar</a:t>
-            </a:r>
-            <a:endParaRPr lang="en-US" dirty="0" smtClean="0"/>
+              <a:t>load &lt; webapp_v2.tar</a:t>
+            </a:r>
           </a:p>
           <a:p>
             <a:endParaRPr lang="en-US" dirty="0"/>
@@ -23498,15 +23535,7 @@
             </a:r>
             <a:r>
               <a:rPr lang="en-US" dirty="0" smtClean="0"/>
-              <a:t> </a:t>
-            </a:r>
-            <a:r>
-              <a:rPr lang="en-US" dirty="0" smtClean="0"/>
-              <a:t>load &lt; </a:t>
-            </a:r>
-            <a:r>
-              <a:rPr lang="en-US" dirty="0" smtClean="0"/>
-              <a:t>Ubuntu_official_image_nov2020.tar </a:t>
+              <a:t> load &lt; Ubuntu_official_image_nov2020.tar </a:t>
             </a:r>
           </a:p>
           <a:p>
@@ -23517,11 +23546,7 @@
             </a:r>
             <a:r>
               <a:rPr lang="en-US" dirty="0" smtClean="0"/>
-              <a:t> </a:t>
-            </a:r>
-            <a:r>
-              <a:rPr lang="en-US" dirty="0" smtClean="0"/>
-              <a:t>image ls</a:t>
+              <a:t> images</a:t>
             </a:r>
             <a:endParaRPr lang="fr-FR" dirty="0"/>
           </a:p>
@@ -23942,7 +23967,6 @@
               <a:rPr lang="fr-FR" dirty="0" smtClean="0"/>
               <a:t>Pour télécharger une image « officielle » : </a:t>
             </a:r>
-            <a:endParaRPr lang="fr-FR" dirty="0" smtClean="0"/>
           </a:p>
           <a:p>
             <a:pPr marL="285750" indent="-285750">
@@ -24030,7 +24054,6 @@
               <a:rPr lang="fr-FR" dirty="0" smtClean="0"/>
               <a:t>« docker pull amd64/python:2.7 » </a:t>
             </a:r>
-            <a:endParaRPr lang="fr-FR" dirty="0" smtClean="0"/>
           </a:p>
           <a:p>
             <a:endParaRPr lang="fr-FR" dirty="0" smtClean="0"/>
@@ -24158,11 +24181,11 @@
           <a:p>
             <a:r>
               <a:rPr lang="fr-FR" sz="3600" dirty="0" smtClean="0"/>
-              <a:t>Docker – Création de </a:t>
+              <a:t>Docker – </a:t>
             </a:r>
             <a:r>
               <a:rPr lang="fr-FR" sz="3600" dirty="0" err="1" smtClean="0"/>
-              <a:t>repository</a:t>
+              <a:t>Repository</a:t>
             </a:r>
             <a:r>
               <a:rPr lang="fr-FR" sz="3600" dirty="0" smtClean="0"/>
@@ -24184,23 +24207,19 @@
         </p:nvSpPr>
         <p:spPr>
           <a:xfrm>
-            <a:off x="831850" y="2138494"/>
-            <a:ext cx="10759786" cy="4262306"/>
+            <a:off x="831850" y="2021305"/>
+            <a:ext cx="10759786" cy="4379495"/>
           </a:xfrm>
         </p:spPr>
         <p:txBody>
           <a:bodyPr>
-            <a:normAutofit/>
+            <a:normAutofit fontScale="92500" lnSpcReduction="10000"/>
           </a:bodyPr>
           <a:lstStyle/>
           <a:p>
-            <a:pPr marL="342900" indent="-342900">
-              <a:buFontTx/>
-              <a:buChar char="-"/>
-            </a:pPr>
-            <a:r>
-              <a:rPr lang="fr-FR" dirty="0" smtClean="0"/>
-              <a:t>TBD : docker hub est un </a:t>
+            <a:r>
+              <a:rPr lang="fr-FR" dirty="0" smtClean="0"/>
+              <a:t>Docker hub est un </a:t>
             </a:r>
             <a:r>
               <a:rPr lang="fr-FR" dirty="0" err="1" smtClean="0"/>
@@ -24208,7 +24227,49 @@
             </a:r>
             <a:r>
               <a:rPr lang="fr-FR" dirty="0" smtClean="0"/>
-              <a:t> public…mais la plupart des sociétés ont besoin de </a:t>
+              <a:t> « public » d’où peuvent être téléchargées des fichiers images (commande « docker pull »).</a:t>
+            </a:r>
+          </a:p>
+          <a:p>
+            <a:r>
+              <a:rPr lang="fr-FR" dirty="0" smtClean="0"/>
+              <a:t>Les images peuvent ensuite être transférés d’un environnement docker à un autre (« docker image </a:t>
+            </a:r>
+            <a:r>
+              <a:rPr lang="fr-FR" dirty="0" err="1" smtClean="0"/>
+              <a:t>save</a:t>
+            </a:r>
+            <a:r>
+              <a:rPr lang="fr-FR" dirty="0" smtClean="0"/>
+              <a:t> » pour sauver une image dans une archive tar puis « docker image </a:t>
+            </a:r>
+            <a:r>
+              <a:rPr lang="fr-FR" dirty="0" err="1" smtClean="0"/>
+              <a:t>load</a:t>
+            </a:r>
+            <a:r>
+              <a:rPr lang="fr-FR" dirty="0" smtClean="0"/>
+              <a:t> » pour charger une image).</a:t>
+            </a:r>
+          </a:p>
+          <a:p>
+            <a:r>
+              <a:rPr lang="fr-FR" dirty="0" smtClean="0"/>
+              <a:t>Le souci est que ceci nécessite pas mal de manipulations, et il devient vite nécessaire d’avoir un espace de référence pour le téléchargement sur un réseau local société.</a:t>
+            </a:r>
+          </a:p>
+          <a:p>
+            <a:r>
+              <a:rPr lang="fr-FR" dirty="0" smtClean="0"/>
+              <a:t>Pour ce faire, il est possible d’utiliser une image docker particulière « </a:t>
+            </a:r>
+            <a:r>
+              <a:rPr lang="fr-FR" dirty="0" err="1" smtClean="0"/>
+              <a:t>registry</a:t>
+            </a:r>
+            <a:r>
+              <a:rPr lang="fr-FR" dirty="0" smtClean="0"/>
+              <a:t> » qui implémente les fonctions d’un </a:t>
             </a:r>
             <a:r>
               <a:rPr lang="fr-FR" dirty="0" err="1" smtClean="0"/>
@@ -24216,22 +24277,103 @@
             </a:r>
             <a:r>
               <a:rPr lang="fr-FR" dirty="0" smtClean="0"/>
-              <a:t> privé pour stocker leur images</a:t>
-            </a:r>
-          </a:p>
-          <a:p>
-            <a:pPr marL="342900" indent="-342900">
-              <a:buFontTx/>
-              <a:buChar char="-"/>
-            </a:pPr>
+              <a:t>. Elle peut-être installé dans un des environnements docker du réseau local. </a:t>
+            </a:r>
+            <a:r>
+              <a:rPr lang="fr-FR" dirty="0" err="1" smtClean="0"/>
+              <a:t>Cf</a:t>
+            </a:r>
+            <a:r>
+              <a:rPr lang="fr-FR" dirty="0"/>
+              <a:t> : </a:t>
+            </a:r>
+            <a:r>
+              <a:rPr lang="fr-FR" dirty="0">
+                <a:hlinkClick r:id="rId2"/>
+              </a:rPr>
+              <a:t>https://</a:t>
+            </a:r>
+            <a:r>
+              <a:rPr lang="fr-FR" dirty="0" smtClean="0">
+                <a:hlinkClick r:id="rId2"/>
+              </a:rPr>
+              <a:t>www.youtube.com/watch?v=SEpR35HZ_hQ</a:t>
+            </a:r>
+            <a:r>
+              <a:rPr lang="fr-FR" dirty="0" smtClean="0"/>
+              <a:t> </a:t>
+            </a:r>
             <a:endParaRPr lang="fr-FR" dirty="0"/>
           </a:p>
           <a:p>
-            <a:pPr marL="342900" indent="-342900">
-              <a:buFontTx/>
-              <a:buChar char="-"/>
-            </a:pPr>
-            <a:endParaRPr lang="fr-FR" dirty="0" smtClean="0"/>
+            <a:r>
+              <a:rPr lang="fr-FR" dirty="0" smtClean="0"/>
+              <a:t>Ce </a:t>
+            </a:r>
+            <a:r>
+              <a:rPr lang="fr-FR" dirty="0" err="1" smtClean="0"/>
+              <a:t>repository</a:t>
+            </a:r>
+            <a:r>
+              <a:rPr lang="fr-FR" dirty="0" smtClean="0"/>
+              <a:t> privé sera installé sur une des machines virtuelles et les machines configurées en « réseau NAT » : </a:t>
+            </a:r>
+            <a:r>
+              <a:rPr lang="fr-FR" dirty="0" err="1" smtClean="0"/>
+              <a:t>cf</a:t>
+            </a:r>
+            <a:r>
+              <a:rPr lang="fr-FR" dirty="0"/>
+              <a:t> </a:t>
+            </a:r>
+            <a:r>
+              <a:rPr lang="fr-FR" dirty="0">
+                <a:hlinkClick r:id="rId3"/>
+              </a:rPr>
+              <a:t>https://</a:t>
+            </a:r>
+            <a:r>
+              <a:rPr lang="fr-FR" dirty="0" smtClean="0">
+                <a:hlinkClick r:id="rId3"/>
+              </a:rPr>
+              <a:t>www.youtube.com/watch?v=QO_Tv02ND-k</a:t>
+            </a:r>
+            <a:r>
+              <a:rPr lang="fr-FR" dirty="0"/>
+              <a:t>  et </a:t>
+            </a:r>
+            <a:r>
+              <a:rPr lang="fr-FR" dirty="0">
+                <a:hlinkClick r:id="rId4"/>
+              </a:rPr>
+              <a:t>https://www.osradar.com/set-a-static-ip-address-ubuntu-20-04</a:t>
+            </a:r>
+            <a:r>
+              <a:rPr lang="fr-FR" dirty="0" smtClean="0">
+                <a:hlinkClick r:id="rId4"/>
+              </a:rPr>
+              <a:t>/</a:t>
+            </a:r>
+            <a:r>
+              <a:rPr lang="fr-FR" dirty="0"/>
+              <a:t> and </a:t>
+            </a:r>
+            <a:r>
+              <a:rPr lang="fr-FR" dirty="0">
+                <a:hlinkClick r:id="rId5"/>
+              </a:rPr>
+              <a:t>https://</a:t>
+            </a:r>
+            <a:r>
+              <a:rPr lang="fr-FR" dirty="0" smtClean="0">
+                <a:hlinkClick r:id="rId5"/>
+              </a:rPr>
+              <a:t>www.howtoforge.com/linux-basics-set-a-static-ip-on-ubuntu</a:t>
+            </a:r>
+            <a:r>
+              <a:rPr lang="fr-FR" dirty="0" smtClean="0"/>
+              <a:t> </a:t>
+            </a:r>
           </a:p>
           <a:p>
             <a:pPr marL="342900" indent="-342900">
@@ -24471,7 +24613,7 @@
     </p:spTree>
     <p:extLst>
       <p:ext uri="{BB962C8B-B14F-4D97-AF65-F5344CB8AC3E}">
-        <p14:creationId xmlns:p14="http://schemas.microsoft.com/office/powerpoint/2010/main" val="3644465424"/>
+        <p14:creationId xmlns:p14="http://schemas.microsoft.com/office/powerpoint/2010/main" val="155246027"/>
       </p:ext>
     </p:extLst>
   </p:cSld>
@@ -24819,6 +24961,6447 @@
 </p:sld>
 </file>
 
+<file path=ppt/slides/slide60.xml><?xml version="1.0" encoding="utf-8"?>
+<p:sld xmlns:a="http://schemas.openxmlformats.org/drawingml/2006/main" xmlns:r="http://schemas.openxmlformats.org/officeDocument/2006/relationships" xmlns:p="http://schemas.openxmlformats.org/presentationml/2006/main">
+  <p:cSld>
+    <p:spTree>
+      <p:nvGrpSpPr>
+        <p:cNvPr id="1" name=""/>
+        <p:cNvGrpSpPr/>
+        <p:nvPr/>
+      </p:nvGrpSpPr>
+      <p:grpSpPr>
+        <a:xfrm>
+          <a:off x="0" y="0"/>
+          <a:ext cx="0" cy="0"/>
+          <a:chOff x="0" y="0"/>
+          <a:chExt cx="0" cy="0"/>
+        </a:xfrm>
+      </p:grpSpPr>
+      <p:sp>
+        <p:nvSpPr>
+          <p:cNvPr id="4" name="Titre 3"/>
+          <p:cNvSpPr>
+            <a:spLocks noGrp="1"/>
+          </p:cNvSpPr>
+          <p:nvPr>
+            <p:ph type="title"/>
+          </p:nvPr>
+        </p:nvSpPr>
+        <p:spPr>
+          <a:xfrm>
+            <a:off x="831850" y="889607"/>
+            <a:ext cx="10515600" cy="967474"/>
+          </a:xfrm>
+        </p:spPr>
+        <p:txBody>
+          <a:bodyPr>
+            <a:normAutofit fontScale="90000"/>
+          </a:bodyPr>
+          <a:lstStyle/>
+          <a:p>
+            <a:r>
+              <a:rPr lang="fr-FR" dirty="0" smtClean="0"/>
+              <a:t>Docker </a:t>
+            </a:r>
+            <a:r>
+              <a:rPr lang="fr-FR" dirty="0"/>
+              <a:t>– </a:t>
+            </a:r>
+            <a:r>
+              <a:rPr lang="fr-FR" dirty="0" smtClean="0"/>
+              <a:t>Exemple </a:t>
+            </a:r>
+            <a:r>
+              <a:rPr lang="fr-FR" dirty="0"/>
+              <a:t>de </a:t>
+            </a:r>
+            <a:r>
+              <a:rPr lang="fr-FR" dirty="0" err="1"/>
+              <a:t>repository</a:t>
+            </a:r>
+            <a:r>
+              <a:rPr lang="fr-FR" dirty="0"/>
+              <a:t> privé</a:t>
+            </a:r>
+          </a:p>
+        </p:txBody>
+      </p:sp>
+      <p:sp>
+        <p:nvSpPr>
+          <p:cNvPr id="5" name="Espace réservé du texte 4"/>
+          <p:cNvSpPr>
+            <a:spLocks noGrp="1"/>
+          </p:cNvSpPr>
+          <p:nvPr>
+            <p:ph type="body" idx="1"/>
+          </p:nvPr>
+        </p:nvSpPr>
+        <p:spPr>
+          <a:xfrm>
+            <a:off x="831850" y="1990712"/>
+            <a:ext cx="4285096" cy="3458742"/>
+          </a:xfrm>
+        </p:spPr>
+        <p:txBody>
+          <a:bodyPr>
+            <a:normAutofit fontScale="70000" lnSpcReduction="20000"/>
+          </a:bodyPr>
+          <a:lstStyle/>
+          <a:p>
+            <a:r>
+              <a:rPr lang="fr-FR" b="1" dirty="0"/>
+              <a:t>graph</a:t>
+            </a:r>
+            <a:r>
+              <a:rPr lang="fr-FR" dirty="0"/>
+              <a:t> TD</a:t>
+            </a:r>
+          </a:p>
+          <a:p>
+            <a:r>
+              <a:rPr lang="fr-FR" dirty="0"/>
+              <a:t>    </a:t>
+            </a:r>
+            <a:r>
+              <a:rPr lang="fr-FR" dirty="0" err="1"/>
+              <a:t>ubuntu</a:t>
+            </a:r>
+            <a:r>
+              <a:rPr lang="fr-FR" dirty="0"/>
+              <a:t> </a:t>
+            </a:r>
+            <a:r>
+              <a:rPr lang="fr-FR" b="1" dirty="0"/>
+              <a:t>--&gt;</a:t>
+            </a:r>
+            <a:r>
+              <a:rPr lang="fr-FR" dirty="0"/>
+              <a:t> docker_engine01;</a:t>
+            </a:r>
+          </a:p>
+          <a:p>
+            <a:r>
+              <a:rPr lang="fr-FR" dirty="0"/>
+              <a:t>    python </a:t>
+            </a:r>
+            <a:r>
+              <a:rPr lang="fr-FR" b="1" dirty="0"/>
+              <a:t>--&gt;</a:t>
+            </a:r>
+            <a:r>
+              <a:rPr lang="fr-FR" dirty="0"/>
+              <a:t> docker_engine02;</a:t>
+            </a:r>
+          </a:p>
+          <a:p>
+            <a:r>
+              <a:rPr lang="fr-FR" dirty="0"/>
+              <a:t>    </a:t>
+            </a:r>
+            <a:r>
+              <a:rPr lang="fr-FR" dirty="0" err="1"/>
+              <a:t>registry</a:t>
+            </a:r>
+            <a:r>
+              <a:rPr lang="fr-FR" dirty="0"/>
+              <a:t> </a:t>
+            </a:r>
+            <a:r>
+              <a:rPr lang="fr-FR" b="1" dirty="0"/>
+              <a:t>--&gt;</a:t>
+            </a:r>
+            <a:r>
+              <a:rPr lang="fr-FR" dirty="0"/>
+              <a:t> docker_engine03;</a:t>
+            </a:r>
+          </a:p>
+          <a:p>
+            <a:r>
+              <a:rPr lang="fr-FR" dirty="0"/>
+              <a:t>    docker_engine01 </a:t>
+            </a:r>
+            <a:r>
+              <a:rPr lang="fr-FR" b="1" dirty="0"/>
+              <a:t>--&gt;</a:t>
+            </a:r>
+            <a:r>
+              <a:rPr lang="fr-FR" dirty="0"/>
+              <a:t> os_vm_client01;</a:t>
+            </a:r>
+          </a:p>
+          <a:p>
+            <a:r>
+              <a:rPr lang="fr-FR" dirty="0"/>
+              <a:t>    docker_engine02 </a:t>
+            </a:r>
+            <a:r>
+              <a:rPr lang="fr-FR" b="1" dirty="0"/>
+              <a:t>--&gt;</a:t>
+            </a:r>
+            <a:r>
+              <a:rPr lang="fr-FR" dirty="0"/>
+              <a:t> os_vm_client02;</a:t>
+            </a:r>
+          </a:p>
+          <a:p>
+            <a:r>
+              <a:rPr lang="fr-FR" dirty="0"/>
+              <a:t>    docker_engine03 --&gt;os_vm_server01;</a:t>
+            </a:r>
+          </a:p>
+          <a:p>
+            <a:r>
+              <a:rPr lang="fr-FR" dirty="0"/>
+              <a:t>    os_vm_client01 </a:t>
+            </a:r>
+            <a:r>
+              <a:rPr lang="fr-FR" b="1" dirty="0"/>
+              <a:t>--&gt;</a:t>
+            </a:r>
+            <a:r>
+              <a:rPr lang="fr-FR" dirty="0"/>
+              <a:t> </a:t>
+            </a:r>
+            <a:r>
+              <a:rPr lang="fr-FR" dirty="0" err="1"/>
+              <a:t>OracleVirtualbox</a:t>
+            </a:r>
+            <a:r>
+              <a:rPr lang="fr-FR" dirty="0"/>
+              <a:t>;</a:t>
+            </a:r>
+          </a:p>
+          <a:p>
+            <a:r>
+              <a:rPr lang="fr-FR" dirty="0"/>
+              <a:t>    os_vm_client02 </a:t>
+            </a:r>
+            <a:r>
+              <a:rPr lang="fr-FR" b="1" dirty="0"/>
+              <a:t>--&gt;</a:t>
+            </a:r>
+            <a:r>
+              <a:rPr lang="fr-FR" dirty="0"/>
+              <a:t> </a:t>
+            </a:r>
+            <a:r>
+              <a:rPr lang="fr-FR" dirty="0" err="1"/>
+              <a:t>OracleVirtualbox</a:t>
+            </a:r>
+            <a:r>
+              <a:rPr lang="fr-FR" dirty="0"/>
+              <a:t>;</a:t>
+            </a:r>
+          </a:p>
+          <a:p>
+            <a:r>
+              <a:rPr lang="fr-FR" dirty="0"/>
+              <a:t>    os_vm_server01 </a:t>
+            </a:r>
+            <a:r>
+              <a:rPr lang="fr-FR" b="1" dirty="0"/>
+              <a:t>--&gt;</a:t>
+            </a:r>
+            <a:r>
+              <a:rPr lang="fr-FR" dirty="0"/>
+              <a:t> </a:t>
+            </a:r>
+            <a:r>
+              <a:rPr lang="fr-FR" dirty="0" err="1"/>
+              <a:t>OracleVirtualbox</a:t>
+            </a:r>
+            <a:r>
+              <a:rPr lang="fr-FR" dirty="0"/>
+              <a:t>;</a:t>
+            </a:r>
+          </a:p>
+          <a:p>
+            <a:r>
+              <a:rPr lang="fr-FR" dirty="0"/>
+              <a:t>    </a:t>
+            </a:r>
+            <a:r>
+              <a:rPr lang="fr-FR" dirty="0" err="1"/>
+              <a:t>OracleVirtualbox</a:t>
+            </a:r>
+            <a:r>
+              <a:rPr lang="fr-FR" dirty="0"/>
+              <a:t> </a:t>
+            </a:r>
+            <a:r>
+              <a:rPr lang="fr-FR" b="1" dirty="0"/>
+              <a:t>--&gt;</a:t>
+            </a:r>
+            <a:r>
+              <a:rPr lang="fr-FR" dirty="0"/>
+              <a:t> pc_athena01</a:t>
+            </a:r>
+          </a:p>
+          <a:p>
+            <a:endParaRPr lang="fr-FR" dirty="0"/>
+          </a:p>
+          <a:p>
+            <a:pPr marL="342900" indent="-342900">
+              <a:buFontTx/>
+              <a:buChar char="-"/>
+            </a:pPr>
+            <a:endParaRPr lang="fr-FR" dirty="0"/>
+          </a:p>
+          <a:p>
+            <a:pPr marL="342900" indent="-342900">
+              <a:buFontTx/>
+              <a:buChar char="-"/>
+            </a:pPr>
+            <a:endParaRPr lang="fr-FR" dirty="0" smtClean="0"/>
+          </a:p>
+          <a:p>
+            <a:pPr marL="342900" indent="-342900">
+              <a:buFontTx/>
+              <a:buChar char="-"/>
+            </a:pPr>
+            <a:endParaRPr lang="fr-FR" dirty="0"/>
+          </a:p>
+          <a:p>
+            <a:pPr marL="342900" indent="-342900">
+              <a:buFontTx/>
+              <a:buChar char="-"/>
+            </a:pPr>
+            <a:endParaRPr lang="fr-FR" dirty="0" smtClean="0"/>
+          </a:p>
+          <a:p>
+            <a:pPr marL="342900" indent="-342900">
+              <a:buFontTx/>
+              <a:buChar char="-"/>
+            </a:pPr>
+            <a:endParaRPr lang="fr-FR" dirty="0" smtClean="0"/>
+          </a:p>
+        </p:txBody>
+      </p:sp>
+      <p:pic>
+        <p:nvPicPr>
+          <p:cNvPr id="6" name="Espace réservé du contenu 4"/>
+          <p:cNvPicPr>
+            <a:picLocks noChangeAspect="1"/>
+          </p:cNvPicPr>
+          <p:nvPr/>
+        </p:nvPicPr>
+        <p:blipFill>
+          <a:blip r:embed="rId2">
+            <a:extLst>
+              <a:ext uri="{28A0092B-C50C-407E-A947-70E740481C1C}">
+                <a14:useLocalDpi xmlns:a14="http://schemas.microsoft.com/office/drawing/2010/main" val="0"/>
+              </a:ext>
+            </a:extLst>
+          </a:blip>
+          <a:stretch>
+            <a:fillRect/>
+          </a:stretch>
+        </p:blipFill>
+        <p:spPr>
+          <a:xfrm>
+            <a:off x="5634183" y="2138494"/>
+            <a:ext cx="5794563" cy="4232710"/>
+          </a:xfrm>
+          <a:prstGeom prst="rect">
+            <a:avLst/>
+          </a:prstGeom>
+        </p:spPr>
+      </p:pic>
+      <p:sp>
+        <p:nvSpPr>
+          <p:cNvPr id="7" name="Espace réservé du texte 4"/>
+          <p:cNvSpPr txBox="1">
+            <a:spLocks/>
+          </p:cNvSpPr>
+          <p:nvPr/>
+        </p:nvSpPr>
+        <p:spPr>
+          <a:xfrm>
+            <a:off x="831850" y="2138494"/>
+            <a:ext cx="4802333" cy="4262306"/>
+          </a:xfrm>
+          <a:prstGeom prst="rect">
+            <a:avLst/>
+          </a:prstGeom>
+        </p:spPr>
+        <p:txBody>
+          <a:bodyPr vert="horz" lIns="91440" tIns="45720" rIns="91440" bIns="45720" rtlCol="0">
+            <a:normAutofit/>
+          </a:bodyPr>
+          <a:lstStyle>
+            <a:lvl1pPr marL="0" indent="0" algn="l" defTabSz="914400" rtl="0" eaLnBrk="1" latinLnBrk="0" hangingPunct="1">
+              <a:lnSpc>
+                <a:spcPct val="90000"/>
+              </a:lnSpc>
+              <a:spcBef>
+                <a:spcPts val="1000"/>
+              </a:spcBef>
+              <a:buFont typeface="Arial" panose="020B0604020202020204" pitchFamily="34" charset="0"/>
+              <a:buNone/>
+              <a:defRPr sz="2400" kern="1200">
+                <a:solidFill>
+                  <a:schemeClr val="tx1">
+                    <a:tint val="75000"/>
+                  </a:schemeClr>
+                </a:solidFill>
+                <a:latin typeface="+mn-lt"/>
+                <a:ea typeface="+mn-ea"/>
+                <a:cs typeface="+mn-cs"/>
+              </a:defRPr>
+            </a:lvl1pPr>
+            <a:lvl2pPr marL="457200" indent="0" algn="l" defTabSz="914400" rtl="0" eaLnBrk="1" latinLnBrk="0" hangingPunct="1">
+              <a:lnSpc>
+                <a:spcPct val="90000"/>
+              </a:lnSpc>
+              <a:spcBef>
+                <a:spcPts val="500"/>
+              </a:spcBef>
+              <a:buFont typeface="Arial" panose="020B0604020202020204" pitchFamily="34" charset="0"/>
+              <a:buNone/>
+              <a:defRPr sz="2000" kern="1200">
+                <a:solidFill>
+                  <a:schemeClr val="tx1">
+                    <a:tint val="75000"/>
+                  </a:schemeClr>
+                </a:solidFill>
+                <a:latin typeface="+mn-lt"/>
+                <a:ea typeface="+mn-ea"/>
+                <a:cs typeface="+mn-cs"/>
+              </a:defRPr>
+            </a:lvl2pPr>
+            <a:lvl3pPr marL="914400" indent="0" algn="l" defTabSz="914400" rtl="0" eaLnBrk="1" latinLnBrk="0" hangingPunct="1">
+              <a:lnSpc>
+                <a:spcPct val="90000"/>
+              </a:lnSpc>
+              <a:spcBef>
+                <a:spcPts val="500"/>
+              </a:spcBef>
+              <a:buFont typeface="Arial" panose="020B0604020202020204" pitchFamily="34" charset="0"/>
+              <a:buNone/>
+              <a:defRPr sz="1800" kern="1200">
+                <a:solidFill>
+                  <a:schemeClr val="tx1">
+                    <a:tint val="75000"/>
+                  </a:schemeClr>
+                </a:solidFill>
+                <a:latin typeface="+mn-lt"/>
+                <a:ea typeface="+mn-ea"/>
+                <a:cs typeface="+mn-cs"/>
+              </a:defRPr>
+            </a:lvl3pPr>
+            <a:lvl4pPr marL="1371600" indent="0" algn="l" defTabSz="914400" rtl="0" eaLnBrk="1" latinLnBrk="0" hangingPunct="1">
+              <a:lnSpc>
+                <a:spcPct val="90000"/>
+              </a:lnSpc>
+              <a:spcBef>
+                <a:spcPts val="500"/>
+              </a:spcBef>
+              <a:buFont typeface="Arial" panose="020B0604020202020204" pitchFamily="34" charset="0"/>
+              <a:buNone/>
+              <a:defRPr sz="1600" kern="1200">
+                <a:solidFill>
+                  <a:schemeClr val="tx1">
+                    <a:tint val="75000"/>
+                  </a:schemeClr>
+                </a:solidFill>
+                <a:latin typeface="+mn-lt"/>
+                <a:ea typeface="+mn-ea"/>
+                <a:cs typeface="+mn-cs"/>
+              </a:defRPr>
+            </a:lvl4pPr>
+            <a:lvl5pPr marL="1828800" indent="0" algn="l" defTabSz="914400" rtl="0" eaLnBrk="1" latinLnBrk="0" hangingPunct="1">
+              <a:lnSpc>
+                <a:spcPct val="90000"/>
+              </a:lnSpc>
+              <a:spcBef>
+                <a:spcPts val="500"/>
+              </a:spcBef>
+              <a:buFont typeface="Arial" panose="020B0604020202020204" pitchFamily="34" charset="0"/>
+              <a:buNone/>
+              <a:defRPr sz="1600" kern="1200">
+                <a:solidFill>
+                  <a:schemeClr val="tx1">
+                    <a:tint val="75000"/>
+                  </a:schemeClr>
+                </a:solidFill>
+                <a:latin typeface="+mn-lt"/>
+                <a:ea typeface="+mn-ea"/>
+                <a:cs typeface="+mn-cs"/>
+              </a:defRPr>
+            </a:lvl5pPr>
+            <a:lvl6pPr marL="2286000" indent="0" algn="l" defTabSz="914400" rtl="0" eaLnBrk="1" latinLnBrk="0" hangingPunct="1">
+              <a:lnSpc>
+                <a:spcPct val="90000"/>
+              </a:lnSpc>
+              <a:spcBef>
+                <a:spcPts val="500"/>
+              </a:spcBef>
+              <a:buFont typeface="Arial" panose="020B0604020202020204" pitchFamily="34" charset="0"/>
+              <a:buNone/>
+              <a:defRPr sz="1600" kern="1200">
+                <a:solidFill>
+                  <a:schemeClr val="tx1">
+                    <a:tint val="75000"/>
+                  </a:schemeClr>
+                </a:solidFill>
+                <a:latin typeface="+mn-lt"/>
+                <a:ea typeface="+mn-ea"/>
+                <a:cs typeface="+mn-cs"/>
+              </a:defRPr>
+            </a:lvl6pPr>
+            <a:lvl7pPr marL="2743200" indent="0" algn="l" defTabSz="914400" rtl="0" eaLnBrk="1" latinLnBrk="0" hangingPunct="1">
+              <a:lnSpc>
+                <a:spcPct val="90000"/>
+              </a:lnSpc>
+              <a:spcBef>
+                <a:spcPts val="500"/>
+              </a:spcBef>
+              <a:buFont typeface="Arial" panose="020B0604020202020204" pitchFamily="34" charset="0"/>
+              <a:buNone/>
+              <a:defRPr sz="1600" kern="1200">
+                <a:solidFill>
+                  <a:schemeClr val="tx1">
+                    <a:tint val="75000"/>
+                  </a:schemeClr>
+                </a:solidFill>
+                <a:latin typeface="+mn-lt"/>
+                <a:ea typeface="+mn-ea"/>
+                <a:cs typeface="+mn-cs"/>
+              </a:defRPr>
+            </a:lvl7pPr>
+            <a:lvl8pPr marL="3200400" indent="0" algn="l" defTabSz="914400" rtl="0" eaLnBrk="1" latinLnBrk="0" hangingPunct="1">
+              <a:lnSpc>
+                <a:spcPct val="90000"/>
+              </a:lnSpc>
+              <a:spcBef>
+                <a:spcPts val="500"/>
+              </a:spcBef>
+              <a:buFont typeface="Arial" panose="020B0604020202020204" pitchFamily="34" charset="0"/>
+              <a:buNone/>
+              <a:defRPr sz="1600" kern="1200">
+                <a:solidFill>
+                  <a:schemeClr val="tx1">
+                    <a:tint val="75000"/>
+                  </a:schemeClr>
+                </a:solidFill>
+                <a:latin typeface="+mn-lt"/>
+                <a:ea typeface="+mn-ea"/>
+                <a:cs typeface="+mn-cs"/>
+              </a:defRPr>
+            </a:lvl8pPr>
+            <a:lvl9pPr marL="3657600" indent="0" algn="l" defTabSz="914400" rtl="0" eaLnBrk="1" latinLnBrk="0" hangingPunct="1">
+              <a:lnSpc>
+                <a:spcPct val="90000"/>
+              </a:lnSpc>
+              <a:spcBef>
+                <a:spcPts val="500"/>
+              </a:spcBef>
+              <a:buFont typeface="Arial" panose="020B0604020202020204" pitchFamily="34" charset="0"/>
+              <a:buNone/>
+              <a:defRPr sz="1600" kern="1200">
+                <a:solidFill>
+                  <a:schemeClr val="tx1">
+                    <a:tint val="75000"/>
+                  </a:schemeClr>
+                </a:solidFill>
+                <a:latin typeface="+mn-lt"/>
+                <a:ea typeface="+mn-ea"/>
+                <a:cs typeface="+mn-cs"/>
+              </a:defRPr>
+            </a:lvl9pPr>
+          </a:lstStyle>
+          <a:p>
+            <a:pPr marL="342900" indent="-342900">
+              <a:buFontTx/>
+              <a:buChar char="-"/>
+            </a:pPr>
+            <a:endParaRPr lang="fr-FR" dirty="0" smtClean="0"/>
+          </a:p>
+          <a:p>
+            <a:pPr marL="342900" indent="-342900">
+              <a:buFontTx/>
+              <a:buChar char="-"/>
+            </a:pPr>
+            <a:endParaRPr lang="fr-FR" dirty="0" smtClean="0"/>
+          </a:p>
+        </p:txBody>
+      </p:sp>
+      <p:sp>
+        <p:nvSpPr>
+          <p:cNvPr id="8" name="Espace réservé du texte 4"/>
+          <p:cNvSpPr txBox="1">
+            <a:spLocks/>
+          </p:cNvSpPr>
+          <p:nvPr/>
+        </p:nvSpPr>
+        <p:spPr>
+          <a:xfrm>
+            <a:off x="707158" y="5449454"/>
+            <a:ext cx="6968260" cy="1060678"/>
+          </a:xfrm>
+          <a:prstGeom prst="rect">
+            <a:avLst/>
+          </a:prstGeom>
+        </p:spPr>
+        <p:txBody>
+          <a:bodyPr vert="horz" lIns="91440" tIns="45720" rIns="91440" bIns="45720" rtlCol="0">
+            <a:normAutofit fontScale="70000" lnSpcReduction="20000"/>
+          </a:bodyPr>
+          <a:lstStyle>
+            <a:lvl1pPr marL="0" indent="0" algn="l" defTabSz="914400" rtl="0" eaLnBrk="1" latinLnBrk="0" hangingPunct="1">
+              <a:lnSpc>
+                <a:spcPct val="90000"/>
+              </a:lnSpc>
+              <a:spcBef>
+                <a:spcPts val="1000"/>
+              </a:spcBef>
+              <a:buFont typeface="Arial" panose="020B0604020202020204" pitchFamily="34" charset="0"/>
+              <a:buNone/>
+              <a:defRPr sz="2400" kern="1200">
+                <a:solidFill>
+                  <a:schemeClr val="tx1">
+                    <a:tint val="75000"/>
+                  </a:schemeClr>
+                </a:solidFill>
+                <a:latin typeface="+mn-lt"/>
+                <a:ea typeface="+mn-ea"/>
+                <a:cs typeface="+mn-cs"/>
+              </a:defRPr>
+            </a:lvl1pPr>
+            <a:lvl2pPr marL="457200" indent="0" algn="l" defTabSz="914400" rtl="0" eaLnBrk="1" latinLnBrk="0" hangingPunct="1">
+              <a:lnSpc>
+                <a:spcPct val="90000"/>
+              </a:lnSpc>
+              <a:spcBef>
+                <a:spcPts val="500"/>
+              </a:spcBef>
+              <a:buFont typeface="Arial" panose="020B0604020202020204" pitchFamily="34" charset="0"/>
+              <a:buNone/>
+              <a:defRPr sz="2000" kern="1200">
+                <a:solidFill>
+                  <a:schemeClr val="tx1">
+                    <a:tint val="75000"/>
+                  </a:schemeClr>
+                </a:solidFill>
+                <a:latin typeface="+mn-lt"/>
+                <a:ea typeface="+mn-ea"/>
+                <a:cs typeface="+mn-cs"/>
+              </a:defRPr>
+            </a:lvl2pPr>
+            <a:lvl3pPr marL="914400" indent="0" algn="l" defTabSz="914400" rtl="0" eaLnBrk="1" latinLnBrk="0" hangingPunct="1">
+              <a:lnSpc>
+                <a:spcPct val="90000"/>
+              </a:lnSpc>
+              <a:spcBef>
+                <a:spcPts val="500"/>
+              </a:spcBef>
+              <a:buFont typeface="Arial" panose="020B0604020202020204" pitchFamily="34" charset="0"/>
+              <a:buNone/>
+              <a:defRPr sz="1800" kern="1200">
+                <a:solidFill>
+                  <a:schemeClr val="tx1">
+                    <a:tint val="75000"/>
+                  </a:schemeClr>
+                </a:solidFill>
+                <a:latin typeface="+mn-lt"/>
+                <a:ea typeface="+mn-ea"/>
+                <a:cs typeface="+mn-cs"/>
+              </a:defRPr>
+            </a:lvl3pPr>
+            <a:lvl4pPr marL="1371600" indent="0" algn="l" defTabSz="914400" rtl="0" eaLnBrk="1" latinLnBrk="0" hangingPunct="1">
+              <a:lnSpc>
+                <a:spcPct val="90000"/>
+              </a:lnSpc>
+              <a:spcBef>
+                <a:spcPts val="500"/>
+              </a:spcBef>
+              <a:buFont typeface="Arial" panose="020B0604020202020204" pitchFamily="34" charset="0"/>
+              <a:buNone/>
+              <a:defRPr sz="1600" kern="1200">
+                <a:solidFill>
+                  <a:schemeClr val="tx1">
+                    <a:tint val="75000"/>
+                  </a:schemeClr>
+                </a:solidFill>
+                <a:latin typeface="+mn-lt"/>
+                <a:ea typeface="+mn-ea"/>
+                <a:cs typeface="+mn-cs"/>
+              </a:defRPr>
+            </a:lvl4pPr>
+            <a:lvl5pPr marL="1828800" indent="0" algn="l" defTabSz="914400" rtl="0" eaLnBrk="1" latinLnBrk="0" hangingPunct="1">
+              <a:lnSpc>
+                <a:spcPct val="90000"/>
+              </a:lnSpc>
+              <a:spcBef>
+                <a:spcPts val="500"/>
+              </a:spcBef>
+              <a:buFont typeface="Arial" panose="020B0604020202020204" pitchFamily="34" charset="0"/>
+              <a:buNone/>
+              <a:defRPr sz="1600" kern="1200">
+                <a:solidFill>
+                  <a:schemeClr val="tx1">
+                    <a:tint val="75000"/>
+                  </a:schemeClr>
+                </a:solidFill>
+                <a:latin typeface="+mn-lt"/>
+                <a:ea typeface="+mn-ea"/>
+                <a:cs typeface="+mn-cs"/>
+              </a:defRPr>
+            </a:lvl5pPr>
+            <a:lvl6pPr marL="2286000" indent="0" algn="l" defTabSz="914400" rtl="0" eaLnBrk="1" latinLnBrk="0" hangingPunct="1">
+              <a:lnSpc>
+                <a:spcPct val="90000"/>
+              </a:lnSpc>
+              <a:spcBef>
+                <a:spcPts val="500"/>
+              </a:spcBef>
+              <a:buFont typeface="Arial" panose="020B0604020202020204" pitchFamily="34" charset="0"/>
+              <a:buNone/>
+              <a:defRPr sz="1600" kern="1200">
+                <a:solidFill>
+                  <a:schemeClr val="tx1">
+                    <a:tint val="75000"/>
+                  </a:schemeClr>
+                </a:solidFill>
+                <a:latin typeface="+mn-lt"/>
+                <a:ea typeface="+mn-ea"/>
+                <a:cs typeface="+mn-cs"/>
+              </a:defRPr>
+            </a:lvl6pPr>
+            <a:lvl7pPr marL="2743200" indent="0" algn="l" defTabSz="914400" rtl="0" eaLnBrk="1" latinLnBrk="0" hangingPunct="1">
+              <a:lnSpc>
+                <a:spcPct val="90000"/>
+              </a:lnSpc>
+              <a:spcBef>
+                <a:spcPts val="500"/>
+              </a:spcBef>
+              <a:buFont typeface="Arial" panose="020B0604020202020204" pitchFamily="34" charset="0"/>
+              <a:buNone/>
+              <a:defRPr sz="1600" kern="1200">
+                <a:solidFill>
+                  <a:schemeClr val="tx1">
+                    <a:tint val="75000"/>
+                  </a:schemeClr>
+                </a:solidFill>
+                <a:latin typeface="+mn-lt"/>
+                <a:ea typeface="+mn-ea"/>
+                <a:cs typeface="+mn-cs"/>
+              </a:defRPr>
+            </a:lvl7pPr>
+            <a:lvl8pPr marL="3200400" indent="0" algn="l" defTabSz="914400" rtl="0" eaLnBrk="1" latinLnBrk="0" hangingPunct="1">
+              <a:lnSpc>
+                <a:spcPct val="90000"/>
+              </a:lnSpc>
+              <a:spcBef>
+                <a:spcPts val="500"/>
+              </a:spcBef>
+              <a:buFont typeface="Arial" panose="020B0604020202020204" pitchFamily="34" charset="0"/>
+              <a:buNone/>
+              <a:defRPr sz="1600" kern="1200">
+                <a:solidFill>
+                  <a:schemeClr val="tx1">
+                    <a:tint val="75000"/>
+                  </a:schemeClr>
+                </a:solidFill>
+                <a:latin typeface="+mn-lt"/>
+                <a:ea typeface="+mn-ea"/>
+                <a:cs typeface="+mn-cs"/>
+              </a:defRPr>
+            </a:lvl8pPr>
+            <a:lvl9pPr marL="3657600" indent="0" algn="l" defTabSz="914400" rtl="0" eaLnBrk="1" latinLnBrk="0" hangingPunct="1">
+              <a:lnSpc>
+                <a:spcPct val="90000"/>
+              </a:lnSpc>
+              <a:spcBef>
+                <a:spcPts val="500"/>
+              </a:spcBef>
+              <a:buFont typeface="Arial" panose="020B0604020202020204" pitchFamily="34" charset="0"/>
+              <a:buNone/>
+              <a:defRPr sz="1600" kern="1200">
+                <a:solidFill>
+                  <a:schemeClr val="tx1">
+                    <a:tint val="75000"/>
+                  </a:schemeClr>
+                </a:solidFill>
+                <a:latin typeface="+mn-lt"/>
+                <a:ea typeface="+mn-ea"/>
+                <a:cs typeface="+mn-cs"/>
+              </a:defRPr>
+            </a:lvl9pPr>
+          </a:lstStyle>
+          <a:p>
+            <a:r>
+              <a:rPr lang="fr-FR" dirty="0" smtClean="0"/>
+              <a:t>Le PC « pc_athena01 » (sous Windows) dispose d’un hyperviseur Oracle </a:t>
+            </a:r>
+            <a:r>
+              <a:rPr lang="fr-FR" dirty="0" err="1" smtClean="0"/>
+              <a:t>Virtualbox</a:t>
+            </a:r>
+            <a:r>
+              <a:rPr lang="fr-FR" dirty="0" smtClean="0"/>
+              <a:t> gérant au moins trois machines virtuelles Linux « vm_client01 », « vm_client02 » et « vm_server01 » avec un environnement docker. Les images docker </a:t>
+            </a:r>
+            <a:r>
+              <a:rPr lang="fr-FR" dirty="0" err="1" smtClean="0"/>
+              <a:t>ubuntu</a:t>
+            </a:r>
+            <a:r>
+              <a:rPr lang="fr-FR" dirty="0" smtClean="0"/>
+              <a:t> et python sont téléchargés  du </a:t>
+            </a:r>
+            <a:r>
+              <a:rPr lang="fr-FR" dirty="0" err="1" smtClean="0"/>
+              <a:t>repository</a:t>
+            </a:r>
+            <a:r>
+              <a:rPr lang="fr-FR" dirty="0" smtClean="0"/>
+              <a:t> privé localisé sur « vm_server01 ».</a:t>
+            </a:r>
+          </a:p>
+          <a:p>
+            <a:endParaRPr lang="fr-FR" dirty="0" smtClean="0"/>
+          </a:p>
+          <a:p>
+            <a:pPr marL="342900" indent="-342900">
+              <a:buFontTx/>
+              <a:buChar char="-"/>
+            </a:pPr>
+            <a:endParaRPr lang="fr-FR" dirty="0" smtClean="0"/>
+          </a:p>
+          <a:p>
+            <a:pPr marL="342900" indent="-342900">
+              <a:buFontTx/>
+              <a:buChar char="-"/>
+            </a:pPr>
+            <a:endParaRPr lang="fr-FR" dirty="0" smtClean="0"/>
+          </a:p>
+          <a:p>
+            <a:pPr marL="342900" indent="-342900">
+              <a:buFontTx/>
+              <a:buChar char="-"/>
+            </a:pPr>
+            <a:endParaRPr lang="fr-FR" dirty="0" smtClean="0"/>
+          </a:p>
+          <a:p>
+            <a:pPr marL="342900" indent="-342900">
+              <a:buFontTx/>
+              <a:buChar char="-"/>
+            </a:pPr>
+            <a:endParaRPr lang="fr-FR" dirty="0" smtClean="0"/>
+          </a:p>
+          <a:p>
+            <a:pPr marL="342900" indent="-342900">
+              <a:buFontTx/>
+              <a:buChar char="-"/>
+            </a:pPr>
+            <a:endParaRPr lang="fr-FR" dirty="0" smtClean="0"/>
+          </a:p>
+        </p:txBody>
+      </p:sp>
+    </p:spTree>
+    <p:extLst>
+      <p:ext uri="{BB962C8B-B14F-4D97-AF65-F5344CB8AC3E}">
+        <p14:creationId xmlns:p14="http://schemas.microsoft.com/office/powerpoint/2010/main" val="4100044247"/>
+      </p:ext>
+    </p:extLst>
+  </p:cSld>
+  <p:clrMapOvr>
+    <a:masterClrMapping/>
+  </p:clrMapOvr>
+  <p:timing>
+    <p:tnLst>
+      <p:par>
+        <p:cTn id="1" dur="indefinite" restart="never" nodeType="tmRoot"/>
+      </p:par>
+    </p:tnLst>
+  </p:timing>
+</p:sld>
+</file>
+
+<file path=ppt/slides/slide61.xml><?xml version="1.0" encoding="utf-8"?>
+<p:sld xmlns:a="http://schemas.openxmlformats.org/drawingml/2006/main" xmlns:r="http://schemas.openxmlformats.org/officeDocument/2006/relationships" xmlns:p="http://schemas.openxmlformats.org/presentationml/2006/main">
+  <p:cSld>
+    <p:spTree>
+      <p:nvGrpSpPr>
+        <p:cNvPr id="1" name=""/>
+        <p:cNvGrpSpPr/>
+        <p:nvPr/>
+      </p:nvGrpSpPr>
+      <p:grpSpPr>
+        <a:xfrm>
+          <a:off x="0" y="0"/>
+          <a:ext cx="0" cy="0"/>
+          <a:chOff x="0" y="0"/>
+          <a:chExt cx="0" cy="0"/>
+        </a:xfrm>
+      </p:grpSpPr>
+      <p:sp>
+        <p:nvSpPr>
+          <p:cNvPr id="4" name="Titre 3"/>
+          <p:cNvSpPr>
+            <a:spLocks noGrp="1"/>
+          </p:cNvSpPr>
+          <p:nvPr>
+            <p:ph type="title"/>
+          </p:nvPr>
+        </p:nvSpPr>
+        <p:spPr>
+          <a:xfrm>
+            <a:off x="831850" y="889607"/>
+            <a:ext cx="11209354" cy="967476"/>
+          </a:xfrm>
+        </p:spPr>
+        <p:txBody>
+          <a:bodyPr>
+            <a:normAutofit/>
+          </a:bodyPr>
+          <a:lstStyle/>
+          <a:p>
+            <a:r>
+              <a:rPr lang="fr-FR" sz="3600" dirty="0" smtClean="0"/>
+              <a:t>Docker – </a:t>
+            </a:r>
+            <a:r>
+              <a:rPr lang="fr-FR" sz="3600" dirty="0" err="1" smtClean="0"/>
+              <a:t>Repository</a:t>
+            </a:r>
+            <a:r>
+              <a:rPr lang="fr-FR" sz="3600" dirty="0" smtClean="0"/>
+              <a:t> – Configuration </a:t>
+            </a:r>
+            <a:r>
+              <a:rPr lang="fr-FR" sz="3600" dirty="0" err="1" smtClean="0"/>
+              <a:t>certifical</a:t>
+            </a:r>
+            <a:r>
+              <a:rPr lang="fr-FR" sz="3600" dirty="0" smtClean="0"/>
+              <a:t> SSL</a:t>
+            </a:r>
+            <a:endParaRPr lang="fr-FR" sz="3600" dirty="0"/>
+          </a:p>
+        </p:txBody>
+      </p:sp>
+      <p:sp>
+        <p:nvSpPr>
+          <p:cNvPr id="5" name="Espace réservé du texte 4"/>
+          <p:cNvSpPr>
+            <a:spLocks noGrp="1"/>
+          </p:cNvSpPr>
+          <p:nvPr>
+            <p:ph type="body" idx="1"/>
+          </p:nvPr>
+        </p:nvSpPr>
+        <p:spPr>
+          <a:xfrm>
+            <a:off x="831850" y="2021305"/>
+            <a:ext cx="10759786" cy="4379495"/>
+          </a:xfrm>
+        </p:spPr>
+        <p:txBody>
+          <a:bodyPr>
+            <a:normAutofit fontScale="92500" lnSpcReduction="20000"/>
+          </a:bodyPr>
+          <a:lstStyle/>
+          <a:p>
+            <a:r>
+              <a:rPr lang="fr-FR" dirty="0" smtClean="0"/>
+              <a:t>L’échange entre le docker « client » et le docker « </a:t>
+            </a:r>
+            <a:r>
+              <a:rPr lang="fr-FR" dirty="0" err="1" smtClean="0"/>
+              <a:t>registry</a:t>
+            </a:r>
+            <a:r>
+              <a:rPr lang="fr-FR" dirty="0" smtClean="0"/>
+              <a:t> » est réalisé au moyen du protocole HTTPS.</a:t>
+            </a:r>
+          </a:p>
+          <a:p>
+            <a:r>
+              <a:rPr lang="fr-FR" dirty="0" smtClean="0"/>
+              <a:t>Sur la VM avec le docker « </a:t>
+            </a:r>
+            <a:r>
+              <a:rPr lang="fr-FR" dirty="0" err="1" smtClean="0"/>
+              <a:t>registry</a:t>
+            </a:r>
+            <a:r>
+              <a:rPr lang="fr-FR" dirty="0" smtClean="0"/>
+              <a:t> » (exemple : perso01 sous Ubuntu 20.04 LTS avec la commande « </a:t>
+            </a:r>
+            <a:r>
+              <a:rPr lang="fr-FR" dirty="0" err="1" smtClean="0"/>
+              <a:t>openssl</a:t>
+            </a:r>
+            <a:r>
+              <a:rPr lang="fr-FR" dirty="0" smtClean="0"/>
+              <a:t> ») générer le certificat sous </a:t>
+            </a:r>
+            <a:r>
+              <a:rPr lang="fr-FR" dirty="0" err="1" smtClean="0"/>
+              <a:t>root</a:t>
+            </a:r>
+            <a:r>
+              <a:rPr lang="fr-FR" dirty="0" smtClean="0"/>
+              <a:t> par :</a:t>
+            </a:r>
+          </a:p>
+          <a:p>
+            <a:pPr lvl="1"/>
+            <a:r>
+              <a:rPr lang="fr-FR" dirty="0" err="1"/>
+              <a:t>m</a:t>
+            </a:r>
+            <a:r>
+              <a:rPr lang="fr-FR" dirty="0" err="1" smtClean="0"/>
+              <a:t>kdir</a:t>
+            </a:r>
+            <a:r>
+              <a:rPr lang="fr-FR" dirty="0" smtClean="0"/>
+              <a:t> –p /</a:t>
+            </a:r>
+            <a:r>
+              <a:rPr lang="fr-FR" dirty="0" err="1" smtClean="0"/>
+              <a:t>docker_data</a:t>
+            </a:r>
+            <a:r>
+              <a:rPr lang="fr-FR" dirty="0" smtClean="0"/>
+              <a:t>/</a:t>
+            </a:r>
+            <a:r>
+              <a:rPr lang="fr-FR" dirty="0" err="1" smtClean="0"/>
+              <a:t>certs</a:t>
+            </a:r>
+            <a:endParaRPr lang="fr-FR" dirty="0" smtClean="0"/>
+          </a:p>
+          <a:p>
+            <a:pPr lvl="1"/>
+            <a:r>
+              <a:rPr lang="fr-FR" dirty="0" err="1"/>
+              <a:t>o</a:t>
+            </a:r>
+            <a:r>
+              <a:rPr lang="fr-FR" dirty="0" err="1" smtClean="0"/>
+              <a:t>penssl</a:t>
+            </a:r>
+            <a:r>
+              <a:rPr lang="fr-FR" dirty="0" smtClean="0"/>
+              <a:t>  </a:t>
+            </a:r>
+            <a:r>
+              <a:rPr lang="fr-FR" dirty="0" err="1" smtClean="0"/>
+              <a:t>req</a:t>
+            </a:r>
+            <a:r>
+              <a:rPr lang="fr-FR" dirty="0" smtClean="0"/>
+              <a:t>  -</a:t>
+            </a:r>
+            <a:r>
+              <a:rPr lang="fr-FR" dirty="0" err="1" smtClean="0"/>
+              <a:t>newkey</a:t>
+            </a:r>
+            <a:r>
+              <a:rPr lang="fr-FR" dirty="0" smtClean="0"/>
+              <a:t> rsa:4096 –</a:t>
+            </a:r>
+            <a:r>
+              <a:rPr lang="fr-FR" dirty="0" err="1" smtClean="0"/>
+              <a:t>nodes</a:t>
+            </a:r>
+            <a:r>
+              <a:rPr lang="fr-FR" dirty="0" smtClean="0"/>
+              <a:t> –sha256 –</a:t>
+            </a:r>
+            <a:r>
+              <a:rPr lang="fr-FR" dirty="0" err="1" smtClean="0"/>
+              <a:t>keyout</a:t>
+            </a:r>
+            <a:r>
+              <a:rPr lang="fr-FR" dirty="0" smtClean="0"/>
+              <a:t> /</a:t>
+            </a:r>
+            <a:r>
+              <a:rPr lang="fr-FR" dirty="0" err="1" smtClean="0"/>
+              <a:t>docker_data</a:t>
+            </a:r>
+            <a:r>
+              <a:rPr lang="fr-FR" dirty="0" smtClean="0"/>
+              <a:t>/</a:t>
+            </a:r>
+            <a:r>
+              <a:rPr lang="fr-FR" dirty="0" err="1" smtClean="0"/>
+              <a:t>certs</a:t>
+            </a:r>
+            <a:r>
+              <a:rPr lang="fr-FR" dirty="0" smtClean="0"/>
+              <a:t>/</a:t>
+            </a:r>
+            <a:r>
+              <a:rPr lang="fr-FR" dirty="0" err="1" smtClean="0"/>
+              <a:t>domain.key</a:t>
+            </a:r>
+            <a:r>
+              <a:rPr lang="fr-FR" dirty="0" smtClean="0"/>
+              <a:t> –x509 –</a:t>
+            </a:r>
+            <a:r>
+              <a:rPr lang="fr-FR" dirty="0" err="1" smtClean="0"/>
+              <a:t>days</a:t>
+            </a:r>
+            <a:r>
+              <a:rPr lang="fr-FR" dirty="0" smtClean="0"/>
+              <a:t> 365 –out /</a:t>
+            </a:r>
+            <a:r>
+              <a:rPr lang="fr-FR" dirty="0" err="1" smtClean="0"/>
+              <a:t>docker_data</a:t>
+            </a:r>
+            <a:r>
+              <a:rPr lang="fr-FR" dirty="0" smtClean="0"/>
+              <a:t>/</a:t>
+            </a:r>
+            <a:r>
+              <a:rPr lang="fr-FR" dirty="0" err="1" smtClean="0"/>
+              <a:t>certs</a:t>
+            </a:r>
+            <a:r>
+              <a:rPr lang="fr-FR" dirty="0" smtClean="0"/>
+              <a:t>/domain.crt</a:t>
+            </a:r>
+          </a:p>
+          <a:p>
+            <a:r>
+              <a:rPr lang="fr-FR" dirty="0" smtClean="0"/>
+              <a:t>Répondre par retour-chariot aux questions sauf pour la question « Common </a:t>
+            </a:r>
+            <a:r>
+              <a:rPr lang="fr-FR" dirty="0" err="1" smtClean="0"/>
+              <a:t>name</a:t>
+            </a:r>
+            <a:r>
+              <a:rPr lang="fr-FR" dirty="0" smtClean="0"/>
+              <a:t> » pour lequel renseigner le nom de la VM : « perso01 ». Ces questions servent à initialiser le nom du </a:t>
+            </a:r>
+            <a:r>
+              <a:rPr lang="fr-FR" dirty="0" err="1" smtClean="0"/>
+              <a:t>registry</a:t>
+            </a:r>
+            <a:r>
+              <a:rPr lang="fr-FR" dirty="0" smtClean="0"/>
+              <a:t>, dans notre cas c’est seulement « perso01:5000 » (le port 5000 du calculateur perso01).</a:t>
+            </a:r>
+          </a:p>
+          <a:p>
+            <a:r>
+              <a:rPr lang="fr-FR" dirty="0" smtClean="0"/>
+              <a:t>Le fichier généré /</a:t>
+            </a:r>
+            <a:r>
+              <a:rPr lang="fr-FR" dirty="0" err="1" smtClean="0"/>
+              <a:t>docker_data</a:t>
+            </a:r>
+            <a:r>
+              <a:rPr lang="fr-FR" dirty="0" smtClean="0"/>
+              <a:t>/</a:t>
+            </a:r>
+            <a:r>
+              <a:rPr lang="fr-FR" dirty="0" err="1" smtClean="0"/>
+              <a:t>certs</a:t>
+            </a:r>
+            <a:r>
+              <a:rPr lang="fr-FR" dirty="0" smtClean="0"/>
+              <a:t>/</a:t>
+            </a:r>
+            <a:r>
+              <a:rPr lang="fr-FR" dirty="0" err="1" smtClean="0"/>
+              <a:t>domain.key</a:t>
+            </a:r>
+            <a:r>
+              <a:rPr lang="fr-FR" dirty="0" smtClean="0"/>
+              <a:t> contient la clé privé et le fichier /</a:t>
+            </a:r>
+            <a:r>
+              <a:rPr lang="fr-FR" dirty="0" err="1" smtClean="0"/>
+              <a:t>docker_data</a:t>
+            </a:r>
+            <a:r>
+              <a:rPr lang="fr-FR" dirty="0" smtClean="0"/>
+              <a:t>/</a:t>
+            </a:r>
+            <a:r>
+              <a:rPr lang="fr-FR" dirty="0" err="1" smtClean="0"/>
+              <a:t>certs</a:t>
+            </a:r>
+            <a:r>
+              <a:rPr lang="fr-FR" dirty="0" smtClean="0"/>
+              <a:t>/domain.crt est à recopier sur la VM docker par :</a:t>
+            </a:r>
+            <a:endParaRPr lang="fr-FR" dirty="0"/>
+          </a:p>
+          <a:p>
+            <a:pPr lvl="1"/>
+            <a:r>
+              <a:rPr lang="fr-FR" dirty="0" err="1"/>
+              <a:t>mkdir</a:t>
+            </a:r>
+            <a:r>
+              <a:rPr lang="fr-FR" dirty="0"/>
+              <a:t> –p </a:t>
+            </a:r>
+            <a:r>
+              <a:rPr lang="fr-FR" dirty="0" smtClean="0"/>
+              <a:t>/</a:t>
+            </a:r>
+            <a:r>
+              <a:rPr lang="fr-FR" dirty="0" err="1" smtClean="0"/>
+              <a:t>etc</a:t>
+            </a:r>
+            <a:r>
+              <a:rPr lang="fr-FR" dirty="0" smtClean="0"/>
+              <a:t>/docker/</a:t>
+            </a:r>
+            <a:r>
+              <a:rPr lang="fr-FR" dirty="0" err="1" smtClean="0"/>
+              <a:t>certs.d</a:t>
+            </a:r>
+            <a:r>
+              <a:rPr lang="fr-FR" dirty="0" smtClean="0"/>
+              <a:t>/perso01:5000</a:t>
+            </a:r>
+            <a:endParaRPr lang="fr-FR" dirty="0"/>
+          </a:p>
+          <a:p>
+            <a:pPr lvl="1"/>
+            <a:r>
+              <a:rPr lang="fr-FR" dirty="0" err="1"/>
+              <a:t>c</a:t>
+            </a:r>
+            <a:r>
+              <a:rPr lang="fr-FR" dirty="0" err="1" smtClean="0"/>
+              <a:t>p</a:t>
+            </a:r>
+            <a:r>
+              <a:rPr lang="fr-FR" dirty="0" smtClean="0"/>
+              <a:t> </a:t>
+            </a:r>
+            <a:r>
+              <a:rPr lang="fr-FR" dirty="0"/>
+              <a:t>domain.crt /</a:t>
+            </a:r>
+            <a:r>
+              <a:rPr lang="fr-FR" dirty="0" err="1" smtClean="0"/>
+              <a:t>etc</a:t>
+            </a:r>
+            <a:r>
+              <a:rPr lang="fr-FR" dirty="0" smtClean="0"/>
+              <a:t>/docker/</a:t>
+            </a:r>
+            <a:r>
+              <a:rPr lang="fr-FR" dirty="0" err="1" smtClean="0"/>
+              <a:t>certs.d</a:t>
+            </a:r>
+            <a:r>
+              <a:rPr lang="fr-FR" dirty="0" smtClean="0"/>
+              <a:t>/perso01:5000/</a:t>
+            </a:r>
+          </a:p>
+        </p:txBody>
+      </p:sp>
+      <p:sp>
+        <p:nvSpPr>
+          <p:cNvPr id="7" name="Espace réservé du texte 4"/>
+          <p:cNvSpPr txBox="1">
+            <a:spLocks/>
+          </p:cNvSpPr>
+          <p:nvPr/>
+        </p:nvSpPr>
+        <p:spPr>
+          <a:xfrm>
+            <a:off x="831849" y="1857083"/>
+            <a:ext cx="9740901" cy="4909477"/>
+          </a:xfrm>
+          <a:prstGeom prst="rect">
+            <a:avLst/>
+          </a:prstGeom>
+        </p:spPr>
+        <p:txBody>
+          <a:bodyPr vert="horz" lIns="91440" tIns="45720" rIns="91440" bIns="45720" rtlCol="0">
+            <a:normAutofit/>
+          </a:bodyPr>
+          <a:lstStyle>
+            <a:lvl1pPr marL="0" indent="0" algn="l" defTabSz="914400" rtl="0" eaLnBrk="1" latinLnBrk="0" hangingPunct="1">
+              <a:lnSpc>
+                <a:spcPct val="90000"/>
+              </a:lnSpc>
+              <a:spcBef>
+                <a:spcPts val="1000"/>
+              </a:spcBef>
+              <a:buFont typeface="Arial" panose="020B0604020202020204" pitchFamily="34" charset="0"/>
+              <a:buNone/>
+              <a:defRPr sz="2400" kern="1200">
+                <a:solidFill>
+                  <a:schemeClr val="tx1">
+                    <a:tint val="75000"/>
+                  </a:schemeClr>
+                </a:solidFill>
+                <a:latin typeface="+mn-lt"/>
+                <a:ea typeface="+mn-ea"/>
+                <a:cs typeface="+mn-cs"/>
+              </a:defRPr>
+            </a:lvl1pPr>
+            <a:lvl2pPr marL="457200" indent="0" algn="l" defTabSz="914400" rtl="0" eaLnBrk="1" latinLnBrk="0" hangingPunct="1">
+              <a:lnSpc>
+                <a:spcPct val="90000"/>
+              </a:lnSpc>
+              <a:spcBef>
+                <a:spcPts val="500"/>
+              </a:spcBef>
+              <a:buFont typeface="Arial" panose="020B0604020202020204" pitchFamily="34" charset="0"/>
+              <a:buNone/>
+              <a:defRPr sz="2000" kern="1200">
+                <a:solidFill>
+                  <a:schemeClr val="tx1">
+                    <a:tint val="75000"/>
+                  </a:schemeClr>
+                </a:solidFill>
+                <a:latin typeface="+mn-lt"/>
+                <a:ea typeface="+mn-ea"/>
+                <a:cs typeface="+mn-cs"/>
+              </a:defRPr>
+            </a:lvl2pPr>
+            <a:lvl3pPr marL="914400" indent="0" algn="l" defTabSz="914400" rtl="0" eaLnBrk="1" latinLnBrk="0" hangingPunct="1">
+              <a:lnSpc>
+                <a:spcPct val="90000"/>
+              </a:lnSpc>
+              <a:spcBef>
+                <a:spcPts val="500"/>
+              </a:spcBef>
+              <a:buFont typeface="Arial" panose="020B0604020202020204" pitchFamily="34" charset="0"/>
+              <a:buNone/>
+              <a:defRPr sz="1800" kern="1200">
+                <a:solidFill>
+                  <a:schemeClr val="tx1">
+                    <a:tint val="75000"/>
+                  </a:schemeClr>
+                </a:solidFill>
+                <a:latin typeface="+mn-lt"/>
+                <a:ea typeface="+mn-ea"/>
+                <a:cs typeface="+mn-cs"/>
+              </a:defRPr>
+            </a:lvl3pPr>
+            <a:lvl4pPr marL="1371600" indent="0" algn="l" defTabSz="914400" rtl="0" eaLnBrk="1" latinLnBrk="0" hangingPunct="1">
+              <a:lnSpc>
+                <a:spcPct val="90000"/>
+              </a:lnSpc>
+              <a:spcBef>
+                <a:spcPts val="500"/>
+              </a:spcBef>
+              <a:buFont typeface="Arial" panose="020B0604020202020204" pitchFamily="34" charset="0"/>
+              <a:buNone/>
+              <a:defRPr sz="1600" kern="1200">
+                <a:solidFill>
+                  <a:schemeClr val="tx1">
+                    <a:tint val="75000"/>
+                  </a:schemeClr>
+                </a:solidFill>
+                <a:latin typeface="+mn-lt"/>
+                <a:ea typeface="+mn-ea"/>
+                <a:cs typeface="+mn-cs"/>
+              </a:defRPr>
+            </a:lvl4pPr>
+            <a:lvl5pPr marL="1828800" indent="0" algn="l" defTabSz="914400" rtl="0" eaLnBrk="1" latinLnBrk="0" hangingPunct="1">
+              <a:lnSpc>
+                <a:spcPct val="90000"/>
+              </a:lnSpc>
+              <a:spcBef>
+                <a:spcPts val="500"/>
+              </a:spcBef>
+              <a:buFont typeface="Arial" panose="020B0604020202020204" pitchFamily="34" charset="0"/>
+              <a:buNone/>
+              <a:defRPr sz="1600" kern="1200">
+                <a:solidFill>
+                  <a:schemeClr val="tx1">
+                    <a:tint val="75000"/>
+                  </a:schemeClr>
+                </a:solidFill>
+                <a:latin typeface="+mn-lt"/>
+                <a:ea typeface="+mn-ea"/>
+                <a:cs typeface="+mn-cs"/>
+              </a:defRPr>
+            </a:lvl5pPr>
+            <a:lvl6pPr marL="2286000" indent="0" algn="l" defTabSz="914400" rtl="0" eaLnBrk="1" latinLnBrk="0" hangingPunct="1">
+              <a:lnSpc>
+                <a:spcPct val="90000"/>
+              </a:lnSpc>
+              <a:spcBef>
+                <a:spcPts val="500"/>
+              </a:spcBef>
+              <a:buFont typeface="Arial" panose="020B0604020202020204" pitchFamily="34" charset="0"/>
+              <a:buNone/>
+              <a:defRPr sz="1600" kern="1200">
+                <a:solidFill>
+                  <a:schemeClr val="tx1">
+                    <a:tint val="75000"/>
+                  </a:schemeClr>
+                </a:solidFill>
+                <a:latin typeface="+mn-lt"/>
+                <a:ea typeface="+mn-ea"/>
+                <a:cs typeface="+mn-cs"/>
+              </a:defRPr>
+            </a:lvl6pPr>
+            <a:lvl7pPr marL="2743200" indent="0" algn="l" defTabSz="914400" rtl="0" eaLnBrk="1" latinLnBrk="0" hangingPunct="1">
+              <a:lnSpc>
+                <a:spcPct val="90000"/>
+              </a:lnSpc>
+              <a:spcBef>
+                <a:spcPts val="500"/>
+              </a:spcBef>
+              <a:buFont typeface="Arial" panose="020B0604020202020204" pitchFamily="34" charset="0"/>
+              <a:buNone/>
+              <a:defRPr sz="1600" kern="1200">
+                <a:solidFill>
+                  <a:schemeClr val="tx1">
+                    <a:tint val="75000"/>
+                  </a:schemeClr>
+                </a:solidFill>
+                <a:latin typeface="+mn-lt"/>
+                <a:ea typeface="+mn-ea"/>
+                <a:cs typeface="+mn-cs"/>
+              </a:defRPr>
+            </a:lvl7pPr>
+            <a:lvl8pPr marL="3200400" indent="0" algn="l" defTabSz="914400" rtl="0" eaLnBrk="1" latinLnBrk="0" hangingPunct="1">
+              <a:lnSpc>
+                <a:spcPct val="90000"/>
+              </a:lnSpc>
+              <a:spcBef>
+                <a:spcPts val="500"/>
+              </a:spcBef>
+              <a:buFont typeface="Arial" panose="020B0604020202020204" pitchFamily="34" charset="0"/>
+              <a:buNone/>
+              <a:defRPr sz="1600" kern="1200">
+                <a:solidFill>
+                  <a:schemeClr val="tx1">
+                    <a:tint val="75000"/>
+                  </a:schemeClr>
+                </a:solidFill>
+                <a:latin typeface="+mn-lt"/>
+                <a:ea typeface="+mn-ea"/>
+                <a:cs typeface="+mn-cs"/>
+              </a:defRPr>
+            </a:lvl8pPr>
+            <a:lvl9pPr marL="3657600" indent="0" algn="l" defTabSz="914400" rtl="0" eaLnBrk="1" latinLnBrk="0" hangingPunct="1">
+              <a:lnSpc>
+                <a:spcPct val="90000"/>
+              </a:lnSpc>
+              <a:spcBef>
+                <a:spcPts val="500"/>
+              </a:spcBef>
+              <a:buFont typeface="Arial" panose="020B0604020202020204" pitchFamily="34" charset="0"/>
+              <a:buNone/>
+              <a:defRPr sz="1600" kern="1200">
+                <a:solidFill>
+                  <a:schemeClr val="tx1">
+                    <a:tint val="75000"/>
+                  </a:schemeClr>
+                </a:solidFill>
+                <a:latin typeface="+mn-lt"/>
+                <a:ea typeface="+mn-ea"/>
+                <a:cs typeface="+mn-cs"/>
+              </a:defRPr>
+            </a:lvl9pPr>
+          </a:lstStyle>
+          <a:p>
+            <a:pPr marL="342900" indent="-342900">
+              <a:buFontTx/>
+              <a:buChar char="-"/>
+            </a:pPr>
+            <a:endParaRPr lang="fr-FR" dirty="0" smtClean="0"/>
+          </a:p>
+          <a:p>
+            <a:pPr marL="342900" indent="-342900">
+              <a:buFontTx/>
+              <a:buChar char="-"/>
+            </a:pPr>
+            <a:endParaRPr lang="fr-FR" dirty="0" smtClean="0"/>
+          </a:p>
+          <a:p>
+            <a:pPr marL="342900" indent="-342900">
+              <a:buFontTx/>
+              <a:buChar char="-"/>
+            </a:pPr>
+            <a:endParaRPr lang="fr-FR" dirty="0" smtClean="0"/>
+          </a:p>
+        </p:txBody>
+      </p:sp>
+    </p:spTree>
+    <p:extLst>
+      <p:ext uri="{BB962C8B-B14F-4D97-AF65-F5344CB8AC3E}">
+        <p14:creationId xmlns:p14="http://schemas.microsoft.com/office/powerpoint/2010/main" val="1781876402"/>
+      </p:ext>
+    </p:extLst>
+  </p:cSld>
+  <p:clrMapOvr>
+    <a:masterClrMapping/>
+  </p:clrMapOvr>
+  <p:timing>
+    <p:tnLst>
+      <p:par>
+        <p:cTn id="1" dur="indefinite" restart="never" nodeType="tmRoot"/>
+      </p:par>
+    </p:tnLst>
+  </p:timing>
+</p:sld>
+</file>
+
+<file path=ppt/slides/slide62.xml><?xml version="1.0" encoding="utf-8"?>
+<p:sld xmlns:a="http://schemas.openxmlformats.org/drawingml/2006/main" xmlns:r="http://schemas.openxmlformats.org/officeDocument/2006/relationships" xmlns:p="http://schemas.openxmlformats.org/presentationml/2006/main">
+  <p:cSld>
+    <p:spTree>
+      <p:nvGrpSpPr>
+        <p:cNvPr id="1" name=""/>
+        <p:cNvGrpSpPr/>
+        <p:nvPr/>
+      </p:nvGrpSpPr>
+      <p:grpSpPr>
+        <a:xfrm>
+          <a:off x="0" y="0"/>
+          <a:ext cx="0" cy="0"/>
+          <a:chOff x="0" y="0"/>
+          <a:chExt cx="0" cy="0"/>
+        </a:xfrm>
+      </p:grpSpPr>
+      <p:sp>
+        <p:nvSpPr>
+          <p:cNvPr id="4" name="Titre 3"/>
+          <p:cNvSpPr>
+            <a:spLocks noGrp="1"/>
+          </p:cNvSpPr>
+          <p:nvPr>
+            <p:ph type="title"/>
+          </p:nvPr>
+        </p:nvSpPr>
+        <p:spPr>
+          <a:xfrm>
+            <a:off x="831850" y="889607"/>
+            <a:ext cx="11209354" cy="967476"/>
+          </a:xfrm>
+        </p:spPr>
+        <p:txBody>
+          <a:bodyPr>
+            <a:normAutofit/>
+          </a:bodyPr>
+          <a:lstStyle/>
+          <a:p>
+            <a:r>
+              <a:rPr lang="fr-FR" sz="3600" dirty="0" smtClean="0"/>
+              <a:t>Docker – Exemple d’utilisation d’une image -  </a:t>
+            </a:r>
+            <a:r>
+              <a:rPr lang="fr-FR" sz="3600" dirty="0" err="1" smtClean="0"/>
+              <a:t>ffmpeg</a:t>
+            </a:r>
+            <a:endParaRPr lang="fr-FR" sz="3600" dirty="0"/>
+          </a:p>
+        </p:txBody>
+      </p:sp>
+      <p:sp>
+        <p:nvSpPr>
+          <p:cNvPr id="5" name="Espace réservé du texte 4"/>
+          <p:cNvSpPr>
+            <a:spLocks noGrp="1"/>
+          </p:cNvSpPr>
+          <p:nvPr>
+            <p:ph type="body" idx="1"/>
+          </p:nvPr>
+        </p:nvSpPr>
+        <p:spPr>
+          <a:xfrm>
+            <a:off x="831850" y="2021305"/>
+            <a:ext cx="10759786" cy="4379495"/>
+          </a:xfrm>
+        </p:spPr>
+        <p:txBody>
+          <a:bodyPr>
+            <a:normAutofit fontScale="70000" lnSpcReduction="20000"/>
+          </a:bodyPr>
+          <a:lstStyle/>
+          <a:p>
+            <a:r>
+              <a:rPr lang="fr-FR" dirty="0" smtClean="0"/>
+              <a:t>L’image </a:t>
+            </a:r>
+            <a:r>
+              <a:rPr lang="fr-FR" dirty="0" err="1" smtClean="0"/>
+              <a:t>ffmpeg</a:t>
+            </a:r>
+            <a:r>
+              <a:rPr lang="fr-FR" dirty="0" smtClean="0"/>
+              <a:t> de </a:t>
+            </a:r>
+            <a:r>
+              <a:rPr lang="fr-FR" dirty="0" err="1" smtClean="0"/>
+              <a:t>linuxserver</a:t>
+            </a:r>
+            <a:r>
+              <a:rPr lang="fr-FR" dirty="0"/>
+              <a:t> décrite à l’URL </a:t>
+            </a:r>
+            <a:r>
+              <a:rPr lang="fr-FR" dirty="0" smtClean="0"/>
+              <a:t> </a:t>
+            </a:r>
+            <a:r>
+              <a:rPr lang="fr-FR" dirty="0">
+                <a:hlinkClick r:id="rId2"/>
+              </a:rPr>
+              <a:t>https://</a:t>
+            </a:r>
+            <a:r>
+              <a:rPr lang="fr-FR" dirty="0" smtClean="0">
+                <a:hlinkClick r:id="rId2"/>
+              </a:rPr>
+              <a:t>docs.linuxserver.io/images/docker-ffmpeg</a:t>
+            </a:r>
+            <a:r>
+              <a:rPr lang="fr-FR" dirty="0" smtClean="0"/>
+              <a:t>  permet de construire des fichiers vidéos.</a:t>
+            </a:r>
+          </a:p>
+          <a:p>
+            <a:r>
+              <a:rPr lang="fr-FR" dirty="0" smtClean="0"/>
+              <a:t>Elle est disponible </a:t>
+            </a:r>
+            <a:r>
+              <a:rPr lang="fr-FR" dirty="0"/>
+              <a:t>sous docker hub à l’URL : </a:t>
+            </a:r>
+            <a:r>
+              <a:rPr lang="fr-FR" dirty="0">
+                <a:hlinkClick r:id="rId3"/>
+              </a:rPr>
+              <a:t>https://</a:t>
+            </a:r>
+            <a:r>
+              <a:rPr lang="fr-FR" dirty="0" smtClean="0">
+                <a:hlinkClick r:id="rId3"/>
+              </a:rPr>
+              <a:t>hub.docker.com/r/linuxserver/ffmpeg</a:t>
+            </a:r>
+            <a:endParaRPr lang="fr-FR" dirty="0"/>
+          </a:p>
+          <a:p>
+            <a:endParaRPr lang="en-US" dirty="0" smtClean="0"/>
+          </a:p>
+          <a:p>
+            <a:r>
+              <a:rPr lang="en-US" dirty="0" smtClean="0"/>
+              <a:t>Placer des </a:t>
+            </a:r>
+            <a:r>
+              <a:rPr lang="en-US" dirty="0" err="1" smtClean="0"/>
+              <a:t>fichiers</a:t>
+            </a:r>
+            <a:r>
+              <a:rPr lang="en-US" dirty="0" smtClean="0"/>
+              <a:t> images PNG  de nom (image1.png,…, imageN.png ) </a:t>
+            </a:r>
+            <a:r>
+              <a:rPr lang="en-US" dirty="0" err="1" smtClean="0"/>
+              <a:t>dans</a:t>
+            </a:r>
+            <a:r>
+              <a:rPr lang="en-US" dirty="0" smtClean="0"/>
+              <a:t> un sous-repertoire </a:t>
+            </a:r>
+            <a:r>
+              <a:rPr lang="en-US" dirty="0" err="1" smtClean="0"/>
+              <a:t>videos_images</a:t>
+            </a:r>
+            <a:r>
+              <a:rPr lang="en-US" dirty="0" smtClean="0"/>
+              <a:t> du repertoire courant.</a:t>
+            </a:r>
+          </a:p>
+          <a:p>
+            <a:r>
+              <a:rPr lang="en-US" dirty="0" err="1" smtClean="0"/>
+              <a:t>Exécuter</a:t>
+            </a:r>
+            <a:r>
+              <a:rPr lang="en-US" dirty="0" smtClean="0"/>
+              <a:t> la </a:t>
+            </a:r>
+            <a:r>
+              <a:rPr lang="en-US" dirty="0" err="1" smtClean="0"/>
+              <a:t>commande</a:t>
+            </a:r>
+            <a:r>
+              <a:rPr lang="en-US" dirty="0" smtClean="0"/>
+              <a:t> </a:t>
+            </a:r>
+            <a:r>
+              <a:rPr lang="en-US" dirty="0" err="1" smtClean="0"/>
+              <a:t>suivante</a:t>
+            </a:r>
+            <a:r>
+              <a:rPr lang="en-US" dirty="0" smtClean="0"/>
+              <a:t> :</a:t>
+            </a:r>
+            <a:endParaRPr lang="fr-FR" dirty="0"/>
+          </a:p>
+          <a:p>
+            <a:pPr lvl="1"/>
+            <a:r>
+              <a:rPr lang="en-US" dirty="0" err="1"/>
+              <a:t>d</a:t>
+            </a:r>
+            <a:r>
+              <a:rPr lang="en-US" dirty="0" err="1" smtClean="0"/>
+              <a:t>ocker</a:t>
+            </a:r>
+            <a:r>
+              <a:rPr lang="en-US" dirty="0" smtClean="0"/>
+              <a:t> run –</a:t>
+            </a:r>
+            <a:r>
+              <a:rPr lang="en-US" dirty="0" err="1" smtClean="0"/>
+              <a:t>rm</a:t>
+            </a:r>
+            <a:r>
+              <a:rPr lang="en-US" dirty="0" smtClean="0"/>
+              <a:t> –it \</a:t>
+            </a:r>
+          </a:p>
+          <a:p>
+            <a:pPr lvl="1"/>
+            <a:r>
+              <a:rPr lang="en-US" dirty="0" smtClean="0"/>
+              <a:t>-v $(</a:t>
+            </a:r>
+            <a:r>
+              <a:rPr lang="en-US" dirty="0" err="1" smtClean="0"/>
+              <a:t>pwd</a:t>
+            </a:r>
+            <a:r>
+              <a:rPr lang="en-US" dirty="0" smtClean="0"/>
+              <a:t>)/</a:t>
+            </a:r>
+            <a:r>
+              <a:rPr lang="en-US" dirty="0" err="1" smtClean="0"/>
+              <a:t>videos_images</a:t>
+            </a:r>
+            <a:r>
+              <a:rPr lang="en-US" dirty="0" smtClean="0"/>
+              <a:t>:/</a:t>
+            </a:r>
+            <a:r>
+              <a:rPr lang="en-US" dirty="0" err="1" smtClean="0"/>
+              <a:t>config</a:t>
+            </a:r>
+            <a:r>
+              <a:rPr lang="en-US" dirty="0" smtClean="0"/>
+              <a:t> \</a:t>
+            </a:r>
+          </a:p>
+          <a:p>
+            <a:pPr lvl="1"/>
+            <a:r>
+              <a:rPr lang="en-US" dirty="0" err="1" smtClean="0"/>
+              <a:t>linuxserver</a:t>
+            </a:r>
+            <a:r>
+              <a:rPr lang="en-US" dirty="0" smtClean="0"/>
+              <a:t>/</a:t>
+            </a:r>
+            <a:r>
+              <a:rPr lang="en-US" dirty="0" err="1" smtClean="0"/>
+              <a:t>ffmpeg</a:t>
+            </a:r>
+            <a:r>
+              <a:rPr lang="en-US" dirty="0" smtClean="0"/>
+              <a:t> \</a:t>
+            </a:r>
+          </a:p>
+          <a:p>
+            <a:pPr lvl="1"/>
+            <a:r>
+              <a:rPr lang="en-US" dirty="0" smtClean="0"/>
+              <a:t>-r 1 –I /</a:t>
+            </a:r>
+            <a:r>
+              <a:rPr lang="en-US" dirty="0" err="1" smtClean="0"/>
+              <a:t>config</a:t>
+            </a:r>
+            <a:r>
+              <a:rPr lang="en-US" dirty="0" smtClean="0"/>
+              <a:t>/image%d.png –</a:t>
+            </a:r>
+            <a:r>
+              <a:rPr lang="en-US" dirty="0" err="1" smtClean="0"/>
+              <a:t>plx_fmt</a:t>
+            </a:r>
+            <a:r>
+              <a:rPr lang="en-US" dirty="0" smtClean="0"/>
+              <a:t> yuv420p –r 10 /</a:t>
+            </a:r>
+            <a:r>
+              <a:rPr lang="en-US" dirty="0" err="1" smtClean="0"/>
+              <a:t>config</a:t>
+            </a:r>
+            <a:r>
+              <a:rPr lang="en-US" dirty="0" smtClean="0"/>
+              <a:t>/video.mp4</a:t>
+            </a:r>
+          </a:p>
+          <a:p>
+            <a:pPr lvl="1"/>
+            <a:endParaRPr lang="en-US" dirty="0"/>
+          </a:p>
+          <a:p>
+            <a:pPr marL="0" lvl="1">
+              <a:spcBef>
+                <a:spcPts val="1000"/>
+              </a:spcBef>
+            </a:pPr>
+            <a:r>
+              <a:rPr lang="en-US" sz="2400" dirty="0" err="1" smtClean="0"/>
+              <a:t>Cette</a:t>
+            </a:r>
+            <a:r>
+              <a:rPr lang="en-US" sz="2400" dirty="0" smtClean="0"/>
+              <a:t> </a:t>
+            </a:r>
+            <a:r>
+              <a:rPr lang="en-US" sz="2400" dirty="0" err="1" smtClean="0"/>
+              <a:t>commande</a:t>
+            </a:r>
+            <a:r>
+              <a:rPr lang="en-US" sz="2400" dirty="0" smtClean="0"/>
+              <a:t> </a:t>
+            </a:r>
+            <a:r>
+              <a:rPr lang="en-US" sz="2400" dirty="0" err="1" smtClean="0"/>
+              <a:t>démarre</a:t>
+            </a:r>
+            <a:r>
+              <a:rPr lang="en-US" sz="2400" dirty="0" smtClean="0"/>
+              <a:t> un container </a:t>
+            </a:r>
+            <a:r>
+              <a:rPr lang="en-US" sz="2400" dirty="0" err="1" smtClean="0"/>
+              <a:t>éphémère</a:t>
+            </a:r>
+            <a:r>
+              <a:rPr lang="en-US" sz="2400" dirty="0" smtClean="0"/>
+              <a:t> (=se </a:t>
+            </a:r>
+            <a:r>
+              <a:rPr lang="en-US" sz="2400" dirty="0" err="1" smtClean="0"/>
+              <a:t>termine</a:t>
+            </a:r>
+            <a:r>
+              <a:rPr lang="en-US" sz="2400" dirty="0" smtClean="0"/>
+              <a:t> après le </a:t>
+            </a:r>
+            <a:r>
+              <a:rPr lang="en-US" sz="2400" dirty="0" err="1" smtClean="0"/>
+              <a:t>traitement</a:t>
+            </a:r>
+            <a:r>
+              <a:rPr lang="en-US" sz="2400" dirty="0" smtClean="0"/>
+              <a:t> de conversion de </a:t>
+            </a:r>
+            <a:r>
+              <a:rPr lang="en-US" sz="2400" dirty="0" err="1" smtClean="0"/>
+              <a:t>fichiers</a:t>
+            </a:r>
+            <a:r>
+              <a:rPr lang="en-US" sz="2400" dirty="0" smtClean="0"/>
+              <a:t> images </a:t>
+            </a:r>
+            <a:r>
+              <a:rPr lang="en-US" sz="2400" dirty="0" err="1" smtClean="0"/>
+              <a:t>en</a:t>
+            </a:r>
+            <a:r>
+              <a:rPr lang="en-US" sz="2400" dirty="0" smtClean="0"/>
+              <a:t> </a:t>
+            </a:r>
+            <a:r>
+              <a:rPr lang="en-US" sz="2400" dirty="0" err="1" smtClean="0"/>
+              <a:t>fichier</a:t>
+            </a:r>
+            <a:r>
+              <a:rPr lang="en-US" sz="2400" dirty="0" smtClean="0"/>
+              <a:t> </a:t>
+            </a:r>
+            <a:r>
+              <a:rPr lang="en-US" sz="2400" dirty="0" err="1" smtClean="0"/>
+              <a:t>vidéo</a:t>
+            </a:r>
+            <a:r>
+              <a:rPr lang="en-US" sz="2400" dirty="0" smtClean="0"/>
+              <a:t>) pour </a:t>
+            </a:r>
+            <a:r>
+              <a:rPr lang="en-US" sz="2400" dirty="0" err="1" smtClean="0"/>
+              <a:t>l’image</a:t>
+            </a:r>
+            <a:r>
+              <a:rPr lang="en-US" sz="2400" dirty="0" smtClean="0"/>
+              <a:t> de nom “</a:t>
+            </a:r>
+            <a:r>
+              <a:rPr lang="en-US" sz="2400" dirty="0" err="1" smtClean="0"/>
+              <a:t>linuxserver</a:t>
+            </a:r>
+            <a:r>
+              <a:rPr lang="en-US" sz="2400" dirty="0" smtClean="0"/>
+              <a:t>/</a:t>
+            </a:r>
+            <a:r>
+              <a:rPr lang="en-US" sz="2400" dirty="0" err="1" smtClean="0"/>
+              <a:t>ffmpeg</a:t>
+            </a:r>
+            <a:r>
+              <a:rPr lang="en-US" sz="2400" dirty="0" smtClean="0"/>
+              <a:t>”. </a:t>
+            </a:r>
+          </a:p>
+          <a:p>
+            <a:pPr marL="0" lvl="1">
+              <a:spcBef>
+                <a:spcPts val="1000"/>
+              </a:spcBef>
+            </a:pPr>
+            <a:r>
+              <a:rPr lang="en-US" sz="2400" dirty="0" smtClean="0"/>
+              <a:t>Le </a:t>
+            </a:r>
+            <a:r>
+              <a:rPr lang="en-US" sz="2400" dirty="0" err="1" smtClean="0"/>
+              <a:t>paramètre</a:t>
+            </a:r>
+            <a:r>
+              <a:rPr lang="en-US" sz="2400" dirty="0" smtClean="0"/>
+              <a:t> “—</a:t>
+            </a:r>
+            <a:r>
+              <a:rPr lang="en-US" sz="2400" dirty="0" err="1" smtClean="0"/>
+              <a:t>rm</a:t>
+            </a:r>
+            <a:r>
+              <a:rPr lang="en-US" sz="2400" dirty="0" smtClean="0"/>
+              <a:t>” </a:t>
+            </a:r>
+            <a:r>
+              <a:rPr lang="en-US" sz="2400" dirty="0" err="1" smtClean="0"/>
+              <a:t>sert</a:t>
+            </a:r>
+            <a:r>
+              <a:rPr lang="en-US" sz="2400" dirty="0" smtClean="0"/>
+              <a:t> à </a:t>
+            </a:r>
+            <a:r>
+              <a:rPr lang="en-US" sz="2400" dirty="0" err="1" smtClean="0"/>
+              <a:t>éliminer</a:t>
+            </a:r>
+            <a:r>
+              <a:rPr lang="en-US" sz="2400" dirty="0" smtClean="0"/>
+              <a:t> </a:t>
+            </a:r>
+            <a:r>
+              <a:rPr lang="en-US" sz="2400" dirty="0" err="1" smtClean="0"/>
+              <a:t>l’image</a:t>
+            </a:r>
+            <a:r>
+              <a:rPr lang="en-US" sz="2400" dirty="0" smtClean="0"/>
+              <a:t> container </a:t>
+            </a:r>
+            <a:r>
+              <a:rPr lang="en-US" sz="2400" dirty="0" err="1" smtClean="0"/>
+              <a:t>créée</a:t>
+            </a:r>
+            <a:r>
+              <a:rPr lang="en-US" sz="2400" dirty="0" smtClean="0"/>
+              <a:t>, </a:t>
+            </a:r>
+            <a:r>
+              <a:rPr lang="en-US" sz="2400" dirty="0" err="1" smtClean="0"/>
+              <a:t>l’option</a:t>
+            </a:r>
+            <a:r>
+              <a:rPr lang="en-US" sz="2400" dirty="0" smtClean="0"/>
+              <a:t> “-it” </a:t>
+            </a:r>
+            <a:r>
+              <a:rPr lang="en-US" sz="2400" dirty="0" err="1" smtClean="0"/>
+              <a:t>est</a:t>
+            </a:r>
+            <a:r>
+              <a:rPr lang="en-US" sz="2400" dirty="0" smtClean="0"/>
+              <a:t> pour le mode </a:t>
+            </a:r>
+            <a:r>
+              <a:rPr lang="en-US" sz="2400" dirty="0" err="1" smtClean="0"/>
+              <a:t>interactif</a:t>
+            </a:r>
+            <a:r>
+              <a:rPr lang="en-US" sz="2400" dirty="0" smtClean="0"/>
+              <a:t>, </a:t>
+            </a:r>
+            <a:r>
+              <a:rPr lang="en-US" sz="2400" dirty="0" err="1" smtClean="0"/>
+              <a:t>l’option</a:t>
+            </a:r>
+            <a:r>
+              <a:rPr lang="en-US" sz="2400" dirty="0" smtClean="0"/>
+              <a:t> “-v” </a:t>
+            </a:r>
+            <a:r>
+              <a:rPr lang="en-US" sz="2400" dirty="0" err="1" smtClean="0"/>
+              <a:t>est</a:t>
+            </a:r>
+            <a:r>
+              <a:rPr lang="en-US" sz="2400" dirty="0" smtClean="0"/>
+              <a:t> pour </a:t>
+            </a:r>
+            <a:r>
+              <a:rPr lang="en-US" sz="2400" dirty="0" err="1" smtClean="0"/>
+              <a:t>monter</a:t>
+            </a:r>
+            <a:r>
+              <a:rPr lang="en-US" sz="2400" dirty="0" smtClean="0"/>
+              <a:t> un volume container /</a:t>
+            </a:r>
+            <a:r>
+              <a:rPr lang="en-US" sz="2400" dirty="0" err="1" smtClean="0"/>
+              <a:t>config</a:t>
+            </a:r>
+            <a:r>
+              <a:rPr lang="en-US" sz="2400" dirty="0" smtClean="0"/>
+              <a:t> </a:t>
+            </a:r>
+            <a:r>
+              <a:rPr lang="en-US" sz="2400" dirty="0" err="1" smtClean="0"/>
+              <a:t>associé</a:t>
+            </a:r>
+            <a:r>
+              <a:rPr lang="en-US" sz="2400" dirty="0" smtClean="0"/>
+              <a:t> au sous-repertoire </a:t>
+            </a:r>
+            <a:r>
+              <a:rPr lang="en-US" sz="2400" dirty="0" err="1" smtClean="0"/>
+              <a:t>videos_images</a:t>
+            </a:r>
+            <a:r>
+              <a:rPr lang="en-US" sz="2400" dirty="0" smtClean="0"/>
+              <a:t>, et les options sur la </a:t>
+            </a:r>
+            <a:r>
+              <a:rPr lang="en-US" sz="2400" dirty="0" err="1" smtClean="0"/>
+              <a:t>ligne</a:t>
+            </a:r>
+            <a:r>
+              <a:rPr lang="en-US" sz="2400" dirty="0" smtClean="0"/>
+              <a:t> “-r 1 …” </a:t>
+            </a:r>
+            <a:r>
+              <a:rPr lang="en-US" sz="2400" dirty="0" err="1" smtClean="0"/>
+              <a:t>sont</a:t>
+            </a:r>
+            <a:r>
+              <a:rPr lang="en-US" sz="2400" dirty="0" smtClean="0"/>
+              <a:t> </a:t>
+            </a:r>
+            <a:r>
+              <a:rPr lang="en-US" sz="2400" dirty="0" err="1" smtClean="0"/>
+              <a:t>celles</a:t>
+            </a:r>
+            <a:r>
+              <a:rPr lang="en-US" sz="2400" dirty="0" smtClean="0"/>
+              <a:t> de </a:t>
+            </a:r>
+            <a:r>
+              <a:rPr lang="en-US" sz="2400" dirty="0" err="1" smtClean="0"/>
+              <a:t>l’exécutable</a:t>
+            </a:r>
+            <a:r>
+              <a:rPr lang="en-US" sz="2400" dirty="0" smtClean="0"/>
+              <a:t> </a:t>
+            </a:r>
+            <a:r>
+              <a:rPr lang="en-US" sz="2400" dirty="0" err="1" smtClean="0"/>
+              <a:t>ffmpeg</a:t>
+            </a:r>
+            <a:r>
+              <a:rPr lang="en-US" sz="2400" dirty="0" smtClean="0"/>
+              <a:t>.</a:t>
+            </a:r>
+            <a:endParaRPr lang="en-US" sz="2400" dirty="0"/>
+          </a:p>
+          <a:p>
+            <a:endParaRPr lang="en-US" dirty="0"/>
+          </a:p>
+          <a:p>
+            <a:pPr marL="342900" indent="-342900">
+              <a:buFontTx/>
+              <a:buChar char="-"/>
+            </a:pPr>
+            <a:endParaRPr lang="fr-FR" dirty="0" smtClean="0"/>
+          </a:p>
+          <a:p>
+            <a:pPr marL="342900" indent="-342900">
+              <a:buFontTx/>
+              <a:buChar char="-"/>
+            </a:pPr>
+            <a:endParaRPr lang="fr-FR" dirty="0" smtClean="0"/>
+          </a:p>
+        </p:txBody>
+      </p:sp>
+      <p:sp>
+        <p:nvSpPr>
+          <p:cNvPr id="7" name="Espace réservé du texte 4"/>
+          <p:cNvSpPr txBox="1">
+            <a:spLocks/>
+          </p:cNvSpPr>
+          <p:nvPr/>
+        </p:nvSpPr>
+        <p:spPr>
+          <a:xfrm>
+            <a:off x="831849" y="1857083"/>
+            <a:ext cx="9740901" cy="4909477"/>
+          </a:xfrm>
+          <a:prstGeom prst="rect">
+            <a:avLst/>
+          </a:prstGeom>
+        </p:spPr>
+        <p:txBody>
+          <a:bodyPr vert="horz" lIns="91440" tIns="45720" rIns="91440" bIns="45720" rtlCol="0">
+            <a:normAutofit/>
+          </a:bodyPr>
+          <a:lstStyle>
+            <a:lvl1pPr marL="0" indent="0" algn="l" defTabSz="914400" rtl="0" eaLnBrk="1" latinLnBrk="0" hangingPunct="1">
+              <a:lnSpc>
+                <a:spcPct val="90000"/>
+              </a:lnSpc>
+              <a:spcBef>
+                <a:spcPts val="1000"/>
+              </a:spcBef>
+              <a:buFont typeface="Arial" panose="020B0604020202020204" pitchFamily="34" charset="0"/>
+              <a:buNone/>
+              <a:defRPr sz="2400" kern="1200">
+                <a:solidFill>
+                  <a:schemeClr val="tx1">
+                    <a:tint val="75000"/>
+                  </a:schemeClr>
+                </a:solidFill>
+                <a:latin typeface="+mn-lt"/>
+                <a:ea typeface="+mn-ea"/>
+                <a:cs typeface="+mn-cs"/>
+              </a:defRPr>
+            </a:lvl1pPr>
+            <a:lvl2pPr marL="457200" indent="0" algn="l" defTabSz="914400" rtl="0" eaLnBrk="1" latinLnBrk="0" hangingPunct="1">
+              <a:lnSpc>
+                <a:spcPct val="90000"/>
+              </a:lnSpc>
+              <a:spcBef>
+                <a:spcPts val="500"/>
+              </a:spcBef>
+              <a:buFont typeface="Arial" panose="020B0604020202020204" pitchFamily="34" charset="0"/>
+              <a:buNone/>
+              <a:defRPr sz="2000" kern="1200">
+                <a:solidFill>
+                  <a:schemeClr val="tx1">
+                    <a:tint val="75000"/>
+                  </a:schemeClr>
+                </a:solidFill>
+                <a:latin typeface="+mn-lt"/>
+                <a:ea typeface="+mn-ea"/>
+                <a:cs typeface="+mn-cs"/>
+              </a:defRPr>
+            </a:lvl2pPr>
+            <a:lvl3pPr marL="914400" indent="0" algn="l" defTabSz="914400" rtl="0" eaLnBrk="1" latinLnBrk="0" hangingPunct="1">
+              <a:lnSpc>
+                <a:spcPct val="90000"/>
+              </a:lnSpc>
+              <a:spcBef>
+                <a:spcPts val="500"/>
+              </a:spcBef>
+              <a:buFont typeface="Arial" panose="020B0604020202020204" pitchFamily="34" charset="0"/>
+              <a:buNone/>
+              <a:defRPr sz="1800" kern="1200">
+                <a:solidFill>
+                  <a:schemeClr val="tx1">
+                    <a:tint val="75000"/>
+                  </a:schemeClr>
+                </a:solidFill>
+                <a:latin typeface="+mn-lt"/>
+                <a:ea typeface="+mn-ea"/>
+                <a:cs typeface="+mn-cs"/>
+              </a:defRPr>
+            </a:lvl3pPr>
+            <a:lvl4pPr marL="1371600" indent="0" algn="l" defTabSz="914400" rtl="0" eaLnBrk="1" latinLnBrk="0" hangingPunct="1">
+              <a:lnSpc>
+                <a:spcPct val="90000"/>
+              </a:lnSpc>
+              <a:spcBef>
+                <a:spcPts val="500"/>
+              </a:spcBef>
+              <a:buFont typeface="Arial" panose="020B0604020202020204" pitchFamily="34" charset="0"/>
+              <a:buNone/>
+              <a:defRPr sz="1600" kern="1200">
+                <a:solidFill>
+                  <a:schemeClr val="tx1">
+                    <a:tint val="75000"/>
+                  </a:schemeClr>
+                </a:solidFill>
+                <a:latin typeface="+mn-lt"/>
+                <a:ea typeface="+mn-ea"/>
+                <a:cs typeface="+mn-cs"/>
+              </a:defRPr>
+            </a:lvl4pPr>
+            <a:lvl5pPr marL="1828800" indent="0" algn="l" defTabSz="914400" rtl="0" eaLnBrk="1" latinLnBrk="0" hangingPunct="1">
+              <a:lnSpc>
+                <a:spcPct val="90000"/>
+              </a:lnSpc>
+              <a:spcBef>
+                <a:spcPts val="500"/>
+              </a:spcBef>
+              <a:buFont typeface="Arial" panose="020B0604020202020204" pitchFamily="34" charset="0"/>
+              <a:buNone/>
+              <a:defRPr sz="1600" kern="1200">
+                <a:solidFill>
+                  <a:schemeClr val="tx1">
+                    <a:tint val="75000"/>
+                  </a:schemeClr>
+                </a:solidFill>
+                <a:latin typeface="+mn-lt"/>
+                <a:ea typeface="+mn-ea"/>
+                <a:cs typeface="+mn-cs"/>
+              </a:defRPr>
+            </a:lvl5pPr>
+            <a:lvl6pPr marL="2286000" indent="0" algn="l" defTabSz="914400" rtl="0" eaLnBrk="1" latinLnBrk="0" hangingPunct="1">
+              <a:lnSpc>
+                <a:spcPct val="90000"/>
+              </a:lnSpc>
+              <a:spcBef>
+                <a:spcPts val="500"/>
+              </a:spcBef>
+              <a:buFont typeface="Arial" panose="020B0604020202020204" pitchFamily="34" charset="0"/>
+              <a:buNone/>
+              <a:defRPr sz="1600" kern="1200">
+                <a:solidFill>
+                  <a:schemeClr val="tx1">
+                    <a:tint val="75000"/>
+                  </a:schemeClr>
+                </a:solidFill>
+                <a:latin typeface="+mn-lt"/>
+                <a:ea typeface="+mn-ea"/>
+                <a:cs typeface="+mn-cs"/>
+              </a:defRPr>
+            </a:lvl6pPr>
+            <a:lvl7pPr marL="2743200" indent="0" algn="l" defTabSz="914400" rtl="0" eaLnBrk="1" latinLnBrk="0" hangingPunct="1">
+              <a:lnSpc>
+                <a:spcPct val="90000"/>
+              </a:lnSpc>
+              <a:spcBef>
+                <a:spcPts val="500"/>
+              </a:spcBef>
+              <a:buFont typeface="Arial" panose="020B0604020202020204" pitchFamily="34" charset="0"/>
+              <a:buNone/>
+              <a:defRPr sz="1600" kern="1200">
+                <a:solidFill>
+                  <a:schemeClr val="tx1">
+                    <a:tint val="75000"/>
+                  </a:schemeClr>
+                </a:solidFill>
+                <a:latin typeface="+mn-lt"/>
+                <a:ea typeface="+mn-ea"/>
+                <a:cs typeface="+mn-cs"/>
+              </a:defRPr>
+            </a:lvl7pPr>
+            <a:lvl8pPr marL="3200400" indent="0" algn="l" defTabSz="914400" rtl="0" eaLnBrk="1" latinLnBrk="0" hangingPunct="1">
+              <a:lnSpc>
+                <a:spcPct val="90000"/>
+              </a:lnSpc>
+              <a:spcBef>
+                <a:spcPts val="500"/>
+              </a:spcBef>
+              <a:buFont typeface="Arial" panose="020B0604020202020204" pitchFamily="34" charset="0"/>
+              <a:buNone/>
+              <a:defRPr sz="1600" kern="1200">
+                <a:solidFill>
+                  <a:schemeClr val="tx1">
+                    <a:tint val="75000"/>
+                  </a:schemeClr>
+                </a:solidFill>
+                <a:latin typeface="+mn-lt"/>
+                <a:ea typeface="+mn-ea"/>
+                <a:cs typeface="+mn-cs"/>
+              </a:defRPr>
+            </a:lvl8pPr>
+            <a:lvl9pPr marL="3657600" indent="0" algn="l" defTabSz="914400" rtl="0" eaLnBrk="1" latinLnBrk="0" hangingPunct="1">
+              <a:lnSpc>
+                <a:spcPct val="90000"/>
+              </a:lnSpc>
+              <a:spcBef>
+                <a:spcPts val="500"/>
+              </a:spcBef>
+              <a:buFont typeface="Arial" panose="020B0604020202020204" pitchFamily="34" charset="0"/>
+              <a:buNone/>
+              <a:defRPr sz="1600" kern="1200">
+                <a:solidFill>
+                  <a:schemeClr val="tx1">
+                    <a:tint val="75000"/>
+                  </a:schemeClr>
+                </a:solidFill>
+                <a:latin typeface="+mn-lt"/>
+                <a:ea typeface="+mn-ea"/>
+                <a:cs typeface="+mn-cs"/>
+              </a:defRPr>
+            </a:lvl9pPr>
+          </a:lstStyle>
+          <a:p>
+            <a:pPr marL="342900" indent="-342900">
+              <a:buFontTx/>
+              <a:buChar char="-"/>
+            </a:pPr>
+            <a:endParaRPr lang="fr-FR" dirty="0" smtClean="0"/>
+          </a:p>
+          <a:p>
+            <a:pPr marL="342900" indent="-342900">
+              <a:buFontTx/>
+              <a:buChar char="-"/>
+            </a:pPr>
+            <a:endParaRPr lang="fr-FR" dirty="0" smtClean="0"/>
+          </a:p>
+          <a:p>
+            <a:pPr marL="342900" indent="-342900">
+              <a:buFontTx/>
+              <a:buChar char="-"/>
+            </a:pPr>
+            <a:endParaRPr lang="fr-FR" dirty="0" smtClean="0"/>
+          </a:p>
+        </p:txBody>
+      </p:sp>
+    </p:spTree>
+    <p:extLst>
+      <p:ext uri="{BB962C8B-B14F-4D97-AF65-F5344CB8AC3E}">
+        <p14:creationId xmlns:p14="http://schemas.microsoft.com/office/powerpoint/2010/main" val="2697584245"/>
+      </p:ext>
+    </p:extLst>
+  </p:cSld>
+  <p:clrMapOvr>
+    <a:masterClrMapping/>
+  </p:clrMapOvr>
+  <p:timing>
+    <p:tnLst>
+      <p:par>
+        <p:cTn id="1" dur="indefinite" restart="never" nodeType="tmRoot"/>
+      </p:par>
+    </p:tnLst>
+  </p:timing>
+</p:sld>
+</file>
+
+<file path=ppt/slides/slide63.xml><?xml version="1.0" encoding="utf-8"?>
+<p:sld xmlns:a="http://schemas.openxmlformats.org/drawingml/2006/main" xmlns:r="http://schemas.openxmlformats.org/officeDocument/2006/relationships" xmlns:p="http://schemas.openxmlformats.org/presentationml/2006/main">
+  <p:cSld>
+    <p:spTree>
+      <p:nvGrpSpPr>
+        <p:cNvPr id="1" name=""/>
+        <p:cNvGrpSpPr/>
+        <p:nvPr/>
+      </p:nvGrpSpPr>
+      <p:grpSpPr>
+        <a:xfrm>
+          <a:off x="0" y="0"/>
+          <a:ext cx="0" cy="0"/>
+          <a:chOff x="0" y="0"/>
+          <a:chExt cx="0" cy="0"/>
+        </a:xfrm>
+      </p:grpSpPr>
+      <p:sp>
+        <p:nvSpPr>
+          <p:cNvPr id="4" name="Titre 3"/>
+          <p:cNvSpPr>
+            <a:spLocks noGrp="1"/>
+          </p:cNvSpPr>
+          <p:nvPr>
+            <p:ph type="title"/>
+          </p:nvPr>
+        </p:nvSpPr>
+        <p:spPr>
+          <a:xfrm>
+            <a:off x="831850" y="889607"/>
+            <a:ext cx="11209354" cy="967476"/>
+          </a:xfrm>
+        </p:spPr>
+        <p:txBody>
+          <a:bodyPr>
+            <a:normAutofit/>
+          </a:bodyPr>
+          <a:lstStyle/>
+          <a:p>
+            <a:r>
+              <a:rPr lang="fr-FR" sz="3600" dirty="0" smtClean="0"/>
+              <a:t>Docker – Suppression d’une image du </a:t>
+            </a:r>
+            <a:r>
+              <a:rPr lang="fr-FR" sz="3600" dirty="0" err="1" smtClean="0"/>
+              <a:t>registry</a:t>
+            </a:r>
+            <a:endParaRPr lang="fr-FR" sz="3600" dirty="0"/>
+          </a:p>
+        </p:txBody>
+      </p:sp>
+      <p:sp>
+        <p:nvSpPr>
+          <p:cNvPr id="5" name="Espace réservé du texte 4"/>
+          <p:cNvSpPr>
+            <a:spLocks noGrp="1"/>
+          </p:cNvSpPr>
+          <p:nvPr>
+            <p:ph type="body" idx="1"/>
+          </p:nvPr>
+        </p:nvSpPr>
+        <p:spPr>
+          <a:xfrm>
+            <a:off x="831850" y="2021305"/>
+            <a:ext cx="10759786" cy="4379495"/>
+          </a:xfrm>
+        </p:spPr>
+        <p:txBody>
+          <a:bodyPr>
+            <a:normAutofit/>
+          </a:bodyPr>
+          <a:lstStyle/>
+          <a:p>
+            <a:r>
+              <a:rPr lang="fr-FR" dirty="0" smtClean="0"/>
+              <a:t>Le </a:t>
+            </a:r>
+            <a:r>
+              <a:rPr lang="fr-FR" dirty="0" err="1" smtClean="0"/>
+              <a:t>registry</a:t>
+            </a:r>
+            <a:r>
+              <a:rPr lang="fr-FR" dirty="0" smtClean="0"/>
+              <a:t> peut contenir des images inutiles.</a:t>
+            </a:r>
+          </a:p>
+          <a:p>
+            <a:r>
+              <a:rPr lang="fr-FR" dirty="0" smtClean="0"/>
+              <a:t>Pour voir le contenu du </a:t>
+            </a:r>
+            <a:r>
+              <a:rPr lang="fr-FR" dirty="0" err="1" smtClean="0"/>
+              <a:t>registry</a:t>
+            </a:r>
+            <a:r>
+              <a:rPr lang="fr-FR" dirty="0" smtClean="0"/>
+              <a:t>, il est possible :</a:t>
+            </a:r>
+          </a:p>
+          <a:p>
+            <a:pPr marL="342900" indent="-342900">
+              <a:buFontTx/>
+              <a:buChar char="-"/>
+            </a:pPr>
+            <a:r>
+              <a:rPr lang="fr-FR" dirty="0" smtClean="0"/>
+              <a:t>Soit de lister le contenu de /</a:t>
+            </a:r>
+            <a:r>
+              <a:rPr lang="fr-FR" dirty="0" err="1" smtClean="0"/>
+              <a:t>docker_data</a:t>
+            </a:r>
+            <a:r>
+              <a:rPr lang="fr-FR" dirty="0" smtClean="0"/>
+              <a:t>/images/docker/</a:t>
+            </a:r>
+            <a:r>
+              <a:rPr lang="fr-FR" dirty="0" err="1" smtClean="0"/>
+              <a:t>registry</a:t>
+            </a:r>
+            <a:r>
+              <a:rPr lang="fr-FR" dirty="0" smtClean="0"/>
+              <a:t>/v2/</a:t>
+            </a:r>
+            <a:r>
+              <a:rPr lang="fr-FR" dirty="0" err="1" smtClean="0"/>
+              <a:t>repositories</a:t>
+            </a:r>
+            <a:endParaRPr lang="fr-FR" dirty="0"/>
+          </a:p>
+          <a:p>
+            <a:pPr marL="342900" indent="-342900">
+              <a:buFontTx/>
+              <a:buChar char="-"/>
+            </a:pPr>
+            <a:r>
+              <a:rPr lang="fr-FR" dirty="0" smtClean="0"/>
+              <a:t>Soit d’aller à l’URL </a:t>
+            </a:r>
+            <a:r>
+              <a:rPr lang="fr-FR" dirty="0" smtClean="0">
+                <a:hlinkClick r:id="rId2"/>
+              </a:rPr>
+              <a:t>https://localhost:5000/v2/_catalog</a:t>
+            </a:r>
+            <a:r>
+              <a:rPr lang="fr-FR" dirty="0" smtClean="0"/>
+              <a:t> avec un navigateur</a:t>
+            </a:r>
+          </a:p>
+          <a:p>
+            <a:endParaRPr lang="fr-FR" dirty="0"/>
+          </a:p>
+          <a:p>
+            <a:r>
+              <a:rPr lang="fr-FR" dirty="0" smtClean="0"/>
+              <a:t>Pour supprimer une image du </a:t>
+            </a:r>
+            <a:r>
+              <a:rPr lang="fr-FR" dirty="0" err="1" smtClean="0"/>
+              <a:t>registry</a:t>
+            </a:r>
+            <a:r>
+              <a:rPr lang="fr-FR" dirty="0"/>
+              <a:t> </a:t>
+            </a:r>
+            <a:r>
+              <a:rPr lang="fr-FR" dirty="0" smtClean="0"/>
+              <a:t>(exemple : </a:t>
+            </a:r>
+            <a:r>
+              <a:rPr lang="fr-FR" dirty="0" err="1" smtClean="0"/>
+              <a:t>new_ubuntu</a:t>
+            </a:r>
+            <a:r>
+              <a:rPr lang="fr-FR" dirty="0" smtClean="0"/>
+              <a:t>): </a:t>
+            </a:r>
+          </a:p>
+          <a:p>
+            <a:pPr lvl="1"/>
+            <a:r>
+              <a:rPr lang="fr-FR" dirty="0"/>
+              <a:t>d</a:t>
+            </a:r>
+            <a:r>
+              <a:rPr lang="fr-FR" dirty="0" smtClean="0"/>
+              <a:t>ocker </a:t>
+            </a:r>
+            <a:r>
+              <a:rPr lang="fr-FR" dirty="0" err="1" smtClean="0"/>
+              <a:t>exec</a:t>
+            </a:r>
+            <a:r>
+              <a:rPr lang="fr-FR" dirty="0" smtClean="0"/>
+              <a:t> –ti –</a:t>
+            </a:r>
+            <a:r>
+              <a:rPr lang="fr-FR" dirty="0" err="1" smtClean="0"/>
+              <a:t>privileged</a:t>
+            </a:r>
+            <a:r>
+              <a:rPr lang="fr-FR" dirty="0" smtClean="0"/>
+              <a:t> </a:t>
+            </a:r>
+            <a:r>
+              <a:rPr lang="fr-FR" dirty="0" err="1" smtClean="0"/>
+              <a:t>containerregistry</a:t>
+            </a:r>
+            <a:r>
+              <a:rPr lang="fr-FR" dirty="0" smtClean="0"/>
+              <a:t> bin/sh</a:t>
+            </a:r>
+          </a:p>
+          <a:p>
+            <a:pPr lvl="2"/>
+            <a:r>
+              <a:rPr lang="fr-FR" dirty="0"/>
+              <a:t>c</a:t>
+            </a:r>
+            <a:r>
+              <a:rPr lang="fr-FR" dirty="0" smtClean="0"/>
+              <a:t>d /var/lib/</a:t>
+            </a:r>
+            <a:r>
+              <a:rPr lang="fr-FR" dirty="0" err="1" smtClean="0"/>
+              <a:t>registry</a:t>
+            </a:r>
+            <a:r>
+              <a:rPr lang="fr-FR" dirty="0" smtClean="0"/>
+              <a:t>/docker/</a:t>
+            </a:r>
+            <a:r>
+              <a:rPr lang="fr-FR" dirty="0" err="1" smtClean="0"/>
+              <a:t>registry</a:t>
+            </a:r>
+            <a:r>
+              <a:rPr lang="fr-FR" dirty="0" smtClean="0"/>
+              <a:t>/v2</a:t>
+            </a:r>
+          </a:p>
+          <a:p>
+            <a:pPr lvl="2"/>
+            <a:r>
+              <a:rPr lang="fr-FR" dirty="0" smtClean="0"/>
+              <a:t>m -</a:t>
+            </a:r>
+            <a:r>
+              <a:rPr lang="fr-FR" dirty="0" err="1" smtClean="0"/>
+              <a:t>rf</a:t>
+            </a:r>
+            <a:r>
+              <a:rPr lang="fr-FR" dirty="0" smtClean="0"/>
+              <a:t> </a:t>
+            </a:r>
+            <a:r>
+              <a:rPr lang="fr-FR" dirty="0" err="1" smtClean="0"/>
+              <a:t>new_ubuntu</a:t>
+            </a:r>
+            <a:endParaRPr lang="fr-FR" dirty="0" smtClean="0"/>
+          </a:p>
+          <a:p>
+            <a:pPr lvl="2"/>
+            <a:r>
+              <a:rPr lang="fr-FR" dirty="0"/>
+              <a:t>e</a:t>
+            </a:r>
+            <a:r>
+              <a:rPr lang="fr-FR" dirty="0" smtClean="0"/>
+              <a:t>xit</a:t>
+            </a:r>
+          </a:p>
+          <a:p>
+            <a:endParaRPr lang="fr-FR" dirty="0" smtClean="0"/>
+          </a:p>
+          <a:p>
+            <a:pPr marL="342900" indent="-342900">
+              <a:buFontTx/>
+              <a:buChar char="-"/>
+            </a:pPr>
+            <a:endParaRPr lang="fr-FR" dirty="0" smtClean="0"/>
+          </a:p>
+        </p:txBody>
+      </p:sp>
+      <p:sp>
+        <p:nvSpPr>
+          <p:cNvPr id="7" name="Espace réservé du texte 4"/>
+          <p:cNvSpPr txBox="1">
+            <a:spLocks/>
+          </p:cNvSpPr>
+          <p:nvPr/>
+        </p:nvSpPr>
+        <p:spPr>
+          <a:xfrm>
+            <a:off x="831849" y="1857083"/>
+            <a:ext cx="9740901" cy="4909477"/>
+          </a:xfrm>
+          <a:prstGeom prst="rect">
+            <a:avLst/>
+          </a:prstGeom>
+        </p:spPr>
+        <p:txBody>
+          <a:bodyPr vert="horz" lIns="91440" tIns="45720" rIns="91440" bIns="45720" rtlCol="0">
+            <a:normAutofit/>
+          </a:bodyPr>
+          <a:lstStyle>
+            <a:lvl1pPr marL="0" indent="0" algn="l" defTabSz="914400" rtl="0" eaLnBrk="1" latinLnBrk="0" hangingPunct="1">
+              <a:lnSpc>
+                <a:spcPct val="90000"/>
+              </a:lnSpc>
+              <a:spcBef>
+                <a:spcPts val="1000"/>
+              </a:spcBef>
+              <a:buFont typeface="Arial" panose="020B0604020202020204" pitchFamily="34" charset="0"/>
+              <a:buNone/>
+              <a:defRPr sz="2400" kern="1200">
+                <a:solidFill>
+                  <a:schemeClr val="tx1">
+                    <a:tint val="75000"/>
+                  </a:schemeClr>
+                </a:solidFill>
+                <a:latin typeface="+mn-lt"/>
+                <a:ea typeface="+mn-ea"/>
+                <a:cs typeface="+mn-cs"/>
+              </a:defRPr>
+            </a:lvl1pPr>
+            <a:lvl2pPr marL="457200" indent="0" algn="l" defTabSz="914400" rtl="0" eaLnBrk="1" latinLnBrk="0" hangingPunct="1">
+              <a:lnSpc>
+                <a:spcPct val="90000"/>
+              </a:lnSpc>
+              <a:spcBef>
+                <a:spcPts val="500"/>
+              </a:spcBef>
+              <a:buFont typeface="Arial" panose="020B0604020202020204" pitchFamily="34" charset="0"/>
+              <a:buNone/>
+              <a:defRPr sz="2000" kern="1200">
+                <a:solidFill>
+                  <a:schemeClr val="tx1">
+                    <a:tint val="75000"/>
+                  </a:schemeClr>
+                </a:solidFill>
+                <a:latin typeface="+mn-lt"/>
+                <a:ea typeface="+mn-ea"/>
+                <a:cs typeface="+mn-cs"/>
+              </a:defRPr>
+            </a:lvl2pPr>
+            <a:lvl3pPr marL="914400" indent="0" algn="l" defTabSz="914400" rtl="0" eaLnBrk="1" latinLnBrk="0" hangingPunct="1">
+              <a:lnSpc>
+                <a:spcPct val="90000"/>
+              </a:lnSpc>
+              <a:spcBef>
+                <a:spcPts val="500"/>
+              </a:spcBef>
+              <a:buFont typeface="Arial" panose="020B0604020202020204" pitchFamily="34" charset="0"/>
+              <a:buNone/>
+              <a:defRPr sz="1800" kern="1200">
+                <a:solidFill>
+                  <a:schemeClr val="tx1">
+                    <a:tint val="75000"/>
+                  </a:schemeClr>
+                </a:solidFill>
+                <a:latin typeface="+mn-lt"/>
+                <a:ea typeface="+mn-ea"/>
+                <a:cs typeface="+mn-cs"/>
+              </a:defRPr>
+            </a:lvl3pPr>
+            <a:lvl4pPr marL="1371600" indent="0" algn="l" defTabSz="914400" rtl="0" eaLnBrk="1" latinLnBrk="0" hangingPunct="1">
+              <a:lnSpc>
+                <a:spcPct val="90000"/>
+              </a:lnSpc>
+              <a:spcBef>
+                <a:spcPts val="500"/>
+              </a:spcBef>
+              <a:buFont typeface="Arial" panose="020B0604020202020204" pitchFamily="34" charset="0"/>
+              <a:buNone/>
+              <a:defRPr sz="1600" kern="1200">
+                <a:solidFill>
+                  <a:schemeClr val="tx1">
+                    <a:tint val="75000"/>
+                  </a:schemeClr>
+                </a:solidFill>
+                <a:latin typeface="+mn-lt"/>
+                <a:ea typeface="+mn-ea"/>
+                <a:cs typeface="+mn-cs"/>
+              </a:defRPr>
+            </a:lvl4pPr>
+            <a:lvl5pPr marL="1828800" indent="0" algn="l" defTabSz="914400" rtl="0" eaLnBrk="1" latinLnBrk="0" hangingPunct="1">
+              <a:lnSpc>
+                <a:spcPct val="90000"/>
+              </a:lnSpc>
+              <a:spcBef>
+                <a:spcPts val="500"/>
+              </a:spcBef>
+              <a:buFont typeface="Arial" panose="020B0604020202020204" pitchFamily="34" charset="0"/>
+              <a:buNone/>
+              <a:defRPr sz="1600" kern="1200">
+                <a:solidFill>
+                  <a:schemeClr val="tx1">
+                    <a:tint val="75000"/>
+                  </a:schemeClr>
+                </a:solidFill>
+                <a:latin typeface="+mn-lt"/>
+                <a:ea typeface="+mn-ea"/>
+                <a:cs typeface="+mn-cs"/>
+              </a:defRPr>
+            </a:lvl5pPr>
+            <a:lvl6pPr marL="2286000" indent="0" algn="l" defTabSz="914400" rtl="0" eaLnBrk="1" latinLnBrk="0" hangingPunct="1">
+              <a:lnSpc>
+                <a:spcPct val="90000"/>
+              </a:lnSpc>
+              <a:spcBef>
+                <a:spcPts val="500"/>
+              </a:spcBef>
+              <a:buFont typeface="Arial" panose="020B0604020202020204" pitchFamily="34" charset="0"/>
+              <a:buNone/>
+              <a:defRPr sz="1600" kern="1200">
+                <a:solidFill>
+                  <a:schemeClr val="tx1">
+                    <a:tint val="75000"/>
+                  </a:schemeClr>
+                </a:solidFill>
+                <a:latin typeface="+mn-lt"/>
+                <a:ea typeface="+mn-ea"/>
+                <a:cs typeface="+mn-cs"/>
+              </a:defRPr>
+            </a:lvl6pPr>
+            <a:lvl7pPr marL="2743200" indent="0" algn="l" defTabSz="914400" rtl="0" eaLnBrk="1" latinLnBrk="0" hangingPunct="1">
+              <a:lnSpc>
+                <a:spcPct val="90000"/>
+              </a:lnSpc>
+              <a:spcBef>
+                <a:spcPts val="500"/>
+              </a:spcBef>
+              <a:buFont typeface="Arial" panose="020B0604020202020204" pitchFamily="34" charset="0"/>
+              <a:buNone/>
+              <a:defRPr sz="1600" kern="1200">
+                <a:solidFill>
+                  <a:schemeClr val="tx1">
+                    <a:tint val="75000"/>
+                  </a:schemeClr>
+                </a:solidFill>
+                <a:latin typeface="+mn-lt"/>
+                <a:ea typeface="+mn-ea"/>
+                <a:cs typeface="+mn-cs"/>
+              </a:defRPr>
+            </a:lvl7pPr>
+            <a:lvl8pPr marL="3200400" indent="0" algn="l" defTabSz="914400" rtl="0" eaLnBrk="1" latinLnBrk="0" hangingPunct="1">
+              <a:lnSpc>
+                <a:spcPct val="90000"/>
+              </a:lnSpc>
+              <a:spcBef>
+                <a:spcPts val="500"/>
+              </a:spcBef>
+              <a:buFont typeface="Arial" panose="020B0604020202020204" pitchFamily="34" charset="0"/>
+              <a:buNone/>
+              <a:defRPr sz="1600" kern="1200">
+                <a:solidFill>
+                  <a:schemeClr val="tx1">
+                    <a:tint val="75000"/>
+                  </a:schemeClr>
+                </a:solidFill>
+                <a:latin typeface="+mn-lt"/>
+                <a:ea typeface="+mn-ea"/>
+                <a:cs typeface="+mn-cs"/>
+              </a:defRPr>
+            </a:lvl8pPr>
+            <a:lvl9pPr marL="3657600" indent="0" algn="l" defTabSz="914400" rtl="0" eaLnBrk="1" latinLnBrk="0" hangingPunct="1">
+              <a:lnSpc>
+                <a:spcPct val="90000"/>
+              </a:lnSpc>
+              <a:spcBef>
+                <a:spcPts val="500"/>
+              </a:spcBef>
+              <a:buFont typeface="Arial" panose="020B0604020202020204" pitchFamily="34" charset="0"/>
+              <a:buNone/>
+              <a:defRPr sz="1600" kern="1200">
+                <a:solidFill>
+                  <a:schemeClr val="tx1">
+                    <a:tint val="75000"/>
+                  </a:schemeClr>
+                </a:solidFill>
+                <a:latin typeface="+mn-lt"/>
+                <a:ea typeface="+mn-ea"/>
+                <a:cs typeface="+mn-cs"/>
+              </a:defRPr>
+            </a:lvl9pPr>
+          </a:lstStyle>
+          <a:p>
+            <a:pPr marL="342900" indent="-342900">
+              <a:buFontTx/>
+              <a:buChar char="-"/>
+            </a:pPr>
+            <a:endParaRPr lang="fr-FR" dirty="0" smtClean="0"/>
+          </a:p>
+          <a:p>
+            <a:pPr marL="342900" indent="-342900">
+              <a:buFontTx/>
+              <a:buChar char="-"/>
+            </a:pPr>
+            <a:endParaRPr lang="fr-FR" dirty="0" smtClean="0"/>
+          </a:p>
+          <a:p>
+            <a:pPr marL="342900" indent="-342900">
+              <a:buFontTx/>
+              <a:buChar char="-"/>
+            </a:pPr>
+            <a:endParaRPr lang="fr-FR" dirty="0" smtClean="0"/>
+          </a:p>
+        </p:txBody>
+      </p:sp>
+    </p:spTree>
+    <p:extLst>
+      <p:ext uri="{BB962C8B-B14F-4D97-AF65-F5344CB8AC3E}">
+        <p14:creationId xmlns:p14="http://schemas.microsoft.com/office/powerpoint/2010/main" val="3873583822"/>
+      </p:ext>
+    </p:extLst>
+  </p:cSld>
+  <p:clrMapOvr>
+    <a:masterClrMapping/>
+  </p:clrMapOvr>
+  <p:timing>
+    <p:tnLst>
+      <p:par>
+        <p:cTn id="1" dur="indefinite" restart="never" nodeType="tmRoot"/>
+      </p:par>
+    </p:tnLst>
+  </p:timing>
+</p:sld>
+</file>
+
+<file path=ppt/slides/slide64.xml><?xml version="1.0" encoding="utf-8"?>
+<p:sld xmlns:a="http://schemas.openxmlformats.org/drawingml/2006/main" xmlns:r="http://schemas.openxmlformats.org/officeDocument/2006/relationships" xmlns:p="http://schemas.openxmlformats.org/presentationml/2006/main">
+  <p:cSld>
+    <p:spTree>
+      <p:nvGrpSpPr>
+        <p:cNvPr id="1" name=""/>
+        <p:cNvGrpSpPr/>
+        <p:nvPr/>
+      </p:nvGrpSpPr>
+      <p:grpSpPr>
+        <a:xfrm>
+          <a:off x="0" y="0"/>
+          <a:ext cx="0" cy="0"/>
+          <a:chOff x="0" y="0"/>
+          <a:chExt cx="0" cy="0"/>
+        </a:xfrm>
+      </p:grpSpPr>
+      <p:sp>
+        <p:nvSpPr>
+          <p:cNvPr id="4" name="Titre 3"/>
+          <p:cNvSpPr>
+            <a:spLocks noGrp="1"/>
+          </p:cNvSpPr>
+          <p:nvPr>
+            <p:ph type="title"/>
+          </p:nvPr>
+        </p:nvSpPr>
+        <p:spPr>
+          <a:xfrm>
+            <a:off x="831850" y="889607"/>
+            <a:ext cx="11209354" cy="967476"/>
+          </a:xfrm>
+        </p:spPr>
+        <p:txBody>
+          <a:bodyPr>
+            <a:normAutofit/>
+          </a:bodyPr>
+          <a:lstStyle/>
+          <a:p>
+            <a:r>
+              <a:rPr lang="fr-FR" sz="3600" dirty="0" smtClean="0"/>
+              <a:t>Docker – Application docker python</a:t>
+            </a:r>
+            <a:endParaRPr lang="fr-FR" sz="3600" dirty="0"/>
+          </a:p>
+        </p:txBody>
+      </p:sp>
+      <p:sp>
+        <p:nvSpPr>
+          <p:cNvPr id="5" name="Espace réservé du texte 4"/>
+          <p:cNvSpPr>
+            <a:spLocks noGrp="1"/>
+          </p:cNvSpPr>
+          <p:nvPr>
+            <p:ph type="body" idx="1"/>
+          </p:nvPr>
+        </p:nvSpPr>
+        <p:spPr>
+          <a:xfrm>
+            <a:off x="831850" y="2021305"/>
+            <a:ext cx="10759786" cy="4379495"/>
+          </a:xfrm>
+        </p:spPr>
+        <p:txBody>
+          <a:bodyPr>
+            <a:normAutofit fontScale="62500" lnSpcReduction="20000"/>
+          </a:bodyPr>
+          <a:lstStyle/>
+          <a:p>
+            <a:r>
+              <a:rPr lang="fr-FR" dirty="0" smtClean="0"/>
+              <a:t>Je fais un exemple d’application python docker.</a:t>
+            </a:r>
+          </a:p>
+          <a:p>
+            <a:r>
+              <a:rPr lang="fr-FR" dirty="0" smtClean="0"/>
+              <a:t>J’utilise pour cela le script python TutteEmbedding.py de tracé de graphe.</a:t>
+            </a:r>
+          </a:p>
+          <a:p>
+            <a:r>
+              <a:rPr lang="fr-FR" dirty="0" smtClean="0"/>
+              <a:t>Celui-ci nécessite des modules python qui ne sont pas proposés par l’official image python de docker : </a:t>
+            </a:r>
+            <a:r>
+              <a:rPr lang="fr-FR" dirty="0" err="1" smtClean="0"/>
+              <a:t>networkx</a:t>
+            </a:r>
+            <a:r>
+              <a:rPr lang="fr-FR" dirty="0" smtClean="0"/>
+              <a:t>, </a:t>
+            </a:r>
+            <a:r>
+              <a:rPr lang="fr-FR" dirty="0" err="1" smtClean="0"/>
+              <a:t>matplotlib</a:t>
+            </a:r>
+            <a:r>
+              <a:rPr lang="fr-FR" dirty="0" smtClean="0"/>
+              <a:t>, </a:t>
+            </a:r>
+            <a:r>
+              <a:rPr lang="fr-FR" dirty="0" err="1" smtClean="0"/>
+              <a:t>numpy</a:t>
+            </a:r>
+            <a:r>
+              <a:rPr lang="fr-FR" dirty="0" smtClean="0"/>
+              <a:t>. C’est la raison pour laquelle j’expérimente l’image faite par </a:t>
+            </a:r>
+            <a:r>
+              <a:rPr lang="fr-FR" dirty="0" err="1" smtClean="0"/>
+              <a:t>Faizan</a:t>
+            </a:r>
+            <a:r>
+              <a:rPr lang="fr-FR" dirty="0" smtClean="0"/>
+              <a:t> </a:t>
+            </a:r>
+            <a:r>
+              <a:rPr lang="fr-FR" dirty="0" err="1" smtClean="0"/>
+              <a:t>Bashir</a:t>
+            </a:r>
+            <a:r>
+              <a:rPr lang="fr-FR" dirty="0" smtClean="0"/>
+              <a:t> en 2019 (et basée sur « alpine »)  comme expliqu</a:t>
+            </a:r>
+            <a:r>
+              <a:rPr lang="fr-FR" dirty="0"/>
+              <a:t>é ici : </a:t>
+            </a:r>
+            <a:r>
+              <a:rPr lang="fr-FR" dirty="0">
+                <a:hlinkClick r:id="rId2"/>
+              </a:rPr>
+              <a:t>https://www.freecodecamp.org/news/building-python-data-science-container-using-docker</a:t>
+            </a:r>
+            <a:r>
+              <a:rPr lang="fr-FR" dirty="0" smtClean="0">
+                <a:hlinkClick r:id="rId2"/>
+              </a:rPr>
+              <a:t>/</a:t>
+            </a:r>
+            <a:r>
+              <a:rPr lang="fr-FR" dirty="0"/>
+              <a:t>   et ici </a:t>
+            </a:r>
+            <a:r>
+              <a:rPr lang="fr-FR" dirty="0">
+                <a:hlinkClick r:id="rId3"/>
+              </a:rPr>
+              <a:t>https://</a:t>
+            </a:r>
+            <a:r>
+              <a:rPr lang="fr-FR" dirty="0" smtClean="0">
+                <a:hlinkClick r:id="rId3"/>
+              </a:rPr>
+              <a:t>github.com/faizanbashir/python-datascience</a:t>
+            </a:r>
+            <a:r>
+              <a:rPr lang="fr-FR" dirty="0" smtClean="0"/>
+              <a:t> (pour le README.md et surtout </a:t>
+            </a:r>
+            <a:r>
+              <a:rPr lang="fr-FR" dirty="0" err="1" smtClean="0"/>
+              <a:t>Dockerfile</a:t>
+            </a:r>
+            <a:r>
+              <a:rPr lang="fr-FR" dirty="0" smtClean="0"/>
+              <a:t>) et sous docker </a:t>
+            </a:r>
+            <a:r>
+              <a:rPr lang="fr-FR" dirty="0"/>
+              <a:t>hub l’image : </a:t>
+            </a:r>
+            <a:r>
+              <a:rPr lang="fr-FR" dirty="0">
+                <a:hlinkClick r:id="rId4"/>
+              </a:rPr>
+              <a:t>https://</a:t>
+            </a:r>
+            <a:r>
+              <a:rPr lang="fr-FR" dirty="0" smtClean="0">
+                <a:hlinkClick r:id="rId4"/>
+              </a:rPr>
+              <a:t>hub.docker.com/r/faizanbashir/python-datascience</a:t>
+            </a:r>
+            <a:r>
+              <a:rPr lang="fr-FR" dirty="0" smtClean="0"/>
+              <a:t> </a:t>
+            </a:r>
+          </a:p>
+          <a:p>
+            <a:endParaRPr lang="fr-FR" dirty="0" smtClean="0"/>
+          </a:p>
+          <a:p>
+            <a:r>
+              <a:rPr lang="fr-FR" dirty="0" smtClean="0"/>
+              <a:t>Pour vérifier les modules python(en particulier : </a:t>
+            </a:r>
+            <a:r>
+              <a:rPr lang="fr-FR" dirty="0" err="1" smtClean="0"/>
+              <a:t>matplotlib,numpy</a:t>
+            </a:r>
+            <a:r>
+              <a:rPr lang="fr-FR" dirty="0" smtClean="0"/>
+              <a:t>) inclus dans l’image :</a:t>
+            </a:r>
+          </a:p>
+          <a:p>
+            <a:pPr lvl="1"/>
+            <a:r>
+              <a:rPr lang="fr-FR" dirty="0"/>
+              <a:t>d</a:t>
+            </a:r>
+            <a:r>
+              <a:rPr lang="fr-FR" dirty="0" smtClean="0"/>
+              <a:t>ocker </a:t>
+            </a:r>
+            <a:r>
+              <a:rPr lang="fr-FR" dirty="0" err="1" smtClean="0"/>
+              <a:t>run</a:t>
+            </a:r>
+            <a:r>
+              <a:rPr lang="fr-FR" dirty="0" smtClean="0"/>
+              <a:t> –</a:t>
+            </a:r>
+            <a:r>
+              <a:rPr lang="fr-FR" dirty="0" err="1" smtClean="0"/>
+              <a:t>it</a:t>
+            </a:r>
+            <a:r>
+              <a:rPr lang="fr-FR" dirty="0" smtClean="0"/>
+              <a:t> –</a:t>
+            </a:r>
+            <a:r>
+              <a:rPr lang="fr-FR" dirty="0" err="1" smtClean="0"/>
+              <a:t>rm</a:t>
+            </a:r>
+            <a:r>
+              <a:rPr lang="fr-FR" dirty="0" smtClean="0"/>
+              <a:t> –</a:t>
+            </a:r>
+            <a:r>
+              <a:rPr lang="fr-FR" dirty="0" err="1" smtClean="0"/>
+              <a:t>name</a:t>
+            </a:r>
+            <a:r>
+              <a:rPr lang="fr-FR" dirty="0" smtClean="0"/>
+              <a:t> </a:t>
+            </a:r>
+            <a:r>
+              <a:rPr lang="fr-FR" dirty="0" err="1" smtClean="0"/>
+              <a:t>myscriptpython</a:t>
+            </a:r>
+            <a:r>
+              <a:rPr lang="fr-FR" dirty="0" smtClean="0"/>
+              <a:t> –v « $PWD »:/</a:t>
+            </a:r>
+            <a:r>
+              <a:rPr lang="fr-FR" dirty="0" err="1" smtClean="0"/>
+              <a:t>usr</a:t>
+            </a:r>
+            <a:r>
+              <a:rPr lang="fr-FR" dirty="0" smtClean="0"/>
+              <a:t>/</a:t>
+            </a:r>
+            <a:r>
+              <a:rPr lang="fr-FR" dirty="0" err="1" smtClean="0"/>
+              <a:t>src</a:t>
+            </a:r>
+            <a:r>
+              <a:rPr lang="fr-FR" dirty="0" smtClean="0"/>
+              <a:t>/</a:t>
+            </a:r>
+            <a:r>
+              <a:rPr lang="fr-FR" dirty="0" err="1" smtClean="0"/>
+              <a:t>myapp</a:t>
+            </a:r>
+            <a:r>
+              <a:rPr lang="fr-FR" dirty="0" smtClean="0"/>
+              <a:t> –w /</a:t>
+            </a:r>
+            <a:r>
+              <a:rPr lang="fr-FR" dirty="0" err="1" smtClean="0"/>
+              <a:t>usr</a:t>
+            </a:r>
+            <a:r>
+              <a:rPr lang="fr-FR" dirty="0" smtClean="0"/>
+              <a:t>/</a:t>
+            </a:r>
+            <a:r>
+              <a:rPr lang="fr-FR" dirty="0" err="1" smtClean="0"/>
+              <a:t>src</a:t>
+            </a:r>
+            <a:r>
+              <a:rPr lang="fr-FR" dirty="0" smtClean="0"/>
+              <a:t>/</a:t>
+            </a:r>
+            <a:r>
+              <a:rPr lang="fr-FR" dirty="0" err="1" smtClean="0"/>
+              <a:t>myapp</a:t>
+            </a:r>
+            <a:r>
+              <a:rPr lang="fr-FR" dirty="0" smtClean="0"/>
+              <a:t> </a:t>
+            </a:r>
+            <a:r>
+              <a:rPr lang="fr-FR" dirty="0" err="1" smtClean="0"/>
+              <a:t>faizanbashir</a:t>
+            </a:r>
+            <a:r>
+              <a:rPr lang="fr-FR" dirty="0" smtClean="0"/>
+              <a:t>/python-datascience:2.7 python –c  ‘help(« modules »)’</a:t>
+            </a:r>
+          </a:p>
+          <a:p>
+            <a:r>
+              <a:rPr lang="fr-FR" dirty="0" smtClean="0"/>
+              <a:t>Enlever la fin (-c …) pour lancer l’interpréteur python en interactif.</a:t>
+            </a:r>
+          </a:p>
+          <a:p>
+            <a:r>
+              <a:rPr lang="fr-FR" dirty="0" smtClean="0"/>
+              <a:t>Créer une arborescence sous le système de fichiers </a:t>
+            </a:r>
+            <a:r>
+              <a:rPr lang="fr-FR" dirty="0" err="1" smtClean="0"/>
+              <a:t>hote</a:t>
+            </a:r>
+            <a:r>
+              <a:rPr lang="fr-FR" dirty="0" smtClean="0"/>
+              <a:t> en </a:t>
+            </a:r>
+            <a:r>
+              <a:rPr lang="fr-FR" dirty="0" err="1" smtClean="0"/>
+              <a:t>mettrant</a:t>
+            </a:r>
+            <a:r>
+              <a:rPr lang="fr-FR" dirty="0" smtClean="0"/>
+              <a:t> dans un répertoire les sources python (fichiers </a:t>
+            </a:r>
+            <a:r>
+              <a:rPr lang="fr-FR" dirty="0" err="1" smtClean="0"/>
+              <a:t>sripts</a:t>
+            </a:r>
+            <a:r>
+              <a:rPr lang="fr-FR" dirty="0" smtClean="0"/>
+              <a:t> TutteEmbedding.py et decorator.py, répertoire </a:t>
+            </a:r>
+            <a:r>
+              <a:rPr lang="fr-FR" dirty="0" err="1" smtClean="0"/>
+              <a:t>networkx</a:t>
+            </a:r>
+            <a:r>
+              <a:rPr lang="fr-FR" dirty="0" smtClean="0"/>
+              <a:t>) puis lancer la compilation (récursive) par :</a:t>
+            </a:r>
+          </a:p>
+          <a:p>
+            <a:pPr lvl="1"/>
+            <a:r>
+              <a:rPr lang="fr-FR" dirty="0"/>
+              <a:t>docker </a:t>
+            </a:r>
+            <a:r>
+              <a:rPr lang="fr-FR" dirty="0" err="1"/>
+              <a:t>run</a:t>
+            </a:r>
+            <a:r>
+              <a:rPr lang="fr-FR" dirty="0"/>
+              <a:t> –</a:t>
+            </a:r>
+            <a:r>
+              <a:rPr lang="fr-FR" dirty="0" err="1"/>
+              <a:t>it</a:t>
+            </a:r>
+            <a:r>
+              <a:rPr lang="fr-FR" dirty="0"/>
+              <a:t> –</a:t>
+            </a:r>
+            <a:r>
+              <a:rPr lang="fr-FR" dirty="0" err="1"/>
+              <a:t>rm</a:t>
+            </a:r>
+            <a:r>
+              <a:rPr lang="fr-FR" dirty="0"/>
+              <a:t> –</a:t>
+            </a:r>
+            <a:r>
+              <a:rPr lang="fr-FR" dirty="0" err="1"/>
+              <a:t>name</a:t>
+            </a:r>
+            <a:r>
+              <a:rPr lang="fr-FR" dirty="0"/>
+              <a:t> </a:t>
+            </a:r>
+            <a:r>
+              <a:rPr lang="fr-FR" dirty="0" err="1"/>
+              <a:t>myscriptpython</a:t>
+            </a:r>
+            <a:r>
+              <a:rPr lang="fr-FR" dirty="0"/>
+              <a:t> –v « $PWD »:/</a:t>
+            </a:r>
+            <a:r>
+              <a:rPr lang="fr-FR" dirty="0" err="1"/>
+              <a:t>usr</a:t>
+            </a:r>
+            <a:r>
+              <a:rPr lang="fr-FR" dirty="0"/>
+              <a:t>/</a:t>
+            </a:r>
+            <a:r>
+              <a:rPr lang="fr-FR" dirty="0" err="1"/>
+              <a:t>src</a:t>
+            </a:r>
+            <a:r>
+              <a:rPr lang="fr-FR" dirty="0"/>
+              <a:t>/</a:t>
+            </a:r>
+            <a:r>
+              <a:rPr lang="fr-FR" dirty="0" err="1"/>
+              <a:t>myapp</a:t>
+            </a:r>
+            <a:r>
+              <a:rPr lang="fr-FR" dirty="0"/>
+              <a:t> –w /</a:t>
+            </a:r>
+            <a:r>
+              <a:rPr lang="fr-FR" dirty="0" err="1"/>
+              <a:t>usr</a:t>
+            </a:r>
+            <a:r>
+              <a:rPr lang="fr-FR" dirty="0"/>
+              <a:t>/</a:t>
+            </a:r>
+            <a:r>
+              <a:rPr lang="fr-FR" dirty="0" err="1"/>
+              <a:t>src</a:t>
+            </a:r>
+            <a:r>
+              <a:rPr lang="fr-FR" dirty="0"/>
+              <a:t>/</a:t>
+            </a:r>
+            <a:r>
+              <a:rPr lang="fr-FR" dirty="0" err="1"/>
+              <a:t>myapp</a:t>
+            </a:r>
+            <a:r>
+              <a:rPr lang="fr-FR" dirty="0"/>
+              <a:t> </a:t>
+            </a:r>
+            <a:r>
+              <a:rPr lang="fr-FR" dirty="0" err="1"/>
+              <a:t>faizanbashir</a:t>
+            </a:r>
+            <a:r>
+              <a:rPr lang="fr-FR" dirty="0"/>
+              <a:t>/python-datascience:2.7 python </a:t>
+            </a:r>
+            <a:r>
+              <a:rPr lang="fr-FR" dirty="0" smtClean="0"/>
+              <a:t>–m </a:t>
+            </a:r>
+            <a:r>
+              <a:rPr lang="fr-FR" dirty="0" err="1" smtClean="0"/>
+              <a:t>compileall</a:t>
+            </a:r>
+            <a:r>
+              <a:rPr lang="fr-FR" dirty="0" smtClean="0"/>
+              <a:t> .</a:t>
+            </a:r>
+          </a:p>
+          <a:p>
+            <a:r>
+              <a:rPr lang="fr-FR" dirty="0" smtClean="0"/>
+              <a:t>Pour exécuter le </a:t>
+            </a:r>
+            <a:r>
+              <a:rPr lang="fr-FR" dirty="0"/>
+              <a:t>programme :</a:t>
+            </a:r>
+          </a:p>
+          <a:p>
+            <a:pPr lvl="1"/>
+            <a:r>
+              <a:rPr lang="fr-FR" dirty="0"/>
+              <a:t>docker </a:t>
+            </a:r>
+            <a:r>
+              <a:rPr lang="fr-FR" dirty="0" err="1"/>
+              <a:t>run</a:t>
+            </a:r>
+            <a:r>
+              <a:rPr lang="fr-FR" dirty="0"/>
+              <a:t> –</a:t>
+            </a:r>
+            <a:r>
+              <a:rPr lang="fr-FR" dirty="0" err="1"/>
+              <a:t>it</a:t>
+            </a:r>
+            <a:r>
+              <a:rPr lang="fr-FR" dirty="0"/>
+              <a:t> –</a:t>
+            </a:r>
+            <a:r>
+              <a:rPr lang="fr-FR" dirty="0" err="1"/>
+              <a:t>rm</a:t>
+            </a:r>
+            <a:r>
+              <a:rPr lang="fr-FR" dirty="0"/>
+              <a:t> –</a:t>
+            </a:r>
+            <a:r>
+              <a:rPr lang="fr-FR" dirty="0" err="1"/>
+              <a:t>name</a:t>
+            </a:r>
+            <a:r>
+              <a:rPr lang="fr-FR" dirty="0"/>
+              <a:t> </a:t>
+            </a:r>
+            <a:r>
+              <a:rPr lang="fr-FR" dirty="0" err="1"/>
+              <a:t>myscriptpython</a:t>
+            </a:r>
+            <a:r>
+              <a:rPr lang="fr-FR" dirty="0"/>
+              <a:t> –v « $PWD »:/</a:t>
+            </a:r>
+            <a:r>
+              <a:rPr lang="fr-FR" dirty="0" err="1"/>
+              <a:t>usr</a:t>
+            </a:r>
+            <a:r>
+              <a:rPr lang="fr-FR" dirty="0"/>
+              <a:t>/</a:t>
+            </a:r>
+            <a:r>
+              <a:rPr lang="fr-FR" dirty="0" err="1"/>
+              <a:t>src</a:t>
+            </a:r>
+            <a:r>
+              <a:rPr lang="fr-FR" dirty="0"/>
+              <a:t>/</a:t>
+            </a:r>
+            <a:r>
+              <a:rPr lang="fr-FR" dirty="0" err="1"/>
+              <a:t>myapp</a:t>
+            </a:r>
+            <a:r>
+              <a:rPr lang="fr-FR" dirty="0"/>
+              <a:t> –w /</a:t>
+            </a:r>
+            <a:r>
+              <a:rPr lang="fr-FR" dirty="0" err="1"/>
+              <a:t>usr</a:t>
+            </a:r>
+            <a:r>
+              <a:rPr lang="fr-FR" dirty="0"/>
+              <a:t>/</a:t>
+            </a:r>
+            <a:r>
+              <a:rPr lang="fr-FR" dirty="0" err="1"/>
+              <a:t>src</a:t>
+            </a:r>
+            <a:r>
+              <a:rPr lang="fr-FR" dirty="0"/>
+              <a:t>/</a:t>
+            </a:r>
+            <a:r>
+              <a:rPr lang="fr-FR" dirty="0" err="1"/>
+              <a:t>myapp</a:t>
+            </a:r>
+            <a:r>
+              <a:rPr lang="fr-FR" dirty="0"/>
+              <a:t> </a:t>
+            </a:r>
+            <a:r>
+              <a:rPr lang="fr-FR" dirty="0" err="1"/>
+              <a:t>faizanbashir</a:t>
+            </a:r>
+            <a:r>
+              <a:rPr lang="fr-FR" dirty="0"/>
+              <a:t>/python-datascience:2.7 python –m </a:t>
+            </a:r>
+            <a:r>
+              <a:rPr lang="fr-FR" dirty="0" err="1" smtClean="0"/>
+              <a:t>TutteEmbedding</a:t>
+            </a:r>
+            <a:endParaRPr lang="fr-FR" dirty="0"/>
+          </a:p>
+          <a:p>
+            <a:endParaRPr lang="fr-FR" dirty="0"/>
+          </a:p>
+          <a:p>
+            <a:endParaRPr lang="fr-FR" dirty="0" smtClean="0"/>
+          </a:p>
+          <a:p>
+            <a:pPr marL="342900" indent="-342900">
+              <a:buFontTx/>
+              <a:buChar char="-"/>
+            </a:pPr>
+            <a:endParaRPr lang="fr-FR" dirty="0" smtClean="0"/>
+          </a:p>
+        </p:txBody>
+      </p:sp>
+      <p:sp>
+        <p:nvSpPr>
+          <p:cNvPr id="7" name="Espace réservé du texte 4"/>
+          <p:cNvSpPr txBox="1">
+            <a:spLocks/>
+          </p:cNvSpPr>
+          <p:nvPr/>
+        </p:nvSpPr>
+        <p:spPr>
+          <a:xfrm>
+            <a:off x="831849" y="1857083"/>
+            <a:ext cx="9740901" cy="4909477"/>
+          </a:xfrm>
+          <a:prstGeom prst="rect">
+            <a:avLst/>
+          </a:prstGeom>
+        </p:spPr>
+        <p:txBody>
+          <a:bodyPr vert="horz" lIns="91440" tIns="45720" rIns="91440" bIns="45720" rtlCol="0">
+            <a:normAutofit/>
+          </a:bodyPr>
+          <a:lstStyle>
+            <a:lvl1pPr marL="0" indent="0" algn="l" defTabSz="914400" rtl="0" eaLnBrk="1" latinLnBrk="0" hangingPunct="1">
+              <a:lnSpc>
+                <a:spcPct val="90000"/>
+              </a:lnSpc>
+              <a:spcBef>
+                <a:spcPts val="1000"/>
+              </a:spcBef>
+              <a:buFont typeface="Arial" panose="020B0604020202020204" pitchFamily="34" charset="0"/>
+              <a:buNone/>
+              <a:defRPr sz="2400" kern="1200">
+                <a:solidFill>
+                  <a:schemeClr val="tx1">
+                    <a:tint val="75000"/>
+                  </a:schemeClr>
+                </a:solidFill>
+                <a:latin typeface="+mn-lt"/>
+                <a:ea typeface="+mn-ea"/>
+                <a:cs typeface="+mn-cs"/>
+              </a:defRPr>
+            </a:lvl1pPr>
+            <a:lvl2pPr marL="457200" indent="0" algn="l" defTabSz="914400" rtl="0" eaLnBrk="1" latinLnBrk="0" hangingPunct="1">
+              <a:lnSpc>
+                <a:spcPct val="90000"/>
+              </a:lnSpc>
+              <a:spcBef>
+                <a:spcPts val="500"/>
+              </a:spcBef>
+              <a:buFont typeface="Arial" panose="020B0604020202020204" pitchFamily="34" charset="0"/>
+              <a:buNone/>
+              <a:defRPr sz="2000" kern="1200">
+                <a:solidFill>
+                  <a:schemeClr val="tx1">
+                    <a:tint val="75000"/>
+                  </a:schemeClr>
+                </a:solidFill>
+                <a:latin typeface="+mn-lt"/>
+                <a:ea typeface="+mn-ea"/>
+                <a:cs typeface="+mn-cs"/>
+              </a:defRPr>
+            </a:lvl2pPr>
+            <a:lvl3pPr marL="914400" indent="0" algn="l" defTabSz="914400" rtl="0" eaLnBrk="1" latinLnBrk="0" hangingPunct="1">
+              <a:lnSpc>
+                <a:spcPct val="90000"/>
+              </a:lnSpc>
+              <a:spcBef>
+                <a:spcPts val="500"/>
+              </a:spcBef>
+              <a:buFont typeface="Arial" panose="020B0604020202020204" pitchFamily="34" charset="0"/>
+              <a:buNone/>
+              <a:defRPr sz="1800" kern="1200">
+                <a:solidFill>
+                  <a:schemeClr val="tx1">
+                    <a:tint val="75000"/>
+                  </a:schemeClr>
+                </a:solidFill>
+                <a:latin typeface="+mn-lt"/>
+                <a:ea typeface="+mn-ea"/>
+                <a:cs typeface="+mn-cs"/>
+              </a:defRPr>
+            </a:lvl3pPr>
+            <a:lvl4pPr marL="1371600" indent="0" algn="l" defTabSz="914400" rtl="0" eaLnBrk="1" latinLnBrk="0" hangingPunct="1">
+              <a:lnSpc>
+                <a:spcPct val="90000"/>
+              </a:lnSpc>
+              <a:spcBef>
+                <a:spcPts val="500"/>
+              </a:spcBef>
+              <a:buFont typeface="Arial" panose="020B0604020202020204" pitchFamily="34" charset="0"/>
+              <a:buNone/>
+              <a:defRPr sz="1600" kern="1200">
+                <a:solidFill>
+                  <a:schemeClr val="tx1">
+                    <a:tint val="75000"/>
+                  </a:schemeClr>
+                </a:solidFill>
+                <a:latin typeface="+mn-lt"/>
+                <a:ea typeface="+mn-ea"/>
+                <a:cs typeface="+mn-cs"/>
+              </a:defRPr>
+            </a:lvl4pPr>
+            <a:lvl5pPr marL="1828800" indent="0" algn="l" defTabSz="914400" rtl="0" eaLnBrk="1" latinLnBrk="0" hangingPunct="1">
+              <a:lnSpc>
+                <a:spcPct val="90000"/>
+              </a:lnSpc>
+              <a:spcBef>
+                <a:spcPts val="500"/>
+              </a:spcBef>
+              <a:buFont typeface="Arial" panose="020B0604020202020204" pitchFamily="34" charset="0"/>
+              <a:buNone/>
+              <a:defRPr sz="1600" kern="1200">
+                <a:solidFill>
+                  <a:schemeClr val="tx1">
+                    <a:tint val="75000"/>
+                  </a:schemeClr>
+                </a:solidFill>
+                <a:latin typeface="+mn-lt"/>
+                <a:ea typeface="+mn-ea"/>
+                <a:cs typeface="+mn-cs"/>
+              </a:defRPr>
+            </a:lvl5pPr>
+            <a:lvl6pPr marL="2286000" indent="0" algn="l" defTabSz="914400" rtl="0" eaLnBrk="1" latinLnBrk="0" hangingPunct="1">
+              <a:lnSpc>
+                <a:spcPct val="90000"/>
+              </a:lnSpc>
+              <a:spcBef>
+                <a:spcPts val="500"/>
+              </a:spcBef>
+              <a:buFont typeface="Arial" panose="020B0604020202020204" pitchFamily="34" charset="0"/>
+              <a:buNone/>
+              <a:defRPr sz="1600" kern="1200">
+                <a:solidFill>
+                  <a:schemeClr val="tx1">
+                    <a:tint val="75000"/>
+                  </a:schemeClr>
+                </a:solidFill>
+                <a:latin typeface="+mn-lt"/>
+                <a:ea typeface="+mn-ea"/>
+                <a:cs typeface="+mn-cs"/>
+              </a:defRPr>
+            </a:lvl6pPr>
+            <a:lvl7pPr marL="2743200" indent="0" algn="l" defTabSz="914400" rtl="0" eaLnBrk="1" latinLnBrk="0" hangingPunct="1">
+              <a:lnSpc>
+                <a:spcPct val="90000"/>
+              </a:lnSpc>
+              <a:spcBef>
+                <a:spcPts val="500"/>
+              </a:spcBef>
+              <a:buFont typeface="Arial" panose="020B0604020202020204" pitchFamily="34" charset="0"/>
+              <a:buNone/>
+              <a:defRPr sz="1600" kern="1200">
+                <a:solidFill>
+                  <a:schemeClr val="tx1">
+                    <a:tint val="75000"/>
+                  </a:schemeClr>
+                </a:solidFill>
+                <a:latin typeface="+mn-lt"/>
+                <a:ea typeface="+mn-ea"/>
+                <a:cs typeface="+mn-cs"/>
+              </a:defRPr>
+            </a:lvl7pPr>
+            <a:lvl8pPr marL="3200400" indent="0" algn="l" defTabSz="914400" rtl="0" eaLnBrk="1" latinLnBrk="0" hangingPunct="1">
+              <a:lnSpc>
+                <a:spcPct val="90000"/>
+              </a:lnSpc>
+              <a:spcBef>
+                <a:spcPts val="500"/>
+              </a:spcBef>
+              <a:buFont typeface="Arial" panose="020B0604020202020204" pitchFamily="34" charset="0"/>
+              <a:buNone/>
+              <a:defRPr sz="1600" kern="1200">
+                <a:solidFill>
+                  <a:schemeClr val="tx1">
+                    <a:tint val="75000"/>
+                  </a:schemeClr>
+                </a:solidFill>
+                <a:latin typeface="+mn-lt"/>
+                <a:ea typeface="+mn-ea"/>
+                <a:cs typeface="+mn-cs"/>
+              </a:defRPr>
+            </a:lvl8pPr>
+            <a:lvl9pPr marL="3657600" indent="0" algn="l" defTabSz="914400" rtl="0" eaLnBrk="1" latinLnBrk="0" hangingPunct="1">
+              <a:lnSpc>
+                <a:spcPct val="90000"/>
+              </a:lnSpc>
+              <a:spcBef>
+                <a:spcPts val="500"/>
+              </a:spcBef>
+              <a:buFont typeface="Arial" panose="020B0604020202020204" pitchFamily="34" charset="0"/>
+              <a:buNone/>
+              <a:defRPr sz="1600" kern="1200">
+                <a:solidFill>
+                  <a:schemeClr val="tx1">
+                    <a:tint val="75000"/>
+                  </a:schemeClr>
+                </a:solidFill>
+                <a:latin typeface="+mn-lt"/>
+                <a:ea typeface="+mn-ea"/>
+                <a:cs typeface="+mn-cs"/>
+              </a:defRPr>
+            </a:lvl9pPr>
+          </a:lstStyle>
+          <a:p>
+            <a:pPr marL="342900" indent="-342900">
+              <a:buFontTx/>
+              <a:buChar char="-"/>
+            </a:pPr>
+            <a:endParaRPr lang="fr-FR" dirty="0" smtClean="0"/>
+          </a:p>
+          <a:p>
+            <a:pPr marL="342900" indent="-342900">
+              <a:buFontTx/>
+              <a:buChar char="-"/>
+            </a:pPr>
+            <a:endParaRPr lang="fr-FR" dirty="0" smtClean="0"/>
+          </a:p>
+          <a:p>
+            <a:pPr marL="342900" indent="-342900">
+              <a:buFontTx/>
+              <a:buChar char="-"/>
+            </a:pPr>
+            <a:endParaRPr lang="fr-FR" dirty="0" smtClean="0"/>
+          </a:p>
+        </p:txBody>
+      </p:sp>
+    </p:spTree>
+    <p:extLst>
+      <p:ext uri="{BB962C8B-B14F-4D97-AF65-F5344CB8AC3E}">
+        <p14:creationId xmlns:p14="http://schemas.microsoft.com/office/powerpoint/2010/main" val="2954797089"/>
+      </p:ext>
+    </p:extLst>
+  </p:cSld>
+  <p:clrMapOvr>
+    <a:masterClrMapping/>
+  </p:clrMapOvr>
+  <p:timing>
+    <p:tnLst>
+      <p:par>
+        <p:cTn id="1" dur="indefinite" restart="never" nodeType="tmRoot"/>
+      </p:par>
+    </p:tnLst>
+  </p:timing>
+</p:sld>
+</file>
+
+<file path=ppt/slides/slide65.xml><?xml version="1.0" encoding="utf-8"?>
+<p:sld xmlns:a="http://schemas.openxmlformats.org/drawingml/2006/main" xmlns:r="http://schemas.openxmlformats.org/officeDocument/2006/relationships" xmlns:p="http://schemas.openxmlformats.org/presentationml/2006/main">
+  <p:cSld>
+    <p:spTree>
+      <p:nvGrpSpPr>
+        <p:cNvPr id="1" name=""/>
+        <p:cNvGrpSpPr/>
+        <p:nvPr/>
+      </p:nvGrpSpPr>
+      <p:grpSpPr>
+        <a:xfrm>
+          <a:off x="0" y="0"/>
+          <a:ext cx="0" cy="0"/>
+          <a:chOff x="0" y="0"/>
+          <a:chExt cx="0" cy="0"/>
+        </a:xfrm>
+      </p:grpSpPr>
+      <p:sp>
+        <p:nvSpPr>
+          <p:cNvPr id="4" name="Titre 3"/>
+          <p:cNvSpPr>
+            <a:spLocks noGrp="1"/>
+          </p:cNvSpPr>
+          <p:nvPr>
+            <p:ph type="title"/>
+          </p:nvPr>
+        </p:nvSpPr>
+        <p:spPr>
+          <a:xfrm>
+            <a:off x="831850" y="889607"/>
+            <a:ext cx="11209354" cy="967476"/>
+          </a:xfrm>
+        </p:spPr>
+        <p:txBody>
+          <a:bodyPr>
+            <a:normAutofit/>
+          </a:bodyPr>
+          <a:lstStyle/>
+          <a:p>
+            <a:r>
+              <a:rPr lang="fr-FR" sz="3600" dirty="0" smtClean="0"/>
+              <a:t>Docker – Application graphique avec </a:t>
+            </a:r>
+            <a:r>
+              <a:rPr lang="fr-FR" sz="3600" dirty="0" err="1" smtClean="0"/>
+              <a:t>firefox</a:t>
+            </a:r>
+            <a:endParaRPr lang="fr-FR" sz="3600" dirty="0"/>
+          </a:p>
+        </p:txBody>
+      </p:sp>
+      <p:sp>
+        <p:nvSpPr>
+          <p:cNvPr id="5" name="Espace réservé du texte 4"/>
+          <p:cNvSpPr>
+            <a:spLocks noGrp="1"/>
+          </p:cNvSpPr>
+          <p:nvPr>
+            <p:ph type="body" idx="1"/>
+          </p:nvPr>
+        </p:nvSpPr>
+        <p:spPr>
+          <a:xfrm>
+            <a:off x="831850" y="2021305"/>
+            <a:ext cx="10759786" cy="4379495"/>
+          </a:xfrm>
+        </p:spPr>
+        <p:txBody>
+          <a:bodyPr>
+            <a:normAutofit lnSpcReduction="10000"/>
+          </a:bodyPr>
+          <a:lstStyle/>
+          <a:p>
+            <a:r>
+              <a:rPr lang="fr-FR" dirty="0" smtClean="0"/>
+              <a:t>Les containers n’ont pas de serveur X intégré mais il est possible d’utiliser une application graphique dans un container en référençant le serveur X de l’hôte VM Linux.</a:t>
+            </a:r>
+          </a:p>
+          <a:p>
+            <a:r>
+              <a:rPr lang="fr-FR" dirty="0" smtClean="0"/>
+              <a:t>Je suis les grandes lignes de </a:t>
+            </a:r>
+            <a:r>
+              <a:rPr lang="fr-FR" dirty="0" smtClean="0">
+                <a:hlinkClick r:id="rId2"/>
+              </a:rPr>
+              <a:t>https</a:t>
+            </a:r>
+            <a:r>
+              <a:rPr lang="fr-FR" dirty="0">
+                <a:hlinkClick r:id="rId2"/>
+              </a:rPr>
+              <a:t>://</a:t>
+            </a:r>
+            <a:r>
+              <a:rPr lang="fr-FR" dirty="0" smtClean="0">
+                <a:hlinkClick r:id="rId2"/>
+              </a:rPr>
+              <a:t>www.youtube.com/watch?v=RDg6TRwiPtg</a:t>
+            </a:r>
+            <a:r>
+              <a:rPr lang="fr-FR" dirty="0" smtClean="0"/>
+              <a:t> en </a:t>
+            </a:r>
+            <a:r>
+              <a:rPr lang="fr-FR" dirty="0" err="1" smtClean="0"/>
+              <a:t>contruisant</a:t>
+            </a:r>
+            <a:r>
+              <a:rPr lang="fr-FR" dirty="0" smtClean="0"/>
+              <a:t> une image Ubuntu intégrant </a:t>
+            </a:r>
+            <a:r>
+              <a:rPr lang="fr-FR" dirty="0" err="1" smtClean="0"/>
+              <a:t>firefox</a:t>
+            </a:r>
+            <a:r>
+              <a:rPr lang="fr-FR" dirty="0"/>
+              <a:t> </a:t>
+            </a:r>
+            <a:r>
+              <a:rPr lang="fr-FR" dirty="0" smtClean="0"/>
+              <a:t>sur le PC internet :</a:t>
+            </a:r>
+          </a:p>
+          <a:p>
+            <a:pPr lvl="1"/>
+            <a:r>
+              <a:rPr lang="fr-FR" dirty="0"/>
+              <a:t>d</a:t>
+            </a:r>
+            <a:r>
+              <a:rPr lang="fr-FR" dirty="0" smtClean="0"/>
+              <a:t>ocker </a:t>
+            </a:r>
+            <a:r>
+              <a:rPr lang="fr-FR" dirty="0" err="1" smtClean="0"/>
+              <a:t>run</a:t>
+            </a:r>
+            <a:r>
+              <a:rPr lang="fr-FR" dirty="0" smtClean="0"/>
+              <a:t> -i –t –net=host –e DISPLAY –v /</a:t>
+            </a:r>
+            <a:r>
+              <a:rPr lang="fr-FR" dirty="0" err="1" smtClean="0"/>
+              <a:t>tmp</a:t>
+            </a:r>
+            <a:r>
+              <a:rPr lang="fr-FR" dirty="0" smtClean="0"/>
+              <a:t>/.X11-unix </a:t>
+            </a:r>
+            <a:r>
+              <a:rPr lang="fr-FR" dirty="0" err="1" smtClean="0"/>
+              <a:t>ubuntu</a:t>
+            </a:r>
+            <a:r>
+              <a:rPr lang="fr-FR" dirty="0" smtClean="0"/>
+              <a:t> </a:t>
+            </a:r>
+            <a:r>
+              <a:rPr lang="fr-FR" dirty="0" err="1" smtClean="0"/>
+              <a:t>bash</a:t>
+            </a:r>
+            <a:endParaRPr lang="fr-FR" dirty="0" smtClean="0"/>
+          </a:p>
+          <a:p>
+            <a:pPr lvl="1"/>
+            <a:r>
+              <a:rPr lang="fr-FR" dirty="0" err="1"/>
+              <a:t>a</a:t>
+            </a:r>
+            <a:r>
+              <a:rPr lang="fr-FR" dirty="0" err="1" smtClean="0"/>
+              <a:t>pt-get</a:t>
+            </a:r>
+            <a:r>
+              <a:rPr lang="fr-FR" dirty="0" smtClean="0"/>
+              <a:t> update</a:t>
+            </a:r>
+          </a:p>
+          <a:p>
+            <a:pPr lvl="1"/>
+            <a:r>
+              <a:rPr lang="fr-FR" dirty="0" err="1"/>
+              <a:t>a</a:t>
+            </a:r>
+            <a:r>
+              <a:rPr lang="fr-FR" dirty="0" err="1" smtClean="0"/>
+              <a:t>pt-get</a:t>
+            </a:r>
+            <a:r>
+              <a:rPr lang="fr-FR" dirty="0" smtClean="0"/>
+              <a:t> </a:t>
+            </a:r>
+            <a:r>
+              <a:rPr lang="fr-FR" dirty="0" err="1" smtClean="0"/>
+              <a:t>install</a:t>
+            </a:r>
+            <a:r>
+              <a:rPr lang="fr-FR" dirty="0" smtClean="0"/>
+              <a:t> </a:t>
+            </a:r>
+            <a:r>
+              <a:rPr lang="fr-FR" dirty="0" err="1" smtClean="0"/>
+              <a:t>firefox</a:t>
+            </a:r>
+            <a:r>
+              <a:rPr lang="fr-FR" dirty="0" smtClean="0"/>
+              <a:t>   puis   </a:t>
+            </a:r>
+            <a:r>
+              <a:rPr lang="fr-FR" dirty="0" err="1" smtClean="0"/>
+              <a:t>apt-get</a:t>
+            </a:r>
+            <a:r>
+              <a:rPr lang="fr-FR" dirty="0" smtClean="0"/>
+              <a:t> </a:t>
+            </a:r>
+            <a:r>
+              <a:rPr lang="fr-FR" dirty="0" err="1" smtClean="0"/>
+              <a:t>install</a:t>
+            </a:r>
+            <a:r>
+              <a:rPr lang="fr-FR" dirty="0" smtClean="0"/>
+              <a:t> </a:t>
+            </a:r>
+            <a:r>
+              <a:rPr lang="fr-FR" dirty="0" err="1" smtClean="0"/>
+              <a:t>xauth</a:t>
+            </a:r>
+            <a:endParaRPr lang="fr-FR" dirty="0" smtClean="0"/>
+          </a:p>
+          <a:p>
+            <a:pPr lvl="1"/>
+            <a:r>
+              <a:rPr lang="fr-FR" dirty="0" err="1" smtClean="0"/>
+              <a:t>firefox</a:t>
+            </a:r>
+            <a:r>
+              <a:rPr lang="fr-FR" dirty="0" smtClean="0"/>
+              <a:t>   (pour tester l’image dans une fenêtre X sur l’hôte)</a:t>
+            </a:r>
+            <a:endParaRPr lang="fr-FR" dirty="0"/>
+          </a:p>
+          <a:p>
+            <a:r>
+              <a:rPr lang="fr-FR" dirty="0" smtClean="0"/>
+              <a:t>Sauvegarder le container (exemple : </a:t>
+            </a:r>
+            <a:r>
+              <a:rPr lang="fr-FR" dirty="0" err="1" smtClean="0"/>
+              <a:t>moncontainer</a:t>
+            </a:r>
+            <a:r>
+              <a:rPr lang="fr-FR" dirty="0" smtClean="0"/>
+              <a:t>) dans une image :</a:t>
+            </a:r>
+          </a:p>
+          <a:p>
+            <a:pPr lvl="1"/>
+            <a:r>
+              <a:rPr lang="fr-FR" dirty="0"/>
+              <a:t>d</a:t>
+            </a:r>
+            <a:r>
+              <a:rPr lang="fr-FR" dirty="0" smtClean="0"/>
+              <a:t>ocker container </a:t>
+            </a:r>
+            <a:r>
+              <a:rPr lang="fr-FR" dirty="0" err="1" smtClean="0"/>
+              <a:t>ps</a:t>
+            </a:r>
+            <a:r>
+              <a:rPr lang="fr-FR" dirty="0" smtClean="0"/>
+              <a:t> </a:t>
+            </a:r>
+          </a:p>
+          <a:p>
+            <a:pPr lvl="1"/>
+            <a:r>
+              <a:rPr lang="fr-FR" dirty="0"/>
+              <a:t>d</a:t>
+            </a:r>
+            <a:r>
+              <a:rPr lang="fr-FR" dirty="0" smtClean="0"/>
+              <a:t>ocker commit </a:t>
+            </a:r>
+            <a:r>
+              <a:rPr lang="fr-FR" dirty="0" err="1" smtClean="0"/>
+              <a:t>moncontainer</a:t>
+            </a:r>
+            <a:r>
+              <a:rPr lang="fr-FR" dirty="0" smtClean="0"/>
+              <a:t> my-ubuntu-firefox:v1</a:t>
+            </a:r>
+          </a:p>
+          <a:p>
+            <a:pPr lvl="1"/>
+            <a:r>
+              <a:rPr lang="fr-FR" dirty="0"/>
+              <a:t>d</a:t>
+            </a:r>
+            <a:r>
+              <a:rPr lang="fr-FR" dirty="0" smtClean="0"/>
+              <a:t>ocker images</a:t>
+            </a:r>
+            <a:endParaRPr lang="fr-FR" dirty="0"/>
+          </a:p>
+          <a:p>
+            <a:endParaRPr lang="fr-FR" dirty="0" smtClean="0"/>
+          </a:p>
+          <a:p>
+            <a:pPr marL="342900" indent="-342900">
+              <a:buFontTx/>
+              <a:buChar char="-"/>
+            </a:pPr>
+            <a:endParaRPr lang="fr-FR" dirty="0" smtClean="0"/>
+          </a:p>
+        </p:txBody>
+      </p:sp>
+      <p:sp>
+        <p:nvSpPr>
+          <p:cNvPr id="7" name="Espace réservé du texte 4"/>
+          <p:cNvSpPr txBox="1">
+            <a:spLocks/>
+          </p:cNvSpPr>
+          <p:nvPr/>
+        </p:nvSpPr>
+        <p:spPr>
+          <a:xfrm>
+            <a:off x="831849" y="1857083"/>
+            <a:ext cx="9740901" cy="4909477"/>
+          </a:xfrm>
+          <a:prstGeom prst="rect">
+            <a:avLst/>
+          </a:prstGeom>
+        </p:spPr>
+        <p:txBody>
+          <a:bodyPr vert="horz" lIns="91440" tIns="45720" rIns="91440" bIns="45720" rtlCol="0">
+            <a:normAutofit/>
+          </a:bodyPr>
+          <a:lstStyle>
+            <a:lvl1pPr marL="0" indent="0" algn="l" defTabSz="914400" rtl="0" eaLnBrk="1" latinLnBrk="0" hangingPunct="1">
+              <a:lnSpc>
+                <a:spcPct val="90000"/>
+              </a:lnSpc>
+              <a:spcBef>
+                <a:spcPts val="1000"/>
+              </a:spcBef>
+              <a:buFont typeface="Arial" panose="020B0604020202020204" pitchFamily="34" charset="0"/>
+              <a:buNone/>
+              <a:defRPr sz="2400" kern="1200">
+                <a:solidFill>
+                  <a:schemeClr val="tx1">
+                    <a:tint val="75000"/>
+                  </a:schemeClr>
+                </a:solidFill>
+                <a:latin typeface="+mn-lt"/>
+                <a:ea typeface="+mn-ea"/>
+                <a:cs typeface="+mn-cs"/>
+              </a:defRPr>
+            </a:lvl1pPr>
+            <a:lvl2pPr marL="457200" indent="0" algn="l" defTabSz="914400" rtl="0" eaLnBrk="1" latinLnBrk="0" hangingPunct="1">
+              <a:lnSpc>
+                <a:spcPct val="90000"/>
+              </a:lnSpc>
+              <a:spcBef>
+                <a:spcPts val="500"/>
+              </a:spcBef>
+              <a:buFont typeface="Arial" panose="020B0604020202020204" pitchFamily="34" charset="0"/>
+              <a:buNone/>
+              <a:defRPr sz="2000" kern="1200">
+                <a:solidFill>
+                  <a:schemeClr val="tx1">
+                    <a:tint val="75000"/>
+                  </a:schemeClr>
+                </a:solidFill>
+                <a:latin typeface="+mn-lt"/>
+                <a:ea typeface="+mn-ea"/>
+                <a:cs typeface="+mn-cs"/>
+              </a:defRPr>
+            </a:lvl2pPr>
+            <a:lvl3pPr marL="914400" indent="0" algn="l" defTabSz="914400" rtl="0" eaLnBrk="1" latinLnBrk="0" hangingPunct="1">
+              <a:lnSpc>
+                <a:spcPct val="90000"/>
+              </a:lnSpc>
+              <a:spcBef>
+                <a:spcPts val="500"/>
+              </a:spcBef>
+              <a:buFont typeface="Arial" panose="020B0604020202020204" pitchFamily="34" charset="0"/>
+              <a:buNone/>
+              <a:defRPr sz="1800" kern="1200">
+                <a:solidFill>
+                  <a:schemeClr val="tx1">
+                    <a:tint val="75000"/>
+                  </a:schemeClr>
+                </a:solidFill>
+                <a:latin typeface="+mn-lt"/>
+                <a:ea typeface="+mn-ea"/>
+                <a:cs typeface="+mn-cs"/>
+              </a:defRPr>
+            </a:lvl3pPr>
+            <a:lvl4pPr marL="1371600" indent="0" algn="l" defTabSz="914400" rtl="0" eaLnBrk="1" latinLnBrk="0" hangingPunct="1">
+              <a:lnSpc>
+                <a:spcPct val="90000"/>
+              </a:lnSpc>
+              <a:spcBef>
+                <a:spcPts val="500"/>
+              </a:spcBef>
+              <a:buFont typeface="Arial" panose="020B0604020202020204" pitchFamily="34" charset="0"/>
+              <a:buNone/>
+              <a:defRPr sz="1600" kern="1200">
+                <a:solidFill>
+                  <a:schemeClr val="tx1">
+                    <a:tint val="75000"/>
+                  </a:schemeClr>
+                </a:solidFill>
+                <a:latin typeface="+mn-lt"/>
+                <a:ea typeface="+mn-ea"/>
+                <a:cs typeface="+mn-cs"/>
+              </a:defRPr>
+            </a:lvl4pPr>
+            <a:lvl5pPr marL="1828800" indent="0" algn="l" defTabSz="914400" rtl="0" eaLnBrk="1" latinLnBrk="0" hangingPunct="1">
+              <a:lnSpc>
+                <a:spcPct val="90000"/>
+              </a:lnSpc>
+              <a:spcBef>
+                <a:spcPts val="500"/>
+              </a:spcBef>
+              <a:buFont typeface="Arial" panose="020B0604020202020204" pitchFamily="34" charset="0"/>
+              <a:buNone/>
+              <a:defRPr sz="1600" kern="1200">
+                <a:solidFill>
+                  <a:schemeClr val="tx1">
+                    <a:tint val="75000"/>
+                  </a:schemeClr>
+                </a:solidFill>
+                <a:latin typeface="+mn-lt"/>
+                <a:ea typeface="+mn-ea"/>
+                <a:cs typeface="+mn-cs"/>
+              </a:defRPr>
+            </a:lvl5pPr>
+            <a:lvl6pPr marL="2286000" indent="0" algn="l" defTabSz="914400" rtl="0" eaLnBrk="1" latinLnBrk="0" hangingPunct="1">
+              <a:lnSpc>
+                <a:spcPct val="90000"/>
+              </a:lnSpc>
+              <a:spcBef>
+                <a:spcPts val="500"/>
+              </a:spcBef>
+              <a:buFont typeface="Arial" panose="020B0604020202020204" pitchFamily="34" charset="0"/>
+              <a:buNone/>
+              <a:defRPr sz="1600" kern="1200">
+                <a:solidFill>
+                  <a:schemeClr val="tx1">
+                    <a:tint val="75000"/>
+                  </a:schemeClr>
+                </a:solidFill>
+                <a:latin typeface="+mn-lt"/>
+                <a:ea typeface="+mn-ea"/>
+                <a:cs typeface="+mn-cs"/>
+              </a:defRPr>
+            </a:lvl6pPr>
+            <a:lvl7pPr marL="2743200" indent="0" algn="l" defTabSz="914400" rtl="0" eaLnBrk="1" latinLnBrk="0" hangingPunct="1">
+              <a:lnSpc>
+                <a:spcPct val="90000"/>
+              </a:lnSpc>
+              <a:spcBef>
+                <a:spcPts val="500"/>
+              </a:spcBef>
+              <a:buFont typeface="Arial" panose="020B0604020202020204" pitchFamily="34" charset="0"/>
+              <a:buNone/>
+              <a:defRPr sz="1600" kern="1200">
+                <a:solidFill>
+                  <a:schemeClr val="tx1">
+                    <a:tint val="75000"/>
+                  </a:schemeClr>
+                </a:solidFill>
+                <a:latin typeface="+mn-lt"/>
+                <a:ea typeface="+mn-ea"/>
+                <a:cs typeface="+mn-cs"/>
+              </a:defRPr>
+            </a:lvl7pPr>
+            <a:lvl8pPr marL="3200400" indent="0" algn="l" defTabSz="914400" rtl="0" eaLnBrk="1" latinLnBrk="0" hangingPunct="1">
+              <a:lnSpc>
+                <a:spcPct val="90000"/>
+              </a:lnSpc>
+              <a:spcBef>
+                <a:spcPts val="500"/>
+              </a:spcBef>
+              <a:buFont typeface="Arial" panose="020B0604020202020204" pitchFamily="34" charset="0"/>
+              <a:buNone/>
+              <a:defRPr sz="1600" kern="1200">
+                <a:solidFill>
+                  <a:schemeClr val="tx1">
+                    <a:tint val="75000"/>
+                  </a:schemeClr>
+                </a:solidFill>
+                <a:latin typeface="+mn-lt"/>
+                <a:ea typeface="+mn-ea"/>
+                <a:cs typeface="+mn-cs"/>
+              </a:defRPr>
+            </a:lvl8pPr>
+            <a:lvl9pPr marL="3657600" indent="0" algn="l" defTabSz="914400" rtl="0" eaLnBrk="1" latinLnBrk="0" hangingPunct="1">
+              <a:lnSpc>
+                <a:spcPct val="90000"/>
+              </a:lnSpc>
+              <a:spcBef>
+                <a:spcPts val="500"/>
+              </a:spcBef>
+              <a:buFont typeface="Arial" panose="020B0604020202020204" pitchFamily="34" charset="0"/>
+              <a:buNone/>
+              <a:defRPr sz="1600" kern="1200">
+                <a:solidFill>
+                  <a:schemeClr val="tx1">
+                    <a:tint val="75000"/>
+                  </a:schemeClr>
+                </a:solidFill>
+                <a:latin typeface="+mn-lt"/>
+                <a:ea typeface="+mn-ea"/>
+                <a:cs typeface="+mn-cs"/>
+              </a:defRPr>
+            </a:lvl9pPr>
+          </a:lstStyle>
+          <a:p>
+            <a:pPr marL="342900" indent="-342900">
+              <a:buFontTx/>
+              <a:buChar char="-"/>
+            </a:pPr>
+            <a:endParaRPr lang="fr-FR" dirty="0" smtClean="0"/>
+          </a:p>
+          <a:p>
+            <a:pPr marL="342900" indent="-342900">
+              <a:buFontTx/>
+              <a:buChar char="-"/>
+            </a:pPr>
+            <a:endParaRPr lang="fr-FR" dirty="0" smtClean="0"/>
+          </a:p>
+          <a:p>
+            <a:pPr marL="342900" indent="-342900">
+              <a:buFontTx/>
+              <a:buChar char="-"/>
+            </a:pPr>
+            <a:endParaRPr lang="fr-FR" dirty="0" smtClean="0"/>
+          </a:p>
+        </p:txBody>
+      </p:sp>
+    </p:spTree>
+    <p:extLst>
+      <p:ext uri="{BB962C8B-B14F-4D97-AF65-F5344CB8AC3E}">
+        <p14:creationId xmlns:p14="http://schemas.microsoft.com/office/powerpoint/2010/main" val="2765467779"/>
+      </p:ext>
+    </p:extLst>
+  </p:cSld>
+  <p:clrMapOvr>
+    <a:masterClrMapping/>
+  </p:clrMapOvr>
+  <p:timing>
+    <p:tnLst>
+      <p:par>
+        <p:cTn id="1" dur="indefinite" restart="never" nodeType="tmRoot"/>
+      </p:par>
+    </p:tnLst>
+  </p:timing>
+</p:sld>
+</file>
+
+<file path=ppt/slides/slide66.xml><?xml version="1.0" encoding="utf-8"?>
+<p:sld xmlns:a="http://schemas.openxmlformats.org/drawingml/2006/main" xmlns:r="http://schemas.openxmlformats.org/officeDocument/2006/relationships" xmlns:p="http://schemas.openxmlformats.org/presentationml/2006/main">
+  <p:cSld>
+    <p:spTree>
+      <p:nvGrpSpPr>
+        <p:cNvPr id="1" name=""/>
+        <p:cNvGrpSpPr/>
+        <p:nvPr/>
+      </p:nvGrpSpPr>
+      <p:grpSpPr>
+        <a:xfrm>
+          <a:off x="0" y="0"/>
+          <a:ext cx="0" cy="0"/>
+          <a:chOff x="0" y="0"/>
+          <a:chExt cx="0" cy="0"/>
+        </a:xfrm>
+      </p:grpSpPr>
+      <p:sp>
+        <p:nvSpPr>
+          <p:cNvPr id="4" name="Titre 3"/>
+          <p:cNvSpPr>
+            <a:spLocks noGrp="1"/>
+          </p:cNvSpPr>
+          <p:nvPr>
+            <p:ph type="title"/>
+          </p:nvPr>
+        </p:nvSpPr>
+        <p:spPr>
+          <a:xfrm>
+            <a:off x="831850" y="889607"/>
+            <a:ext cx="11209354" cy="967476"/>
+          </a:xfrm>
+        </p:spPr>
+        <p:txBody>
+          <a:bodyPr>
+            <a:normAutofit/>
+          </a:bodyPr>
+          <a:lstStyle/>
+          <a:p>
+            <a:r>
+              <a:rPr lang="fr-FR" sz="3600" dirty="0" smtClean="0"/>
+              <a:t>Docker – Création application avec docker-compose</a:t>
+            </a:r>
+            <a:endParaRPr lang="fr-FR" sz="3600" dirty="0"/>
+          </a:p>
+        </p:txBody>
+      </p:sp>
+      <p:sp>
+        <p:nvSpPr>
+          <p:cNvPr id="5" name="Espace réservé du texte 4"/>
+          <p:cNvSpPr>
+            <a:spLocks noGrp="1"/>
+          </p:cNvSpPr>
+          <p:nvPr>
+            <p:ph type="body" idx="1"/>
+          </p:nvPr>
+        </p:nvSpPr>
+        <p:spPr>
+          <a:xfrm>
+            <a:off x="831850" y="2021305"/>
+            <a:ext cx="10759786" cy="4379495"/>
+          </a:xfrm>
+        </p:spPr>
+        <p:txBody>
+          <a:bodyPr>
+            <a:normAutofit fontScale="92500" lnSpcReduction="20000"/>
+          </a:bodyPr>
+          <a:lstStyle/>
+          <a:p>
+            <a:r>
+              <a:rPr lang="fr-FR" dirty="0" smtClean="0"/>
+              <a:t>Je réalise l’exemple des vidéos </a:t>
+            </a:r>
+            <a:r>
+              <a:rPr lang="fr-FR" dirty="0" smtClean="0">
+                <a:hlinkClick r:id="rId2"/>
+              </a:rPr>
+              <a:t>https</a:t>
+            </a:r>
+            <a:r>
+              <a:rPr lang="fr-FR" dirty="0">
+                <a:hlinkClick r:id="rId2"/>
+              </a:rPr>
+              <a:t>://</a:t>
+            </a:r>
+            <a:r>
+              <a:rPr lang="fr-FR" dirty="0" smtClean="0">
+                <a:hlinkClick r:id="rId2"/>
+              </a:rPr>
+              <a:t>www.youtube.com/watch?v=cWkmqZPWwiw</a:t>
+            </a:r>
+            <a:r>
+              <a:rPr lang="fr-FR" dirty="0"/>
+              <a:t> et </a:t>
+            </a:r>
+            <a:r>
+              <a:rPr lang="fr-FR" dirty="0">
+                <a:hlinkClick r:id="rId3"/>
+              </a:rPr>
+              <a:t>https://</a:t>
+            </a:r>
+            <a:r>
+              <a:rPr lang="fr-FR" dirty="0" smtClean="0">
+                <a:hlinkClick r:id="rId3"/>
+              </a:rPr>
+              <a:t>www.youtube.com/watch?v=dWcoIxRfs8Y</a:t>
+            </a:r>
+            <a:r>
+              <a:rPr lang="fr-FR" dirty="0" smtClean="0"/>
+              <a:t> </a:t>
+            </a:r>
+          </a:p>
+          <a:p>
+            <a:r>
+              <a:rPr lang="fr-FR" dirty="0" smtClean="0"/>
+              <a:t>ATTENTION : arrêter le service </a:t>
+            </a:r>
+            <a:r>
+              <a:rPr lang="fr-FR" dirty="0" err="1" smtClean="0"/>
+              <a:t>httpd</a:t>
+            </a:r>
+            <a:r>
+              <a:rPr lang="fr-FR" dirty="0" smtClean="0"/>
+              <a:t> si il fonctionne (car il utilise le port 80)</a:t>
+            </a:r>
+          </a:p>
+          <a:p>
+            <a:r>
+              <a:rPr lang="fr-FR" dirty="0" smtClean="0"/>
+              <a:t>Je copie les trois fichiers app.py, </a:t>
+            </a:r>
+            <a:r>
+              <a:rPr lang="fr-FR" dirty="0" err="1" smtClean="0"/>
+              <a:t>Dockerfile</a:t>
+            </a:r>
+            <a:r>
+              <a:rPr lang="fr-FR" dirty="0" smtClean="0"/>
+              <a:t> et requirements.txt sous un répertoire « application » du PC linux internet puis :</a:t>
+            </a:r>
+          </a:p>
+          <a:p>
+            <a:pPr lvl="1"/>
+            <a:r>
+              <a:rPr lang="fr-FR" dirty="0"/>
+              <a:t>d</a:t>
+            </a:r>
+            <a:r>
+              <a:rPr lang="fr-FR" dirty="0" smtClean="0"/>
+              <a:t>ocker </a:t>
+            </a:r>
+            <a:r>
+              <a:rPr lang="fr-FR" dirty="0" err="1" smtClean="0"/>
+              <a:t>build</a:t>
+            </a:r>
+            <a:r>
+              <a:rPr lang="fr-FR" dirty="0" smtClean="0"/>
+              <a:t> –t </a:t>
+            </a:r>
+            <a:r>
+              <a:rPr lang="fr-FR" dirty="0" err="1" smtClean="0"/>
+              <a:t>cocademocompose</a:t>
+            </a:r>
+            <a:r>
+              <a:rPr lang="fr-FR" dirty="0" smtClean="0"/>
+              <a:t> .</a:t>
+            </a:r>
+          </a:p>
+          <a:p>
+            <a:pPr lvl="1"/>
+            <a:r>
+              <a:rPr lang="fr-FR" dirty="0"/>
+              <a:t>d</a:t>
+            </a:r>
+            <a:r>
+              <a:rPr lang="fr-FR" dirty="0" smtClean="0"/>
+              <a:t>ocker images</a:t>
+            </a:r>
+          </a:p>
+          <a:p>
+            <a:r>
+              <a:rPr lang="fr-FR" dirty="0" smtClean="0"/>
+              <a:t>Vérification de fonctionnement de l’image par exécution du container:</a:t>
+            </a:r>
+          </a:p>
+          <a:p>
+            <a:pPr lvl="1"/>
+            <a:r>
+              <a:rPr lang="fr-FR" dirty="0"/>
+              <a:t>d</a:t>
+            </a:r>
+            <a:r>
+              <a:rPr lang="fr-FR" dirty="0" smtClean="0"/>
+              <a:t>ocker </a:t>
+            </a:r>
+            <a:r>
+              <a:rPr lang="fr-FR" dirty="0" err="1" smtClean="0"/>
+              <a:t>run</a:t>
+            </a:r>
+            <a:r>
+              <a:rPr lang="fr-FR" dirty="0" smtClean="0"/>
+              <a:t> –p 80:80 </a:t>
+            </a:r>
+            <a:r>
+              <a:rPr lang="fr-FR" dirty="0" err="1" smtClean="0"/>
+              <a:t>cocademocompose</a:t>
+            </a:r>
+            <a:endParaRPr lang="fr-FR" dirty="0" smtClean="0"/>
+          </a:p>
+          <a:p>
+            <a:r>
+              <a:rPr lang="fr-FR" dirty="0"/>
+              <a:t>o</a:t>
+            </a:r>
+            <a:r>
+              <a:rPr lang="fr-FR" dirty="0" smtClean="0"/>
+              <a:t>ù le port 80 de l’image est mappé sur le port 80 de l’hôte</a:t>
+            </a:r>
+          </a:p>
+          <a:p>
+            <a:r>
+              <a:rPr lang="fr-FR" dirty="0" smtClean="0"/>
+              <a:t>Lancer Firefox puis aller à l’URL </a:t>
+            </a:r>
+            <a:r>
+              <a:rPr lang="fr-FR" dirty="0" smtClean="0">
+                <a:hlinkClick r:id="rId4"/>
+              </a:rPr>
+              <a:t>http://localhost</a:t>
+            </a:r>
+            <a:r>
+              <a:rPr lang="fr-FR" dirty="0" smtClean="0"/>
+              <a:t> (ou </a:t>
+            </a:r>
+            <a:r>
+              <a:rPr lang="fr-FR" dirty="0" smtClean="0">
+                <a:hlinkClick r:id="rId4"/>
+              </a:rPr>
+              <a:t>http://localhost:80</a:t>
+            </a:r>
+            <a:r>
+              <a:rPr lang="fr-FR" dirty="0" smtClean="0"/>
+              <a:t>) pour voir afficher </a:t>
+            </a:r>
+            <a:r>
+              <a:rPr lang="fr-FR" dirty="0" err="1" smtClean="0"/>
+              <a:t>hostname</a:t>
+            </a:r>
+            <a:r>
+              <a:rPr lang="fr-FR" dirty="0" smtClean="0"/>
+              <a:t> et visites suivi d’un texte d’erreur (car redis pas lancé).</a:t>
+            </a:r>
+          </a:p>
+          <a:p>
+            <a:r>
+              <a:rPr lang="fr-FR" dirty="0" smtClean="0"/>
+              <a:t>Pour une application avec en plus l’image redis (port 6379) dans le réseau « </a:t>
+            </a:r>
+            <a:r>
+              <a:rPr lang="fr-FR" dirty="0" err="1" smtClean="0"/>
+              <a:t>monreseau</a:t>
+            </a:r>
+            <a:r>
+              <a:rPr lang="fr-FR" dirty="0" smtClean="0"/>
+              <a:t> » créer sous </a:t>
+            </a:r>
+            <a:r>
+              <a:rPr lang="fr-FR" dirty="0"/>
+              <a:t>vi le fichier « docker-</a:t>
+            </a:r>
+            <a:r>
+              <a:rPr lang="fr-FR" dirty="0" err="1"/>
+              <a:t>compose.yml</a:t>
+            </a:r>
+            <a:r>
+              <a:rPr lang="fr-FR" dirty="0"/>
+              <a:t> » de la forme</a:t>
+            </a:r>
+            <a:r>
+              <a:rPr lang="fr-FR" dirty="0" smtClean="0"/>
+              <a:t> …</a:t>
+            </a:r>
+          </a:p>
+          <a:p>
+            <a:endParaRPr lang="fr-FR" dirty="0" smtClean="0"/>
+          </a:p>
+        </p:txBody>
+      </p:sp>
+      <p:sp>
+        <p:nvSpPr>
+          <p:cNvPr id="7" name="Espace réservé du texte 4"/>
+          <p:cNvSpPr txBox="1">
+            <a:spLocks/>
+          </p:cNvSpPr>
+          <p:nvPr/>
+        </p:nvSpPr>
+        <p:spPr>
+          <a:xfrm>
+            <a:off x="831849" y="1857083"/>
+            <a:ext cx="9740901" cy="4909477"/>
+          </a:xfrm>
+          <a:prstGeom prst="rect">
+            <a:avLst/>
+          </a:prstGeom>
+        </p:spPr>
+        <p:txBody>
+          <a:bodyPr vert="horz" lIns="91440" tIns="45720" rIns="91440" bIns="45720" rtlCol="0">
+            <a:normAutofit/>
+          </a:bodyPr>
+          <a:lstStyle>
+            <a:lvl1pPr marL="0" indent="0" algn="l" defTabSz="914400" rtl="0" eaLnBrk="1" latinLnBrk="0" hangingPunct="1">
+              <a:lnSpc>
+                <a:spcPct val="90000"/>
+              </a:lnSpc>
+              <a:spcBef>
+                <a:spcPts val="1000"/>
+              </a:spcBef>
+              <a:buFont typeface="Arial" panose="020B0604020202020204" pitchFamily="34" charset="0"/>
+              <a:buNone/>
+              <a:defRPr sz="2400" kern="1200">
+                <a:solidFill>
+                  <a:schemeClr val="tx1">
+                    <a:tint val="75000"/>
+                  </a:schemeClr>
+                </a:solidFill>
+                <a:latin typeface="+mn-lt"/>
+                <a:ea typeface="+mn-ea"/>
+                <a:cs typeface="+mn-cs"/>
+              </a:defRPr>
+            </a:lvl1pPr>
+            <a:lvl2pPr marL="457200" indent="0" algn="l" defTabSz="914400" rtl="0" eaLnBrk="1" latinLnBrk="0" hangingPunct="1">
+              <a:lnSpc>
+                <a:spcPct val="90000"/>
+              </a:lnSpc>
+              <a:spcBef>
+                <a:spcPts val="500"/>
+              </a:spcBef>
+              <a:buFont typeface="Arial" panose="020B0604020202020204" pitchFamily="34" charset="0"/>
+              <a:buNone/>
+              <a:defRPr sz="2000" kern="1200">
+                <a:solidFill>
+                  <a:schemeClr val="tx1">
+                    <a:tint val="75000"/>
+                  </a:schemeClr>
+                </a:solidFill>
+                <a:latin typeface="+mn-lt"/>
+                <a:ea typeface="+mn-ea"/>
+                <a:cs typeface="+mn-cs"/>
+              </a:defRPr>
+            </a:lvl2pPr>
+            <a:lvl3pPr marL="914400" indent="0" algn="l" defTabSz="914400" rtl="0" eaLnBrk="1" latinLnBrk="0" hangingPunct="1">
+              <a:lnSpc>
+                <a:spcPct val="90000"/>
+              </a:lnSpc>
+              <a:spcBef>
+                <a:spcPts val="500"/>
+              </a:spcBef>
+              <a:buFont typeface="Arial" panose="020B0604020202020204" pitchFamily="34" charset="0"/>
+              <a:buNone/>
+              <a:defRPr sz="1800" kern="1200">
+                <a:solidFill>
+                  <a:schemeClr val="tx1">
+                    <a:tint val="75000"/>
+                  </a:schemeClr>
+                </a:solidFill>
+                <a:latin typeface="+mn-lt"/>
+                <a:ea typeface="+mn-ea"/>
+                <a:cs typeface="+mn-cs"/>
+              </a:defRPr>
+            </a:lvl3pPr>
+            <a:lvl4pPr marL="1371600" indent="0" algn="l" defTabSz="914400" rtl="0" eaLnBrk="1" latinLnBrk="0" hangingPunct="1">
+              <a:lnSpc>
+                <a:spcPct val="90000"/>
+              </a:lnSpc>
+              <a:spcBef>
+                <a:spcPts val="500"/>
+              </a:spcBef>
+              <a:buFont typeface="Arial" panose="020B0604020202020204" pitchFamily="34" charset="0"/>
+              <a:buNone/>
+              <a:defRPr sz="1600" kern="1200">
+                <a:solidFill>
+                  <a:schemeClr val="tx1">
+                    <a:tint val="75000"/>
+                  </a:schemeClr>
+                </a:solidFill>
+                <a:latin typeface="+mn-lt"/>
+                <a:ea typeface="+mn-ea"/>
+                <a:cs typeface="+mn-cs"/>
+              </a:defRPr>
+            </a:lvl4pPr>
+            <a:lvl5pPr marL="1828800" indent="0" algn="l" defTabSz="914400" rtl="0" eaLnBrk="1" latinLnBrk="0" hangingPunct="1">
+              <a:lnSpc>
+                <a:spcPct val="90000"/>
+              </a:lnSpc>
+              <a:spcBef>
+                <a:spcPts val="500"/>
+              </a:spcBef>
+              <a:buFont typeface="Arial" panose="020B0604020202020204" pitchFamily="34" charset="0"/>
+              <a:buNone/>
+              <a:defRPr sz="1600" kern="1200">
+                <a:solidFill>
+                  <a:schemeClr val="tx1">
+                    <a:tint val="75000"/>
+                  </a:schemeClr>
+                </a:solidFill>
+                <a:latin typeface="+mn-lt"/>
+                <a:ea typeface="+mn-ea"/>
+                <a:cs typeface="+mn-cs"/>
+              </a:defRPr>
+            </a:lvl5pPr>
+            <a:lvl6pPr marL="2286000" indent="0" algn="l" defTabSz="914400" rtl="0" eaLnBrk="1" latinLnBrk="0" hangingPunct="1">
+              <a:lnSpc>
+                <a:spcPct val="90000"/>
+              </a:lnSpc>
+              <a:spcBef>
+                <a:spcPts val="500"/>
+              </a:spcBef>
+              <a:buFont typeface="Arial" panose="020B0604020202020204" pitchFamily="34" charset="0"/>
+              <a:buNone/>
+              <a:defRPr sz="1600" kern="1200">
+                <a:solidFill>
+                  <a:schemeClr val="tx1">
+                    <a:tint val="75000"/>
+                  </a:schemeClr>
+                </a:solidFill>
+                <a:latin typeface="+mn-lt"/>
+                <a:ea typeface="+mn-ea"/>
+                <a:cs typeface="+mn-cs"/>
+              </a:defRPr>
+            </a:lvl6pPr>
+            <a:lvl7pPr marL="2743200" indent="0" algn="l" defTabSz="914400" rtl="0" eaLnBrk="1" latinLnBrk="0" hangingPunct="1">
+              <a:lnSpc>
+                <a:spcPct val="90000"/>
+              </a:lnSpc>
+              <a:spcBef>
+                <a:spcPts val="500"/>
+              </a:spcBef>
+              <a:buFont typeface="Arial" panose="020B0604020202020204" pitchFamily="34" charset="0"/>
+              <a:buNone/>
+              <a:defRPr sz="1600" kern="1200">
+                <a:solidFill>
+                  <a:schemeClr val="tx1">
+                    <a:tint val="75000"/>
+                  </a:schemeClr>
+                </a:solidFill>
+                <a:latin typeface="+mn-lt"/>
+                <a:ea typeface="+mn-ea"/>
+                <a:cs typeface="+mn-cs"/>
+              </a:defRPr>
+            </a:lvl7pPr>
+            <a:lvl8pPr marL="3200400" indent="0" algn="l" defTabSz="914400" rtl="0" eaLnBrk="1" latinLnBrk="0" hangingPunct="1">
+              <a:lnSpc>
+                <a:spcPct val="90000"/>
+              </a:lnSpc>
+              <a:spcBef>
+                <a:spcPts val="500"/>
+              </a:spcBef>
+              <a:buFont typeface="Arial" panose="020B0604020202020204" pitchFamily="34" charset="0"/>
+              <a:buNone/>
+              <a:defRPr sz="1600" kern="1200">
+                <a:solidFill>
+                  <a:schemeClr val="tx1">
+                    <a:tint val="75000"/>
+                  </a:schemeClr>
+                </a:solidFill>
+                <a:latin typeface="+mn-lt"/>
+                <a:ea typeface="+mn-ea"/>
+                <a:cs typeface="+mn-cs"/>
+              </a:defRPr>
+            </a:lvl8pPr>
+            <a:lvl9pPr marL="3657600" indent="0" algn="l" defTabSz="914400" rtl="0" eaLnBrk="1" latinLnBrk="0" hangingPunct="1">
+              <a:lnSpc>
+                <a:spcPct val="90000"/>
+              </a:lnSpc>
+              <a:spcBef>
+                <a:spcPts val="500"/>
+              </a:spcBef>
+              <a:buFont typeface="Arial" panose="020B0604020202020204" pitchFamily="34" charset="0"/>
+              <a:buNone/>
+              <a:defRPr sz="1600" kern="1200">
+                <a:solidFill>
+                  <a:schemeClr val="tx1">
+                    <a:tint val="75000"/>
+                  </a:schemeClr>
+                </a:solidFill>
+                <a:latin typeface="+mn-lt"/>
+                <a:ea typeface="+mn-ea"/>
+                <a:cs typeface="+mn-cs"/>
+              </a:defRPr>
+            </a:lvl9pPr>
+          </a:lstStyle>
+          <a:p>
+            <a:pPr marL="342900" indent="-342900">
+              <a:buFontTx/>
+              <a:buChar char="-"/>
+            </a:pPr>
+            <a:endParaRPr lang="fr-FR" dirty="0" smtClean="0"/>
+          </a:p>
+          <a:p>
+            <a:pPr marL="342900" indent="-342900">
+              <a:buFontTx/>
+              <a:buChar char="-"/>
+            </a:pPr>
+            <a:endParaRPr lang="fr-FR" dirty="0" smtClean="0"/>
+          </a:p>
+          <a:p>
+            <a:pPr marL="342900" indent="-342900">
+              <a:buFontTx/>
+              <a:buChar char="-"/>
+            </a:pPr>
+            <a:endParaRPr lang="fr-FR" dirty="0" smtClean="0"/>
+          </a:p>
+        </p:txBody>
+      </p:sp>
+    </p:spTree>
+    <p:extLst>
+      <p:ext uri="{BB962C8B-B14F-4D97-AF65-F5344CB8AC3E}">
+        <p14:creationId xmlns:p14="http://schemas.microsoft.com/office/powerpoint/2010/main" val="2349073542"/>
+      </p:ext>
+    </p:extLst>
+  </p:cSld>
+  <p:clrMapOvr>
+    <a:masterClrMapping/>
+  </p:clrMapOvr>
+  <p:timing>
+    <p:tnLst>
+      <p:par>
+        <p:cTn id="1" dur="indefinite" restart="never" nodeType="tmRoot"/>
+      </p:par>
+    </p:tnLst>
+  </p:timing>
+</p:sld>
+</file>
+
+<file path=ppt/slides/slide67.xml><?xml version="1.0" encoding="utf-8"?>
+<p:sld xmlns:a="http://schemas.openxmlformats.org/drawingml/2006/main" xmlns:r="http://schemas.openxmlformats.org/officeDocument/2006/relationships" xmlns:p="http://schemas.openxmlformats.org/presentationml/2006/main">
+  <p:cSld>
+    <p:spTree>
+      <p:nvGrpSpPr>
+        <p:cNvPr id="1" name=""/>
+        <p:cNvGrpSpPr/>
+        <p:nvPr/>
+      </p:nvGrpSpPr>
+      <p:grpSpPr>
+        <a:xfrm>
+          <a:off x="0" y="0"/>
+          <a:ext cx="0" cy="0"/>
+          <a:chOff x="0" y="0"/>
+          <a:chExt cx="0" cy="0"/>
+        </a:xfrm>
+      </p:grpSpPr>
+      <p:sp>
+        <p:nvSpPr>
+          <p:cNvPr id="4" name="Titre 3"/>
+          <p:cNvSpPr>
+            <a:spLocks noGrp="1"/>
+          </p:cNvSpPr>
+          <p:nvPr>
+            <p:ph type="title"/>
+          </p:nvPr>
+        </p:nvSpPr>
+        <p:spPr>
+          <a:xfrm>
+            <a:off x="831850" y="889607"/>
+            <a:ext cx="11209354" cy="967476"/>
+          </a:xfrm>
+        </p:spPr>
+        <p:txBody>
+          <a:bodyPr>
+            <a:normAutofit/>
+          </a:bodyPr>
+          <a:lstStyle/>
+          <a:p>
+            <a:r>
+              <a:rPr lang="fr-FR" sz="3600" dirty="0" smtClean="0"/>
+              <a:t>Docker – Création application avec docker-compose - </a:t>
+            </a:r>
+            <a:r>
+              <a:rPr lang="fr-FR" sz="3600" dirty="0" err="1" smtClean="0"/>
+              <a:t>cont</a:t>
+            </a:r>
+            <a:endParaRPr lang="fr-FR" sz="3600" dirty="0"/>
+          </a:p>
+        </p:txBody>
+      </p:sp>
+      <p:sp>
+        <p:nvSpPr>
+          <p:cNvPr id="5" name="Espace réservé du texte 4"/>
+          <p:cNvSpPr>
+            <a:spLocks noGrp="1"/>
+          </p:cNvSpPr>
+          <p:nvPr>
+            <p:ph type="body" idx="1"/>
+          </p:nvPr>
+        </p:nvSpPr>
+        <p:spPr>
+          <a:xfrm>
+            <a:off x="831850" y="2021305"/>
+            <a:ext cx="10759786" cy="4658628"/>
+          </a:xfrm>
+        </p:spPr>
+        <p:txBody>
+          <a:bodyPr>
+            <a:normAutofit fontScale="40000" lnSpcReduction="20000"/>
+          </a:bodyPr>
+          <a:lstStyle/>
+          <a:p>
+            <a:pPr defTabSz="360000">
+              <a:lnSpc>
+                <a:spcPct val="120000"/>
+              </a:lnSpc>
+              <a:spcBef>
+                <a:spcPts val="0"/>
+              </a:spcBef>
+            </a:pPr>
+            <a:r>
+              <a:rPr lang="fr-FR" sz="3500" dirty="0" smtClean="0"/>
+              <a:t>Version : « 3 »</a:t>
+            </a:r>
+          </a:p>
+          <a:p>
+            <a:pPr defTabSz="360000">
+              <a:lnSpc>
+                <a:spcPct val="120000"/>
+              </a:lnSpc>
+              <a:spcBef>
+                <a:spcPts val="0"/>
+              </a:spcBef>
+            </a:pPr>
+            <a:r>
+              <a:rPr lang="fr-FR" sz="3500" dirty="0" smtClean="0"/>
+              <a:t>Services :</a:t>
+            </a:r>
+          </a:p>
+          <a:p>
+            <a:pPr defTabSz="360000">
+              <a:lnSpc>
+                <a:spcPct val="120000"/>
+              </a:lnSpc>
+              <a:spcBef>
+                <a:spcPts val="0"/>
+              </a:spcBef>
+            </a:pPr>
+            <a:r>
+              <a:rPr lang="fr-FR" sz="3500" dirty="0"/>
+              <a:t>	</a:t>
+            </a:r>
+            <a:r>
+              <a:rPr lang="fr-FR" sz="3500" dirty="0" err="1" smtClean="0"/>
+              <a:t>monapp</a:t>
+            </a:r>
+            <a:r>
+              <a:rPr lang="fr-FR" sz="3500" dirty="0" smtClean="0"/>
+              <a:t>:</a:t>
+            </a:r>
+          </a:p>
+          <a:p>
+            <a:pPr defTabSz="360000">
+              <a:lnSpc>
+                <a:spcPct val="120000"/>
+              </a:lnSpc>
+              <a:spcBef>
+                <a:spcPts val="0"/>
+              </a:spcBef>
+            </a:pPr>
+            <a:r>
+              <a:rPr lang="fr-FR" sz="3500" dirty="0"/>
+              <a:t>	</a:t>
+            </a:r>
+            <a:r>
+              <a:rPr lang="fr-FR" sz="3500" dirty="0" smtClean="0"/>
+              <a:t>	</a:t>
+            </a:r>
+            <a:r>
+              <a:rPr lang="fr-FR" sz="3500" dirty="0" err="1" smtClean="0"/>
+              <a:t>build</a:t>
+            </a:r>
+            <a:r>
+              <a:rPr lang="fr-FR" sz="3500" dirty="0" smtClean="0"/>
+              <a:t>: .</a:t>
+            </a:r>
+          </a:p>
+          <a:p>
+            <a:pPr defTabSz="360000">
+              <a:lnSpc>
+                <a:spcPct val="120000"/>
+              </a:lnSpc>
+              <a:spcBef>
+                <a:spcPts val="0"/>
+              </a:spcBef>
+            </a:pPr>
+            <a:r>
+              <a:rPr lang="fr-FR" sz="3500" dirty="0"/>
+              <a:t>	</a:t>
+            </a:r>
+            <a:r>
+              <a:rPr lang="fr-FR" sz="3500" dirty="0" smtClean="0"/>
+              <a:t>	image: </a:t>
+            </a:r>
+            <a:r>
+              <a:rPr lang="fr-FR" sz="3500" dirty="0" err="1" smtClean="0"/>
+              <a:t>cocademocompose</a:t>
+            </a:r>
+            <a:endParaRPr lang="fr-FR" sz="3500" dirty="0" smtClean="0"/>
+          </a:p>
+          <a:p>
+            <a:pPr defTabSz="360000">
+              <a:lnSpc>
+                <a:spcPct val="120000"/>
+              </a:lnSpc>
+              <a:spcBef>
+                <a:spcPts val="0"/>
+              </a:spcBef>
+            </a:pPr>
+            <a:r>
+              <a:rPr lang="fr-FR" sz="3500" dirty="0"/>
+              <a:t>	</a:t>
+            </a:r>
+            <a:r>
+              <a:rPr lang="fr-FR" sz="3500" dirty="0" smtClean="0"/>
+              <a:t>	</a:t>
+            </a:r>
+            <a:r>
+              <a:rPr lang="fr-FR" sz="3500" dirty="0" err="1" smtClean="0"/>
+              <a:t>depends_on</a:t>
+            </a:r>
+            <a:r>
+              <a:rPr lang="fr-FR" sz="3500" dirty="0" smtClean="0"/>
+              <a:t>: </a:t>
+            </a:r>
+          </a:p>
+          <a:p>
+            <a:pPr defTabSz="360000">
+              <a:lnSpc>
+                <a:spcPct val="120000"/>
+              </a:lnSpc>
+              <a:spcBef>
+                <a:spcPts val="0"/>
+              </a:spcBef>
+            </a:pPr>
+            <a:r>
+              <a:rPr lang="fr-FR" sz="3500" dirty="0"/>
+              <a:t>	</a:t>
+            </a:r>
+            <a:r>
+              <a:rPr lang="fr-FR" sz="3500" dirty="0" smtClean="0"/>
+              <a:t>		- redis                                            (=&gt; l’image redis doit démarrer avant </a:t>
+            </a:r>
+            <a:r>
+              <a:rPr lang="fr-FR" sz="3500" dirty="0" err="1" smtClean="0"/>
+              <a:t>monapp</a:t>
+            </a:r>
+            <a:r>
+              <a:rPr lang="fr-FR" sz="3500" dirty="0" smtClean="0"/>
+              <a:t>)</a:t>
+            </a:r>
+          </a:p>
+          <a:p>
+            <a:pPr defTabSz="360000">
+              <a:lnSpc>
+                <a:spcPct val="120000"/>
+              </a:lnSpc>
+              <a:spcBef>
+                <a:spcPts val="0"/>
+              </a:spcBef>
+            </a:pPr>
+            <a:r>
+              <a:rPr lang="fr-FR" sz="3500" dirty="0"/>
+              <a:t>	</a:t>
+            </a:r>
+            <a:r>
+              <a:rPr lang="fr-FR" sz="3500" dirty="0" smtClean="0"/>
+              <a:t>	ports:</a:t>
+            </a:r>
+          </a:p>
+          <a:p>
+            <a:pPr defTabSz="360000">
+              <a:lnSpc>
+                <a:spcPct val="120000"/>
+              </a:lnSpc>
+              <a:spcBef>
+                <a:spcPts val="0"/>
+              </a:spcBef>
+            </a:pPr>
+            <a:r>
+              <a:rPr lang="fr-FR" sz="3500" dirty="0"/>
+              <a:t>	</a:t>
+            </a:r>
+            <a:r>
+              <a:rPr lang="fr-FR" sz="3500" dirty="0" smtClean="0"/>
+              <a:t>		- « 80:80 »                                  (=&gt; </a:t>
+            </a:r>
+            <a:r>
+              <a:rPr lang="fr-FR" sz="3500" dirty="0" err="1" smtClean="0"/>
+              <a:t>mapping</a:t>
+            </a:r>
+            <a:r>
+              <a:rPr lang="fr-FR" sz="3500" dirty="0" smtClean="0"/>
+              <a:t> du port container 80 sur le port </a:t>
+            </a:r>
+            <a:r>
+              <a:rPr lang="fr-FR" sz="3500" dirty="0" err="1" smtClean="0"/>
+              <a:t>hote</a:t>
+            </a:r>
+            <a:r>
+              <a:rPr lang="fr-FR" sz="3500" dirty="0" smtClean="0"/>
+              <a:t> 80)</a:t>
+            </a:r>
+          </a:p>
+          <a:p>
+            <a:pPr defTabSz="360000">
+              <a:lnSpc>
+                <a:spcPct val="120000"/>
+              </a:lnSpc>
+              <a:spcBef>
+                <a:spcPts val="0"/>
+              </a:spcBef>
+            </a:pPr>
+            <a:r>
+              <a:rPr lang="fr-FR" sz="3500" dirty="0"/>
+              <a:t>	</a:t>
+            </a:r>
+            <a:r>
+              <a:rPr lang="fr-FR" sz="3500" dirty="0" smtClean="0"/>
+              <a:t>	networks:</a:t>
+            </a:r>
+          </a:p>
+          <a:p>
+            <a:pPr defTabSz="360000">
+              <a:lnSpc>
+                <a:spcPct val="120000"/>
+              </a:lnSpc>
+              <a:spcBef>
+                <a:spcPts val="0"/>
+              </a:spcBef>
+            </a:pPr>
+            <a:r>
+              <a:rPr lang="fr-FR" sz="3500" dirty="0"/>
+              <a:t>	</a:t>
+            </a:r>
+            <a:r>
+              <a:rPr lang="fr-FR" sz="3500" dirty="0" smtClean="0"/>
+              <a:t>		- </a:t>
+            </a:r>
+            <a:r>
+              <a:rPr lang="fr-FR" sz="3500" dirty="0" err="1" smtClean="0"/>
+              <a:t>monreseau</a:t>
+            </a:r>
+            <a:r>
+              <a:rPr lang="fr-FR" sz="3500" dirty="0" smtClean="0"/>
+              <a:t>                               (=&gt; réseau interne Docker)</a:t>
+            </a:r>
+          </a:p>
+          <a:p>
+            <a:pPr defTabSz="360000">
+              <a:lnSpc>
+                <a:spcPct val="120000"/>
+              </a:lnSpc>
+              <a:spcBef>
+                <a:spcPts val="0"/>
+              </a:spcBef>
+            </a:pPr>
+            <a:r>
+              <a:rPr lang="fr-FR" sz="3500" dirty="0"/>
+              <a:t>	</a:t>
+            </a:r>
+            <a:r>
+              <a:rPr lang="fr-FR" sz="3500" dirty="0" smtClean="0"/>
+              <a:t>	</a:t>
+            </a:r>
+            <a:r>
+              <a:rPr lang="fr-FR" sz="3500" dirty="0" err="1" smtClean="0"/>
+              <a:t>environment</a:t>
+            </a:r>
+            <a:r>
+              <a:rPr lang="fr-FR" sz="3500" dirty="0" smtClean="0"/>
+              <a:t>:</a:t>
+            </a:r>
+          </a:p>
+          <a:p>
+            <a:pPr defTabSz="360000">
+              <a:lnSpc>
+                <a:spcPct val="120000"/>
+              </a:lnSpc>
+              <a:spcBef>
+                <a:spcPts val="0"/>
+              </a:spcBef>
+            </a:pPr>
+            <a:r>
+              <a:rPr lang="fr-FR" sz="3500" dirty="0"/>
+              <a:t>	</a:t>
+            </a:r>
+            <a:r>
+              <a:rPr lang="fr-FR" sz="3500" dirty="0" smtClean="0"/>
+              <a:t>		- NOM=les amis</a:t>
+            </a:r>
+          </a:p>
+          <a:p>
+            <a:pPr defTabSz="360000">
+              <a:lnSpc>
+                <a:spcPct val="120000"/>
+              </a:lnSpc>
+              <a:spcBef>
+                <a:spcPts val="0"/>
+              </a:spcBef>
+            </a:pPr>
+            <a:r>
+              <a:rPr lang="fr-FR" sz="3500" dirty="0"/>
+              <a:t>	</a:t>
+            </a:r>
+            <a:r>
+              <a:rPr lang="fr-FR" sz="3500" dirty="0" smtClean="0"/>
+              <a:t>redis:</a:t>
+            </a:r>
+          </a:p>
+          <a:p>
+            <a:pPr defTabSz="360000">
+              <a:lnSpc>
+                <a:spcPct val="120000"/>
+              </a:lnSpc>
+              <a:spcBef>
+                <a:spcPts val="0"/>
+              </a:spcBef>
+            </a:pPr>
+            <a:r>
+              <a:rPr lang="fr-FR" sz="3500" dirty="0"/>
+              <a:t>	</a:t>
+            </a:r>
+            <a:r>
+              <a:rPr lang="fr-FR" sz="3500" dirty="0" smtClean="0"/>
+              <a:t>	image: redis</a:t>
+            </a:r>
+          </a:p>
+          <a:p>
+            <a:pPr defTabSz="360000">
+              <a:lnSpc>
+                <a:spcPct val="120000"/>
+              </a:lnSpc>
+              <a:spcBef>
+                <a:spcPts val="0"/>
+              </a:spcBef>
+            </a:pPr>
+            <a:r>
+              <a:rPr lang="fr-FR" sz="3500" dirty="0"/>
+              <a:t>	</a:t>
+            </a:r>
+            <a:r>
+              <a:rPr lang="fr-FR" sz="3500" dirty="0" smtClean="0"/>
+              <a:t>	networks:</a:t>
+            </a:r>
+          </a:p>
+          <a:p>
+            <a:pPr defTabSz="360000">
+              <a:lnSpc>
+                <a:spcPct val="120000"/>
+              </a:lnSpc>
+              <a:spcBef>
+                <a:spcPts val="0"/>
+              </a:spcBef>
+            </a:pPr>
+            <a:r>
+              <a:rPr lang="fr-FR" sz="3500" dirty="0"/>
+              <a:t>	</a:t>
+            </a:r>
+            <a:r>
+              <a:rPr lang="fr-FR" sz="3500" dirty="0" smtClean="0"/>
+              <a:t>		- </a:t>
+            </a:r>
+            <a:r>
+              <a:rPr lang="fr-FR" sz="3500" dirty="0" err="1" smtClean="0"/>
+              <a:t>monreseau</a:t>
+            </a:r>
+            <a:endParaRPr lang="fr-FR" sz="3500" dirty="0" smtClean="0"/>
+          </a:p>
+          <a:p>
+            <a:pPr defTabSz="360000">
+              <a:lnSpc>
+                <a:spcPct val="120000"/>
+              </a:lnSpc>
+              <a:spcBef>
+                <a:spcPts val="0"/>
+              </a:spcBef>
+            </a:pPr>
+            <a:r>
+              <a:rPr lang="fr-FR" sz="3500" dirty="0" smtClean="0"/>
+              <a:t>Networks:</a:t>
+            </a:r>
+          </a:p>
+          <a:p>
+            <a:pPr defTabSz="360000">
+              <a:lnSpc>
+                <a:spcPct val="120000"/>
+              </a:lnSpc>
+              <a:spcBef>
+                <a:spcPts val="0"/>
+              </a:spcBef>
+            </a:pPr>
+            <a:r>
+              <a:rPr lang="fr-FR" sz="3500" dirty="0"/>
+              <a:t>	</a:t>
+            </a:r>
+            <a:r>
+              <a:rPr lang="fr-FR" sz="3500" dirty="0" err="1" smtClean="0"/>
+              <a:t>monreseau</a:t>
+            </a:r>
+            <a:endParaRPr lang="fr-FR" sz="3500" dirty="0" smtClean="0"/>
+          </a:p>
+          <a:p>
+            <a:pPr defTabSz="360000">
+              <a:lnSpc>
+                <a:spcPct val="120000"/>
+              </a:lnSpc>
+              <a:spcBef>
+                <a:spcPts val="0"/>
+              </a:spcBef>
+            </a:pPr>
+            <a:r>
+              <a:rPr lang="fr-FR" sz="3500" dirty="0" smtClean="0"/>
+              <a:t>Puis exécuter : « /</a:t>
+            </a:r>
+            <a:r>
+              <a:rPr lang="fr-FR" sz="3500" dirty="0" err="1" smtClean="0"/>
+              <a:t>usr</a:t>
+            </a:r>
+            <a:r>
+              <a:rPr lang="fr-FR" sz="3500" dirty="0" smtClean="0"/>
+              <a:t>/local/bin/docker-compose up » pour démarrer les deux containers, visualiser sous navigateur web </a:t>
+            </a:r>
+            <a:r>
+              <a:rPr lang="fr-FR" sz="3500" dirty="0" smtClean="0">
+                <a:hlinkClick r:id="rId2"/>
+              </a:rPr>
+              <a:t>http://localhost:80</a:t>
+            </a:r>
+            <a:r>
+              <a:rPr lang="fr-FR" sz="3500" dirty="0" smtClean="0"/>
+              <a:t> le compteur de visites. Terminer par CTRL-C et « </a:t>
+            </a:r>
+            <a:r>
+              <a:rPr lang="fr-FR" sz="3500" dirty="0"/>
+              <a:t> /</a:t>
+            </a:r>
+            <a:r>
+              <a:rPr lang="fr-FR" sz="3500" dirty="0" err="1"/>
+              <a:t>usr</a:t>
+            </a:r>
+            <a:r>
+              <a:rPr lang="fr-FR" sz="3500" dirty="0"/>
+              <a:t>/local/bin/docker-compose </a:t>
+            </a:r>
+            <a:r>
+              <a:rPr lang="fr-FR" sz="3500" dirty="0" smtClean="0"/>
+              <a:t>down</a:t>
+            </a:r>
+            <a:r>
+              <a:rPr lang="fr-FR" sz="3500" dirty="0"/>
+              <a:t> » </a:t>
+            </a:r>
+            <a:endParaRPr lang="fr-FR" sz="3500" dirty="0" smtClean="0"/>
+          </a:p>
+        </p:txBody>
+      </p:sp>
+      <p:sp>
+        <p:nvSpPr>
+          <p:cNvPr id="7" name="Espace réservé du texte 4"/>
+          <p:cNvSpPr txBox="1">
+            <a:spLocks/>
+          </p:cNvSpPr>
+          <p:nvPr/>
+        </p:nvSpPr>
+        <p:spPr>
+          <a:xfrm>
+            <a:off x="831849" y="1857083"/>
+            <a:ext cx="9740901" cy="4909477"/>
+          </a:xfrm>
+          <a:prstGeom prst="rect">
+            <a:avLst/>
+          </a:prstGeom>
+        </p:spPr>
+        <p:txBody>
+          <a:bodyPr vert="horz" lIns="91440" tIns="45720" rIns="91440" bIns="45720" rtlCol="0">
+            <a:normAutofit/>
+          </a:bodyPr>
+          <a:lstStyle>
+            <a:lvl1pPr marL="0" indent="0" algn="l" defTabSz="914400" rtl="0" eaLnBrk="1" latinLnBrk="0" hangingPunct="1">
+              <a:lnSpc>
+                <a:spcPct val="90000"/>
+              </a:lnSpc>
+              <a:spcBef>
+                <a:spcPts val="1000"/>
+              </a:spcBef>
+              <a:buFont typeface="Arial" panose="020B0604020202020204" pitchFamily="34" charset="0"/>
+              <a:buNone/>
+              <a:defRPr sz="2400" kern="1200">
+                <a:solidFill>
+                  <a:schemeClr val="tx1">
+                    <a:tint val="75000"/>
+                  </a:schemeClr>
+                </a:solidFill>
+                <a:latin typeface="+mn-lt"/>
+                <a:ea typeface="+mn-ea"/>
+                <a:cs typeface="+mn-cs"/>
+              </a:defRPr>
+            </a:lvl1pPr>
+            <a:lvl2pPr marL="457200" indent="0" algn="l" defTabSz="914400" rtl="0" eaLnBrk="1" latinLnBrk="0" hangingPunct="1">
+              <a:lnSpc>
+                <a:spcPct val="90000"/>
+              </a:lnSpc>
+              <a:spcBef>
+                <a:spcPts val="500"/>
+              </a:spcBef>
+              <a:buFont typeface="Arial" panose="020B0604020202020204" pitchFamily="34" charset="0"/>
+              <a:buNone/>
+              <a:defRPr sz="2000" kern="1200">
+                <a:solidFill>
+                  <a:schemeClr val="tx1">
+                    <a:tint val="75000"/>
+                  </a:schemeClr>
+                </a:solidFill>
+                <a:latin typeface="+mn-lt"/>
+                <a:ea typeface="+mn-ea"/>
+                <a:cs typeface="+mn-cs"/>
+              </a:defRPr>
+            </a:lvl2pPr>
+            <a:lvl3pPr marL="914400" indent="0" algn="l" defTabSz="914400" rtl="0" eaLnBrk="1" latinLnBrk="0" hangingPunct="1">
+              <a:lnSpc>
+                <a:spcPct val="90000"/>
+              </a:lnSpc>
+              <a:spcBef>
+                <a:spcPts val="500"/>
+              </a:spcBef>
+              <a:buFont typeface="Arial" panose="020B0604020202020204" pitchFamily="34" charset="0"/>
+              <a:buNone/>
+              <a:defRPr sz="1800" kern="1200">
+                <a:solidFill>
+                  <a:schemeClr val="tx1">
+                    <a:tint val="75000"/>
+                  </a:schemeClr>
+                </a:solidFill>
+                <a:latin typeface="+mn-lt"/>
+                <a:ea typeface="+mn-ea"/>
+                <a:cs typeface="+mn-cs"/>
+              </a:defRPr>
+            </a:lvl3pPr>
+            <a:lvl4pPr marL="1371600" indent="0" algn="l" defTabSz="914400" rtl="0" eaLnBrk="1" latinLnBrk="0" hangingPunct="1">
+              <a:lnSpc>
+                <a:spcPct val="90000"/>
+              </a:lnSpc>
+              <a:spcBef>
+                <a:spcPts val="500"/>
+              </a:spcBef>
+              <a:buFont typeface="Arial" panose="020B0604020202020204" pitchFamily="34" charset="0"/>
+              <a:buNone/>
+              <a:defRPr sz="1600" kern="1200">
+                <a:solidFill>
+                  <a:schemeClr val="tx1">
+                    <a:tint val="75000"/>
+                  </a:schemeClr>
+                </a:solidFill>
+                <a:latin typeface="+mn-lt"/>
+                <a:ea typeface="+mn-ea"/>
+                <a:cs typeface="+mn-cs"/>
+              </a:defRPr>
+            </a:lvl4pPr>
+            <a:lvl5pPr marL="1828800" indent="0" algn="l" defTabSz="914400" rtl="0" eaLnBrk="1" latinLnBrk="0" hangingPunct="1">
+              <a:lnSpc>
+                <a:spcPct val="90000"/>
+              </a:lnSpc>
+              <a:spcBef>
+                <a:spcPts val="500"/>
+              </a:spcBef>
+              <a:buFont typeface="Arial" panose="020B0604020202020204" pitchFamily="34" charset="0"/>
+              <a:buNone/>
+              <a:defRPr sz="1600" kern="1200">
+                <a:solidFill>
+                  <a:schemeClr val="tx1">
+                    <a:tint val="75000"/>
+                  </a:schemeClr>
+                </a:solidFill>
+                <a:latin typeface="+mn-lt"/>
+                <a:ea typeface="+mn-ea"/>
+                <a:cs typeface="+mn-cs"/>
+              </a:defRPr>
+            </a:lvl5pPr>
+            <a:lvl6pPr marL="2286000" indent="0" algn="l" defTabSz="914400" rtl="0" eaLnBrk="1" latinLnBrk="0" hangingPunct="1">
+              <a:lnSpc>
+                <a:spcPct val="90000"/>
+              </a:lnSpc>
+              <a:spcBef>
+                <a:spcPts val="500"/>
+              </a:spcBef>
+              <a:buFont typeface="Arial" panose="020B0604020202020204" pitchFamily="34" charset="0"/>
+              <a:buNone/>
+              <a:defRPr sz="1600" kern="1200">
+                <a:solidFill>
+                  <a:schemeClr val="tx1">
+                    <a:tint val="75000"/>
+                  </a:schemeClr>
+                </a:solidFill>
+                <a:latin typeface="+mn-lt"/>
+                <a:ea typeface="+mn-ea"/>
+                <a:cs typeface="+mn-cs"/>
+              </a:defRPr>
+            </a:lvl6pPr>
+            <a:lvl7pPr marL="2743200" indent="0" algn="l" defTabSz="914400" rtl="0" eaLnBrk="1" latinLnBrk="0" hangingPunct="1">
+              <a:lnSpc>
+                <a:spcPct val="90000"/>
+              </a:lnSpc>
+              <a:spcBef>
+                <a:spcPts val="500"/>
+              </a:spcBef>
+              <a:buFont typeface="Arial" panose="020B0604020202020204" pitchFamily="34" charset="0"/>
+              <a:buNone/>
+              <a:defRPr sz="1600" kern="1200">
+                <a:solidFill>
+                  <a:schemeClr val="tx1">
+                    <a:tint val="75000"/>
+                  </a:schemeClr>
+                </a:solidFill>
+                <a:latin typeface="+mn-lt"/>
+                <a:ea typeface="+mn-ea"/>
+                <a:cs typeface="+mn-cs"/>
+              </a:defRPr>
+            </a:lvl7pPr>
+            <a:lvl8pPr marL="3200400" indent="0" algn="l" defTabSz="914400" rtl="0" eaLnBrk="1" latinLnBrk="0" hangingPunct="1">
+              <a:lnSpc>
+                <a:spcPct val="90000"/>
+              </a:lnSpc>
+              <a:spcBef>
+                <a:spcPts val="500"/>
+              </a:spcBef>
+              <a:buFont typeface="Arial" panose="020B0604020202020204" pitchFamily="34" charset="0"/>
+              <a:buNone/>
+              <a:defRPr sz="1600" kern="1200">
+                <a:solidFill>
+                  <a:schemeClr val="tx1">
+                    <a:tint val="75000"/>
+                  </a:schemeClr>
+                </a:solidFill>
+                <a:latin typeface="+mn-lt"/>
+                <a:ea typeface="+mn-ea"/>
+                <a:cs typeface="+mn-cs"/>
+              </a:defRPr>
+            </a:lvl8pPr>
+            <a:lvl9pPr marL="3657600" indent="0" algn="l" defTabSz="914400" rtl="0" eaLnBrk="1" latinLnBrk="0" hangingPunct="1">
+              <a:lnSpc>
+                <a:spcPct val="90000"/>
+              </a:lnSpc>
+              <a:spcBef>
+                <a:spcPts val="500"/>
+              </a:spcBef>
+              <a:buFont typeface="Arial" panose="020B0604020202020204" pitchFamily="34" charset="0"/>
+              <a:buNone/>
+              <a:defRPr sz="1600" kern="1200">
+                <a:solidFill>
+                  <a:schemeClr val="tx1">
+                    <a:tint val="75000"/>
+                  </a:schemeClr>
+                </a:solidFill>
+                <a:latin typeface="+mn-lt"/>
+                <a:ea typeface="+mn-ea"/>
+                <a:cs typeface="+mn-cs"/>
+              </a:defRPr>
+            </a:lvl9pPr>
+          </a:lstStyle>
+          <a:p>
+            <a:pPr marL="342900" indent="-342900">
+              <a:buFontTx/>
+              <a:buChar char="-"/>
+            </a:pPr>
+            <a:endParaRPr lang="fr-FR" dirty="0" smtClean="0"/>
+          </a:p>
+          <a:p>
+            <a:pPr marL="342900" indent="-342900">
+              <a:buFontTx/>
+              <a:buChar char="-"/>
+            </a:pPr>
+            <a:endParaRPr lang="fr-FR" dirty="0" smtClean="0"/>
+          </a:p>
+          <a:p>
+            <a:pPr marL="342900" indent="-342900">
+              <a:buFontTx/>
+              <a:buChar char="-"/>
+            </a:pPr>
+            <a:endParaRPr lang="fr-FR" dirty="0" smtClean="0"/>
+          </a:p>
+        </p:txBody>
+      </p:sp>
+    </p:spTree>
+    <p:extLst>
+      <p:ext uri="{BB962C8B-B14F-4D97-AF65-F5344CB8AC3E}">
+        <p14:creationId xmlns:p14="http://schemas.microsoft.com/office/powerpoint/2010/main" val="3334853340"/>
+      </p:ext>
+    </p:extLst>
+  </p:cSld>
+  <p:clrMapOvr>
+    <a:masterClrMapping/>
+  </p:clrMapOvr>
+  <p:timing>
+    <p:tnLst>
+      <p:par>
+        <p:cTn id="1" dur="indefinite" restart="never" nodeType="tmRoot"/>
+      </p:par>
+    </p:tnLst>
+  </p:timing>
+</p:sld>
+</file>
+
+<file path=ppt/slides/slide68.xml><?xml version="1.0" encoding="utf-8"?>
+<p:sld xmlns:a="http://schemas.openxmlformats.org/drawingml/2006/main" xmlns:r="http://schemas.openxmlformats.org/officeDocument/2006/relationships" xmlns:p="http://schemas.openxmlformats.org/presentationml/2006/main">
+  <p:cSld>
+    <p:spTree>
+      <p:nvGrpSpPr>
+        <p:cNvPr id="1" name=""/>
+        <p:cNvGrpSpPr/>
+        <p:nvPr/>
+      </p:nvGrpSpPr>
+      <p:grpSpPr>
+        <a:xfrm>
+          <a:off x="0" y="0"/>
+          <a:ext cx="0" cy="0"/>
+          <a:chOff x="0" y="0"/>
+          <a:chExt cx="0" cy="0"/>
+        </a:xfrm>
+      </p:grpSpPr>
+      <p:sp>
+        <p:nvSpPr>
+          <p:cNvPr id="4" name="Titre 3"/>
+          <p:cNvSpPr>
+            <a:spLocks noGrp="1"/>
+          </p:cNvSpPr>
+          <p:nvPr>
+            <p:ph type="title"/>
+          </p:nvPr>
+        </p:nvSpPr>
+        <p:spPr>
+          <a:xfrm>
+            <a:off x="831850" y="889607"/>
+            <a:ext cx="11209354" cy="967476"/>
+          </a:xfrm>
+        </p:spPr>
+        <p:txBody>
+          <a:bodyPr>
+            <a:normAutofit/>
+          </a:bodyPr>
+          <a:lstStyle/>
+          <a:p>
+            <a:r>
+              <a:rPr lang="fr-FR" sz="3600" dirty="0" smtClean="0"/>
+              <a:t>Docker – Réseau</a:t>
+            </a:r>
+            <a:endParaRPr lang="fr-FR" sz="3600" dirty="0"/>
+          </a:p>
+        </p:txBody>
+      </p:sp>
+      <p:sp>
+        <p:nvSpPr>
+          <p:cNvPr id="5" name="Espace réservé du texte 4"/>
+          <p:cNvSpPr>
+            <a:spLocks noGrp="1"/>
+          </p:cNvSpPr>
+          <p:nvPr>
+            <p:ph type="body" idx="1"/>
+          </p:nvPr>
+        </p:nvSpPr>
+        <p:spPr>
+          <a:xfrm>
+            <a:off x="831850" y="2021305"/>
+            <a:ext cx="10759786" cy="4658628"/>
+          </a:xfrm>
+        </p:spPr>
+        <p:txBody>
+          <a:bodyPr>
+            <a:normAutofit fontScale="77500" lnSpcReduction="20000"/>
+          </a:bodyPr>
+          <a:lstStyle/>
+          <a:p>
+            <a:pPr defTabSz="360000">
+              <a:lnSpc>
+                <a:spcPct val="120000"/>
+              </a:lnSpc>
+              <a:spcBef>
+                <a:spcPts val="0"/>
+              </a:spcBef>
+            </a:pPr>
+            <a:r>
+              <a:rPr lang="fr-FR" sz="3500" dirty="0" smtClean="0"/>
+              <a:t>Je regarde deux vidéos sur </a:t>
+            </a:r>
+            <a:r>
+              <a:rPr lang="fr-FR" sz="3500" dirty="0" err="1" smtClean="0"/>
+              <a:t>youtube</a:t>
+            </a:r>
+            <a:r>
+              <a:rPr lang="fr-FR" sz="3500" dirty="0" smtClean="0"/>
+              <a:t> :</a:t>
+            </a:r>
+          </a:p>
+          <a:p>
+            <a:pPr defTabSz="360000">
+              <a:lnSpc>
+                <a:spcPct val="120000"/>
+              </a:lnSpc>
+              <a:spcBef>
+                <a:spcPts val="0"/>
+              </a:spcBef>
+            </a:pPr>
+            <a:r>
+              <a:rPr lang="fr-FR" sz="3500" dirty="0">
+                <a:hlinkClick r:id="rId2"/>
+              </a:rPr>
+              <a:t>https://</a:t>
+            </a:r>
+            <a:r>
+              <a:rPr lang="fr-FR" sz="3500" dirty="0" smtClean="0">
+                <a:hlinkClick r:id="rId2"/>
+              </a:rPr>
+              <a:t>www.youtube.com/watch?v=cfzrLKvF5X0</a:t>
+            </a:r>
+            <a:r>
+              <a:rPr lang="fr-FR" sz="3500" dirty="0" smtClean="0"/>
+              <a:t> </a:t>
+            </a:r>
+          </a:p>
+          <a:p>
+            <a:pPr defTabSz="360000">
+              <a:lnSpc>
+                <a:spcPct val="120000"/>
+              </a:lnSpc>
+              <a:spcBef>
+                <a:spcPts val="0"/>
+              </a:spcBef>
+            </a:pPr>
+            <a:r>
+              <a:rPr lang="fr-FR" sz="3500" dirty="0"/>
+              <a:t>e</a:t>
+            </a:r>
+            <a:r>
+              <a:rPr lang="fr-FR" sz="3500" dirty="0" smtClean="0"/>
+              <a:t>t (un peu moins)</a:t>
+            </a:r>
+            <a:endParaRPr lang="fr-FR" sz="3500" dirty="0"/>
+          </a:p>
+          <a:p>
+            <a:pPr defTabSz="360000">
+              <a:lnSpc>
+                <a:spcPct val="120000"/>
+              </a:lnSpc>
+              <a:spcBef>
+                <a:spcPts val="0"/>
+              </a:spcBef>
+            </a:pPr>
+            <a:r>
+              <a:rPr lang="fr-FR" sz="3500" dirty="0">
+                <a:hlinkClick r:id="rId3"/>
+              </a:rPr>
+              <a:t>https://</a:t>
+            </a:r>
+            <a:r>
+              <a:rPr lang="fr-FR" sz="3500" dirty="0" smtClean="0">
+                <a:hlinkClick r:id="rId3"/>
+              </a:rPr>
+              <a:t>www.youtube.com/watch?v=2vcLgcH_hDI</a:t>
+            </a:r>
+            <a:endParaRPr lang="fr-FR" sz="3500" dirty="0" smtClean="0"/>
+          </a:p>
+          <a:p>
+            <a:pPr defTabSz="360000">
+              <a:lnSpc>
+                <a:spcPct val="120000"/>
+              </a:lnSpc>
+              <a:spcBef>
+                <a:spcPts val="0"/>
+              </a:spcBef>
+            </a:pPr>
+            <a:r>
+              <a:rPr lang="fr-FR" sz="3500" dirty="0" smtClean="0"/>
+              <a:t> pour comprendre les concepts de réseaux sous docker</a:t>
+            </a:r>
+            <a:r>
+              <a:rPr lang="fr-FR" sz="3500" dirty="0" smtClean="0"/>
+              <a:t>.</a:t>
+            </a:r>
+          </a:p>
+          <a:p>
+            <a:pPr defTabSz="360000">
+              <a:lnSpc>
+                <a:spcPct val="120000"/>
+              </a:lnSpc>
+              <a:spcBef>
+                <a:spcPts val="0"/>
+              </a:spcBef>
+            </a:pPr>
+            <a:r>
+              <a:rPr lang="fr-FR" sz="3500" dirty="0" smtClean="0"/>
+              <a:t>La </a:t>
+            </a:r>
+            <a:r>
+              <a:rPr lang="fr-FR" sz="3500" dirty="0" smtClean="0"/>
+              <a:t>première vidéo suffit pour </a:t>
+            </a:r>
+            <a:r>
+              <a:rPr lang="fr-FR" sz="3500" dirty="0" smtClean="0"/>
+              <a:t>comprendre les communications </a:t>
+            </a:r>
+            <a:r>
+              <a:rPr lang="fr-FR" sz="3500" dirty="0" smtClean="0"/>
+              <a:t>assez simples en réseau local</a:t>
+            </a:r>
+            <a:r>
+              <a:rPr lang="fr-FR" sz="3500" dirty="0" smtClean="0"/>
+              <a:t>.</a:t>
+            </a:r>
+          </a:p>
+          <a:p>
+            <a:pPr defTabSz="360000">
+              <a:lnSpc>
+                <a:spcPct val="120000"/>
+              </a:lnSpc>
+              <a:spcBef>
+                <a:spcPts val="0"/>
+              </a:spcBef>
+            </a:pPr>
+            <a:r>
+              <a:rPr lang="fr-FR" sz="3500" dirty="0" smtClean="0"/>
+              <a:t>La seconde vidéo est plus complète avec le concept de réseau de différents types : « bridge » pour le réseau virtuel entre les containers (image « alpine-slim »)  et« </a:t>
+            </a:r>
+            <a:r>
+              <a:rPr lang="fr-FR" sz="3500" dirty="0" err="1" smtClean="0"/>
+              <a:t>hote</a:t>
+            </a:r>
+            <a:r>
+              <a:rPr lang="fr-FR" sz="3500" dirty="0" smtClean="0"/>
+              <a:t> » pour le réseau physique du calculateur hôte (ici interface en0sp3 pour la VM formation).</a:t>
+            </a:r>
+            <a:endParaRPr lang="fr-FR" sz="3500" dirty="0" smtClean="0"/>
+          </a:p>
+          <a:p>
+            <a:pPr defTabSz="360000">
+              <a:lnSpc>
+                <a:spcPct val="120000"/>
+              </a:lnSpc>
+              <a:spcBef>
+                <a:spcPts val="0"/>
+              </a:spcBef>
+            </a:pPr>
+            <a:endParaRPr lang="fr-FR" sz="3500" dirty="0" smtClean="0"/>
+          </a:p>
+        </p:txBody>
+      </p:sp>
+      <p:sp>
+        <p:nvSpPr>
+          <p:cNvPr id="7" name="Espace réservé du texte 4"/>
+          <p:cNvSpPr txBox="1">
+            <a:spLocks/>
+          </p:cNvSpPr>
+          <p:nvPr/>
+        </p:nvSpPr>
+        <p:spPr>
+          <a:xfrm>
+            <a:off x="831849" y="1857083"/>
+            <a:ext cx="9740901" cy="4909477"/>
+          </a:xfrm>
+          <a:prstGeom prst="rect">
+            <a:avLst/>
+          </a:prstGeom>
+        </p:spPr>
+        <p:txBody>
+          <a:bodyPr vert="horz" lIns="91440" tIns="45720" rIns="91440" bIns="45720" rtlCol="0">
+            <a:normAutofit/>
+          </a:bodyPr>
+          <a:lstStyle>
+            <a:lvl1pPr marL="0" indent="0" algn="l" defTabSz="914400" rtl="0" eaLnBrk="1" latinLnBrk="0" hangingPunct="1">
+              <a:lnSpc>
+                <a:spcPct val="90000"/>
+              </a:lnSpc>
+              <a:spcBef>
+                <a:spcPts val="1000"/>
+              </a:spcBef>
+              <a:buFont typeface="Arial" panose="020B0604020202020204" pitchFamily="34" charset="0"/>
+              <a:buNone/>
+              <a:defRPr sz="2400" kern="1200">
+                <a:solidFill>
+                  <a:schemeClr val="tx1">
+                    <a:tint val="75000"/>
+                  </a:schemeClr>
+                </a:solidFill>
+                <a:latin typeface="+mn-lt"/>
+                <a:ea typeface="+mn-ea"/>
+                <a:cs typeface="+mn-cs"/>
+              </a:defRPr>
+            </a:lvl1pPr>
+            <a:lvl2pPr marL="457200" indent="0" algn="l" defTabSz="914400" rtl="0" eaLnBrk="1" latinLnBrk="0" hangingPunct="1">
+              <a:lnSpc>
+                <a:spcPct val="90000"/>
+              </a:lnSpc>
+              <a:spcBef>
+                <a:spcPts val="500"/>
+              </a:spcBef>
+              <a:buFont typeface="Arial" panose="020B0604020202020204" pitchFamily="34" charset="0"/>
+              <a:buNone/>
+              <a:defRPr sz="2000" kern="1200">
+                <a:solidFill>
+                  <a:schemeClr val="tx1">
+                    <a:tint val="75000"/>
+                  </a:schemeClr>
+                </a:solidFill>
+                <a:latin typeface="+mn-lt"/>
+                <a:ea typeface="+mn-ea"/>
+                <a:cs typeface="+mn-cs"/>
+              </a:defRPr>
+            </a:lvl2pPr>
+            <a:lvl3pPr marL="914400" indent="0" algn="l" defTabSz="914400" rtl="0" eaLnBrk="1" latinLnBrk="0" hangingPunct="1">
+              <a:lnSpc>
+                <a:spcPct val="90000"/>
+              </a:lnSpc>
+              <a:spcBef>
+                <a:spcPts val="500"/>
+              </a:spcBef>
+              <a:buFont typeface="Arial" panose="020B0604020202020204" pitchFamily="34" charset="0"/>
+              <a:buNone/>
+              <a:defRPr sz="1800" kern="1200">
+                <a:solidFill>
+                  <a:schemeClr val="tx1">
+                    <a:tint val="75000"/>
+                  </a:schemeClr>
+                </a:solidFill>
+                <a:latin typeface="+mn-lt"/>
+                <a:ea typeface="+mn-ea"/>
+                <a:cs typeface="+mn-cs"/>
+              </a:defRPr>
+            </a:lvl3pPr>
+            <a:lvl4pPr marL="1371600" indent="0" algn="l" defTabSz="914400" rtl="0" eaLnBrk="1" latinLnBrk="0" hangingPunct="1">
+              <a:lnSpc>
+                <a:spcPct val="90000"/>
+              </a:lnSpc>
+              <a:spcBef>
+                <a:spcPts val="500"/>
+              </a:spcBef>
+              <a:buFont typeface="Arial" panose="020B0604020202020204" pitchFamily="34" charset="0"/>
+              <a:buNone/>
+              <a:defRPr sz="1600" kern="1200">
+                <a:solidFill>
+                  <a:schemeClr val="tx1">
+                    <a:tint val="75000"/>
+                  </a:schemeClr>
+                </a:solidFill>
+                <a:latin typeface="+mn-lt"/>
+                <a:ea typeface="+mn-ea"/>
+                <a:cs typeface="+mn-cs"/>
+              </a:defRPr>
+            </a:lvl4pPr>
+            <a:lvl5pPr marL="1828800" indent="0" algn="l" defTabSz="914400" rtl="0" eaLnBrk="1" latinLnBrk="0" hangingPunct="1">
+              <a:lnSpc>
+                <a:spcPct val="90000"/>
+              </a:lnSpc>
+              <a:spcBef>
+                <a:spcPts val="500"/>
+              </a:spcBef>
+              <a:buFont typeface="Arial" panose="020B0604020202020204" pitchFamily="34" charset="0"/>
+              <a:buNone/>
+              <a:defRPr sz="1600" kern="1200">
+                <a:solidFill>
+                  <a:schemeClr val="tx1">
+                    <a:tint val="75000"/>
+                  </a:schemeClr>
+                </a:solidFill>
+                <a:latin typeface="+mn-lt"/>
+                <a:ea typeface="+mn-ea"/>
+                <a:cs typeface="+mn-cs"/>
+              </a:defRPr>
+            </a:lvl5pPr>
+            <a:lvl6pPr marL="2286000" indent="0" algn="l" defTabSz="914400" rtl="0" eaLnBrk="1" latinLnBrk="0" hangingPunct="1">
+              <a:lnSpc>
+                <a:spcPct val="90000"/>
+              </a:lnSpc>
+              <a:spcBef>
+                <a:spcPts val="500"/>
+              </a:spcBef>
+              <a:buFont typeface="Arial" panose="020B0604020202020204" pitchFamily="34" charset="0"/>
+              <a:buNone/>
+              <a:defRPr sz="1600" kern="1200">
+                <a:solidFill>
+                  <a:schemeClr val="tx1">
+                    <a:tint val="75000"/>
+                  </a:schemeClr>
+                </a:solidFill>
+                <a:latin typeface="+mn-lt"/>
+                <a:ea typeface="+mn-ea"/>
+                <a:cs typeface="+mn-cs"/>
+              </a:defRPr>
+            </a:lvl6pPr>
+            <a:lvl7pPr marL="2743200" indent="0" algn="l" defTabSz="914400" rtl="0" eaLnBrk="1" latinLnBrk="0" hangingPunct="1">
+              <a:lnSpc>
+                <a:spcPct val="90000"/>
+              </a:lnSpc>
+              <a:spcBef>
+                <a:spcPts val="500"/>
+              </a:spcBef>
+              <a:buFont typeface="Arial" panose="020B0604020202020204" pitchFamily="34" charset="0"/>
+              <a:buNone/>
+              <a:defRPr sz="1600" kern="1200">
+                <a:solidFill>
+                  <a:schemeClr val="tx1">
+                    <a:tint val="75000"/>
+                  </a:schemeClr>
+                </a:solidFill>
+                <a:latin typeface="+mn-lt"/>
+                <a:ea typeface="+mn-ea"/>
+                <a:cs typeface="+mn-cs"/>
+              </a:defRPr>
+            </a:lvl7pPr>
+            <a:lvl8pPr marL="3200400" indent="0" algn="l" defTabSz="914400" rtl="0" eaLnBrk="1" latinLnBrk="0" hangingPunct="1">
+              <a:lnSpc>
+                <a:spcPct val="90000"/>
+              </a:lnSpc>
+              <a:spcBef>
+                <a:spcPts val="500"/>
+              </a:spcBef>
+              <a:buFont typeface="Arial" panose="020B0604020202020204" pitchFamily="34" charset="0"/>
+              <a:buNone/>
+              <a:defRPr sz="1600" kern="1200">
+                <a:solidFill>
+                  <a:schemeClr val="tx1">
+                    <a:tint val="75000"/>
+                  </a:schemeClr>
+                </a:solidFill>
+                <a:latin typeface="+mn-lt"/>
+                <a:ea typeface="+mn-ea"/>
+                <a:cs typeface="+mn-cs"/>
+              </a:defRPr>
+            </a:lvl8pPr>
+            <a:lvl9pPr marL="3657600" indent="0" algn="l" defTabSz="914400" rtl="0" eaLnBrk="1" latinLnBrk="0" hangingPunct="1">
+              <a:lnSpc>
+                <a:spcPct val="90000"/>
+              </a:lnSpc>
+              <a:spcBef>
+                <a:spcPts val="500"/>
+              </a:spcBef>
+              <a:buFont typeface="Arial" panose="020B0604020202020204" pitchFamily="34" charset="0"/>
+              <a:buNone/>
+              <a:defRPr sz="1600" kern="1200">
+                <a:solidFill>
+                  <a:schemeClr val="tx1">
+                    <a:tint val="75000"/>
+                  </a:schemeClr>
+                </a:solidFill>
+                <a:latin typeface="+mn-lt"/>
+                <a:ea typeface="+mn-ea"/>
+                <a:cs typeface="+mn-cs"/>
+              </a:defRPr>
+            </a:lvl9pPr>
+          </a:lstStyle>
+          <a:p>
+            <a:pPr marL="342900" indent="-342900">
+              <a:buFontTx/>
+              <a:buChar char="-"/>
+            </a:pPr>
+            <a:endParaRPr lang="fr-FR" dirty="0" smtClean="0"/>
+          </a:p>
+          <a:p>
+            <a:pPr marL="342900" indent="-342900">
+              <a:buFontTx/>
+              <a:buChar char="-"/>
+            </a:pPr>
+            <a:endParaRPr lang="fr-FR" dirty="0" smtClean="0"/>
+          </a:p>
+          <a:p>
+            <a:pPr marL="342900" indent="-342900">
+              <a:buFontTx/>
+              <a:buChar char="-"/>
+            </a:pPr>
+            <a:endParaRPr lang="fr-FR" dirty="0" smtClean="0"/>
+          </a:p>
+        </p:txBody>
+      </p:sp>
+    </p:spTree>
+    <p:extLst>
+      <p:ext uri="{BB962C8B-B14F-4D97-AF65-F5344CB8AC3E}">
+        <p14:creationId xmlns:p14="http://schemas.microsoft.com/office/powerpoint/2010/main" val="3816990557"/>
+      </p:ext>
+    </p:extLst>
+  </p:cSld>
+  <p:clrMapOvr>
+    <a:masterClrMapping/>
+  </p:clrMapOvr>
+  <p:timing>
+    <p:tnLst>
+      <p:par>
+        <p:cTn id="1" dur="indefinite" restart="never" nodeType="tmRoot"/>
+      </p:par>
+    </p:tnLst>
+  </p:timing>
+</p:sld>
+</file>
+
+<file path=ppt/slides/slide69.xml><?xml version="1.0" encoding="utf-8"?>
+<p:sld xmlns:a="http://schemas.openxmlformats.org/drawingml/2006/main" xmlns:r="http://schemas.openxmlformats.org/officeDocument/2006/relationships" xmlns:p="http://schemas.openxmlformats.org/presentationml/2006/main">
+  <p:cSld>
+    <p:spTree>
+      <p:nvGrpSpPr>
+        <p:cNvPr id="1" name=""/>
+        <p:cNvGrpSpPr/>
+        <p:nvPr/>
+      </p:nvGrpSpPr>
+      <p:grpSpPr>
+        <a:xfrm>
+          <a:off x="0" y="0"/>
+          <a:ext cx="0" cy="0"/>
+          <a:chOff x="0" y="0"/>
+          <a:chExt cx="0" cy="0"/>
+        </a:xfrm>
+      </p:grpSpPr>
+      <p:sp>
+        <p:nvSpPr>
+          <p:cNvPr id="4" name="Titre 3"/>
+          <p:cNvSpPr>
+            <a:spLocks noGrp="1"/>
+          </p:cNvSpPr>
+          <p:nvPr>
+            <p:ph type="title"/>
+          </p:nvPr>
+        </p:nvSpPr>
+        <p:spPr>
+          <a:xfrm>
+            <a:off x="831850" y="889607"/>
+            <a:ext cx="10515600" cy="967474"/>
+          </a:xfrm>
+        </p:spPr>
+        <p:txBody>
+          <a:bodyPr/>
+          <a:lstStyle/>
+          <a:p>
+            <a:r>
+              <a:rPr lang="fr-FR" dirty="0" smtClean="0"/>
+              <a:t>Docker – Réseau - Exemple</a:t>
+            </a:r>
+            <a:endParaRPr lang="fr-FR" dirty="0"/>
+          </a:p>
+        </p:txBody>
+      </p:sp>
+      <p:sp>
+        <p:nvSpPr>
+          <p:cNvPr id="5" name="Espace réservé du texte 4"/>
+          <p:cNvSpPr>
+            <a:spLocks noGrp="1"/>
+          </p:cNvSpPr>
+          <p:nvPr>
+            <p:ph type="body" idx="1"/>
+          </p:nvPr>
+        </p:nvSpPr>
+        <p:spPr>
+          <a:xfrm>
+            <a:off x="831851" y="2138494"/>
+            <a:ext cx="6059838" cy="4384854"/>
+          </a:xfrm>
+        </p:spPr>
+        <p:txBody>
+          <a:bodyPr>
+            <a:normAutofit fontScale="55000" lnSpcReduction="20000"/>
+          </a:bodyPr>
+          <a:lstStyle/>
+          <a:p>
+            <a:r>
+              <a:rPr lang="fr-FR" dirty="0" err="1" smtClean="0"/>
+              <a:t>Mermaid</a:t>
+            </a:r>
+            <a:r>
+              <a:rPr lang="fr-FR" dirty="0" smtClean="0"/>
+              <a:t> :</a:t>
+            </a:r>
+            <a:endParaRPr lang="fr-FR" dirty="0"/>
+          </a:p>
+          <a:p>
+            <a:r>
+              <a:rPr lang="fr-FR" b="1" dirty="0"/>
+              <a:t>graph</a:t>
+            </a:r>
+            <a:r>
+              <a:rPr lang="fr-FR" dirty="0"/>
+              <a:t> TD;</a:t>
+            </a:r>
+          </a:p>
+          <a:p>
+            <a:r>
+              <a:rPr lang="fr-FR" dirty="0"/>
+              <a:t>    Container1 </a:t>
+            </a:r>
+            <a:r>
+              <a:rPr lang="fr-FR" b="1" dirty="0"/>
+              <a:t>--&gt;</a:t>
+            </a:r>
+            <a:r>
+              <a:rPr lang="fr-FR" dirty="0"/>
+              <a:t> bridge;</a:t>
+            </a:r>
+          </a:p>
+          <a:p>
+            <a:r>
+              <a:rPr lang="fr-FR" dirty="0"/>
+              <a:t>    Container2 </a:t>
+            </a:r>
+            <a:r>
+              <a:rPr lang="fr-FR" b="1" dirty="0"/>
+              <a:t>--&gt;</a:t>
+            </a:r>
+            <a:r>
+              <a:rPr lang="fr-FR" dirty="0"/>
+              <a:t> bridge;</a:t>
+            </a:r>
+          </a:p>
+          <a:p>
+            <a:r>
+              <a:rPr lang="fr-FR" dirty="0"/>
+              <a:t>    Container2 </a:t>
+            </a:r>
+            <a:r>
+              <a:rPr lang="fr-FR" b="1" dirty="0"/>
+              <a:t>--&gt;</a:t>
+            </a:r>
+            <a:r>
+              <a:rPr lang="fr-FR" dirty="0"/>
+              <a:t> </a:t>
+            </a:r>
+            <a:r>
+              <a:rPr lang="fr-FR" dirty="0" err="1"/>
+              <a:t>monreseau</a:t>
+            </a:r>
+            <a:r>
+              <a:rPr lang="fr-FR" dirty="0"/>
+              <a:t>;</a:t>
+            </a:r>
+          </a:p>
+          <a:p>
+            <a:r>
+              <a:rPr lang="fr-FR" dirty="0"/>
+              <a:t>    bridge </a:t>
+            </a:r>
+            <a:r>
+              <a:rPr lang="fr-FR" b="1" dirty="0"/>
+              <a:t>--&gt;</a:t>
+            </a:r>
+            <a:r>
+              <a:rPr lang="fr-FR" dirty="0"/>
+              <a:t> docker0;</a:t>
+            </a:r>
+          </a:p>
+          <a:p>
+            <a:r>
+              <a:rPr lang="fr-FR" dirty="0"/>
+              <a:t>    </a:t>
+            </a:r>
+            <a:r>
+              <a:rPr lang="fr-FR" dirty="0" err="1"/>
+              <a:t>monreseau</a:t>
+            </a:r>
+            <a:r>
+              <a:rPr lang="fr-FR" dirty="0"/>
+              <a:t> </a:t>
+            </a:r>
+            <a:r>
+              <a:rPr lang="fr-FR" b="1" dirty="0"/>
+              <a:t>--&gt;</a:t>
+            </a:r>
+            <a:r>
+              <a:rPr lang="fr-FR" dirty="0"/>
+              <a:t> </a:t>
+            </a:r>
+            <a:r>
+              <a:rPr lang="fr-FR" dirty="0" err="1"/>
+              <a:t>virtethxxx</a:t>
+            </a:r>
+            <a:endParaRPr lang="fr-FR" dirty="0"/>
+          </a:p>
+          <a:p>
+            <a:r>
+              <a:rPr lang="fr-FR" dirty="0"/>
+              <a:t>    docker0 </a:t>
+            </a:r>
+            <a:r>
+              <a:rPr lang="fr-FR" b="1" dirty="0"/>
+              <a:t>--&gt;</a:t>
+            </a:r>
+            <a:r>
+              <a:rPr lang="fr-FR" dirty="0"/>
+              <a:t> en0sp3</a:t>
+            </a:r>
+          </a:p>
+          <a:p>
+            <a:r>
+              <a:rPr lang="fr-FR" dirty="0"/>
+              <a:t>    </a:t>
+            </a:r>
+            <a:r>
+              <a:rPr lang="fr-FR" dirty="0" err="1"/>
+              <a:t>virtethxxx</a:t>
+            </a:r>
+            <a:r>
+              <a:rPr lang="fr-FR" dirty="0"/>
+              <a:t> </a:t>
+            </a:r>
+            <a:r>
+              <a:rPr lang="fr-FR" b="1" dirty="0"/>
+              <a:t>--&gt;</a:t>
+            </a:r>
+            <a:r>
+              <a:rPr lang="fr-FR" dirty="0"/>
+              <a:t> en0sp3</a:t>
+            </a:r>
+          </a:p>
+          <a:p>
+            <a:endParaRPr lang="fr-FR" dirty="0" smtClean="0"/>
+          </a:p>
+          <a:p>
+            <a:r>
+              <a:rPr lang="fr-FR" dirty="0" smtClean="0"/>
+              <a:t>A l’exécution les containers ont une adresse IP en 172.0.0.n sur le réseau virtuel « bridge » de docker. </a:t>
+            </a:r>
+            <a:endParaRPr lang="fr-FR" dirty="0"/>
+          </a:p>
+          <a:p>
+            <a:r>
+              <a:rPr lang="fr-FR" dirty="0" smtClean="0"/>
+              <a:t>Il est possible de créer un autre réseau virtuel « </a:t>
+            </a:r>
+            <a:r>
+              <a:rPr lang="fr-FR" dirty="0" err="1" smtClean="0"/>
+              <a:t>monreseau</a:t>
+            </a:r>
+            <a:r>
+              <a:rPr lang="fr-FR" dirty="0" smtClean="0"/>
+              <a:t> » et y attacher un container (exemple : container2, 192.168.99.0) qui va prendre une adresse IP (incrément du dernier chiffre : 192.168.99.1 </a:t>
+            </a:r>
+            <a:r>
+              <a:rPr lang="fr-FR" dirty="0" err="1" smtClean="0"/>
+              <a:t>etc</a:t>
+            </a:r>
+            <a:r>
+              <a:rPr lang="fr-FR" dirty="0" smtClean="0"/>
+              <a:t>).</a:t>
+            </a:r>
+          </a:p>
+          <a:p>
+            <a:r>
+              <a:rPr lang="fr-FR" dirty="0" smtClean="0"/>
+              <a:t>Une commande « </a:t>
+            </a:r>
+            <a:r>
+              <a:rPr lang="fr-FR" dirty="0" err="1" smtClean="0"/>
+              <a:t>ip</a:t>
+            </a:r>
+            <a:r>
+              <a:rPr lang="fr-FR" dirty="0" smtClean="0"/>
+              <a:t> a s » dans le container rend les adresses IP affectées au container. Faire ensuite un </a:t>
+            </a:r>
+            <a:r>
+              <a:rPr lang="fr-FR" dirty="0" err="1" smtClean="0"/>
+              <a:t>ping</a:t>
+            </a:r>
+            <a:r>
+              <a:rPr lang="fr-FR" dirty="0" smtClean="0"/>
+              <a:t> pour vérifier la communication avec un autre container.</a:t>
+            </a:r>
+          </a:p>
+          <a:p>
+            <a:r>
+              <a:rPr lang="fr-FR" dirty="0" smtClean="0"/>
+              <a:t>Un « docker network </a:t>
+            </a:r>
+            <a:r>
+              <a:rPr lang="fr-FR" dirty="0" err="1" smtClean="0"/>
+              <a:t>inspect</a:t>
+            </a:r>
+            <a:r>
+              <a:rPr lang="fr-FR" dirty="0" smtClean="0"/>
+              <a:t> bridge » rend des informations détaillées sur le réseau.</a:t>
+            </a:r>
+            <a:endParaRPr lang="fr-FR" dirty="0"/>
+          </a:p>
+          <a:p>
+            <a:pPr marL="342900" indent="-342900">
+              <a:buFontTx/>
+              <a:buChar char="-"/>
+            </a:pPr>
+            <a:endParaRPr lang="fr-FR" dirty="0" smtClean="0"/>
+          </a:p>
+          <a:p>
+            <a:pPr marL="342900" indent="-342900">
+              <a:buFontTx/>
+              <a:buChar char="-"/>
+            </a:pPr>
+            <a:endParaRPr lang="fr-FR" dirty="0" smtClean="0"/>
+          </a:p>
+        </p:txBody>
+      </p:sp>
+      <p:pic>
+        <p:nvPicPr>
+          <p:cNvPr id="6" name="Espace réservé du contenu 4"/>
+          <p:cNvPicPr>
+            <a:picLocks noChangeAspect="1"/>
+          </p:cNvPicPr>
+          <p:nvPr/>
+        </p:nvPicPr>
+        <p:blipFill>
+          <a:blip r:embed="rId2">
+            <a:extLst>
+              <a:ext uri="{28A0092B-C50C-407E-A947-70E740481C1C}">
+                <a14:useLocalDpi xmlns:a14="http://schemas.microsoft.com/office/drawing/2010/main" val="0"/>
+              </a:ext>
+            </a:extLst>
+          </a:blip>
+          <a:stretch>
+            <a:fillRect/>
+          </a:stretch>
+        </p:blipFill>
+        <p:spPr>
+          <a:xfrm>
+            <a:off x="6891688" y="2138494"/>
+            <a:ext cx="4176839" cy="4296176"/>
+          </a:xfrm>
+          <a:prstGeom prst="rect">
+            <a:avLst/>
+          </a:prstGeom>
+        </p:spPr>
+      </p:pic>
+    </p:spTree>
+    <p:extLst>
+      <p:ext uri="{BB962C8B-B14F-4D97-AF65-F5344CB8AC3E}">
+        <p14:creationId xmlns:p14="http://schemas.microsoft.com/office/powerpoint/2010/main" val="3988057203"/>
+      </p:ext>
+    </p:extLst>
+  </p:cSld>
+  <p:clrMapOvr>
+    <a:masterClrMapping/>
+  </p:clrMapOvr>
+  <p:timing>
+    <p:tnLst>
+      <p:par>
+        <p:cTn id="1" dur="indefinite" restart="never" nodeType="tmRoot"/>
+      </p:par>
+    </p:tnLst>
+  </p:timing>
+</p:sld>
+</file>
+
 <file path=ppt/slides/slide7.xml><?xml version="1.0" encoding="utf-8"?>
 <p:sld xmlns:a="http://schemas.openxmlformats.org/drawingml/2006/main" xmlns:r="http://schemas.openxmlformats.org/officeDocument/2006/relationships" xmlns:p="http://schemas.openxmlformats.org/presentationml/2006/main">
   <p:cSld>
@@ -25199,6 +31782,387 @@
     <p:extLst>
       <p:ext uri="{BB962C8B-B14F-4D97-AF65-F5344CB8AC3E}">
         <p14:creationId xmlns:p14="http://schemas.microsoft.com/office/powerpoint/2010/main" val="3837051972"/>
+      </p:ext>
+    </p:extLst>
+  </p:cSld>
+  <p:clrMapOvr>
+    <a:masterClrMapping/>
+  </p:clrMapOvr>
+  <p:timing>
+    <p:tnLst>
+      <p:par>
+        <p:cTn id="1" dur="indefinite" restart="never" nodeType="tmRoot"/>
+      </p:par>
+    </p:tnLst>
+  </p:timing>
+</p:sld>
+</file>
+
+<file path=ppt/slides/slide70.xml><?xml version="1.0" encoding="utf-8"?>
+<p:sld xmlns:a="http://schemas.openxmlformats.org/drawingml/2006/main" xmlns:r="http://schemas.openxmlformats.org/officeDocument/2006/relationships" xmlns:p="http://schemas.openxmlformats.org/presentationml/2006/main">
+  <p:cSld>
+    <p:spTree>
+      <p:nvGrpSpPr>
+        <p:cNvPr id="1" name=""/>
+        <p:cNvGrpSpPr/>
+        <p:nvPr/>
+      </p:nvGrpSpPr>
+      <p:grpSpPr>
+        <a:xfrm>
+          <a:off x="0" y="0"/>
+          <a:ext cx="0" cy="0"/>
+          <a:chOff x="0" y="0"/>
+          <a:chExt cx="0" cy="0"/>
+        </a:xfrm>
+      </p:grpSpPr>
+      <p:sp>
+        <p:nvSpPr>
+          <p:cNvPr id="4" name="Titre 3"/>
+          <p:cNvSpPr>
+            <a:spLocks noGrp="1"/>
+          </p:cNvSpPr>
+          <p:nvPr>
+            <p:ph type="title"/>
+          </p:nvPr>
+        </p:nvSpPr>
+        <p:spPr>
+          <a:xfrm>
+            <a:off x="831850" y="889607"/>
+            <a:ext cx="11209354" cy="967476"/>
+          </a:xfrm>
+        </p:spPr>
+        <p:txBody>
+          <a:bodyPr>
+            <a:normAutofit/>
+          </a:bodyPr>
+          <a:lstStyle/>
+          <a:p>
+            <a:r>
+              <a:rPr lang="fr-FR" sz="3600" dirty="0" smtClean="0"/>
+              <a:t>Docker – Base de données</a:t>
+            </a:r>
+            <a:endParaRPr lang="fr-FR" sz="3600" dirty="0"/>
+          </a:p>
+        </p:txBody>
+      </p:sp>
+      <p:sp>
+        <p:nvSpPr>
+          <p:cNvPr id="5" name="Espace réservé du texte 4"/>
+          <p:cNvSpPr>
+            <a:spLocks noGrp="1"/>
+          </p:cNvSpPr>
+          <p:nvPr>
+            <p:ph type="body" idx="1"/>
+          </p:nvPr>
+        </p:nvSpPr>
+        <p:spPr>
+          <a:xfrm>
+            <a:off x="831850" y="2021305"/>
+            <a:ext cx="10759786" cy="4658628"/>
+          </a:xfrm>
+        </p:spPr>
+        <p:txBody>
+          <a:bodyPr>
+            <a:normAutofit/>
+          </a:bodyPr>
+          <a:lstStyle/>
+          <a:p>
+            <a:pPr defTabSz="360000">
+              <a:lnSpc>
+                <a:spcPct val="120000"/>
+              </a:lnSpc>
+              <a:spcBef>
+                <a:spcPts val="0"/>
+              </a:spcBef>
+            </a:pPr>
+            <a:r>
+              <a:rPr lang="fr-FR" sz="3500" dirty="0" smtClean="0"/>
+              <a:t>J’expérimente avec deux types de bases de données :</a:t>
+            </a:r>
+          </a:p>
+          <a:p>
+            <a:pPr marL="457200" indent="-457200" defTabSz="360000">
+              <a:lnSpc>
+                <a:spcPct val="120000"/>
+              </a:lnSpc>
+              <a:spcBef>
+                <a:spcPts val="0"/>
+              </a:spcBef>
+              <a:buFontTx/>
+              <a:buChar char="-"/>
+            </a:pPr>
+            <a:r>
+              <a:rPr lang="fr-FR" sz="3500" dirty="0" err="1" smtClean="0"/>
+              <a:t>MySql</a:t>
+            </a:r>
+            <a:r>
+              <a:rPr lang="fr-FR" sz="3500" dirty="0" smtClean="0"/>
+              <a:t>  (très répandue, utilisée avec PATRES)</a:t>
+            </a:r>
+          </a:p>
+          <a:p>
+            <a:pPr marL="457200" indent="-457200" defTabSz="360000">
+              <a:lnSpc>
+                <a:spcPct val="120000"/>
+              </a:lnSpc>
+              <a:spcBef>
+                <a:spcPts val="0"/>
+              </a:spcBef>
+              <a:buFontTx/>
+              <a:buChar char="-"/>
+            </a:pPr>
+            <a:r>
+              <a:rPr lang="fr-FR" sz="3500" dirty="0" err="1" smtClean="0"/>
+              <a:t>MongoDb</a:t>
+            </a:r>
+            <a:r>
+              <a:rPr lang="fr-FR" sz="3500" dirty="0" smtClean="0"/>
+              <a:t> (plus moderne, utilisée avec ESOPPE)</a:t>
+            </a:r>
+          </a:p>
+          <a:p>
+            <a:pPr defTabSz="360000">
+              <a:lnSpc>
+                <a:spcPct val="120000"/>
+              </a:lnSpc>
+              <a:spcBef>
+                <a:spcPts val="0"/>
+              </a:spcBef>
+            </a:pPr>
+            <a:endParaRPr lang="fr-FR" sz="3500" dirty="0" smtClean="0"/>
+          </a:p>
+        </p:txBody>
+      </p:sp>
+      <p:sp>
+        <p:nvSpPr>
+          <p:cNvPr id="7" name="Espace réservé du texte 4"/>
+          <p:cNvSpPr txBox="1">
+            <a:spLocks/>
+          </p:cNvSpPr>
+          <p:nvPr/>
+        </p:nvSpPr>
+        <p:spPr>
+          <a:xfrm>
+            <a:off x="831849" y="1857083"/>
+            <a:ext cx="9740901" cy="4909477"/>
+          </a:xfrm>
+          <a:prstGeom prst="rect">
+            <a:avLst/>
+          </a:prstGeom>
+        </p:spPr>
+        <p:txBody>
+          <a:bodyPr vert="horz" lIns="91440" tIns="45720" rIns="91440" bIns="45720" rtlCol="0">
+            <a:normAutofit/>
+          </a:bodyPr>
+          <a:lstStyle>
+            <a:lvl1pPr marL="0" indent="0" algn="l" defTabSz="914400" rtl="0" eaLnBrk="1" latinLnBrk="0" hangingPunct="1">
+              <a:lnSpc>
+                <a:spcPct val="90000"/>
+              </a:lnSpc>
+              <a:spcBef>
+                <a:spcPts val="1000"/>
+              </a:spcBef>
+              <a:buFont typeface="Arial" panose="020B0604020202020204" pitchFamily="34" charset="0"/>
+              <a:buNone/>
+              <a:defRPr sz="2400" kern="1200">
+                <a:solidFill>
+                  <a:schemeClr val="tx1">
+                    <a:tint val="75000"/>
+                  </a:schemeClr>
+                </a:solidFill>
+                <a:latin typeface="+mn-lt"/>
+                <a:ea typeface="+mn-ea"/>
+                <a:cs typeface="+mn-cs"/>
+              </a:defRPr>
+            </a:lvl1pPr>
+            <a:lvl2pPr marL="457200" indent="0" algn="l" defTabSz="914400" rtl="0" eaLnBrk="1" latinLnBrk="0" hangingPunct="1">
+              <a:lnSpc>
+                <a:spcPct val="90000"/>
+              </a:lnSpc>
+              <a:spcBef>
+                <a:spcPts val="500"/>
+              </a:spcBef>
+              <a:buFont typeface="Arial" panose="020B0604020202020204" pitchFamily="34" charset="0"/>
+              <a:buNone/>
+              <a:defRPr sz="2000" kern="1200">
+                <a:solidFill>
+                  <a:schemeClr val="tx1">
+                    <a:tint val="75000"/>
+                  </a:schemeClr>
+                </a:solidFill>
+                <a:latin typeface="+mn-lt"/>
+                <a:ea typeface="+mn-ea"/>
+                <a:cs typeface="+mn-cs"/>
+              </a:defRPr>
+            </a:lvl2pPr>
+            <a:lvl3pPr marL="914400" indent="0" algn="l" defTabSz="914400" rtl="0" eaLnBrk="1" latinLnBrk="0" hangingPunct="1">
+              <a:lnSpc>
+                <a:spcPct val="90000"/>
+              </a:lnSpc>
+              <a:spcBef>
+                <a:spcPts val="500"/>
+              </a:spcBef>
+              <a:buFont typeface="Arial" panose="020B0604020202020204" pitchFamily="34" charset="0"/>
+              <a:buNone/>
+              <a:defRPr sz="1800" kern="1200">
+                <a:solidFill>
+                  <a:schemeClr val="tx1">
+                    <a:tint val="75000"/>
+                  </a:schemeClr>
+                </a:solidFill>
+                <a:latin typeface="+mn-lt"/>
+                <a:ea typeface="+mn-ea"/>
+                <a:cs typeface="+mn-cs"/>
+              </a:defRPr>
+            </a:lvl3pPr>
+            <a:lvl4pPr marL="1371600" indent="0" algn="l" defTabSz="914400" rtl="0" eaLnBrk="1" latinLnBrk="0" hangingPunct="1">
+              <a:lnSpc>
+                <a:spcPct val="90000"/>
+              </a:lnSpc>
+              <a:spcBef>
+                <a:spcPts val="500"/>
+              </a:spcBef>
+              <a:buFont typeface="Arial" panose="020B0604020202020204" pitchFamily="34" charset="0"/>
+              <a:buNone/>
+              <a:defRPr sz="1600" kern="1200">
+                <a:solidFill>
+                  <a:schemeClr val="tx1">
+                    <a:tint val="75000"/>
+                  </a:schemeClr>
+                </a:solidFill>
+                <a:latin typeface="+mn-lt"/>
+                <a:ea typeface="+mn-ea"/>
+                <a:cs typeface="+mn-cs"/>
+              </a:defRPr>
+            </a:lvl4pPr>
+            <a:lvl5pPr marL="1828800" indent="0" algn="l" defTabSz="914400" rtl="0" eaLnBrk="1" latinLnBrk="0" hangingPunct="1">
+              <a:lnSpc>
+                <a:spcPct val="90000"/>
+              </a:lnSpc>
+              <a:spcBef>
+                <a:spcPts val="500"/>
+              </a:spcBef>
+              <a:buFont typeface="Arial" panose="020B0604020202020204" pitchFamily="34" charset="0"/>
+              <a:buNone/>
+              <a:defRPr sz="1600" kern="1200">
+                <a:solidFill>
+                  <a:schemeClr val="tx1">
+                    <a:tint val="75000"/>
+                  </a:schemeClr>
+                </a:solidFill>
+                <a:latin typeface="+mn-lt"/>
+                <a:ea typeface="+mn-ea"/>
+                <a:cs typeface="+mn-cs"/>
+              </a:defRPr>
+            </a:lvl5pPr>
+            <a:lvl6pPr marL="2286000" indent="0" algn="l" defTabSz="914400" rtl="0" eaLnBrk="1" latinLnBrk="0" hangingPunct="1">
+              <a:lnSpc>
+                <a:spcPct val="90000"/>
+              </a:lnSpc>
+              <a:spcBef>
+                <a:spcPts val="500"/>
+              </a:spcBef>
+              <a:buFont typeface="Arial" panose="020B0604020202020204" pitchFamily="34" charset="0"/>
+              <a:buNone/>
+              <a:defRPr sz="1600" kern="1200">
+                <a:solidFill>
+                  <a:schemeClr val="tx1">
+                    <a:tint val="75000"/>
+                  </a:schemeClr>
+                </a:solidFill>
+                <a:latin typeface="+mn-lt"/>
+                <a:ea typeface="+mn-ea"/>
+                <a:cs typeface="+mn-cs"/>
+              </a:defRPr>
+            </a:lvl6pPr>
+            <a:lvl7pPr marL="2743200" indent="0" algn="l" defTabSz="914400" rtl="0" eaLnBrk="1" latinLnBrk="0" hangingPunct="1">
+              <a:lnSpc>
+                <a:spcPct val="90000"/>
+              </a:lnSpc>
+              <a:spcBef>
+                <a:spcPts val="500"/>
+              </a:spcBef>
+              <a:buFont typeface="Arial" panose="020B0604020202020204" pitchFamily="34" charset="0"/>
+              <a:buNone/>
+              <a:defRPr sz="1600" kern="1200">
+                <a:solidFill>
+                  <a:schemeClr val="tx1">
+                    <a:tint val="75000"/>
+                  </a:schemeClr>
+                </a:solidFill>
+                <a:latin typeface="+mn-lt"/>
+                <a:ea typeface="+mn-ea"/>
+                <a:cs typeface="+mn-cs"/>
+              </a:defRPr>
+            </a:lvl7pPr>
+            <a:lvl8pPr marL="3200400" indent="0" algn="l" defTabSz="914400" rtl="0" eaLnBrk="1" latinLnBrk="0" hangingPunct="1">
+              <a:lnSpc>
+                <a:spcPct val="90000"/>
+              </a:lnSpc>
+              <a:spcBef>
+                <a:spcPts val="500"/>
+              </a:spcBef>
+              <a:buFont typeface="Arial" panose="020B0604020202020204" pitchFamily="34" charset="0"/>
+              <a:buNone/>
+              <a:defRPr sz="1600" kern="1200">
+                <a:solidFill>
+                  <a:schemeClr val="tx1">
+                    <a:tint val="75000"/>
+                  </a:schemeClr>
+                </a:solidFill>
+                <a:latin typeface="+mn-lt"/>
+                <a:ea typeface="+mn-ea"/>
+                <a:cs typeface="+mn-cs"/>
+              </a:defRPr>
+            </a:lvl8pPr>
+            <a:lvl9pPr marL="3657600" indent="0" algn="l" defTabSz="914400" rtl="0" eaLnBrk="1" latinLnBrk="0" hangingPunct="1">
+              <a:lnSpc>
+                <a:spcPct val="90000"/>
+              </a:lnSpc>
+              <a:spcBef>
+                <a:spcPts val="500"/>
+              </a:spcBef>
+              <a:buFont typeface="Arial" panose="020B0604020202020204" pitchFamily="34" charset="0"/>
+              <a:buNone/>
+              <a:defRPr sz="1600" kern="1200">
+                <a:solidFill>
+                  <a:schemeClr val="tx1">
+                    <a:tint val="75000"/>
+                  </a:schemeClr>
+                </a:solidFill>
+                <a:latin typeface="+mn-lt"/>
+                <a:ea typeface="+mn-ea"/>
+                <a:cs typeface="+mn-cs"/>
+              </a:defRPr>
+            </a:lvl9pPr>
+          </a:lstStyle>
+          <a:p>
+            <a:pPr marL="342900" indent="-342900">
+              <a:buFontTx/>
+              <a:buChar char="-"/>
+            </a:pPr>
+            <a:endParaRPr lang="fr-FR" dirty="0" smtClean="0"/>
+          </a:p>
+          <a:p>
+            <a:pPr marL="342900" indent="-342900">
+              <a:buFontTx/>
+              <a:buChar char="-"/>
+            </a:pPr>
+            <a:endParaRPr lang="fr-FR" dirty="0" smtClean="0"/>
+          </a:p>
+          <a:p>
+            <a:pPr marL="342900" indent="-342900">
+              <a:buFontTx/>
+              <a:buChar char="-"/>
+            </a:pPr>
+            <a:endParaRPr lang="fr-FR" dirty="0" smtClean="0"/>
+          </a:p>
+        </p:txBody>
+      </p:sp>
+    </p:spTree>
+    <p:extLst>
+      <p:ext uri="{BB962C8B-B14F-4D97-AF65-F5344CB8AC3E}">
+        <p14:creationId xmlns:p14="http://schemas.microsoft.com/office/powerpoint/2010/main" val="1814086872"/>
       </p:ext>
     </p:extLst>
   </p:cSld>
